--- a/CH2. Modélisation du palier hydrodynamique/figures/figure_ paliers hydrodynamiques.pptx
+++ b/CH2. Modélisation du palier hydrodynamique/figures/figure_ paliers hydrodynamiques.pptx
@@ -8,14 +8,15 @@
     <p:sldId id="264" r:id="rId2"/>
     <p:sldId id="265" r:id="rId3"/>
     <p:sldId id="257" r:id="rId4"/>
-    <p:sldId id="258" r:id="rId5"/>
-    <p:sldId id="266" r:id="rId6"/>
-    <p:sldId id="256" r:id="rId7"/>
-    <p:sldId id="259" r:id="rId8"/>
-    <p:sldId id="260" r:id="rId9"/>
-    <p:sldId id="261" r:id="rId10"/>
-    <p:sldId id="262" r:id="rId11"/>
-    <p:sldId id="263" r:id="rId12"/>
+    <p:sldId id="267" r:id="rId5"/>
+    <p:sldId id="258" r:id="rId6"/>
+    <p:sldId id="266" r:id="rId7"/>
+    <p:sldId id="256" r:id="rId8"/>
+    <p:sldId id="259" r:id="rId9"/>
+    <p:sldId id="260" r:id="rId10"/>
+    <p:sldId id="261" r:id="rId11"/>
+    <p:sldId id="262" r:id="rId12"/>
+    <p:sldId id="263" r:id="rId13"/>
   </p:sldIdLst>
   <p:sldSz cx="12192000" cy="6858000"/>
   <p:notesSz cx="6858000" cy="9144000"/>
@@ -123,7 +124,7 @@
 </file>
 
 <file path=ppt/charts/chart1.xml><?xml version="1.0" encoding="utf-8"?>
-<c:chartSpace xmlns:c="http://schemas.openxmlformats.org/drawingml/2006/chart" xmlns:a="http://schemas.openxmlformats.org/drawingml/2006/main" xmlns:r="http://schemas.openxmlformats.org/officeDocument/2006/relationships" xmlns:c16r2="http://schemas.microsoft.com/office/drawing/2015/06/chart">
+<c:chartSpace xmlns:c="http://schemas.openxmlformats.org/drawingml/2006/chart" xmlns:a="http://schemas.openxmlformats.org/drawingml/2006/main" xmlns:r="http://schemas.openxmlformats.org/officeDocument/2006/relationships">
   <c:date1904 val="0"/>
   <c:lang val="fr-FR"/>
   <c:roundedCorners val="0"/>
@@ -382,7 +383,7 @@
             </c:numRef>
           </c:yVal>
           <c:smooth val="1"/>
-          <c:extLst>
+          <c:extLst xmlns:c16r2="http://schemas.microsoft.com/office/drawing/2015/06/chart">
             <c:ext xmlns:c16="http://schemas.microsoft.com/office/drawing/2014/chart" uri="{C3380CC4-5D6E-409C-BE32-E72D297353CC}">
               <c16:uniqueId val="{00000000-0130-4E36-9776-885830ADEC4C}"/>
             </c:ext>
@@ -471,7 +472,7 @@
             </c:numRef>
           </c:yVal>
           <c:smooth val="1"/>
-          <c:extLst>
+          <c:extLst xmlns:c16r2="http://schemas.microsoft.com/office/drawing/2015/06/chart">
             <c:ext xmlns:c16="http://schemas.microsoft.com/office/drawing/2014/chart" uri="{C3380CC4-5D6E-409C-BE32-E72D297353CC}">
               <c16:uniqueId val="{00000001-0130-4E36-9776-885830ADEC4C}"/>
             </c:ext>
@@ -485,9 +486,9 @@
           <c:showPercent val="0"/>
           <c:showBubbleSize val="0"/>
         </c:dLbls>
-        <c:axId val="425154984"/>
-        <c:axId val="425155768"/>
-        <c:extLst>
+        <c:axId val="161415056"/>
+        <c:axId val="161414272"/>
+        <c:extLst xmlns:c16r2="http://schemas.microsoft.com/office/drawing/2015/06/chart">
           <c:ext xmlns:c15="http://schemas.microsoft.com/office/drawing/2012/chart" uri="{02D57815-91ED-43cb-92C2-25804820EDAC}">
             <c15:filteredScatterSeries>
               <c15:ser>
@@ -522,7 +523,7 @@
                 </c:marker>
                 <c:xVal>
                   <c:numRef>
-                    <c:extLst>
+                    <c:extLst xmlns:c16r2="http://schemas.microsoft.com/office/drawing/2015/06/chart">
                       <c:ext uri="{02D57815-91ED-43cb-92C2-25804820EDAC}">
                         <c15:formulaRef>
                           <c15:sqref>'Lobe inf'!$A$42:$A$73</c15:sqref>
@@ -633,7 +634,7 @@
                 </c:xVal>
                 <c:yVal>
                   <c:numRef>
-                    <c:extLst>
+                    <c:extLst xmlns:c16r2="http://schemas.microsoft.com/office/drawing/2015/06/chart">
                       <c:ext uri="{02D57815-91ED-43cb-92C2-25804820EDAC}">
                         <c15:formulaRef>
                           <c15:sqref>'Lobe inf'!$C$42:$C$73</c15:sqref>
@@ -743,7 +744,7 @@
                   </c:numRef>
                 </c:yVal>
                 <c:smooth val="1"/>
-                <c:extLst>
+                <c:extLst xmlns:c16r2="http://schemas.microsoft.com/office/drawing/2015/06/chart">
                   <c:ext xmlns:c16="http://schemas.microsoft.com/office/drawing/2014/chart" uri="{C3380CC4-5D6E-409C-BE32-E72D297353CC}">
                     <c16:uniqueId val="{00000002-0130-4E36-9776-885830ADEC4C}"/>
                   </c:ext>
@@ -754,7 +755,7 @@
         </c:extLst>
       </c:scatterChart>
       <c:valAx>
-        <c:axId val="425154984"/>
+        <c:axId val="161415056"/>
         <c:scaling>
           <c:orientation val="minMax"/>
           <c:max val="252.5"/>
@@ -834,7 +835,7 @@
                   <a:cs typeface="+mn-cs"/>
                 </a:defRPr>
               </a:pPr>
-              <a:endParaRPr lang="en-US"/>
+              <a:endParaRPr lang="fr-FR"/>
             </a:p>
           </c:txPr>
         </c:title>
@@ -869,16 +870,16 @@
                 <a:cs typeface="+mn-cs"/>
               </a:defRPr>
             </a:pPr>
-            <a:endParaRPr lang="en-US"/>
+            <a:endParaRPr lang="fr-FR"/>
           </a:p>
         </c:txPr>
-        <c:crossAx val="425155768"/>
+        <c:crossAx val="161414272"/>
         <c:crosses val="autoZero"/>
         <c:crossBetween val="midCat"/>
         <c:majorUnit val="25"/>
       </c:valAx>
       <c:valAx>
-        <c:axId val="425155768"/>
+        <c:axId val="161414272"/>
         <c:scaling>
           <c:orientation val="minMax"/>
           <c:max val="50"/>
@@ -953,7 +954,7 @@
                   <a:cs typeface="+mn-cs"/>
                 </a:defRPr>
               </a:pPr>
-              <a:endParaRPr lang="en-US"/>
+              <a:endParaRPr lang="fr-FR"/>
             </a:p>
           </c:txPr>
         </c:title>
@@ -988,10 +989,10 @@
                 <a:cs typeface="+mn-cs"/>
               </a:defRPr>
             </a:pPr>
-            <a:endParaRPr lang="en-US"/>
+            <a:endParaRPr lang="fr-FR"/>
           </a:p>
         </c:txPr>
-        <c:crossAx val="425154984"/>
+        <c:crossAx val="161415056"/>
         <c:crosses val="autoZero"/>
         <c:crossBetween val="midCat"/>
       </c:valAx>
@@ -1041,7 +1042,7 @@
               <a:cs typeface="+mn-cs"/>
             </a:defRPr>
           </a:pPr>
-          <a:endParaRPr lang="en-US"/>
+          <a:endParaRPr lang="fr-FR"/>
         </a:p>
       </c:txPr>
     </c:legend>
@@ -1067,7 +1068,7 @@
           </a:solidFill>
         </a:defRPr>
       </a:pPr>
-      <a:endParaRPr lang="en-US"/>
+      <a:endParaRPr lang="fr-FR"/>
     </a:p>
   </c:txPr>
   <c:externalData r:id="rId4">
@@ -1077,7 +1078,7 @@
 </file>
 
 <file path=ppt/charts/chart10.xml><?xml version="1.0" encoding="utf-8"?>
-<c:chartSpace xmlns:c="http://schemas.openxmlformats.org/drawingml/2006/chart" xmlns:a="http://schemas.openxmlformats.org/drawingml/2006/main" xmlns:r="http://schemas.openxmlformats.org/officeDocument/2006/relationships" xmlns:c16r2="http://schemas.microsoft.com/office/drawing/2015/06/chart">
+<c:chartSpace xmlns:c="http://schemas.openxmlformats.org/drawingml/2006/chart" xmlns:a="http://schemas.openxmlformats.org/drawingml/2006/main" xmlns:r="http://schemas.openxmlformats.org/officeDocument/2006/relationships">
   <c:date1904 val="0"/>
   <c:lang val="fr-FR"/>
   <c:roundedCorners val="0"/>
@@ -1336,7 +1337,7 @@
             </c:numRef>
           </c:yVal>
           <c:smooth val="1"/>
-          <c:extLst>
+          <c:extLst xmlns:c16r2="http://schemas.microsoft.com/office/drawing/2015/06/chart">
             <c:ext xmlns:c16="http://schemas.microsoft.com/office/drawing/2014/chart" uri="{C3380CC4-5D6E-409C-BE32-E72D297353CC}">
               <c16:uniqueId val="{00000000-AC80-49FE-869A-0B31E246FCD4}"/>
             </c:ext>
@@ -1431,7 +1432,7 @@
             </c:numRef>
           </c:yVal>
           <c:smooth val="1"/>
-          <c:extLst>
+          <c:extLst xmlns:c16r2="http://schemas.microsoft.com/office/drawing/2015/06/chart">
             <c:ext xmlns:c16="http://schemas.microsoft.com/office/drawing/2014/chart" uri="{C3380CC4-5D6E-409C-BE32-E72D297353CC}">
               <c16:uniqueId val="{00000001-AC80-49FE-869A-0B31E246FCD4}"/>
             </c:ext>
@@ -1445,9 +1446,9 @@
           <c:showPercent val="0"/>
           <c:showBubbleSize val="0"/>
         </c:dLbls>
-        <c:axId val="479235352"/>
-        <c:axId val="479237312"/>
-        <c:extLst>
+        <c:axId val="165550992"/>
+        <c:axId val="165552560"/>
+        <c:extLst xmlns:c16r2="http://schemas.microsoft.com/office/drawing/2015/06/chart">
           <c:ext xmlns:c15="http://schemas.microsoft.com/office/drawing/2012/chart" uri="{02D57815-91ED-43cb-92C2-25804820EDAC}">
             <c15:filteredScatterSeries>
               <c15:ser>
@@ -1482,7 +1483,7 @@
                 </c:marker>
                 <c:xVal>
                   <c:numRef>
-                    <c:extLst>
+                    <c:extLst xmlns:c16r2="http://schemas.microsoft.com/office/drawing/2015/06/chart">
                       <c:ext uri="{02D57815-91ED-43cb-92C2-25804820EDAC}">
                         <c15:formulaRef>
                           <c15:sqref>'Lobe inf'!$A$3:$A$34</c15:sqref>
@@ -1593,7 +1594,7 @@
                 </c:xVal>
                 <c:yVal>
                   <c:numRef>
-                    <c:extLst>
+                    <c:extLst xmlns:c16r2="http://schemas.microsoft.com/office/drawing/2015/06/chart">
                       <c:ext uri="{02D57815-91ED-43cb-92C2-25804820EDAC}">
                         <c15:formulaRef>
                           <c15:sqref>'Lobe inf'!$B$3:$B$34</c15:sqref>
@@ -1703,7 +1704,7 @@
                   </c:numRef>
                 </c:yVal>
                 <c:smooth val="1"/>
-                <c:extLst>
+                <c:extLst xmlns:c16r2="http://schemas.microsoft.com/office/drawing/2015/06/chart">
                   <c:ext xmlns:c16="http://schemas.microsoft.com/office/drawing/2014/chart" uri="{C3380CC4-5D6E-409C-BE32-E72D297353CC}">
                     <c16:uniqueId val="{00000002-AC80-49FE-869A-0B31E246FCD4}"/>
                   </c:ext>
@@ -1714,7 +1715,7 @@
         </c:extLst>
       </c:scatterChart>
       <c:valAx>
-        <c:axId val="479235352"/>
+        <c:axId val="165550992"/>
         <c:scaling>
           <c:orientation val="minMax"/>
           <c:max val="252.5"/>
@@ -1782,7 +1783,7 @@
                   <a:cs typeface="+mn-cs"/>
                 </a:defRPr>
               </a:pPr>
-              <a:endParaRPr lang="en-US"/>
+              <a:endParaRPr lang="fr-FR"/>
             </a:p>
           </c:txPr>
         </c:title>
@@ -1817,16 +1818,16 @@
                 <a:cs typeface="+mn-cs"/>
               </a:defRPr>
             </a:pPr>
-            <a:endParaRPr lang="en-US"/>
+            <a:endParaRPr lang="fr-FR"/>
           </a:p>
         </c:txPr>
-        <c:crossAx val="479237312"/>
+        <c:crossAx val="165552560"/>
         <c:crosses val="autoZero"/>
         <c:crossBetween val="midCat"/>
         <c:majorUnit val="25"/>
       </c:valAx>
       <c:valAx>
-        <c:axId val="479237312"/>
+        <c:axId val="165552560"/>
         <c:scaling>
           <c:orientation val="minMax"/>
         </c:scaling>
@@ -1900,7 +1901,7 @@
                   <a:cs typeface="+mn-cs"/>
                 </a:defRPr>
               </a:pPr>
-              <a:endParaRPr lang="en-US"/>
+              <a:endParaRPr lang="fr-FR"/>
             </a:p>
           </c:txPr>
         </c:title>
@@ -1935,10 +1936,10 @@
                 <a:cs typeface="+mn-cs"/>
               </a:defRPr>
             </a:pPr>
-            <a:endParaRPr lang="en-US"/>
+            <a:endParaRPr lang="fr-FR"/>
           </a:p>
         </c:txPr>
-        <c:crossAx val="479235352"/>
+        <c:crossAx val="165550992"/>
         <c:crosses val="autoZero"/>
         <c:crossBetween val="midCat"/>
       </c:valAx>
@@ -1988,7 +1989,7 @@
               <a:cs typeface="+mn-cs"/>
             </a:defRPr>
           </a:pPr>
-          <a:endParaRPr lang="en-US"/>
+          <a:endParaRPr lang="fr-FR"/>
         </a:p>
       </c:txPr>
     </c:legend>
@@ -2014,7 +2015,7 @@
           </a:solidFill>
         </a:defRPr>
       </a:pPr>
-      <a:endParaRPr lang="en-US"/>
+      <a:endParaRPr lang="fr-FR"/>
     </a:p>
   </c:txPr>
   <c:externalData r:id="rId4">
@@ -2024,7 +2025,7 @@
 </file>
 
 <file path=ppt/charts/chart11.xml><?xml version="1.0" encoding="utf-8"?>
-<c:chartSpace xmlns:c="http://schemas.openxmlformats.org/drawingml/2006/chart" xmlns:a="http://schemas.openxmlformats.org/drawingml/2006/main" xmlns:r="http://schemas.openxmlformats.org/officeDocument/2006/relationships" xmlns:c16r2="http://schemas.microsoft.com/office/drawing/2015/06/chart">
+<c:chartSpace xmlns:c="http://schemas.openxmlformats.org/drawingml/2006/chart" xmlns:a="http://schemas.openxmlformats.org/drawingml/2006/main" xmlns:r="http://schemas.openxmlformats.org/officeDocument/2006/relationships">
   <c:date1904 val="0"/>
   <c:lang val="fr-FR"/>
   <c:roundedCorners val="0"/>
@@ -2283,7 +2284,7 @@
             </c:numRef>
           </c:yVal>
           <c:smooth val="1"/>
-          <c:extLst>
+          <c:extLst xmlns:c16r2="http://schemas.microsoft.com/office/drawing/2015/06/chart">
             <c:ext xmlns:c16="http://schemas.microsoft.com/office/drawing/2014/chart" uri="{C3380CC4-5D6E-409C-BE32-E72D297353CC}">
               <c16:uniqueId val="{00000000-5580-4393-AE68-BF73AFC9790D}"/>
             </c:ext>
@@ -2360,7 +2361,7 @@
             </c:numRef>
           </c:yVal>
           <c:smooth val="1"/>
-          <c:extLst>
+          <c:extLst xmlns:c16r2="http://schemas.microsoft.com/office/drawing/2015/06/chart">
             <c:ext xmlns:c16="http://schemas.microsoft.com/office/drawing/2014/chart" uri="{C3380CC4-5D6E-409C-BE32-E72D297353CC}">
               <c16:uniqueId val="{00000001-5580-4393-AE68-BF73AFC9790D}"/>
             </c:ext>
@@ -2374,9 +2375,9 @@
           <c:showPercent val="0"/>
           <c:showBubbleSize val="0"/>
         </c:dLbls>
-        <c:axId val="479223592"/>
-        <c:axId val="479230256"/>
-        <c:extLst>
+        <c:axId val="165463744"/>
+        <c:axId val="302994000"/>
+        <c:extLst xmlns:c16r2="http://schemas.microsoft.com/office/drawing/2015/06/chart">
           <c:ext xmlns:c15="http://schemas.microsoft.com/office/drawing/2012/chart" uri="{02D57815-91ED-43cb-92C2-25804820EDAC}">
             <c15:filteredScatterSeries>
               <c15:ser>
@@ -2411,7 +2412,7 @@
                 </c:marker>
                 <c:xVal>
                   <c:numRef>
-                    <c:extLst>
+                    <c:extLst xmlns:c16r2="http://schemas.microsoft.com/office/drawing/2015/06/chart">
                       <c:ext uri="{02D57815-91ED-43cb-92C2-25804820EDAC}">
                         <c15:formulaRef>
                           <c15:sqref>'Lobe sup'!$A$3:$A$34</c15:sqref>
@@ -2522,7 +2523,7 @@
                 </c:xVal>
                 <c:yVal>
                   <c:numRef>
-                    <c:extLst>
+                    <c:extLst xmlns:c16r2="http://schemas.microsoft.com/office/drawing/2015/06/chart">
                       <c:ext uri="{02D57815-91ED-43cb-92C2-25804820EDAC}">
                         <c15:formulaRef>
                           <c15:sqref>'Lobe sup'!$B$3:$B$34</c15:sqref>
@@ -2632,7 +2633,7 @@
                   </c:numRef>
                 </c:yVal>
                 <c:smooth val="1"/>
-                <c:extLst>
+                <c:extLst xmlns:c16r2="http://schemas.microsoft.com/office/drawing/2015/06/chart">
                   <c:ext xmlns:c16="http://schemas.microsoft.com/office/drawing/2014/chart" uri="{C3380CC4-5D6E-409C-BE32-E72D297353CC}">
                     <c16:uniqueId val="{00000002-5580-4393-AE68-BF73AFC9790D}"/>
                   </c:ext>
@@ -2643,7 +2644,7 @@
         </c:extLst>
       </c:scatterChart>
       <c:valAx>
-        <c:axId val="479223592"/>
+        <c:axId val="165463744"/>
         <c:scaling>
           <c:orientation val="minMax"/>
           <c:max val="432.5"/>
@@ -2711,7 +2712,7 @@
                   <a:cs typeface="+mn-cs"/>
                 </a:defRPr>
               </a:pPr>
-              <a:endParaRPr lang="en-US"/>
+              <a:endParaRPr lang="fr-FR"/>
             </a:p>
           </c:txPr>
         </c:title>
@@ -2746,16 +2747,16 @@
                 <a:cs typeface="+mn-cs"/>
               </a:defRPr>
             </a:pPr>
-            <a:endParaRPr lang="en-US"/>
+            <a:endParaRPr lang="fr-FR"/>
           </a:p>
         </c:txPr>
-        <c:crossAx val="479230256"/>
+        <c:crossAx val="302994000"/>
         <c:crosses val="autoZero"/>
         <c:crossBetween val="midCat"/>
         <c:majorUnit val="25"/>
       </c:valAx>
       <c:valAx>
-        <c:axId val="479230256"/>
+        <c:axId val="302994000"/>
         <c:scaling>
           <c:orientation val="minMax"/>
         </c:scaling>
@@ -2829,7 +2830,7 @@
                   <a:cs typeface="+mn-cs"/>
                 </a:defRPr>
               </a:pPr>
-              <a:endParaRPr lang="en-US"/>
+              <a:endParaRPr lang="fr-FR"/>
             </a:p>
           </c:txPr>
         </c:title>
@@ -2864,10 +2865,10 @@
                 <a:cs typeface="+mn-cs"/>
               </a:defRPr>
             </a:pPr>
-            <a:endParaRPr lang="en-US"/>
+            <a:endParaRPr lang="fr-FR"/>
           </a:p>
         </c:txPr>
-        <c:crossAx val="479223592"/>
+        <c:crossAx val="165463744"/>
         <c:crosses val="autoZero"/>
         <c:crossBetween val="midCat"/>
       </c:valAx>
@@ -2917,7 +2918,7 @@
               <a:cs typeface="+mn-cs"/>
             </a:defRPr>
           </a:pPr>
-          <a:endParaRPr lang="en-US"/>
+          <a:endParaRPr lang="fr-FR"/>
         </a:p>
       </c:txPr>
     </c:legend>
@@ -2943,7 +2944,7 @@
           </a:solidFill>
         </a:defRPr>
       </a:pPr>
-      <a:endParaRPr lang="en-US"/>
+      <a:endParaRPr lang="fr-FR"/>
     </a:p>
   </c:txPr>
   <c:externalData r:id="rId4">
@@ -2953,7 +2954,7 @@
 </file>
 
 <file path=ppt/charts/chart12.xml><?xml version="1.0" encoding="utf-8"?>
-<c:chartSpace xmlns:c="http://schemas.openxmlformats.org/drawingml/2006/chart" xmlns:a="http://schemas.openxmlformats.org/drawingml/2006/main" xmlns:r="http://schemas.openxmlformats.org/officeDocument/2006/relationships" xmlns:c16r2="http://schemas.microsoft.com/office/drawing/2015/06/chart">
+<c:chartSpace xmlns:c="http://schemas.openxmlformats.org/drawingml/2006/chart" xmlns:a="http://schemas.openxmlformats.org/drawingml/2006/main" xmlns:r="http://schemas.openxmlformats.org/officeDocument/2006/relationships">
   <c:date1904 val="0"/>
   <c:lang val="fr-FR"/>
   <c:roundedCorners val="0"/>
@@ -3206,7 +3207,7 @@
             </c:numRef>
           </c:yVal>
           <c:smooth val="1"/>
-          <c:extLst>
+          <c:extLst xmlns:c16r2="http://schemas.microsoft.com/office/drawing/2015/06/chart">
             <c:ext xmlns:c16="http://schemas.microsoft.com/office/drawing/2014/chart" uri="{C3380CC4-5D6E-409C-BE32-E72D297353CC}">
               <c16:uniqueId val="{00000000-7F86-4A2F-AE32-8E55BDC804E4}"/>
             </c:ext>
@@ -3301,7 +3302,7 @@
             </c:numRef>
           </c:yVal>
           <c:smooth val="1"/>
-          <c:extLst>
+          <c:extLst xmlns:c16r2="http://schemas.microsoft.com/office/drawing/2015/06/chart">
             <c:ext xmlns:c16="http://schemas.microsoft.com/office/drawing/2014/chart" uri="{C3380CC4-5D6E-409C-BE32-E72D297353CC}">
               <c16:uniqueId val="{00000001-7F86-4A2F-AE32-8E55BDC804E4}"/>
             </c:ext>
@@ -3315,9 +3316,9 @@
           <c:showPercent val="0"/>
           <c:showBubbleSize val="0"/>
         </c:dLbls>
-        <c:axId val="479231432"/>
-        <c:axId val="479225552"/>
-        <c:extLst>
+        <c:axId val="302987336"/>
+        <c:axId val="302988512"/>
+        <c:extLst xmlns:c16r2="http://schemas.microsoft.com/office/drawing/2015/06/chart">
           <c:ext xmlns:c15="http://schemas.microsoft.com/office/drawing/2012/chart" uri="{02D57815-91ED-43cb-92C2-25804820EDAC}">
             <c15:filteredScatterSeries>
               <c15:ser>
@@ -3352,7 +3353,7 @@
                 </c:marker>
                 <c:xVal>
                   <c:numRef>
-                    <c:extLst>
+                    <c:extLst xmlns:c16r2="http://schemas.microsoft.com/office/drawing/2015/06/chart">
                       <c:ext uri="{02D57815-91ED-43cb-92C2-25804820EDAC}">
                         <c15:formulaRef>
                           <c15:sqref>'Lobe sup'!$A$42:$A$73</c15:sqref>
@@ -3463,7 +3464,7 @@
                 </c:xVal>
                 <c:yVal>
                   <c:numRef>
-                    <c:extLst>
+                    <c:extLst xmlns:c16r2="http://schemas.microsoft.com/office/drawing/2015/06/chart">
                       <c:ext uri="{02D57815-91ED-43cb-92C2-25804820EDAC}">
                         <c15:formulaRef>
                           <c15:sqref>'Lobe sup'!$B$42:$B$73</c15:sqref>
@@ -3573,7 +3574,7 @@
                   </c:numRef>
                 </c:yVal>
                 <c:smooth val="1"/>
-                <c:extLst>
+                <c:extLst xmlns:c16r2="http://schemas.microsoft.com/office/drawing/2015/06/chart">
                   <c:ext xmlns:c16="http://schemas.microsoft.com/office/drawing/2014/chart" uri="{C3380CC4-5D6E-409C-BE32-E72D297353CC}">
                     <c16:uniqueId val="{00000002-7F86-4A2F-AE32-8E55BDC804E4}"/>
                   </c:ext>
@@ -3584,7 +3585,7 @@
         </c:extLst>
       </c:scatterChart>
       <c:valAx>
-        <c:axId val="479231432"/>
+        <c:axId val="302987336"/>
         <c:scaling>
           <c:orientation val="minMax"/>
           <c:max val="432.5"/>
@@ -3652,7 +3653,7 @@
                   <a:cs typeface="+mn-cs"/>
                 </a:defRPr>
               </a:pPr>
-              <a:endParaRPr lang="en-US"/>
+              <a:endParaRPr lang="fr-FR"/>
             </a:p>
           </c:txPr>
         </c:title>
@@ -3687,16 +3688,16 @@
                 <a:cs typeface="+mn-cs"/>
               </a:defRPr>
             </a:pPr>
-            <a:endParaRPr lang="en-US"/>
+            <a:endParaRPr lang="fr-FR"/>
           </a:p>
         </c:txPr>
-        <c:crossAx val="479225552"/>
+        <c:crossAx val="302988512"/>
         <c:crosses val="autoZero"/>
         <c:crossBetween val="midCat"/>
         <c:majorUnit val="25"/>
       </c:valAx>
       <c:valAx>
-        <c:axId val="479225552"/>
+        <c:axId val="302988512"/>
         <c:scaling>
           <c:orientation val="minMax"/>
           <c:max val="70"/>
@@ -3764,7 +3765,7 @@
                   <a:cs typeface="+mn-cs"/>
                 </a:defRPr>
               </a:pPr>
-              <a:endParaRPr lang="en-US"/>
+              <a:endParaRPr lang="fr-FR"/>
             </a:p>
           </c:txPr>
         </c:title>
@@ -3799,10 +3800,10 @@
                 <a:cs typeface="+mn-cs"/>
               </a:defRPr>
             </a:pPr>
-            <a:endParaRPr lang="en-US"/>
+            <a:endParaRPr lang="fr-FR"/>
           </a:p>
         </c:txPr>
-        <c:crossAx val="479231432"/>
+        <c:crossAx val="302987336"/>
         <c:crosses val="autoZero"/>
         <c:crossBetween val="midCat"/>
       </c:valAx>
@@ -3852,7 +3853,7 @@
               <a:cs typeface="+mn-cs"/>
             </a:defRPr>
           </a:pPr>
-          <a:endParaRPr lang="en-US"/>
+          <a:endParaRPr lang="fr-FR"/>
         </a:p>
       </c:txPr>
     </c:legend>
@@ -3878,7 +3879,7 @@
           </a:solidFill>
         </a:defRPr>
       </a:pPr>
-      <a:endParaRPr lang="en-US"/>
+      <a:endParaRPr lang="fr-FR"/>
     </a:p>
   </c:txPr>
   <c:externalData r:id="rId4">
@@ -3888,7 +3889,7 @@
 </file>
 
 <file path=ppt/charts/chart2.xml><?xml version="1.0" encoding="utf-8"?>
-<c:chartSpace xmlns:c="http://schemas.openxmlformats.org/drawingml/2006/chart" xmlns:a="http://schemas.openxmlformats.org/drawingml/2006/main" xmlns:r="http://schemas.openxmlformats.org/officeDocument/2006/relationships" xmlns:c16r2="http://schemas.microsoft.com/office/drawing/2015/06/chart">
+<c:chartSpace xmlns:c="http://schemas.openxmlformats.org/drawingml/2006/chart" xmlns:a="http://schemas.openxmlformats.org/drawingml/2006/main" xmlns:r="http://schemas.openxmlformats.org/officeDocument/2006/relationships">
   <c:date1904 val="0"/>
   <c:lang val="fr-FR"/>
   <c:roundedCorners val="0"/>
@@ -4148,7 +4149,7 @@
             </c:numRef>
           </c:yVal>
           <c:smooth val="1"/>
-          <c:extLst>
+          <c:extLst xmlns:c16r2="http://schemas.microsoft.com/office/drawing/2015/06/chart">
             <c:ext xmlns:c16="http://schemas.microsoft.com/office/drawing/2014/chart" uri="{C3380CC4-5D6E-409C-BE32-E72D297353CC}">
               <c16:uniqueId val="{00000000-3EC2-473F-A89E-01EF7F3898BA}"/>
             </c:ext>
@@ -4243,7 +4244,7 @@
             </c:numRef>
           </c:yVal>
           <c:smooth val="1"/>
-          <c:extLst>
+          <c:extLst xmlns:c16r2="http://schemas.microsoft.com/office/drawing/2015/06/chart">
             <c:ext xmlns:c16="http://schemas.microsoft.com/office/drawing/2014/chart" uri="{C3380CC4-5D6E-409C-BE32-E72D297353CC}">
               <c16:uniqueId val="{00000001-3EC2-473F-A89E-01EF7F3898BA}"/>
             </c:ext>
@@ -4257,9 +4258,9 @@
           <c:showPercent val="0"/>
           <c:showBubbleSize val="0"/>
         </c:dLbls>
-        <c:axId val="425153416"/>
-        <c:axId val="425154200"/>
-        <c:extLst>
+        <c:axId val="161415448"/>
+        <c:axId val="161412312"/>
+        <c:extLst xmlns:c16r2="http://schemas.microsoft.com/office/drawing/2015/06/chart">
           <c:ext xmlns:c15="http://schemas.microsoft.com/office/drawing/2012/chart" uri="{02D57815-91ED-43cb-92C2-25804820EDAC}">
             <c15:filteredScatterSeries>
               <c15:ser>
@@ -4294,7 +4295,7 @@
                 </c:marker>
                 <c:xVal>
                   <c:numRef>
-                    <c:extLst>
+                    <c:extLst xmlns:c16r2="http://schemas.microsoft.com/office/drawing/2015/06/chart">
                       <c:ext uri="{02D57815-91ED-43cb-92C2-25804820EDAC}">
                         <c15:formulaRef>
                           <c15:sqref>'Lobe inf'!$A$3:$A$34</c15:sqref>
@@ -4405,7 +4406,7 @@
                 </c:xVal>
                 <c:yVal>
                   <c:numRef>
-                    <c:extLst>
+                    <c:extLst xmlns:c16r2="http://schemas.microsoft.com/office/drawing/2015/06/chart">
                       <c:ext uri="{02D57815-91ED-43cb-92C2-25804820EDAC}">
                         <c15:formulaRef>
                           <c15:sqref>'Lobe inf'!$B$3:$B$34</c15:sqref>
@@ -4515,7 +4516,7 @@
                   </c:numRef>
                 </c:yVal>
                 <c:smooth val="1"/>
-                <c:extLst>
+                <c:extLst xmlns:c16r2="http://schemas.microsoft.com/office/drawing/2015/06/chart">
                   <c:ext xmlns:c16="http://schemas.microsoft.com/office/drawing/2014/chart" uri="{C3380CC4-5D6E-409C-BE32-E72D297353CC}">
                     <c16:uniqueId val="{00000002-3EC2-473F-A89E-01EF7F3898BA}"/>
                   </c:ext>
@@ -4526,7 +4527,7 @@
         </c:extLst>
       </c:scatterChart>
       <c:valAx>
-        <c:axId val="425153416"/>
+        <c:axId val="161415448"/>
         <c:scaling>
           <c:orientation val="minMax"/>
           <c:max val="252.5"/>
@@ -4598,7 +4599,7 @@
                   <a:cs typeface="+mn-cs"/>
                 </a:defRPr>
               </a:pPr>
-              <a:endParaRPr lang="en-US"/>
+              <a:endParaRPr lang="fr-FR"/>
             </a:p>
           </c:txPr>
         </c:title>
@@ -4633,16 +4634,16 @@
                 <a:cs typeface="+mn-cs"/>
               </a:defRPr>
             </a:pPr>
-            <a:endParaRPr lang="en-US"/>
+            <a:endParaRPr lang="fr-FR"/>
           </a:p>
         </c:txPr>
-        <c:crossAx val="425154200"/>
+        <c:crossAx val="161412312"/>
         <c:crosses val="autoZero"/>
         <c:crossBetween val="midCat"/>
         <c:majorUnit val="25"/>
       </c:valAx>
       <c:valAx>
-        <c:axId val="425154200"/>
+        <c:axId val="161412312"/>
         <c:scaling>
           <c:orientation val="minMax"/>
         </c:scaling>
@@ -4720,7 +4721,7 @@
                   <a:cs typeface="+mn-cs"/>
                 </a:defRPr>
               </a:pPr>
-              <a:endParaRPr lang="en-US"/>
+              <a:endParaRPr lang="fr-FR"/>
             </a:p>
           </c:txPr>
         </c:title>
@@ -4755,10 +4756,10 @@
                 <a:cs typeface="+mn-cs"/>
               </a:defRPr>
             </a:pPr>
-            <a:endParaRPr lang="en-US"/>
+            <a:endParaRPr lang="fr-FR"/>
           </a:p>
         </c:txPr>
-        <c:crossAx val="425153416"/>
+        <c:crossAx val="161415448"/>
         <c:crosses val="autoZero"/>
         <c:crossBetween val="midCat"/>
       </c:valAx>
@@ -4808,7 +4809,7 @@
               <a:cs typeface="+mn-cs"/>
             </a:defRPr>
           </a:pPr>
-          <a:endParaRPr lang="en-US"/>
+          <a:endParaRPr lang="fr-FR"/>
         </a:p>
       </c:txPr>
     </c:legend>
@@ -4834,7 +4835,7 @@
           </a:solidFill>
         </a:defRPr>
       </a:pPr>
-      <a:endParaRPr lang="en-US"/>
+      <a:endParaRPr lang="fr-FR"/>
     </a:p>
   </c:txPr>
   <c:externalData r:id="rId4">
@@ -4844,7 +4845,7 @@
 </file>
 
 <file path=ppt/charts/chart3.xml><?xml version="1.0" encoding="utf-8"?>
-<c:chartSpace xmlns:c="http://schemas.openxmlformats.org/drawingml/2006/chart" xmlns:a="http://schemas.openxmlformats.org/drawingml/2006/main" xmlns:r="http://schemas.openxmlformats.org/officeDocument/2006/relationships" xmlns:c16r2="http://schemas.microsoft.com/office/drawing/2015/06/chart">
+<c:chartSpace xmlns:c="http://schemas.openxmlformats.org/drawingml/2006/chart" xmlns:a="http://schemas.openxmlformats.org/drawingml/2006/main" xmlns:r="http://schemas.openxmlformats.org/officeDocument/2006/relationships">
   <c:date1904 val="0"/>
   <c:lang val="fr-FR"/>
   <c:roundedCorners val="0"/>
@@ -5103,7 +5104,7 @@
             </c:numRef>
           </c:yVal>
           <c:smooth val="1"/>
-          <c:extLst>
+          <c:extLst xmlns:c16r2="http://schemas.microsoft.com/office/drawing/2015/06/chart">
             <c:ext xmlns:c16="http://schemas.microsoft.com/office/drawing/2014/chart" uri="{C3380CC4-5D6E-409C-BE32-E72D297353CC}">
               <c16:uniqueId val="{00000000-A181-48E6-B98E-347F468F7BD8}"/>
             </c:ext>
@@ -5180,7 +5181,7 @@
             </c:numRef>
           </c:yVal>
           <c:smooth val="1"/>
-          <c:extLst>
+          <c:extLst xmlns:c16r2="http://schemas.microsoft.com/office/drawing/2015/06/chart">
             <c:ext xmlns:c16="http://schemas.microsoft.com/office/drawing/2014/chart" uri="{C3380CC4-5D6E-409C-BE32-E72D297353CC}">
               <c16:uniqueId val="{00000001-A181-48E6-B98E-347F468F7BD8}"/>
             </c:ext>
@@ -5194,9 +5195,9 @@
           <c:showPercent val="0"/>
           <c:showBubbleSize val="0"/>
         </c:dLbls>
-        <c:axId val="423090632"/>
-        <c:axId val="423091416"/>
-        <c:extLst>
+        <c:axId val="165562680"/>
+        <c:axId val="165568952"/>
+        <c:extLst xmlns:c16r2="http://schemas.microsoft.com/office/drawing/2015/06/chart">
           <c:ext xmlns:c15="http://schemas.microsoft.com/office/drawing/2012/chart" uri="{02D57815-91ED-43cb-92C2-25804820EDAC}">
             <c15:filteredScatterSeries>
               <c15:ser>
@@ -5231,7 +5232,7 @@
                 </c:marker>
                 <c:xVal>
                   <c:numRef>
-                    <c:extLst>
+                    <c:extLst xmlns:c16r2="http://schemas.microsoft.com/office/drawing/2015/06/chart">
                       <c:ext uri="{02D57815-91ED-43cb-92C2-25804820EDAC}">
                         <c15:formulaRef>
                           <c15:sqref>'Lobe sup'!$B$3:$B$34</c15:sqref>
@@ -5342,7 +5343,7 @@
                 </c:xVal>
                 <c:yVal>
                   <c:numRef>
-                    <c:extLst>
+                    <c:extLst xmlns:c16r2="http://schemas.microsoft.com/office/drawing/2015/06/chart">
                       <c:ext uri="{02D57815-91ED-43cb-92C2-25804820EDAC}">
                         <c15:formulaRef>
                           <c15:sqref>'Lobe sup'!$C$3:$C$34</c15:sqref>
@@ -5452,7 +5453,7 @@
                   </c:numRef>
                 </c:yVal>
                 <c:smooth val="1"/>
-                <c:extLst>
+                <c:extLst xmlns:c16r2="http://schemas.microsoft.com/office/drawing/2015/06/chart">
                   <c:ext xmlns:c16="http://schemas.microsoft.com/office/drawing/2014/chart" uri="{C3380CC4-5D6E-409C-BE32-E72D297353CC}">
                     <c16:uniqueId val="{00000002-A181-48E6-B98E-347F468F7BD8}"/>
                   </c:ext>
@@ -5463,7 +5464,7 @@
         </c:extLst>
       </c:scatterChart>
       <c:valAx>
-        <c:axId val="423090632"/>
+        <c:axId val="165562680"/>
         <c:scaling>
           <c:orientation val="minMax"/>
           <c:max val="432.5"/>
@@ -5531,7 +5532,7 @@
                   <a:cs typeface="+mn-cs"/>
                 </a:defRPr>
               </a:pPr>
-              <a:endParaRPr lang="en-US"/>
+              <a:endParaRPr lang="fr-FR"/>
             </a:p>
           </c:txPr>
         </c:title>
@@ -5566,16 +5567,16 @@
                 <a:cs typeface="+mn-cs"/>
               </a:defRPr>
             </a:pPr>
-            <a:endParaRPr lang="en-US"/>
+            <a:endParaRPr lang="fr-FR"/>
           </a:p>
         </c:txPr>
-        <c:crossAx val="423091416"/>
+        <c:crossAx val="165568952"/>
         <c:crosses val="autoZero"/>
         <c:crossBetween val="midCat"/>
         <c:majorUnit val="25"/>
       </c:valAx>
       <c:valAx>
-        <c:axId val="423091416"/>
+        <c:axId val="165568952"/>
         <c:scaling>
           <c:orientation val="minMax"/>
         </c:scaling>
@@ -5640,7 +5641,7 @@
                   <a:cs typeface="+mn-cs"/>
                 </a:defRPr>
               </a:pPr>
-              <a:endParaRPr lang="en-US"/>
+              <a:endParaRPr lang="fr-FR"/>
             </a:p>
           </c:txPr>
         </c:title>
@@ -5675,10 +5676,10 @@
                 <a:cs typeface="+mn-cs"/>
               </a:defRPr>
             </a:pPr>
-            <a:endParaRPr lang="en-US"/>
+            <a:endParaRPr lang="fr-FR"/>
           </a:p>
         </c:txPr>
-        <c:crossAx val="423090632"/>
+        <c:crossAx val="165562680"/>
         <c:crosses val="autoZero"/>
         <c:crossBetween val="midCat"/>
         <c:majorUnit val="3.0000000000000006E-2"/>
@@ -5729,7 +5730,7 @@
               <a:cs typeface="+mn-cs"/>
             </a:defRPr>
           </a:pPr>
-          <a:endParaRPr lang="en-US"/>
+          <a:endParaRPr lang="fr-FR"/>
         </a:p>
       </c:txPr>
     </c:legend>
@@ -5755,7 +5756,7 @@
           </a:solidFill>
         </a:defRPr>
       </a:pPr>
-      <a:endParaRPr lang="en-US"/>
+      <a:endParaRPr lang="fr-FR"/>
     </a:p>
   </c:txPr>
   <c:externalData r:id="rId4">
@@ -5765,7 +5766,7 @@
 </file>
 
 <file path=ppt/charts/chart4.xml><?xml version="1.0" encoding="utf-8"?>
-<c:chartSpace xmlns:c="http://schemas.openxmlformats.org/drawingml/2006/chart" xmlns:a="http://schemas.openxmlformats.org/drawingml/2006/main" xmlns:r="http://schemas.openxmlformats.org/officeDocument/2006/relationships" xmlns:c16r2="http://schemas.microsoft.com/office/drawing/2015/06/chart">
+<c:chartSpace xmlns:c="http://schemas.openxmlformats.org/drawingml/2006/chart" xmlns:a="http://schemas.openxmlformats.org/drawingml/2006/main" xmlns:r="http://schemas.openxmlformats.org/officeDocument/2006/relationships">
   <c:date1904 val="0"/>
   <c:lang val="fr-FR"/>
   <c:roundedCorners val="0"/>
@@ -6024,7 +6025,7 @@
             </c:numRef>
           </c:yVal>
           <c:smooth val="1"/>
-          <c:extLst>
+          <c:extLst xmlns:c16r2="http://schemas.microsoft.com/office/drawing/2015/06/chart">
             <c:ext xmlns:c16="http://schemas.microsoft.com/office/drawing/2014/chart" uri="{C3380CC4-5D6E-409C-BE32-E72D297353CC}">
               <c16:uniqueId val="{00000000-9A45-4DA0-BBCB-27B5104D4C93}"/>
             </c:ext>
@@ -6119,7 +6120,7 @@
             </c:numRef>
           </c:yVal>
           <c:smooth val="1"/>
-          <c:extLst>
+          <c:extLst xmlns:c16r2="http://schemas.microsoft.com/office/drawing/2015/06/chart">
             <c:ext xmlns:c16="http://schemas.microsoft.com/office/drawing/2014/chart" uri="{C3380CC4-5D6E-409C-BE32-E72D297353CC}">
               <c16:uniqueId val="{00000001-9A45-4DA0-BBCB-27B5104D4C93}"/>
             </c:ext>
@@ -6133,9 +6134,9 @@
           <c:showPercent val="0"/>
           <c:showBubbleSize val="0"/>
         </c:dLbls>
-        <c:axId val="477781792"/>
-        <c:axId val="477789240"/>
-        <c:extLst>
+        <c:axId val="165582280"/>
+        <c:axId val="165586200"/>
+        <c:extLst xmlns:c16r2="http://schemas.microsoft.com/office/drawing/2015/06/chart">
           <c:ext xmlns:c15="http://schemas.microsoft.com/office/drawing/2012/chart" uri="{02D57815-91ED-43cb-92C2-25804820EDAC}">
             <c15:filteredScatterSeries>
               <c15:ser>
@@ -6170,7 +6171,7 @@
                 </c:marker>
                 <c:xVal>
                   <c:numRef>
-                    <c:extLst>
+                    <c:extLst xmlns:c16r2="http://schemas.microsoft.com/office/drawing/2015/06/chart">
                       <c:ext uri="{02D57815-91ED-43cb-92C2-25804820EDAC}">
                         <c15:formulaRef>
                           <c15:sqref>'Lobe sup'!$A$42:$A$73</c15:sqref>
@@ -6281,7 +6282,7 @@
                 </c:xVal>
                 <c:yVal>
                   <c:numRef>
-                    <c:extLst>
+                    <c:extLst xmlns:c16r2="http://schemas.microsoft.com/office/drawing/2015/06/chart">
                       <c:ext uri="{02D57815-91ED-43cb-92C2-25804820EDAC}">
                         <c15:formulaRef>
                           <c15:sqref>'Lobe sup'!$B$42:$B$73</c15:sqref>
@@ -6391,7 +6392,7 @@
                   </c:numRef>
                 </c:yVal>
                 <c:smooth val="1"/>
-                <c:extLst>
+                <c:extLst xmlns:c16r2="http://schemas.microsoft.com/office/drawing/2015/06/chart">
                   <c:ext xmlns:c16="http://schemas.microsoft.com/office/drawing/2014/chart" uri="{C3380CC4-5D6E-409C-BE32-E72D297353CC}">
                     <c16:uniqueId val="{00000002-9A45-4DA0-BBCB-27B5104D4C93}"/>
                   </c:ext>
@@ -6402,7 +6403,7 @@
         </c:extLst>
       </c:scatterChart>
       <c:valAx>
-        <c:axId val="477781792"/>
+        <c:axId val="165582280"/>
         <c:scaling>
           <c:orientation val="minMax"/>
           <c:max val="432.5"/>
@@ -6478,7 +6479,7 @@
                   <a:cs typeface="+mn-cs"/>
                 </a:defRPr>
               </a:pPr>
-              <a:endParaRPr lang="en-US"/>
+              <a:endParaRPr lang="fr-FR"/>
             </a:p>
           </c:txPr>
         </c:title>
@@ -6513,16 +6514,16 @@
                 <a:cs typeface="+mn-cs"/>
               </a:defRPr>
             </a:pPr>
-            <a:endParaRPr lang="en-US"/>
+            <a:endParaRPr lang="fr-FR"/>
           </a:p>
         </c:txPr>
-        <c:crossAx val="477789240"/>
+        <c:crossAx val="165586200"/>
         <c:crosses val="autoZero"/>
         <c:crossBetween val="midCat"/>
         <c:majorUnit val="25"/>
       </c:valAx>
       <c:valAx>
-        <c:axId val="477789240"/>
+        <c:axId val="165586200"/>
         <c:scaling>
           <c:orientation val="minMax"/>
           <c:max val="50"/>
@@ -6589,7 +6590,7 @@
                   <a:cs typeface="+mn-cs"/>
                 </a:defRPr>
               </a:pPr>
-              <a:endParaRPr lang="en-US"/>
+              <a:endParaRPr lang="fr-FR"/>
             </a:p>
           </c:txPr>
         </c:title>
@@ -6624,10 +6625,10 @@
                 <a:cs typeface="+mn-cs"/>
               </a:defRPr>
             </a:pPr>
-            <a:endParaRPr lang="en-US"/>
+            <a:endParaRPr lang="fr-FR"/>
           </a:p>
         </c:txPr>
-        <c:crossAx val="477781792"/>
+        <c:crossAx val="165582280"/>
         <c:crosses val="autoZero"/>
         <c:crossBetween val="midCat"/>
       </c:valAx>
@@ -6677,7 +6678,7 @@
               <a:cs typeface="+mn-cs"/>
             </a:defRPr>
           </a:pPr>
-          <a:endParaRPr lang="en-US"/>
+          <a:endParaRPr lang="fr-FR"/>
         </a:p>
       </c:txPr>
     </c:legend>
@@ -6703,7 +6704,7 @@
           </a:solidFill>
         </a:defRPr>
       </a:pPr>
-      <a:endParaRPr lang="en-US"/>
+      <a:endParaRPr lang="fr-FR"/>
     </a:p>
   </c:txPr>
   <c:externalData r:id="rId4">
@@ -6713,7 +6714,7 @@
 </file>
 
 <file path=ppt/charts/chart5.xml><?xml version="1.0" encoding="utf-8"?>
-<c:chartSpace xmlns:c="http://schemas.openxmlformats.org/drawingml/2006/chart" xmlns:a="http://schemas.openxmlformats.org/drawingml/2006/main" xmlns:r="http://schemas.openxmlformats.org/officeDocument/2006/relationships" xmlns:c16r2="http://schemas.microsoft.com/office/drawing/2015/06/chart">
+<c:chartSpace xmlns:c="http://schemas.openxmlformats.org/drawingml/2006/chart" xmlns:a="http://schemas.openxmlformats.org/drawingml/2006/main" xmlns:r="http://schemas.openxmlformats.org/officeDocument/2006/relationships">
   <c:date1904 val="0"/>
   <c:lang val="fr-FR"/>
   <c:roundedCorners val="0"/>
@@ -6972,7 +6973,7 @@
             </c:numRef>
           </c:yVal>
           <c:smooth val="1"/>
-          <c:extLst>
+          <c:extLst xmlns:c16r2="http://schemas.microsoft.com/office/drawing/2015/06/chart">
             <c:ext xmlns:c16="http://schemas.microsoft.com/office/drawing/2014/chart" uri="{C3380CC4-5D6E-409C-BE32-E72D297353CC}">
               <c16:uniqueId val="{00000000-C6BD-4563-9EAE-98F22BB510FC}"/>
             </c:ext>
@@ -7061,7 +7062,7 @@
             </c:numRef>
           </c:yVal>
           <c:smooth val="1"/>
-          <c:extLst>
+          <c:extLst xmlns:c16r2="http://schemas.microsoft.com/office/drawing/2015/06/chart">
             <c:ext xmlns:c16="http://schemas.microsoft.com/office/drawing/2014/chart" uri="{C3380CC4-5D6E-409C-BE32-E72D297353CC}">
               <c16:uniqueId val="{00000001-C6BD-4563-9EAE-98F22BB510FC}"/>
             </c:ext>
@@ -7075,9 +7076,9 @@
           <c:showPercent val="0"/>
           <c:showBubbleSize val="0"/>
         </c:dLbls>
-        <c:axId val="418366736"/>
-        <c:axId val="418365560"/>
-        <c:extLst>
+        <c:axId val="161004352"/>
+        <c:axId val="160998080"/>
+        <c:extLst xmlns:c16r2="http://schemas.microsoft.com/office/drawing/2015/06/chart">
           <c:ext xmlns:c15="http://schemas.microsoft.com/office/drawing/2012/chart" uri="{02D57815-91ED-43cb-92C2-25804820EDAC}">
             <c15:filteredScatterSeries>
               <c15:ser>
@@ -7112,7 +7113,7 @@
                 </c:marker>
                 <c:xVal>
                   <c:numRef>
-                    <c:extLst>
+                    <c:extLst xmlns:c16r2="http://schemas.microsoft.com/office/drawing/2015/06/chart">
                       <c:ext uri="{02D57815-91ED-43cb-92C2-25804820EDAC}">
                         <c15:formulaRef>
                           <c15:sqref>'Lobe inf'!$A$42:$A$73</c15:sqref>
@@ -7223,7 +7224,7 @@
                 </c:xVal>
                 <c:yVal>
                   <c:numRef>
-                    <c:extLst>
+                    <c:extLst xmlns:c16r2="http://schemas.microsoft.com/office/drawing/2015/06/chart">
                       <c:ext uri="{02D57815-91ED-43cb-92C2-25804820EDAC}">
                         <c15:formulaRef>
                           <c15:sqref>'Lobe inf'!$B$42:$B$73</c15:sqref>
@@ -7333,7 +7334,7 @@
                   </c:numRef>
                 </c:yVal>
                 <c:smooth val="1"/>
-                <c:extLst>
+                <c:extLst xmlns:c16r2="http://schemas.microsoft.com/office/drawing/2015/06/chart">
                   <c:ext xmlns:c16="http://schemas.microsoft.com/office/drawing/2014/chart" uri="{C3380CC4-5D6E-409C-BE32-E72D297353CC}">
                     <c16:uniqueId val="{00000002-C6BD-4563-9EAE-98F22BB510FC}"/>
                   </c:ext>
@@ -7344,7 +7345,7 @@
         </c:extLst>
       </c:scatterChart>
       <c:valAx>
-        <c:axId val="418366736"/>
+        <c:axId val="161004352"/>
         <c:scaling>
           <c:orientation val="minMax"/>
           <c:max val="252.5"/>
@@ -7412,7 +7413,7 @@
                   <a:cs typeface="+mn-cs"/>
                 </a:defRPr>
               </a:pPr>
-              <a:endParaRPr lang="en-US"/>
+              <a:endParaRPr lang="fr-FR"/>
             </a:p>
           </c:txPr>
         </c:title>
@@ -7447,16 +7448,16 @@
                 <a:cs typeface="+mn-cs"/>
               </a:defRPr>
             </a:pPr>
-            <a:endParaRPr lang="en-US"/>
+            <a:endParaRPr lang="fr-FR"/>
           </a:p>
         </c:txPr>
-        <c:crossAx val="418365560"/>
+        <c:crossAx val="160998080"/>
         <c:crosses val="autoZero"/>
         <c:crossBetween val="midCat"/>
         <c:majorUnit val="25"/>
       </c:valAx>
       <c:valAx>
-        <c:axId val="418365560"/>
+        <c:axId val="160998080"/>
         <c:scaling>
           <c:orientation val="minMax"/>
           <c:max val="70"/>
@@ -7524,7 +7525,7 @@
                   <a:cs typeface="+mn-cs"/>
                 </a:defRPr>
               </a:pPr>
-              <a:endParaRPr lang="en-US"/>
+              <a:endParaRPr lang="fr-FR"/>
             </a:p>
           </c:txPr>
         </c:title>
@@ -7559,10 +7560,10 @@
                 <a:cs typeface="+mn-cs"/>
               </a:defRPr>
             </a:pPr>
-            <a:endParaRPr lang="en-US"/>
+            <a:endParaRPr lang="fr-FR"/>
           </a:p>
         </c:txPr>
-        <c:crossAx val="418366736"/>
+        <c:crossAx val="161004352"/>
         <c:crosses val="autoZero"/>
         <c:crossBetween val="midCat"/>
       </c:valAx>
@@ -7612,7 +7613,7 @@
               <a:cs typeface="+mn-cs"/>
             </a:defRPr>
           </a:pPr>
-          <a:endParaRPr lang="en-US"/>
+          <a:endParaRPr lang="fr-FR"/>
         </a:p>
       </c:txPr>
     </c:legend>
@@ -7638,7 +7639,7 @@
           </a:solidFill>
         </a:defRPr>
       </a:pPr>
-      <a:endParaRPr lang="en-US"/>
+      <a:endParaRPr lang="fr-FR"/>
     </a:p>
   </c:txPr>
   <c:externalData r:id="rId4">
@@ -7648,7 +7649,7 @@
 </file>
 
 <file path=ppt/charts/chart6.xml><?xml version="1.0" encoding="utf-8"?>
-<c:chartSpace xmlns:c="http://schemas.openxmlformats.org/drawingml/2006/chart" xmlns:a="http://schemas.openxmlformats.org/drawingml/2006/main" xmlns:r="http://schemas.openxmlformats.org/officeDocument/2006/relationships" xmlns:c16r2="http://schemas.microsoft.com/office/drawing/2015/06/chart">
+<c:chartSpace xmlns:c="http://schemas.openxmlformats.org/drawingml/2006/chart" xmlns:a="http://schemas.openxmlformats.org/drawingml/2006/main" xmlns:r="http://schemas.openxmlformats.org/officeDocument/2006/relationships">
   <c:date1904 val="0"/>
   <c:lang val="fr-FR"/>
   <c:roundedCorners val="0"/>
@@ -7907,7 +7908,7 @@
             </c:numRef>
           </c:yVal>
           <c:smooth val="1"/>
-          <c:extLst>
+          <c:extLst xmlns:c16r2="http://schemas.microsoft.com/office/drawing/2015/06/chart">
             <c:ext xmlns:c16="http://schemas.microsoft.com/office/drawing/2014/chart" uri="{C3380CC4-5D6E-409C-BE32-E72D297353CC}">
               <c16:uniqueId val="{00000000-FE3E-48F6-A785-0F157388339D}"/>
             </c:ext>
@@ -8002,7 +8003,7 @@
             </c:numRef>
           </c:yVal>
           <c:smooth val="1"/>
-          <c:extLst>
+          <c:extLst xmlns:c16r2="http://schemas.microsoft.com/office/drawing/2015/06/chart">
             <c:ext xmlns:c16="http://schemas.microsoft.com/office/drawing/2014/chart" uri="{C3380CC4-5D6E-409C-BE32-E72D297353CC}">
               <c16:uniqueId val="{00000001-FE3E-48F6-A785-0F157388339D}"/>
             </c:ext>
@@ -8016,9 +8017,9 @@
           <c:showPercent val="0"/>
           <c:showBubbleSize val="0"/>
         </c:dLbls>
-        <c:axId val="418367128"/>
-        <c:axId val="418367520"/>
-        <c:extLst>
+        <c:axId val="161010624"/>
+        <c:axId val="161010232"/>
+        <c:extLst xmlns:c16r2="http://schemas.microsoft.com/office/drawing/2015/06/chart">
           <c:ext xmlns:c15="http://schemas.microsoft.com/office/drawing/2012/chart" uri="{02D57815-91ED-43cb-92C2-25804820EDAC}">
             <c15:filteredScatterSeries>
               <c15:ser>
@@ -8053,7 +8054,7 @@
                 </c:marker>
                 <c:xVal>
                   <c:numRef>
-                    <c:extLst>
+                    <c:extLst xmlns:c16r2="http://schemas.microsoft.com/office/drawing/2015/06/chart">
                       <c:ext uri="{02D57815-91ED-43cb-92C2-25804820EDAC}">
                         <c15:formulaRef>
                           <c15:sqref>'Lobe inf'!$A$3:$A$34</c15:sqref>
@@ -8164,7 +8165,7 @@
                 </c:xVal>
                 <c:yVal>
                   <c:numRef>
-                    <c:extLst>
+                    <c:extLst xmlns:c16r2="http://schemas.microsoft.com/office/drawing/2015/06/chart">
                       <c:ext uri="{02D57815-91ED-43cb-92C2-25804820EDAC}">
                         <c15:formulaRef>
                           <c15:sqref>'Lobe inf'!$B$3:$B$34</c15:sqref>
@@ -8274,7 +8275,7 @@
                   </c:numRef>
                 </c:yVal>
                 <c:smooth val="1"/>
-                <c:extLst>
+                <c:extLst xmlns:c16r2="http://schemas.microsoft.com/office/drawing/2015/06/chart">
                   <c:ext xmlns:c16="http://schemas.microsoft.com/office/drawing/2014/chart" uri="{C3380CC4-5D6E-409C-BE32-E72D297353CC}">
                     <c16:uniqueId val="{00000002-FE3E-48F6-A785-0F157388339D}"/>
                   </c:ext>
@@ -8285,7 +8286,7 @@
         </c:extLst>
       </c:scatterChart>
       <c:valAx>
-        <c:axId val="418367128"/>
+        <c:axId val="161010624"/>
         <c:scaling>
           <c:orientation val="minMax"/>
           <c:max val="252.5"/>
@@ -8353,7 +8354,7 @@
                   <a:cs typeface="+mn-cs"/>
                 </a:defRPr>
               </a:pPr>
-              <a:endParaRPr lang="en-US"/>
+              <a:endParaRPr lang="fr-FR"/>
             </a:p>
           </c:txPr>
         </c:title>
@@ -8388,16 +8389,16 @@
                 <a:cs typeface="+mn-cs"/>
               </a:defRPr>
             </a:pPr>
-            <a:endParaRPr lang="en-US"/>
+            <a:endParaRPr lang="fr-FR"/>
           </a:p>
         </c:txPr>
-        <c:crossAx val="418367520"/>
+        <c:crossAx val="161010232"/>
         <c:crosses val="autoZero"/>
         <c:crossBetween val="midCat"/>
         <c:majorUnit val="25"/>
       </c:valAx>
       <c:valAx>
-        <c:axId val="418367520"/>
+        <c:axId val="161010232"/>
         <c:scaling>
           <c:orientation val="minMax"/>
         </c:scaling>
@@ -8479,7 +8480,7 @@
                   <a:cs typeface="+mn-cs"/>
                 </a:defRPr>
               </a:pPr>
-              <a:endParaRPr lang="en-US"/>
+              <a:endParaRPr lang="fr-FR"/>
             </a:p>
           </c:txPr>
         </c:title>
@@ -8514,10 +8515,10 @@
                 <a:cs typeface="+mn-cs"/>
               </a:defRPr>
             </a:pPr>
-            <a:endParaRPr lang="en-US"/>
+            <a:endParaRPr lang="fr-FR"/>
           </a:p>
         </c:txPr>
-        <c:crossAx val="418367128"/>
+        <c:crossAx val="161010624"/>
         <c:crosses val="autoZero"/>
         <c:crossBetween val="midCat"/>
       </c:valAx>
@@ -8567,7 +8568,7 @@
               <a:cs typeface="+mn-cs"/>
             </a:defRPr>
           </a:pPr>
-          <a:endParaRPr lang="en-US"/>
+          <a:endParaRPr lang="fr-FR"/>
         </a:p>
       </c:txPr>
     </c:legend>
@@ -8593,7 +8594,7 @@
           </a:solidFill>
         </a:defRPr>
       </a:pPr>
-      <a:endParaRPr lang="en-US"/>
+      <a:endParaRPr lang="fr-FR"/>
     </a:p>
   </c:txPr>
   <c:externalData r:id="rId4">
@@ -8603,7 +8604,7 @@
 </file>
 
 <file path=ppt/charts/chart7.xml><?xml version="1.0" encoding="utf-8"?>
-<c:chartSpace xmlns:c="http://schemas.openxmlformats.org/drawingml/2006/chart" xmlns:a="http://schemas.openxmlformats.org/drawingml/2006/main" xmlns:r="http://schemas.openxmlformats.org/officeDocument/2006/relationships" xmlns:c16r2="http://schemas.microsoft.com/office/drawing/2015/06/chart">
+<c:chartSpace xmlns:c="http://schemas.openxmlformats.org/drawingml/2006/chart" xmlns:a="http://schemas.openxmlformats.org/drawingml/2006/main" xmlns:r="http://schemas.openxmlformats.org/officeDocument/2006/relationships">
   <c:date1904 val="0"/>
   <c:lang val="fr-FR"/>
   <c:roundedCorners val="0"/>
@@ -8856,7 +8857,7 @@
             </c:numRef>
           </c:yVal>
           <c:smooth val="1"/>
-          <c:extLst>
+          <c:extLst xmlns:c16r2="http://schemas.microsoft.com/office/drawing/2015/06/chart">
             <c:ext xmlns:c16="http://schemas.microsoft.com/office/drawing/2014/chart" uri="{C3380CC4-5D6E-409C-BE32-E72D297353CC}">
               <c16:uniqueId val="{00000000-2E6B-4725-AE4B-5410DAEB9241}"/>
             </c:ext>
@@ -8951,7 +8952,7 @@
             </c:numRef>
           </c:yVal>
           <c:smooth val="1"/>
-          <c:extLst>
+          <c:extLst xmlns:c16r2="http://schemas.microsoft.com/office/drawing/2015/06/chart">
             <c:ext xmlns:c16="http://schemas.microsoft.com/office/drawing/2014/chart" uri="{C3380CC4-5D6E-409C-BE32-E72D297353CC}">
               <c16:uniqueId val="{00000001-2E6B-4725-AE4B-5410DAEB9241}"/>
             </c:ext>
@@ -8965,9 +8966,9 @@
           <c:showPercent val="0"/>
           <c:showBubbleSize val="0"/>
         </c:dLbls>
-        <c:axId val="477786496"/>
-        <c:axId val="477783752"/>
-        <c:extLst>
+        <c:axId val="131148736"/>
+        <c:axId val="131143248"/>
+        <c:extLst xmlns:c16r2="http://schemas.microsoft.com/office/drawing/2015/06/chart">
           <c:ext xmlns:c15="http://schemas.microsoft.com/office/drawing/2012/chart" uri="{02D57815-91ED-43cb-92C2-25804820EDAC}">
             <c15:filteredScatterSeries>
               <c15:ser>
@@ -9002,7 +9003,7 @@
                 </c:marker>
                 <c:xVal>
                   <c:numRef>
-                    <c:extLst>
+                    <c:extLst xmlns:c16r2="http://schemas.microsoft.com/office/drawing/2015/06/chart">
                       <c:ext uri="{02D57815-91ED-43cb-92C2-25804820EDAC}">
                         <c15:formulaRef>
                           <c15:sqref>'Lobe sup'!$A$42:$A$73</c15:sqref>
@@ -9113,7 +9114,7 @@
                 </c:xVal>
                 <c:yVal>
                   <c:numRef>
-                    <c:extLst>
+                    <c:extLst xmlns:c16r2="http://schemas.microsoft.com/office/drawing/2015/06/chart">
                       <c:ext uri="{02D57815-91ED-43cb-92C2-25804820EDAC}">
                         <c15:formulaRef>
                           <c15:sqref>'Lobe sup'!$B$42:$B$73</c15:sqref>
@@ -9223,7 +9224,7 @@
                   </c:numRef>
                 </c:yVal>
                 <c:smooth val="1"/>
-                <c:extLst>
+                <c:extLst xmlns:c16r2="http://schemas.microsoft.com/office/drawing/2015/06/chart">
                   <c:ext xmlns:c16="http://schemas.microsoft.com/office/drawing/2014/chart" uri="{C3380CC4-5D6E-409C-BE32-E72D297353CC}">
                     <c16:uniqueId val="{00000002-2E6B-4725-AE4B-5410DAEB9241}"/>
                   </c:ext>
@@ -9234,7 +9235,7 @@
         </c:extLst>
       </c:scatterChart>
       <c:valAx>
-        <c:axId val="477786496"/>
+        <c:axId val="131148736"/>
         <c:scaling>
           <c:orientation val="minMax"/>
           <c:max val="432.5"/>
@@ -9306,7 +9307,7 @@
                   <a:cs typeface="+mn-cs"/>
                 </a:defRPr>
               </a:pPr>
-              <a:endParaRPr lang="en-US"/>
+              <a:endParaRPr lang="fr-FR"/>
             </a:p>
           </c:txPr>
         </c:title>
@@ -9341,16 +9342,16 @@
                 <a:cs typeface="+mn-cs"/>
               </a:defRPr>
             </a:pPr>
-            <a:endParaRPr lang="en-US"/>
+            <a:endParaRPr lang="fr-FR"/>
           </a:p>
         </c:txPr>
-        <c:crossAx val="477783752"/>
+        <c:crossAx val="131143248"/>
         <c:crosses val="autoZero"/>
         <c:crossBetween val="midCat"/>
         <c:majorUnit val="25"/>
       </c:valAx>
       <c:valAx>
-        <c:axId val="477783752"/>
+        <c:axId val="131143248"/>
         <c:scaling>
           <c:orientation val="minMax"/>
           <c:max val="70"/>
@@ -9418,7 +9419,7 @@
                   <a:cs typeface="+mn-cs"/>
                 </a:defRPr>
               </a:pPr>
-              <a:endParaRPr lang="en-US"/>
+              <a:endParaRPr lang="fr-FR"/>
             </a:p>
           </c:txPr>
         </c:title>
@@ -9453,10 +9454,10 @@
                 <a:cs typeface="+mn-cs"/>
               </a:defRPr>
             </a:pPr>
-            <a:endParaRPr lang="en-US"/>
+            <a:endParaRPr lang="fr-FR"/>
           </a:p>
         </c:txPr>
-        <c:crossAx val="477786496"/>
+        <c:crossAx val="131148736"/>
         <c:crosses val="autoZero"/>
         <c:crossBetween val="midCat"/>
       </c:valAx>
@@ -9506,7 +9507,7 @@
               <a:cs typeface="+mn-cs"/>
             </a:defRPr>
           </a:pPr>
-          <a:endParaRPr lang="en-US"/>
+          <a:endParaRPr lang="fr-FR"/>
         </a:p>
       </c:txPr>
     </c:legend>
@@ -9532,7 +9533,7 @@
           </a:solidFill>
         </a:defRPr>
       </a:pPr>
-      <a:endParaRPr lang="en-US"/>
+      <a:endParaRPr lang="fr-FR"/>
     </a:p>
   </c:txPr>
   <c:externalData r:id="rId4">
@@ -9542,7 +9543,7 @@
 </file>
 
 <file path=ppt/charts/chart8.xml><?xml version="1.0" encoding="utf-8"?>
-<c:chartSpace xmlns:c="http://schemas.openxmlformats.org/drawingml/2006/chart" xmlns:a="http://schemas.openxmlformats.org/drawingml/2006/main" xmlns:r="http://schemas.openxmlformats.org/officeDocument/2006/relationships" xmlns:c16r2="http://schemas.microsoft.com/office/drawing/2015/06/chart">
+<c:chartSpace xmlns:c="http://schemas.openxmlformats.org/drawingml/2006/chart" xmlns:a="http://schemas.openxmlformats.org/drawingml/2006/main" xmlns:r="http://schemas.openxmlformats.org/officeDocument/2006/relationships">
   <c:date1904 val="0"/>
   <c:lang val="fr-FR"/>
   <c:roundedCorners val="0"/>
@@ -9801,7 +9802,7 @@
             </c:numRef>
           </c:yVal>
           <c:smooth val="1"/>
-          <c:extLst>
+          <c:extLst xmlns:c16r2="http://schemas.microsoft.com/office/drawing/2015/06/chart">
             <c:ext xmlns:c16="http://schemas.microsoft.com/office/drawing/2014/chart" uri="{C3380CC4-5D6E-409C-BE32-E72D297353CC}">
               <c16:uniqueId val="{00000000-B756-41A9-9AB2-ADEEB219F9BB}"/>
             </c:ext>
@@ -9878,7 +9879,7 @@
             </c:numRef>
           </c:yVal>
           <c:smooth val="1"/>
-          <c:extLst>
+          <c:extLst xmlns:c16r2="http://schemas.microsoft.com/office/drawing/2015/06/chart">
             <c:ext xmlns:c16="http://schemas.microsoft.com/office/drawing/2014/chart" uri="{C3380CC4-5D6E-409C-BE32-E72D297353CC}">
               <c16:uniqueId val="{00000001-B756-41A9-9AB2-ADEEB219F9BB}"/>
             </c:ext>
@@ -9892,9 +9893,9 @@
           <c:showPercent val="0"/>
           <c:showBubbleSize val="0"/>
         </c:dLbls>
-        <c:axId val="478292864"/>
-        <c:axId val="479235744"/>
-        <c:extLst>
+        <c:axId val="131144424"/>
+        <c:axId val="161409176"/>
+        <c:extLst xmlns:c16r2="http://schemas.microsoft.com/office/drawing/2015/06/chart">
           <c:ext xmlns:c15="http://schemas.microsoft.com/office/drawing/2012/chart" uri="{02D57815-91ED-43cb-92C2-25804820EDAC}">
             <c15:filteredScatterSeries>
               <c15:ser>
@@ -9929,7 +9930,7 @@
                 </c:marker>
                 <c:xVal>
                   <c:numRef>
-                    <c:extLst>
+                    <c:extLst xmlns:c16r2="http://schemas.microsoft.com/office/drawing/2015/06/chart">
                       <c:ext uri="{02D57815-91ED-43cb-92C2-25804820EDAC}">
                         <c15:formulaRef>
                           <c15:sqref>'Lobe sup'!$A$3:$A$34</c15:sqref>
@@ -10040,7 +10041,7 @@
                 </c:xVal>
                 <c:yVal>
                   <c:numRef>
-                    <c:extLst>
+                    <c:extLst xmlns:c16r2="http://schemas.microsoft.com/office/drawing/2015/06/chart">
                       <c:ext uri="{02D57815-91ED-43cb-92C2-25804820EDAC}">
                         <c15:formulaRef>
                           <c15:sqref>'Lobe sup'!$B$3:$B$34</c15:sqref>
@@ -10150,7 +10151,7 @@
                   </c:numRef>
                 </c:yVal>
                 <c:smooth val="1"/>
-                <c:extLst>
+                <c:extLst xmlns:c16r2="http://schemas.microsoft.com/office/drawing/2015/06/chart">
                   <c:ext xmlns:c16="http://schemas.microsoft.com/office/drawing/2014/chart" uri="{C3380CC4-5D6E-409C-BE32-E72D297353CC}">
                     <c16:uniqueId val="{00000002-B756-41A9-9AB2-ADEEB219F9BB}"/>
                   </c:ext>
@@ -10161,7 +10162,7 @@
         </c:extLst>
       </c:scatterChart>
       <c:valAx>
-        <c:axId val="478292864"/>
+        <c:axId val="131144424"/>
         <c:scaling>
           <c:orientation val="minMax"/>
           <c:max val="432.5"/>
@@ -10237,7 +10238,7 @@
                   <a:cs typeface="+mn-cs"/>
                 </a:defRPr>
               </a:pPr>
-              <a:endParaRPr lang="en-US"/>
+              <a:endParaRPr lang="fr-FR"/>
             </a:p>
           </c:txPr>
         </c:title>
@@ -10272,16 +10273,16 @@
                 <a:cs typeface="+mn-cs"/>
               </a:defRPr>
             </a:pPr>
-            <a:endParaRPr lang="en-US"/>
+            <a:endParaRPr lang="fr-FR"/>
           </a:p>
         </c:txPr>
-        <c:crossAx val="479235744"/>
+        <c:crossAx val="161409176"/>
         <c:crosses val="autoZero"/>
         <c:crossBetween val="midCat"/>
         <c:majorUnit val="25"/>
       </c:valAx>
       <c:valAx>
-        <c:axId val="479235744"/>
+        <c:axId val="161409176"/>
         <c:scaling>
           <c:orientation val="minMax"/>
         </c:scaling>
@@ -10363,7 +10364,7 @@
                   <a:cs typeface="+mn-cs"/>
                 </a:defRPr>
               </a:pPr>
-              <a:endParaRPr lang="en-US"/>
+              <a:endParaRPr lang="fr-FR"/>
             </a:p>
           </c:txPr>
         </c:title>
@@ -10398,10 +10399,10 @@
                 <a:cs typeface="+mn-cs"/>
               </a:defRPr>
             </a:pPr>
-            <a:endParaRPr lang="en-US"/>
+            <a:endParaRPr lang="fr-FR"/>
           </a:p>
         </c:txPr>
-        <c:crossAx val="478292864"/>
+        <c:crossAx val="131144424"/>
         <c:crosses val="autoZero"/>
         <c:crossBetween val="midCat"/>
       </c:valAx>
@@ -10451,7 +10452,7 @@
               <a:cs typeface="+mn-cs"/>
             </a:defRPr>
           </a:pPr>
-          <a:endParaRPr lang="en-US"/>
+          <a:endParaRPr lang="fr-FR"/>
         </a:p>
       </c:txPr>
     </c:legend>
@@ -10477,7 +10478,7 @@
           </a:solidFill>
         </a:defRPr>
       </a:pPr>
-      <a:endParaRPr lang="en-US"/>
+      <a:endParaRPr lang="fr-FR"/>
     </a:p>
   </c:txPr>
   <c:externalData r:id="rId4">
@@ -10487,7 +10488,7 @@
 </file>
 
 <file path=ppt/charts/chart9.xml><?xml version="1.0" encoding="utf-8"?>
-<c:chartSpace xmlns:c="http://schemas.openxmlformats.org/drawingml/2006/chart" xmlns:a="http://schemas.openxmlformats.org/drawingml/2006/main" xmlns:r="http://schemas.openxmlformats.org/officeDocument/2006/relationships" xmlns:c16r2="http://schemas.microsoft.com/office/drawing/2015/06/chart">
+<c:chartSpace xmlns:c="http://schemas.openxmlformats.org/drawingml/2006/chart" xmlns:a="http://schemas.openxmlformats.org/drawingml/2006/main" xmlns:r="http://schemas.openxmlformats.org/officeDocument/2006/relationships">
   <c:date1904 val="0"/>
   <c:lang val="fr-FR"/>
   <c:roundedCorners val="0"/>
@@ -10746,7 +10747,7 @@
             </c:numRef>
           </c:yVal>
           <c:smooth val="1"/>
-          <c:extLst>
+          <c:extLst xmlns:c16r2="http://schemas.microsoft.com/office/drawing/2015/06/chart">
             <c:ext xmlns:c16="http://schemas.microsoft.com/office/drawing/2014/chart" uri="{C3380CC4-5D6E-409C-BE32-E72D297353CC}">
               <c16:uniqueId val="{00000000-9451-498B-8EB3-E3C08A13F6F7}"/>
             </c:ext>
@@ -10835,7 +10836,7 @@
             </c:numRef>
           </c:yVal>
           <c:smooth val="1"/>
-          <c:extLst>
+          <c:extLst xmlns:c16r2="http://schemas.microsoft.com/office/drawing/2015/06/chart">
             <c:ext xmlns:c16="http://schemas.microsoft.com/office/drawing/2014/chart" uri="{C3380CC4-5D6E-409C-BE32-E72D297353CC}">
               <c16:uniqueId val="{00000001-9451-498B-8EB3-E3C08A13F6F7}"/>
             </c:ext>
@@ -10849,9 +10850,9 @@
           <c:showPercent val="0"/>
           <c:showBubbleSize val="0"/>
         </c:dLbls>
-        <c:axId val="479238096"/>
-        <c:axId val="479236920"/>
-        <c:extLst>
+        <c:axId val="161402120"/>
+        <c:axId val="161412704"/>
+        <c:extLst xmlns:c16r2="http://schemas.microsoft.com/office/drawing/2015/06/chart">
           <c:ext xmlns:c15="http://schemas.microsoft.com/office/drawing/2012/chart" uri="{02D57815-91ED-43cb-92C2-25804820EDAC}">
             <c15:filteredScatterSeries>
               <c15:ser>
@@ -10886,7 +10887,7 @@
                 </c:marker>
                 <c:xVal>
                   <c:numRef>
-                    <c:extLst>
+                    <c:extLst xmlns:c16r2="http://schemas.microsoft.com/office/drawing/2015/06/chart">
                       <c:ext uri="{02D57815-91ED-43cb-92C2-25804820EDAC}">
                         <c15:formulaRef>
                           <c15:sqref>'Lobe inf'!$A$42:$A$73</c15:sqref>
@@ -10997,7 +10998,7 @@
                 </c:xVal>
                 <c:yVal>
                   <c:numRef>
-                    <c:extLst>
+                    <c:extLst xmlns:c16r2="http://schemas.microsoft.com/office/drawing/2015/06/chart">
                       <c:ext uri="{02D57815-91ED-43cb-92C2-25804820EDAC}">
                         <c15:formulaRef>
                           <c15:sqref>'Lobe inf'!$B$42:$B$73</c15:sqref>
@@ -11107,7 +11108,7 @@
                   </c:numRef>
                 </c:yVal>
                 <c:smooth val="1"/>
-                <c:extLst>
+                <c:extLst xmlns:c16r2="http://schemas.microsoft.com/office/drawing/2015/06/chart">
                   <c:ext xmlns:c16="http://schemas.microsoft.com/office/drawing/2014/chart" uri="{C3380CC4-5D6E-409C-BE32-E72D297353CC}">
                     <c16:uniqueId val="{00000002-9451-498B-8EB3-E3C08A13F6F7}"/>
                   </c:ext>
@@ -11118,7 +11119,7 @@
         </c:extLst>
       </c:scatterChart>
       <c:valAx>
-        <c:axId val="479238096"/>
+        <c:axId val="161402120"/>
         <c:scaling>
           <c:orientation val="minMax"/>
           <c:max val="252.5"/>
@@ -11186,7 +11187,7 @@
                   <a:cs typeface="+mn-cs"/>
                 </a:defRPr>
               </a:pPr>
-              <a:endParaRPr lang="en-US"/>
+              <a:endParaRPr lang="fr-FR"/>
             </a:p>
           </c:txPr>
         </c:title>
@@ -11221,16 +11222,16 @@
                 <a:cs typeface="+mn-cs"/>
               </a:defRPr>
             </a:pPr>
-            <a:endParaRPr lang="en-US"/>
+            <a:endParaRPr lang="fr-FR"/>
           </a:p>
         </c:txPr>
-        <c:crossAx val="479236920"/>
+        <c:crossAx val="161412704"/>
         <c:crosses val="autoZero"/>
         <c:crossBetween val="midCat"/>
         <c:majorUnit val="25"/>
       </c:valAx>
       <c:valAx>
-        <c:axId val="479236920"/>
+        <c:axId val="161412704"/>
         <c:scaling>
           <c:orientation val="minMax"/>
           <c:max val="70"/>
@@ -11298,7 +11299,7 @@
                   <a:cs typeface="+mn-cs"/>
                 </a:defRPr>
               </a:pPr>
-              <a:endParaRPr lang="en-US"/>
+              <a:endParaRPr lang="fr-FR"/>
             </a:p>
           </c:txPr>
         </c:title>
@@ -11333,10 +11334,10 @@
                 <a:cs typeface="+mn-cs"/>
               </a:defRPr>
             </a:pPr>
-            <a:endParaRPr lang="en-US"/>
+            <a:endParaRPr lang="fr-FR"/>
           </a:p>
         </c:txPr>
-        <c:crossAx val="479238096"/>
+        <c:crossAx val="161402120"/>
         <c:crosses val="autoZero"/>
         <c:crossBetween val="midCat"/>
       </c:valAx>
@@ -11386,7 +11387,7 @@
               <a:cs typeface="+mn-cs"/>
             </a:defRPr>
           </a:pPr>
-          <a:endParaRPr lang="en-US"/>
+          <a:endParaRPr lang="fr-FR"/>
         </a:p>
       </c:txPr>
     </c:legend>
@@ -11412,7 +11413,7 @@
           </a:solidFill>
         </a:defRPr>
       </a:pPr>
-      <a:endParaRPr lang="en-US"/>
+      <a:endParaRPr lang="fr-FR"/>
     </a:p>
   </c:txPr>
   <c:externalData r:id="rId4">
@@ -18224,7 +18225,7 @@
           <a:p>
             <a:fld id="{202E84C4-7C53-474A-BFA3-0C91E41EF858}" type="datetimeFigureOut">
               <a:rPr lang="fr-FR" smtClean="0"/>
-              <a:t>30/10/2018</a:t>
+              <a:t>07/01/2019</a:t>
             </a:fld>
             <a:endParaRPr lang="fr-FR"/>
           </a:p>
@@ -18394,7 +18395,7 @@
           <a:p>
             <a:fld id="{202E84C4-7C53-474A-BFA3-0C91E41EF858}" type="datetimeFigureOut">
               <a:rPr lang="fr-FR" smtClean="0"/>
-              <a:t>30/10/2018</a:t>
+              <a:t>07/01/2019</a:t>
             </a:fld>
             <a:endParaRPr lang="fr-FR"/>
           </a:p>
@@ -18574,7 +18575,7 @@
           <a:p>
             <a:fld id="{202E84C4-7C53-474A-BFA3-0C91E41EF858}" type="datetimeFigureOut">
               <a:rPr lang="fr-FR" smtClean="0"/>
-              <a:t>30/10/2018</a:t>
+              <a:t>07/01/2019</a:t>
             </a:fld>
             <a:endParaRPr lang="fr-FR"/>
           </a:p>
@@ -18744,7 +18745,7 @@
           <a:p>
             <a:fld id="{202E84C4-7C53-474A-BFA3-0C91E41EF858}" type="datetimeFigureOut">
               <a:rPr lang="fr-FR" smtClean="0"/>
-              <a:t>30/10/2018</a:t>
+              <a:t>07/01/2019</a:t>
             </a:fld>
             <a:endParaRPr lang="fr-FR"/>
           </a:p>
@@ -18990,7 +18991,7 @@
           <a:p>
             <a:fld id="{202E84C4-7C53-474A-BFA3-0C91E41EF858}" type="datetimeFigureOut">
               <a:rPr lang="fr-FR" smtClean="0"/>
-              <a:t>30/10/2018</a:t>
+              <a:t>07/01/2019</a:t>
             </a:fld>
             <a:endParaRPr lang="fr-FR"/>
           </a:p>
@@ -19222,7 +19223,7 @@
           <a:p>
             <a:fld id="{202E84C4-7C53-474A-BFA3-0C91E41EF858}" type="datetimeFigureOut">
               <a:rPr lang="fr-FR" smtClean="0"/>
-              <a:t>30/10/2018</a:t>
+              <a:t>07/01/2019</a:t>
             </a:fld>
             <a:endParaRPr lang="fr-FR"/>
           </a:p>
@@ -19589,7 +19590,7 @@
           <a:p>
             <a:fld id="{202E84C4-7C53-474A-BFA3-0C91E41EF858}" type="datetimeFigureOut">
               <a:rPr lang="fr-FR" smtClean="0"/>
-              <a:t>30/10/2018</a:t>
+              <a:t>07/01/2019</a:t>
             </a:fld>
             <a:endParaRPr lang="fr-FR"/>
           </a:p>
@@ -19707,7 +19708,7 @@
           <a:p>
             <a:fld id="{202E84C4-7C53-474A-BFA3-0C91E41EF858}" type="datetimeFigureOut">
               <a:rPr lang="fr-FR" smtClean="0"/>
-              <a:t>30/10/2018</a:t>
+              <a:t>07/01/2019</a:t>
             </a:fld>
             <a:endParaRPr lang="fr-FR"/>
           </a:p>
@@ -19802,7 +19803,7 @@
           <a:p>
             <a:fld id="{202E84C4-7C53-474A-BFA3-0C91E41EF858}" type="datetimeFigureOut">
               <a:rPr lang="fr-FR" smtClean="0"/>
-              <a:t>30/10/2018</a:t>
+              <a:t>07/01/2019</a:t>
             </a:fld>
             <a:endParaRPr lang="fr-FR"/>
           </a:p>
@@ -20079,7 +20080,7 @@
           <a:p>
             <a:fld id="{202E84C4-7C53-474A-BFA3-0C91E41EF858}" type="datetimeFigureOut">
               <a:rPr lang="fr-FR" smtClean="0"/>
-              <a:t>30/10/2018</a:t>
+              <a:t>07/01/2019</a:t>
             </a:fld>
             <a:endParaRPr lang="fr-FR"/>
           </a:p>
@@ -20332,7 +20333,7 @@
           <a:p>
             <a:fld id="{202E84C4-7C53-474A-BFA3-0C91E41EF858}" type="datetimeFigureOut">
               <a:rPr lang="fr-FR" smtClean="0"/>
-              <a:t>30/10/2018</a:t>
+              <a:t>07/01/2019</a:t>
             </a:fld>
             <a:endParaRPr lang="fr-FR"/>
           </a:p>
@@ -20545,7 +20546,7 @@
           <a:p>
             <a:fld id="{202E84C4-7C53-474A-BFA3-0C91E41EF858}" type="datetimeFigureOut">
               <a:rPr lang="fr-FR" smtClean="0"/>
-              <a:t>30/10/2018</a:t>
+              <a:t>07/01/2019</a:t>
             </a:fld>
             <a:endParaRPr lang="fr-FR"/>
           </a:p>
@@ -22041,6 +22042,323 @@
         <p:spPr>
           <a:xfrm>
             <a:off x="369870" y="359596"/>
+            <a:ext cx="3357201" cy="369332"/>
+          </a:xfrm>
+          <a:prstGeom prst="rect">
+            <a:avLst/>
+          </a:prstGeom>
+          <a:noFill/>
+        </p:spPr>
+        <p:txBody>
+          <a:bodyPr wrap="none" rtlCol="0">
+            <a:spAutoFit/>
+          </a:bodyPr>
+          <a:lstStyle/>
+          <a:p>
+            <a:r>
+              <a:rPr lang="fr-FR" dirty="0" smtClean="0"/>
+              <a:t>Lobe supérieure (2000tr/min 8kg)</a:t>
+            </a:r>
+            <a:endParaRPr lang="fr-FR" dirty="0"/>
+          </a:p>
+        </p:txBody>
+      </p:sp>
+      <p:grpSp>
+        <p:nvGrpSpPr>
+          <p:cNvPr id="3" name="Groupe 2"/>
+          <p:cNvGrpSpPr/>
+          <p:nvPr/>
+        </p:nvGrpSpPr>
+        <p:grpSpPr>
+          <a:xfrm>
+            <a:off x="226687" y="1412837"/>
+            <a:ext cx="10800000" cy="3600000"/>
+            <a:chOff x="226687" y="1412837"/>
+            <a:chExt cx="10800000" cy="3600000"/>
+          </a:xfrm>
+        </p:grpSpPr>
+        <p:graphicFrame>
+          <p:nvGraphicFramePr>
+            <p:cNvPr id="12" name="Graphique 11"/>
+            <p:cNvGraphicFramePr>
+              <a:graphicFrameLocks/>
+            </p:cNvGraphicFramePr>
+            <p:nvPr>
+              <p:extLst>
+                <p:ext uri="{D42A27DB-BD31-4B8C-83A1-F6EECF244321}">
+                  <p14:modId xmlns:p14="http://schemas.microsoft.com/office/powerpoint/2010/main" val="1700229622"/>
+                </p:ext>
+              </p:extLst>
+            </p:nvPr>
+          </p:nvGraphicFramePr>
+          <p:xfrm>
+            <a:off x="5626687" y="1412837"/>
+            <a:ext cx="5400000" cy="3600000"/>
+          </p:xfrm>
+          <a:graphic>
+            <a:graphicData uri="http://schemas.openxmlformats.org/drawingml/2006/chart">
+              <c:chart xmlns:c="http://schemas.openxmlformats.org/drawingml/2006/chart" xmlns:r="http://schemas.openxmlformats.org/officeDocument/2006/relationships" r:id="rId2"/>
+            </a:graphicData>
+          </a:graphic>
+        </p:graphicFrame>
+        <p:graphicFrame>
+          <p:nvGraphicFramePr>
+            <p:cNvPr id="8" name="Graphique 7"/>
+            <p:cNvGraphicFramePr>
+              <a:graphicFrameLocks/>
+            </p:cNvGraphicFramePr>
+            <p:nvPr>
+              <p:extLst>
+                <p:ext uri="{D42A27DB-BD31-4B8C-83A1-F6EECF244321}">
+                  <p14:modId xmlns:p14="http://schemas.microsoft.com/office/powerpoint/2010/main" val="815700933"/>
+                </p:ext>
+              </p:extLst>
+            </p:nvPr>
+          </p:nvGraphicFramePr>
+          <p:xfrm>
+            <a:off x="226687" y="1412837"/>
+            <a:ext cx="5400000" cy="3600000"/>
+          </p:xfrm>
+          <a:graphic>
+            <a:graphicData uri="http://schemas.openxmlformats.org/drawingml/2006/chart">
+              <c:chart xmlns:c="http://schemas.openxmlformats.org/drawingml/2006/chart" xmlns:r="http://schemas.openxmlformats.org/officeDocument/2006/relationships" r:id="rId3"/>
+            </a:graphicData>
+          </a:graphic>
+        </p:graphicFrame>
+        <p:sp>
+          <p:nvSpPr>
+            <p:cNvPr id="9" name="ZoneTexte 1"/>
+            <p:cNvSpPr txBox="1"/>
+            <p:nvPr/>
+          </p:nvSpPr>
+          <p:spPr>
+            <a:xfrm>
+              <a:off x="6586387" y="1813386"/>
+              <a:ext cx="1527424" cy="400691"/>
+            </a:xfrm>
+            <a:prstGeom prst="rect">
+              <a:avLst/>
+            </a:prstGeom>
+            <a:solidFill>
+              <a:schemeClr val="bg1"/>
+            </a:solidFill>
+            <a:ln>
+              <a:noFill/>
+            </a:ln>
+          </p:spPr>
+          <p:txBody>
+            <a:bodyPr wrap="square" rtlCol="0"/>
+            <a:lstStyle>
+              <a:lvl1pPr marL="0" indent="0">
+                <a:defRPr sz="1100">
+                  <a:latin typeface="+mn-lt"/>
+                  <a:ea typeface="+mn-ea"/>
+                  <a:cs typeface="+mn-cs"/>
+                </a:defRPr>
+              </a:lvl1pPr>
+              <a:lvl2pPr marL="457200" indent="0">
+                <a:defRPr sz="1100">
+                  <a:latin typeface="+mn-lt"/>
+                  <a:ea typeface="+mn-ea"/>
+                  <a:cs typeface="+mn-cs"/>
+                </a:defRPr>
+              </a:lvl2pPr>
+              <a:lvl3pPr marL="914400" indent="0">
+                <a:defRPr sz="1100">
+                  <a:latin typeface="+mn-lt"/>
+                  <a:ea typeface="+mn-ea"/>
+                  <a:cs typeface="+mn-cs"/>
+                </a:defRPr>
+              </a:lvl3pPr>
+              <a:lvl4pPr marL="1371600" indent="0">
+                <a:defRPr sz="1100">
+                  <a:latin typeface="+mn-lt"/>
+                  <a:ea typeface="+mn-ea"/>
+                  <a:cs typeface="+mn-cs"/>
+                </a:defRPr>
+              </a:lvl4pPr>
+              <a:lvl5pPr marL="1828800" indent="0">
+                <a:defRPr sz="1100">
+                  <a:latin typeface="+mn-lt"/>
+                  <a:ea typeface="+mn-ea"/>
+                  <a:cs typeface="+mn-cs"/>
+                </a:defRPr>
+              </a:lvl5pPr>
+              <a:lvl6pPr marL="2286000" indent="0">
+                <a:defRPr sz="1100">
+                  <a:latin typeface="+mn-lt"/>
+                  <a:ea typeface="+mn-ea"/>
+                  <a:cs typeface="+mn-cs"/>
+                </a:defRPr>
+              </a:lvl6pPr>
+              <a:lvl7pPr marL="2743200" indent="0">
+                <a:defRPr sz="1100">
+                  <a:latin typeface="+mn-lt"/>
+                  <a:ea typeface="+mn-ea"/>
+                  <a:cs typeface="+mn-cs"/>
+                </a:defRPr>
+              </a:lvl7pPr>
+              <a:lvl8pPr marL="3200400" indent="0">
+                <a:defRPr sz="1100">
+                  <a:latin typeface="+mn-lt"/>
+                  <a:ea typeface="+mn-ea"/>
+                  <a:cs typeface="+mn-cs"/>
+                </a:defRPr>
+              </a:lvl8pPr>
+              <a:lvl9pPr marL="3657600" indent="0">
+                <a:defRPr sz="1100">
+                  <a:latin typeface="+mn-lt"/>
+                  <a:ea typeface="+mn-ea"/>
+                  <a:cs typeface="+mn-cs"/>
+                </a:defRPr>
+              </a:lvl9pPr>
+            </a:lstStyle>
+            <a:p>
+              <a:r>
+                <a:rPr lang="fr-FR" sz="1800" b="1" dirty="0" smtClean="0"/>
+                <a:t>Température</a:t>
+              </a:r>
+              <a:endParaRPr lang="fr-FR" sz="1100" b="1" dirty="0"/>
+            </a:p>
+          </p:txBody>
+        </p:sp>
+        <p:sp>
+          <p:nvSpPr>
+            <p:cNvPr id="10" name="ZoneTexte 1"/>
+            <p:cNvSpPr txBox="1"/>
+            <p:nvPr/>
+          </p:nvSpPr>
+          <p:spPr>
+            <a:xfrm>
+              <a:off x="3892460" y="1813387"/>
+              <a:ext cx="1150704" cy="400691"/>
+            </a:xfrm>
+            <a:prstGeom prst="rect">
+              <a:avLst/>
+            </a:prstGeom>
+            <a:solidFill>
+              <a:schemeClr val="bg1"/>
+            </a:solidFill>
+            <a:ln>
+              <a:noFill/>
+            </a:ln>
+          </p:spPr>
+          <p:txBody>
+            <a:bodyPr wrap="square" rtlCol="0"/>
+            <a:lstStyle>
+              <a:lvl1pPr marL="0" indent="0">
+                <a:defRPr sz="1100">
+                  <a:latin typeface="+mn-lt"/>
+                  <a:ea typeface="+mn-ea"/>
+                  <a:cs typeface="+mn-cs"/>
+                </a:defRPr>
+              </a:lvl1pPr>
+              <a:lvl2pPr marL="457200" indent="0">
+                <a:defRPr sz="1100">
+                  <a:latin typeface="+mn-lt"/>
+                  <a:ea typeface="+mn-ea"/>
+                  <a:cs typeface="+mn-cs"/>
+                </a:defRPr>
+              </a:lvl2pPr>
+              <a:lvl3pPr marL="914400" indent="0">
+                <a:defRPr sz="1100">
+                  <a:latin typeface="+mn-lt"/>
+                  <a:ea typeface="+mn-ea"/>
+                  <a:cs typeface="+mn-cs"/>
+                </a:defRPr>
+              </a:lvl3pPr>
+              <a:lvl4pPr marL="1371600" indent="0">
+                <a:defRPr sz="1100">
+                  <a:latin typeface="+mn-lt"/>
+                  <a:ea typeface="+mn-ea"/>
+                  <a:cs typeface="+mn-cs"/>
+                </a:defRPr>
+              </a:lvl4pPr>
+              <a:lvl5pPr marL="1828800" indent="0">
+                <a:defRPr sz="1100">
+                  <a:latin typeface="+mn-lt"/>
+                  <a:ea typeface="+mn-ea"/>
+                  <a:cs typeface="+mn-cs"/>
+                </a:defRPr>
+              </a:lvl5pPr>
+              <a:lvl6pPr marL="2286000" indent="0">
+                <a:defRPr sz="1100">
+                  <a:latin typeface="+mn-lt"/>
+                  <a:ea typeface="+mn-ea"/>
+                  <a:cs typeface="+mn-cs"/>
+                </a:defRPr>
+              </a:lvl6pPr>
+              <a:lvl7pPr marL="2743200" indent="0">
+                <a:defRPr sz="1100">
+                  <a:latin typeface="+mn-lt"/>
+                  <a:ea typeface="+mn-ea"/>
+                  <a:cs typeface="+mn-cs"/>
+                </a:defRPr>
+              </a:lvl7pPr>
+              <a:lvl8pPr marL="3200400" indent="0">
+                <a:defRPr sz="1100">
+                  <a:latin typeface="+mn-lt"/>
+                  <a:ea typeface="+mn-ea"/>
+                  <a:cs typeface="+mn-cs"/>
+                </a:defRPr>
+              </a:lvl8pPr>
+              <a:lvl9pPr marL="3657600" indent="0">
+                <a:defRPr sz="1100">
+                  <a:latin typeface="+mn-lt"/>
+                  <a:ea typeface="+mn-ea"/>
+                  <a:cs typeface="+mn-cs"/>
+                </a:defRPr>
+              </a:lvl9pPr>
+            </a:lstStyle>
+            <a:p>
+              <a:r>
+                <a:rPr lang="fr-FR" sz="1800" b="1" dirty="0" smtClean="0"/>
+                <a:t>Pression</a:t>
+              </a:r>
+              <a:endParaRPr lang="fr-FR" sz="1100" b="1" dirty="0"/>
+            </a:p>
+          </p:txBody>
+        </p:sp>
+      </p:grpSp>
+    </p:spTree>
+    <p:extLst>
+      <p:ext uri="{BB962C8B-B14F-4D97-AF65-F5344CB8AC3E}">
+        <p14:creationId xmlns:p14="http://schemas.microsoft.com/office/powerpoint/2010/main" val="3700365167"/>
+      </p:ext>
+    </p:extLst>
+  </p:cSld>
+  <p:clrMapOvr>
+    <a:masterClrMapping/>
+  </p:clrMapOvr>
+</p:sld>
+</file>
+
+<file path=ppt/slides/slide11.xml><?xml version="1.0" encoding="utf-8"?>
+<p:sld xmlns:a="http://schemas.openxmlformats.org/drawingml/2006/main" xmlns:r="http://schemas.openxmlformats.org/officeDocument/2006/relationships" xmlns:p="http://schemas.openxmlformats.org/presentationml/2006/main">
+  <p:cSld>
+    <p:spTree>
+      <p:nvGrpSpPr>
+        <p:cNvPr id="1" name=""/>
+        <p:cNvGrpSpPr/>
+        <p:nvPr/>
+      </p:nvGrpSpPr>
+      <p:grpSpPr>
+        <a:xfrm>
+          <a:off x="0" y="0"/>
+          <a:ext cx="0" cy="0"/>
+          <a:chOff x="0" y="0"/>
+          <a:chExt cx="0" cy="0"/>
+        </a:xfrm>
+      </p:grpSpPr>
+      <p:sp>
+        <p:nvSpPr>
+          <p:cNvPr id="4" name="ZoneTexte 3"/>
+          <p:cNvSpPr txBox="1"/>
+          <p:nvPr/>
+        </p:nvSpPr>
+        <p:spPr>
+          <a:xfrm>
+            <a:off x="369870" y="359596"/>
             <a:ext cx="3301994" cy="369332"/>
           </a:xfrm>
           <a:prstGeom prst="rect">
@@ -22332,7 +22650,7 @@
 </p:sld>
 </file>
 
-<file path=ppt/slides/slide11.xml><?xml version="1.0" encoding="utf-8"?>
+<file path=ppt/slides/slide12.xml><?xml version="1.0" encoding="utf-8"?>
 <p:sld xmlns:a="http://schemas.openxmlformats.org/drawingml/2006/main" xmlns:r="http://schemas.openxmlformats.org/officeDocument/2006/relationships" xmlns:p="http://schemas.openxmlformats.org/presentationml/2006/main">
   <p:cSld>
     <p:spTree>
@@ -27217,6 +27535,1844 @@
         </p:nvGrpSpPr>
         <p:grpSpPr>
           <a:xfrm>
+            <a:off x="3488735" y="1665216"/>
+            <a:ext cx="5991655" cy="4132021"/>
+            <a:chOff x="3488735" y="1665216"/>
+            <a:chExt cx="5991655" cy="4132021"/>
+          </a:xfrm>
+        </p:grpSpPr>
+        <p:grpSp>
+          <p:nvGrpSpPr>
+            <p:cNvPr id="62" name="Groupe 61"/>
+            <p:cNvGrpSpPr/>
+            <p:nvPr/>
+          </p:nvGrpSpPr>
+          <p:grpSpPr>
+            <a:xfrm>
+              <a:off x="3488735" y="1684262"/>
+              <a:ext cx="4121893" cy="4112975"/>
+              <a:chOff x="3222035" y="1284212"/>
+              <a:chExt cx="4121893" cy="4112975"/>
+            </a:xfrm>
+          </p:grpSpPr>
+          <p:sp>
+            <p:nvSpPr>
+              <p:cNvPr id="61" name="Secteurs 60"/>
+              <p:cNvSpPr/>
+              <p:nvPr/>
+            </p:nvSpPr>
+            <p:spPr>
+              <a:xfrm rot="19097941">
+                <a:off x="3222035" y="1389178"/>
+                <a:ext cx="3241693" cy="3222394"/>
+              </a:xfrm>
+              <a:prstGeom prst="pie">
+                <a:avLst>
+                  <a:gd name="adj1" fmla="val 5351744"/>
+                  <a:gd name="adj2" fmla="val 16199999"/>
+                </a:avLst>
+              </a:prstGeom>
+              <a:solidFill>
+                <a:schemeClr val="accent1">
+                  <a:lumMod val="60000"/>
+                  <a:lumOff val="40000"/>
+                </a:schemeClr>
+              </a:solidFill>
+            </p:spPr>
+            <p:style>
+              <a:lnRef idx="2">
+                <a:schemeClr val="accent1">
+                  <a:shade val="50000"/>
+                </a:schemeClr>
+              </a:lnRef>
+              <a:fillRef idx="1">
+                <a:schemeClr val="accent1"/>
+              </a:fillRef>
+              <a:effectRef idx="0">
+                <a:schemeClr val="accent1"/>
+              </a:effectRef>
+              <a:fontRef idx="minor">
+                <a:schemeClr val="lt1"/>
+              </a:fontRef>
+            </p:style>
+            <p:txBody>
+              <a:bodyPr rtlCol="0" anchor="ctr"/>
+              <a:lstStyle/>
+              <a:p>
+                <a:pPr algn="ctr"/>
+                <a:endParaRPr lang="fr-FR">
+                  <a:solidFill>
+                    <a:schemeClr val="tx1"/>
+                  </a:solidFill>
+                </a:endParaRPr>
+              </a:p>
+            </p:txBody>
+          </p:sp>
+          <p:sp>
+            <p:nvSpPr>
+              <p:cNvPr id="9" name="Ellipse 8"/>
+              <p:cNvSpPr/>
+              <p:nvPr/>
+            </p:nvSpPr>
+            <p:spPr>
+              <a:xfrm>
+                <a:off x="4030588" y="2204864"/>
+                <a:ext cx="2160000" cy="2160000"/>
+              </a:xfrm>
+              <a:prstGeom prst="ellipse">
+                <a:avLst/>
+              </a:prstGeom>
+              <a:solidFill>
+                <a:schemeClr val="bg1"/>
+              </a:solidFill>
+              <a:ln w="19050">
+                <a:solidFill>
+                  <a:schemeClr val="tx1"/>
+                </a:solidFill>
+              </a:ln>
+            </p:spPr>
+            <p:style>
+              <a:lnRef idx="2">
+                <a:schemeClr val="accent1">
+                  <a:shade val="50000"/>
+                </a:schemeClr>
+              </a:lnRef>
+              <a:fillRef idx="1">
+                <a:schemeClr val="accent1"/>
+              </a:fillRef>
+              <a:effectRef idx="0">
+                <a:schemeClr val="accent1"/>
+              </a:effectRef>
+              <a:fontRef idx="minor">
+                <a:schemeClr val="lt1"/>
+              </a:fontRef>
+            </p:style>
+            <p:txBody>
+              <a:bodyPr rtlCol="0" anchor="ctr"/>
+              <a:lstStyle/>
+              <a:p>
+                <a:pPr algn="ctr"/>
+                <a:endParaRPr lang="fr-FR"/>
+              </a:p>
+            </p:txBody>
+          </p:sp>
+          <p:grpSp>
+            <p:nvGrpSpPr>
+              <p:cNvPr id="20" name="Groupe 19"/>
+              <p:cNvGrpSpPr/>
+              <p:nvPr/>
+            </p:nvGrpSpPr>
+            <p:grpSpPr>
+              <a:xfrm>
+                <a:off x="3228975" y="3009900"/>
+                <a:ext cx="2729325" cy="2039154"/>
+                <a:chOff x="3228975" y="3009900"/>
+                <a:chExt cx="2729325" cy="2039154"/>
+              </a:xfrm>
+            </p:grpSpPr>
+            <p:sp>
+              <p:nvSpPr>
+                <p:cNvPr id="35" name="Forme libre 34"/>
+                <p:cNvSpPr/>
+                <p:nvPr/>
+              </p:nvSpPr>
+              <p:spPr>
+                <a:xfrm>
+                  <a:off x="3228975" y="3009900"/>
+                  <a:ext cx="2729325" cy="2039154"/>
+                </a:xfrm>
+                <a:custGeom>
+                  <a:avLst/>
+                  <a:gdLst>
+                    <a:gd name="connsiteX0" fmla="*/ 0 w 2729325"/>
+                    <a:gd name="connsiteY0" fmla="*/ 0 h 2039154"/>
+                    <a:gd name="connsiteX1" fmla="*/ 28575 w 2729325"/>
+                    <a:gd name="connsiteY1" fmla="*/ 338138 h 2039154"/>
+                    <a:gd name="connsiteX2" fmla="*/ 119063 w 2729325"/>
+                    <a:gd name="connsiteY2" fmla="*/ 685800 h 2039154"/>
+                    <a:gd name="connsiteX3" fmla="*/ 385763 w 2729325"/>
+                    <a:gd name="connsiteY3" fmla="*/ 1162050 h 2039154"/>
+                    <a:gd name="connsiteX4" fmla="*/ 642938 w 2729325"/>
+                    <a:gd name="connsiteY4" fmla="*/ 1423988 h 2039154"/>
+                    <a:gd name="connsiteX5" fmla="*/ 900113 w 2729325"/>
+                    <a:gd name="connsiteY5" fmla="*/ 1619250 h 2039154"/>
+                    <a:gd name="connsiteX6" fmla="*/ 1281113 w 2729325"/>
+                    <a:gd name="connsiteY6" fmla="*/ 1819275 h 2039154"/>
+                    <a:gd name="connsiteX7" fmla="*/ 1776413 w 2729325"/>
+                    <a:gd name="connsiteY7" fmla="*/ 1966913 h 2039154"/>
+                    <a:gd name="connsiteX8" fmla="*/ 2105025 w 2729325"/>
+                    <a:gd name="connsiteY8" fmla="*/ 2024063 h 2039154"/>
+                    <a:gd name="connsiteX9" fmla="*/ 2409825 w 2729325"/>
+                    <a:gd name="connsiteY9" fmla="*/ 2024063 h 2039154"/>
+                    <a:gd name="connsiteX10" fmla="*/ 2619375 w 2729325"/>
+                    <a:gd name="connsiteY10" fmla="*/ 1852613 h 2039154"/>
+                    <a:gd name="connsiteX11" fmla="*/ 2700338 w 2729325"/>
+                    <a:gd name="connsiteY11" fmla="*/ 1676400 h 2039154"/>
+                    <a:gd name="connsiteX12" fmla="*/ 2728913 w 2729325"/>
+                    <a:gd name="connsiteY12" fmla="*/ 1433513 h 2039154"/>
+                    <a:gd name="connsiteX13" fmla="*/ 2714625 w 2729325"/>
+                    <a:gd name="connsiteY13" fmla="*/ 1200150 h 2039154"/>
+                  </a:gdLst>
+                  <a:ahLst/>
+                  <a:cxnLst>
+                    <a:cxn ang="0">
+                      <a:pos x="connsiteX0" y="connsiteY0"/>
+                    </a:cxn>
+                    <a:cxn ang="0">
+                      <a:pos x="connsiteX1" y="connsiteY1"/>
+                    </a:cxn>
+                    <a:cxn ang="0">
+                      <a:pos x="connsiteX2" y="connsiteY2"/>
+                    </a:cxn>
+                    <a:cxn ang="0">
+                      <a:pos x="connsiteX3" y="connsiteY3"/>
+                    </a:cxn>
+                    <a:cxn ang="0">
+                      <a:pos x="connsiteX4" y="connsiteY4"/>
+                    </a:cxn>
+                    <a:cxn ang="0">
+                      <a:pos x="connsiteX5" y="connsiteY5"/>
+                    </a:cxn>
+                    <a:cxn ang="0">
+                      <a:pos x="connsiteX6" y="connsiteY6"/>
+                    </a:cxn>
+                    <a:cxn ang="0">
+                      <a:pos x="connsiteX7" y="connsiteY7"/>
+                    </a:cxn>
+                    <a:cxn ang="0">
+                      <a:pos x="connsiteX8" y="connsiteY8"/>
+                    </a:cxn>
+                    <a:cxn ang="0">
+                      <a:pos x="connsiteX9" y="connsiteY9"/>
+                    </a:cxn>
+                    <a:cxn ang="0">
+                      <a:pos x="connsiteX10" y="connsiteY10"/>
+                    </a:cxn>
+                    <a:cxn ang="0">
+                      <a:pos x="connsiteX11" y="connsiteY11"/>
+                    </a:cxn>
+                    <a:cxn ang="0">
+                      <a:pos x="connsiteX12" y="connsiteY12"/>
+                    </a:cxn>
+                    <a:cxn ang="0">
+                      <a:pos x="connsiteX13" y="connsiteY13"/>
+                    </a:cxn>
+                  </a:cxnLst>
+                  <a:rect l="l" t="t" r="r" b="b"/>
+                  <a:pathLst>
+                    <a:path w="2729325" h="2039154">
+                      <a:moveTo>
+                        <a:pt x="0" y="0"/>
+                      </a:moveTo>
+                      <a:cubicBezTo>
+                        <a:pt x="4365" y="111919"/>
+                        <a:pt x="8731" y="223838"/>
+                        <a:pt x="28575" y="338138"/>
+                      </a:cubicBezTo>
+                      <a:cubicBezTo>
+                        <a:pt x="48419" y="452438"/>
+                        <a:pt x="59532" y="548481"/>
+                        <a:pt x="119063" y="685800"/>
+                      </a:cubicBezTo>
+                      <a:cubicBezTo>
+                        <a:pt x="178594" y="823119"/>
+                        <a:pt x="298451" y="1039019"/>
+                        <a:pt x="385763" y="1162050"/>
+                      </a:cubicBezTo>
+                      <a:cubicBezTo>
+                        <a:pt x="473075" y="1285081"/>
+                        <a:pt x="557213" y="1347788"/>
+                        <a:pt x="642938" y="1423988"/>
+                      </a:cubicBezTo>
+                      <a:cubicBezTo>
+                        <a:pt x="728663" y="1500188"/>
+                        <a:pt x="793751" y="1553369"/>
+                        <a:pt x="900113" y="1619250"/>
+                      </a:cubicBezTo>
+                      <a:cubicBezTo>
+                        <a:pt x="1006476" y="1685131"/>
+                        <a:pt x="1135063" y="1761331"/>
+                        <a:pt x="1281113" y="1819275"/>
+                      </a:cubicBezTo>
+                      <a:cubicBezTo>
+                        <a:pt x="1427163" y="1877219"/>
+                        <a:pt x="1639094" y="1932782"/>
+                        <a:pt x="1776413" y="1966913"/>
+                      </a:cubicBezTo>
+                      <a:cubicBezTo>
+                        <a:pt x="1913732" y="2001044"/>
+                        <a:pt x="1999456" y="2014538"/>
+                        <a:pt x="2105025" y="2024063"/>
+                      </a:cubicBezTo>
+                      <a:cubicBezTo>
+                        <a:pt x="2210594" y="2033588"/>
+                        <a:pt x="2324100" y="2052638"/>
+                        <a:pt x="2409825" y="2024063"/>
+                      </a:cubicBezTo>
+                      <a:cubicBezTo>
+                        <a:pt x="2495550" y="1995488"/>
+                        <a:pt x="2570956" y="1910557"/>
+                        <a:pt x="2619375" y="1852613"/>
+                      </a:cubicBezTo>
+                      <a:cubicBezTo>
+                        <a:pt x="2667794" y="1794669"/>
+                        <a:pt x="2682082" y="1746250"/>
+                        <a:pt x="2700338" y="1676400"/>
+                      </a:cubicBezTo>
+                      <a:cubicBezTo>
+                        <a:pt x="2718594" y="1606550"/>
+                        <a:pt x="2726532" y="1512888"/>
+                        <a:pt x="2728913" y="1433513"/>
+                      </a:cubicBezTo>
+                      <a:cubicBezTo>
+                        <a:pt x="2731294" y="1354138"/>
+                        <a:pt x="2722959" y="1277144"/>
+                        <a:pt x="2714625" y="1200150"/>
+                      </a:cubicBezTo>
+                    </a:path>
+                  </a:pathLst>
+                </a:custGeom>
+                <a:noFill/>
+                <a:ln w="9525">
+                  <a:solidFill>
+                    <a:srgbClr val="0070C0"/>
+                  </a:solidFill>
+                </a:ln>
+              </p:spPr>
+              <p:style>
+                <a:lnRef idx="2">
+                  <a:schemeClr val="accent1">
+                    <a:shade val="50000"/>
+                  </a:schemeClr>
+                </a:lnRef>
+                <a:fillRef idx="1">
+                  <a:schemeClr val="accent1"/>
+                </a:fillRef>
+                <a:effectRef idx="0">
+                  <a:schemeClr val="accent1"/>
+                </a:effectRef>
+                <a:fontRef idx="minor">
+                  <a:schemeClr val="lt1"/>
+                </a:fontRef>
+              </p:style>
+              <p:txBody>
+                <a:bodyPr rtlCol="0" anchor="ctr"/>
+                <a:lstStyle/>
+                <a:p>
+                  <a:pPr algn="ctr"/>
+                  <a:endParaRPr lang="fr-FR"/>
+                </a:p>
+              </p:txBody>
+            </p:sp>
+            <p:cxnSp>
+              <p:nvCxnSpPr>
+                <p:cNvPr id="36" name="Connecteur droit avec flèche 35"/>
+                <p:cNvCxnSpPr>
+                  <a:stCxn id="35" idx="12"/>
+                </p:cNvCxnSpPr>
+                <p:nvPr/>
+              </p:nvCxnSpPr>
+              <p:spPr>
+                <a:xfrm flipH="1" flipV="1">
+                  <a:off x="5814284" y="4293096"/>
+                  <a:ext cx="143604" cy="150317"/>
+                </a:xfrm>
+                <a:prstGeom prst="straightConnector1">
+                  <a:avLst/>
+                </a:prstGeom>
+                <a:ln>
+                  <a:solidFill>
+                    <a:srgbClr val="0070C0"/>
+                  </a:solidFill>
+                  <a:tailEnd type="arrow"/>
+                </a:ln>
+              </p:spPr>
+              <p:style>
+                <a:lnRef idx="1">
+                  <a:schemeClr val="accent1"/>
+                </a:lnRef>
+                <a:fillRef idx="0">
+                  <a:schemeClr val="accent1"/>
+                </a:fillRef>
+                <a:effectRef idx="0">
+                  <a:schemeClr val="accent1"/>
+                </a:effectRef>
+                <a:fontRef idx="minor">
+                  <a:schemeClr val="tx1"/>
+                </a:fontRef>
+              </p:style>
+            </p:cxnSp>
+            <p:cxnSp>
+              <p:nvCxnSpPr>
+                <p:cNvPr id="37" name="Connecteur droit avec flèche 36"/>
+                <p:cNvCxnSpPr/>
+                <p:nvPr/>
+              </p:nvCxnSpPr>
+              <p:spPr>
+                <a:xfrm flipH="1" flipV="1">
+                  <a:off x="5723059" y="4368466"/>
+                  <a:ext cx="219600" cy="288000"/>
+                </a:xfrm>
+                <a:prstGeom prst="straightConnector1">
+                  <a:avLst/>
+                </a:prstGeom>
+                <a:ln>
+                  <a:solidFill>
+                    <a:srgbClr val="0070C0"/>
+                  </a:solidFill>
+                  <a:tailEnd type="arrow"/>
+                </a:ln>
+              </p:spPr>
+              <p:style>
+                <a:lnRef idx="1">
+                  <a:schemeClr val="accent1"/>
+                </a:lnRef>
+                <a:fillRef idx="0">
+                  <a:schemeClr val="accent1"/>
+                </a:fillRef>
+                <a:effectRef idx="0">
+                  <a:schemeClr val="accent1"/>
+                </a:effectRef>
+                <a:fontRef idx="minor">
+                  <a:schemeClr val="tx1"/>
+                </a:fontRef>
+              </p:style>
+            </p:cxnSp>
+            <p:cxnSp>
+              <p:nvCxnSpPr>
+                <p:cNvPr id="38" name="Connecteur droit avec flèche 37"/>
+                <p:cNvCxnSpPr/>
+                <p:nvPr/>
+              </p:nvCxnSpPr>
+              <p:spPr>
+                <a:xfrm flipH="1" flipV="1">
+                  <a:off x="5146589" y="4591262"/>
+                  <a:ext cx="73483" cy="421914"/>
+                </a:xfrm>
+                <a:prstGeom prst="straightConnector1">
+                  <a:avLst/>
+                </a:prstGeom>
+                <a:ln>
+                  <a:solidFill>
+                    <a:srgbClr val="0070C0"/>
+                  </a:solidFill>
+                  <a:tailEnd type="arrow"/>
+                </a:ln>
+              </p:spPr>
+              <p:style>
+                <a:lnRef idx="1">
+                  <a:schemeClr val="accent1"/>
+                </a:lnRef>
+                <a:fillRef idx="0">
+                  <a:schemeClr val="accent1"/>
+                </a:fillRef>
+                <a:effectRef idx="0">
+                  <a:schemeClr val="accent1"/>
+                </a:effectRef>
+                <a:fontRef idx="minor">
+                  <a:schemeClr val="tx1"/>
+                </a:fontRef>
+              </p:style>
+            </p:cxnSp>
+            <p:cxnSp>
+              <p:nvCxnSpPr>
+                <p:cNvPr id="39" name="Connecteur droit avec flèche 38"/>
+                <p:cNvCxnSpPr/>
+                <p:nvPr/>
+              </p:nvCxnSpPr>
+              <p:spPr>
+                <a:xfrm flipH="1" flipV="1">
+                  <a:off x="5039812" y="4616712"/>
+                  <a:ext cx="38408" cy="378610"/>
+                </a:xfrm>
+                <a:prstGeom prst="straightConnector1">
+                  <a:avLst/>
+                </a:prstGeom>
+                <a:ln>
+                  <a:solidFill>
+                    <a:srgbClr val="0070C0"/>
+                  </a:solidFill>
+                  <a:tailEnd type="arrow"/>
+                </a:ln>
+              </p:spPr>
+              <p:style>
+                <a:lnRef idx="1">
+                  <a:schemeClr val="accent1"/>
+                </a:lnRef>
+                <a:fillRef idx="0">
+                  <a:schemeClr val="accent1"/>
+                </a:fillRef>
+                <a:effectRef idx="0">
+                  <a:schemeClr val="accent1"/>
+                </a:effectRef>
+                <a:fontRef idx="minor">
+                  <a:schemeClr val="tx1"/>
+                </a:fontRef>
+              </p:style>
+            </p:cxnSp>
+            <p:cxnSp>
+              <p:nvCxnSpPr>
+                <p:cNvPr id="40" name="Connecteur droit avec flèche 39"/>
+                <p:cNvCxnSpPr/>
+                <p:nvPr/>
+              </p:nvCxnSpPr>
+              <p:spPr>
+                <a:xfrm flipH="1" flipV="1">
+                  <a:off x="5292080" y="4563933"/>
+                  <a:ext cx="119021" cy="468000"/>
+                </a:xfrm>
+                <a:prstGeom prst="straightConnector1">
+                  <a:avLst/>
+                </a:prstGeom>
+                <a:ln>
+                  <a:solidFill>
+                    <a:srgbClr val="0070C0"/>
+                  </a:solidFill>
+                  <a:tailEnd type="arrow"/>
+                </a:ln>
+              </p:spPr>
+              <p:style>
+                <a:lnRef idx="1">
+                  <a:schemeClr val="accent1"/>
+                </a:lnRef>
+                <a:fillRef idx="0">
+                  <a:schemeClr val="accent1"/>
+                </a:fillRef>
+                <a:effectRef idx="0">
+                  <a:schemeClr val="accent1"/>
+                </a:effectRef>
+                <a:fontRef idx="minor">
+                  <a:schemeClr val="tx1"/>
+                </a:fontRef>
+              </p:style>
+            </p:cxnSp>
+            <p:cxnSp>
+              <p:nvCxnSpPr>
+                <p:cNvPr id="41" name="Connecteur droit avec flèche 40"/>
+                <p:cNvCxnSpPr/>
+                <p:nvPr/>
+              </p:nvCxnSpPr>
+              <p:spPr>
+                <a:xfrm flipH="1" flipV="1">
+                  <a:off x="5411101" y="4509120"/>
+                  <a:ext cx="154070" cy="539934"/>
+                </a:xfrm>
+                <a:prstGeom prst="straightConnector1">
+                  <a:avLst/>
+                </a:prstGeom>
+                <a:ln>
+                  <a:solidFill>
+                    <a:srgbClr val="0070C0"/>
+                  </a:solidFill>
+                  <a:tailEnd type="arrow"/>
+                </a:ln>
+              </p:spPr>
+              <p:style>
+                <a:lnRef idx="1">
+                  <a:schemeClr val="accent1"/>
+                </a:lnRef>
+                <a:fillRef idx="0">
+                  <a:schemeClr val="accent1"/>
+                </a:fillRef>
+                <a:effectRef idx="0">
+                  <a:schemeClr val="accent1"/>
+                </a:effectRef>
+                <a:fontRef idx="minor">
+                  <a:schemeClr val="tx1"/>
+                </a:fontRef>
+              </p:style>
+            </p:cxnSp>
+            <p:cxnSp>
+              <p:nvCxnSpPr>
+                <p:cNvPr id="42" name="Connecteur droit avec flèche 41"/>
+                <p:cNvCxnSpPr/>
+                <p:nvPr/>
+              </p:nvCxnSpPr>
+              <p:spPr>
+                <a:xfrm flipH="1" flipV="1">
+                  <a:off x="5526143" y="4473758"/>
+                  <a:ext cx="216000" cy="504000"/>
+                </a:xfrm>
+                <a:prstGeom prst="straightConnector1">
+                  <a:avLst/>
+                </a:prstGeom>
+                <a:ln>
+                  <a:solidFill>
+                    <a:srgbClr val="0070C0"/>
+                  </a:solidFill>
+                  <a:tailEnd type="arrow"/>
+                </a:ln>
+              </p:spPr>
+              <p:style>
+                <a:lnRef idx="1">
+                  <a:schemeClr val="accent1"/>
+                </a:lnRef>
+                <a:fillRef idx="0">
+                  <a:schemeClr val="accent1"/>
+                </a:fillRef>
+                <a:effectRef idx="0">
+                  <a:schemeClr val="accent1"/>
+                </a:effectRef>
+                <a:fontRef idx="minor">
+                  <a:schemeClr val="tx1"/>
+                </a:fontRef>
+              </p:style>
+            </p:cxnSp>
+            <p:cxnSp>
+              <p:nvCxnSpPr>
+                <p:cNvPr id="43" name="Connecteur droit avec flèche 42"/>
+                <p:cNvCxnSpPr/>
+                <p:nvPr/>
+              </p:nvCxnSpPr>
+              <p:spPr>
+                <a:xfrm flipH="1" flipV="1">
+                  <a:off x="5628743" y="4415582"/>
+                  <a:ext cx="226800" cy="432000"/>
+                </a:xfrm>
+                <a:prstGeom prst="straightConnector1">
+                  <a:avLst/>
+                </a:prstGeom>
+                <a:ln>
+                  <a:solidFill>
+                    <a:srgbClr val="0070C0"/>
+                  </a:solidFill>
+                  <a:tailEnd type="arrow"/>
+                </a:ln>
+              </p:spPr>
+              <p:style>
+                <a:lnRef idx="1">
+                  <a:schemeClr val="accent1"/>
+                </a:lnRef>
+                <a:fillRef idx="0">
+                  <a:schemeClr val="accent1"/>
+                </a:fillRef>
+                <a:effectRef idx="0">
+                  <a:schemeClr val="accent1"/>
+                </a:effectRef>
+                <a:fontRef idx="minor">
+                  <a:schemeClr val="tx1"/>
+                </a:fontRef>
+              </p:style>
+            </p:cxnSp>
+            <p:cxnSp>
+              <p:nvCxnSpPr>
+                <p:cNvPr id="44" name="Connecteur droit avec flèche 43"/>
+                <p:cNvCxnSpPr/>
+                <p:nvPr/>
+              </p:nvCxnSpPr>
+              <p:spPr>
+                <a:xfrm flipH="1" flipV="1">
+                  <a:off x="4897227" y="4616712"/>
+                  <a:ext cx="38408" cy="342000"/>
+                </a:xfrm>
+                <a:prstGeom prst="straightConnector1">
+                  <a:avLst/>
+                </a:prstGeom>
+                <a:ln>
+                  <a:solidFill>
+                    <a:srgbClr val="0070C0"/>
+                  </a:solidFill>
+                  <a:tailEnd type="arrow"/>
+                </a:ln>
+              </p:spPr>
+              <p:style>
+                <a:lnRef idx="1">
+                  <a:schemeClr val="accent1"/>
+                </a:lnRef>
+                <a:fillRef idx="0">
+                  <a:schemeClr val="accent1"/>
+                </a:fillRef>
+                <a:effectRef idx="0">
+                  <a:schemeClr val="accent1"/>
+                </a:effectRef>
+                <a:fontRef idx="minor">
+                  <a:schemeClr val="tx1"/>
+                </a:fontRef>
+              </p:style>
+            </p:cxnSp>
+            <p:cxnSp>
+              <p:nvCxnSpPr>
+                <p:cNvPr id="45" name="Connecteur droit avec flèche 44"/>
+                <p:cNvCxnSpPr/>
+                <p:nvPr/>
+              </p:nvCxnSpPr>
+              <p:spPr>
+                <a:xfrm flipV="1">
+                  <a:off x="4783443" y="4616712"/>
+                  <a:ext cx="18000" cy="306000"/>
+                </a:xfrm>
+                <a:prstGeom prst="straightConnector1">
+                  <a:avLst/>
+                </a:prstGeom>
+                <a:ln>
+                  <a:solidFill>
+                    <a:srgbClr val="0070C0"/>
+                  </a:solidFill>
+                  <a:tailEnd type="arrow"/>
+                </a:ln>
+              </p:spPr>
+              <p:style>
+                <a:lnRef idx="1">
+                  <a:schemeClr val="accent1"/>
+                </a:lnRef>
+                <a:fillRef idx="0">
+                  <a:schemeClr val="accent1"/>
+                </a:fillRef>
+                <a:effectRef idx="0">
+                  <a:schemeClr val="accent1"/>
+                </a:effectRef>
+                <a:fontRef idx="minor">
+                  <a:schemeClr val="tx1"/>
+                </a:fontRef>
+              </p:style>
+            </p:cxnSp>
+            <p:cxnSp>
+              <p:nvCxnSpPr>
+                <p:cNvPr id="46" name="Connecteur droit avec flèche 45"/>
+                <p:cNvCxnSpPr/>
+                <p:nvPr/>
+              </p:nvCxnSpPr>
+              <p:spPr>
+                <a:xfrm flipV="1">
+                  <a:off x="4642285" y="4615950"/>
+                  <a:ext cx="36000" cy="266246"/>
+                </a:xfrm>
+                <a:prstGeom prst="straightConnector1">
+                  <a:avLst/>
+                </a:prstGeom>
+                <a:ln>
+                  <a:solidFill>
+                    <a:srgbClr val="0070C0"/>
+                  </a:solidFill>
+                  <a:tailEnd type="arrow"/>
+                </a:ln>
+              </p:spPr>
+              <p:style>
+                <a:lnRef idx="1">
+                  <a:schemeClr val="accent1"/>
+                </a:lnRef>
+                <a:fillRef idx="0">
+                  <a:schemeClr val="accent1"/>
+                </a:fillRef>
+                <a:effectRef idx="0">
+                  <a:schemeClr val="accent1"/>
+                </a:effectRef>
+                <a:fontRef idx="minor">
+                  <a:schemeClr val="tx1"/>
+                </a:fontRef>
+              </p:style>
+            </p:cxnSp>
+            <p:cxnSp>
+              <p:nvCxnSpPr>
+                <p:cNvPr id="47" name="Connecteur droit avec flèche 46"/>
+                <p:cNvCxnSpPr/>
+                <p:nvPr/>
+              </p:nvCxnSpPr>
+              <p:spPr>
+                <a:xfrm flipV="1">
+                  <a:off x="4517756" y="4591262"/>
+                  <a:ext cx="54244" cy="238917"/>
+                </a:xfrm>
+                <a:prstGeom prst="straightConnector1">
+                  <a:avLst/>
+                </a:prstGeom>
+                <a:ln>
+                  <a:solidFill>
+                    <a:srgbClr val="0070C0"/>
+                  </a:solidFill>
+                  <a:tailEnd type="arrow"/>
+                </a:ln>
+              </p:spPr>
+              <p:style>
+                <a:lnRef idx="1">
+                  <a:schemeClr val="accent1"/>
+                </a:lnRef>
+                <a:fillRef idx="0">
+                  <a:schemeClr val="accent1"/>
+                </a:fillRef>
+                <a:effectRef idx="0">
+                  <a:schemeClr val="accent1"/>
+                </a:effectRef>
+                <a:fontRef idx="minor">
+                  <a:schemeClr val="tx1"/>
+                </a:fontRef>
+              </p:style>
+            </p:cxnSp>
+            <p:cxnSp>
+              <p:nvCxnSpPr>
+                <p:cNvPr id="48" name="Connecteur droit avec flèche 47"/>
+                <p:cNvCxnSpPr/>
+                <p:nvPr/>
+              </p:nvCxnSpPr>
+              <p:spPr>
+                <a:xfrm flipV="1">
+                  <a:off x="4355976" y="4552697"/>
+                  <a:ext cx="90000" cy="205200"/>
+                </a:xfrm>
+                <a:prstGeom prst="straightConnector1">
+                  <a:avLst/>
+                </a:prstGeom>
+                <a:ln>
+                  <a:solidFill>
+                    <a:srgbClr val="0070C0"/>
+                  </a:solidFill>
+                  <a:tailEnd type="arrow"/>
+                </a:ln>
+              </p:spPr>
+              <p:style>
+                <a:lnRef idx="1">
+                  <a:schemeClr val="accent1"/>
+                </a:lnRef>
+                <a:fillRef idx="0">
+                  <a:schemeClr val="accent1"/>
+                </a:fillRef>
+                <a:effectRef idx="0">
+                  <a:schemeClr val="accent1"/>
+                </a:effectRef>
+                <a:fontRef idx="minor">
+                  <a:schemeClr val="tx1"/>
+                </a:fontRef>
+              </p:style>
+            </p:cxnSp>
+            <p:cxnSp>
+              <p:nvCxnSpPr>
+                <p:cNvPr id="49" name="Connecteur droit avec flèche 48"/>
+                <p:cNvCxnSpPr/>
+                <p:nvPr/>
+              </p:nvCxnSpPr>
+              <p:spPr>
+                <a:xfrm flipV="1">
+                  <a:off x="4211960" y="4509120"/>
+                  <a:ext cx="90000" cy="172853"/>
+                </a:xfrm>
+                <a:prstGeom prst="straightConnector1">
+                  <a:avLst/>
+                </a:prstGeom>
+                <a:ln>
+                  <a:solidFill>
+                    <a:srgbClr val="0070C0"/>
+                  </a:solidFill>
+                  <a:tailEnd type="arrow"/>
+                </a:ln>
+              </p:spPr>
+              <p:style>
+                <a:lnRef idx="1">
+                  <a:schemeClr val="accent1"/>
+                </a:lnRef>
+                <a:fillRef idx="0">
+                  <a:schemeClr val="accent1"/>
+                </a:fillRef>
+                <a:effectRef idx="0">
+                  <a:schemeClr val="accent1"/>
+                </a:effectRef>
+                <a:fontRef idx="minor">
+                  <a:schemeClr val="tx1"/>
+                </a:fontRef>
+              </p:style>
+            </p:cxnSp>
+            <p:cxnSp>
+              <p:nvCxnSpPr>
+                <p:cNvPr id="50" name="Connecteur droit avec flèche 49"/>
+                <p:cNvCxnSpPr/>
+                <p:nvPr/>
+              </p:nvCxnSpPr>
+              <p:spPr>
+                <a:xfrm flipV="1">
+                  <a:off x="4085964" y="4473758"/>
+                  <a:ext cx="89992" cy="122928"/>
+                </a:xfrm>
+                <a:prstGeom prst="straightConnector1">
+                  <a:avLst/>
+                </a:prstGeom>
+                <a:ln>
+                  <a:solidFill>
+                    <a:srgbClr val="0070C0"/>
+                  </a:solidFill>
+                  <a:tailEnd type="arrow"/>
+                </a:ln>
+              </p:spPr>
+              <p:style>
+                <a:lnRef idx="1">
+                  <a:schemeClr val="accent1"/>
+                </a:lnRef>
+                <a:fillRef idx="0">
+                  <a:schemeClr val="accent1"/>
+                </a:fillRef>
+                <a:effectRef idx="0">
+                  <a:schemeClr val="accent1"/>
+                </a:effectRef>
+                <a:fontRef idx="minor">
+                  <a:schemeClr val="tx1"/>
+                </a:fontRef>
+              </p:style>
+            </p:cxnSp>
+            <p:cxnSp>
+              <p:nvCxnSpPr>
+                <p:cNvPr id="51" name="Connecteur droit avec flèche 50"/>
+                <p:cNvCxnSpPr/>
+                <p:nvPr/>
+              </p:nvCxnSpPr>
+              <p:spPr>
+                <a:xfrm flipV="1">
+                  <a:off x="3974364" y="4415582"/>
+                  <a:ext cx="93580" cy="96884"/>
+                </a:xfrm>
+                <a:prstGeom prst="straightConnector1">
+                  <a:avLst/>
+                </a:prstGeom>
+                <a:ln>
+                  <a:solidFill>
+                    <a:srgbClr val="0070C0"/>
+                  </a:solidFill>
+                  <a:tailEnd type="arrow"/>
+                </a:ln>
+              </p:spPr>
+              <p:style>
+                <a:lnRef idx="1">
+                  <a:schemeClr val="accent1"/>
+                </a:lnRef>
+                <a:fillRef idx="0">
+                  <a:schemeClr val="accent1"/>
+                </a:fillRef>
+                <a:effectRef idx="0">
+                  <a:schemeClr val="accent1"/>
+                </a:effectRef>
+                <a:fontRef idx="minor">
+                  <a:schemeClr val="tx1"/>
+                </a:fontRef>
+              </p:style>
+            </p:cxnSp>
+            <p:cxnSp>
+              <p:nvCxnSpPr>
+                <p:cNvPr id="52" name="Connecteur droit avec flèche 51"/>
+                <p:cNvCxnSpPr/>
+                <p:nvPr/>
+              </p:nvCxnSpPr>
+              <p:spPr>
+                <a:xfrm flipV="1">
+                  <a:off x="3871913" y="4336723"/>
+                  <a:ext cx="97200" cy="100800"/>
+                </a:xfrm>
+                <a:prstGeom prst="straightConnector1">
+                  <a:avLst/>
+                </a:prstGeom>
+                <a:ln>
+                  <a:solidFill>
+                    <a:srgbClr val="0070C0"/>
+                  </a:solidFill>
+                  <a:tailEnd type="arrow"/>
+                </a:ln>
+              </p:spPr>
+              <p:style>
+                <a:lnRef idx="1">
+                  <a:schemeClr val="accent1"/>
+                </a:lnRef>
+                <a:fillRef idx="0">
+                  <a:schemeClr val="accent1"/>
+                </a:fillRef>
+                <a:effectRef idx="0">
+                  <a:schemeClr val="accent1"/>
+                </a:effectRef>
+                <a:fontRef idx="minor">
+                  <a:schemeClr val="tx1"/>
+                </a:fontRef>
+              </p:style>
+            </p:cxnSp>
+            <p:cxnSp>
+              <p:nvCxnSpPr>
+                <p:cNvPr id="53" name="Connecteur droit avec flèche 52"/>
+                <p:cNvCxnSpPr/>
+                <p:nvPr/>
+              </p:nvCxnSpPr>
+              <p:spPr>
+                <a:xfrm flipV="1">
+                  <a:off x="3779912" y="4271359"/>
+                  <a:ext cx="72008" cy="65364"/>
+                </a:xfrm>
+                <a:prstGeom prst="straightConnector1">
+                  <a:avLst/>
+                </a:prstGeom>
+                <a:ln>
+                  <a:solidFill>
+                    <a:srgbClr val="0070C0"/>
+                  </a:solidFill>
+                  <a:tailEnd type="arrow"/>
+                </a:ln>
+              </p:spPr>
+              <p:style>
+                <a:lnRef idx="1">
+                  <a:schemeClr val="accent1"/>
+                </a:lnRef>
+                <a:fillRef idx="0">
+                  <a:schemeClr val="accent1"/>
+                </a:fillRef>
+                <a:effectRef idx="0">
+                  <a:schemeClr val="accent1"/>
+                </a:effectRef>
+                <a:fontRef idx="minor">
+                  <a:schemeClr val="tx1"/>
+                </a:fontRef>
+              </p:style>
+            </p:cxnSp>
+            <p:cxnSp>
+              <p:nvCxnSpPr>
+                <p:cNvPr id="54" name="Connecteur droit avec flèche 53"/>
+                <p:cNvCxnSpPr/>
+                <p:nvPr/>
+              </p:nvCxnSpPr>
+              <p:spPr>
+                <a:xfrm flipV="1">
+                  <a:off x="3707904" y="4203791"/>
+                  <a:ext cx="72008" cy="67568"/>
+                </a:xfrm>
+                <a:prstGeom prst="straightConnector1">
+                  <a:avLst/>
+                </a:prstGeom>
+                <a:ln>
+                  <a:solidFill>
+                    <a:srgbClr val="0070C0"/>
+                  </a:solidFill>
+                  <a:tailEnd type="arrow"/>
+                </a:ln>
+              </p:spPr>
+              <p:style>
+                <a:lnRef idx="1">
+                  <a:schemeClr val="accent1"/>
+                </a:lnRef>
+                <a:fillRef idx="0">
+                  <a:schemeClr val="accent1"/>
+                </a:fillRef>
+                <a:effectRef idx="0">
+                  <a:schemeClr val="accent1"/>
+                </a:effectRef>
+                <a:fontRef idx="minor">
+                  <a:schemeClr val="tx1"/>
+                </a:fontRef>
+              </p:style>
+            </p:cxnSp>
+          </p:grpSp>
+          <p:grpSp>
+            <p:nvGrpSpPr>
+              <p:cNvPr id="21" name="Groupe 20"/>
+              <p:cNvGrpSpPr/>
+              <p:nvPr/>
+            </p:nvGrpSpPr>
+            <p:grpSpPr>
+              <a:xfrm rot="5909749">
+                <a:off x="5859376" y="3859964"/>
+                <a:ext cx="443148" cy="748284"/>
+                <a:chOff x="6254664" y="3676811"/>
+                <a:chExt cx="443148" cy="748284"/>
+              </a:xfrm>
+            </p:grpSpPr>
+            <p:cxnSp>
+              <p:nvCxnSpPr>
+                <p:cNvPr id="31" name="Connecteur droit avec flèche 30"/>
+                <p:cNvCxnSpPr/>
+                <p:nvPr/>
+              </p:nvCxnSpPr>
+              <p:spPr>
+                <a:xfrm rot="15690251" flipH="1" flipV="1">
+                  <a:off x="6464170" y="3948785"/>
+                  <a:ext cx="204790" cy="232293"/>
+                </a:xfrm>
+                <a:prstGeom prst="straightConnector1">
+                  <a:avLst/>
+                </a:prstGeom>
+                <a:ln>
+                  <a:solidFill>
+                    <a:schemeClr val="tx1"/>
+                  </a:solidFill>
+                  <a:tailEnd type="arrow"/>
+                </a:ln>
+              </p:spPr>
+              <p:style>
+                <a:lnRef idx="1">
+                  <a:schemeClr val="accent1"/>
+                </a:lnRef>
+                <a:fillRef idx="0">
+                  <a:schemeClr val="accent1"/>
+                </a:fillRef>
+                <a:effectRef idx="0">
+                  <a:schemeClr val="accent1"/>
+                </a:effectRef>
+                <a:fontRef idx="minor">
+                  <a:schemeClr val="tx1"/>
+                </a:fontRef>
+              </p:style>
+            </p:cxnSp>
+            <p:cxnSp>
+              <p:nvCxnSpPr>
+                <p:cNvPr id="32" name="Connecteur droit avec flèche 31"/>
+                <p:cNvCxnSpPr/>
+                <p:nvPr/>
+              </p:nvCxnSpPr>
+              <p:spPr>
+                <a:xfrm rot="15690251">
+                  <a:off x="6260367" y="4325822"/>
+                  <a:ext cx="93570" cy="104976"/>
+                </a:xfrm>
+                <a:prstGeom prst="straightConnector1">
+                  <a:avLst/>
+                </a:prstGeom>
+                <a:ln>
+                  <a:solidFill>
+                    <a:schemeClr val="tx1"/>
+                  </a:solidFill>
+                  <a:tailEnd type="arrow"/>
+                </a:ln>
+              </p:spPr>
+              <p:style>
+                <a:lnRef idx="1">
+                  <a:schemeClr val="accent1"/>
+                </a:lnRef>
+                <a:fillRef idx="0">
+                  <a:schemeClr val="accent1"/>
+                </a:fillRef>
+                <a:effectRef idx="0">
+                  <a:schemeClr val="accent1"/>
+                </a:effectRef>
+                <a:fontRef idx="minor">
+                  <a:schemeClr val="tx1"/>
+                </a:fontRef>
+              </p:style>
+            </p:cxnSp>
+            <p:cxnSp>
+              <p:nvCxnSpPr>
+                <p:cNvPr id="33" name="Connecteur droit 32"/>
+                <p:cNvCxnSpPr/>
+                <p:nvPr/>
+              </p:nvCxnSpPr>
+              <p:spPr>
+                <a:xfrm rot="15690251" flipH="1" flipV="1">
+                  <a:off x="6280366" y="3953190"/>
+                  <a:ext cx="393706" cy="441187"/>
+                </a:xfrm>
+                <a:prstGeom prst="line">
+                  <a:avLst/>
+                </a:prstGeom>
+                <a:ln>
+                  <a:solidFill>
+                    <a:schemeClr val="tx1"/>
+                  </a:solidFill>
+                </a:ln>
+              </p:spPr>
+              <p:style>
+                <a:lnRef idx="1">
+                  <a:schemeClr val="accent1"/>
+                </a:lnRef>
+                <a:fillRef idx="0">
+                  <a:schemeClr val="accent1"/>
+                </a:fillRef>
+                <a:effectRef idx="0">
+                  <a:schemeClr val="accent1"/>
+                </a:effectRef>
+                <a:fontRef idx="minor">
+                  <a:schemeClr val="tx1"/>
+                </a:fontRef>
+              </p:style>
+            </p:cxnSp>
+            <p:cxnSp>
+              <p:nvCxnSpPr>
+                <p:cNvPr id="34" name="Connecteur droit 33"/>
+                <p:cNvCxnSpPr/>
+                <p:nvPr/>
+              </p:nvCxnSpPr>
+              <p:spPr>
+                <a:xfrm rot="15690251">
+                  <a:off x="6510774" y="3812315"/>
+                  <a:ext cx="271166" cy="158"/>
+                </a:xfrm>
+                <a:prstGeom prst="line">
+                  <a:avLst/>
+                </a:prstGeom>
+                <a:ln>
+                  <a:solidFill>
+                    <a:schemeClr val="tx1"/>
+                  </a:solidFill>
+                </a:ln>
+              </p:spPr>
+              <p:style>
+                <a:lnRef idx="1">
+                  <a:schemeClr val="accent1"/>
+                </a:lnRef>
+                <a:fillRef idx="0">
+                  <a:schemeClr val="accent1"/>
+                </a:fillRef>
+                <a:effectRef idx="0">
+                  <a:schemeClr val="accent1"/>
+                </a:effectRef>
+                <a:fontRef idx="minor">
+                  <a:schemeClr val="tx1"/>
+                </a:fontRef>
+              </p:style>
+            </p:cxnSp>
+          </p:grpSp>
+          <p:sp>
+            <p:nvSpPr>
+              <p:cNvPr id="22" name="ZoneTexte 21"/>
+              <p:cNvSpPr txBox="1"/>
+              <p:nvPr/>
+            </p:nvSpPr>
+            <p:spPr>
+              <a:xfrm>
+                <a:off x="6346987" y="4281096"/>
+                <a:ext cx="504056" cy="307777"/>
+              </a:xfrm>
+              <a:prstGeom prst="rect">
+                <a:avLst/>
+              </a:prstGeom>
+              <a:noFill/>
+            </p:spPr>
+            <p:txBody>
+              <a:bodyPr wrap="square" rtlCol="0">
+                <a:spAutoFit/>
+              </a:bodyPr>
+              <a:lstStyle/>
+              <a:p>
+                <a:pPr algn="ctr"/>
+                <a:r>
+                  <a:rPr lang="fr-FR" sz="1400" dirty="0" smtClean="0"/>
+                  <a:t>h</a:t>
+                </a:r>
+                <a:r>
+                  <a:rPr lang="fr-FR" sz="1400" baseline="-25000" dirty="0" smtClean="0"/>
+                  <a:t>min</a:t>
+                </a:r>
+                <a:endParaRPr lang="fr-FR" sz="1400" baseline="-25000" dirty="0"/>
+              </a:p>
+            </p:txBody>
+          </p:sp>
+          <p:sp>
+            <p:nvSpPr>
+              <p:cNvPr id="25" name="Ellipse 24"/>
+              <p:cNvSpPr/>
+              <p:nvPr/>
+            </p:nvSpPr>
+            <p:spPr>
+              <a:xfrm>
+                <a:off x="3239832" y="1376712"/>
+                <a:ext cx="3240000" cy="3240000"/>
+              </a:xfrm>
+              <a:prstGeom prst="ellipse">
+                <a:avLst/>
+              </a:prstGeom>
+              <a:noFill/>
+              <a:ln w="19050">
+                <a:solidFill>
+                  <a:schemeClr val="tx1"/>
+                </a:solidFill>
+              </a:ln>
+            </p:spPr>
+            <p:style>
+              <a:lnRef idx="2">
+                <a:schemeClr val="accent1">
+                  <a:shade val="50000"/>
+                </a:schemeClr>
+              </a:lnRef>
+              <a:fillRef idx="1">
+                <a:schemeClr val="accent1"/>
+              </a:fillRef>
+              <a:effectRef idx="0">
+                <a:schemeClr val="accent1"/>
+              </a:effectRef>
+              <a:fontRef idx="minor">
+                <a:schemeClr val="lt1"/>
+              </a:fontRef>
+            </p:style>
+            <p:txBody>
+              <a:bodyPr rtlCol="0" anchor="ctr"/>
+              <a:lstStyle/>
+              <a:p>
+                <a:pPr algn="ctr"/>
+                <a:endParaRPr lang="fr-FR"/>
+              </a:p>
+            </p:txBody>
+          </p:sp>
+          <p:sp>
+            <p:nvSpPr>
+              <p:cNvPr id="26" name="ZoneTexte 25"/>
+              <p:cNvSpPr txBox="1"/>
+              <p:nvPr/>
+            </p:nvSpPr>
+            <p:spPr>
+              <a:xfrm>
+                <a:off x="3871913" y="5089410"/>
+                <a:ext cx="2576046" cy="307777"/>
+              </a:xfrm>
+              <a:prstGeom prst="rect">
+                <a:avLst/>
+              </a:prstGeom>
+              <a:noFill/>
+              <a:ln>
+                <a:noFill/>
+              </a:ln>
+            </p:spPr>
+            <p:txBody>
+              <a:bodyPr wrap="square" rtlCol="0">
+                <a:spAutoFit/>
+              </a:bodyPr>
+              <a:lstStyle/>
+              <a:p>
+                <a:pPr algn="ctr"/>
+                <a:r>
+                  <a:rPr lang="fr-FR" sz="1400" b="1" dirty="0" smtClean="0">
+                    <a:solidFill>
+                      <a:srgbClr val="0070C0"/>
+                    </a:solidFill>
+                  </a:rPr>
+                  <a:t>Champ de Pression</a:t>
+                </a:r>
+                <a:endParaRPr lang="fr-FR" sz="1400" b="1" baseline="-25000" dirty="0">
+                  <a:solidFill>
+                    <a:srgbClr val="0070C0"/>
+                  </a:solidFill>
+                </a:endParaRPr>
+              </a:p>
+            </p:txBody>
+          </p:sp>
+          <p:sp>
+            <p:nvSpPr>
+              <p:cNvPr id="27" name="Arc 26"/>
+              <p:cNvSpPr/>
+              <p:nvPr/>
+            </p:nvSpPr>
+            <p:spPr>
+              <a:xfrm rot="20999581">
+                <a:off x="4211960" y="2384864"/>
+                <a:ext cx="1800000" cy="1800000"/>
+              </a:xfrm>
+              <a:prstGeom prst="arc">
+                <a:avLst>
+                  <a:gd name="adj1" fmla="val 18172350"/>
+                  <a:gd name="adj2" fmla="val 19610174"/>
+                </a:avLst>
+              </a:prstGeom>
+              <a:ln>
+                <a:solidFill>
+                  <a:schemeClr val="tx1"/>
+                </a:solidFill>
+                <a:headEnd type="arrow" w="med" len="med"/>
+                <a:tailEnd type="none" w="med" len="med"/>
+              </a:ln>
+            </p:spPr>
+            <p:style>
+              <a:lnRef idx="1">
+                <a:schemeClr val="accent1"/>
+              </a:lnRef>
+              <a:fillRef idx="0">
+                <a:schemeClr val="accent1"/>
+              </a:fillRef>
+              <a:effectRef idx="0">
+                <a:schemeClr val="accent1"/>
+              </a:effectRef>
+              <a:fontRef idx="minor">
+                <a:schemeClr val="tx1"/>
+              </a:fontRef>
+            </p:style>
+            <p:txBody>
+              <a:bodyPr rtlCol="0" anchor="ctr"/>
+              <a:lstStyle/>
+              <a:p>
+                <a:pPr algn="ctr"/>
+                <a:endParaRPr lang="fr-FR"/>
+              </a:p>
+            </p:txBody>
+          </p:sp>
+          <p:sp>
+            <p:nvSpPr>
+              <p:cNvPr id="29" name="ZoneTexte 28"/>
+              <p:cNvSpPr txBox="1"/>
+              <p:nvPr/>
+            </p:nvSpPr>
+            <p:spPr>
+              <a:xfrm>
+                <a:off x="5615736" y="1615452"/>
+                <a:ext cx="1728192" cy="307777"/>
+              </a:xfrm>
+              <a:prstGeom prst="rect">
+                <a:avLst/>
+              </a:prstGeom>
+              <a:noFill/>
+            </p:spPr>
+            <p:txBody>
+              <a:bodyPr wrap="square" rtlCol="0">
+                <a:spAutoFit/>
+              </a:bodyPr>
+              <a:lstStyle/>
+              <a:p>
+                <a:pPr algn="ctr"/>
+                <a:r>
+                  <a:rPr lang="fr-FR" sz="1400" dirty="0" smtClean="0"/>
+                  <a:t>Coussinet</a:t>
+                </a:r>
+                <a:endParaRPr lang="fr-FR" sz="1400" dirty="0"/>
+              </a:p>
+            </p:txBody>
+          </p:sp>
+          <p:sp>
+            <p:nvSpPr>
+              <p:cNvPr id="30" name="ZoneTexte 29"/>
+              <p:cNvSpPr txBox="1"/>
+              <p:nvPr/>
+            </p:nvSpPr>
+            <p:spPr>
+              <a:xfrm>
+                <a:off x="4172170" y="2225585"/>
+                <a:ext cx="1728192" cy="307777"/>
+              </a:xfrm>
+              <a:prstGeom prst="rect">
+                <a:avLst/>
+              </a:prstGeom>
+              <a:noFill/>
+            </p:spPr>
+            <p:txBody>
+              <a:bodyPr wrap="square" rtlCol="0">
+                <a:spAutoFit/>
+              </a:bodyPr>
+              <a:lstStyle/>
+              <a:p>
+                <a:pPr algn="ctr"/>
+                <a:r>
+                  <a:rPr lang="fr-FR" sz="1400" dirty="0" smtClean="0"/>
+                  <a:t>Rotor</a:t>
+                </a:r>
+                <a:endParaRPr lang="fr-FR" sz="1400" dirty="0"/>
+              </a:p>
+            </p:txBody>
+          </p:sp>
+          <p:cxnSp>
+            <p:nvCxnSpPr>
+              <p:cNvPr id="12" name="Connecteur droit 11"/>
+              <p:cNvCxnSpPr/>
+              <p:nvPr/>
+            </p:nvCxnSpPr>
+            <p:spPr>
+              <a:xfrm flipH="1" flipV="1">
+                <a:off x="3315635" y="1284212"/>
+                <a:ext cx="3240000" cy="3600400"/>
+              </a:xfrm>
+              <a:prstGeom prst="line">
+                <a:avLst/>
+              </a:prstGeom>
+              <a:ln>
+                <a:solidFill>
+                  <a:schemeClr val="tx1"/>
+                </a:solidFill>
+                <a:prstDash val="dashDot"/>
+              </a:ln>
+            </p:spPr>
+            <p:style>
+              <a:lnRef idx="1">
+                <a:schemeClr val="accent1"/>
+              </a:lnRef>
+              <a:fillRef idx="0">
+                <a:schemeClr val="accent1"/>
+              </a:fillRef>
+              <a:effectRef idx="0">
+                <a:schemeClr val="accent1"/>
+              </a:effectRef>
+              <a:fontRef idx="minor">
+                <a:schemeClr val="tx1"/>
+              </a:fontRef>
+            </p:style>
+          </p:cxnSp>
+          <p:grpSp>
+            <p:nvGrpSpPr>
+              <p:cNvPr id="8" name="Groupe 7"/>
+              <p:cNvGrpSpPr/>
+              <p:nvPr/>
+            </p:nvGrpSpPr>
+            <p:grpSpPr>
+              <a:xfrm>
+                <a:off x="4823832" y="2960712"/>
+                <a:ext cx="72000" cy="72000"/>
+                <a:chOff x="7080908" y="3465008"/>
+                <a:chExt cx="72000" cy="72000"/>
+              </a:xfrm>
+            </p:grpSpPr>
+            <p:cxnSp>
+              <p:nvCxnSpPr>
+                <p:cNvPr id="57" name="Connecteur droit 56"/>
+                <p:cNvCxnSpPr/>
+                <p:nvPr/>
+              </p:nvCxnSpPr>
+              <p:spPr>
+                <a:xfrm>
+                  <a:off x="7116908" y="3465008"/>
+                  <a:ext cx="0" cy="72000"/>
+                </a:xfrm>
+                <a:prstGeom prst="line">
+                  <a:avLst/>
+                </a:prstGeom>
+                <a:ln w="9525">
+                  <a:solidFill>
+                    <a:schemeClr val="tx1"/>
+                  </a:solidFill>
+                </a:ln>
+              </p:spPr>
+              <p:style>
+                <a:lnRef idx="1">
+                  <a:schemeClr val="accent1"/>
+                </a:lnRef>
+                <a:fillRef idx="0">
+                  <a:schemeClr val="accent1"/>
+                </a:fillRef>
+                <a:effectRef idx="0">
+                  <a:schemeClr val="accent1"/>
+                </a:effectRef>
+                <a:fontRef idx="minor">
+                  <a:schemeClr val="tx1"/>
+                </a:fontRef>
+              </p:style>
+            </p:cxnSp>
+            <p:cxnSp>
+              <p:nvCxnSpPr>
+                <p:cNvPr id="58" name="Connecteur droit 57"/>
+                <p:cNvCxnSpPr/>
+                <p:nvPr/>
+              </p:nvCxnSpPr>
+              <p:spPr>
+                <a:xfrm flipH="1">
+                  <a:off x="7080908" y="3501008"/>
+                  <a:ext cx="72000" cy="0"/>
+                </a:xfrm>
+                <a:prstGeom prst="line">
+                  <a:avLst/>
+                </a:prstGeom>
+                <a:ln w="9525">
+                  <a:solidFill>
+                    <a:schemeClr val="tx1"/>
+                  </a:solidFill>
+                </a:ln>
+              </p:spPr>
+              <p:style>
+                <a:lnRef idx="1">
+                  <a:schemeClr val="accent1"/>
+                </a:lnRef>
+                <a:fillRef idx="0">
+                  <a:schemeClr val="accent1"/>
+                </a:fillRef>
+                <a:effectRef idx="0">
+                  <a:schemeClr val="accent1"/>
+                </a:effectRef>
+                <a:fontRef idx="minor">
+                  <a:schemeClr val="tx1"/>
+                </a:fontRef>
+              </p:style>
+            </p:cxnSp>
+          </p:grpSp>
+          <p:grpSp>
+            <p:nvGrpSpPr>
+              <p:cNvPr id="14" name="Groupe 13"/>
+              <p:cNvGrpSpPr/>
+              <p:nvPr/>
+            </p:nvGrpSpPr>
+            <p:grpSpPr>
+              <a:xfrm>
+                <a:off x="5074588" y="3248864"/>
+                <a:ext cx="72000" cy="72000"/>
+                <a:chOff x="7080908" y="3465008"/>
+                <a:chExt cx="72000" cy="72000"/>
+              </a:xfrm>
+            </p:grpSpPr>
+            <p:cxnSp>
+              <p:nvCxnSpPr>
+                <p:cNvPr id="55" name="Connecteur droit 54"/>
+                <p:cNvCxnSpPr/>
+                <p:nvPr/>
+              </p:nvCxnSpPr>
+              <p:spPr>
+                <a:xfrm>
+                  <a:off x="7116908" y="3465008"/>
+                  <a:ext cx="0" cy="72000"/>
+                </a:xfrm>
+                <a:prstGeom prst="line">
+                  <a:avLst/>
+                </a:prstGeom>
+                <a:ln w="9525">
+                  <a:solidFill>
+                    <a:schemeClr val="tx1"/>
+                  </a:solidFill>
+                </a:ln>
+              </p:spPr>
+              <p:style>
+                <a:lnRef idx="1">
+                  <a:schemeClr val="accent1"/>
+                </a:lnRef>
+                <a:fillRef idx="0">
+                  <a:schemeClr val="accent1"/>
+                </a:fillRef>
+                <a:effectRef idx="0">
+                  <a:schemeClr val="accent1"/>
+                </a:effectRef>
+                <a:fontRef idx="minor">
+                  <a:schemeClr val="tx1"/>
+                </a:fontRef>
+              </p:style>
+            </p:cxnSp>
+            <p:cxnSp>
+              <p:nvCxnSpPr>
+                <p:cNvPr id="56" name="Connecteur droit 55"/>
+                <p:cNvCxnSpPr/>
+                <p:nvPr/>
+              </p:nvCxnSpPr>
+              <p:spPr>
+                <a:xfrm flipH="1">
+                  <a:off x="7080908" y="3501008"/>
+                  <a:ext cx="72000" cy="0"/>
+                </a:xfrm>
+                <a:prstGeom prst="line">
+                  <a:avLst/>
+                </a:prstGeom>
+                <a:ln w="9525">
+                  <a:solidFill>
+                    <a:schemeClr val="tx1"/>
+                  </a:solidFill>
+                </a:ln>
+              </p:spPr>
+              <p:style>
+                <a:lnRef idx="1">
+                  <a:schemeClr val="accent1"/>
+                </a:lnRef>
+                <a:fillRef idx="0">
+                  <a:schemeClr val="accent1"/>
+                </a:fillRef>
+                <a:effectRef idx="0">
+                  <a:schemeClr val="accent1"/>
+                </a:effectRef>
+                <a:fontRef idx="minor">
+                  <a:schemeClr val="tx1"/>
+                </a:fontRef>
+              </p:style>
+            </p:cxnSp>
+          </p:grpSp>
+          <p:sp>
+            <p:nvSpPr>
+              <p:cNvPr id="28" name="ZoneTexte 27"/>
+              <p:cNvSpPr txBox="1"/>
+              <p:nvPr/>
+            </p:nvSpPr>
+            <p:spPr>
+              <a:xfrm>
+                <a:off x="5205293" y="2333670"/>
+                <a:ext cx="671124" cy="420628"/>
+              </a:xfrm>
+              <a:prstGeom prst="rect">
+                <a:avLst/>
+              </a:prstGeom>
+              <a:noFill/>
+            </p:spPr>
+            <p:txBody>
+              <a:bodyPr wrap="square" rtlCol="0">
+                <a:spAutoFit/>
+              </a:bodyPr>
+              <a:lstStyle/>
+              <a:p>
+                <a:pPr algn="ctr"/>
+                <a:r>
+                  <a:rPr lang="fr-FR" sz="3200" b="1" baseline="-25000" dirty="0"/>
+                  <a:t>ω</a:t>
+                </a:r>
+              </a:p>
+            </p:txBody>
+          </p:sp>
+        </p:grpSp>
+        <p:sp>
+          <p:nvSpPr>
+            <p:cNvPr id="63" name="Rectangle 62"/>
+            <p:cNvSpPr/>
+            <p:nvPr/>
+          </p:nvSpPr>
+          <p:spPr>
+            <a:xfrm>
+              <a:off x="7321161" y="1730512"/>
+              <a:ext cx="314172" cy="238740"/>
+            </a:xfrm>
+            <a:prstGeom prst="rect">
+              <a:avLst/>
+            </a:prstGeom>
+            <a:solidFill>
+              <a:srgbClr val="9DC3E6"/>
+            </a:solidFill>
+            <a:ln>
+              <a:solidFill>
+                <a:schemeClr val="tx1"/>
+              </a:solidFill>
+            </a:ln>
+          </p:spPr>
+          <p:style>
+            <a:lnRef idx="2">
+              <a:schemeClr val="accent1">
+                <a:shade val="50000"/>
+              </a:schemeClr>
+            </a:lnRef>
+            <a:fillRef idx="1">
+              <a:schemeClr val="accent1"/>
+            </a:fillRef>
+            <a:effectRef idx="0">
+              <a:schemeClr val="accent1"/>
+            </a:effectRef>
+            <a:fontRef idx="minor">
+              <a:schemeClr val="lt1"/>
+            </a:fontRef>
+          </p:style>
+          <p:txBody>
+            <a:bodyPr rtlCol="0" anchor="ctr"/>
+            <a:lstStyle/>
+            <a:p>
+              <a:pPr algn="ctr"/>
+              <a:endParaRPr lang="fr-FR"/>
+            </a:p>
+          </p:txBody>
+        </p:sp>
+        <p:sp>
+          <p:nvSpPr>
+            <p:cNvPr id="64" name="ZoneTexte 63"/>
+            <p:cNvSpPr txBox="1"/>
+            <p:nvPr/>
+          </p:nvSpPr>
+          <p:spPr>
+            <a:xfrm>
+              <a:off x="7635333" y="1665216"/>
+              <a:ext cx="1845057" cy="369332"/>
+            </a:xfrm>
+            <a:prstGeom prst="rect">
+              <a:avLst/>
+            </a:prstGeom>
+            <a:noFill/>
+          </p:spPr>
+          <p:txBody>
+            <a:bodyPr wrap="none" rtlCol="0">
+              <a:spAutoFit/>
+            </a:bodyPr>
+            <a:lstStyle/>
+            <a:p>
+              <a:r>
+                <a:rPr lang="fr-FR" dirty="0" smtClean="0"/>
+                <a:t>zone convergente</a:t>
+              </a:r>
+              <a:endParaRPr lang="fr-FR" dirty="0"/>
+            </a:p>
+          </p:txBody>
+        </p:sp>
+        <p:sp>
+          <p:nvSpPr>
+            <p:cNvPr id="65" name="Rectangle 64"/>
+            <p:cNvSpPr/>
+            <p:nvPr/>
+          </p:nvSpPr>
+          <p:spPr>
+            <a:xfrm>
+              <a:off x="7321161" y="2107561"/>
+              <a:ext cx="314172" cy="238740"/>
+            </a:xfrm>
+            <a:prstGeom prst="rect">
+              <a:avLst/>
+            </a:prstGeom>
+            <a:solidFill>
+              <a:schemeClr val="bg1"/>
+            </a:solidFill>
+            <a:ln>
+              <a:solidFill>
+                <a:schemeClr val="tx1"/>
+              </a:solidFill>
+            </a:ln>
+          </p:spPr>
+          <p:style>
+            <a:lnRef idx="2">
+              <a:schemeClr val="accent1">
+                <a:shade val="50000"/>
+              </a:schemeClr>
+            </a:lnRef>
+            <a:fillRef idx="1">
+              <a:schemeClr val="accent1"/>
+            </a:fillRef>
+            <a:effectRef idx="0">
+              <a:schemeClr val="accent1"/>
+            </a:effectRef>
+            <a:fontRef idx="minor">
+              <a:schemeClr val="lt1"/>
+            </a:fontRef>
+          </p:style>
+          <p:txBody>
+            <a:bodyPr rtlCol="0" anchor="ctr"/>
+            <a:lstStyle/>
+            <a:p>
+              <a:pPr algn="ctr"/>
+              <a:endParaRPr lang="fr-FR"/>
+            </a:p>
+          </p:txBody>
+        </p:sp>
+        <p:sp>
+          <p:nvSpPr>
+            <p:cNvPr id="66" name="ZoneTexte 65"/>
+            <p:cNvSpPr txBox="1"/>
+            <p:nvPr/>
+          </p:nvSpPr>
+          <p:spPr>
+            <a:xfrm>
+              <a:off x="7635333" y="2042265"/>
+              <a:ext cx="1684115" cy="369332"/>
+            </a:xfrm>
+            <a:prstGeom prst="rect">
+              <a:avLst/>
+            </a:prstGeom>
+            <a:noFill/>
+          </p:spPr>
+          <p:txBody>
+            <a:bodyPr wrap="none" rtlCol="0">
+              <a:spAutoFit/>
+            </a:bodyPr>
+            <a:lstStyle/>
+            <a:p>
+              <a:r>
+                <a:rPr lang="fr-FR" dirty="0" smtClean="0"/>
+                <a:t>zone divergente</a:t>
+              </a:r>
+              <a:endParaRPr lang="fr-FR" dirty="0"/>
+            </a:p>
+          </p:txBody>
+        </p:sp>
+      </p:grpSp>
+    </p:spTree>
+    <p:extLst>
+      <p:ext uri="{BB962C8B-B14F-4D97-AF65-F5344CB8AC3E}">
+        <p14:creationId xmlns:p14="http://schemas.microsoft.com/office/powerpoint/2010/main" val="3045764730"/>
+      </p:ext>
+    </p:extLst>
+  </p:cSld>
+  <p:clrMapOvr>
+    <a:masterClrMapping/>
+  </p:clrMapOvr>
+</p:sld>
+</file>
+
+<file path=ppt/slides/slide5.xml><?xml version="1.0" encoding="utf-8"?>
+<p:sld xmlns:a="http://schemas.openxmlformats.org/drawingml/2006/main" xmlns:r="http://schemas.openxmlformats.org/officeDocument/2006/relationships" xmlns:p="http://schemas.openxmlformats.org/presentationml/2006/main">
+  <p:cSld>
+    <p:spTree>
+      <p:nvGrpSpPr>
+        <p:cNvPr id="1" name=""/>
+        <p:cNvGrpSpPr/>
+        <p:nvPr/>
+      </p:nvGrpSpPr>
+      <p:grpSpPr>
+        <a:xfrm>
+          <a:off x="0" y="0"/>
+          <a:ext cx="0" cy="0"/>
+          <a:chOff x="0" y="0"/>
+          <a:chExt cx="0" cy="0"/>
+        </a:xfrm>
+      </p:grpSpPr>
+      <p:grpSp>
+        <p:nvGrpSpPr>
+          <p:cNvPr id="67" name="Groupe 66"/>
+          <p:cNvGrpSpPr/>
+          <p:nvPr/>
+        </p:nvGrpSpPr>
+        <p:grpSpPr>
+          <a:xfrm>
             <a:off x="1944390" y="358966"/>
             <a:ext cx="8453051" cy="6097964"/>
             <a:chOff x="1440956" y="287047"/>
@@ -28049,7 +30205,7 @@
 </p:sld>
 </file>
 
-<file path=ppt/slides/slide5.xml><?xml version="1.0" encoding="utf-8"?>
+<file path=ppt/slides/slide6.xml><?xml version="1.0" encoding="utf-8"?>
 <p:sld xmlns:a="http://schemas.openxmlformats.org/drawingml/2006/main" xmlns:r="http://schemas.openxmlformats.org/officeDocument/2006/relationships" xmlns:p="http://schemas.openxmlformats.org/presentationml/2006/main">
   <p:cSld>
     <p:spTree>
@@ -28066,8 +30222,8 @@
           <a:chExt cx="0" cy="0"/>
         </a:xfrm>
       </p:grpSpPr>
-      <mc:AlternateContent xmlns:mc="http://schemas.openxmlformats.org/markup-compatibility/2006">
-        <mc:Choice xmlns:a14="http://schemas.microsoft.com/office/drawing/2010/main" Requires="a14">
+      <mc:AlternateContent xmlns:mc="http://schemas.openxmlformats.org/markup-compatibility/2006" xmlns:a14="http://schemas.microsoft.com/office/drawing/2010/main">
+        <mc:Choice Requires="a14">
           <p:graphicFrame>
             <p:nvGraphicFramePr>
               <p:cNvPr id="4" name="Tableau 3"/>
@@ -28096,21 +30252,21 @@
                     <a:gridCol w="4805518">
                       <a:extLst>
                         <a:ext uri="{9D8B030D-6E8A-4147-A177-3AD203B41FA5}">
-                          <a16:colId xmlns:a16="http://schemas.microsoft.com/office/drawing/2014/main" val="3081511506"/>
+                          <a16:colId xmlns:a16="http://schemas.microsoft.com/office/drawing/2014/main" xmlns="" val="3081511506"/>
                         </a:ext>
                       </a:extLst>
                     </a:gridCol>
                     <a:gridCol w="1765060">
                       <a:extLst>
                         <a:ext uri="{9D8B030D-6E8A-4147-A177-3AD203B41FA5}">
-                          <a16:colId xmlns:a16="http://schemas.microsoft.com/office/drawing/2014/main" val="1214192377"/>
+                          <a16:colId xmlns:a16="http://schemas.microsoft.com/office/drawing/2014/main" xmlns="" val="1214192377"/>
                         </a:ext>
                       </a:extLst>
                     </a:gridCol>
                     <a:gridCol w="2685045">
                       <a:extLst>
                         <a:ext uri="{9D8B030D-6E8A-4147-A177-3AD203B41FA5}">
-                          <a16:colId xmlns:a16="http://schemas.microsoft.com/office/drawing/2014/main" val="3830110329"/>
+                          <a16:colId xmlns:a16="http://schemas.microsoft.com/office/drawing/2014/main" xmlns="" val="3830110329"/>
                         </a:ext>
                       </a:extLst>
                     </a:gridCol>
@@ -28163,7 +30319,7 @@
                     </a:tc>
                     <a:extLst>
                       <a:ext uri="{0D108BD9-81ED-4DB2-BD59-A6C34878D82A}">
-                        <a16:rowId xmlns:a16="http://schemas.microsoft.com/office/drawing/2014/main" val="3865599143"/>
+                        <a16:rowId xmlns:a16="http://schemas.microsoft.com/office/drawing/2014/main" xmlns="" val="3865599143"/>
                       </a:ext>
                     </a:extLst>
                   </a:tr>
@@ -28245,7 +30401,7 @@
                     </a:tc>
                     <a:extLst>
                       <a:ext uri="{0D108BD9-81ED-4DB2-BD59-A6C34878D82A}">
-                        <a16:rowId xmlns:a16="http://schemas.microsoft.com/office/drawing/2014/main" val="239526169"/>
+                        <a16:rowId xmlns:a16="http://schemas.microsoft.com/office/drawing/2014/main" xmlns="" val="239526169"/>
                       </a:ext>
                     </a:extLst>
                   </a:tr>
@@ -28327,7 +30483,7 @@
                     </a:tc>
                     <a:extLst>
                       <a:ext uri="{0D108BD9-81ED-4DB2-BD59-A6C34878D82A}">
-                        <a16:rowId xmlns:a16="http://schemas.microsoft.com/office/drawing/2014/main" val="635204047"/>
+                        <a16:rowId xmlns:a16="http://schemas.microsoft.com/office/drawing/2014/main" xmlns="" val="635204047"/>
                       </a:ext>
                     </a:extLst>
                   </a:tr>
@@ -28390,7 +30546,7 @@
                     </a:tc>
                     <a:extLst>
                       <a:ext uri="{0D108BD9-81ED-4DB2-BD59-A6C34878D82A}">
-                        <a16:rowId xmlns:a16="http://schemas.microsoft.com/office/drawing/2014/main" val="803137917"/>
+                        <a16:rowId xmlns:a16="http://schemas.microsoft.com/office/drawing/2014/main" xmlns="" val="803137917"/>
                       </a:ext>
                     </a:extLst>
                   </a:tr>
@@ -28457,7 +30613,7 @@
                     </a:tc>
                     <a:extLst>
                       <a:ext uri="{0D108BD9-81ED-4DB2-BD59-A6C34878D82A}">
-                        <a16:rowId xmlns:a16="http://schemas.microsoft.com/office/drawing/2014/main" val="3808520189"/>
+                        <a16:rowId xmlns:a16="http://schemas.microsoft.com/office/drawing/2014/main" xmlns="" val="3808520189"/>
                       </a:ext>
                     </a:extLst>
                   </a:tr>
@@ -28557,7 +30713,7 @@
                     </a:tc>
                     <a:extLst>
                       <a:ext uri="{0D108BD9-81ED-4DB2-BD59-A6C34878D82A}">
-                        <a16:rowId xmlns:a16="http://schemas.microsoft.com/office/drawing/2014/main" val="2470517530"/>
+                        <a16:rowId xmlns:a16="http://schemas.microsoft.com/office/drawing/2014/main" xmlns="" val="2470517530"/>
                       </a:ext>
                     </a:extLst>
                   </a:tr>
@@ -28639,7 +30795,7 @@
                     </a:tc>
                     <a:extLst>
                       <a:ext uri="{0D108BD9-81ED-4DB2-BD59-A6C34878D82A}">
-                        <a16:rowId xmlns:a16="http://schemas.microsoft.com/office/drawing/2014/main" val="1342816855"/>
+                        <a16:rowId xmlns:a16="http://schemas.microsoft.com/office/drawing/2014/main" xmlns="" val="1342816855"/>
                       </a:ext>
                     </a:extLst>
                   </a:tr>
@@ -28702,7 +30858,7 @@
                     </a:tc>
                     <a:extLst>
                       <a:ext uri="{0D108BD9-81ED-4DB2-BD59-A6C34878D82A}">
-                        <a16:rowId xmlns:a16="http://schemas.microsoft.com/office/drawing/2014/main" val="3480795511"/>
+                        <a16:rowId xmlns:a16="http://schemas.microsoft.com/office/drawing/2014/main" xmlns="" val="3480795511"/>
                       </a:ext>
                     </a:extLst>
                   </a:tr>
@@ -28784,7 +30940,7 @@
                     </a:tc>
                     <a:extLst>
                       <a:ext uri="{0D108BD9-81ED-4DB2-BD59-A6C34878D82A}">
-                        <a16:rowId xmlns:a16="http://schemas.microsoft.com/office/drawing/2014/main" val="239401366"/>
+                        <a16:rowId xmlns:a16="http://schemas.microsoft.com/office/drawing/2014/main" xmlns="" val="239401366"/>
                       </a:ext>
                     </a:extLst>
                   </a:tr>
@@ -28855,7 +31011,7 @@
                     </a:tc>
                     <a:extLst>
                       <a:ext uri="{0D108BD9-81ED-4DB2-BD59-A6C34878D82A}">
-                        <a16:rowId xmlns:a16="http://schemas.microsoft.com/office/drawing/2014/main" val="3205225442"/>
+                        <a16:rowId xmlns:a16="http://schemas.microsoft.com/office/drawing/2014/main" xmlns="" val="3205225442"/>
                       </a:ext>
                     </a:extLst>
                   </a:tr>
@@ -28950,7 +31106,7 @@
                     </a:tc>
                     <a:extLst>
                       <a:ext uri="{0D108BD9-81ED-4DB2-BD59-A6C34878D82A}">
-                        <a16:rowId xmlns:a16="http://schemas.microsoft.com/office/drawing/2014/main" val="2472454817"/>
+                        <a16:rowId xmlns:a16="http://schemas.microsoft.com/office/drawing/2014/main" xmlns="" val="2472454817"/>
                       </a:ext>
                     </a:extLst>
                   </a:tr>
@@ -29036,7 +31192,7 @@
                     </a:tc>
                     <a:extLst>
                       <a:ext uri="{0D108BD9-81ED-4DB2-BD59-A6C34878D82A}">
-                        <a16:rowId xmlns:a16="http://schemas.microsoft.com/office/drawing/2014/main" val="4131336601"/>
+                        <a16:rowId xmlns:a16="http://schemas.microsoft.com/office/drawing/2014/main" xmlns="" val="4131336601"/>
                       </a:ext>
                     </a:extLst>
                   </a:tr>
@@ -29126,7 +31282,7 @@
                     </a:tc>
                     <a:extLst>
                       <a:ext uri="{0D108BD9-81ED-4DB2-BD59-A6C34878D82A}">
-                        <a16:rowId xmlns:a16="http://schemas.microsoft.com/office/drawing/2014/main" val="1566769430"/>
+                        <a16:rowId xmlns:a16="http://schemas.microsoft.com/office/drawing/2014/main" xmlns="" val="1566769430"/>
                       </a:ext>
                     </a:extLst>
                   </a:tr>
@@ -29230,7 +31386,7 @@
                     </a:tc>
                     <a:extLst>
                       <a:ext uri="{0D108BD9-81ED-4DB2-BD59-A6C34878D82A}">
-                        <a16:rowId xmlns:a16="http://schemas.microsoft.com/office/drawing/2014/main" val="3641553268"/>
+                        <a16:rowId xmlns:a16="http://schemas.microsoft.com/office/drawing/2014/main" xmlns="" val="3641553268"/>
                       </a:ext>
                     </a:extLst>
                   </a:tr>
@@ -29322,7 +31478,7 @@
                     </a:tc>
                     <a:extLst>
                       <a:ext uri="{0D108BD9-81ED-4DB2-BD59-A6C34878D82A}">
-                        <a16:rowId xmlns:a16="http://schemas.microsoft.com/office/drawing/2014/main" val="802662070"/>
+                        <a16:rowId xmlns:a16="http://schemas.microsoft.com/office/drawing/2014/main" xmlns="" val="802662070"/>
                       </a:ext>
                     </a:extLst>
                   </a:tr>
@@ -29414,7 +31570,7 @@
                     </a:tc>
                     <a:extLst>
                       <a:ext uri="{0D108BD9-81ED-4DB2-BD59-A6C34878D82A}">
-                        <a16:rowId xmlns:a16="http://schemas.microsoft.com/office/drawing/2014/main" val="3754366970"/>
+                        <a16:rowId xmlns:a16="http://schemas.microsoft.com/office/drawing/2014/main" xmlns="" val="3754366970"/>
                       </a:ext>
                     </a:extLst>
                   </a:tr>
@@ -29423,7 +31579,7 @@
             </a:graphic>
           </p:graphicFrame>
         </mc:Choice>
-        <mc:Fallback>
+        <mc:Fallback xmlns="">
           <p:graphicFrame>
             <p:nvGraphicFramePr>
               <p:cNvPr id="4" name="Tableau 3"/>
@@ -30427,7 +32583,7 @@
 </p:sld>
 </file>
 
-<file path=ppt/slides/slide6.xml><?xml version="1.0" encoding="utf-8"?>
+<file path=ppt/slides/slide7.xml><?xml version="1.0" encoding="utf-8"?>
 <p:sld xmlns:a="http://schemas.openxmlformats.org/drawingml/2006/main" xmlns:r="http://schemas.openxmlformats.org/officeDocument/2006/relationships" xmlns:p="http://schemas.openxmlformats.org/presentationml/2006/main">
   <p:cSld>
     <p:spTree>
@@ -30774,7 +32930,7 @@
 </p:sld>
 </file>
 
-<file path=ppt/slides/slide7.xml><?xml version="1.0" encoding="utf-8"?>
+<file path=ppt/slides/slide8.xml><?xml version="1.0" encoding="utf-8"?>
 <p:sld xmlns:a="http://schemas.openxmlformats.org/drawingml/2006/main" xmlns:r="http://schemas.openxmlformats.org/officeDocument/2006/relationships" xmlns:p="http://schemas.openxmlformats.org/presentationml/2006/main">
   <p:cSld>
     <p:spTree>
@@ -31121,7 +33277,7 @@
 </p:sld>
 </file>
 
-<file path=ppt/slides/slide8.xml><?xml version="1.0" encoding="utf-8"?>
+<file path=ppt/slides/slide9.xml><?xml version="1.0" encoding="utf-8"?>
 <p:sld xmlns:a="http://schemas.openxmlformats.org/drawingml/2006/main" xmlns:r="http://schemas.openxmlformats.org/officeDocument/2006/relationships" xmlns:p="http://schemas.openxmlformats.org/presentationml/2006/main">
   <p:cSld>
     <p:spTree>
@@ -31429,323 +33585,6 @@
     <p:extLst>
       <p:ext uri="{BB962C8B-B14F-4D97-AF65-F5344CB8AC3E}">
         <p14:creationId xmlns:p14="http://schemas.microsoft.com/office/powerpoint/2010/main" val="2065947537"/>
-      </p:ext>
-    </p:extLst>
-  </p:cSld>
-  <p:clrMapOvr>
-    <a:masterClrMapping/>
-  </p:clrMapOvr>
-</p:sld>
-</file>
-
-<file path=ppt/slides/slide9.xml><?xml version="1.0" encoding="utf-8"?>
-<p:sld xmlns:a="http://schemas.openxmlformats.org/drawingml/2006/main" xmlns:r="http://schemas.openxmlformats.org/officeDocument/2006/relationships" xmlns:p="http://schemas.openxmlformats.org/presentationml/2006/main">
-  <p:cSld>
-    <p:spTree>
-      <p:nvGrpSpPr>
-        <p:cNvPr id="1" name=""/>
-        <p:cNvGrpSpPr/>
-        <p:nvPr/>
-      </p:nvGrpSpPr>
-      <p:grpSpPr>
-        <a:xfrm>
-          <a:off x="0" y="0"/>
-          <a:ext cx="0" cy="0"/>
-          <a:chOff x="0" y="0"/>
-          <a:chExt cx="0" cy="0"/>
-        </a:xfrm>
-      </p:grpSpPr>
-      <p:sp>
-        <p:nvSpPr>
-          <p:cNvPr id="4" name="ZoneTexte 3"/>
-          <p:cNvSpPr txBox="1"/>
-          <p:nvPr/>
-        </p:nvSpPr>
-        <p:spPr>
-          <a:xfrm>
-            <a:off x="369870" y="359596"/>
-            <a:ext cx="3357201" cy="369332"/>
-          </a:xfrm>
-          <a:prstGeom prst="rect">
-            <a:avLst/>
-          </a:prstGeom>
-          <a:noFill/>
-        </p:spPr>
-        <p:txBody>
-          <a:bodyPr wrap="none" rtlCol="0">
-            <a:spAutoFit/>
-          </a:bodyPr>
-          <a:lstStyle/>
-          <a:p>
-            <a:r>
-              <a:rPr lang="fr-FR" dirty="0" smtClean="0"/>
-              <a:t>Lobe supérieure (2000tr/min 8kg)</a:t>
-            </a:r>
-            <a:endParaRPr lang="fr-FR" dirty="0"/>
-          </a:p>
-        </p:txBody>
-      </p:sp>
-      <p:grpSp>
-        <p:nvGrpSpPr>
-          <p:cNvPr id="3" name="Groupe 2"/>
-          <p:cNvGrpSpPr/>
-          <p:nvPr/>
-        </p:nvGrpSpPr>
-        <p:grpSpPr>
-          <a:xfrm>
-            <a:off x="226687" y="1412837"/>
-            <a:ext cx="10800000" cy="3600000"/>
-            <a:chOff x="226687" y="1412837"/>
-            <a:chExt cx="10800000" cy="3600000"/>
-          </a:xfrm>
-        </p:grpSpPr>
-        <p:graphicFrame>
-          <p:nvGraphicFramePr>
-            <p:cNvPr id="12" name="Graphique 11"/>
-            <p:cNvGraphicFramePr>
-              <a:graphicFrameLocks/>
-            </p:cNvGraphicFramePr>
-            <p:nvPr>
-              <p:extLst>
-                <p:ext uri="{D42A27DB-BD31-4B8C-83A1-F6EECF244321}">
-                  <p14:modId xmlns:p14="http://schemas.microsoft.com/office/powerpoint/2010/main" val="1700229622"/>
-                </p:ext>
-              </p:extLst>
-            </p:nvPr>
-          </p:nvGraphicFramePr>
-          <p:xfrm>
-            <a:off x="5626687" y="1412837"/>
-            <a:ext cx="5400000" cy="3600000"/>
-          </p:xfrm>
-          <a:graphic>
-            <a:graphicData uri="http://schemas.openxmlformats.org/drawingml/2006/chart">
-              <c:chart xmlns:c="http://schemas.openxmlformats.org/drawingml/2006/chart" xmlns:r="http://schemas.openxmlformats.org/officeDocument/2006/relationships" r:id="rId2"/>
-            </a:graphicData>
-          </a:graphic>
-        </p:graphicFrame>
-        <p:graphicFrame>
-          <p:nvGraphicFramePr>
-            <p:cNvPr id="8" name="Graphique 7"/>
-            <p:cNvGraphicFramePr>
-              <a:graphicFrameLocks/>
-            </p:cNvGraphicFramePr>
-            <p:nvPr>
-              <p:extLst>
-                <p:ext uri="{D42A27DB-BD31-4B8C-83A1-F6EECF244321}">
-                  <p14:modId xmlns:p14="http://schemas.microsoft.com/office/powerpoint/2010/main" val="815700933"/>
-                </p:ext>
-              </p:extLst>
-            </p:nvPr>
-          </p:nvGraphicFramePr>
-          <p:xfrm>
-            <a:off x="226687" y="1412837"/>
-            <a:ext cx="5400000" cy="3600000"/>
-          </p:xfrm>
-          <a:graphic>
-            <a:graphicData uri="http://schemas.openxmlformats.org/drawingml/2006/chart">
-              <c:chart xmlns:c="http://schemas.openxmlformats.org/drawingml/2006/chart" xmlns:r="http://schemas.openxmlformats.org/officeDocument/2006/relationships" r:id="rId3"/>
-            </a:graphicData>
-          </a:graphic>
-        </p:graphicFrame>
-        <p:sp>
-          <p:nvSpPr>
-            <p:cNvPr id="9" name="ZoneTexte 1"/>
-            <p:cNvSpPr txBox="1"/>
-            <p:nvPr/>
-          </p:nvSpPr>
-          <p:spPr>
-            <a:xfrm>
-              <a:off x="6586387" y="1813386"/>
-              <a:ext cx="1527424" cy="400691"/>
-            </a:xfrm>
-            <a:prstGeom prst="rect">
-              <a:avLst/>
-            </a:prstGeom>
-            <a:solidFill>
-              <a:schemeClr val="bg1"/>
-            </a:solidFill>
-            <a:ln>
-              <a:noFill/>
-            </a:ln>
-          </p:spPr>
-          <p:txBody>
-            <a:bodyPr wrap="square" rtlCol="0"/>
-            <a:lstStyle>
-              <a:lvl1pPr marL="0" indent="0">
-                <a:defRPr sz="1100">
-                  <a:latin typeface="+mn-lt"/>
-                  <a:ea typeface="+mn-ea"/>
-                  <a:cs typeface="+mn-cs"/>
-                </a:defRPr>
-              </a:lvl1pPr>
-              <a:lvl2pPr marL="457200" indent="0">
-                <a:defRPr sz="1100">
-                  <a:latin typeface="+mn-lt"/>
-                  <a:ea typeface="+mn-ea"/>
-                  <a:cs typeface="+mn-cs"/>
-                </a:defRPr>
-              </a:lvl2pPr>
-              <a:lvl3pPr marL="914400" indent="0">
-                <a:defRPr sz="1100">
-                  <a:latin typeface="+mn-lt"/>
-                  <a:ea typeface="+mn-ea"/>
-                  <a:cs typeface="+mn-cs"/>
-                </a:defRPr>
-              </a:lvl3pPr>
-              <a:lvl4pPr marL="1371600" indent="0">
-                <a:defRPr sz="1100">
-                  <a:latin typeface="+mn-lt"/>
-                  <a:ea typeface="+mn-ea"/>
-                  <a:cs typeface="+mn-cs"/>
-                </a:defRPr>
-              </a:lvl4pPr>
-              <a:lvl5pPr marL="1828800" indent="0">
-                <a:defRPr sz="1100">
-                  <a:latin typeface="+mn-lt"/>
-                  <a:ea typeface="+mn-ea"/>
-                  <a:cs typeface="+mn-cs"/>
-                </a:defRPr>
-              </a:lvl5pPr>
-              <a:lvl6pPr marL="2286000" indent="0">
-                <a:defRPr sz="1100">
-                  <a:latin typeface="+mn-lt"/>
-                  <a:ea typeface="+mn-ea"/>
-                  <a:cs typeface="+mn-cs"/>
-                </a:defRPr>
-              </a:lvl6pPr>
-              <a:lvl7pPr marL="2743200" indent="0">
-                <a:defRPr sz="1100">
-                  <a:latin typeface="+mn-lt"/>
-                  <a:ea typeface="+mn-ea"/>
-                  <a:cs typeface="+mn-cs"/>
-                </a:defRPr>
-              </a:lvl7pPr>
-              <a:lvl8pPr marL="3200400" indent="0">
-                <a:defRPr sz="1100">
-                  <a:latin typeface="+mn-lt"/>
-                  <a:ea typeface="+mn-ea"/>
-                  <a:cs typeface="+mn-cs"/>
-                </a:defRPr>
-              </a:lvl8pPr>
-              <a:lvl9pPr marL="3657600" indent="0">
-                <a:defRPr sz="1100">
-                  <a:latin typeface="+mn-lt"/>
-                  <a:ea typeface="+mn-ea"/>
-                  <a:cs typeface="+mn-cs"/>
-                </a:defRPr>
-              </a:lvl9pPr>
-            </a:lstStyle>
-            <a:p>
-              <a:r>
-                <a:rPr lang="fr-FR" sz="1800" b="1" dirty="0" smtClean="0"/>
-                <a:t>Température</a:t>
-              </a:r>
-              <a:endParaRPr lang="fr-FR" sz="1100" b="1" dirty="0"/>
-            </a:p>
-          </p:txBody>
-        </p:sp>
-        <p:sp>
-          <p:nvSpPr>
-            <p:cNvPr id="10" name="ZoneTexte 1"/>
-            <p:cNvSpPr txBox="1"/>
-            <p:nvPr/>
-          </p:nvSpPr>
-          <p:spPr>
-            <a:xfrm>
-              <a:off x="3892460" y="1813387"/>
-              <a:ext cx="1150704" cy="400691"/>
-            </a:xfrm>
-            <a:prstGeom prst="rect">
-              <a:avLst/>
-            </a:prstGeom>
-            <a:solidFill>
-              <a:schemeClr val="bg1"/>
-            </a:solidFill>
-            <a:ln>
-              <a:noFill/>
-            </a:ln>
-          </p:spPr>
-          <p:txBody>
-            <a:bodyPr wrap="square" rtlCol="0"/>
-            <a:lstStyle>
-              <a:lvl1pPr marL="0" indent="0">
-                <a:defRPr sz="1100">
-                  <a:latin typeface="+mn-lt"/>
-                  <a:ea typeface="+mn-ea"/>
-                  <a:cs typeface="+mn-cs"/>
-                </a:defRPr>
-              </a:lvl1pPr>
-              <a:lvl2pPr marL="457200" indent="0">
-                <a:defRPr sz="1100">
-                  <a:latin typeface="+mn-lt"/>
-                  <a:ea typeface="+mn-ea"/>
-                  <a:cs typeface="+mn-cs"/>
-                </a:defRPr>
-              </a:lvl2pPr>
-              <a:lvl3pPr marL="914400" indent="0">
-                <a:defRPr sz="1100">
-                  <a:latin typeface="+mn-lt"/>
-                  <a:ea typeface="+mn-ea"/>
-                  <a:cs typeface="+mn-cs"/>
-                </a:defRPr>
-              </a:lvl3pPr>
-              <a:lvl4pPr marL="1371600" indent="0">
-                <a:defRPr sz="1100">
-                  <a:latin typeface="+mn-lt"/>
-                  <a:ea typeface="+mn-ea"/>
-                  <a:cs typeface="+mn-cs"/>
-                </a:defRPr>
-              </a:lvl4pPr>
-              <a:lvl5pPr marL="1828800" indent="0">
-                <a:defRPr sz="1100">
-                  <a:latin typeface="+mn-lt"/>
-                  <a:ea typeface="+mn-ea"/>
-                  <a:cs typeface="+mn-cs"/>
-                </a:defRPr>
-              </a:lvl5pPr>
-              <a:lvl6pPr marL="2286000" indent="0">
-                <a:defRPr sz="1100">
-                  <a:latin typeface="+mn-lt"/>
-                  <a:ea typeface="+mn-ea"/>
-                  <a:cs typeface="+mn-cs"/>
-                </a:defRPr>
-              </a:lvl6pPr>
-              <a:lvl7pPr marL="2743200" indent="0">
-                <a:defRPr sz="1100">
-                  <a:latin typeface="+mn-lt"/>
-                  <a:ea typeface="+mn-ea"/>
-                  <a:cs typeface="+mn-cs"/>
-                </a:defRPr>
-              </a:lvl7pPr>
-              <a:lvl8pPr marL="3200400" indent="0">
-                <a:defRPr sz="1100">
-                  <a:latin typeface="+mn-lt"/>
-                  <a:ea typeface="+mn-ea"/>
-                  <a:cs typeface="+mn-cs"/>
-                </a:defRPr>
-              </a:lvl8pPr>
-              <a:lvl9pPr marL="3657600" indent="0">
-                <a:defRPr sz="1100">
-                  <a:latin typeface="+mn-lt"/>
-                  <a:ea typeface="+mn-ea"/>
-                  <a:cs typeface="+mn-cs"/>
-                </a:defRPr>
-              </a:lvl9pPr>
-            </a:lstStyle>
-            <a:p>
-              <a:r>
-                <a:rPr lang="fr-FR" sz="1800" b="1" dirty="0" smtClean="0"/>
-                <a:t>Pression</a:t>
-              </a:r>
-              <a:endParaRPr lang="fr-FR" sz="1100" b="1" dirty="0"/>
-            </a:p>
-          </p:txBody>
-        </p:sp>
-      </p:grpSp>
-    </p:spTree>
-    <p:extLst>
-      <p:ext uri="{BB962C8B-B14F-4D97-AF65-F5344CB8AC3E}">
-        <p14:creationId xmlns:p14="http://schemas.microsoft.com/office/powerpoint/2010/main" val="3700365167"/>
       </p:ext>
     </p:extLst>
   </p:cSld>

--- a/CH2. Modélisation du palier hydrodynamique/figures/figure_ paliers hydrodynamiques.pptx
+++ b/CH2. Modélisation du palier hydrodynamique/figures/figure_ paliers hydrodynamiques.pptx
@@ -8,15 +8,16 @@
     <p:sldId id="264" r:id="rId2"/>
     <p:sldId id="265" r:id="rId3"/>
     <p:sldId id="257" r:id="rId4"/>
-    <p:sldId id="267" r:id="rId5"/>
-    <p:sldId id="258" r:id="rId6"/>
-    <p:sldId id="266" r:id="rId7"/>
-    <p:sldId id="256" r:id="rId8"/>
-    <p:sldId id="259" r:id="rId9"/>
-    <p:sldId id="260" r:id="rId10"/>
-    <p:sldId id="261" r:id="rId11"/>
-    <p:sldId id="262" r:id="rId12"/>
-    <p:sldId id="263" r:id="rId13"/>
+    <p:sldId id="269" r:id="rId5"/>
+    <p:sldId id="267" r:id="rId6"/>
+    <p:sldId id="258" r:id="rId7"/>
+    <p:sldId id="266" r:id="rId8"/>
+    <p:sldId id="256" r:id="rId9"/>
+    <p:sldId id="259" r:id="rId10"/>
+    <p:sldId id="260" r:id="rId11"/>
+    <p:sldId id="261" r:id="rId12"/>
+    <p:sldId id="262" r:id="rId13"/>
+    <p:sldId id="263" r:id="rId14"/>
   </p:sldIdLst>
   <p:sldSz cx="12192000" cy="6858000"/>
   <p:notesSz cx="6858000" cy="9144000"/>
@@ -486,8 +487,8 @@
           <c:showPercent val="0"/>
           <c:showBubbleSize val="0"/>
         </c:dLbls>
-        <c:axId val="161415056"/>
-        <c:axId val="161414272"/>
+        <c:axId val="287680528"/>
+        <c:axId val="287674256"/>
         <c:extLst xmlns:c16r2="http://schemas.microsoft.com/office/drawing/2015/06/chart">
           <c:ext xmlns:c15="http://schemas.microsoft.com/office/drawing/2012/chart" uri="{02D57815-91ED-43cb-92C2-25804820EDAC}">
             <c15:filteredScatterSeries>
@@ -755,7 +756,7 @@
         </c:extLst>
       </c:scatterChart>
       <c:valAx>
-        <c:axId val="161415056"/>
+        <c:axId val="287680528"/>
         <c:scaling>
           <c:orientation val="minMax"/>
           <c:max val="252.5"/>
@@ -873,13 +874,13 @@
             <a:endParaRPr lang="fr-FR"/>
           </a:p>
         </c:txPr>
-        <c:crossAx val="161414272"/>
+        <c:crossAx val="287674256"/>
         <c:crosses val="autoZero"/>
         <c:crossBetween val="midCat"/>
         <c:majorUnit val="25"/>
       </c:valAx>
       <c:valAx>
-        <c:axId val="161414272"/>
+        <c:axId val="287674256"/>
         <c:scaling>
           <c:orientation val="minMax"/>
           <c:max val="50"/>
@@ -992,7 +993,7 @@
             <a:endParaRPr lang="fr-FR"/>
           </a:p>
         </c:txPr>
-        <c:crossAx val="161415056"/>
+        <c:crossAx val="287680528"/>
         <c:crosses val="autoZero"/>
         <c:crossBetween val="midCat"/>
       </c:valAx>
@@ -1446,8 +1447,8 @@
           <c:showPercent val="0"/>
           <c:showBubbleSize val="0"/>
         </c:dLbls>
-        <c:axId val="165550992"/>
-        <c:axId val="165552560"/>
+        <c:axId val="289529200"/>
+        <c:axId val="289531552"/>
         <c:extLst xmlns:c16r2="http://schemas.microsoft.com/office/drawing/2015/06/chart">
           <c:ext xmlns:c15="http://schemas.microsoft.com/office/drawing/2012/chart" uri="{02D57815-91ED-43cb-92C2-25804820EDAC}">
             <c15:filteredScatterSeries>
@@ -1715,7 +1716,7 @@
         </c:extLst>
       </c:scatterChart>
       <c:valAx>
-        <c:axId val="165550992"/>
+        <c:axId val="289529200"/>
         <c:scaling>
           <c:orientation val="minMax"/>
           <c:max val="252.5"/>
@@ -1821,13 +1822,13 @@
             <a:endParaRPr lang="fr-FR"/>
           </a:p>
         </c:txPr>
-        <c:crossAx val="165552560"/>
+        <c:crossAx val="289531552"/>
         <c:crosses val="autoZero"/>
         <c:crossBetween val="midCat"/>
         <c:majorUnit val="25"/>
       </c:valAx>
       <c:valAx>
-        <c:axId val="165552560"/>
+        <c:axId val="289531552"/>
         <c:scaling>
           <c:orientation val="minMax"/>
         </c:scaling>
@@ -1939,7 +1940,7 @@
             <a:endParaRPr lang="fr-FR"/>
           </a:p>
         </c:txPr>
-        <c:crossAx val="165550992"/>
+        <c:crossAx val="289529200"/>
         <c:crosses val="autoZero"/>
         <c:crossBetween val="midCat"/>
       </c:valAx>
@@ -2375,8 +2376,8 @@
           <c:showPercent val="0"/>
           <c:showBubbleSize val="0"/>
         </c:dLbls>
-        <c:axId val="165463744"/>
-        <c:axId val="302994000"/>
+        <c:axId val="289533904"/>
+        <c:axId val="289529984"/>
         <c:extLst xmlns:c16r2="http://schemas.microsoft.com/office/drawing/2015/06/chart">
           <c:ext xmlns:c15="http://schemas.microsoft.com/office/drawing/2012/chart" uri="{02D57815-91ED-43cb-92C2-25804820EDAC}">
             <c15:filteredScatterSeries>
@@ -2644,7 +2645,7 @@
         </c:extLst>
       </c:scatterChart>
       <c:valAx>
-        <c:axId val="165463744"/>
+        <c:axId val="289533904"/>
         <c:scaling>
           <c:orientation val="minMax"/>
           <c:max val="432.5"/>
@@ -2750,13 +2751,13 @@
             <a:endParaRPr lang="fr-FR"/>
           </a:p>
         </c:txPr>
-        <c:crossAx val="302994000"/>
+        <c:crossAx val="289529984"/>
         <c:crosses val="autoZero"/>
         <c:crossBetween val="midCat"/>
         <c:majorUnit val="25"/>
       </c:valAx>
       <c:valAx>
-        <c:axId val="302994000"/>
+        <c:axId val="289529984"/>
         <c:scaling>
           <c:orientation val="minMax"/>
         </c:scaling>
@@ -2868,7 +2869,7 @@
             <a:endParaRPr lang="fr-FR"/>
           </a:p>
         </c:txPr>
-        <c:crossAx val="165463744"/>
+        <c:crossAx val="289533904"/>
         <c:crosses val="autoZero"/>
         <c:crossBetween val="midCat"/>
       </c:valAx>
@@ -3316,8 +3317,8 @@
           <c:showPercent val="0"/>
           <c:showBubbleSize val="0"/>
         </c:dLbls>
-        <c:axId val="302987336"/>
-        <c:axId val="302988512"/>
+        <c:axId val="290517016"/>
+        <c:axId val="290522504"/>
         <c:extLst xmlns:c16r2="http://schemas.microsoft.com/office/drawing/2015/06/chart">
           <c:ext xmlns:c15="http://schemas.microsoft.com/office/drawing/2012/chart" uri="{02D57815-91ED-43cb-92C2-25804820EDAC}">
             <c15:filteredScatterSeries>
@@ -3585,7 +3586,7 @@
         </c:extLst>
       </c:scatterChart>
       <c:valAx>
-        <c:axId val="302987336"/>
+        <c:axId val="290517016"/>
         <c:scaling>
           <c:orientation val="minMax"/>
           <c:max val="432.5"/>
@@ -3691,13 +3692,13 @@
             <a:endParaRPr lang="fr-FR"/>
           </a:p>
         </c:txPr>
-        <c:crossAx val="302988512"/>
+        <c:crossAx val="290522504"/>
         <c:crosses val="autoZero"/>
         <c:crossBetween val="midCat"/>
         <c:majorUnit val="25"/>
       </c:valAx>
       <c:valAx>
-        <c:axId val="302988512"/>
+        <c:axId val="290522504"/>
         <c:scaling>
           <c:orientation val="minMax"/>
           <c:max val="70"/>
@@ -3803,7 +3804,7 @@
             <a:endParaRPr lang="fr-FR"/>
           </a:p>
         </c:txPr>
-        <c:crossAx val="302987336"/>
+        <c:crossAx val="290517016"/>
         <c:crosses val="autoZero"/>
         <c:crossBetween val="midCat"/>
       </c:valAx>
@@ -4258,8 +4259,8 @@
           <c:showPercent val="0"/>
           <c:showBubbleSize val="0"/>
         </c:dLbls>
-        <c:axId val="161415448"/>
-        <c:axId val="161412312"/>
+        <c:axId val="287677392"/>
+        <c:axId val="287674648"/>
         <c:extLst xmlns:c16r2="http://schemas.microsoft.com/office/drawing/2015/06/chart">
           <c:ext xmlns:c15="http://schemas.microsoft.com/office/drawing/2012/chart" uri="{02D57815-91ED-43cb-92C2-25804820EDAC}">
             <c15:filteredScatterSeries>
@@ -4527,7 +4528,7 @@
         </c:extLst>
       </c:scatterChart>
       <c:valAx>
-        <c:axId val="161415448"/>
+        <c:axId val="287677392"/>
         <c:scaling>
           <c:orientation val="minMax"/>
           <c:max val="252.5"/>
@@ -4577,6 +4578,7 @@
               </a:p>
             </c:rich>
           </c:tx>
+          <c:layout/>
           <c:overlay val="0"/>
           <c:spPr>
             <a:noFill/>
@@ -4637,13 +4639,13 @@
             <a:endParaRPr lang="fr-FR"/>
           </a:p>
         </c:txPr>
-        <c:crossAx val="161412312"/>
+        <c:crossAx val="287674648"/>
         <c:crosses val="autoZero"/>
         <c:crossBetween val="midCat"/>
         <c:majorUnit val="25"/>
       </c:valAx>
       <c:valAx>
-        <c:axId val="161412312"/>
+        <c:axId val="287674648"/>
         <c:scaling>
           <c:orientation val="minMax"/>
         </c:scaling>
@@ -4699,6 +4701,7 @@
               </a:p>
             </c:rich>
           </c:tx>
+          <c:layout/>
           <c:overlay val="0"/>
           <c:spPr>
             <a:noFill/>
@@ -4759,7 +4762,7 @@
             <a:endParaRPr lang="fr-FR"/>
           </a:p>
         </c:txPr>
-        <c:crossAx val="161415448"/>
+        <c:crossAx val="287677392"/>
         <c:crosses val="autoZero"/>
         <c:crossBetween val="midCat"/>
       </c:valAx>
@@ -5195,8 +5198,8 @@
           <c:showPercent val="0"/>
           <c:showBubbleSize val="0"/>
         </c:dLbls>
-        <c:axId val="165562680"/>
-        <c:axId val="165568952"/>
+        <c:axId val="287675040"/>
+        <c:axId val="287681312"/>
         <c:extLst xmlns:c16r2="http://schemas.microsoft.com/office/drawing/2015/06/chart">
           <c:ext xmlns:c15="http://schemas.microsoft.com/office/drawing/2012/chart" uri="{02D57815-91ED-43cb-92C2-25804820EDAC}">
             <c15:filteredScatterSeries>
@@ -5464,7 +5467,7 @@
         </c:extLst>
       </c:scatterChart>
       <c:valAx>
-        <c:axId val="165562680"/>
+        <c:axId val="287675040"/>
         <c:scaling>
           <c:orientation val="minMax"/>
           <c:max val="432.5"/>
@@ -5570,13 +5573,13 @@
             <a:endParaRPr lang="fr-FR"/>
           </a:p>
         </c:txPr>
-        <c:crossAx val="165568952"/>
+        <c:crossAx val="287681312"/>
         <c:crosses val="autoZero"/>
         <c:crossBetween val="midCat"/>
         <c:majorUnit val="25"/>
       </c:valAx>
       <c:valAx>
-        <c:axId val="165568952"/>
+        <c:axId val="287681312"/>
         <c:scaling>
           <c:orientation val="minMax"/>
         </c:scaling>
@@ -5679,7 +5682,7 @@
             <a:endParaRPr lang="fr-FR"/>
           </a:p>
         </c:txPr>
-        <c:crossAx val="165562680"/>
+        <c:crossAx val="287675040"/>
         <c:crosses val="autoZero"/>
         <c:crossBetween val="midCat"/>
         <c:majorUnit val="3.0000000000000006E-2"/>
@@ -6134,8 +6137,8 @@
           <c:showPercent val="0"/>
           <c:showBubbleSize val="0"/>
         </c:dLbls>
-        <c:axId val="165582280"/>
-        <c:axId val="165586200"/>
+        <c:axId val="287675432"/>
+        <c:axId val="287676216"/>
         <c:extLst xmlns:c16r2="http://schemas.microsoft.com/office/drawing/2015/06/chart">
           <c:ext xmlns:c15="http://schemas.microsoft.com/office/drawing/2012/chart" uri="{02D57815-91ED-43cb-92C2-25804820EDAC}">
             <c15:filteredScatterSeries>
@@ -6403,7 +6406,7 @@
         </c:extLst>
       </c:scatterChart>
       <c:valAx>
-        <c:axId val="165582280"/>
+        <c:axId val="287675432"/>
         <c:scaling>
           <c:orientation val="minMax"/>
           <c:max val="432.5"/>
@@ -6517,13 +6520,13 @@
             <a:endParaRPr lang="fr-FR"/>
           </a:p>
         </c:txPr>
-        <c:crossAx val="165586200"/>
+        <c:crossAx val="287676216"/>
         <c:crosses val="autoZero"/>
         <c:crossBetween val="midCat"/>
         <c:majorUnit val="25"/>
       </c:valAx>
       <c:valAx>
-        <c:axId val="165586200"/>
+        <c:axId val="287676216"/>
         <c:scaling>
           <c:orientation val="minMax"/>
           <c:max val="50"/>
@@ -6628,7 +6631,7 @@
             <a:endParaRPr lang="fr-FR"/>
           </a:p>
         </c:txPr>
-        <c:crossAx val="165582280"/>
+        <c:crossAx val="287675432"/>
         <c:crosses val="autoZero"/>
         <c:crossBetween val="midCat"/>
       </c:valAx>
@@ -7076,8 +7079,8 @@
           <c:showPercent val="0"/>
           <c:showBubbleSize val="0"/>
         </c:dLbls>
-        <c:axId val="161004352"/>
-        <c:axId val="160998080"/>
+        <c:axId val="287681704"/>
+        <c:axId val="288329984"/>
         <c:extLst xmlns:c16r2="http://schemas.microsoft.com/office/drawing/2015/06/chart">
           <c:ext xmlns:c15="http://schemas.microsoft.com/office/drawing/2012/chart" uri="{02D57815-91ED-43cb-92C2-25804820EDAC}">
             <c15:filteredScatterSeries>
@@ -7345,7 +7348,7 @@
         </c:extLst>
       </c:scatterChart>
       <c:valAx>
-        <c:axId val="161004352"/>
+        <c:axId val="287681704"/>
         <c:scaling>
           <c:orientation val="minMax"/>
           <c:max val="252.5"/>
@@ -7451,13 +7454,13 @@
             <a:endParaRPr lang="fr-FR"/>
           </a:p>
         </c:txPr>
-        <c:crossAx val="160998080"/>
+        <c:crossAx val="288329984"/>
         <c:crosses val="autoZero"/>
         <c:crossBetween val="midCat"/>
         <c:majorUnit val="25"/>
       </c:valAx>
       <c:valAx>
-        <c:axId val="160998080"/>
+        <c:axId val="288329984"/>
         <c:scaling>
           <c:orientation val="minMax"/>
           <c:max val="70"/>
@@ -7563,7 +7566,7 @@
             <a:endParaRPr lang="fr-FR"/>
           </a:p>
         </c:txPr>
-        <c:crossAx val="161004352"/>
+        <c:crossAx val="287681704"/>
         <c:crosses val="autoZero"/>
         <c:crossBetween val="midCat"/>
       </c:valAx>
@@ -8017,8 +8020,8 @@
           <c:showPercent val="0"/>
           <c:showBubbleSize val="0"/>
         </c:dLbls>
-        <c:axId val="161010624"/>
-        <c:axId val="161010232"/>
+        <c:axId val="288328024"/>
+        <c:axId val="288326456"/>
         <c:extLst xmlns:c16r2="http://schemas.microsoft.com/office/drawing/2015/06/chart">
           <c:ext xmlns:c15="http://schemas.microsoft.com/office/drawing/2012/chart" uri="{02D57815-91ED-43cb-92C2-25804820EDAC}">
             <c15:filteredScatterSeries>
@@ -8286,7 +8289,7 @@
         </c:extLst>
       </c:scatterChart>
       <c:valAx>
-        <c:axId val="161010624"/>
+        <c:axId val="288328024"/>
         <c:scaling>
           <c:orientation val="minMax"/>
           <c:max val="252.5"/>
@@ -8392,13 +8395,13 @@
             <a:endParaRPr lang="fr-FR"/>
           </a:p>
         </c:txPr>
-        <c:crossAx val="161010232"/>
+        <c:crossAx val="288326456"/>
         <c:crosses val="autoZero"/>
         <c:crossBetween val="midCat"/>
         <c:majorUnit val="25"/>
       </c:valAx>
       <c:valAx>
-        <c:axId val="161010232"/>
+        <c:axId val="288326456"/>
         <c:scaling>
           <c:orientation val="minMax"/>
         </c:scaling>
@@ -8518,7 +8521,7 @@
             <a:endParaRPr lang="fr-FR"/>
           </a:p>
         </c:txPr>
-        <c:crossAx val="161010624"/>
+        <c:crossAx val="288328024"/>
         <c:crosses val="autoZero"/>
         <c:crossBetween val="midCat"/>
       </c:valAx>
@@ -8966,8 +8969,8 @@
           <c:showPercent val="0"/>
           <c:showBubbleSize val="0"/>
         </c:dLbls>
-        <c:axId val="131148736"/>
-        <c:axId val="131143248"/>
+        <c:axId val="288328808"/>
+        <c:axId val="288332336"/>
         <c:extLst xmlns:c16r2="http://schemas.microsoft.com/office/drawing/2015/06/chart">
           <c:ext xmlns:c15="http://schemas.microsoft.com/office/drawing/2012/chart" uri="{02D57815-91ED-43cb-92C2-25804820EDAC}">
             <c15:filteredScatterSeries>
@@ -9235,7 +9238,7 @@
         </c:extLst>
       </c:scatterChart>
       <c:valAx>
-        <c:axId val="131148736"/>
+        <c:axId val="288328808"/>
         <c:scaling>
           <c:orientation val="minMax"/>
           <c:max val="432.5"/>
@@ -9345,13 +9348,13 @@
             <a:endParaRPr lang="fr-FR"/>
           </a:p>
         </c:txPr>
-        <c:crossAx val="131143248"/>
+        <c:crossAx val="288332336"/>
         <c:crosses val="autoZero"/>
         <c:crossBetween val="midCat"/>
         <c:majorUnit val="25"/>
       </c:valAx>
       <c:valAx>
-        <c:axId val="131143248"/>
+        <c:axId val="288332336"/>
         <c:scaling>
           <c:orientation val="minMax"/>
           <c:max val="70"/>
@@ -9457,7 +9460,7 @@
             <a:endParaRPr lang="fr-FR"/>
           </a:p>
         </c:txPr>
-        <c:crossAx val="131148736"/>
+        <c:crossAx val="288328808"/>
         <c:crosses val="autoZero"/>
         <c:crossBetween val="midCat"/>
       </c:valAx>
@@ -9893,8 +9896,8 @@
           <c:showPercent val="0"/>
           <c:showBubbleSize val="0"/>
         </c:dLbls>
-        <c:axId val="131144424"/>
-        <c:axId val="161409176"/>
+        <c:axId val="288329200"/>
+        <c:axId val="288329592"/>
         <c:extLst xmlns:c16r2="http://schemas.microsoft.com/office/drawing/2015/06/chart">
           <c:ext xmlns:c15="http://schemas.microsoft.com/office/drawing/2012/chart" uri="{02D57815-91ED-43cb-92C2-25804820EDAC}">
             <c15:filteredScatterSeries>
@@ -10162,7 +10165,7 @@
         </c:extLst>
       </c:scatterChart>
       <c:valAx>
-        <c:axId val="131144424"/>
+        <c:axId val="288329200"/>
         <c:scaling>
           <c:orientation val="minMax"/>
           <c:max val="432.5"/>
@@ -10276,13 +10279,13 @@
             <a:endParaRPr lang="fr-FR"/>
           </a:p>
         </c:txPr>
-        <c:crossAx val="161409176"/>
+        <c:crossAx val="288329592"/>
         <c:crosses val="autoZero"/>
         <c:crossBetween val="midCat"/>
         <c:majorUnit val="25"/>
       </c:valAx>
       <c:valAx>
-        <c:axId val="161409176"/>
+        <c:axId val="288329592"/>
         <c:scaling>
           <c:orientation val="minMax"/>
         </c:scaling>
@@ -10402,7 +10405,7 @@
             <a:endParaRPr lang="fr-FR"/>
           </a:p>
         </c:txPr>
-        <c:crossAx val="131144424"/>
+        <c:crossAx val="288329200"/>
         <c:crosses val="autoZero"/>
         <c:crossBetween val="midCat"/>
       </c:valAx>
@@ -10850,8 +10853,8 @@
           <c:showPercent val="0"/>
           <c:showBubbleSize val="0"/>
         </c:dLbls>
-        <c:axId val="161402120"/>
-        <c:axId val="161412704"/>
+        <c:axId val="287677784"/>
+        <c:axId val="289535864"/>
         <c:extLst xmlns:c16r2="http://schemas.microsoft.com/office/drawing/2015/06/chart">
           <c:ext xmlns:c15="http://schemas.microsoft.com/office/drawing/2012/chart" uri="{02D57815-91ED-43cb-92C2-25804820EDAC}">
             <c15:filteredScatterSeries>
@@ -11119,7 +11122,7 @@
         </c:extLst>
       </c:scatterChart>
       <c:valAx>
-        <c:axId val="161402120"/>
+        <c:axId val="287677784"/>
         <c:scaling>
           <c:orientation val="minMax"/>
           <c:max val="252.5"/>
@@ -11225,13 +11228,13 @@
             <a:endParaRPr lang="fr-FR"/>
           </a:p>
         </c:txPr>
-        <c:crossAx val="161412704"/>
+        <c:crossAx val="289535864"/>
         <c:crosses val="autoZero"/>
         <c:crossBetween val="midCat"/>
         <c:majorUnit val="25"/>
       </c:valAx>
       <c:valAx>
-        <c:axId val="161412704"/>
+        <c:axId val="289535864"/>
         <c:scaling>
           <c:orientation val="minMax"/>
           <c:max val="70"/>
@@ -11337,7 +11340,7 @@
             <a:endParaRPr lang="fr-FR"/>
           </a:p>
         </c:txPr>
-        <c:crossAx val="161402120"/>
+        <c:crossAx val="287677784"/>
         <c:crosses val="autoZero"/>
         <c:crossBetween val="midCat"/>
       </c:valAx>
@@ -18225,7 +18228,7 @@
           <a:p>
             <a:fld id="{202E84C4-7C53-474A-BFA3-0C91E41EF858}" type="datetimeFigureOut">
               <a:rPr lang="fr-FR" smtClean="0"/>
-              <a:t>07/01/2019</a:t>
+              <a:t>08/01/2019</a:t>
             </a:fld>
             <a:endParaRPr lang="fr-FR"/>
           </a:p>
@@ -18395,7 +18398,7 @@
           <a:p>
             <a:fld id="{202E84C4-7C53-474A-BFA3-0C91E41EF858}" type="datetimeFigureOut">
               <a:rPr lang="fr-FR" smtClean="0"/>
-              <a:t>07/01/2019</a:t>
+              <a:t>08/01/2019</a:t>
             </a:fld>
             <a:endParaRPr lang="fr-FR"/>
           </a:p>
@@ -18575,7 +18578,7 @@
           <a:p>
             <a:fld id="{202E84C4-7C53-474A-BFA3-0C91E41EF858}" type="datetimeFigureOut">
               <a:rPr lang="fr-FR" smtClean="0"/>
-              <a:t>07/01/2019</a:t>
+              <a:t>08/01/2019</a:t>
             </a:fld>
             <a:endParaRPr lang="fr-FR"/>
           </a:p>
@@ -18745,7 +18748,7 @@
           <a:p>
             <a:fld id="{202E84C4-7C53-474A-BFA3-0C91E41EF858}" type="datetimeFigureOut">
               <a:rPr lang="fr-FR" smtClean="0"/>
-              <a:t>07/01/2019</a:t>
+              <a:t>08/01/2019</a:t>
             </a:fld>
             <a:endParaRPr lang="fr-FR"/>
           </a:p>
@@ -18991,7 +18994,7 @@
           <a:p>
             <a:fld id="{202E84C4-7C53-474A-BFA3-0C91E41EF858}" type="datetimeFigureOut">
               <a:rPr lang="fr-FR" smtClean="0"/>
-              <a:t>07/01/2019</a:t>
+              <a:t>08/01/2019</a:t>
             </a:fld>
             <a:endParaRPr lang="fr-FR"/>
           </a:p>
@@ -19223,7 +19226,7 @@
           <a:p>
             <a:fld id="{202E84C4-7C53-474A-BFA3-0C91E41EF858}" type="datetimeFigureOut">
               <a:rPr lang="fr-FR" smtClean="0"/>
-              <a:t>07/01/2019</a:t>
+              <a:t>08/01/2019</a:t>
             </a:fld>
             <a:endParaRPr lang="fr-FR"/>
           </a:p>
@@ -19590,7 +19593,7 @@
           <a:p>
             <a:fld id="{202E84C4-7C53-474A-BFA3-0C91E41EF858}" type="datetimeFigureOut">
               <a:rPr lang="fr-FR" smtClean="0"/>
-              <a:t>07/01/2019</a:t>
+              <a:t>08/01/2019</a:t>
             </a:fld>
             <a:endParaRPr lang="fr-FR"/>
           </a:p>
@@ -19708,7 +19711,7 @@
           <a:p>
             <a:fld id="{202E84C4-7C53-474A-BFA3-0C91E41EF858}" type="datetimeFigureOut">
               <a:rPr lang="fr-FR" smtClean="0"/>
-              <a:t>07/01/2019</a:t>
+              <a:t>08/01/2019</a:t>
             </a:fld>
             <a:endParaRPr lang="fr-FR"/>
           </a:p>
@@ -19803,7 +19806,7 @@
           <a:p>
             <a:fld id="{202E84C4-7C53-474A-BFA3-0C91E41EF858}" type="datetimeFigureOut">
               <a:rPr lang="fr-FR" smtClean="0"/>
-              <a:t>07/01/2019</a:t>
+              <a:t>08/01/2019</a:t>
             </a:fld>
             <a:endParaRPr lang="fr-FR"/>
           </a:p>
@@ -20080,7 +20083,7 @@
           <a:p>
             <a:fld id="{202E84C4-7C53-474A-BFA3-0C91E41EF858}" type="datetimeFigureOut">
               <a:rPr lang="fr-FR" smtClean="0"/>
-              <a:t>07/01/2019</a:t>
+              <a:t>08/01/2019</a:t>
             </a:fld>
             <a:endParaRPr lang="fr-FR"/>
           </a:p>
@@ -20333,7 +20336,7 @@
           <a:p>
             <a:fld id="{202E84C4-7C53-474A-BFA3-0C91E41EF858}" type="datetimeFigureOut">
               <a:rPr lang="fr-FR" smtClean="0"/>
-              <a:t>07/01/2019</a:t>
+              <a:t>08/01/2019</a:t>
             </a:fld>
             <a:endParaRPr lang="fr-FR"/>
           </a:p>
@@ -20546,7 +20549,7 @@
           <a:p>
             <a:fld id="{202E84C4-7C53-474A-BFA3-0C91E41EF858}" type="datetimeFigureOut">
               <a:rPr lang="fr-FR" smtClean="0"/>
-              <a:t>07/01/2019</a:t>
+              <a:t>08/01/2019</a:t>
             </a:fld>
             <a:endParaRPr lang="fr-FR"/>
           </a:p>
@@ -22042,6 +22045,323 @@
         <p:spPr>
           <a:xfrm>
             <a:off x="369870" y="359596"/>
+            <a:ext cx="3261919" cy="369332"/>
+          </a:xfrm>
+          <a:prstGeom prst="rect">
+            <a:avLst/>
+          </a:prstGeom>
+          <a:noFill/>
+        </p:spPr>
+        <p:txBody>
+          <a:bodyPr wrap="none" rtlCol="0">
+            <a:spAutoFit/>
+          </a:bodyPr>
+          <a:lstStyle/>
+          <a:p>
+            <a:r>
+              <a:rPr lang="fr-FR" dirty="0" smtClean="0"/>
+              <a:t>Lobe inférieure (2000tr/min 8kg)</a:t>
+            </a:r>
+            <a:endParaRPr lang="fr-FR" dirty="0"/>
+          </a:p>
+        </p:txBody>
+      </p:sp>
+      <p:grpSp>
+        <p:nvGrpSpPr>
+          <p:cNvPr id="6" name="Groupe 5"/>
+          <p:cNvGrpSpPr/>
+          <p:nvPr/>
+        </p:nvGrpSpPr>
+        <p:grpSpPr>
+          <a:xfrm>
+            <a:off x="309134" y="1412837"/>
+            <a:ext cx="10690936" cy="3600000"/>
+            <a:chOff x="309134" y="1412837"/>
+            <a:chExt cx="10690936" cy="3600000"/>
+          </a:xfrm>
+        </p:grpSpPr>
+        <p:graphicFrame>
+          <p:nvGraphicFramePr>
+            <p:cNvPr id="18" name="Graphique 17"/>
+            <p:cNvGraphicFramePr>
+              <a:graphicFrameLocks/>
+            </p:cNvGraphicFramePr>
+            <p:nvPr>
+              <p:extLst>
+                <p:ext uri="{D42A27DB-BD31-4B8C-83A1-F6EECF244321}">
+                  <p14:modId xmlns:p14="http://schemas.microsoft.com/office/powerpoint/2010/main" val="2294715124"/>
+                </p:ext>
+              </p:extLst>
+            </p:nvPr>
+          </p:nvGraphicFramePr>
+          <p:xfrm>
+            <a:off x="5600070" y="1412837"/>
+            <a:ext cx="5400000" cy="3600000"/>
+          </p:xfrm>
+          <a:graphic>
+            <a:graphicData uri="http://schemas.openxmlformats.org/drawingml/2006/chart">
+              <c:chart xmlns:c="http://schemas.openxmlformats.org/drawingml/2006/chart" xmlns:r="http://schemas.openxmlformats.org/officeDocument/2006/relationships" r:id="rId2"/>
+            </a:graphicData>
+          </a:graphic>
+        </p:graphicFrame>
+        <p:graphicFrame>
+          <p:nvGraphicFramePr>
+            <p:cNvPr id="16" name="Graphique 15"/>
+            <p:cNvGraphicFramePr>
+              <a:graphicFrameLocks/>
+            </p:cNvGraphicFramePr>
+            <p:nvPr>
+              <p:extLst>
+                <p:ext uri="{D42A27DB-BD31-4B8C-83A1-F6EECF244321}">
+                  <p14:modId xmlns:p14="http://schemas.microsoft.com/office/powerpoint/2010/main" val="930140887"/>
+                </p:ext>
+              </p:extLst>
+            </p:nvPr>
+          </p:nvGraphicFramePr>
+          <p:xfrm>
+            <a:off x="309134" y="1412837"/>
+            <a:ext cx="5400000" cy="3600000"/>
+          </p:xfrm>
+          <a:graphic>
+            <a:graphicData uri="http://schemas.openxmlformats.org/drawingml/2006/chart">
+              <c:chart xmlns:c="http://schemas.openxmlformats.org/drawingml/2006/chart" xmlns:r="http://schemas.openxmlformats.org/officeDocument/2006/relationships" r:id="rId3"/>
+            </a:graphicData>
+          </a:graphic>
+        </p:graphicFrame>
+        <p:sp>
+          <p:nvSpPr>
+            <p:cNvPr id="9" name="ZoneTexte 1"/>
+            <p:cNvSpPr txBox="1"/>
+            <p:nvPr/>
+          </p:nvSpPr>
+          <p:spPr>
+            <a:xfrm>
+              <a:off x="6514469" y="1800545"/>
+              <a:ext cx="1527424" cy="400691"/>
+            </a:xfrm>
+            <a:prstGeom prst="rect">
+              <a:avLst/>
+            </a:prstGeom>
+            <a:solidFill>
+              <a:schemeClr val="bg1"/>
+            </a:solidFill>
+            <a:ln>
+              <a:noFill/>
+            </a:ln>
+          </p:spPr>
+          <p:txBody>
+            <a:bodyPr wrap="square" rtlCol="0"/>
+            <a:lstStyle>
+              <a:lvl1pPr marL="0" indent="0">
+                <a:defRPr sz="1100">
+                  <a:latin typeface="+mn-lt"/>
+                  <a:ea typeface="+mn-ea"/>
+                  <a:cs typeface="+mn-cs"/>
+                </a:defRPr>
+              </a:lvl1pPr>
+              <a:lvl2pPr marL="457200" indent="0">
+                <a:defRPr sz="1100">
+                  <a:latin typeface="+mn-lt"/>
+                  <a:ea typeface="+mn-ea"/>
+                  <a:cs typeface="+mn-cs"/>
+                </a:defRPr>
+              </a:lvl2pPr>
+              <a:lvl3pPr marL="914400" indent="0">
+                <a:defRPr sz="1100">
+                  <a:latin typeface="+mn-lt"/>
+                  <a:ea typeface="+mn-ea"/>
+                  <a:cs typeface="+mn-cs"/>
+                </a:defRPr>
+              </a:lvl3pPr>
+              <a:lvl4pPr marL="1371600" indent="0">
+                <a:defRPr sz="1100">
+                  <a:latin typeface="+mn-lt"/>
+                  <a:ea typeface="+mn-ea"/>
+                  <a:cs typeface="+mn-cs"/>
+                </a:defRPr>
+              </a:lvl4pPr>
+              <a:lvl5pPr marL="1828800" indent="0">
+                <a:defRPr sz="1100">
+                  <a:latin typeface="+mn-lt"/>
+                  <a:ea typeface="+mn-ea"/>
+                  <a:cs typeface="+mn-cs"/>
+                </a:defRPr>
+              </a:lvl5pPr>
+              <a:lvl6pPr marL="2286000" indent="0">
+                <a:defRPr sz="1100">
+                  <a:latin typeface="+mn-lt"/>
+                  <a:ea typeface="+mn-ea"/>
+                  <a:cs typeface="+mn-cs"/>
+                </a:defRPr>
+              </a:lvl6pPr>
+              <a:lvl7pPr marL="2743200" indent="0">
+                <a:defRPr sz="1100">
+                  <a:latin typeface="+mn-lt"/>
+                  <a:ea typeface="+mn-ea"/>
+                  <a:cs typeface="+mn-cs"/>
+                </a:defRPr>
+              </a:lvl7pPr>
+              <a:lvl8pPr marL="3200400" indent="0">
+                <a:defRPr sz="1100">
+                  <a:latin typeface="+mn-lt"/>
+                  <a:ea typeface="+mn-ea"/>
+                  <a:cs typeface="+mn-cs"/>
+                </a:defRPr>
+              </a:lvl8pPr>
+              <a:lvl9pPr marL="3657600" indent="0">
+                <a:defRPr sz="1100">
+                  <a:latin typeface="+mn-lt"/>
+                  <a:ea typeface="+mn-ea"/>
+                  <a:cs typeface="+mn-cs"/>
+                </a:defRPr>
+              </a:lvl9pPr>
+            </a:lstStyle>
+            <a:p>
+              <a:r>
+                <a:rPr lang="fr-FR" sz="1800" b="1" dirty="0" smtClean="0"/>
+                <a:t>Température</a:t>
+              </a:r>
+              <a:endParaRPr lang="fr-FR" sz="1100" b="1" dirty="0"/>
+            </a:p>
+          </p:txBody>
+        </p:sp>
+        <p:sp>
+          <p:nvSpPr>
+            <p:cNvPr id="10" name="ZoneTexte 1"/>
+            <p:cNvSpPr txBox="1"/>
+            <p:nvPr/>
+          </p:nvSpPr>
+          <p:spPr>
+            <a:xfrm>
+              <a:off x="4069222" y="1800546"/>
+              <a:ext cx="1150704" cy="400691"/>
+            </a:xfrm>
+            <a:prstGeom prst="rect">
+              <a:avLst/>
+            </a:prstGeom>
+            <a:solidFill>
+              <a:schemeClr val="bg1"/>
+            </a:solidFill>
+            <a:ln>
+              <a:noFill/>
+            </a:ln>
+          </p:spPr>
+          <p:txBody>
+            <a:bodyPr wrap="square" rtlCol="0"/>
+            <a:lstStyle>
+              <a:lvl1pPr marL="0" indent="0">
+                <a:defRPr sz="1100">
+                  <a:latin typeface="+mn-lt"/>
+                  <a:ea typeface="+mn-ea"/>
+                  <a:cs typeface="+mn-cs"/>
+                </a:defRPr>
+              </a:lvl1pPr>
+              <a:lvl2pPr marL="457200" indent="0">
+                <a:defRPr sz="1100">
+                  <a:latin typeface="+mn-lt"/>
+                  <a:ea typeface="+mn-ea"/>
+                  <a:cs typeface="+mn-cs"/>
+                </a:defRPr>
+              </a:lvl2pPr>
+              <a:lvl3pPr marL="914400" indent="0">
+                <a:defRPr sz="1100">
+                  <a:latin typeface="+mn-lt"/>
+                  <a:ea typeface="+mn-ea"/>
+                  <a:cs typeface="+mn-cs"/>
+                </a:defRPr>
+              </a:lvl3pPr>
+              <a:lvl4pPr marL="1371600" indent="0">
+                <a:defRPr sz="1100">
+                  <a:latin typeface="+mn-lt"/>
+                  <a:ea typeface="+mn-ea"/>
+                  <a:cs typeface="+mn-cs"/>
+                </a:defRPr>
+              </a:lvl4pPr>
+              <a:lvl5pPr marL="1828800" indent="0">
+                <a:defRPr sz="1100">
+                  <a:latin typeface="+mn-lt"/>
+                  <a:ea typeface="+mn-ea"/>
+                  <a:cs typeface="+mn-cs"/>
+                </a:defRPr>
+              </a:lvl5pPr>
+              <a:lvl6pPr marL="2286000" indent="0">
+                <a:defRPr sz="1100">
+                  <a:latin typeface="+mn-lt"/>
+                  <a:ea typeface="+mn-ea"/>
+                  <a:cs typeface="+mn-cs"/>
+                </a:defRPr>
+              </a:lvl6pPr>
+              <a:lvl7pPr marL="2743200" indent="0">
+                <a:defRPr sz="1100">
+                  <a:latin typeface="+mn-lt"/>
+                  <a:ea typeface="+mn-ea"/>
+                  <a:cs typeface="+mn-cs"/>
+                </a:defRPr>
+              </a:lvl7pPr>
+              <a:lvl8pPr marL="3200400" indent="0">
+                <a:defRPr sz="1100">
+                  <a:latin typeface="+mn-lt"/>
+                  <a:ea typeface="+mn-ea"/>
+                  <a:cs typeface="+mn-cs"/>
+                </a:defRPr>
+              </a:lvl8pPr>
+              <a:lvl9pPr marL="3657600" indent="0">
+                <a:defRPr sz="1100">
+                  <a:latin typeface="+mn-lt"/>
+                  <a:ea typeface="+mn-ea"/>
+                  <a:cs typeface="+mn-cs"/>
+                </a:defRPr>
+              </a:lvl9pPr>
+            </a:lstStyle>
+            <a:p>
+              <a:r>
+                <a:rPr lang="fr-FR" sz="1800" b="1" dirty="0" smtClean="0"/>
+                <a:t>Pression</a:t>
+              </a:r>
+              <a:endParaRPr lang="fr-FR" sz="1100" b="1" dirty="0"/>
+            </a:p>
+          </p:txBody>
+        </p:sp>
+      </p:grpSp>
+    </p:spTree>
+    <p:extLst>
+      <p:ext uri="{BB962C8B-B14F-4D97-AF65-F5344CB8AC3E}">
+        <p14:creationId xmlns:p14="http://schemas.microsoft.com/office/powerpoint/2010/main" val="2065947537"/>
+      </p:ext>
+    </p:extLst>
+  </p:cSld>
+  <p:clrMapOvr>
+    <a:masterClrMapping/>
+  </p:clrMapOvr>
+</p:sld>
+</file>
+
+<file path=ppt/slides/slide11.xml><?xml version="1.0" encoding="utf-8"?>
+<p:sld xmlns:a="http://schemas.openxmlformats.org/drawingml/2006/main" xmlns:r="http://schemas.openxmlformats.org/officeDocument/2006/relationships" xmlns:p="http://schemas.openxmlformats.org/presentationml/2006/main">
+  <p:cSld>
+    <p:spTree>
+      <p:nvGrpSpPr>
+        <p:cNvPr id="1" name=""/>
+        <p:cNvGrpSpPr/>
+        <p:nvPr/>
+      </p:nvGrpSpPr>
+      <p:grpSpPr>
+        <a:xfrm>
+          <a:off x="0" y="0"/>
+          <a:ext cx="0" cy="0"/>
+          <a:chOff x="0" y="0"/>
+          <a:chExt cx="0" cy="0"/>
+        </a:xfrm>
+      </p:grpSpPr>
+      <p:sp>
+        <p:nvSpPr>
+          <p:cNvPr id="4" name="ZoneTexte 3"/>
+          <p:cNvSpPr txBox="1"/>
+          <p:nvPr/>
+        </p:nvSpPr>
+        <p:spPr>
+          <a:xfrm>
+            <a:off x="369870" y="359596"/>
             <a:ext cx="3357201" cy="369332"/>
           </a:xfrm>
           <a:prstGeom prst="rect">
@@ -22333,7 +22653,7 @@
 </p:sld>
 </file>
 
-<file path=ppt/slides/slide11.xml><?xml version="1.0" encoding="utf-8"?>
+<file path=ppt/slides/slide12.xml><?xml version="1.0" encoding="utf-8"?>
 <p:sld xmlns:a="http://schemas.openxmlformats.org/drawingml/2006/main" xmlns:r="http://schemas.openxmlformats.org/officeDocument/2006/relationships" xmlns:p="http://schemas.openxmlformats.org/presentationml/2006/main">
   <p:cSld>
     <p:spTree>
@@ -22650,7 +22970,7 @@
 </p:sld>
 </file>
 
-<file path=ppt/slides/slide12.xml><?xml version="1.0" encoding="utf-8"?>
+<file path=ppt/slides/slide13.xml><?xml version="1.0" encoding="utf-8"?>
 <p:sld xmlns:a="http://schemas.openxmlformats.org/drawingml/2006/main" xmlns:r="http://schemas.openxmlformats.org/officeDocument/2006/relationships" xmlns:p="http://schemas.openxmlformats.org/presentationml/2006/main">
   <p:cSld>
     <p:spTree>
@@ -27529,6 +27849,4461 @@
       </p:grpSpPr>
       <p:grpSp>
         <p:nvGrpSpPr>
+          <p:cNvPr id="351" name="Groupe 350"/>
+          <p:cNvGrpSpPr/>
+          <p:nvPr/>
+        </p:nvGrpSpPr>
+        <p:grpSpPr>
+          <a:xfrm>
+            <a:off x="1970468" y="579568"/>
+            <a:ext cx="7260862" cy="4210137"/>
+            <a:chOff x="1970468" y="579568"/>
+            <a:chExt cx="7260862" cy="4210137"/>
+          </a:xfrm>
+        </p:grpSpPr>
+        <p:grpSp>
+          <p:nvGrpSpPr>
+            <p:cNvPr id="144" name="Groupe 143"/>
+            <p:cNvGrpSpPr/>
+            <p:nvPr/>
+          </p:nvGrpSpPr>
+          <p:grpSpPr>
+            <a:xfrm>
+              <a:off x="3386190" y="584475"/>
+              <a:ext cx="5845140" cy="4205230"/>
+              <a:chOff x="3386190" y="584475"/>
+              <a:chExt cx="5845140" cy="4205230"/>
+            </a:xfrm>
+          </p:grpSpPr>
+          <p:grpSp>
+            <p:nvGrpSpPr>
+              <p:cNvPr id="143" name="Groupe 142"/>
+              <p:cNvGrpSpPr/>
+              <p:nvPr/>
+            </p:nvGrpSpPr>
+            <p:grpSpPr>
+              <a:xfrm>
+                <a:off x="5082348" y="584475"/>
+                <a:ext cx="2428148" cy="327034"/>
+                <a:chOff x="5082348" y="584475"/>
+                <a:chExt cx="2428148" cy="327034"/>
+              </a:xfrm>
+            </p:grpSpPr>
+            <p:sp>
+              <p:nvSpPr>
+                <p:cNvPr id="22" name="ZoneTexte 21"/>
+                <p:cNvSpPr txBox="1"/>
+                <p:nvPr/>
+              </p:nvSpPr>
+              <p:spPr>
+                <a:xfrm>
+                  <a:off x="5082348" y="602896"/>
+                  <a:ext cx="348172" cy="307777"/>
+                </a:xfrm>
+                <a:prstGeom prst="rect">
+                  <a:avLst/>
+                </a:prstGeom>
+                <a:noFill/>
+              </p:spPr>
+              <p:txBody>
+                <a:bodyPr wrap="none" rtlCol="0">
+                  <a:spAutoFit/>
+                </a:bodyPr>
+                <a:lstStyle/>
+                <a:p>
+                  <a:r>
+                    <a:rPr lang="fr-FR" sz="1400" b="1" dirty="0" smtClean="0"/>
+                    <a:t>W</a:t>
+                  </a:r>
+                  <a:endParaRPr lang="fr-FR" sz="1400" b="1" dirty="0"/>
+                </a:p>
+              </p:txBody>
+            </p:sp>
+            <p:sp>
+              <p:nvSpPr>
+                <p:cNvPr id="25" name="ZoneTexte 24"/>
+                <p:cNvSpPr txBox="1"/>
+                <p:nvPr/>
+              </p:nvSpPr>
+              <p:spPr>
+                <a:xfrm>
+                  <a:off x="7237664" y="584475"/>
+                  <a:ext cx="272832" cy="307777"/>
+                </a:xfrm>
+                <a:prstGeom prst="rect">
+                  <a:avLst/>
+                </a:prstGeom>
+                <a:noFill/>
+              </p:spPr>
+              <p:txBody>
+                <a:bodyPr wrap="none" rtlCol="0">
+                  <a:spAutoFit/>
+                </a:bodyPr>
+                <a:lstStyle/>
+                <a:p>
+                  <a:r>
+                    <a:rPr lang="fr-FR" sz="1400" b="1" dirty="0"/>
+                    <a:t>E</a:t>
+                  </a:r>
+                </a:p>
+              </p:txBody>
+            </p:sp>
+            <p:sp>
+              <p:nvSpPr>
+                <p:cNvPr id="29" name="ZoneTexte 28"/>
+                <p:cNvSpPr txBox="1"/>
+                <p:nvPr/>
+              </p:nvSpPr>
+              <p:spPr>
+                <a:xfrm>
+                  <a:off x="5583119" y="603732"/>
+                  <a:ext cx="317716" cy="307777"/>
+                </a:xfrm>
+                <a:prstGeom prst="rect">
+                  <a:avLst/>
+                </a:prstGeom>
+                <a:noFill/>
+              </p:spPr>
+              <p:txBody>
+                <a:bodyPr wrap="none" rtlCol="0">
+                  <a:spAutoFit/>
+                </a:bodyPr>
+                <a:lstStyle/>
+                <a:p>
+                  <a:r>
+                    <a:rPr lang="fr-FR" sz="1400" b="1" dirty="0" smtClean="0"/>
+                    <a:t>w</a:t>
+                  </a:r>
+                  <a:endParaRPr lang="fr-FR" sz="1400" b="1" dirty="0"/>
+                </a:p>
+              </p:txBody>
+            </p:sp>
+            <p:sp>
+              <p:nvSpPr>
+                <p:cNvPr id="30" name="ZoneTexte 29"/>
+                <p:cNvSpPr txBox="1"/>
+                <p:nvPr/>
+              </p:nvSpPr>
+              <p:spPr>
+                <a:xfrm>
+                  <a:off x="6661963" y="595406"/>
+                  <a:ext cx="274434" cy="307777"/>
+                </a:xfrm>
+                <a:prstGeom prst="rect">
+                  <a:avLst/>
+                </a:prstGeom>
+                <a:noFill/>
+              </p:spPr>
+              <p:txBody>
+                <a:bodyPr wrap="none" rtlCol="0">
+                  <a:spAutoFit/>
+                </a:bodyPr>
+                <a:lstStyle/>
+                <a:p>
+                  <a:r>
+                    <a:rPr lang="fr-FR" sz="1400" b="1" dirty="0"/>
+                    <a:t>e</a:t>
+                  </a:r>
+                </a:p>
+              </p:txBody>
+            </p:sp>
+          </p:grpSp>
+          <p:grpSp>
+            <p:nvGrpSpPr>
+              <p:cNvPr id="142" name="Groupe 141"/>
+              <p:cNvGrpSpPr/>
+              <p:nvPr/>
+            </p:nvGrpSpPr>
+            <p:grpSpPr>
+              <a:xfrm>
+                <a:off x="5751842" y="4340693"/>
+                <a:ext cx="1035977" cy="307777"/>
+                <a:chOff x="5751842" y="4340693"/>
+                <a:chExt cx="1035977" cy="307777"/>
+              </a:xfrm>
+            </p:grpSpPr>
+            <p:cxnSp>
+              <p:nvCxnSpPr>
+                <p:cNvPr id="37" name="Connecteur droit avec flèche 36"/>
+                <p:cNvCxnSpPr/>
+                <p:nvPr/>
+              </p:nvCxnSpPr>
+              <p:spPr>
+                <a:xfrm>
+                  <a:off x="5751842" y="4353058"/>
+                  <a:ext cx="1035977" cy="0"/>
+                </a:xfrm>
+                <a:prstGeom prst="straightConnector1">
+                  <a:avLst/>
+                </a:prstGeom>
+                <a:ln>
+                  <a:solidFill>
+                    <a:schemeClr val="tx1"/>
+                  </a:solidFill>
+                  <a:headEnd type="triangle"/>
+                  <a:tailEnd type="triangle"/>
+                </a:ln>
+              </p:spPr>
+              <p:style>
+                <a:lnRef idx="1">
+                  <a:schemeClr val="accent1"/>
+                </a:lnRef>
+                <a:fillRef idx="0">
+                  <a:schemeClr val="accent1"/>
+                </a:fillRef>
+                <a:effectRef idx="0">
+                  <a:schemeClr val="accent1"/>
+                </a:effectRef>
+                <a:fontRef idx="minor">
+                  <a:schemeClr val="tx1"/>
+                </a:fontRef>
+              </p:style>
+            </p:cxnSp>
+            <mc:AlternateContent xmlns:mc="http://schemas.openxmlformats.org/markup-compatibility/2006">
+              <mc:Choice xmlns:a14="http://schemas.microsoft.com/office/drawing/2010/main" Requires="a14">
+                <p:sp>
+                  <p:nvSpPr>
+                    <p:cNvPr id="38" name="ZoneTexte 37"/>
+                    <p:cNvSpPr txBox="1"/>
+                    <p:nvPr/>
+                  </p:nvSpPr>
+                  <p:spPr>
+                    <a:xfrm>
+                      <a:off x="6065333" y="4340693"/>
+                      <a:ext cx="436338" cy="307777"/>
+                    </a:xfrm>
+                    <a:prstGeom prst="rect">
+                      <a:avLst/>
+                    </a:prstGeom>
+                    <a:noFill/>
+                  </p:spPr>
+                  <p:txBody>
+                    <a:bodyPr wrap="none" rtlCol="0">
+                      <a:spAutoFit/>
+                    </a:bodyPr>
+                    <a:lstStyle/>
+                    <a:p>
+                      <a:pPr/>
+                      <a14:m>
+                        <m:oMathPara xmlns:m="http://schemas.openxmlformats.org/officeDocument/2006/math">
+                          <m:oMathParaPr>
+                            <m:jc m:val="centerGroup"/>
+                          </m:oMathParaPr>
+                          <m:oMath xmlns:m="http://schemas.openxmlformats.org/officeDocument/2006/math">
+                            <m:r>
+                              <a:rPr lang="fr-FR" sz="1400" b="1" i="1" smtClean="0">
+                                <a:latin typeface="Cambria Math" panose="02040503050406030204" pitchFamily="18" charset="0"/>
+                                <a:ea typeface="Cambria Math" panose="02040503050406030204" pitchFamily="18" charset="0"/>
+                              </a:rPr>
+                              <m:t>∆</m:t>
+                            </m:r>
+                            <m:r>
+                              <a:rPr lang="fr-FR" sz="1400" b="1" i="1" smtClean="0">
+                                <a:latin typeface="Cambria Math" panose="02040503050406030204" pitchFamily="18" charset="0"/>
+                                <a:ea typeface="Cambria Math" panose="02040503050406030204" pitchFamily="18" charset="0"/>
+                              </a:rPr>
+                              <m:t>𝒙</m:t>
+                            </m:r>
+                          </m:oMath>
+                        </m:oMathPara>
+                      </a14:m>
+                      <a:endParaRPr lang="fr-FR" sz="1400" b="1" dirty="0"/>
+                    </a:p>
+                  </p:txBody>
+                </p:sp>
+              </mc:Choice>
+              <mc:Fallback>
+                <p:sp>
+                  <p:nvSpPr>
+                    <p:cNvPr id="38" name="ZoneTexte 37"/>
+                    <p:cNvSpPr txBox="1">
+                      <a:spLocks noRot="1" noChangeAspect="1" noMove="1" noResize="1" noEditPoints="1" noAdjustHandles="1" noChangeArrowheads="1" noChangeShapeType="1" noTextEdit="1"/>
+                    </p:cNvSpPr>
+                    <p:nvPr/>
+                  </p:nvSpPr>
+                  <p:spPr>
+                    <a:xfrm>
+                      <a:off x="6065333" y="4340693"/>
+                      <a:ext cx="436338" cy="307777"/>
+                    </a:xfrm>
+                    <a:prstGeom prst="rect">
+                      <a:avLst/>
+                    </a:prstGeom>
+                    <a:blipFill rotWithShape="0">
+                      <a:blip r:embed="rId2"/>
+                      <a:stretch>
+                        <a:fillRect/>
+                      </a:stretch>
+                    </a:blipFill>
+                  </p:spPr>
+                  <p:txBody>
+                    <a:bodyPr/>
+                    <a:lstStyle/>
+                    <a:p>
+                      <a:r>
+                        <a:rPr lang="fr-FR">
+                          <a:noFill/>
+                        </a:rPr>
+                        <a:t> </a:t>
+                      </a:r>
+                    </a:p>
+                  </p:txBody>
+                </p:sp>
+              </mc:Fallback>
+            </mc:AlternateContent>
+          </p:grpSp>
+          <mc:AlternateContent xmlns:mc="http://schemas.openxmlformats.org/markup-compatibility/2006">
+            <mc:Choice xmlns:a14="http://schemas.microsoft.com/office/drawing/2010/main" Requires="a14">
+              <p:sp>
+                <p:nvSpPr>
+                  <p:cNvPr id="44" name="ZoneTexte 43"/>
+                  <p:cNvSpPr txBox="1"/>
+                  <p:nvPr/>
+                </p:nvSpPr>
+                <p:spPr>
+                  <a:xfrm>
+                    <a:off x="7539839" y="4481927"/>
+                    <a:ext cx="557589" cy="307777"/>
+                  </a:xfrm>
+                  <a:prstGeom prst="rect">
+                    <a:avLst/>
+                  </a:prstGeom>
+                  <a:noFill/>
+                </p:spPr>
+                <p:txBody>
+                  <a:bodyPr wrap="none" rtlCol="0">
+                    <a:spAutoFit/>
+                  </a:bodyPr>
+                  <a:lstStyle/>
+                  <a:p>
+                    <a:pPr/>
+                    <a14:m>
+                      <m:oMathPara xmlns:m="http://schemas.openxmlformats.org/officeDocument/2006/math">
+                        <m:oMathParaPr>
+                          <m:jc m:val="centerGroup"/>
+                        </m:oMathParaPr>
+                        <m:oMath xmlns:m="http://schemas.openxmlformats.org/officeDocument/2006/math">
+                          <m:sSub>
+                            <m:sSubPr>
+                              <m:ctrlPr>
+                                <a:rPr lang="fr-FR" sz="1400" b="1" i="1" smtClean="0">
+                                  <a:latin typeface="Cambria Math" panose="02040503050406030204" pitchFamily="18" charset="0"/>
+                                </a:rPr>
+                              </m:ctrlPr>
+                            </m:sSubPr>
+                            <m:e>
+                              <m:r>
+                                <a:rPr lang="fr-FR" sz="1400" b="1" i="1" smtClean="0">
+                                  <a:latin typeface="Cambria Math" panose="02040503050406030204" pitchFamily="18" charset="0"/>
+                                </a:rPr>
+                                <m:t>𝒙</m:t>
+                              </m:r>
+                            </m:e>
+                            <m:sub>
+                              <m:r>
+                                <a:rPr lang="fr-FR" sz="1400" b="1" i="1" smtClean="0">
+                                  <a:latin typeface="Cambria Math" panose="02040503050406030204" pitchFamily="18" charset="0"/>
+                                </a:rPr>
+                                <m:t>𝒊</m:t>
+                              </m:r>
+                              <m:r>
+                                <a:rPr lang="fr-FR" sz="1400" b="1" i="1" smtClean="0">
+                                  <a:latin typeface="Cambria Math" panose="02040503050406030204" pitchFamily="18" charset="0"/>
+                                </a:rPr>
+                                <m:t>+</m:t>
+                              </m:r>
+                              <m:r>
+                                <a:rPr lang="fr-FR" sz="1400" b="1" i="1" smtClean="0">
+                                  <a:latin typeface="Cambria Math" panose="02040503050406030204" pitchFamily="18" charset="0"/>
+                                </a:rPr>
+                                <m:t>𝟏</m:t>
+                              </m:r>
+                            </m:sub>
+                          </m:sSub>
+                        </m:oMath>
+                      </m:oMathPara>
+                    </a14:m>
+                    <a:endParaRPr lang="fr-FR" sz="1400" b="1" dirty="0"/>
+                  </a:p>
+                </p:txBody>
+              </p:sp>
+            </mc:Choice>
+            <mc:Fallback>
+              <p:sp>
+                <p:nvSpPr>
+                  <p:cNvPr id="44" name="ZoneTexte 43"/>
+                  <p:cNvSpPr txBox="1">
+                    <a:spLocks noRot="1" noChangeAspect="1" noMove="1" noResize="1" noEditPoints="1" noAdjustHandles="1" noChangeArrowheads="1" noChangeShapeType="1" noTextEdit="1"/>
+                  </p:cNvSpPr>
+                  <p:nvPr/>
+                </p:nvSpPr>
+                <p:spPr>
+                  <a:xfrm>
+                    <a:off x="7539839" y="4481927"/>
+                    <a:ext cx="557589" cy="307777"/>
+                  </a:xfrm>
+                  <a:prstGeom prst="rect">
+                    <a:avLst/>
+                  </a:prstGeom>
+                  <a:blipFill rotWithShape="0">
+                    <a:blip r:embed="rId3"/>
+                    <a:stretch>
+                      <a:fillRect/>
+                    </a:stretch>
+                  </a:blipFill>
+                </p:spPr>
+                <p:txBody>
+                  <a:bodyPr/>
+                  <a:lstStyle/>
+                  <a:p>
+                    <a:r>
+                      <a:rPr lang="fr-FR">
+                        <a:noFill/>
+                      </a:rPr>
+                      <a:t> </a:t>
+                    </a:r>
+                  </a:p>
+                </p:txBody>
+              </p:sp>
+            </mc:Fallback>
+          </mc:AlternateContent>
+          <mc:AlternateContent xmlns:mc="http://schemas.openxmlformats.org/markup-compatibility/2006">
+            <mc:Choice xmlns:a14="http://schemas.microsoft.com/office/drawing/2010/main" Requires="a14">
+              <p:sp>
+                <p:nvSpPr>
+                  <p:cNvPr id="45" name="ZoneTexte 44"/>
+                  <p:cNvSpPr txBox="1"/>
+                  <p:nvPr/>
+                </p:nvSpPr>
+                <p:spPr>
+                  <a:xfrm>
+                    <a:off x="6634827" y="4481927"/>
+                    <a:ext cx="384464" cy="307777"/>
+                  </a:xfrm>
+                  <a:prstGeom prst="rect">
+                    <a:avLst/>
+                  </a:prstGeom>
+                  <a:noFill/>
+                </p:spPr>
+                <p:txBody>
+                  <a:bodyPr wrap="none" rtlCol="0">
+                    <a:spAutoFit/>
+                  </a:bodyPr>
+                  <a:lstStyle/>
+                  <a:p>
+                    <a:pPr/>
+                    <a14:m>
+                      <m:oMathPara xmlns:m="http://schemas.openxmlformats.org/officeDocument/2006/math">
+                        <m:oMathParaPr>
+                          <m:jc m:val="centerGroup"/>
+                        </m:oMathParaPr>
+                        <m:oMath xmlns:m="http://schemas.openxmlformats.org/officeDocument/2006/math">
+                          <m:sSub>
+                            <m:sSubPr>
+                              <m:ctrlPr>
+                                <a:rPr lang="fr-FR" sz="1400" b="1" i="1" smtClean="0">
+                                  <a:latin typeface="Cambria Math" panose="02040503050406030204" pitchFamily="18" charset="0"/>
+                                </a:rPr>
+                              </m:ctrlPr>
+                            </m:sSubPr>
+                            <m:e>
+                              <m:r>
+                                <a:rPr lang="fr-FR" sz="1400" b="1" i="1" smtClean="0">
+                                  <a:latin typeface="Cambria Math" panose="02040503050406030204" pitchFamily="18" charset="0"/>
+                                </a:rPr>
+                                <m:t>𝒙</m:t>
+                              </m:r>
+                            </m:e>
+                            <m:sub>
+                              <m:r>
+                                <a:rPr lang="fr-FR" sz="1400" b="1" i="1" smtClean="0">
+                                  <a:latin typeface="Cambria Math" panose="02040503050406030204" pitchFamily="18" charset="0"/>
+                                </a:rPr>
+                                <m:t>𝒊</m:t>
+                              </m:r>
+                            </m:sub>
+                          </m:sSub>
+                        </m:oMath>
+                      </m:oMathPara>
+                    </a14:m>
+                    <a:endParaRPr lang="fr-FR" sz="1400" b="1" dirty="0"/>
+                  </a:p>
+                </p:txBody>
+              </p:sp>
+            </mc:Choice>
+            <mc:Fallback>
+              <p:sp>
+                <p:nvSpPr>
+                  <p:cNvPr id="45" name="ZoneTexte 44"/>
+                  <p:cNvSpPr txBox="1">
+                    <a:spLocks noRot="1" noChangeAspect="1" noMove="1" noResize="1" noEditPoints="1" noAdjustHandles="1" noChangeArrowheads="1" noChangeShapeType="1" noTextEdit="1"/>
+                  </p:cNvSpPr>
+                  <p:nvPr/>
+                </p:nvSpPr>
+                <p:spPr>
+                  <a:xfrm>
+                    <a:off x="6634827" y="4481927"/>
+                    <a:ext cx="384464" cy="307777"/>
+                  </a:xfrm>
+                  <a:prstGeom prst="rect">
+                    <a:avLst/>
+                  </a:prstGeom>
+                  <a:blipFill rotWithShape="0">
+                    <a:blip r:embed="rId4"/>
+                    <a:stretch>
+                      <a:fillRect/>
+                    </a:stretch>
+                  </a:blipFill>
+                </p:spPr>
+                <p:txBody>
+                  <a:bodyPr/>
+                  <a:lstStyle/>
+                  <a:p>
+                    <a:r>
+                      <a:rPr lang="fr-FR">
+                        <a:noFill/>
+                      </a:rPr>
+                      <a:t> </a:t>
+                    </a:r>
+                  </a:p>
+                </p:txBody>
+              </p:sp>
+            </mc:Fallback>
+          </mc:AlternateContent>
+          <mc:AlternateContent xmlns:mc="http://schemas.openxmlformats.org/markup-compatibility/2006">
+            <mc:Choice xmlns:a14="http://schemas.microsoft.com/office/drawing/2010/main" Requires="a14">
+              <p:sp>
+                <p:nvSpPr>
+                  <p:cNvPr id="46" name="ZoneTexte 45"/>
+                  <p:cNvSpPr txBox="1"/>
+                  <p:nvPr/>
+                </p:nvSpPr>
+                <p:spPr>
+                  <a:xfrm>
+                    <a:off x="5484992" y="4481928"/>
+                    <a:ext cx="557589" cy="307777"/>
+                  </a:xfrm>
+                  <a:prstGeom prst="rect">
+                    <a:avLst/>
+                  </a:prstGeom>
+                  <a:noFill/>
+                </p:spPr>
+                <p:txBody>
+                  <a:bodyPr wrap="none" rtlCol="0">
+                    <a:spAutoFit/>
+                  </a:bodyPr>
+                  <a:lstStyle/>
+                  <a:p>
+                    <a:pPr/>
+                    <a14:m>
+                      <m:oMathPara xmlns:m="http://schemas.openxmlformats.org/officeDocument/2006/math">
+                        <m:oMathParaPr>
+                          <m:jc m:val="centerGroup"/>
+                        </m:oMathParaPr>
+                        <m:oMath xmlns:m="http://schemas.openxmlformats.org/officeDocument/2006/math">
+                          <m:sSub>
+                            <m:sSubPr>
+                              <m:ctrlPr>
+                                <a:rPr lang="fr-FR" sz="1400" b="1" i="1" smtClean="0">
+                                  <a:latin typeface="Cambria Math" panose="02040503050406030204" pitchFamily="18" charset="0"/>
+                                </a:rPr>
+                              </m:ctrlPr>
+                            </m:sSubPr>
+                            <m:e>
+                              <m:r>
+                                <a:rPr lang="fr-FR" sz="1400" b="1" i="1" smtClean="0">
+                                  <a:latin typeface="Cambria Math" panose="02040503050406030204" pitchFamily="18" charset="0"/>
+                                </a:rPr>
+                                <m:t>𝒙</m:t>
+                              </m:r>
+                            </m:e>
+                            <m:sub>
+                              <m:r>
+                                <a:rPr lang="fr-FR" sz="1400" b="1" i="1" smtClean="0">
+                                  <a:latin typeface="Cambria Math" panose="02040503050406030204" pitchFamily="18" charset="0"/>
+                                </a:rPr>
+                                <m:t>𝒊</m:t>
+                              </m:r>
+                              <m:r>
+                                <a:rPr lang="fr-FR" sz="1400" b="1" i="1" smtClean="0">
+                                  <a:latin typeface="Cambria Math" panose="02040503050406030204" pitchFamily="18" charset="0"/>
+                                </a:rPr>
+                                <m:t>−</m:t>
+                              </m:r>
+                              <m:r>
+                                <a:rPr lang="fr-FR" sz="1400" b="1" i="1" smtClean="0">
+                                  <a:latin typeface="Cambria Math" panose="02040503050406030204" pitchFamily="18" charset="0"/>
+                                </a:rPr>
+                                <m:t>𝟏</m:t>
+                              </m:r>
+                            </m:sub>
+                          </m:sSub>
+                        </m:oMath>
+                      </m:oMathPara>
+                    </a14:m>
+                    <a:endParaRPr lang="fr-FR" sz="1400" b="1" dirty="0"/>
+                  </a:p>
+                </p:txBody>
+              </p:sp>
+            </mc:Choice>
+            <mc:Fallback>
+              <p:sp>
+                <p:nvSpPr>
+                  <p:cNvPr id="46" name="ZoneTexte 45"/>
+                  <p:cNvSpPr txBox="1">
+                    <a:spLocks noRot="1" noChangeAspect="1" noMove="1" noResize="1" noEditPoints="1" noAdjustHandles="1" noChangeArrowheads="1" noChangeShapeType="1" noTextEdit="1"/>
+                  </p:cNvSpPr>
+                  <p:nvPr/>
+                </p:nvSpPr>
+                <p:spPr>
+                  <a:xfrm>
+                    <a:off x="5484992" y="4481928"/>
+                    <a:ext cx="557589" cy="307777"/>
+                  </a:xfrm>
+                  <a:prstGeom prst="rect">
+                    <a:avLst/>
+                  </a:prstGeom>
+                  <a:blipFill rotWithShape="0">
+                    <a:blip r:embed="rId5"/>
+                    <a:stretch>
+                      <a:fillRect/>
+                    </a:stretch>
+                  </a:blipFill>
+                </p:spPr>
+                <p:txBody>
+                  <a:bodyPr/>
+                  <a:lstStyle/>
+                  <a:p>
+                    <a:r>
+                      <a:rPr lang="fr-FR">
+                        <a:noFill/>
+                      </a:rPr>
+                      <a:t> </a:t>
+                    </a:r>
+                  </a:p>
+                </p:txBody>
+              </p:sp>
+            </mc:Fallback>
+          </mc:AlternateContent>
+          <p:grpSp>
+            <p:nvGrpSpPr>
+              <p:cNvPr id="48" name="Groupe 47"/>
+              <p:cNvGrpSpPr/>
+              <p:nvPr/>
+            </p:nvGrpSpPr>
+            <p:grpSpPr>
+              <a:xfrm>
+                <a:off x="3386190" y="901129"/>
+                <a:ext cx="5845140" cy="3328827"/>
+                <a:chOff x="1881026" y="1212350"/>
+                <a:chExt cx="5845140" cy="3328827"/>
+              </a:xfrm>
+            </p:grpSpPr>
+            <p:cxnSp>
+              <p:nvCxnSpPr>
+                <p:cNvPr id="60" name="Connecteur droit 59"/>
+                <p:cNvCxnSpPr/>
+                <p:nvPr/>
+              </p:nvCxnSpPr>
+              <p:spPr>
+                <a:xfrm>
+                  <a:off x="1881026" y="1221894"/>
+                  <a:ext cx="5794624" cy="0"/>
+                </a:xfrm>
+                <a:prstGeom prst="line">
+                  <a:avLst/>
+                </a:prstGeom>
+                <a:ln w="28575">
+                  <a:solidFill>
+                    <a:schemeClr val="tx1"/>
+                  </a:solidFill>
+                </a:ln>
+              </p:spPr>
+              <p:style>
+                <a:lnRef idx="1">
+                  <a:schemeClr val="accent1"/>
+                </a:lnRef>
+                <a:fillRef idx="0">
+                  <a:schemeClr val="accent1"/>
+                </a:fillRef>
+                <a:effectRef idx="0">
+                  <a:schemeClr val="accent1"/>
+                </a:effectRef>
+                <a:fontRef idx="minor">
+                  <a:schemeClr val="tx1"/>
+                </a:fontRef>
+              </p:style>
+            </p:cxnSp>
+            <p:cxnSp>
+              <p:nvCxnSpPr>
+                <p:cNvPr id="63" name="Connecteur droit 62"/>
+                <p:cNvCxnSpPr/>
+                <p:nvPr/>
+              </p:nvCxnSpPr>
+              <p:spPr>
+                <a:xfrm>
+                  <a:off x="1900720" y="4522755"/>
+                  <a:ext cx="5825446" cy="0"/>
+                </a:xfrm>
+                <a:prstGeom prst="line">
+                  <a:avLst/>
+                </a:prstGeom>
+                <a:ln w="28575">
+                  <a:solidFill>
+                    <a:schemeClr val="tx1"/>
+                  </a:solidFill>
+                </a:ln>
+              </p:spPr>
+              <p:style>
+                <a:lnRef idx="1">
+                  <a:schemeClr val="accent1"/>
+                </a:lnRef>
+                <a:fillRef idx="0">
+                  <a:schemeClr val="accent1"/>
+                </a:fillRef>
+                <a:effectRef idx="0">
+                  <a:schemeClr val="accent1"/>
+                </a:effectRef>
+                <a:fontRef idx="minor">
+                  <a:schemeClr val="tx1"/>
+                </a:fontRef>
+              </p:style>
+            </p:cxnSp>
+            <p:cxnSp>
+              <p:nvCxnSpPr>
+                <p:cNvPr id="64" name="Connecteur droit 63"/>
+                <p:cNvCxnSpPr/>
+                <p:nvPr/>
+              </p:nvCxnSpPr>
+              <p:spPr>
+                <a:xfrm>
+                  <a:off x="2208945" y="1212350"/>
+                  <a:ext cx="0" cy="3328827"/>
+                </a:xfrm>
+                <a:prstGeom prst="line">
+                  <a:avLst/>
+                </a:prstGeom>
+                <a:ln w="38100">
+                  <a:solidFill>
+                    <a:schemeClr val="tx1"/>
+                  </a:solidFill>
+                </a:ln>
+              </p:spPr>
+              <p:style>
+                <a:lnRef idx="1">
+                  <a:schemeClr val="accent1"/>
+                </a:lnRef>
+                <a:fillRef idx="0">
+                  <a:schemeClr val="accent1"/>
+                </a:fillRef>
+                <a:effectRef idx="0">
+                  <a:schemeClr val="accent1"/>
+                </a:effectRef>
+                <a:fontRef idx="minor">
+                  <a:schemeClr val="tx1"/>
+                </a:fontRef>
+              </p:style>
+            </p:cxnSp>
+            <p:cxnSp>
+              <p:nvCxnSpPr>
+                <p:cNvPr id="65" name="Connecteur droit 64"/>
+                <p:cNvCxnSpPr/>
+                <p:nvPr/>
+              </p:nvCxnSpPr>
+              <p:spPr>
+                <a:xfrm>
+                  <a:off x="3234647" y="1212350"/>
+                  <a:ext cx="0" cy="3328827"/>
+                </a:xfrm>
+                <a:prstGeom prst="line">
+                  <a:avLst/>
+                </a:prstGeom>
+                <a:ln w="38100">
+                  <a:solidFill>
+                    <a:schemeClr val="tx1"/>
+                  </a:solidFill>
+                </a:ln>
+              </p:spPr>
+              <p:style>
+                <a:lnRef idx="1">
+                  <a:schemeClr val="accent1"/>
+                </a:lnRef>
+                <a:fillRef idx="0">
+                  <a:schemeClr val="accent1"/>
+                </a:fillRef>
+                <a:effectRef idx="0">
+                  <a:schemeClr val="accent1"/>
+                </a:effectRef>
+                <a:fontRef idx="minor">
+                  <a:schemeClr val="tx1"/>
+                </a:fontRef>
+              </p:style>
+            </p:cxnSp>
+            <p:cxnSp>
+              <p:nvCxnSpPr>
+                <p:cNvPr id="66" name="Connecteur droit 65"/>
+                <p:cNvCxnSpPr/>
+                <p:nvPr/>
+              </p:nvCxnSpPr>
+              <p:spPr>
+                <a:xfrm>
+                  <a:off x="4260350" y="1212350"/>
+                  <a:ext cx="0" cy="3328827"/>
+                </a:xfrm>
+                <a:prstGeom prst="line">
+                  <a:avLst/>
+                </a:prstGeom>
+                <a:ln w="38100">
+                  <a:solidFill>
+                    <a:schemeClr val="tx1"/>
+                  </a:solidFill>
+                </a:ln>
+              </p:spPr>
+              <p:style>
+                <a:lnRef idx="1">
+                  <a:schemeClr val="accent1"/>
+                </a:lnRef>
+                <a:fillRef idx="0">
+                  <a:schemeClr val="accent1"/>
+                </a:fillRef>
+                <a:effectRef idx="0">
+                  <a:schemeClr val="accent1"/>
+                </a:effectRef>
+                <a:fontRef idx="minor">
+                  <a:schemeClr val="tx1"/>
+                </a:fontRef>
+              </p:style>
+            </p:cxnSp>
+            <p:cxnSp>
+              <p:nvCxnSpPr>
+                <p:cNvPr id="67" name="Connecteur droit 66"/>
+                <p:cNvCxnSpPr/>
+                <p:nvPr/>
+              </p:nvCxnSpPr>
+              <p:spPr>
+                <a:xfrm>
+                  <a:off x="5296327" y="1212350"/>
+                  <a:ext cx="0" cy="3328827"/>
+                </a:xfrm>
+                <a:prstGeom prst="line">
+                  <a:avLst/>
+                </a:prstGeom>
+                <a:ln w="38100">
+                  <a:solidFill>
+                    <a:schemeClr val="tx1"/>
+                  </a:solidFill>
+                </a:ln>
+              </p:spPr>
+              <p:style>
+                <a:lnRef idx="1">
+                  <a:schemeClr val="accent1"/>
+                </a:lnRef>
+                <a:fillRef idx="0">
+                  <a:schemeClr val="accent1"/>
+                </a:fillRef>
+                <a:effectRef idx="0">
+                  <a:schemeClr val="accent1"/>
+                </a:effectRef>
+                <a:fontRef idx="minor">
+                  <a:schemeClr val="tx1"/>
+                </a:fontRef>
+              </p:style>
+            </p:cxnSp>
+            <p:cxnSp>
+              <p:nvCxnSpPr>
+                <p:cNvPr id="68" name="Connecteur droit 67"/>
+                <p:cNvCxnSpPr/>
+                <p:nvPr/>
+              </p:nvCxnSpPr>
+              <p:spPr>
+                <a:xfrm>
+                  <a:off x="6313470" y="1212350"/>
+                  <a:ext cx="0" cy="3328827"/>
+                </a:xfrm>
+                <a:prstGeom prst="line">
+                  <a:avLst/>
+                </a:prstGeom>
+                <a:ln w="38100">
+                  <a:solidFill>
+                    <a:schemeClr val="tx1"/>
+                  </a:solidFill>
+                </a:ln>
+              </p:spPr>
+              <p:style>
+                <a:lnRef idx="1">
+                  <a:schemeClr val="accent1"/>
+                </a:lnRef>
+                <a:fillRef idx="0">
+                  <a:schemeClr val="accent1"/>
+                </a:fillRef>
+                <a:effectRef idx="0">
+                  <a:schemeClr val="accent1"/>
+                </a:effectRef>
+                <a:fontRef idx="minor">
+                  <a:schemeClr val="tx1"/>
+                </a:fontRef>
+              </p:style>
+            </p:cxnSp>
+            <p:cxnSp>
+              <p:nvCxnSpPr>
+                <p:cNvPr id="69" name="Connecteur droit 68"/>
+                <p:cNvCxnSpPr/>
+                <p:nvPr/>
+              </p:nvCxnSpPr>
+              <p:spPr>
+                <a:xfrm>
+                  <a:off x="7318625" y="1212350"/>
+                  <a:ext cx="0" cy="3328827"/>
+                </a:xfrm>
+                <a:prstGeom prst="line">
+                  <a:avLst/>
+                </a:prstGeom>
+                <a:ln w="38100">
+                  <a:solidFill>
+                    <a:schemeClr val="tx1"/>
+                  </a:solidFill>
+                </a:ln>
+              </p:spPr>
+              <p:style>
+                <a:lnRef idx="1">
+                  <a:schemeClr val="accent1"/>
+                </a:lnRef>
+                <a:fillRef idx="0">
+                  <a:schemeClr val="accent1"/>
+                </a:fillRef>
+                <a:effectRef idx="0">
+                  <a:schemeClr val="accent1"/>
+                </a:effectRef>
+                <a:fontRef idx="minor">
+                  <a:schemeClr val="tx1"/>
+                </a:fontRef>
+              </p:style>
+            </p:cxnSp>
+          </p:grpSp>
+          <p:grpSp>
+            <p:nvGrpSpPr>
+              <p:cNvPr id="97" name="Groupe 96"/>
+              <p:cNvGrpSpPr/>
+              <p:nvPr/>
+            </p:nvGrpSpPr>
+            <p:grpSpPr>
+              <a:xfrm>
+                <a:off x="5150161" y="886850"/>
+                <a:ext cx="172439" cy="3400218"/>
+                <a:chOff x="5150161" y="886850"/>
+                <a:chExt cx="172439" cy="3400218"/>
+              </a:xfrm>
+            </p:grpSpPr>
+            <p:sp>
+              <p:nvSpPr>
+                <p:cNvPr id="81" name="Ellipse 80"/>
+                <p:cNvSpPr/>
+                <p:nvPr/>
+              </p:nvSpPr>
+              <p:spPr>
+                <a:xfrm>
+                  <a:off x="5154670" y="886850"/>
+                  <a:ext cx="161192" cy="127915"/>
+                </a:xfrm>
+                <a:prstGeom prst="ellipse">
+                  <a:avLst/>
+                </a:prstGeom>
+                <a:solidFill>
+                  <a:schemeClr val="tx1"/>
+                </a:solidFill>
+                <a:ln w="25400" cap="flat" cmpd="sng" algn="ctr">
+                  <a:solidFill>
+                    <a:schemeClr val="tx1"/>
+                  </a:solidFill>
+                  <a:prstDash val="solid"/>
+                </a:ln>
+                <a:effectLst/>
+              </p:spPr>
+              <p:txBody>
+                <a:bodyPr rtlCol="0" anchor="ctr"/>
+                <a:lstStyle/>
+                <a:p>
+                  <a:pPr marL="0" marR="0" lvl="0" indent="0" algn="ctr" defTabSz="914400" eaLnBrk="1" fontAlgn="base" latinLnBrk="0" hangingPunct="1">
+                    <a:lnSpc>
+                      <a:spcPct val="100000"/>
+                    </a:lnSpc>
+                    <a:spcBef>
+                      <a:spcPct val="0"/>
+                    </a:spcBef>
+                    <a:spcAft>
+                      <a:spcPct val="0"/>
+                    </a:spcAft>
+                    <a:buClrTx/>
+                    <a:buSzTx/>
+                    <a:buFontTx/>
+                    <a:buNone/>
+                    <a:tabLst/>
+                    <a:defRPr/>
+                  </a:pPr>
+                  <a:endParaRPr kumimoji="0" lang="fr-FR" sz="1000" b="0" i="0" u="none" strike="noStrike" kern="0" cap="none" spc="0" normalizeH="0" baseline="0" noProof="0" smtClean="0">
+                    <a:ln>
+                      <a:noFill/>
+                    </a:ln>
+                    <a:solidFill>
+                      <a:srgbClr val="FFFFFF"/>
+                    </a:solidFill>
+                    <a:effectLst/>
+                    <a:uLnTx/>
+                    <a:uFillTx/>
+                    <a:latin typeface="Calibri"/>
+                    <a:ea typeface="+mn-ea"/>
+                    <a:cs typeface="+mn-cs"/>
+                  </a:endParaRPr>
+                </a:p>
+              </p:txBody>
+            </p:sp>
+            <p:grpSp>
+              <p:nvGrpSpPr>
+                <p:cNvPr id="87" name="Groupe 86"/>
+                <p:cNvGrpSpPr/>
+                <p:nvPr/>
+              </p:nvGrpSpPr>
+              <p:grpSpPr>
+                <a:xfrm>
+                  <a:off x="5150161" y="1000289"/>
+                  <a:ext cx="172439" cy="3286779"/>
+                  <a:chOff x="5150161" y="1000289"/>
+                  <a:chExt cx="172439" cy="3286779"/>
+                </a:xfrm>
+              </p:grpSpPr>
+              <p:grpSp>
+                <p:nvGrpSpPr>
+                  <p:cNvPr id="71" name="Groupe 70"/>
+                  <p:cNvGrpSpPr/>
+                  <p:nvPr/>
+                </p:nvGrpSpPr>
+                <p:grpSpPr>
+                  <a:xfrm>
+                    <a:off x="5161408" y="1000289"/>
+                    <a:ext cx="161192" cy="3187197"/>
+                    <a:chOff x="4211631" y="1311301"/>
+                    <a:chExt cx="99148" cy="3284829"/>
+                  </a:xfrm>
+                </p:grpSpPr>
+                <p:cxnSp>
+                  <p:nvCxnSpPr>
+                    <p:cNvPr id="72" name="Connecteur droit 71"/>
+                    <p:cNvCxnSpPr/>
+                    <p:nvPr/>
+                  </p:nvCxnSpPr>
+                  <p:spPr>
+                    <a:xfrm>
+                      <a:off x="4261205" y="1311301"/>
+                      <a:ext cx="0" cy="3284829"/>
+                    </a:xfrm>
+                    <a:prstGeom prst="line">
+                      <a:avLst/>
+                    </a:prstGeom>
+                    <a:noFill/>
+                    <a:ln w="19050" cap="flat" cmpd="sng" algn="ctr">
+                      <a:solidFill>
+                        <a:srgbClr val="023971">
+                          <a:shade val="95000"/>
+                          <a:satMod val="105000"/>
+                        </a:srgbClr>
+                      </a:solidFill>
+                      <a:prstDash val="dash"/>
+                    </a:ln>
+                    <a:effectLst/>
+                  </p:spPr>
+                </p:cxnSp>
+                <p:sp>
+                  <p:nvSpPr>
+                    <p:cNvPr id="80" name="Ellipse 79"/>
+                    <p:cNvSpPr/>
+                    <p:nvPr/>
+                  </p:nvSpPr>
+                  <p:spPr>
+                    <a:xfrm>
+                      <a:off x="4211631" y="2816936"/>
+                      <a:ext cx="99148" cy="131833"/>
+                    </a:xfrm>
+                    <a:prstGeom prst="ellipse">
+                      <a:avLst/>
+                    </a:prstGeom>
+                    <a:solidFill>
+                      <a:schemeClr val="tx1"/>
+                    </a:solidFill>
+                    <a:ln w="25400" cap="flat" cmpd="sng" algn="ctr">
+                      <a:solidFill>
+                        <a:schemeClr val="tx1"/>
+                      </a:solidFill>
+                      <a:prstDash val="solid"/>
+                    </a:ln>
+                    <a:effectLst/>
+                  </p:spPr>
+                  <p:txBody>
+                    <a:bodyPr rtlCol="0" anchor="ctr"/>
+                    <a:lstStyle/>
+                    <a:p>
+                      <a:pPr marL="0" marR="0" lvl="0" indent="0" algn="ctr" defTabSz="914400" eaLnBrk="1" fontAlgn="base" latinLnBrk="0" hangingPunct="1">
+                        <a:lnSpc>
+                          <a:spcPct val="100000"/>
+                        </a:lnSpc>
+                        <a:spcBef>
+                          <a:spcPct val="0"/>
+                        </a:spcBef>
+                        <a:spcAft>
+                          <a:spcPct val="0"/>
+                        </a:spcAft>
+                        <a:buClrTx/>
+                        <a:buSzTx/>
+                        <a:buFontTx/>
+                        <a:buNone/>
+                        <a:tabLst/>
+                        <a:defRPr/>
+                      </a:pPr>
+                      <a:endParaRPr kumimoji="0" lang="fr-FR" sz="1000" b="0" i="0" u="none" strike="noStrike" kern="0" cap="none" spc="0" normalizeH="0" baseline="0" noProof="0" smtClean="0">
+                        <a:ln>
+                          <a:noFill/>
+                        </a:ln>
+                        <a:solidFill>
+                          <a:srgbClr val="FFFFFF"/>
+                        </a:solidFill>
+                        <a:effectLst/>
+                        <a:uLnTx/>
+                        <a:uFillTx/>
+                        <a:latin typeface="Calibri"/>
+                        <a:ea typeface="+mn-ea"/>
+                        <a:cs typeface="+mn-cs"/>
+                      </a:endParaRPr>
+                    </a:p>
+                  </p:txBody>
+                </p:sp>
+              </p:grpSp>
+              <p:sp>
+                <p:nvSpPr>
+                  <p:cNvPr id="82" name="Ellipse 81"/>
+                  <p:cNvSpPr/>
+                  <p:nvPr/>
+                </p:nvSpPr>
+                <p:spPr>
+                  <a:xfrm>
+                    <a:off x="5158953" y="4159153"/>
+                    <a:ext cx="161192" cy="127915"/>
+                  </a:xfrm>
+                  <a:prstGeom prst="ellipse">
+                    <a:avLst/>
+                  </a:prstGeom>
+                  <a:solidFill>
+                    <a:schemeClr val="tx1"/>
+                  </a:solidFill>
+                  <a:ln w="25400" cap="flat" cmpd="sng" algn="ctr">
+                    <a:solidFill>
+                      <a:schemeClr val="tx1"/>
+                    </a:solidFill>
+                    <a:prstDash val="solid"/>
+                  </a:ln>
+                  <a:effectLst/>
+                </p:spPr>
+                <p:txBody>
+                  <a:bodyPr rtlCol="0" anchor="ctr"/>
+                  <a:lstStyle/>
+                  <a:p>
+                    <a:pPr marL="0" marR="0" lvl="0" indent="0" algn="ctr" defTabSz="914400" eaLnBrk="1" fontAlgn="base" latinLnBrk="0" hangingPunct="1">
+                      <a:lnSpc>
+                        <a:spcPct val="100000"/>
+                      </a:lnSpc>
+                      <a:spcBef>
+                        <a:spcPct val="0"/>
+                      </a:spcBef>
+                      <a:spcAft>
+                        <a:spcPct val="0"/>
+                      </a:spcAft>
+                      <a:buClrTx/>
+                      <a:buSzTx/>
+                      <a:buFontTx/>
+                      <a:buNone/>
+                      <a:tabLst/>
+                      <a:defRPr/>
+                    </a:pPr>
+                    <a:endParaRPr kumimoji="0" lang="fr-FR" sz="1000" b="0" i="0" u="none" strike="noStrike" kern="0" cap="none" spc="0" normalizeH="0" baseline="0" noProof="0" smtClean="0">
+                      <a:ln>
+                        <a:noFill/>
+                      </a:ln>
+                      <a:solidFill>
+                        <a:srgbClr val="FFFFFF"/>
+                      </a:solidFill>
+                      <a:effectLst/>
+                      <a:uLnTx/>
+                      <a:uFillTx/>
+                      <a:latin typeface="Calibri"/>
+                      <a:ea typeface="+mn-ea"/>
+                      <a:cs typeface="+mn-cs"/>
+                    </a:endParaRPr>
+                  </a:p>
+                </p:txBody>
+              </p:sp>
+              <p:sp>
+                <p:nvSpPr>
+                  <p:cNvPr id="83" name="Ellipse 82"/>
+                  <p:cNvSpPr/>
+                  <p:nvPr/>
+                </p:nvSpPr>
+                <p:spPr>
+                  <a:xfrm>
+                    <a:off x="5150161" y="3790465"/>
+                    <a:ext cx="161192" cy="127915"/>
+                  </a:xfrm>
+                  <a:prstGeom prst="ellipse">
+                    <a:avLst/>
+                  </a:prstGeom>
+                  <a:solidFill>
+                    <a:schemeClr val="tx1"/>
+                  </a:solidFill>
+                  <a:ln w="25400" cap="flat" cmpd="sng" algn="ctr">
+                    <a:solidFill>
+                      <a:schemeClr val="tx1"/>
+                    </a:solidFill>
+                    <a:prstDash val="solid"/>
+                  </a:ln>
+                  <a:effectLst/>
+                </p:spPr>
+                <p:txBody>
+                  <a:bodyPr rtlCol="0" anchor="ctr"/>
+                  <a:lstStyle/>
+                  <a:p>
+                    <a:pPr marL="0" marR="0" lvl="0" indent="0" algn="ctr" defTabSz="914400" eaLnBrk="1" fontAlgn="base" latinLnBrk="0" hangingPunct="1">
+                      <a:lnSpc>
+                        <a:spcPct val="100000"/>
+                      </a:lnSpc>
+                      <a:spcBef>
+                        <a:spcPct val="0"/>
+                      </a:spcBef>
+                      <a:spcAft>
+                        <a:spcPct val="0"/>
+                      </a:spcAft>
+                      <a:buClrTx/>
+                      <a:buSzTx/>
+                      <a:buFontTx/>
+                      <a:buNone/>
+                      <a:tabLst/>
+                      <a:defRPr/>
+                    </a:pPr>
+                    <a:endParaRPr kumimoji="0" lang="fr-FR" sz="1000" b="0" i="0" u="none" strike="noStrike" kern="0" cap="none" spc="0" normalizeH="0" baseline="0" noProof="0" smtClean="0">
+                      <a:ln>
+                        <a:noFill/>
+                      </a:ln>
+                      <a:solidFill>
+                        <a:srgbClr val="FFFFFF"/>
+                      </a:solidFill>
+                      <a:effectLst/>
+                      <a:uLnTx/>
+                      <a:uFillTx/>
+                      <a:latin typeface="Calibri"/>
+                      <a:ea typeface="+mn-ea"/>
+                      <a:cs typeface="+mn-cs"/>
+                    </a:endParaRPr>
+                  </a:p>
+                </p:txBody>
+              </p:sp>
+              <p:sp>
+                <p:nvSpPr>
+                  <p:cNvPr id="84" name="Ellipse 83"/>
+                  <p:cNvSpPr/>
+                  <p:nvPr/>
+                </p:nvSpPr>
+                <p:spPr>
+                  <a:xfrm>
+                    <a:off x="5158953" y="1203827"/>
+                    <a:ext cx="161192" cy="127915"/>
+                  </a:xfrm>
+                  <a:prstGeom prst="ellipse">
+                    <a:avLst/>
+                  </a:prstGeom>
+                  <a:solidFill>
+                    <a:schemeClr val="tx1"/>
+                  </a:solidFill>
+                  <a:ln w="25400" cap="flat" cmpd="sng" algn="ctr">
+                    <a:solidFill>
+                      <a:schemeClr val="tx1"/>
+                    </a:solidFill>
+                    <a:prstDash val="solid"/>
+                  </a:ln>
+                  <a:effectLst/>
+                </p:spPr>
+                <p:txBody>
+                  <a:bodyPr rtlCol="0" anchor="ctr"/>
+                  <a:lstStyle/>
+                  <a:p>
+                    <a:pPr marL="0" marR="0" lvl="0" indent="0" algn="ctr" defTabSz="914400" eaLnBrk="1" fontAlgn="base" latinLnBrk="0" hangingPunct="1">
+                      <a:lnSpc>
+                        <a:spcPct val="100000"/>
+                      </a:lnSpc>
+                      <a:spcBef>
+                        <a:spcPct val="0"/>
+                      </a:spcBef>
+                      <a:spcAft>
+                        <a:spcPct val="0"/>
+                      </a:spcAft>
+                      <a:buClrTx/>
+                      <a:buSzTx/>
+                      <a:buFontTx/>
+                      <a:buNone/>
+                      <a:tabLst/>
+                      <a:defRPr/>
+                    </a:pPr>
+                    <a:endParaRPr kumimoji="0" lang="fr-FR" sz="1000" b="0" i="0" u="none" strike="noStrike" kern="0" cap="none" spc="0" normalizeH="0" baseline="0" noProof="0" smtClean="0">
+                      <a:ln>
+                        <a:noFill/>
+                      </a:ln>
+                      <a:solidFill>
+                        <a:srgbClr val="FFFFFF"/>
+                      </a:solidFill>
+                      <a:effectLst/>
+                      <a:uLnTx/>
+                      <a:uFillTx/>
+                      <a:latin typeface="Calibri"/>
+                      <a:ea typeface="+mn-ea"/>
+                      <a:cs typeface="+mn-cs"/>
+                    </a:endParaRPr>
+                  </a:p>
+                </p:txBody>
+              </p:sp>
+              <p:sp>
+                <p:nvSpPr>
+                  <p:cNvPr id="85" name="Ellipse 84"/>
+                  <p:cNvSpPr/>
+                  <p:nvPr/>
+                </p:nvSpPr>
+                <p:spPr>
+                  <a:xfrm>
+                    <a:off x="5158953" y="3146210"/>
+                    <a:ext cx="161192" cy="127915"/>
+                  </a:xfrm>
+                  <a:prstGeom prst="ellipse">
+                    <a:avLst/>
+                  </a:prstGeom>
+                  <a:solidFill>
+                    <a:schemeClr val="tx1"/>
+                  </a:solidFill>
+                  <a:ln w="25400" cap="flat" cmpd="sng" algn="ctr">
+                    <a:solidFill>
+                      <a:schemeClr val="tx1"/>
+                    </a:solidFill>
+                    <a:prstDash val="solid"/>
+                  </a:ln>
+                  <a:effectLst/>
+                </p:spPr>
+                <p:txBody>
+                  <a:bodyPr rtlCol="0" anchor="ctr"/>
+                  <a:lstStyle/>
+                  <a:p>
+                    <a:pPr marL="0" marR="0" lvl="0" indent="0" algn="ctr" defTabSz="914400" eaLnBrk="1" fontAlgn="base" latinLnBrk="0" hangingPunct="1">
+                      <a:lnSpc>
+                        <a:spcPct val="100000"/>
+                      </a:lnSpc>
+                      <a:spcBef>
+                        <a:spcPct val="0"/>
+                      </a:spcBef>
+                      <a:spcAft>
+                        <a:spcPct val="0"/>
+                      </a:spcAft>
+                      <a:buClrTx/>
+                      <a:buSzTx/>
+                      <a:buFontTx/>
+                      <a:buNone/>
+                      <a:tabLst/>
+                      <a:defRPr/>
+                    </a:pPr>
+                    <a:endParaRPr kumimoji="0" lang="fr-FR" sz="1000" b="0" i="0" u="none" strike="noStrike" kern="0" cap="none" spc="0" normalizeH="0" baseline="0" noProof="0" smtClean="0">
+                      <a:ln>
+                        <a:noFill/>
+                      </a:ln>
+                      <a:solidFill>
+                        <a:srgbClr val="FFFFFF"/>
+                      </a:solidFill>
+                      <a:effectLst/>
+                      <a:uLnTx/>
+                      <a:uFillTx/>
+                      <a:latin typeface="Calibri"/>
+                      <a:ea typeface="+mn-ea"/>
+                      <a:cs typeface="+mn-cs"/>
+                    </a:endParaRPr>
+                  </a:p>
+                </p:txBody>
+              </p:sp>
+              <p:sp>
+                <p:nvSpPr>
+                  <p:cNvPr id="86" name="Ellipse 85"/>
+                  <p:cNvSpPr/>
+                  <p:nvPr/>
+                </p:nvSpPr>
+                <p:spPr>
+                  <a:xfrm>
+                    <a:off x="5158953" y="1889945"/>
+                    <a:ext cx="161192" cy="127915"/>
+                  </a:xfrm>
+                  <a:prstGeom prst="ellipse">
+                    <a:avLst/>
+                  </a:prstGeom>
+                  <a:solidFill>
+                    <a:schemeClr val="tx1"/>
+                  </a:solidFill>
+                  <a:ln w="25400" cap="flat" cmpd="sng" algn="ctr">
+                    <a:solidFill>
+                      <a:schemeClr val="tx1"/>
+                    </a:solidFill>
+                    <a:prstDash val="solid"/>
+                  </a:ln>
+                  <a:effectLst/>
+                </p:spPr>
+                <p:txBody>
+                  <a:bodyPr rtlCol="0" anchor="ctr"/>
+                  <a:lstStyle/>
+                  <a:p>
+                    <a:pPr marL="0" marR="0" lvl="0" indent="0" algn="ctr" defTabSz="914400" eaLnBrk="1" fontAlgn="base" latinLnBrk="0" hangingPunct="1">
+                      <a:lnSpc>
+                        <a:spcPct val="100000"/>
+                      </a:lnSpc>
+                      <a:spcBef>
+                        <a:spcPct val="0"/>
+                      </a:spcBef>
+                      <a:spcAft>
+                        <a:spcPct val="0"/>
+                      </a:spcAft>
+                      <a:buClrTx/>
+                      <a:buSzTx/>
+                      <a:buFontTx/>
+                      <a:buNone/>
+                      <a:tabLst/>
+                      <a:defRPr/>
+                    </a:pPr>
+                    <a:endParaRPr kumimoji="0" lang="fr-FR" sz="1000" b="0" i="0" u="none" strike="noStrike" kern="0" cap="none" spc="0" normalizeH="0" baseline="0" noProof="0" smtClean="0">
+                      <a:ln>
+                        <a:noFill/>
+                      </a:ln>
+                      <a:solidFill>
+                        <a:srgbClr val="FFFFFF"/>
+                      </a:solidFill>
+                      <a:effectLst/>
+                      <a:uLnTx/>
+                      <a:uFillTx/>
+                      <a:latin typeface="Calibri"/>
+                      <a:ea typeface="+mn-ea"/>
+                      <a:cs typeface="+mn-cs"/>
+                    </a:endParaRPr>
+                  </a:p>
+                </p:txBody>
+              </p:sp>
+            </p:grpSp>
+          </p:grpSp>
+          <p:grpSp>
+            <p:nvGrpSpPr>
+              <p:cNvPr id="98" name="Groupe 97"/>
+              <p:cNvGrpSpPr/>
+              <p:nvPr/>
+            </p:nvGrpSpPr>
+            <p:grpSpPr>
+              <a:xfrm>
+                <a:off x="6196500" y="865433"/>
+                <a:ext cx="172439" cy="3400218"/>
+                <a:chOff x="5150161" y="886850"/>
+                <a:chExt cx="172439" cy="3400218"/>
+              </a:xfrm>
+            </p:grpSpPr>
+            <p:sp>
+              <p:nvSpPr>
+                <p:cNvPr id="99" name="Ellipse 98"/>
+                <p:cNvSpPr/>
+                <p:nvPr/>
+              </p:nvSpPr>
+              <p:spPr>
+                <a:xfrm>
+                  <a:off x="5154670" y="886850"/>
+                  <a:ext cx="161192" cy="127915"/>
+                </a:xfrm>
+                <a:prstGeom prst="ellipse">
+                  <a:avLst/>
+                </a:prstGeom>
+                <a:solidFill>
+                  <a:schemeClr val="tx1"/>
+                </a:solidFill>
+                <a:ln w="25400" cap="flat" cmpd="sng" algn="ctr">
+                  <a:solidFill>
+                    <a:schemeClr val="tx1"/>
+                  </a:solidFill>
+                  <a:prstDash val="solid"/>
+                </a:ln>
+                <a:effectLst/>
+              </p:spPr>
+              <p:txBody>
+                <a:bodyPr rtlCol="0" anchor="ctr"/>
+                <a:lstStyle/>
+                <a:p>
+                  <a:pPr marL="0" marR="0" lvl="0" indent="0" algn="ctr" defTabSz="914400" eaLnBrk="1" fontAlgn="base" latinLnBrk="0" hangingPunct="1">
+                    <a:lnSpc>
+                      <a:spcPct val="100000"/>
+                    </a:lnSpc>
+                    <a:spcBef>
+                      <a:spcPct val="0"/>
+                    </a:spcBef>
+                    <a:spcAft>
+                      <a:spcPct val="0"/>
+                    </a:spcAft>
+                    <a:buClrTx/>
+                    <a:buSzTx/>
+                    <a:buFontTx/>
+                    <a:buNone/>
+                    <a:tabLst/>
+                    <a:defRPr/>
+                  </a:pPr>
+                  <a:endParaRPr kumimoji="0" lang="fr-FR" sz="1000" b="0" i="0" u="none" strike="noStrike" kern="0" cap="none" spc="0" normalizeH="0" baseline="0" noProof="0" smtClean="0">
+                    <a:ln>
+                      <a:noFill/>
+                    </a:ln>
+                    <a:solidFill>
+                      <a:srgbClr val="FFFFFF"/>
+                    </a:solidFill>
+                    <a:effectLst/>
+                    <a:uLnTx/>
+                    <a:uFillTx/>
+                    <a:latin typeface="Calibri"/>
+                    <a:ea typeface="+mn-ea"/>
+                    <a:cs typeface="+mn-cs"/>
+                  </a:endParaRPr>
+                </a:p>
+              </p:txBody>
+            </p:sp>
+            <p:grpSp>
+              <p:nvGrpSpPr>
+                <p:cNvPr id="100" name="Groupe 99"/>
+                <p:cNvGrpSpPr/>
+                <p:nvPr/>
+              </p:nvGrpSpPr>
+              <p:grpSpPr>
+                <a:xfrm>
+                  <a:off x="5150161" y="1000289"/>
+                  <a:ext cx="172439" cy="3286779"/>
+                  <a:chOff x="5150161" y="1000289"/>
+                  <a:chExt cx="172439" cy="3286779"/>
+                </a:xfrm>
+              </p:grpSpPr>
+              <p:grpSp>
+                <p:nvGrpSpPr>
+                  <p:cNvPr id="101" name="Groupe 100"/>
+                  <p:cNvGrpSpPr/>
+                  <p:nvPr/>
+                </p:nvGrpSpPr>
+                <p:grpSpPr>
+                  <a:xfrm>
+                    <a:off x="5161408" y="1000289"/>
+                    <a:ext cx="161192" cy="3187197"/>
+                    <a:chOff x="4211631" y="1311301"/>
+                    <a:chExt cx="99148" cy="3284829"/>
+                  </a:xfrm>
+                </p:grpSpPr>
+                <p:cxnSp>
+                  <p:nvCxnSpPr>
+                    <p:cNvPr id="107" name="Connecteur droit 106"/>
+                    <p:cNvCxnSpPr/>
+                    <p:nvPr/>
+                  </p:nvCxnSpPr>
+                  <p:spPr>
+                    <a:xfrm>
+                      <a:off x="4261205" y="1311301"/>
+                      <a:ext cx="0" cy="3284829"/>
+                    </a:xfrm>
+                    <a:prstGeom prst="line">
+                      <a:avLst/>
+                    </a:prstGeom>
+                    <a:noFill/>
+                    <a:ln w="19050" cap="flat" cmpd="sng" algn="ctr">
+                      <a:solidFill>
+                        <a:srgbClr val="023971">
+                          <a:shade val="95000"/>
+                          <a:satMod val="105000"/>
+                        </a:srgbClr>
+                      </a:solidFill>
+                      <a:prstDash val="dash"/>
+                    </a:ln>
+                    <a:effectLst/>
+                  </p:spPr>
+                </p:cxnSp>
+                <p:sp>
+                  <p:nvSpPr>
+                    <p:cNvPr id="108" name="Ellipse 107"/>
+                    <p:cNvSpPr/>
+                    <p:nvPr/>
+                  </p:nvSpPr>
+                  <p:spPr>
+                    <a:xfrm>
+                      <a:off x="4211631" y="2816936"/>
+                      <a:ext cx="99148" cy="131833"/>
+                    </a:xfrm>
+                    <a:prstGeom prst="ellipse">
+                      <a:avLst/>
+                    </a:prstGeom>
+                    <a:solidFill>
+                      <a:schemeClr val="tx1"/>
+                    </a:solidFill>
+                    <a:ln w="25400" cap="flat" cmpd="sng" algn="ctr">
+                      <a:solidFill>
+                        <a:schemeClr val="tx1"/>
+                      </a:solidFill>
+                      <a:prstDash val="solid"/>
+                    </a:ln>
+                    <a:effectLst/>
+                  </p:spPr>
+                  <p:txBody>
+                    <a:bodyPr rtlCol="0" anchor="ctr"/>
+                    <a:lstStyle/>
+                    <a:p>
+                      <a:pPr marL="0" marR="0" lvl="0" indent="0" algn="ctr" defTabSz="914400" eaLnBrk="1" fontAlgn="base" latinLnBrk="0" hangingPunct="1">
+                        <a:lnSpc>
+                          <a:spcPct val="100000"/>
+                        </a:lnSpc>
+                        <a:spcBef>
+                          <a:spcPct val="0"/>
+                        </a:spcBef>
+                        <a:spcAft>
+                          <a:spcPct val="0"/>
+                        </a:spcAft>
+                        <a:buClrTx/>
+                        <a:buSzTx/>
+                        <a:buFontTx/>
+                        <a:buNone/>
+                        <a:tabLst/>
+                        <a:defRPr/>
+                      </a:pPr>
+                      <a:endParaRPr kumimoji="0" lang="fr-FR" sz="1000" b="0" i="0" u="none" strike="noStrike" kern="0" cap="none" spc="0" normalizeH="0" baseline="0" noProof="0" smtClean="0">
+                        <a:ln>
+                          <a:noFill/>
+                        </a:ln>
+                        <a:solidFill>
+                          <a:srgbClr val="FFFFFF"/>
+                        </a:solidFill>
+                        <a:effectLst/>
+                        <a:uLnTx/>
+                        <a:uFillTx/>
+                        <a:latin typeface="Calibri"/>
+                        <a:ea typeface="+mn-ea"/>
+                        <a:cs typeface="+mn-cs"/>
+                      </a:endParaRPr>
+                    </a:p>
+                  </p:txBody>
+                </p:sp>
+              </p:grpSp>
+              <p:sp>
+                <p:nvSpPr>
+                  <p:cNvPr id="102" name="Ellipse 101"/>
+                  <p:cNvSpPr/>
+                  <p:nvPr/>
+                </p:nvSpPr>
+                <p:spPr>
+                  <a:xfrm>
+                    <a:off x="5158953" y="4159153"/>
+                    <a:ext cx="161192" cy="127915"/>
+                  </a:xfrm>
+                  <a:prstGeom prst="ellipse">
+                    <a:avLst/>
+                  </a:prstGeom>
+                  <a:solidFill>
+                    <a:schemeClr val="tx1"/>
+                  </a:solidFill>
+                  <a:ln w="25400" cap="flat" cmpd="sng" algn="ctr">
+                    <a:solidFill>
+                      <a:schemeClr val="tx1"/>
+                    </a:solidFill>
+                    <a:prstDash val="solid"/>
+                  </a:ln>
+                  <a:effectLst/>
+                </p:spPr>
+                <p:txBody>
+                  <a:bodyPr rtlCol="0" anchor="ctr"/>
+                  <a:lstStyle/>
+                  <a:p>
+                    <a:pPr marL="0" marR="0" lvl="0" indent="0" algn="ctr" defTabSz="914400" eaLnBrk="1" fontAlgn="base" latinLnBrk="0" hangingPunct="1">
+                      <a:lnSpc>
+                        <a:spcPct val="100000"/>
+                      </a:lnSpc>
+                      <a:spcBef>
+                        <a:spcPct val="0"/>
+                      </a:spcBef>
+                      <a:spcAft>
+                        <a:spcPct val="0"/>
+                      </a:spcAft>
+                      <a:buClrTx/>
+                      <a:buSzTx/>
+                      <a:buFontTx/>
+                      <a:buNone/>
+                      <a:tabLst/>
+                      <a:defRPr/>
+                    </a:pPr>
+                    <a:endParaRPr kumimoji="0" lang="fr-FR" sz="1000" b="0" i="0" u="none" strike="noStrike" kern="0" cap="none" spc="0" normalizeH="0" baseline="0" noProof="0" smtClean="0">
+                      <a:ln>
+                        <a:noFill/>
+                      </a:ln>
+                      <a:solidFill>
+                        <a:srgbClr val="FFFFFF"/>
+                      </a:solidFill>
+                      <a:effectLst/>
+                      <a:uLnTx/>
+                      <a:uFillTx/>
+                      <a:latin typeface="Calibri"/>
+                      <a:ea typeface="+mn-ea"/>
+                      <a:cs typeface="+mn-cs"/>
+                    </a:endParaRPr>
+                  </a:p>
+                </p:txBody>
+              </p:sp>
+              <p:sp>
+                <p:nvSpPr>
+                  <p:cNvPr id="103" name="Ellipse 102"/>
+                  <p:cNvSpPr/>
+                  <p:nvPr/>
+                </p:nvSpPr>
+                <p:spPr>
+                  <a:xfrm>
+                    <a:off x="5150161" y="3790465"/>
+                    <a:ext cx="161192" cy="127915"/>
+                  </a:xfrm>
+                  <a:prstGeom prst="ellipse">
+                    <a:avLst/>
+                  </a:prstGeom>
+                  <a:solidFill>
+                    <a:schemeClr val="tx1"/>
+                  </a:solidFill>
+                  <a:ln w="25400" cap="flat" cmpd="sng" algn="ctr">
+                    <a:solidFill>
+                      <a:schemeClr val="tx1"/>
+                    </a:solidFill>
+                    <a:prstDash val="solid"/>
+                  </a:ln>
+                  <a:effectLst/>
+                </p:spPr>
+                <p:txBody>
+                  <a:bodyPr rtlCol="0" anchor="ctr"/>
+                  <a:lstStyle/>
+                  <a:p>
+                    <a:pPr marL="0" marR="0" lvl="0" indent="0" algn="ctr" defTabSz="914400" eaLnBrk="1" fontAlgn="base" latinLnBrk="0" hangingPunct="1">
+                      <a:lnSpc>
+                        <a:spcPct val="100000"/>
+                      </a:lnSpc>
+                      <a:spcBef>
+                        <a:spcPct val="0"/>
+                      </a:spcBef>
+                      <a:spcAft>
+                        <a:spcPct val="0"/>
+                      </a:spcAft>
+                      <a:buClrTx/>
+                      <a:buSzTx/>
+                      <a:buFontTx/>
+                      <a:buNone/>
+                      <a:tabLst/>
+                      <a:defRPr/>
+                    </a:pPr>
+                    <a:endParaRPr kumimoji="0" lang="fr-FR" sz="1000" b="0" i="0" u="none" strike="noStrike" kern="0" cap="none" spc="0" normalizeH="0" baseline="0" noProof="0" smtClean="0">
+                      <a:ln>
+                        <a:noFill/>
+                      </a:ln>
+                      <a:solidFill>
+                        <a:srgbClr val="FFFFFF"/>
+                      </a:solidFill>
+                      <a:effectLst/>
+                      <a:uLnTx/>
+                      <a:uFillTx/>
+                      <a:latin typeface="Calibri"/>
+                      <a:ea typeface="+mn-ea"/>
+                      <a:cs typeface="+mn-cs"/>
+                    </a:endParaRPr>
+                  </a:p>
+                </p:txBody>
+              </p:sp>
+              <p:sp>
+                <p:nvSpPr>
+                  <p:cNvPr id="104" name="Ellipse 103"/>
+                  <p:cNvSpPr/>
+                  <p:nvPr/>
+                </p:nvSpPr>
+                <p:spPr>
+                  <a:xfrm>
+                    <a:off x="5158953" y="1203827"/>
+                    <a:ext cx="161192" cy="127915"/>
+                  </a:xfrm>
+                  <a:prstGeom prst="ellipse">
+                    <a:avLst/>
+                  </a:prstGeom>
+                  <a:solidFill>
+                    <a:schemeClr val="tx1"/>
+                  </a:solidFill>
+                  <a:ln w="25400" cap="flat" cmpd="sng" algn="ctr">
+                    <a:solidFill>
+                      <a:schemeClr val="tx1"/>
+                    </a:solidFill>
+                    <a:prstDash val="solid"/>
+                  </a:ln>
+                  <a:effectLst/>
+                </p:spPr>
+                <p:txBody>
+                  <a:bodyPr rtlCol="0" anchor="ctr"/>
+                  <a:lstStyle/>
+                  <a:p>
+                    <a:pPr marL="0" marR="0" lvl="0" indent="0" algn="ctr" defTabSz="914400" eaLnBrk="1" fontAlgn="base" latinLnBrk="0" hangingPunct="1">
+                      <a:lnSpc>
+                        <a:spcPct val="100000"/>
+                      </a:lnSpc>
+                      <a:spcBef>
+                        <a:spcPct val="0"/>
+                      </a:spcBef>
+                      <a:spcAft>
+                        <a:spcPct val="0"/>
+                      </a:spcAft>
+                      <a:buClrTx/>
+                      <a:buSzTx/>
+                      <a:buFontTx/>
+                      <a:buNone/>
+                      <a:tabLst/>
+                      <a:defRPr/>
+                    </a:pPr>
+                    <a:endParaRPr kumimoji="0" lang="fr-FR" sz="1000" b="0" i="0" u="none" strike="noStrike" kern="0" cap="none" spc="0" normalizeH="0" baseline="0" noProof="0" smtClean="0">
+                      <a:ln>
+                        <a:noFill/>
+                      </a:ln>
+                      <a:solidFill>
+                        <a:srgbClr val="FFFFFF"/>
+                      </a:solidFill>
+                      <a:effectLst/>
+                      <a:uLnTx/>
+                      <a:uFillTx/>
+                      <a:latin typeface="Calibri"/>
+                      <a:ea typeface="+mn-ea"/>
+                      <a:cs typeface="+mn-cs"/>
+                    </a:endParaRPr>
+                  </a:p>
+                </p:txBody>
+              </p:sp>
+              <p:sp>
+                <p:nvSpPr>
+                  <p:cNvPr id="105" name="Ellipse 104"/>
+                  <p:cNvSpPr/>
+                  <p:nvPr/>
+                </p:nvSpPr>
+                <p:spPr>
+                  <a:xfrm>
+                    <a:off x="5158953" y="3146210"/>
+                    <a:ext cx="161192" cy="127915"/>
+                  </a:xfrm>
+                  <a:prstGeom prst="ellipse">
+                    <a:avLst/>
+                  </a:prstGeom>
+                  <a:solidFill>
+                    <a:schemeClr val="tx1"/>
+                  </a:solidFill>
+                  <a:ln w="25400" cap="flat" cmpd="sng" algn="ctr">
+                    <a:solidFill>
+                      <a:schemeClr val="tx1"/>
+                    </a:solidFill>
+                    <a:prstDash val="solid"/>
+                  </a:ln>
+                  <a:effectLst/>
+                </p:spPr>
+                <p:txBody>
+                  <a:bodyPr rtlCol="0" anchor="ctr"/>
+                  <a:lstStyle/>
+                  <a:p>
+                    <a:pPr marL="0" marR="0" lvl="0" indent="0" algn="ctr" defTabSz="914400" eaLnBrk="1" fontAlgn="base" latinLnBrk="0" hangingPunct="1">
+                      <a:lnSpc>
+                        <a:spcPct val="100000"/>
+                      </a:lnSpc>
+                      <a:spcBef>
+                        <a:spcPct val="0"/>
+                      </a:spcBef>
+                      <a:spcAft>
+                        <a:spcPct val="0"/>
+                      </a:spcAft>
+                      <a:buClrTx/>
+                      <a:buSzTx/>
+                      <a:buFontTx/>
+                      <a:buNone/>
+                      <a:tabLst/>
+                      <a:defRPr/>
+                    </a:pPr>
+                    <a:endParaRPr kumimoji="0" lang="fr-FR" sz="1000" b="0" i="0" u="none" strike="noStrike" kern="0" cap="none" spc="0" normalizeH="0" baseline="0" noProof="0" smtClean="0">
+                      <a:ln>
+                        <a:noFill/>
+                      </a:ln>
+                      <a:solidFill>
+                        <a:srgbClr val="FFFFFF"/>
+                      </a:solidFill>
+                      <a:effectLst/>
+                      <a:uLnTx/>
+                      <a:uFillTx/>
+                      <a:latin typeface="Calibri"/>
+                      <a:ea typeface="+mn-ea"/>
+                      <a:cs typeface="+mn-cs"/>
+                    </a:endParaRPr>
+                  </a:p>
+                </p:txBody>
+              </p:sp>
+              <p:sp>
+                <p:nvSpPr>
+                  <p:cNvPr id="106" name="Ellipse 105"/>
+                  <p:cNvSpPr/>
+                  <p:nvPr/>
+                </p:nvSpPr>
+                <p:spPr>
+                  <a:xfrm>
+                    <a:off x="5158953" y="1889945"/>
+                    <a:ext cx="161192" cy="127915"/>
+                  </a:xfrm>
+                  <a:prstGeom prst="ellipse">
+                    <a:avLst/>
+                  </a:prstGeom>
+                  <a:solidFill>
+                    <a:schemeClr val="tx1"/>
+                  </a:solidFill>
+                  <a:ln w="25400" cap="flat" cmpd="sng" algn="ctr">
+                    <a:solidFill>
+                      <a:schemeClr val="tx1"/>
+                    </a:solidFill>
+                    <a:prstDash val="solid"/>
+                  </a:ln>
+                  <a:effectLst/>
+                </p:spPr>
+                <p:txBody>
+                  <a:bodyPr rtlCol="0" anchor="ctr"/>
+                  <a:lstStyle/>
+                  <a:p>
+                    <a:pPr marL="0" marR="0" lvl="0" indent="0" algn="ctr" defTabSz="914400" eaLnBrk="1" fontAlgn="base" latinLnBrk="0" hangingPunct="1">
+                      <a:lnSpc>
+                        <a:spcPct val="100000"/>
+                      </a:lnSpc>
+                      <a:spcBef>
+                        <a:spcPct val="0"/>
+                      </a:spcBef>
+                      <a:spcAft>
+                        <a:spcPct val="0"/>
+                      </a:spcAft>
+                      <a:buClrTx/>
+                      <a:buSzTx/>
+                      <a:buFontTx/>
+                      <a:buNone/>
+                      <a:tabLst/>
+                      <a:defRPr/>
+                    </a:pPr>
+                    <a:endParaRPr kumimoji="0" lang="fr-FR" sz="1000" b="0" i="0" u="none" strike="noStrike" kern="0" cap="none" spc="0" normalizeH="0" baseline="0" noProof="0" smtClean="0">
+                      <a:ln>
+                        <a:noFill/>
+                      </a:ln>
+                      <a:solidFill>
+                        <a:srgbClr val="FFFFFF"/>
+                      </a:solidFill>
+                      <a:effectLst/>
+                      <a:uLnTx/>
+                      <a:uFillTx/>
+                      <a:latin typeface="Calibri"/>
+                      <a:ea typeface="+mn-ea"/>
+                      <a:cs typeface="+mn-cs"/>
+                    </a:endParaRPr>
+                  </a:p>
+                </p:txBody>
+              </p:sp>
+            </p:grpSp>
+          </p:grpSp>
+          <p:grpSp>
+            <p:nvGrpSpPr>
+              <p:cNvPr id="109" name="Groupe 108"/>
+              <p:cNvGrpSpPr/>
+              <p:nvPr/>
+            </p:nvGrpSpPr>
+            <p:grpSpPr>
+              <a:xfrm>
+                <a:off x="4131760" y="872361"/>
+                <a:ext cx="172439" cy="3400218"/>
+                <a:chOff x="5150161" y="886850"/>
+                <a:chExt cx="172439" cy="3400218"/>
+              </a:xfrm>
+            </p:grpSpPr>
+            <p:sp>
+              <p:nvSpPr>
+                <p:cNvPr id="110" name="Ellipse 109"/>
+                <p:cNvSpPr/>
+                <p:nvPr/>
+              </p:nvSpPr>
+              <p:spPr>
+                <a:xfrm>
+                  <a:off x="5154670" y="886850"/>
+                  <a:ext cx="161192" cy="127915"/>
+                </a:xfrm>
+                <a:prstGeom prst="ellipse">
+                  <a:avLst/>
+                </a:prstGeom>
+                <a:solidFill>
+                  <a:schemeClr val="tx1"/>
+                </a:solidFill>
+                <a:ln w="25400" cap="flat" cmpd="sng" algn="ctr">
+                  <a:solidFill>
+                    <a:schemeClr val="tx1"/>
+                  </a:solidFill>
+                  <a:prstDash val="solid"/>
+                </a:ln>
+                <a:effectLst/>
+              </p:spPr>
+              <p:txBody>
+                <a:bodyPr rtlCol="0" anchor="ctr"/>
+                <a:lstStyle/>
+                <a:p>
+                  <a:pPr marL="0" marR="0" lvl="0" indent="0" algn="ctr" defTabSz="914400" eaLnBrk="1" fontAlgn="base" latinLnBrk="0" hangingPunct="1">
+                    <a:lnSpc>
+                      <a:spcPct val="100000"/>
+                    </a:lnSpc>
+                    <a:spcBef>
+                      <a:spcPct val="0"/>
+                    </a:spcBef>
+                    <a:spcAft>
+                      <a:spcPct val="0"/>
+                    </a:spcAft>
+                    <a:buClrTx/>
+                    <a:buSzTx/>
+                    <a:buFontTx/>
+                    <a:buNone/>
+                    <a:tabLst/>
+                    <a:defRPr/>
+                  </a:pPr>
+                  <a:endParaRPr kumimoji="0" lang="fr-FR" sz="1000" b="0" i="0" u="none" strike="noStrike" kern="0" cap="none" spc="0" normalizeH="0" baseline="0" noProof="0" smtClean="0">
+                    <a:ln>
+                      <a:noFill/>
+                    </a:ln>
+                    <a:solidFill>
+                      <a:srgbClr val="FFFFFF"/>
+                    </a:solidFill>
+                    <a:effectLst/>
+                    <a:uLnTx/>
+                    <a:uFillTx/>
+                    <a:latin typeface="Calibri"/>
+                    <a:ea typeface="+mn-ea"/>
+                    <a:cs typeface="+mn-cs"/>
+                  </a:endParaRPr>
+                </a:p>
+              </p:txBody>
+            </p:sp>
+            <p:grpSp>
+              <p:nvGrpSpPr>
+                <p:cNvPr id="111" name="Groupe 110"/>
+                <p:cNvGrpSpPr/>
+                <p:nvPr/>
+              </p:nvGrpSpPr>
+              <p:grpSpPr>
+                <a:xfrm>
+                  <a:off x="5150161" y="1000289"/>
+                  <a:ext cx="172439" cy="3286779"/>
+                  <a:chOff x="5150161" y="1000289"/>
+                  <a:chExt cx="172439" cy="3286779"/>
+                </a:xfrm>
+              </p:grpSpPr>
+              <p:grpSp>
+                <p:nvGrpSpPr>
+                  <p:cNvPr id="112" name="Groupe 111"/>
+                  <p:cNvGrpSpPr/>
+                  <p:nvPr/>
+                </p:nvGrpSpPr>
+                <p:grpSpPr>
+                  <a:xfrm>
+                    <a:off x="5161408" y="1000289"/>
+                    <a:ext cx="161192" cy="3187197"/>
+                    <a:chOff x="4211631" y="1311301"/>
+                    <a:chExt cx="99148" cy="3284829"/>
+                  </a:xfrm>
+                </p:grpSpPr>
+                <p:cxnSp>
+                  <p:nvCxnSpPr>
+                    <p:cNvPr id="118" name="Connecteur droit 117"/>
+                    <p:cNvCxnSpPr/>
+                    <p:nvPr/>
+                  </p:nvCxnSpPr>
+                  <p:spPr>
+                    <a:xfrm>
+                      <a:off x="4261205" y="1311301"/>
+                      <a:ext cx="0" cy="3284829"/>
+                    </a:xfrm>
+                    <a:prstGeom prst="line">
+                      <a:avLst/>
+                    </a:prstGeom>
+                    <a:noFill/>
+                    <a:ln w="19050" cap="flat" cmpd="sng" algn="ctr">
+                      <a:solidFill>
+                        <a:srgbClr val="023971">
+                          <a:shade val="95000"/>
+                          <a:satMod val="105000"/>
+                        </a:srgbClr>
+                      </a:solidFill>
+                      <a:prstDash val="dash"/>
+                    </a:ln>
+                    <a:effectLst/>
+                  </p:spPr>
+                </p:cxnSp>
+                <p:sp>
+                  <p:nvSpPr>
+                    <p:cNvPr id="119" name="Ellipse 118"/>
+                    <p:cNvSpPr/>
+                    <p:nvPr/>
+                  </p:nvSpPr>
+                  <p:spPr>
+                    <a:xfrm>
+                      <a:off x="4211631" y="2816936"/>
+                      <a:ext cx="99148" cy="131833"/>
+                    </a:xfrm>
+                    <a:prstGeom prst="ellipse">
+                      <a:avLst/>
+                    </a:prstGeom>
+                    <a:solidFill>
+                      <a:schemeClr val="tx1"/>
+                    </a:solidFill>
+                    <a:ln w="25400" cap="flat" cmpd="sng" algn="ctr">
+                      <a:solidFill>
+                        <a:schemeClr val="tx1"/>
+                      </a:solidFill>
+                      <a:prstDash val="solid"/>
+                    </a:ln>
+                    <a:effectLst/>
+                  </p:spPr>
+                  <p:txBody>
+                    <a:bodyPr rtlCol="0" anchor="ctr"/>
+                    <a:lstStyle/>
+                    <a:p>
+                      <a:pPr marL="0" marR="0" lvl="0" indent="0" algn="ctr" defTabSz="914400" eaLnBrk="1" fontAlgn="base" latinLnBrk="0" hangingPunct="1">
+                        <a:lnSpc>
+                          <a:spcPct val="100000"/>
+                        </a:lnSpc>
+                        <a:spcBef>
+                          <a:spcPct val="0"/>
+                        </a:spcBef>
+                        <a:spcAft>
+                          <a:spcPct val="0"/>
+                        </a:spcAft>
+                        <a:buClrTx/>
+                        <a:buSzTx/>
+                        <a:buFontTx/>
+                        <a:buNone/>
+                        <a:tabLst/>
+                        <a:defRPr/>
+                      </a:pPr>
+                      <a:endParaRPr kumimoji="0" lang="fr-FR" sz="1000" b="0" i="0" u="none" strike="noStrike" kern="0" cap="none" spc="0" normalizeH="0" baseline="0" noProof="0" smtClean="0">
+                        <a:ln>
+                          <a:noFill/>
+                        </a:ln>
+                        <a:solidFill>
+                          <a:srgbClr val="FFFFFF"/>
+                        </a:solidFill>
+                        <a:effectLst/>
+                        <a:uLnTx/>
+                        <a:uFillTx/>
+                        <a:latin typeface="Calibri"/>
+                        <a:ea typeface="+mn-ea"/>
+                        <a:cs typeface="+mn-cs"/>
+                      </a:endParaRPr>
+                    </a:p>
+                  </p:txBody>
+                </p:sp>
+              </p:grpSp>
+              <p:sp>
+                <p:nvSpPr>
+                  <p:cNvPr id="113" name="Ellipse 112"/>
+                  <p:cNvSpPr/>
+                  <p:nvPr/>
+                </p:nvSpPr>
+                <p:spPr>
+                  <a:xfrm>
+                    <a:off x="5158953" y="4159153"/>
+                    <a:ext cx="161192" cy="127915"/>
+                  </a:xfrm>
+                  <a:prstGeom prst="ellipse">
+                    <a:avLst/>
+                  </a:prstGeom>
+                  <a:solidFill>
+                    <a:schemeClr val="tx1"/>
+                  </a:solidFill>
+                  <a:ln w="25400" cap="flat" cmpd="sng" algn="ctr">
+                    <a:solidFill>
+                      <a:schemeClr val="tx1"/>
+                    </a:solidFill>
+                    <a:prstDash val="solid"/>
+                  </a:ln>
+                  <a:effectLst/>
+                </p:spPr>
+                <p:txBody>
+                  <a:bodyPr rtlCol="0" anchor="ctr"/>
+                  <a:lstStyle/>
+                  <a:p>
+                    <a:pPr marL="0" marR="0" lvl="0" indent="0" algn="ctr" defTabSz="914400" eaLnBrk="1" fontAlgn="base" latinLnBrk="0" hangingPunct="1">
+                      <a:lnSpc>
+                        <a:spcPct val="100000"/>
+                      </a:lnSpc>
+                      <a:spcBef>
+                        <a:spcPct val="0"/>
+                      </a:spcBef>
+                      <a:spcAft>
+                        <a:spcPct val="0"/>
+                      </a:spcAft>
+                      <a:buClrTx/>
+                      <a:buSzTx/>
+                      <a:buFontTx/>
+                      <a:buNone/>
+                      <a:tabLst/>
+                      <a:defRPr/>
+                    </a:pPr>
+                    <a:endParaRPr kumimoji="0" lang="fr-FR" sz="1000" b="0" i="0" u="none" strike="noStrike" kern="0" cap="none" spc="0" normalizeH="0" baseline="0" noProof="0" smtClean="0">
+                      <a:ln>
+                        <a:noFill/>
+                      </a:ln>
+                      <a:solidFill>
+                        <a:srgbClr val="FFFFFF"/>
+                      </a:solidFill>
+                      <a:effectLst/>
+                      <a:uLnTx/>
+                      <a:uFillTx/>
+                      <a:latin typeface="Calibri"/>
+                      <a:ea typeface="+mn-ea"/>
+                      <a:cs typeface="+mn-cs"/>
+                    </a:endParaRPr>
+                  </a:p>
+                </p:txBody>
+              </p:sp>
+              <p:sp>
+                <p:nvSpPr>
+                  <p:cNvPr id="114" name="Ellipse 113"/>
+                  <p:cNvSpPr/>
+                  <p:nvPr/>
+                </p:nvSpPr>
+                <p:spPr>
+                  <a:xfrm>
+                    <a:off x="5150161" y="3790465"/>
+                    <a:ext cx="161192" cy="127915"/>
+                  </a:xfrm>
+                  <a:prstGeom prst="ellipse">
+                    <a:avLst/>
+                  </a:prstGeom>
+                  <a:solidFill>
+                    <a:schemeClr val="tx1"/>
+                  </a:solidFill>
+                  <a:ln w="25400" cap="flat" cmpd="sng" algn="ctr">
+                    <a:solidFill>
+                      <a:schemeClr val="tx1"/>
+                    </a:solidFill>
+                    <a:prstDash val="solid"/>
+                  </a:ln>
+                  <a:effectLst/>
+                </p:spPr>
+                <p:txBody>
+                  <a:bodyPr rtlCol="0" anchor="ctr"/>
+                  <a:lstStyle/>
+                  <a:p>
+                    <a:pPr marL="0" marR="0" lvl="0" indent="0" algn="ctr" defTabSz="914400" eaLnBrk="1" fontAlgn="base" latinLnBrk="0" hangingPunct="1">
+                      <a:lnSpc>
+                        <a:spcPct val="100000"/>
+                      </a:lnSpc>
+                      <a:spcBef>
+                        <a:spcPct val="0"/>
+                      </a:spcBef>
+                      <a:spcAft>
+                        <a:spcPct val="0"/>
+                      </a:spcAft>
+                      <a:buClrTx/>
+                      <a:buSzTx/>
+                      <a:buFontTx/>
+                      <a:buNone/>
+                      <a:tabLst/>
+                      <a:defRPr/>
+                    </a:pPr>
+                    <a:endParaRPr kumimoji="0" lang="fr-FR" sz="1000" b="0" i="0" u="none" strike="noStrike" kern="0" cap="none" spc="0" normalizeH="0" baseline="0" noProof="0" smtClean="0">
+                      <a:ln>
+                        <a:noFill/>
+                      </a:ln>
+                      <a:solidFill>
+                        <a:srgbClr val="FFFFFF"/>
+                      </a:solidFill>
+                      <a:effectLst/>
+                      <a:uLnTx/>
+                      <a:uFillTx/>
+                      <a:latin typeface="Calibri"/>
+                      <a:ea typeface="+mn-ea"/>
+                      <a:cs typeface="+mn-cs"/>
+                    </a:endParaRPr>
+                  </a:p>
+                </p:txBody>
+              </p:sp>
+              <p:sp>
+                <p:nvSpPr>
+                  <p:cNvPr id="115" name="Ellipse 114"/>
+                  <p:cNvSpPr/>
+                  <p:nvPr/>
+                </p:nvSpPr>
+                <p:spPr>
+                  <a:xfrm>
+                    <a:off x="5158953" y="1203827"/>
+                    <a:ext cx="161192" cy="127915"/>
+                  </a:xfrm>
+                  <a:prstGeom prst="ellipse">
+                    <a:avLst/>
+                  </a:prstGeom>
+                  <a:solidFill>
+                    <a:schemeClr val="tx1"/>
+                  </a:solidFill>
+                  <a:ln w="25400" cap="flat" cmpd="sng" algn="ctr">
+                    <a:solidFill>
+                      <a:schemeClr val="tx1"/>
+                    </a:solidFill>
+                    <a:prstDash val="solid"/>
+                  </a:ln>
+                  <a:effectLst/>
+                </p:spPr>
+                <p:txBody>
+                  <a:bodyPr rtlCol="0" anchor="ctr"/>
+                  <a:lstStyle/>
+                  <a:p>
+                    <a:pPr marL="0" marR="0" lvl="0" indent="0" algn="ctr" defTabSz="914400" eaLnBrk="1" fontAlgn="base" latinLnBrk="0" hangingPunct="1">
+                      <a:lnSpc>
+                        <a:spcPct val="100000"/>
+                      </a:lnSpc>
+                      <a:spcBef>
+                        <a:spcPct val="0"/>
+                      </a:spcBef>
+                      <a:spcAft>
+                        <a:spcPct val="0"/>
+                      </a:spcAft>
+                      <a:buClrTx/>
+                      <a:buSzTx/>
+                      <a:buFontTx/>
+                      <a:buNone/>
+                      <a:tabLst/>
+                      <a:defRPr/>
+                    </a:pPr>
+                    <a:endParaRPr kumimoji="0" lang="fr-FR" sz="1000" b="0" i="0" u="none" strike="noStrike" kern="0" cap="none" spc="0" normalizeH="0" baseline="0" noProof="0" smtClean="0">
+                      <a:ln>
+                        <a:noFill/>
+                      </a:ln>
+                      <a:solidFill>
+                        <a:srgbClr val="FFFFFF"/>
+                      </a:solidFill>
+                      <a:effectLst/>
+                      <a:uLnTx/>
+                      <a:uFillTx/>
+                      <a:latin typeface="Calibri"/>
+                      <a:ea typeface="+mn-ea"/>
+                      <a:cs typeface="+mn-cs"/>
+                    </a:endParaRPr>
+                  </a:p>
+                </p:txBody>
+              </p:sp>
+              <p:sp>
+                <p:nvSpPr>
+                  <p:cNvPr id="116" name="Ellipse 115"/>
+                  <p:cNvSpPr/>
+                  <p:nvPr/>
+                </p:nvSpPr>
+                <p:spPr>
+                  <a:xfrm>
+                    <a:off x="5158953" y="3146210"/>
+                    <a:ext cx="161192" cy="127915"/>
+                  </a:xfrm>
+                  <a:prstGeom prst="ellipse">
+                    <a:avLst/>
+                  </a:prstGeom>
+                  <a:solidFill>
+                    <a:schemeClr val="tx1"/>
+                  </a:solidFill>
+                  <a:ln w="25400" cap="flat" cmpd="sng" algn="ctr">
+                    <a:solidFill>
+                      <a:schemeClr val="tx1"/>
+                    </a:solidFill>
+                    <a:prstDash val="solid"/>
+                  </a:ln>
+                  <a:effectLst/>
+                </p:spPr>
+                <p:txBody>
+                  <a:bodyPr rtlCol="0" anchor="ctr"/>
+                  <a:lstStyle/>
+                  <a:p>
+                    <a:pPr marL="0" marR="0" lvl="0" indent="0" algn="ctr" defTabSz="914400" eaLnBrk="1" fontAlgn="base" latinLnBrk="0" hangingPunct="1">
+                      <a:lnSpc>
+                        <a:spcPct val="100000"/>
+                      </a:lnSpc>
+                      <a:spcBef>
+                        <a:spcPct val="0"/>
+                      </a:spcBef>
+                      <a:spcAft>
+                        <a:spcPct val="0"/>
+                      </a:spcAft>
+                      <a:buClrTx/>
+                      <a:buSzTx/>
+                      <a:buFontTx/>
+                      <a:buNone/>
+                      <a:tabLst/>
+                      <a:defRPr/>
+                    </a:pPr>
+                    <a:endParaRPr kumimoji="0" lang="fr-FR" sz="1000" b="0" i="0" u="none" strike="noStrike" kern="0" cap="none" spc="0" normalizeH="0" baseline="0" noProof="0" smtClean="0">
+                      <a:ln>
+                        <a:noFill/>
+                      </a:ln>
+                      <a:solidFill>
+                        <a:srgbClr val="FFFFFF"/>
+                      </a:solidFill>
+                      <a:effectLst/>
+                      <a:uLnTx/>
+                      <a:uFillTx/>
+                      <a:latin typeface="Calibri"/>
+                      <a:ea typeface="+mn-ea"/>
+                      <a:cs typeface="+mn-cs"/>
+                    </a:endParaRPr>
+                  </a:p>
+                </p:txBody>
+              </p:sp>
+              <p:sp>
+                <p:nvSpPr>
+                  <p:cNvPr id="117" name="Ellipse 116"/>
+                  <p:cNvSpPr/>
+                  <p:nvPr/>
+                </p:nvSpPr>
+                <p:spPr>
+                  <a:xfrm>
+                    <a:off x="5158953" y="1889945"/>
+                    <a:ext cx="161192" cy="127915"/>
+                  </a:xfrm>
+                  <a:prstGeom prst="ellipse">
+                    <a:avLst/>
+                  </a:prstGeom>
+                  <a:solidFill>
+                    <a:schemeClr val="tx1"/>
+                  </a:solidFill>
+                  <a:ln w="25400" cap="flat" cmpd="sng" algn="ctr">
+                    <a:solidFill>
+                      <a:schemeClr val="tx1"/>
+                    </a:solidFill>
+                    <a:prstDash val="solid"/>
+                  </a:ln>
+                  <a:effectLst/>
+                </p:spPr>
+                <p:txBody>
+                  <a:bodyPr rtlCol="0" anchor="ctr"/>
+                  <a:lstStyle/>
+                  <a:p>
+                    <a:pPr marL="0" marR="0" lvl="0" indent="0" algn="ctr" defTabSz="914400" eaLnBrk="1" fontAlgn="base" latinLnBrk="0" hangingPunct="1">
+                      <a:lnSpc>
+                        <a:spcPct val="100000"/>
+                      </a:lnSpc>
+                      <a:spcBef>
+                        <a:spcPct val="0"/>
+                      </a:spcBef>
+                      <a:spcAft>
+                        <a:spcPct val="0"/>
+                      </a:spcAft>
+                      <a:buClrTx/>
+                      <a:buSzTx/>
+                      <a:buFontTx/>
+                      <a:buNone/>
+                      <a:tabLst/>
+                      <a:defRPr/>
+                    </a:pPr>
+                    <a:endParaRPr kumimoji="0" lang="fr-FR" sz="1000" b="0" i="0" u="none" strike="noStrike" kern="0" cap="none" spc="0" normalizeH="0" baseline="0" noProof="0" smtClean="0">
+                      <a:ln>
+                        <a:noFill/>
+                      </a:ln>
+                      <a:solidFill>
+                        <a:srgbClr val="FFFFFF"/>
+                      </a:solidFill>
+                      <a:effectLst/>
+                      <a:uLnTx/>
+                      <a:uFillTx/>
+                      <a:latin typeface="Calibri"/>
+                      <a:ea typeface="+mn-ea"/>
+                      <a:cs typeface="+mn-cs"/>
+                    </a:endParaRPr>
+                  </a:p>
+                </p:txBody>
+              </p:sp>
+            </p:grpSp>
+          </p:grpSp>
+          <p:grpSp>
+            <p:nvGrpSpPr>
+              <p:cNvPr id="120" name="Groupe 119"/>
+              <p:cNvGrpSpPr/>
+              <p:nvPr/>
+            </p:nvGrpSpPr>
+            <p:grpSpPr>
+              <a:xfrm>
+                <a:off x="8262827" y="872361"/>
+                <a:ext cx="172439" cy="3400218"/>
+                <a:chOff x="5150161" y="886850"/>
+                <a:chExt cx="172439" cy="3400218"/>
+              </a:xfrm>
+            </p:grpSpPr>
+            <p:sp>
+              <p:nvSpPr>
+                <p:cNvPr id="121" name="Ellipse 120"/>
+                <p:cNvSpPr/>
+                <p:nvPr/>
+              </p:nvSpPr>
+              <p:spPr>
+                <a:xfrm>
+                  <a:off x="5154670" y="886850"/>
+                  <a:ext cx="161192" cy="127915"/>
+                </a:xfrm>
+                <a:prstGeom prst="ellipse">
+                  <a:avLst/>
+                </a:prstGeom>
+                <a:solidFill>
+                  <a:schemeClr val="tx1"/>
+                </a:solidFill>
+                <a:ln w="25400" cap="flat" cmpd="sng" algn="ctr">
+                  <a:solidFill>
+                    <a:schemeClr val="tx1"/>
+                  </a:solidFill>
+                  <a:prstDash val="solid"/>
+                </a:ln>
+                <a:effectLst/>
+              </p:spPr>
+              <p:txBody>
+                <a:bodyPr rtlCol="0" anchor="ctr"/>
+                <a:lstStyle/>
+                <a:p>
+                  <a:pPr marL="0" marR="0" lvl="0" indent="0" algn="ctr" defTabSz="914400" eaLnBrk="1" fontAlgn="base" latinLnBrk="0" hangingPunct="1">
+                    <a:lnSpc>
+                      <a:spcPct val="100000"/>
+                    </a:lnSpc>
+                    <a:spcBef>
+                      <a:spcPct val="0"/>
+                    </a:spcBef>
+                    <a:spcAft>
+                      <a:spcPct val="0"/>
+                    </a:spcAft>
+                    <a:buClrTx/>
+                    <a:buSzTx/>
+                    <a:buFontTx/>
+                    <a:buNone/>
+                    <a:tabLst/>
+                    <a:defRPr/>
+                  </a:pPr>
+                  <a:endParaRPr kumimoji="0" lang="fr-FR" sz="1000" b="0" i="0" u="none" strike="noStrike" kern="0" cap="none" spc="0" normalizeH="0" baseline="0" noProof="0" smtClean="0">
+                    <a:ln>
+                      <a:noFill/>
+                    </a:ln>
+                    <a:solidFill>
+                      <a:srgbClr val="FFFFFF"/>
+                    </a:solidFill>
+                    <a:effectLst/>
+                    <a:uLnTx/>
+                    <a:uFillTx/>
+                    <a:latin typeface="Calibri"/>
+                    <a:ea typeface="+mn-ea"/>
+                    <a:cs typeface="+mn-cs"/>
+                  </a:endParaRPr>
+                </a:p>
+              </p:txBody>
+            </p:sp>
+            <p:grpSp>
+              <p:nvGrpSpPr>
+                <p:cNvPr id="122" name="Groupe 121"/>
+                <p:cNvGrpSpPr/>
+                <p:nvPr/>
+              </p:nvGrpSpPr>
+              <p:grpSpPr>
+                <a:xfrm>
+                  <a:off x="5150161" y="1000289"/>
+                  <a:ext cx="172439" cy="3286779"/>
+                  <a:chOff x="5150161" y="1000289"/>
+                  <a:chExt cx="172439" cy="3286779"/>
+                </a:xfrm>
+              </p:grpSpPr>
+              <p:grpSp>
+                <p:nvGrpSpPr>
+                  <p:cNvPr id="123" name="Groupe 122"/>
+                  <p:cNvGrpSpPr/>
+                  <p:nvPr/>
+                </p:nvGrpSpPr>
+                <p:grpSpPr>
+                  <a:xfrm>
+                    <a:off x="5161408" y="1000289"/>
+                    <a:ext cx="161192" cy="3187197"/>
+                    <a:chOff x="4211631" y="1311301"/>
+                    <a:chExt cx="99148" cy="3284829"/>
+                  </a:xfrm>
+                </p:grpSpPr>
+                <p:cxnSp>
+                  <p:nvCxnSpPr>
+                    <p:cNvPr id="129" name="Connecteur droit 128"/>
+                    <p:cNvCxnSpPr/>
+                    <p:nvPr/>
+                  </p:nvCxnSpPr>
+                  <p:spPr>
+                    <a:xfrm>
+                      <a:off x="4261205" y="1311301"/>
+                      <a:ext cx="0" cy="3284829"/>
+                    </a:xfrm>
+                    <a:prstGeom prst="line">
+                      <a:avLst/>
+                    </a:prstGeom>
+                    <a:noFill/>
+                    <a:ln w="19050" cap="flat" cmpd="sng" algn="ctr">
+                      <a:solidFill>
+                        <a:srgbClr val="023971">
+                          <a:shade val="95000"/>
+                          <a:satMod val="105000"/>
+                        </a:srgbClr>
+                      </a:solidFill>
+                      <a:prstDash val="dash"/>
+                    </a:ln>
+                    <a:effectLst/>
+                  </p:spPr>
+                </p:cxnSp>
+                <p:sp>
+                  <p:nvSpPr>
+                    <p:cNvPr id="130" name="Ellipse 129"/>
+                    <p:cNvSpPr/>
+                    <p:nvPr/>
+                  </p:nvSpPr>
+                  <p:spPr>
+                    <a:xfrm>
+                      <a:off x="4211631" y="2816936"/>
+                      <a:ext cx="99148" cy="131833"/>
+                    </a:xfrm>
+                    <a:prstGeom prst="ellipse">
+                      <a:avLst/>
+                    </a:prstGeom>
+                    <a:solidFill>
+                      <a:schemeClr val="tx1"/>
+                    </a:solidFill>
+                    <a:ln w="25400" cap="flat" cmpd="sng" algn="ctr">
+                      <a:solidFill>
+                        <a:schemeClr val="tx1"/>
+                      </a:solidFill>
+                      <a:prstDash val="solid"/>
+                    </a:ln>
+                    <a:effectLst/>
+                  </p:spPr>
+                  <p:txBody>
+                    <a:bodyPr rtlCol="0" anchor="ctr"/>
+                    <a:lstStyle/>
+                    <a:p>
+                      <a:pPr marL="0" marR="0" lvl="0" indent="0" algn="ctr" defTabSz="914400" eaLnBrk="1" fontAlgn="base" latinLnBrk="0" hangingPunct="1">
+                        <a:lnSpc>
+                          <a:spcPct val="100000"/>
+                        </a:lnSpc>
+                        <a:spcBef>
+                          <a:spcPct val="0"/>
+                        </a:spcBef>
+                        <a:spcAft>
+                          <a:spcPct val="0"/>
+                        </a:spcAft>
+                        <a:buClrTx/>
+                        <a:buSzTx/>
+                        <a:buFontTx/>
+                        <a:buNone/>
+                        <a:tabLst/>
+                        <a:defRPr/>
+                      </a:pPr>
+                      <a:endParaRPr kumimoji="0" lang="fr-FR" sz="1000" b="0" i="0" u="none" strike="noStrike" kern="0" cap="none" spc="0" normalizeH="0" baseline="0" noProof="0" smtClean="0">
+                        <a:ln>
+                          <a:noFill/>
+                        </a:ln>
+                        <a:solidFill>
+                          <a:srgbClr val="FFFFFF"/>
+                        </a:solidFill>
+                        <a:effectLst/>
+                        <a:uLnTx/>
+                        <a:uFillTx/>
+                        <a:latin typeface="Calibri"/>
+                        <a:ea typeface="+mn-ea"/>
+                        <a:cs typeface="+mn-cs"/>
+                      </a:endParaRPr>
+                    </a:p>
+                  </p:txBody>
+                </p:sp>
+              </p:grpSp>
+              <p:sp>
+                <p:nvSpPr>
+                  <p:cNvPr id="124" name="Ellipse 123"/>
+                  <p:cNvSpPr/>
+                  <p:nvPr/>
+                </p:nvSpPr>
+                <p:spPr>
+                  <a:xfrm>
+                    <a:off x="5158953" y="4159153"/>
+                    <a:ext cx="161192" cy="127915"/>
+                  </a:xfrm>
+                  <a:prstGeom prst="ellipse">
+                    <a:avLst/>
+                  </a:prstGeom>
+                  <a:solidFill>
+                    <a:schemeClr val="tx1"/>
+                  </a:solidFill>
+                  <a:ln w="25400" cap="flat" cmpd="sng" algn="ctr">
+                    <a:solidFill>
+                      <a:schemeClr val="tx1"/>
+                    </a:solidFill>
+                    <a:prstDash val="solid"/>
+                  </a:ln>
+                  <a:effectLst/>
+                </p:spPr>
+                <p:txBody>
+                  <a:bodyPr rtlCol="0" anchor="ctr"/>
+                  <a:lstStyle/>
+                  <a:p>
+                    <a:pPr marL="0" marR="0" lvl="0" indent="0" algn="ctr" defTabSz="914400" eaLnBrk="1" fontAlgn="base" latinLnBrk="0" hangingPunct="1">
+                      <a:lnSpc>
+                        <a:spcPct val="100000"/>
+                      </a:lnSpc>
+                      <a:spcBef>
+                        <a:spcPct val="0"/>
+                      </a:spcBef>
+                      <a:spcAft>
+                        <a:spcPct val="0"/>
+                      </a:spcAft>
+                      <a:buClrTx/>
+                      <a:buSzTx/>
+                      <a:buFontTx/>
+                      <a:buNone/>
+                      <a:tabLst/>
+                      <a:defRPr/>
+                    </a:pPr>
+                    <a:endParaRPr kumimoji="0" lang="fr-FR" sz="1000" b="0" i="0" u="none" strike="noStrike" kern="0" cap="none" spc="0" normalizeH="0" baseline="0" noProof="0" smtClean="0">
+                      <a:ln>
+                        <a:noFill/>
+                      </a:ln>
+                      <a:solidFill>
+                        <a:srgbClr val="FFFFFF"/>
+                      </a:solidFill>
+                      <a:effectLst/>
+                      <a:uLnTx/>
+                      <a:uFillTx/>
+                      <a:latin typeface="Calibri"/>
+                      <a:ea typeface="+mn-ea"/>
+                      <a:cs typeface="+mn-cs"/>
+                    </a:endParaRPr>
+                  </a:p>
+                </p:txBody>
+              </p:sp>
+              <p:sp>
+                <p:nvSpPr>
+                  <p:cNvPr id="125" name="Ellipse 124"/>
+                  <p:cNvSpPr/>
+                  <p:nvPr/>
+                </p:nvSpPr>
+                <p:spPr>
+                  <a:xfrm>
+                    <a:off x="5150161" y="3790465"/>
+                    <a:ext cx="161192" cy="127915"/>
+                  </a:xfrm>
+                  <a:prstGeom prst="ellipse">
+                    <a:avLst/>
+                  </a:prstGeom>
+                  <a:solidFill>
+                    <a:schemeClr val="tx1"/>
+                  </a:solidFill>
+                  <a:ln w="25400" cap="flat" cmpd="sng" algn="ctr">
+                    <a:solidFill>
+                      <a:schemeClr val="tx1"/>
+                    </a:solidFill>
+                    <a:prstDash val="solid"/>
+                  </a:ln>
+                  <a:effectLst/>
+                </p:spPr>
+                <p:txBody>
+                  <a:bodyPr rtlCol="0" anchor="ctr"/>
+                  <a:lstStyle/>
+                  <a:p>
+                    <a:pPr marL="0" marR="0" lvl="0" indent="0" algn="ctr" defTabSz="914400" eaLnBrk="1" fontAlgn="base" latinLnBrk="0" hangingPunct="1">
+                      <a:lnSpc>
+                        <a:spcPct val="100000"/>
+                      </a:lnSpc>
+                      <a:spcBef>
+                        <a:spcPct val="0"/>
+                      </a:spcBef>
+                      <a:spcAft>
+                        <a:spcPct val="0"/>
+                      </a:spcAft>
+                      <a:buClrTx/>
+                      <a:buSzTx/>
+                      <a:buFontTx/>
+                      <a:buNone/>
+                      <a:tabLst/>
+                      <a:defRPr/>
+                    </a:pPr>
+                    <a:endParaRPr kumimoji="0" lang="fr-FR" sz="1000" b="0" i="0" u="none" strike="noStrike" kern="0" cap="none" spc="0" normalizeH="0" baseline="0" noProof="0" smtClean="0">
+                      <a:ln>
+                        <a:noFill/>
+                      </a:ln>
+                      <a:solidFill>
+                        <a:srgbClr val="FFFFFF"/>
+                      </a:solidFill>
+                      <a:effectLst/>
+                      <a:uLnTx/>
+                      <a:uFillTx/>
+                      <a:latin typeface="Calibri"/>
+                      <a:ea typeface="+mn-ea"/>
+                      <a:cs typeface="+mn-cs"/>
+                    </a:endParaRPr>
+                  </a:p>
+                </p:txBody>
+              </p:sp>
+              <p:sp>
+                <p:nvSpPr>
+                  <p:cNvPr id="126" name="Ellipse 125"/>
+                  <p:cNvSpPr/>
+                  <p:nvPr/>
+                </p:nvSpPr>
+                <p:spPr>
+                  <a:xfrm>
+                    <a:off x="5158953" y="1203827"/>
+                    <a:ext cx="161192" cy="127915"/>
+                  </a:xfrm>
+                  <a:prstGeom prst="ellipse">
+                    <a:avLst/>
+                  </a:prstGeom>
+                  <a:solidFill>
+                    <a:schemeClr val="tx1"/>
+                  </a:solidFill>
+                  <a:ln w="25400" cap="flat" cmpd="sng" algn="ctr">
+                    <a:solidFill>
+                      <a:schemeClr val="tx1"/>
+                    </a:solidFill>
+                    <a:prstDash val="solid"/>
+                  </a:ln>
+                  <a:effectLst/>
+                </p:spPr>
+                <p:txBody>
+                  <a:bodyPr rtlCol="0" anchor="ctr"/>
+                  <a:lstStyle/>
+                  <a:p>
+                    <a:pPr marL="0" marR="0" lvl="0" indent="0" algn="ctr" defTabSz="914400" eaLnBrk="1" fontAlgn="base" latinLnBrk="0" hangingPunct="1">
+                      <a:lnSpc>
+                        <a:spcPct val="100000"/>
+                      </a:lnSpc>
+                      <a:spcBef>
+                        <a:spcPct val="0"/>
+                      </a:spcBef>
+                      <a:spcAft>
+                        <a:spcPct val="0"/>
+                      </a:spcAft>
+                      <a:buClrTx/>
+                      <a:buSzTx/>
+                      <a:buFontTx/>
+                      <a:buNone/>
+                      <a:tabLst/>
+                      <a:defRPr/>
+                    </a:pPr>
+                    <a:endParaRPr kumimoji="0" lang="fr-FR" sz="1000" b="0" i="0" u="none" strike="noStrike" kern="0" cap="none" spc="0" normalizeH="0" baseline="0" noProof="0" smtClean="0">
+                      <a:ln>
+                        <a:noFill/>
+                      </a:ln>
+                      <a:solidFill>
+                        <a:srgbClr val="FFFFFF"/>
+                      </a:solidFill>
+                      <a:effectLst/>
+                      <a:uLnTx/>
+                      <a:uFillTx/>
+                      <a:latin typeface="Calibri"/>
+                      <a:ea typeface="+mn-ea"/>
+                      <a:cs typeface="+mn-cs"/>
+                    </a:endParaRPr>
+                  </a:p>
+                </p:txBody>
+              </p:sp>
+              <p:sp>
+                <p:nvSpPr>
+                  <p:cNvPr id="127" name="Ellipse 126"/>
+                  <p:cNvSpPr/>
+                  <p:nvPr/>
+                </p:nvSpPr>
+                <p:spPr>
+                  <a:xfrm>
+                    <a:off x="5158953" y="3146210"/>
+                    <a:ext cx="161192" cy="127915"/>
+                  </a:xfrm>
+                  <a:prstGeom prst="ellipse">
+                    <a:avLst/>
+                  </a:prstGeom>
+                  <a:solidFill>
+                    <a:schemeClr val="tx1"/>
+                  </a:solidFill>
+                  <a:ln w="25400" cap="flat" cmpd="sng" algn="ctr">
+                    <a:solidFill>
+                      <a:schemeClr val="tx1"/>
+                    </a:solidFill>
+                    <a:prstDash val="solid"/>
+                  </a:ln>
+                  <a:effectLst/>
+                </p:spPr>
+                <p:txBody>
+                  <a:bodyPr rtlCol="0" anchor="ctr"/>
+                  <a:lstStyle/>
+                  <a:p>
+                    <a:pPr marL="0" marR="0" lvl="0" indent="0" algn="ctr" defTabSz="914400" eaLnBrk="1" fontAlgn="base" latinLnBrk="0" hangingPunct="1">
+                      <a:lnSpc>
+                        <a:spcPct val="100000"/>
+                      </a:lnSpc>
+                      <a:spcBef>
+                        <a:spcPct val="0"/>
+                      </a:spcBef>
+                      <a:spcAft>
+                        <a:spcPct val="0"/>
+                      </a:spcAft>
+                      <a:buClrTx/>
+                      <a:buSzTx/>
+                      <a:buFontTx/>
+                      <a:buNone/>
+                      <a:tabLst/>
+                      <a:defRPr/>
+                    </a:pPr>
+                    <a:endParaRPr kumimoji="0" lang="fr-FR" sz="1000" b="0" i="0" u="none" strike="noStrike" kern="0" cap="none" spc="0" normalizeH="0" baseline="0" noProof="0" smtClean="0">
+                      <a:ln>
+                        <a:noFill/>
+                      </a:ln>
+                      <a:solidFill>
+                        <a:srgbClr val="FFFFFF"/>
+                      </a:solidFill>
+                      <a:effectLst/>
+                      <a:uLnTx/>
+                      <a:uFillTx/>
+                      <a:latin typeface="Calibri"/>
+                      <a:ea typeface="+mn-ea"/>
+                      <a:cs typeface="+mn-cs"/>
+                    </a:endParaRPr>
+                  </a:p>
+                </p:txBody>
+              </p:sp>
+              <p:sp>
+                <p:nvSpPr>
+                  <p:cNvPr id="128" name="Ellipse 127"/>
+                  <p:cNvSpPr/>
+                  <p:nvPr/>
+                </p:nvSpPr>
+                <p:spPr>
+                  <a:xfrm>
+                    <a:off x="5158953" y="1889945"/>
+                    <a:ext cx="161192" cy="127915"/>
+                  </a:xfrm>
+                  <a:prstGeom prst="ellipse">
+                    <a:avLst/>
+                  </a:prstGeom>
+                  <a:solidFill>
+                    <a:schemeClr val="tx1"/>
+                  </a:solidFill>
+                  <a:ln w="25400" cap="flat" cmpd="sng" algn="ctr">
+                    <a:solidFill>
+                      <a:schemeClr val="tx1"/>
+                    </a:solidFill>
+                    <a:prstDash val="solid"/>
+                  </a:ln>
+                  <a:effectLst/>
+                </p:spPr>
+                <p:txBody>
+                  <a:bodyPr rtlCol="0" anchor="ctr"/>
+                  <a:lstStyle/>
+                  <a:p>
+                    <a:pPr marL="0" marR="0" lvl="0" indent="0" algn="ctr" defTabSz="914400" eaLnBrk="1" fontAlgn="base" latinLnBrk="0" hangingPunct="1">
+                      <a:lnSpc>
+                        <a:spcPct val="100000"/>
+                      </a:lnSpc>
+                      <a:spcBef>
+                        <a:spcPct val="0"/>
+                      </a:spcBef>
+                      <a:spcAft>
+                        <a:spcPct val="0"/>
+                      </a:spcAft>
+                      <a:buClrTx/>
+                      <a:buSzTx/>
+                      <a:buFontTx/>
+                      <a:buNone/>
+                      <a:tabLst/>
+                      <a:defRPr/>
+                    </a:pPr>
+                    <a:endParaRPr kumimoji="0" lang="fr-FR" sz="1000" b="0" i="0" u="none" strike="noStrike" kern="0" cap="none" spc="0" normalizeH="0" baseline="0" noProof="0" smtClean="0">
+                      <a:ln>
+                        <a:noFill/>
+                      </a:ln>
+                      <a:solidFill>
+                        <a:srgbClr val="FFFFFF"/>
+                      </a:solidFill>
+                      <a:effectLst/>
+                      <a:uLnTx/>
+                      <a:uFillTx/>
+                      <a:latin typeface="Calibri"/>
+                      <a:ea typeface="+mn-ea"/>
+                      <a:cs typeface="+mn-cs"/>
+                    </a:endParaRPr>
+                  </a:p>
+                </p:txBody>
+              </p:sp>
+            </p:grpSp>
+          </p:grpSp>
+          <p:grpSp>
+            <p:nvGrpSpPr>
+              <p:cNvPr id="131" name="Groupe 130"/>
+              <p:cNvGrpSpPr/>
+              <p:nvPr/>
+            </p:nvGrpSpPr>
+            <p:grpSpPr>
+              <a:xfrm>
+                <a:off x="7275756" y="863865"/>
+                <a:ext cx="172439" cy="3400218"/>
+                <a:chOff x="5150161" y="886850"/>
+                <a:chExt cx="172439" cy="3400218"/>
+              </a:xfrm>
+            </p:grpSpPr>
+            <p:sp>
+              <p:nvSpPr>
+                <p:cNvPr id="132" name="Ellipse 131"/>
+                <p:cNvSpPr/>
+                <p:nvPr/>
+              </p:nvSpPr>
+              <p:spPr>
+                <a:xfrm>
+                  <a:off x="5154670" y="886850"/>
+                  <a:ext cx="161192" cy="127915"/>
+                </a:xfrm>
+                <a:prstGeom prst="ellipse">
+                  <a:avLst/>
+                </a:prstGeom>
+                <a:solidFill>
+                  <a:schemeClr val="tx1"/>
+                </a:solidFill>
+                <a:ln w="25400" cap="flat" cmpd="sng" algn="ctr">
+                  <a:solidFill>
+                    <a:schemeClr val="tx1"/>
+                  </a:solidFill>
+                  <a:prstDash val="solid"/>
+                </a:ln>
+                <a:effectLst/>
+              </p:spPr>
+              <p:txBody>
+                <a:bodyPr rtlCol="0" anchor="ctr"/>
+                <a:lstStyle/>
+                <a:p>
+                  <a:pPr marL="0" marR="0" lvl="0" indent="0" algn="ctr" defTabSz="914400" eaLnBrk="1" fontAlgn="base" latinLnBrk="0" hangingPunct="1">
+                    <a:lnSpc>
+                      <a:spcPct val="100000"/>
+                    </a:lnSpc>
+                    <a:spcBef>
+                      <a:spcPct val="0"/>
+                    </a:spcBef>
+                    <a:spcAft>
+                      <a:spcPct val="0"/>
+                    </a:spcAft>
+                    <a:buClrTx/>
+                    <a:buSzTx/>
+                    <a:buFontTx/>
+                    <a:buNone/>
+                    <a:tabLst/>
+                    <a:defRPr/>
+                  </a:pPr>
+                  <a:endParaRPr kumimoji="0" lang="fr-FR" sz="1000" b="0" i="0" u="none" strike="noStrike" kern="0" cap="none" spc="0" normalizeH="0" baseline="0" noProof="0" smtClean="0">
+                    <a:ln>
+                      <a:noFill/>
+                    </a:ln>
+                    <a:solidFill>
+                      <a:srgbClr val="FFFFFF"/>
+                    </a:solidFill>
+                    <a:effectLst/>
+                    <a:uLnTx/>
+                    <a:uFillTx/>
+                    <a:latin typeface="Calibri"/>
+                    <a:ea typeface="+mn-ea"/>
+                    <a:cs typeface="+mn-cs"/>
+                  </a:endParaRPr>
+                </a:p>
+              </p:txBody>
+            </p:sp>
+            <p:grpSp>
+              <p:nvGrpSpPr>
+                <p:cNvPr id="133" name="Groupe 132"/>
+                <p:cNvGrpSpPr/>
+                <p:nvPr/>
+              </p:nvGrpSpPr>
+              <p:grpSpPr>
+                <a:xfrm>
+                  <a:off x="5150161" y="1000289"/>
+                  <a:ext cx="172439" cy="3286779"/>
+                  <a:chOff x="5150161" y="1000289"/>
+                  <a:chExt cx="172439" cy="3286779"/>
+                </a:xfrm>
+              </p:grpSpPr>
+              <p:grpSp>
+                <p:nvGrpSpPr>
+                  <p:cNvPr id="134" name="Groupe 133"/>
+                  <p:cNvGrpSpPr/>
+                  <p:nvPr/>
+                </p:nvGrpSpPr>
+                <p:grpSpPr>
+                  <a:xfrm>
+                    <a:off x="5161408" y="1000289"/>
+                    <a:ext cx="161192" cy="3187197"/>
+                    <a:chOff x="4211631" y="1311301"/>
+                    <a:chExt cx="99148" cy="3284829"/>
+                  </a:xfrm>
+                </p:grpSpPr>
+                <p:cxnSp>
+                  <p:nvCxnSpPr>
+                    <p:cNvPr id="140" name="Connecteur droit 139"/>
+                    <p:cNvCxnSpPr/>
+                    <p:nvPr/>
+                  </p:nvCxnSpPr>
+                  <p:spPr>
+                    <a:xfrm>
+                      <a:off x="4261205" y="1311301"/>
+                      <a:ext cx="0" cy="3284829"/>
+                    </a:xfrm>
+                    <a:prstGeom prst="line">
+                      <a:avLst/>
+                    </a:prstGeom>
+                    <a:noFill/>
+                    <a:ln w="19050" cap="flat" cmpd="sng" algn="ctr">
+                      <a:solidFill>
+                        <a:srgbClr val="023971">
+                          <a:shade val="95000"/>
+                          <a:satMod val="105000"/>
+                        </a:srgbClr>
+                      </a:solidFill>
+                      <a:prstDash val="dash"/>
+                    </a:ln>
+                    <a:effectLst/>
+                  </p:spPr>
+                </p:cxnSp>
+                <p:sp>
+                  <p:nvSpPr>
+                    <p:cNvPr id="141" name="Ellipse 140"/>
+                    <p:cNvSpPr/>
+                    <p:nvPr/>
+                  </p:nvSpPr>
+                  <p:spPr>
+                    <a:xfrm>
+                      <a:off x="4211631" y="2816936"/>
+                      <a:ext cx="99148" cy="131833"/>
+                    </a:xfrm>
+                    <a:prstGeom prst="ellipse">
+                      <a:avLst/>
+                    </a:prstGeom>
+                    <a:solidFill>
+                      <a:schemeClr val="tx1"/>
+                    </a:solidFill>
+                    <a:ln w="25400" cap="flat" cmpd="sng" algn="ctr">
+                      <a:solidFill>
+                        <a:schemeClr val="tx1"/>
+                      </a:solidFill>
+                      <a:prstDash val="solid"/>
+                    </a:ln>
+                    <a:effectLst/>
+                  </p:spPr>
+                  <p:txBody>
+                    <a:bodyPr rtlCol="0" anchor="ctr"/>
+                    <a:lstStyle/>
+                    <a:p>
+                      <a:pPr marL="0" marR="0" lvl="0" indent="0" algn="ctr" defTabSz="914400" eaLnBrk="1" fontAlgn="base" latinLnBrk="0" hangingPunct="1">
+                        <a:lnSpc>
+                          <a:spcPct val="100000"/>
+                        </a:lnSpc>
+                        <a:spcBef>
+                          <a:spcPct val="0"/>
+                        </a:spcBef>
+                        <a:spcAft>
+                          <a:spcPct val="0"/>
+                        </a:spcAft>
+                        <a:buClrTx/>
+                        <a:buSzTx/>
+                        <a:buFontTx/>
+                        <a:buNone/>
+                        <a:tabLst/>
+                        <a:defRPr/>
+                      </a:pPr>
+                      <a:endParaRPr kumimoji="0" lang="fr-FR" sz="1000" b="0" i="0" u="none" strike="noStrike" kern="0" cap="none" spc="0" normalizeH="0" baseline="0" noProof="0" smtClean="0">
+                        <a:ln>
+                          <a:noFill/>
+                        </a:ln>
+                        <a:solidFill>
+                          <a:srgbClr val="FFFFFF"/>
+                        </a:solidFill>
+                        <a:effectLst/>
+                        <a:uLnTx/>
+                        <a:uFillTx/>
+                        <a:latin typeface="Calibri"/>
+                        <a:ea typeface="+mn-ea"/>
+                        <a:cs typeface="+mn-cs"/>
+                      </a:endParaRPr>
+                    </a:p>
+                  </p:txBody>
+                </p:sp>
+              </p:grpSp>
+              <p:sp>
+                <p:nvSpPr>
+                  <p:cNvPr id="135" name="Ellipse 134"/>
+                  <p:cNvSpPr/>
+                  <p:nvPr/>
+                </p:nvSpPr>
+                <p:spPr>
+                  <a:xfrm>
+                    <a:off x="5158953" y="4159153"/>
+                    <a:ext cx="161192" cy="127915"/>
+                  </a:xfrm>
+                  <a:prstGeom prst="ellipse">
+                    <a:avLst/>
+                  </a:prstGeom>
+                  <a:solidFill>
+                    <a:schemeClr val="tx1"/>
+                  </a:solidFill>
+                  <a:ln w="25400" cap="flat" cmpd="sng" algn="ctr">
+                    <a:solidFill>
+                      <a:schemeClr val="tx1"/>
+                    </a:solidFill>
+                    <a:prstDash val="solid"/>
+                  </a:ln>
+                  <a:effectLst/>
+                </p:spPr>
+                <p:txBody>
+                  <a:bodyPr rtlCol="0" anchor="ctr"/>
+                  <a:lstStyle/>
+                  <a:p>
+                    <a:pPr marL="0" marR="0" lvl="0" indent="0" algn="ctr" defTabSz="914400" eaLnBrk="1" fontAlgn="base" latinLnBrk="0" hangingPunct="1">
+                      <a:lnSpc>
+                        <a:spcPct val="100000"/>
+                      </a:lnSpc>
+                      <a:spcBef>
+                        <a:spcPct val="0"/>
+                      </a:spcBef>
+                      <a:spcAft>
+                        <a:spcPct val="0"/>
+                      </a:spcAft>
+                      <a:buClrTx/>
+                      <a:buSzTx/>
+                      <a:buFontTx/>
+                      <a:buNone/>
+                      <a:tabLst/>
+                      <a:defRPr/>
+                    </a:pPr>
+                    <a:endParaRPr kumimoji="0" lang="fr-FR" sz="1000" b="0" i="0" u="none" strike="noStrike" kern="0" cap="none" spc="0" normalizeH="0" baseline="0" noProof="0" smtClean="0">
+                      <a:ln>
+                        <a:noFill/>
+                      </a:ln>
+                      <a:solidFill>
+                        <a:srgbClr val="FFFFFF"/>
+                      </a:solidFill>
+                      <a:effectLst/>
+                      <a:uLnTx/>
+                      <a:uFillTx/>
+                      <a:latin typeface="Calibri"/>
+                      <a:ea typeface="+mn-ea"/>
+                      <a:cs typeface="+mn-cs"/>
+                    </a:endParaRPr>
+                  </a:p>
+                </p:txBody>
+              </p:sp>
+              <p:sp>
+                <p:nvSpPr>
+                  <p:cNvPr id="136" name="Ellipse 135"/>
+                  <p:cNvSpPr/>
+                  <p:nvPr/>
+                </p:nvSpPr>
+                <p:spPr>
+                  <a:xfrm>
+                    <a:off x="5150161" y="3790465"/>
+                    <a:ext cx="161192" cy="127915"/>
+                  </a:xfrm>
+                  <a:prstGeom prst="ellipse">
+                    <a:avLst/>
+                  </a:prstGeom>
+                  <a:solidFill>
+                    <a:schemeClr val="tx1"/>
+                  </a:solidFill>
+                  <a:ln w="25400" cap="flat" cmpd="sng" algn="ctr">
+                    <a:solidFill>
+                      <a:schemeClr val="tx1"/>
+                    </a:solidFill>
+                    <a:prstDash val="solid"/>
+                  </a:ln>
+                  <a:effectLst/>
+                </p:spPr>
+                <p:txBody>
+                  <a:bodyPr rtlCol="0" anchor="ctr"/>
+                  <a:lstStyle/>
+                  <a:p>
+                    <a:pPr marL="0" marR="0" lvl="0" indent="0" algn="ctr" defTabSz="914400" eaLnBrk="1" fontAlgn="base" latinLnBrk="0" hangingPunct="1">
+                      <a:lnSpc>
+                        <a:spcPct val="100000"/>
+                      </a:lnSpc>
+                      <a:spcBef>
+                        <a:spcPct val="0"/>
+                      </a:spcBef>
+                      <a:spcAft>
+                        <a:spcPct val="0"/>
+                      </a:spcAft>
+                      <a:buClrTx/>
+                      <a:buSzTx/>
+                      <a:buFontTx/>
+                      <a:buNone/>
+                      <a:tabLst/>
+                      <a:defRPr/>
+                    </a:pPr>
+                    <a:endParaRPr kumimoji="0" lang="fr-FR" sz="1000" b="0" i="0" u="none" strike="noStrike" kern="0" cap="none" spc="0" normalizeH="0" baseline="0" noProof="0" smtClean="0">
+                      <a:ln>
+                        <a:noFill/>
+                      </a:ln>
+                      <a:solidFill>
+                        <a:srgbClr val="FFFFFF"/>
+                      </a:solidFill>
+                      <a:effectLst/>
+                      <a:uLnTx/>
+                      <a:uFillTx/>
+                      <a:latin typeface="Calibri"/>
+                      <a:ea typeface="+mn-ea"/>
+                      <a:cs typeface="+mn-cs"/>
+                    </a:endParaRPr>
+                  </a:p>
+                </p:txBody>
+              </p:sp>
+              <p:sp>
+                <p:nvSpPr>
+                  <p:cNvPr id="137" name="Ellipse 136"/>
+                  <p:cNvSpPr/>
+                  <p:nvPr/>
+                </p:nvSpPr>
+                <p:spPr>
+                  <a:xfrm>
+                    <a:off x="5158953" y="1203827"/>
+                    <a:ext cx="161192" cy="127915"/>
+                  </a:xfrm>
+                  <a:prstGeom prst="ellipse">
+                    <a:avLst/>
+                  </a:prstGeom>
+                  <a:solidFill>
+                    <a:schemeClr val="tx1"/>
+                  </a:solidFill>
+                  <a:ln w="25400" cap="flat" cmpd="sng" algn="ctr">
+                    <a:solidFill>
+                      <a:schemeClr val="tx1"/>
+                    </a:solidFill>
+                    <a:prstDash val="solid"/>
+                  </a:ln>
+                  <a:effectLst/>
+                </p:spPr>
+                <p:txBody>
+                  <a:bodyPr rtlCol="0" anchor="ctr"/>
+                  <a:lstStyle/>
+                  <a:p>
+                    <a:pPr marL="0" marR="0" lvl="0" indent="0" algn="ctr" defTabSz="914400" eaLnBrk="1" fontAlgn="base" latinLnBrk="0" hangingPunct="1">
+                      <a:lnSpc>
+                        <a:spcPct val="100000"/>
+                      </a:lnSpc>
+                      <a:spcBef>
+                        <a:spcPct val="0"/>
+                      </a:spcBef>
+                      <a:spcAft>
+                        <a:spcPct val="0"/>
+                      </a:spcAft>
+                      <a:buClrTx/>
+                      <a:buSzTx/>
+                      <a:buFontTx/>
+                      <a:buNone/>
+                      <a:tabLst/>
+                      <a:defRPr/>
+                    </a:pPr>
+                    <a:endParaRPr kumimoji="0" lang="fr-FR" sz="1000" b="0" i="0" u="none" strike="noStrike" kern="0" cap="none" spc="0" normalizeH="0" baseline="0" noProof="0" smtClean="0">
+                      <a:ln>
+                        <a:noFill/>
+                      </a:ln>
+                      <a:solidFill>
+                        <a:srgbClr val="FFFFFF"/>
+                      </a:solidFill>
+                      <a:effectLst/>
+                      <a:uLnTx/>
+                      <a:uFillTx/>
+                      <a:latin typeface="Calibri"/>
+                      <a:ea typeface="+mn-ea"/>
+                      <a:cs typeface="+mn-cs"/>
+                    </a:endParaRPr>
+                  </a:p>
+                </p:txBody>
+              </p:sp>
+              <p:sp>
+                <p:nvSpPr>
+                  <p:cNvPr id="138" name="Ellipse 137"/>
+                  <p:cNvSpPr/>
+                  <p:nvPr/>
+                </p:nvSpPr>
+                <p:spPr>
+                  <a:xfrm>
+                    <a:off x="5158953" y="3146210"/>
+                    <a:ext cx="161192" cy="127915"/>
+                  </a:xfrm>
+                  <a:prstGeom prst="ellipse">
+                    <a:avLst/>
+                  </a:prstGeom>
+                  <a:solidFill>
+                    <a:schemeClr val="tx1"/>
+                  </a:solidFill>
+                  <a:ln w="25400" cap="flat" cmpd="sng" algn="ctr">
+                    <a:solidFill>
+                      <a:schemeClr val="tx1"/>
+                    </a:solidFill>
+                    <a:prstDash val="solid"/>
+                  </a:ln>
+                  <a:effectLst/>
+                </p:spPr>
+                <p:txBody>
+                  <a:bodyPr rtlCol="0" anchor="ctr"/>
+                  <a:lstStyle/>
+                  <a:p>
+                    <a:pPr marL="0" marR="0" lvl="0" indent="0" algn="ctr" defTabSz="914400" eaLnBrk="1" fontAlgn="base" latinLnBrk="0" hangingPunct="1">
+                      <a:lnSpc>
+                        <a:spcPct val="100000"/>
+                      </a:lnSpc>
+                      <a:spcBef>
+                        <a:spcPct val="0"/>
+                      </a:spcBef>
+                      <a:spcAft>
+                        <a:spcPct val="0"/>
+                      </a:spcAft>
+                      <a:buClrTx/>
+                      <a:buSzTx/>
+                      <a:buFontTx/>
+                      <a:buNone/>
+                      <a:tabLst/>
+                      <a:defRPr/>
+                    </a:pPr>
+                    <a:endParaRPr kumimoji="0" lang="fr-FR" sz="1000" b="0" i="0" u="none" strike="noStrike" kern="0" cap="none" spc="0" normalizeH="0" baseline="0" noProof="0" smtClean="0">
+                      <a:ln>
+                        <a:noFill/>
+                      </a:ln>
+                      <a:solidFill>
+                        <a:srgbClr val="FFFFFF"/>
+                      </a:solidFill>
+                      <a:effectLst/>
+                      <a:uLnTx/>
+                      <a:uFillTx/>
+                      <a:latin typeface="Calibri"/>
+                      <a:ea typeface="+mn-ea"/>
+                      <a:cs typeface="+mn-cs"/>
+                    </a:endParaRPr>
+                  </a:p>
+                </p:txBody>
+              </p:sp>
+              <p:sp>
+                <p:nvSpPr>
+                  <p:cNvPr id="139" name="Ellipse 138"/>
+                  <p:cNvSpPr/>
+                  <p:nvPr/>
+                </p:nvSpPr>
+                <p:spPr>
+                  <a:xfrm>
+                    <a:off x="5158953" y="1889945"/>
+                    <a:ext cx="161192" cy="127915"/>
+                  </a:xfrm>
+                  <a:prstGeom prst="ellipse">
+                    <a:avLst/>
+                  </a:prstGeom>
+                  <a:solidFill>
+                    <a:schemeClr val="tx1"/>
+                  </a:solidFill>
+                  <a:ln w="25400" cap="flat" cmpd="sng" algn="ctr">
+                    <a:solidFill>
+                      <a:schemeClr val="tx1"/>
+                    </a:solidFill>
+                    <a:prstDash val="solid"/>
+                  </a:ln>
+                  <a:effectLst/>
+                </p:spPr>
+                <p:txBody>
+                  <a:bodyPr rtlCol="0" anchor="ctr"/>
+                  <a:lstStyle/>
+                  <a:p>
+                    <a:pPr marL="0" marR="0" lvl="0" indent="0" algn="ctr" defTabSz="914400" eaLnBrk="1" fontAlgn="base" latinLnBrk="0" hangingPunct="1">
+                      <a:lnSpc>
+                        <a:spcPct val="100000"/>
+                      </a:lnSpc>
+                      <a:spcBef>
+                        <a:spcPct val="0"/>
+                      </a:spcBef>
+                      <a:spcAft>
+                        <a:spcPct val="0"/>
+                      </a:spcAft>
+                      <a:buClrTx/>
+                      <a:buSzTx/>
+                      <a:buFontTx/>
+                      <a:buNone/>
+                      <a:tabLst/>
+                      <a:defRPr/>
+                    </a:pPr>
+                    <a:endParaRPr kumimoji="0" lang="fr-FR" sz="1000" b="0" i="0" u="none" strike="noStrike" kern="0" cap="none" spc="0" normalizeH="0" baseline="0" noProof="0" smtClean="0">
+                      <a:ln>
+                        <a:noFill/>
+                      </a:ln>
+                      <a:solidFill>
+                        <a:srgbClr val="FFFFFF"/>
+                      </a:solidFill>
+                      <a:effectLst/>
+                      <a:uLnTx/>
+                      <a:uFillTx/>
+                      <a:latin typeface="Calibri"/>
+                      <a:ea typeface="+mn-ea"/>
+                      <a:cs typeface="+mn-cs"/>
+                    </a:endParaRPr>
+                  </a:p>
+                </p:txBody>
+              </p:sp>
+            </p:grpSp>
+          </p:grpSp>
+        </p:grpSp>
+        <p:grpSp>
+          <p:nvGrpSpPr>
+            <p:cNvPr id="248" name="Groupe 247"/>
+            <p:cNvGrpSpPr/>
+            <p:nvPr/>
+          </p:nvGrpSpPr>
+          <p:grpSpPr>
+            <a:xfrm>
+              <a:off x="2608393" y="3029595"/>
+              <a:ext cx="2392083" cy="1649653"/>
+              <a:chOff x="2608393" y="3029595"/>
+              <a:chExt cx="2392083" cy="1649653"/>
+            </a:xfrm>
+          </p:grpSpPr>
+          <mc:AlternateContent xmlns:mc="http://schemas.openxmlformats.org/markup-compatibility/2006">
+            <mc:Choice xmlns:a14="http://schemas.microsoft.com/office/drawing/2010/main" Requires="a14">
+              <p:sp>
+                <p:nvSpPr>
+                  <p:cNvPr id="146" name="Rectangle 145"/>
+                  <p:cNvSpPr/>
+                  <p:nvPr/>
+                </p:nvSpPr>
+                <p:spPr>
+                  <a:xfrm>
+                    <a:off x="2890986" y="4014946"/>
+                    <a:ext cx="686452" cy="511538"/>
+                  </a:xfrm>
+                  <a:prstGeom prst="rect">
+                    <a:avLst/>
+                  </a:prstGeom>
+                </p:spPr>
+                <p:txBody>
+                  <a:bodyPr wrap="none">
+                    <a:spAutoFit/>
+                  </a:bodyPr>
+                  <a:lstStyle/>
+                  <a:p>
+                    <a:pPr marL="0" marR="0" lvl="0" indent="0" defTabSz="914400" eaLnBrk="1" fontAlgn="base" latinLnBrk="0" hangingPunct="1">
+                      <a:lnSpc>
+                        <a:spcPct val="100000"/>
+                      </a:lnSpc>
+                      <a:spcBef>
+                        <a:spcPct val="0"/>
+                      </a:spcBef>
+                      <a:spcAft>
+                        <a:spcPct val="0"/>
+                      </a:spcAft>
+                      <a:buClrTx/>
+                      <a:buSzTx/>
+                      <a:buFontTx/>
+                      <a:buNone/>
+                      <a:tabLst/>
+                      <a:defRPr/>
+                    </a:pPr>
+                    <a14:m>
+                      <m:oMathPara xmlns:m="http://schemas.openxmlformats.org/officeDocument/2006/math">
+                        <m:oMathParaPr>
+                          <m:jc m:val="centerGroup"/>
+                        </m:oMathParaPr>
+                        <m:oMath xmlns:m="http://schemas.openxmlformats.org/officeDocument/2006/math">
+                          <m:r>
+                            <a:rPr kumimoji="0" lang="fr-FR" sz="1400" b="1" i="1" u="none" strike="noStrike" kern="0" cap="none" spc="0" normalizeH="0" baseline="0" noProof="0" smtClean="0">
+                              <a:ln>
+                                <a:noFill/>
+                              </a:ln>
+                              <a:solidFill>
+                                <a:srgbClr val="000000"/>
+                              </a:solidFill>
+                              <a:effectLst/>
+                              <a:uLnTx/>
+                              <a:uFillTx/>
+                              <a:latin typeface="Cambria Math" panose="02040503050406030204" pitchFamily="18" charset="0"/>
+                            </a:rPr>
+                            <m:t>−</m:t>
+                          </m:r>
+                          <m:r>
+                            <a:rPr kumimoji="0" lang="fr-FR" sz="1400" b="1" i="1" u="none" strike="noStrike" kern="0" cap="none" spc="0" normalizeH="0" baseline="0" noProof="0" smtClean="0">
+                              <a:ln>
+                                <a:noFill/>
+                              </a:ln>
+                              <a:solidFill>
+                                <a:srgbClr val="000000"/>
+                              </a:solidFill>
+                              <a:effectLst/>
+                              <a:uLnTx/>
+                              <a:uFillTx/>
+                              <a:latin typeface="Cambria Math" panose="02040503050406030204" pitchFamily="18" charset="0"/>
+                            </a:rPr>
+                            <m:t>𝟏</m:t>
+                          </m:r>
+                        </m:oMath>
+                      </m:oMathPara>
+                    </a14:m>
+                    <a:endParaRPr kumimoji="0" lang="fr-FR" sz="1400" b="1" i="0" u="none" strike="noStrike" kern="0" cap="none" spc="0" normalizeH="0" baseline="0" noProof="0" dirty="0" smtClean="0">
+                      <a:ln>
+                        <a:noFill/>
+                      </a:ln>
+                      <a:solidFill>
+                        <a:srgbClr val="000000"/>
+                      </a:solidFill>
+                      <a:effectLst/>
+                      <a:uLnTx/>
+                      <a:uFillTx/>
+                      <a:latin typeface="Arial" charset="0"/>
+                      <a:cs typeface="Arial" charset="0"/>
+                    </a:endParaRPr>
+                  </a:p>
+                </p:txBody>
+              </p:sp>
+            </mc:Choice>
+            <mc:Fallback>
+              <p:sp>
+                <p:nvSpPr>
+                  <p:cNvPr id="146" name="Rectangle 145"/>
+                  <p:cNvSpPr>
+                    <a:spLocks noRot="1" noChangeAspect="1" noMove="1" noResize="1" noEditPoints="1" noAdjustHandles="1" noChangeArrowheads="1" noChangeShapeType="1" noTextEdit="1"/>
+                  </p:cNvSpPr>
+                  <p:nvPr/>
+                </p:nvSpPr>
+                <p:spPr>
+                  <a:xfrm>
+                    <a:off x="2890986" y="4014946"/>
+                    <a:ext cx="686452" cy="511538"/>
+                  </a:xfrm>
+                  <a:prstGeom prst="rect">
+                    <a:avLst/>
+                  </a:prstGeom>
+                  <a:blipFill rotWithShape="0">
+                    <a:blip r:embed="rId6"/>
+                    <a:stretch>
+                      <a:fillRect/>
+                    </a:stretch>
+                  </a:blipFill>
+                </p:spPr>
+                <p:txBody>
+                  <a:bodyPr/>
+                  <a:lstStyle/>
+                  <a:p>
+                    <a:r>
+                      <a:rPr lang="fr-FR">
+                        <a:noFill/>
+                      </a:rPr>
+                      <a:t> </a:t>
+                    </a:r>
+                  </a:p>
+                </p:txBody>
+              </p:sp>
+            </mc:Fallback>
+          </mc:AlternateContent>
+          <p:grpSp>
+            <p:nvGrpSpPr>
+              <p:cNvPr id="147" name="Groupe 146"/>
+              <p:cNvGrpSpPr/>
+              <p:nvPr/>
+            </p:nvGrpSpPr>
+            <p:grpSpPr>
+              <a:xfrm>
+                <a:off x="2608393" y="3029595"/>
+                <a:ext cx="2392083" cy="1649653"/>
+                <a:chOff x="669563" y="4148425"/>
+                <a:chExt cx="2392083" cy="1649653"/>
+              </a:xfrm>
+            </p:grpSpPr>
+            <mc:AlternateContent xmlns:mc="http://schemas.openxmlformats.org/markup-compatibility/2006">
+              <mc:Choice xmlns:a14="http://schemas.microsoft.com/office/drawing/2010/main" Requires="a14">
+                <p:sp>
+                  <p:nvSpPr>
+                    <p:cNvPr id="148" name="ZoneTexte 147"/>
+                    <p:cNvSpPr txBox="1"/>
+                    <p:nvPr/>
+                  </p:nvSpPr>
+                  <p:spPr>
+                    <a:xfrm>
+                      <a:off x="669563" y="4650085"/>
+                      <a:ext cx="327333" cy="307777"/>
+                    </a:xfrm>
+                    <a:prstGeom prst="rect">
+                      <a:avLst/>
+                    </a:prstGeom>
+                    <a:noFill/>
+                  </p:spPr>
+                  <p:txBody>
+                    <a:bodyPr wrap="none" rtlCol="0">
+                      <a:spAutoFit/>
+                    </a:bodyPr>
+                    <a:lstStyle/>
+                    <a:p>
+                      <a14:m>
+                        <m:oMathPara xmlns:m="http://schemas.openxmlformats.org/officeDocument/2006/math">
+                          <m:oMathParaPr>
+                            <m:jc m:val="centerGroup"/>
+                          </m:oMathParaPr>
+                          <m:oMath xmlns:m="http://schemas.openxmlformats.org/officeDocument/2006/math">
+                            <m:r>
+                              <a:rPr lang="fr-FR" sz="1400" b="1" i="1" kern="0">
+                                <a:solidFill>
+                                  <a:srgbClr val="000000"/>
+                                </a:solidFill>
+                                <a:latin typeface="Cambria Math" panose="02040503050406030204" pitchFamily="18" charset="0"/>
+                                <a:ea typeface="Cambria Math" panose="02040503050406030204" pitchFamily="18" charset="0"/>
+                                <a:cs typeface="Times New Roman" panose="02020603050405020304" pitchFamily="18" charset="0"/>
+                              </a:rPr>
+                              <m:t>𝜻</m:t>
+                            </m:r>
+                          </m:oMath>
+                        </m:oMathPara>
+                      </a14:m>
+                      <a:endParaRPr lang="fr-FR" sz="1050" kern="0" dirty="0">
+                        <a:solidFill>
+                          <a:srgbClr val="87888A"/>
+                        </a:solidFill>
+                        <a:latin typeface="Arial" charset="0"/>
+                        <a:cs typeface="Arial" charset="0"/>
+                      </a:endParaRPr>
+                    </a:p>
+                  </p:txBody>
+                </p:sp>
+              </mc:Choice>
+              <mc:Fallback>
+                <p:sp>
+                  <p:nvSpPr>
+                    <p:cNvPr id="148" name="ZoneTexte 147"/>
+                    <p:cNvSpPr txBox="1">
+                      <a:spLocks noRot="1" noChangeAspect="1" noMove="1" noResize="1" noEditPoints="1" noAdjustHandles="1" noChangeArrowheads="1" noChangeShapeType="1" noTextEdit="1"/>
+                    </p:cNvSpPr>
+                    <p:nvPr/>
+                  </p:nvSpPr>
+                  <p:spPr>
+                    <a:xfrm>
+                      <a:off x="669563" y="4650085"/>
+                      <a:ext cx="327333" cy="307777"/>
+                    </a:xfrm>
+                    <a:prstGeom prst="rect">
+                      <a:avLst/>
+                    </a:prstGeom>
+                    <a:blipFill rotWithShape="0">
+                      <a:blip r:embed="rId7"/>
+                      <a:stretch>
+                        <a:fillRect b="-7843"/>
+                      </a:stretch>
+                    </a:blipFill>
+                  </p:spPr>
+                  <p:txBody>
+                    <a:bodyPr/>
+                    <a:lstStyle/>
+                    <a:p>
+                      <a:r>
+                        <a:rPr lang="fr-FR">
+                          <a:noFill/>
+                        </a:rPr>
+                        <a:t> </a:t>
+                      </a:r>
+                    </a:p>
+                  </p:txBody>
+                </p:sp>
+              </mc:Fallback>
+            </mc:AlternateContent>
+            <mc:AlternateContent xmlns:mc="http://schemas.openxmlformats.org/markup-compatibility/2006">
+              <mc:Choice xmlns:a14="http://schemas.microsoft.com/office/drawing/2010/main" Requires="a14">
+                <p:sp>
+                  <p:nvSpPr>
+                    <p:cNvPr id="149" name="ZoneTexte 148"/>
+                    <p:cNvSpPr txBox="1"/>
+                    <p:nvPr/>
+                  </p:nvSpPr>
+                  <p:spPr>
+                    <a:xfrm>
+                      <a:off x="2451304" y="5470905"/>
+                      <a:ext cx="328936" cy="307777"/>
+                    </a:xfrm>
+                    <a:prstGeom prst="rect">
+                      <a:avLst/>
+                    </a:prstGeom>
+                    <a:noFill/>
+                  </p:spPr>
+                  <p:txBody>
+                    <a:bodyPr wrap="none" rtlCol="0">
+                      <a:spAutoFit/>
+                    </a:bodyPr>
+                    <a:lstStyle/>
+                    <a:p>
+                      <a:pPr/>
+                      <a14:m>
+                        <m:oMathPara xmlns:m="http://schemas.openxmlformats.org/officeDocument/2006/math">
+                          <m:oMathParaPr>
+                            <m:jc m:val="centerGroup"/>
+                          </m:oMathParaPr>
+                          <m:oMath xmlns:m="http://schemas.openxmlformats.org/officeDocument/2006/math">
+                            <m:r>
+                              <a:rPr lang="fr-FR" sz="1400" b="1" i="1" dirty="0" smtClean="0">
+                                <a:latin typeface="Cambria Math" panose="02040503050406030204" pitchFamily="18" charset="0"/>
+                              </a:rPr>
+                              <m:t>𝒙</m:t>
+                            </m:r>
+                          </m:oMath>
+                        </m:oMathPara>
+                      </a14:m>
+                      <a:endParaRPr lang="fr-FR" sz="1400" b="1" dirty="0"/>
+                    </a:p>
+                  </p:txBody>
+                </p:sp>
+              </mc:Choice>
+              <mc:Fallback>
+                <p:sp>
+                  <p:nvSpPr>
+                    <p:cNvPr id="149" name="ZoneTexte 148"/>
+                    <p:cNvSpPr txBox="1">
+                      <a:spLocks noRot="1" noChangeAspect="1" noMove="1" noResize="1" noEditPoints="1" noAdjustHandles="1" noChangeArrowheads="1" noChangeShapeType="1" noTextEdit="1"/>
+                    </p:cNvSpPr>
+                    <p:nvPr/>
+                  </p:nvSpPr>
+                  <p:spPr>
+                    <a:xfrm>
+                      <a:off x="2451304" y="5470905"/>
+                      <a:ext cx="328936" cy="307777"/>
+                    </a:xfrm>
+                    <a:prstGeom prst="rect">
+                      <a:avLst/>
+                    </a:prstGeom>
+                    <a:blipFill rotWithShape="0">
+                      <a:blip r:embed="rId8"/>
+                      <a:stretch>
+                        <a:fillRect/>
+                      </a:stretch>
+                    </a:blipFill>
+                  </p:spPr>
+                  <p:txBody>
+                    <a:bodyPr/>
+                    <a:lstStyle/>
+                    <a:p>
+                      <a:r>
+                        <a:rPr lang="fr-FR">
+                          <a:noFill/>
+                        </a:rPr>
+                        <a:t> </a:t>
+                      </a:r>
+                    </a:p>
+                  </p:txBody>
+                </p:sp>
+              </mc:Fallback>
+            </mc:AlternateContent>
+            <mc:AlternateContent xmlns:mc="http://schemas.openxmlformats.org/markup-compatibility/2006">
+              <mc:Choice xmlns:a14="http://schemas.microsoft.com/office/drawing/2010/main" Requires="a14">
+                <p:sp>
+                  <p:nvSpPr>
+                    <p:cNvPr id="150" name="ZoneTexte 149"/>
+                    <p:cNvSpPr txBox="1"/>
+                    <p:nvPr/>
+                  </p:nvSpPr>
+                  <p:spPr>
+                    <a:xfrm>
+                      <a:off x="1160197" y="5480603"/>
+                      <a:ext cx="292067" cy="307777"/>
+                    </a:xfrm>
+                    <a:prstGeom prst="rect">
+                      <a:avLst/>
+                    </a:prstGeom>
+                    <a:noFill/>
+                  </p:spPr>
+                  <p:txBody>
+                    <a:bodyPr wrap="none" rtlCol="0">
+                      <a:spAutoFit/>
+                    </a:bodyPr>
+                    <a:lstStyle/>
+                    <a:p>
+                      <a:pPr/>
+                      <a14:m>
+                        <m:oMathPara xmlns:m="http://schemas.openxmlformats.org/officeDocument/2006/math">
+                          <m:oMathParaPr>
+                            <m:jc m:val="centerGroup"/>
+                          </m:oMathParaPr>
+                          <m:oMath xmlns:m="http://schemas.openxmlformats.org/officeDocument/2006/math">
+                            <m:r>
+                              <a:rPr lang="fr-FR" sz="1400" b="1" i="1" smtClean="0">
+                                <a:latin typeface="Cambria Math" panose="02040503050406030204" pitchFamily="18" charset="0"/>
+                              </a:rPr>
+                              <m:t>𝒊</m:t>
+                            </m:r>
+                          </m:oMath>
+                        </m:oMathPara>
+                      </a14:m>
+                      <a:endParaRPr lang="fr-FR" sz="1400" b="1" dirty="0"/>
+                    </a:p>
+                  </p:txBody>
+                </p:sp>
+              </mc:Choice>
+              <mc:Fallback>
+                <p:sp>
+                  <p:nvSpPr>
+                    <p:cNvPr id="150" name="ZoneTexte 149"/>
+                    <p:cNvSpPr txBox="1">
+                      <a:spLocks noRot="1" noChangeAspect="1" noMove="1" noResize="1" noEditPoints="1" noAdjustHandles="1" noChangeArrowheads="1" noChangeShapeType="1" noTextEdit="1"/>
+                    </p:cNvSpPr>
+                    <p:nvPr/>
+                  </p:nvSpPr>
+                  <p:spPr>
+                    <a:xfrm>
+                      <a:off x="1160197" y="5480603"/>
+                      <a:ext cx="292067" cy="307777"/>
+                    </a:xfrm>
+                    <a:prstGeom prst="rect">
+                      <a:avLst/>
+                    </a:prstGeom>
+                    <a:blipFill rotWithShape="0">
+                      <a:blip r:embed="rId9"/>
+                      <a:stretch>
+                        <a:fillRect/>
+                      </a:stretch>
+                    </a:blipFill>
+                  </p:spPr>
+                  <p:txBody>
+                    <a:bodyPr/>
+                    <a:lstStyle/>
+                    <a:p>
+                      <a:r>
+                        <a:rPr lang="fr-FR">
+                          <a:noFill/>
+                        </a:rPr>
+                        <a:t> </a:t>
+                      </a:r>
+                    </a:p>
+                  </p:txBody>
+                </p:sp>
+              </mc:Fallback>
+            </mc:AlternateContent>
+            <mc:AlternateContent xmlns:mc="http://schemas.openxmlformats.org/markup-compatibility/2006">
+              <mc:Choice xmlns:a14="http://schemas.microsoft.com/office/drawing/2010/main" Requires="a14">
+                <p:sp>
+                  <p:nvSpPr>
+                    <p:cNvPr id="151" name="ZoneTexte 150"/>
+                    <p:cNvSpPr txBox="1"/>
+                    <p:nvPr/>
+                  </p:nvSpPr>
+                  <p:spPr>
+                    <a:xfrm>
+                      <a:off x="680284" y="5211055"/>
+                      <a:ext cx="295274" cy="307777"/>
+                    </a:xfrm>
+                    <a:prstGeom prst="rect">
+                      <a:avLst/>
+                    </a:prstGeom>
+                    <a:noFill/>
+                  </p:spPr>
+                  <p:txBody>
+                    <a:bodyPr wrap="none" rtlCol="0">
+                      <a:spAutoFit/>
+                    </a:bodyPr>
+                    <a:lstStyle/>
+                    <a:p>
+                      <a:pPr/>
+                      <a14:m>
+                        <m:oMathPara xmlns:m="http://schemas.openxmlformats.org/officeDocument/2006/math">
+                          <m:oMathParaPr>
+                            <m:jc m:val="centerGroup"/>
+                          </m:oMathParaPr>
+                          <m:oMath xmlns:m="http://schemas.openxmlformats.org/officeDocument/2006/math">
+                            <m:r>
+                              <a:rPr lang="fr-FR" sz="1400" b="1" i="1" smtClean="0">
+                                <a:latin typeface="Cambria Math" panose="02040503050406030204" pitchFamily="18" charset="0"/>
+                              </a:rPr>
+                              <m:t>𝒋</m:t>
+                            </m:r>
+                          </m:oMath>
+                        </m:oMathPara>
+                      </a14:m>
+                      <a:endParaRPr lang="fr-FR" sz="1400" b="1" dirty="0"/>
+                    </a:p>
+                  </p:txBody>
+                </p:sp>
+              </mc:Choice>
+              <mc:Fallback>
+                <p:sp>
+                  <p:nvSpPr>
+                    <p:cNvPr id="151" name="ZoneTexte 150"/>
+                    <p:cNvSpPr txBox="1">
+                      <a:spLocks noRot="1" noChangeAspect="1" noMove="1" noResize="1" noEditPoints="1" noAdjustHandles="1" noChangeArrowheads="1" noChangeShapeType="1" noTextEdit="1"/>
+                    </p:cNvSpPr>
+                    <p:nvPr/>
+                  </p:nvSpPr>
+                  <p:spPr>
+                    <a:xfrm>
+                      <a:off x="680284" y="5211055"/>
+                      <a:ext cx="295274" cy="307777"/>
+                    </a:xfrm>
+                    <a:prstGeom prst="rect">
+                      <a:avLst/>
+                    </a:prstGeom>
+                    <a:blipFill rotWithShape="0">
+                      <a:blip r:embed="rId10"/>
+                      <a:stretch>
+                        <a:fillRect b="-5882"/>
+                      </a:stretch>
+                    </a:blipFill>
+                  </p:spPr>
+                  <p:txBody>
+                    <a:bodyPr/>
+                    <a:lstStyle/>
+                    <a:p>
+                      <a:r>
+                        <a:rPr lang="fr-FR">
+                          <a:noFill/>
+                        </a:rPr>
+                        <a:t> </a:t>
+                      </a:r>
+                    </a:p>
+                  </p:txBody>
+                </p:sp>
+              </mc:Fallback>
+            </mc:AlternateContent>
+            <p:cxnSp>
+              <p:nvCxnSpPr>
+                <p:cNvPr id="152" name="Connecteur droit avec flèche 151"/>
+                <p:cNvCxnSpPr/>
+                <p:nvPr/>
+              </p:nvCxnSpPr>
+              <p:spPr>
+                <a:xfrm>
+                  <a:off x="832233" y="5798078"/>
+                  <a:ext cx="2229413" cy="0"/>
+                </a:xfrm>
+                <a:prstGeom prst="straightConnector1">
+                  <a:avLst/>
+                </a:prstGeom>
+                <a:ln w="28575">
+                  <a:solidFill>
+                    <a:schemeClr val="tx1"/>
+                  </a:solidFill>
+                  <a:tailEnd type="triangle"/>
+                </a:ln>
+              </p:spPr>
+              <p:style>
+                <a:lnRef idx="1">
+                  <a:schemeClr val="accent1"/>
+                </a:lnRef>
+                <a:fillRef idx="0">
+                  <a:schemeClr val="accent1"/>
+                </a:fillRef>
+                <a:effectRef idx="0">
+                  <a:schemeClr val="accent1"/>
+                </a:effectRef>
+                <a:fontRef idx="minor">
+                  <a:schemeClr val="tx1"/>
+                </a:fontRef>
+              </p:style>
+            </p:cxnSp>
+            <p:cxnSp>
+              <p:nvCxnSpPr>
+                <p:cNvPr id="153" name="Connecteur droit avec flèche 152"/>
+                <p:cNvCxnSpPr/>
+                <p:nvPr/>
+              </p:nvCxnSpPr>
+              <p:spPr>
+                <a:xfrm flipV="1">
+                  <a:off x="987204" y="4148425"/>
+                  <a:ext cx="12242" cy="1649653"/>
+                </a:xfrm>
+                <a:prstGeom prst="straightConnector1">
+                  <a:avLst/>
+                </a:prstGeom>
+                <a:ln w="28575">
+                  <a:solidFill>
+                    <a:schemeClr val="tx1"/>
+                  </a:solidFill>
+                  <a:tailEnd type="triangle"/>
+                </a:ln>
+              </p:spPr>
+              <p:style>
+                <a:lnRef idx="1">
+                  <a:schemeClr val="accent1"/>
+                </a:lnRef>
+                <a:fillRef idx="0">
+                  <a:schemeClr val="accent1"/>
+                </a:fillRef>
+                <a:effectRef idx="0">
+                  <a:schemeClr val="accent1"/>
+                </a:effectRef>
+                <a:fontRef idx="minor">
+                  <a:schemeClr val="tx1"/>
+                </a:fontRef>
+              </p:style>
+            </p:cxnSp>
+            <p:cxnSp>
+              <p:nvCxnSpPr>
+                <p:cNvPr id="154" name="Connecteur droit avec flèche 153"/>
+                <p:cNvCxnSpPr/>
+                <p:nvPr/>
+              </p:nvCxnSpPr>
+              <p:spPr>
+                <a:xfrm flipV="1">
+                  <a:off x="984634" y="5364943"/>
+                  <a:ext cx="0" cy="259850"/>
+                </a:xfrm>
+                <a:prstGeom prst="straightConnector1">
+                  <a:avLst/>
+                </a:prstGeom>
+                <a:ln w="28575">
+                  <a:solidFill>
+                    <a:schemeClr val="tx1"/>
+                  </a:solidFill>
+                  <a:tailEnd type="triangle" w="lg" len="lg"/>
+                </a:ln>
+              </p:spPr>
+              <p:style>
+                <a:lnRef idx="1">
+                  <a:schemeClr val="accent1"/>
+                </a:lnRef>
+                <a:fillRef idx="0">
+                  <a:schemeClr val="accent1"/>
+                </a:fillRef>
+                <a:effectRef idx="0">
+                  <a:schemeClr val="accent1"/>
+                </a:effectRef>
+                <a:fontRef idx="minor">
+                  <a:schemeClr val="tx1"/>
+                </a:fontRef>
+              </p:style>
+            </p:cxnSp>
+            <p:cxnSp>
+              <p:nvCxnSpPr>
+                <p:cNvPr id="155" name="Connecteur droit avec flèche 154"/>
+                <p:cNvCxnSpPr/>
+                <p:nvPr/>
+              </p:nvCxnSpPr>
+              <p:spPr>
+                <a:xfrm>
+                  <a:off x="830504" y="5784038"/>
+                  <a:ext cx="712298" cy="1947"/>
+                </a:xfrm>
+                <a:prstGeom prst="straightConnector1">
+                  <a:avLst/>
+                </a:prstGeom>
+                <a:ln w="28575">
+                  <a:solidFill>
+                    <a:schemeClr val="tx1"/>
+                  </a:solidFill>
+                  <a:tailEnd type="triangle" w="lg" len="lg"/>
+                </a:ln>
+              </p:spPr>
+              <p:style>
+                <a:lnRef idx="1">
+                  <a:schemeClr val="accent1"/>
+                </a:lnRef>
+                <a:fillRef idx="0">
+                  <a:schemeClr val="accent1"/>
+                </a:fillRef>
+                <a:effectRef idx="0">
+                  <a:schemeClr val="accent1"/>
+                </a:effectRef>
+                <a:fontRef idx="minor">
+                  <a:schemeClr val="tx1"/>
+                </a:fontRef>
+              </p:style>
+            </p:cxnSp>
+          </p:grpSp>
+        </p:grpSp>
+        <mc:AlternateContent xmlns:mc="http://schemas.openxmlformats.org/markup-compatibility/2006">
+          <mc:Choice xmlns:a14="http://schemas.microsoft.com/office/drawing/2010/main" Requires="a14">
+            <p:sp>
+              <p:nvSpPr>
+                <p:cNvPr id="156" name="Rectangle 155"/>
+                <p:cNvSpPr/>
+                <p:nvPr/>
+              </p:nvSpPr>
+              <p:spPr>
+                <a:xfrm>
+                  <a:off x="2942132" y="793974"/>
+                  <a:ext cx="492435" cy="511538"/>
+                </a:xfrm>
+                <a:prstGeom prst="rect">
+                  <a:avLst/>
+                </a:prstGeom>
+              </p:spPr>
+              <p:txBody>
+                <a:bodyPr wrap="none">
+                  <a:spAutoFit/>
+                </a:bodyPr>
+                <a:lstStyle/>
+                <a:p>
+                  <a:pPr marL="0" marR="0" lvl="0" indent="0" defTabSz="914400" eaLnBrk="1" fontAlgn="base" latinLnBrk="0" hangingPunct="1">
+                    <a:lnSpc>
+                      <a:spcPct val="100000"/>
+                    </a:lnSpc>
+                    <a:spcBef>
+                      <a:spcPct val="0"/>
+                    </a:spcBef>
+                    <a:spcAft>
+                      <a:spcPct val="0"/>
+                    </a:spcAft>
+                    <a:buClrTx/>
+                    <a:buSzTx/>
+                    <a:buFontTx/>
+                    <a:buNone/>
+                    <a:tabLst/>
+                    <a:defRPr/>
+                  </a:pPr>
+                  <a14:m>
+                    <m:oMathPara xmlns:m="http://schemas.openxmlformats.org/officeDocument/2006/math">
+                      <m:oMathParaPr>
+                        <m:jc m:val="centerGroup"/>
+                      </m:oMathParaPr>
+                      <m:oMath xmlns:m="http://schemas.openxmlformats.org/officeDocument/2006/math">
+                        <m:r>
+                          <a:rPr kumimoji="0" lang="fr-FR" sz="1400" b="1" i="1" u="none" strike="noStrike" kern="0" cap="none" spc="0" normalizeH="0" baseline="0" noProof="0" smtClean="0">
+                            <a:ln>
+                              <a:noFill/>
+                            </a:ln>
+                            <a:solidFill>
+                              <a:srgbClr val="000000"/>
+                            </a:solidFill>
+                            <a:effectLst/>
+                            <a:uLnTx/>
+                            <a:uFillTx/>
+                            <a:latin typeface="Cambria Math" panose="02040503050406030204" pitchFamily="18" charset="0"/>
+                          </a:rPr>
+                          <m:t>𝟏</m:t>
+                        </m:r>
+                      </m:oMath>
+                    </m:oMathPara>
+                  </a14:m>
+                  <a:endParaRPr kumimoji="0" lang="fr-FR" sz="1400" b="1" i="0" u="none" strike="noStrike" kern="0" cap="none" spc="0" normalizeH="0" baseline="0" noProof="0" dirty="0" smtClean="0">
+                    <a:ln>
+                      <a:noFill/>
+                    </a:ln>
+                    <a:solidFill>
+                      <a:srgbClr val="000000"/>
+                    </a:solidFill>
+                    <a:effectLst/>
+                    <a:uLnTx/>
+                    <a:uFillTx/>
+                    <a:latin typeface="Arial" charset="0"/>
+                    <a:cs typeface="Arial" charset="0"/>
+                  </a:endParaRPr>
+                </a:p>
+              </p:txBody>
+            </p:sp>
+          </mc:Choice>
+          <mc:Fallback>
+            <p:sp>
+              <p:nvSpPr>
+                <p:cNvPr id="156" name="Rectangle 155"/>
+                <p:cNvSpPr>
+                  <a:spLocks noRot="1" noChangeAspect="1" noMove="1" noResize="1" noEditPoints="1" noAdjustHandles="1" noChangeArrowheads="1" noChangeShapeType="1" noTextEdit="1"/>
+                </p:cNvSpPr>
+                <p:nvPr/>
+              </p:nvSpPr>
+              <p:spPr>
+                <a:xfrm>
+                  <a:off x="2942132" y="793974"/>
+                  <a:ext cx="492435" cy="511538"/>
+                </a:xfrm>
+                <a:prstGeom prst="rect">
+                  <a:avLst/>
+                </a:prstGeom>
+                <a:blipFill rotWithShape="0">
+                  <a:blip r:embed="rId11"/>
+                  <a:stretch>
+                    <a:fillRect/>
+                  </a:stretch>
+                </a:blipFill>
+              </p:spPr>
+              <p:txBody>
+                <a:bodyPr/>
+                <a:lstStyle/>
+                <a:p>
+                  <a:r>
+                    <a:rPr lang="fr-FR">
+                      <a:noFill/>
+                    </a:rPr>
+                    <a:t> </a:t>
+                  </a:r>
+                </a:p>
+              </p:txBody>
+            </p:sp>
+          </mc:Fallback>
+        </mc:AlternateContent>
+        <p:sp>
+          <p:nvSpPr>
+            <p:cNvPr id="251" name="ZoneTexte 250"/>
+            <p:cNvSpPr txBox="1"/>
+            <p:nvPr/>
+          </p:nvSpPr>
+          <p:spPr>
+            <a:xfrm>
+              <a:off x="1970468" y="2577582"/>
+              <a:ext cx="1457450" cy="307777"/>
+            </a:xfrm>
+            <a:prstGeom prst="rect">
+              <a:avLst/>
+            </a:prstGeom>
+            <a:noFill/>
+          </p:spPr>
+          <p:txBody>
+            <a:bodyPr wrap="none" rtlCol="0">
+              <a:spAutoFit/>
+            </a:bodyPr>
+            <a:lstStyle/>
+            <a:p>
+              <a:pPr marL="0" marR="0" lvl="0" indent="0" defTabSz="914400" eaLnBrk="1" fontAlgn="base" latinLnBrk="0" hangingPunct="1">
+                <a:lnSpc>
+                  <a:spcPct val="100000"/>
+                </a:lnSpc>
+                <a:spcBef>
+                  <a:spcPct val="0"/>
+                </a:spcBef>
+                <a:spcAft>
+                  <a:spcPct val="0"/>
+                </a:spcAft>
+                <a:buClrTx/>
+                <a:buSzTx/>
+                <a:buFontTx/>
+                <a:buNone/>
+                <a:tabLst/>
+                <a:defRPr/>
+              </a:pPr>
+              <a:r>
+                <a:rPr kumimoji="0" lang="fr-FR" sz="1400" i="0" u="none" strike="noStrike" kern="0" cap="none" spc="0" normalizeH="0" baseline="0" noProof="0" dirty="0" smtClean="0">
+                  <a:ln>
+                    <a:noFill/>
+                  </a:ln>
+                  <a:solidFill>
+                    <a:srgbClr val="000000"/>
+                  </a:solidFill>
+                  <a:effectLst/>
+                  <a:uLnTx/>
+                  <a:uFillTx/>
+                  <a:cs typeface="Arial" charset="0"/>
+                </a:rPr>
+                <a:t>Point de Lobbato</a:t>
+              </a:r>
+            </a:p>
+          </p:txBody>
+        </p:sp>
+        <p:sp>
+          <p:nvSpPr>
+            <p:cNvPr id="252" name="Ellipse 251"/>
+            <p:cNvSpPr/>
+            <p:nvPr/>
+          </p:nvSpPr>
+          <p:spPr>
+            <a:xfrm>
+              <a:off x="2552414" y="2449667"/>
+              <a:ext cx="161192" cy="127915"/>
+            </a:xfrm>
+            <a:prstGeom prst="ellipse">
+              <a:avLst/>
+            </a:prstGeom>
+            <a:solidFill>
+              <a:schemeClr val="tx1"/>
+            </a:solidFill>
+            <a:ln w="25400" cap="flat" cmpd="sng" algn="ctr">
+              <a:solidFill>
+                <a:schemeClr val="tx1"/>
+              </a:solidFill>
+              <a:prstDash val="solid"/>
+            </a:ln>
+            <a:effectLst/>
+          </p:spPr>
+          <p:txBody>
+            <a:bodyPr rtlCol="0" anchor="ctr"/>
+            <a:lstStyle/>
+            <a:p>
+              <a:pPr marL="0" marR="0" lvl="0" indent="0" algn="ctr" defTabSz="914400" eaLnBrk="1" fontAlgn="base" latinLnBrk="0" hangingPunct="1">
+                <a:lnSpc>
+                  <a:spcPct val="100000"/>
+                </a:lnSpc>
+                <a:spcBef>
+                  <a:spcPct val="0"/>
+                </a:spcBef>
+                <a:spcAft>
+                  <a:spcPct val="0"/>
+                </a:spcAft>
+                <a:buClrTx/>
+                <a:buSzTx/>
+                <a:buFontTx/>
+                <a:buNone/>
+                <a:tabLst/>
+                <a:defRPr/>
+              </a:pPr>
+              <a:endParaRPr kumimoji="0" lang="fr-FR" sz="1000" b="0" i="0" u="none" strike="noStrike" kern="0" cap="none" spc="0" normalizeH="0" baseline="0" noProof="0" smtClean="0">
+                <a:ln>
+                  <a:noFill/>
+                </a:ln>
+                <a:solidFill>
+                  <a:srgbClr val="FFFFFF"/>
+                </a:solidFill>
+                <a:effectLst/>
+                <a:uLnTx/>
+                <a:uFillTx/>
+                <a:latin typeface="Calibri"/>
+                <a:ea typeface="+mn-ea"/>
+                <a:cs typeface="+mn-cs"/>
+              </a:endParaRPr>
+            </a:p>
+          </p:txBody>
+        </p:sp>
+        <p:sp>
+          <p:nvSpPr>
+            <p:cNvPr id="350" name="ZoneTexte 349"/>
+            <p:cNvSpPr txBox="1"/>
+            <p:nvPr/>
+          </p:nvSpPr>
+          <p:spPr>
+            <a:xfrm>
+              <a:off x="6124905" y="579568"/>
+              <a:ext cx="280846" cy="307777"/>
+            </a:xfrm>
+            <a:prstGeom prst="rect">
+              <a:avLst/>
+            </a:prstGeom>
+            <a:noFill/>
+          </p:spPr>
+          <p:txBody>
+            <a:bodyPr wrap="none" rtlCol="0">
+              <a:spAutoFit/>
+            </a:bodyPr>
+            <a:lstStyle/>
+            <a:p>
+              <a:r>
+                <a:rPr lang="fr-FR" sz="1400" b="1" dirty="0"/>
+                <a:t>P</a:t>
+              </a:r>
+              <a:endParaRPr lang="fr-FR" sz="1400" b="1" dirty="0"/>
+            </a:p>
+          </p:txBody>
+        </p:sp>
+      </p:grpSp>
+    </p:spTree>
+    <p:extLst>
+      <p:ext uri="{BB962C8B-B14F-4D97-AF65-F5344CB8AC3E}">
+        <p14:creationId xmlns:p14="http://schemas.microsoft.com/office/powerpoint/2010/main" val="1582345384"/>
+      </p:ext>
+    </p:extLst>
+  </p:cSld>
+  <p:clrMapOvr>
+    <a:masterClrMapping/>
+  </p:clrMapOvr>
+</p:sld>
+</file>
+
+<file path=ppt/slides/slide5.xml><?xml version="1.0" encoding="utf-8"?>
+<p:sld xmlns:a="http://schemas.openxmlformats.org/drawingml/2006/main" xmlns:r="http://schemas.openxmlformats.org/officeDocument/2006/relationships" xmlns:p="http://schemas.openxmlformats.org/presentationml/2006/main">
+  <p:cSld>
+    <p:spTree>
+      <p:nvGrpSpPr>
+        <p:cNvPr id="1" name=""/>
+        <p:cNvGrpSpPr/>
+        <p:nvPr/>
+      </p:nvGrpSpPr>
+      <p:grpSpPr>
+        <a:xfrm>
+          <a:off x="0" y="0"/>
+          <a:ext cx="0" cy="0"/>
+          <a:chOff x="0" y="0"/>
+          <a:chExt cx="0" cy="0"/>
+        </a:xfrm>
+      </p:grpSpPr>
+      <p:grpSp>
+        <p:nvGrpSpPr>
           <p:cNvPr id="67" name="Groupe 66"/>
           <p:cNvGrpSpPr/>
           <p:nvPr/>
@@ -29348,7 +34123,7 @@
 </p:sld>
 </file>
 
-<file path=ppt/slides/slide5.xml><?xml version="1.0" encoding="utf-8"?>
+<file path=ppt/slides/slide6.xml><?xml version="1.0" encoding="utf-8"?>
 <p:sld xmlns:a="http://schemas.openxmlformats.org/drawingml/2006/main" xmlns:r="http://schemas.openxmlformats.org/officeDocument/2006/relationships" xmlns:p="http://schemas.openxmlformats.org/presentationml/2006/main">
   <p:cSld>
     <p:spTree>
@@ -30205,7 +34980,7 @@
 </p:sld>
 </file>
 
-<file path=ppt/slides/slide6.xml><?xml version="1.0" encoding="utf-8"?>
+<file path=ppt/slides/slide7.xml><?xml version="1.0" encoding="utf-8"?>
 <p:sld xmlns:a="http://schemas.openxmlformats.org/drawingml/2006/main" xmlns:r="http://schemas.openxmlformats.org/officeDocument/2006/relationships" xmlns:p="http://schemas.openxmlformats.org/presentationml/2006/main">
   <p:cSld>
     <p:spTree>
@@ -30252,21 +35027,21 @@
                     <a:gridCol w="4805518">
                       <a:extLst>
                         <a:ext uri="{9D8B030D-6E8A-4147-A177-3AD203B41FA5}">
-                          <a16:colId xmlns:a16="http://schemas.microsoft.com/office/drawing/2014/main" xmlns="" val="3081511506"/>
+                          <a16:colId xmlns="" xmlns:a16="http://schemas.microsoft.com/office/drawing/2014/main" val="3081511506"/>
                         </a:ext>
                       </a:extLst>
                     </a:gridCol>
                     <a:gridCol w="1765060">
                       <a:extLst>
                         <a:ext uri="{9D8B030D-6E8A-4147-A177-3AD203B41FA5}">
-                          <a16:colId xmlns:a16="http://schemas.microsoft.com/office/drawing/2014/main" xmlns="" val="1214192377"/>
+                          <a16:colId xmlns="" xmlns:a16="http://schemas.microsoft.com/office/drawing/2014/main" val="1214192377"/>
                         </a:ext>
                       </a:extLst>
                     </a:gridCol>
                     <a:gridCol w="2685045">
                       <a:extLst>
                         <a:ext uri="{9D8B030D-6E8A-4147-A177-3AD203B41FA5}">
-                          <a16:colId xmlns:a16="http://schemas.microsoft.com/office/drawing/2014/main" xmlns="" val="3830110329"/>
+                          <a16:colId xmlns="" xmlns:a16="http://schemas.microsoft.com/office/drawing/2014/main" val="3830110329"/>
                         </a:ext>
                       </a:extLst>
                     </a:gridCol>
@@ -30319,7 +35094,7 @@
                     </a:tc>
                     <a:extLst>
                       <a:ext uri="{0D108BD9-81ED-4DB2-BD59-A6C34878D82A}">
-                        <a16:rowId xmlns:a16="http://schemas.microsoft.com/office/drawing/2014/main" xmlns="" val="3865599143"/>
+                        <a16:rowId xmlns="" xmlns:a16="http://schemas.microsoft.com/office/drawing/2014/main" val="3865599143"/>
                       </a:ext>
                     </a:extLst>
                   </a:tr>
@@ -30401,7 +35176,7 @@
                     </a:tc>
                     <a:extLst>
                       <a:ext uri="{0D108BD9-81ED-4DB2-BD59-A6C34878D82A}">
-                        <a16:rowId xmlns:a16="http://schemas.microsoft.com/office/drawing/2014/main" xmlns="" val="239526169"/>
+                        <a16:rowId xmlns="" xmlns:a16="http://schemas.microsoft.com/office/drawing/2014/main" val="239526169"/>
                       </a:ext>
                     </a:extLst>
                   </a:tr>
@@ -30483,7 +35258,7 @@
                     </a:tc>
                     <a:extLst>
                       <a:ext uri="{0D108BD9-81ED-4DB2-BD59-A6C34878D82A}">
-                        <a16:rowId xmlns:a16="http://schemas.microsoft.com/office/drawing/2014/main" xmlns="" val="635204047"/>
+                        <a16:rowId xmlns="" xmlns:a16="http://schemas.microsoft.com/office/drawing/2014/main" val="635204047"/>
                       </a:ext>
                     </a:extLst>
                   </a:tr>
@@ -30546,7 +35321,7 @@
                     </a:tc>
                     <a:extLst>
                       <a:ext uri="{0D108BD9-81ED-4DB2-BD59-A6C34878D82A}">
-                        <a16:rowId xmlns:a16="http://schemas.microsoft.com/office/drawing/2014/main" xmlns="" val="803137917"/>
+                        <a16:rowId xmlns="" xmlns:a16="http://schemas.microsoft.com/office/drawing/2014/main" val="803137917"/>
                       </a:ext>
                     </a:extLst>
                   </a:tr>
@@ -30613,7 +35388,7 @@
                     </a:tc>
                     <a:extLst>
                       <a:ext uri="{0D108BD9-81ED-4DB2-BD59-A6C34878D82A}">
-                        <a16:rowId xmlns:a16="http://schemas.microsoft.com/office/drawing/2014/main" xmlns="" val="3808520189"/>
+                        <a16:rowId xmlns="" xmlns:a16="http://schemas.microsoft.com/office/drawing/2014/main" val="3808520189"/>
                       </a:ext>
                     </a:extLst>
                   </a:tr>
@@ -30713,7 +35488,7 @@
                     </a:tc>
                     <a:extLst>
                       <a:ext uri="{0D108BD9-81ED-4DB2-BD59-A6C34878D82A}">
-                        <a16:rowId xmlns:a16="http://schemas.microsoft.com/office/drawing/2014/main" xmlns="" val="2470517530"/>
+                        <a16:rowId xmlns="" xmlns:a16="http://schemas.microsoft.com/office/drawing/2014/main" val="2470517530"/>
                       </a:ext>
                     </a:extLst>
                   </a:tr>
@@ -30795,7 +35570,7 @@
                     </a:tc>
                     <a:extLst>
                       <a:ext uri="{0D108BD9-81ED-4DB2-BD59-A6C34878D82A}">
-                        <a16:rowId xmlns:a16="http://schemas.microsoft.com/office/drawing/2014/main" xmlns="" val="1342816855"/>
+                        <a16:rowId xmlns="" xmlns:a16="http://schemas.microsoft.com/office/drawing/2014/main" val="1342816855"/>
                       </a:ext>
                     </a:extLst>
                   </a:tr>
@@ -30858,7 +35633,7 @@
                     </a:tc>
                     <a:extLst>
                       <a:ext uri="{0D108BD9-81ED-4DB2-BD59-A6C34878D82A}">
-                        <a16:rowId xmlns:a16="http://schemas.microsoft.com/office/drawing/2014/main" xmlns="" val="3480795511"/>
+                        <a16:rowId xmlns="" xmlns:a16="http://schemas.microsoft.com/office/drawing/2014/main" val="3480795511"/>
                       </a:ext>
                     </a:extLst>
                   </a:tr>
@@ -30940,7 +35715,7 @@
                     </a:tc>
                     <a:extLst>
                       <a:ext uri="{0D108BD9-81ED-4DB2-BD59-A6C34878D82A}">
-                        <a16:rowId xmlns:a16="http://schemas.microsoft.com/office/drawing/2014/main" xmlns="" val="239401366"/>
+                        <a16:rowId xmlns="" xmlns:a16="http://schemas.microsoft.com/office/drawing/2014/main" val="239401366"/>
                       </a:ext>
                     </a:extLst>
                   </a:tr>
@@ -31011,7 +35786,7 @@
                     </a:tc>
                     <a:extLst>
                       <a:ext uri="{0D108BD9-81ED-4DB2-BD59-A6C34878D82A}">
-                        <a16:rowId xmlns:a16="http://schemas.microsoft.com/office/drawing/2014/main" xmlns="" val="3205225442"/>
+                        <a16:rowId xmlns="" xmlns:a16="http://schemas.microsoft.com/office/drawing/2014/main" val="3205225442"/>
                       </a:ext>
                     </a:extLst>
                   </a:tr>
@@ -31106,7 +35881,7 @@
                     </a:tc>
                     <a:extLst>
                       <a:ext uri="{0D108BD9-81ED-4DB2-BD59-A6C34878D82A}">
-                        <a16:rowId xmlns:a16="http://schemas.microsoft.com/office/drawing/2014/main" xmlns="" val="2472454817"/>
+                        <a16:rowId xmlns="" xmlns:a16="http://schemas.microsoft.com/office/drawing/2014/main" val="2472454817"/>
                       </a:ext>
                     </a:extLst>
                   </a:tr>
@@ -31192,7 +35967,7 @@
                     </a:tc>
                     <a:extLst>
                       <a:ext uri="{0D108BD9-81ED-4DB2-BD59-A6C34878D82A}">
-                        <a16:rowId xmlns:a16="http://schemas.microsoft.com/office/drawing/2014/main" xmlns="" val="4131336601"/>
+                        <a16:rowId xmlns="" xmlns:a16="http://schemas.microsoft.com/office/drawing/2014/main" val="4131336601"/>
                       </a:ext>
                     </a:extLst>
                   </a:tr>
@@ -31282,7 +36057,7 @@
                     </a:tc>
                     <a:extLst>
                       <a:ext uri="{0D108BD9-81ED-4DB2-BD59-A6C34878D82A}">
-                        <a16:rowId xmlns:a16="http://schemas.microsoft.com/office/drawing/2014/main" xmlns="" val="1566769430"/>
+                        <a16:rowId xmlns="" xmlns:a16="http://schemas.microsoft.com/office/drawing/2014/main" val="1566769430"/>
                       </a:ext>
                     </a:extLst>
                   </a:tr>
@@ -31386,7 +36161,7 @@
                     </a:tc>
                     <a:extLst>
                       <a:ext uri="{0D108BD9-81ED-4DB2-BD59-A6C34878D82A}">
-                        <a16:rowId xmlns:a16="http://schemas.microsoft.com/office/drawing/2014/main" xmlns="" val="3641553268"/>
+                        <a16:rowId xmlns="" xmlns:a16="http://schemas.microsoft.com/office/drawing/2014/main" val="3641553268"/>
                       </a:ext>
                     </a:extLst>
                   </a:tr>
@@ -31478,7 +36253,7 @@
                     </a:tc>
                     <a:extLst>
                       <a:ext uri="{0D108BD9-81ED-4DB2-BD59-A6C34878D82A}">
-                        <a16:rowId xmlns:a16="http://schemas.microsoft.com/office/drawing/2014/main" xmlns="" val="802662070"/>
+                        <a16:rowId xmlns="" xmlns:a16="http://schemas.microsoft.com/office/drawing/2014/main" val="802662070"/>
                       </a:ext>
                     </a:extLst>
                   </a:tr>
@@ -31570,7 +36345,7 @@
                     </a:tc>
                     <a:extLst>
                       <a:ext uri="{0D108BD9-81ED-4DB2-BD59-A6C34878D82A}">
-                        <a16:rowId xmlns:a16="http://schemas.microsoft.com/office/drawing/2014/main" xmlns="" val="3754366970"/>
+                        <a16:rowId xmlns="" xmlns:a16="http://schemas.microsoft.com/office/drawing/2014/main" val="3754366970"/>
                       </a:ext>
                     </a:extLst>
                   </a:tr>
@@ -32583,7 +37358,7 @@
 </p:sld>
 </file>
 
-<file path=ppt/slides/slide7.xml><?xml version="1.0" encoding="utf-8"?>
+<file path=ppt/slides/slide8.xml><?xml version="1.0" encoding="utf-8"?>
 <p:sld xmlns:a="http://schemas.openxmlformats.org/drawingml/2006/main" xmlns:r="http://schemas.openxmlformats.org/officeDocument/2006/relationships" xmlns:p="http://schemas.openxmlformats.org/presentationml/2006/main">
   <p:cSld>
     <p:spTree>
@@ -32930,7 +37705,7 @@
 </p:sld>
 </file>
 
-<file path=ppt/slides/slide8.xml><?xml version="1.0" encoding="utf-8"?>
+<file path=ppt/slides/slide9.xml><?xml version="1.0" encoding="utf-8"?>
 <p:sld xmlns:a="http://schemas.openxmlformats.org/drawingml/2006/main" xmlns:r="http://schemas.openxmlformats.org/officeDocument/2006/relationships" xmlns:p="http://schemas.openxmlformats.org/presentationml/2006/main">
   <p:cSld>
     <p:spTree>
@@ -33268,323 +38043,6 @@
     <p:extLst>
       <p:ext uri="{BB962C8B-B14F-4D97-AF65-F5344CB8AC3E}">
         <p14:creationId xmlns:p14="http://schemas.microsoft.com/office/powerpoint/2010/main" val="79886924"/>
-      </p:ext>
-    </p:extLst>
-  </p:cSld>
-  <p:clrMapOvr>
-    <a:masterClrMapping/>
-  </p:clrMapOvr>
-</p:sld>
-</file>
-
-<file path=ppt/slides/slide9.xml><?xml version="1.0" encoding="utf-8"?>
-<p:sld xmlns:a="http://schemas.openxmlformats.org/drawingml/2006/main" xmlns:r="http://schemas.openxmlformats.org/officeDocument/2006/relationships" xmlns:p="http://schemas.openxmlformats.org/presentationml/2006/main">
-  <p:cSld>
-    <p:spTree>
-      <p:nvGrpSpPr>
-        <p:cNvPr id="1" name=""/>
-        <p:cNvGrpSpPr/>
-        <p:nvPr/>
-      </p:nvGrpSpPr>
-      <p:grpSpPr>
-        <a:xfrm>
-          <a:off x="0" y="0"/>
-          <a:ext cx="0" cy="0"/>
-          <a:chOff x="0" y="0"/>
-          <a:chExt cx="0" cy="0"/>
-        </a:xfrm>
-      </p:grpSpPr>
-      <p:sp>
-        <p:nvSpPr>
-          <p:cNvPr id="4" name="ZoneTexte 3"/>
-          <p:cNvSpPr txBox="1"/>
-          <p:nvPr/>
-        </p:nvSpPr>
-        <p:spPr>
-          <a:xfrm>
-            <a:off x="369870" y="359596"/>
-            <a:ext cx="3261919" cy="369332"/>
-          </a:xfrm>
-          <a:prstGeom prst="rect">
-            <a:avLst/>
-          </a:prstGeom>
-          <a:noFill/>
-        </p:spPr>
-        <p:txBody>
-          <a:bodyPr wrap="none" rtlCol="0">
-            <a:spAutoFit/>
-          </a:bodyPr>
-          <a:lstStyle/>
-          <a:p>
-            <a:r>
-              <a:rPr lang="fr-FR" dirty="0" smtClean="0"/>
-              <a:t>Lobe inférieure (2000tr/min 8kg)</a:t>
-            </a:r>
-            <a:endParaRPr lang="fr-FR" dirty="0"/>
-          </a:p>
-        </p:txBody>
-      </p:sp>
-      <p:grpSp>
-        <p:nvGrpSpPr>
-          <p:cNvPr id="6" name="Groupe 5"/>
-          <p:cNvGrpSpPr/>
-          <p:nvPr/>
-        </p:nvGrpSpPr>
-        <p:grpSpPr>
-          <a:xfrm>
-            <a:off x="309134" y="1412837"/>
-            <a:ext cx="10690936" cy="3600000"/>
-            <a:chOff x="309134" y="1412837"/>
-            <a:chExt cx="10690936" cy="3600000"/>
-          </a:xfrm>
-        </p:grpSpPr>
-        <p:graphicFrame>
-          <p:nvGraphicFramePr>
-            <p:cNvPr id="18" name="Graphique 17"/>
-            <p:cNvGraphicFramePr>
-              <a:graphicFrameLocks/>
-            </p:cNvGraphicFramePr>
-            <p:nvPr>
-              <p:extLst>
-                <p:ext uri="{D42A27DB-BD31-4B8C-83A1-F6EECF244321}">
-                  <p14:modId xmlns:p14="http://schemas.microsoft.com/office/powerpoint/2010/main" val="2294715124"/>
-                </p:ext>
-              </p:extLst>
-            </p:nvPr>
-          </p:nvGraphicFramePr>
-          <p:xfrm>
-            <a:off x="5600070" y="1412837"/>
-            <a:ext cx="5400000" cy="3600000"/>
-          </p:xfrm>
-          <a:graphic>
-            <a:graphicData uri="http://schemas.openxmlformats.org/drawingml/2006/chart">
-              <c:chart xmlns:c="http://schemas.openxmlformats.org/drawingml/2006/chart" xmlns:r="http://schemas.openxmlformats.org/officeDocument/2006/relationships" r:id="rId2"/>
-            </a:graphicData>
-          </a:graphic>
-        </p:graphicFrame>
-        <p:graphicFrame>
-          <p:nvGraphicFramePr>
-            <p:cNvPr id="16" name="Graphique 15"/>
-            <p:cNvGraphicFramePr>
-              <a:graphicFrameLocks/>
-            </p:cNvGraphicFramePr>
-            <p:nvPr>
-              <p:extLst>
-                <p:ext uri="{D42A27DB-BD31-4B8C-83A1-F6EECF244321}">
-                  <p14:modId xmlns:p14="http://schemas.microsoft.com/office/powerpoint/2010/main" val="930140887"/>
-                </p:ext>
-              </p:extLst>
-            </p:nvPr>
-          </p:nvGraphicFramePr>
-          <p:xfrm>
-            <a:off x="309134" y="1412837"/>
-            <a:ext cx="5400000" cy="3600000"/>
-          </p:xfrm>
-          <a:graphic>
-            <a:graphicData uri="http://schemas.openxmlformats.org/drawingml/2006/chart">
-              <c:chart xmlns:c="http://schemas.openxmlformats.org/drawingml/2006/chart" xmlns:r="http://schemas.openxmlformats.org/officeDocument/2006/relationships" r:id="rId3"/>
-            </a:graphicData>
-          </a:graphic>
-        </p:graphicFrame>
-        <p:sp>
-          <p:nvSpPr>
-            <p:cNvPr id="9" name="ZoneTexte 1"/>
-            <p:cNvSpPr txBox="1"/>
-            <p:nvPr/>
-          </p:nvSpPr>
-          <p:spPr>
-            <a:xfrm>
-              <a:off x="6514469" y="1800545"/>
-              <a:ext cx="1527424" cy="400691"/>
-            </a:xfrm>
-            <a:prstGeom prst="rect">
-              <a:avLst/>
-            </a:prstGeom>
-            <a:solidFill>
-              <a:schemeClr val="bg1"/>
-            </a:solidFill>
-            <a:ln>
-              <a:noFill/>
-            </a:ln>
-          </p:spPr>
-          <p:txBody>
-            <a:bodyPr wrap="square" rtlCol="0"/>
-            <a:lstStyle>
-              <a:lvl1pPr marL="0" indent="0">
-                <a:defRPr sz="1100">
-                  <a:latin typeface="+mn-lt"/>
-                  <a:ea typeface="+mn-ea"/>
-                  <a:cs typeface="+mn-cs"/>
-                </a:defRPr>
-              </a:lvl1pPr>
-              <a:lvl2pPr marL="457200" indent="0">
-                <a:defRPr sz="1100">
-                  <a:latin typeface="+mn-lt"/>
-                  <a:ea typeface="+mn-ea"/>
-                  <a:cs typeface="+mn-cs"/>
-                </a:defRPr>
-              </a:lvl2pPr>
-              <a:lvl3pPr marL="914400" indent="0">
-                <a:defRPr sz="1100">
-                  <a:latin typeface="+mn-lt"/>
-                  <a:ea typeface="+mn-ea"/>
-                  <a:cs typeface="+mn-cs"/>
-                </a:defRPr>
-              </a:lvl3pPr>
-              <a:lvl4pPr marL="1371600" indent="0">
-                <a:defRPr sz="1100">
-                  <a:latin typeface="+mn-lt"/>
-                  <a:ea typeface="+mn-ea"/>
-                  <a:cs typeface="+mn-cs"/>
-                </a:defRPr>
-              </a:lvl4pPr>
-              <a:lvl5pPr marL="1828800" indent="0">
-                <a:defRPr sz="1100">
-                  <a:latin typeface="+mn-lt"/>
-                  <a:ea typeface="+mn-ea"/>
-                  <a:cs typeface="+mn-cs"/>
-                </a:defRPr>
-              </a:lvl5pPr>
-              <a:lvl6pPr marL="2286000" indent="0">
-                <a:defRPr sz="1100">
-                  <a:latin typeface="+mn-lt"/>
-                  <a:ea typeface="+mn-ea"/>
-                  <a:cs typeface="+mn-cs"/>
-                </a:defRPr>
-              </a:lvl6pPr>
-              <a:lvl7pPr marL="2743200" indent="0">
-                <a:defRPr sz="1100">
-                  <a:latin typeface="+mn-lt"/>
-                  <a:ea typeface="+mn-ea"/>
-                  <a:cs typeface="+mn-cs"/>
-                </a:defRPr>
-              </a:lvl7pPr>
-              <a:lvl8pPr marL="3200400" indent="0">
-                <a:defRPr sz="1100">
-                  <a:latin typeface="+mn-lt"/>
-                  <a:ea typeface="+mn-ea"/>
-                  <a:cs typeface="+mn-cs"/>
-                </a:defRPr>
-              </a:lvl8pPr>
-              <a:lvl9pPr marL="3657600" indent="0">
-                <a:defRPr sz="1100">
-                  <a:latin typeface="+mn-lt"/>
-                  <a:ea typeface="+mn-ea"/>
-                  <a:cs typeface="+mn-cs"/>
-                </a:defRPr>
-              </a:lvl9pPr>
-            </a:lstStyle>
-            <a:p>
-              <a:r>
-                <a:rPr lang="fr-FR" sz="1800" b="1" dirty="0" smtClean="0"/>
-                <a:t>Température</a:t>
-              </a:r>
-              <a:endParaRPr lang="fr-FR" sz="1100" b="1" dirty="0"/>
-            </a:p>
-          </p:txBody>
-        </p:sp>
-        <p:sp>
-          <p:nvSpPr>
-            <p:cNvPr id="10" name="ZoneTexte 1"/>
-            <p:cNvSpPr txBox="1"/>
-            <p:nvPr/>
-          </p:nvSpPr>
-          <p:spPr>
-            <a:xfrm>
-              <a:off x="4069222" y="1800546"/>
-              <a:ext cx="1150704" cy="400691"/>
-            </a:xfrm>
-            <a:prstGeom prst="rect">
-              <a:avLst/>
-            </a:prstGeom>
-            <a:solidFill>
-              <a:schemeClr val="bg1"/>
-            </a:solidFill>
-            <a:ln>
-              <a:noFill/>
-            </a:ln>
-          </p:spPr>
-          <p:txBody>
-            <a:bodyPr wrap="square" rtlCol="0"/>
-            <a:lstStyle>
-              <a:lvl1pPr marL="0" indent="0">
-                <a:defRPr sz="1100">
-                  <a:latin typeface="+mn-lt"/>
-                  <a:ea typeface="+mn-ea"/>
-                  <a:cs typeface="+mn-cs"/>
-                </a:defRPr>
-              </a:lvl1pPr>
-              <a:lvl2pPr marL="457200" indent="0">
-                <a:defRPr sz="1100">
-                  <a:latin typeface="+mn-lt"/>
-                  <a:ea typeface="+mn-ea"/>
-                  <a:cs typeface="+mn-cs"/>
-                </a:defRPr>
-              </a:lvl2pPr>
-              <a:lvl3pPr marL="914400" indent="0">
-                <a:defRPr sz="1100">
-                  <a:latin typeface="+mn-lt"/>
-                  <a:ea typeface="+mn-ea"/>
-                  <a:cs typeface="+mn-cs"/>
-                </a:defRPr>
-              </a:lvl3pPr>
-              <a:lvl4pPr marL="1371600" indent="0">
-                <a:defRPr sz="1100">
-                  <a:latin typeface="+mn-lt"/>
-                  <a:ea typeface="+mn-ea"/>
-                  <a:cs typeface="+mn-cs"/>
-                </a:defRPr>
-              </a:lvl4pPr>
-              <a:lvl5pPr marL="1828800" indent="0">
-                <a:defRPr sz="1100">
-                  <a:latin typeface="+mn-lt"/>
-                  <a:ea typeface="+mn-ea"/>
-                  <a:cs typeface="+mn-cs"/>
-                </a:defRPr>
-              </a:lvl5pPr>
-              <a:lvl6pPr marL="2286000" indent="0">
-                <a:defRPr sz="1100">
-                  <a:latin typeface="+mn-lt"/>
-                  <a:ea typeface="+mn-ea"/>
-                  <a:cs typeface="+mn-cs"/>
-                </a:defRPr>
-              </a:lvl6pPr>
-              <a:lvl7pPr marL="2743200" indent="0">
-                <a:defRPr sz="1100">
-                  <a:latin typeface="+mn-lt"/>
-                  <a:ea typeface="+mn-ea"/>
-                  <a:cs typeface="+mn-cs"/>
-                </a:defRPr>
-              </a:lvl7pPr>
-              <a:lvl8pPr marL="3200400" indent="0">
-                <a:defRPr sz="1100">
-                  <a:latin typeface="+mn-lt"/>
-                  <a:ea typeface="+mn-ea"/>
-                  <a:cs typeface="+mn-cs"/>
-                </a:defRPr>
-              </a:lvl8pPr>
-              <a:lvl9pPr marL="3657600" indent="0">
-                <a:defRPr sz="1100">
-                  <a:latin typeface="+mn-lt"/>
-                  <a:ea typeface="+mn-ea"/>
-                  <a:cs typeface="+mn-cs"/>
-                </a:defRPr>
-              </a:lvl9pPr>
-            </a:lstStyle>
-            <a:p>
-              <a:r>
-                <a:rPr lang="fr-FR" sz="1800" b="1" dirty="0" smtClean="0"/>
-                <a:t>Pression</a:t>
-              </a:r>
-              <a:endParaRPr lang="fr-FR" sz="1100" b="1" dirty="0"/>
-            </a:p>
-          </p:txBody>
-        </p:sp>
-      </p:grpSp>
-    </p:spTree>
-    <p:extLst>
-      <p:ext uri="{BB962C8B-B14F-4D97-AF65-F5344CB8AC3E}">
-        <p14:creationId xmlns:p14="http://schemas.microsoft.com/office/powerpoint/2010/main" val="2065947537"/>
       </p:ext>
     </p:extLst>
   </p:cSld>

--- a/CH2. Modélisation du palier hydrodynamique/figures/figure_ paliers hydrodynamiques.pptx
+++ b/CH2. Modélisation du palier hydrodynamique/figures/figure_ paliers hydrodynamiques.pptx
@@ -487,8 +487,8 @@
           <c:showPercent val="0"/>
           <c:showBubbleSize val="0"/>
         </c:dLbls>
-        <c:axId val="287680528"/>
-        <c:axId val="287674256"/>
+        <c:axId val="183686280"/>
+        <c:axId val="183680792"/>
         <c:extLst xmlns:c16r2="http://schemas.microsoft.com/office/drawing/2015/06/chart">
           <c:ext xmlns:c15="http://schemas.microsoft.com/office/drawing/2012/chart" uri="{02D57815-91ED-43cb-92C2-25804820EDAC}">
             <c15:filteredScatterSeries>
@@ -756,7 +756,7 @@
         </c:extLst>
       </c:scatterChart>
       <c:valAx>
-        <c:axId val="287680528"/>
+        <c:axId val="183686280"/>
         <c:scaling>
           <c:orientation val="minMax"/>
           <c:max val="252.5"/>
@@ -874,13 +874,13 @@
             <a:endParaRPr lang="fr-FR"/>
           </a:p>
         </c:txPr>
-        <c:crossAx val="287674256"/>
+        <c:crossAx val="183680792"/>
         <c:crosses val="autoZero"/>
         <c:crossBetween val="midCat"/>
         <c:majorUnit val="25"/>
       </c:valAx>
       <c:valAx>
-        <c:axId val="287674256"/>
+        <c:axId val="183680792"/>
         <c:scaling>
           <c:orientation val="minMax"/>
           <c:max val="50"/>
@@ -993,7 +993,7 @@
             <a:endParaRPr lang="fr-FR"/>
           </a:p>
         </c:txPr>
-        <c:crossAx val="287680528"/>
+        <c:crossAx val="183686280"/>
         <c:crosses val="autoZero"/>
         <c:crossBetween val="midCat"/>
       </c:valAx>
@@ -1447,8 +1447,8 @@
           <c:showPercent val="0"/>
           <c:showBubbleSize val="0"/>
         </c:dLbls>
-        <c:axId val="289529200"/>
-        <c:axId val="289531552"/>
+        <c:axId val="499387784"/>
+        <c:axId val="500791280"/>
         <c:extLst xmlns:c16r2="http://schemas.microsoft.com/office/drawing/2015/06/chart">
           <c:ext xmlns:c15="http://schemas.microsoft.com/office/drawing/2012/chart" uri="{02D57815-91ED-43cb-92C2-25804820EDAC}">
             <c15:filteredScatterSeries>
@@ -1716,7 +1716,7 @@
         </c:extLst>
       </c:scatterChart>
       <c:valAx>
-        <c:axId val="289529200"/>
+        <c:axId val="499387784"/>
         <c:scaling>
           <c:orientation val="minMax"/>
           <c:max val="252.5"/>
@@ -1822,13 +1822,13 @@
             <a:endParaRPr lang="fr-FR"/>
           </a:p>
         </c:txPr>
-        <c:crossAx val="289531552"/>
+        <c:crossAx val="500791280"/>
         <c:crosses val="autoZero"/>
         <c:crossBetween val="midCat"/>
         <c:majorUnit val="25"/>
       </c:valAx>
       <c:valAx>
-        <c:axId val="289531552"/>
+        <c:axId val="500791280"/>
         <c:scaling>
           <c:orientation val="minMax"/>
         </c:scaling>
@@ -1940,7 +1940,7 @@
             <a:endParaRPr lang="fr-FR"/>
           </a:p>
         </c:txPr>
-        <c:crossAx val="289529200"/>
+        <c:crossAx val="499387784"/>
         <c:crosses val="autoZero"/>
         <c:crossBetween val="midCat"/>
       </c:valAx>
@@ -2376,8 +2376,8 @@
           <c:showPercent val="0"/>
           <c:showBubbleSize val="0"/>
         </c:dLbls>
-        <c:axId val="289533904"/>
-        <c:axId val="289529984"/>
+        <c:axId val="500811192"/>
+        <c:axId val="500807272"/>
         <c:extLst xmlns:c16r2="http://schemas.microsoft.com/office/drawing/2015/06/chart">
           <c:ext xmlns:c15="http://schemas.microsoft.com/office/drawing/2012/chart" uri="{02D57815-91ED-43cb-92C2-25804820EDAC}">
             <c15:filteredScatterSeries>
@@ -2645,7 +2645,7 @@
         </c:extLst>
       </c:scatterChart>
       <c:valAx>
-        <c:axId val="289533904"/>
+        <c:axId val="500811192"/>
         <c:scaling>
           <c:orientation val="minMax"/>
           <c:max val="432.5"/>
@@ -2751,13 +2751,13 @@
             <a:endParaRPr lang="fr-FR"/>
           </a:p>
         </c:txPr>
-        <c:crossAx val="289529984"/>
+        <c:crossAx val="500807272"/>
         <c:crosses val="autoZero"/>
         <c:crossBetween val="midCat"/>
         <c:majorUnit val="25"/>
       </c:valAx>
       <c:valAx>
-        <c:axId val="289529984"/>
+        <c:axId val="500807272"/>
         <c:scaling>
           <c:orientation val="minMax"/>
         </c:scaling>
@@ -2869,7 +2869,7 @@
             <a:endParaRPr lang="fr-FR"/>
           </a:p>
         </c:txPr>
-        <c:crossAx val="289533904"/>
+        <c:crossAx val="500811192"/>
         <c:crosses val="autoZero"/>
         <c:crossBetween val="midCat"/>
       </c:valAx>
@@ -3317,8 +3317,8 @@
           <c:showPercent val="0"/>
           <c:showBubbleSize val="0"/>
         </c:dLbls>
-        <c:axId val="290517016"/>
-        <c:axId val="290522504"/>
+        <c:axId val="500808448"/>
+        <c:axId val="500812368"/>
         <c:extLst xmlns:c16r2="http://schemas.microsoft.com/office/drawing/2015/06/chart">
           <c:ext xmlns:c15="http://schemas.microsoft.com/office/drawing/2012/chart" uri="{02D57815-91ED-43cb-92C2-25804820EDAC}">
             <c15:filteredScatterSeries>
@@ -3586,7 +3586,7 @@
         </c:extLst>
       </c:scatterChart>
       <c:valAx>
-        <c:axId val="290517016"/>
+        <c:axId val="500808448"/>
         <c:scaling>
           <c:orientation val="minMax"/>
           <c:max val="432.5"/>
@@ -3692,13 +3692,13 @@
             <a:endParaRPr lang="fr-FR"/>
           </a:p>
         </c:txPr>
-        <c:crossAx val="290522504"/>
+        <c:crossAx val="500812368"/>
         <c:crosses val="autoZero"/>
         <c:crossBetween val="midCat"/>
         <c:majorUnit val="25"/>
       </c:valAx>
       <c:valAx>
-        <c:axId val="290522504"/>
+        <c:axId val="500812368"/>
         <c:scaling>
           <c:orientation val="minMax"/>
           <c:max val="70"/>
@@ -3804,7 +3804,7 @@
             <a:endParaRPr lang="fr-FR"/>
           </a:p>
         </c:txPr>
-        <c:crossAx val="290517016"/>
+        <c:crossAx val="500808448"/>
         <c:crosses val="autoZero"/>
         <c:crossBetween val="midCat"/>
       </c:valAx>
@@ -4259,8 +4259,8 @@
           <c:showPercent val="0"/>
           <c:showBubbleSize val="0"/>
         </c:dLbls>
-        <c:axId val="287677392"/>
-        <c:axId val="287674648"/>
+        <c:axId val="183682752"/>
+        <c:axId val="183681576"/>
         <c:extLst xmlns:c16r2="http://schemas.microsoft.com/office/drawing/2015/06/chart">
           <c:ext xmlns:c15="http://schemas.microsoft.com/office/drawing/2012/chart" uri="{02D57815-91ED-43cb-92C2-25804820EDAC}">
             <c15:filteredScatterSeries>
@@ -4528,7 +4528,7 @@
         </c:extLst>
       </c:scatterChart>
       <c:valAx>
-        <c:axId val="287677392"/>
+        <c:axId val="183682752"/>
         <c:scaling>
           <c:orientation val="minMax"/>
           <c:max val="252.5"/>
@@ -4578,7 +4578,6 @@
               </a:p>
             </c:rich>
           </c:tx>
-          <c:layout/>
           <c:overlay val="0"/>
           <c:spPr>
             <a:noFill/>
@@ -4639,13 +4638,13 @@
             <a:endParaRPr lang="fr-FR"/>
           </a:p>
         </c:txPr>
-        <c:crossAx val="287674648"/>
+        <c:crossAx val="183681576"/>
         <c:crosses val="autoZero"/>
         <c:crossBetween val="midCat"/>
         <c:majorUnit val="25"/>
       </c:valAx>
       <c:valAx>
-        <c:axId val="287674648"/>
+        <c:axId val="183681576"/>
         <c:scaling>
           <c:orientation val="minMax"/>
         </c:scaling>
@@ -4701,7 +4700,6 @@
               </a:p>
             </c:rich>
           </c:tx>
-          <c:layout/>
           <c:overlay val="0"/>
           <c:spPr>
             <a:noFill/>
@@ -4762,7 +4760,7 @@
             <a:endParaRPr lang="fr-FR"/>
           </a:p>
         </c:txPr>
-        <c:crossAx val="287677392"/>
+        <c:crossAx val="183682752"/>
         <c:crosses val="autoZero"/>
         <c:crossBetween val="midCat"/>
       </c:valAx>
@@ -5198,8 +5196,8 @@
           <c:showPercent val="0"/>
           <c:showBubbleSize val="0"/>
         </c:dLbls>
-        <c:axId val="287675040"/>
-        <c:axId val="287681312"/>
+        <c:axId val="178316536"/>
+        <c:axId val="178317320"/>
         <c:extLst xmlns:c16r2="http://schemas.microsoft.com/office/drawing/2015/06/chart">
           <c:ext xmlns:c15="http://schemas.microsoft.com/office/drawing/2012/chart" uri="{02D57815-91ED-43cb-92C2-25804820EDAC}">
             <c15:filteredScatterSeries>
@@ -5467,7 +5465,7 @@
         </c:extLst>
       </c:scatterChart>
       <c:valAx>
-        <c:axId val="287675040"/>
+        <c:axId val="178316536"/>
         <c:scaling>
           <c:orientation val="minMax"/>
           <c:max val="432.5"/>
@@ -5573,13 +5571,13 @@
             <a:endParaRPr lang="fr-FR"/>
           </a:p>
         </c:txPr>
-        <c:crossAx val="287681312"/>
+        <c:crossAx val="178317320"/>
         <c:crosses val="autoZero"/>
         <c:crossBetween val="midCat"/>
         <c:majorUnit val="25"/>
       </c:valAx>
       <c:valAx>
-        <c:axId val="287681312"/>
+        <c:axId val="178317320"/>
         <c:scaling>
           <c:orientation val="minMax"/>
         </c:scaling>
@@ -5682,7 +5680,7 @@
             <a:endParaRPr lang="fr-FR"/>
           </a:p>
         </c:txPr>
-        <c:crossAx val="287675040"/>
+        <c:crossAx val="178316536"/>
         <c:crosses val="autoZero"/>
         <c:crossBetween val="midCat"/>
         <c:majorUnit val="3.0000000000000006E-2"/>
@@ -6137,8 +6135,8 @@
           <c:showPercent val="0"/>
           <c:showBubbleSize val="0"/>
         </c:dLbls>
-        <c:axId val="287675432"/>
-        <c:axId val="287676216"/>
+        <c:axId val="496716744"/>
+        <c:axId val="496713216"/>
         <c:extLst xmlns:c16r2="http://schemas.microsoft.com/office/drawing/2015/06/chart">
           <c:ext xmlns:c15="http://schemas.microsoft.com/office/drawing/2012/chart" uri="{02D57815-91ED-43cb-92C2-25804820EDAC}">
             <c15:filteredScatterSeries>
@@ -6406,7 +6404,7 @@
         </c:extLst>
       </c:scatterChart>
       <c:valAx>
-        <c:axId val="287675432"/>
+        <c:axId val="496716744"/>
         <c:scaling>
           <c:orientation val="minMax"/>
           <c:max val="432.5"/>
@@ -6520,13 +6518,13 @@
             <a:endParaRPr lang="fr-FR"/>
           </a:p>
         </c:txPr>
-        <c:crossAx val="287676216"/>
+        <c:crossAx val="496713216"/>
         <c:crosses val="autoZero"/>
         <c:crossBetween val="midCat"/>
         <c:majorUnit val="25"/>
       </c:valAx>
       <c:valAx>
-        <c:axId val="287676216"/>
+        <c:axId val="496713216"/>
         <c:scaling>
           <c:orientation val="minMax"/>
           <c:max val="50"/>
@@ -6631,7 +6629,7 @@
             <a:endParaRPr lang="fr-FR"/>
           </a:p>
         </c:txPr>
-        <c:crossAx val="287675432"/>
+        <c:crossAx val="496716744"/>
         <c:crosses val="autoZero"/>
         <c:crossBetween val="midCat"/>
       </c:valAx>
@@ -7079,8 +7077,8 @@
           <c:showPercent val="0"/>
           <c:showBubbleSize val="0"/>
         </c:dLbls>
-        <c:axId val="287681704"/>
-        <c:axId val="288329984"/>
+        <c:axId val="496717136"/>
+        <c:axId val="496715960"/>
         <c:extLst xmlns:c16r2="http://schemas.microsoft.com/office/drawing/2015/06/chart">
           <c:ext xmlns:c15="http://schemas.microsoft.com/office/drawing/2012/chart" uri="{02D57815-91ED-43cb-92C2-25804820EDAC}">
             <c15:filteredScatterSeries>
@@ -7348,7 +7346,7 @@
         </c:extLst>
       </c:scatterChart>
       <c:valAx>
-        <c:axId val="287681704"/>
+        <c:axId val="496717136"/>
         <c:scaling>
           <c:orientation val="minMax"/>
           <c:max val="252.5"/>
@@ -7454,13 +7452,13 @@
             <a:endParaRPr lang="fr-FR"/>
           </a:p>
         </c:txPr>
-        <c:crossAx val="288329984"/>
+        <c:crossAx val="496715960"/>
         <c:crosses val="autoZero"/>
         <c:crossBetween val="midCat"/>
         <c:majorUnit val="25"/>
       </c:valAx>
       <c:valAx>
-        <c:axId val="288329984"/>
+        <c:axId val="496715960"/>
         <c:scaling>
           <c:orientation val="minMax"/>
           <c:max val="70"/>
@@ -7566,7 +7564,7 @@
             <a:endParaRPr lang="fr-FR"/>
           </a:p>
         </c:txPr>
-        <c:crossAx val="287681704"/>
+        <c:crossAx val="496717136"/>
         <c:crosses val="autoZero"/>
         <c:crossBetween val="midCat"/>
       </c:valAx>
@@ -8020,8 +8018,8 @@
           <c:showPercent val="0"/>
           <c:showBubbleSize val="0"/>
         </c:dLbls>
-        <c:axId val="288328024"/>
-        <c:axId val="288326456"/>
+        <c:axId val="496718704"/>
+        <c:axId val="496717528"/>
         <c:extLst xmlns:c16r2="http://schemas.microsoft.com/office/drawing/2015/06/chart">
           <c:ext xmlns:c15="http://schemas.microsoft.com/office/drawing/2012/chart" uri="{02D57815-91ED-43cb-92C2-25804820EDAC}">
             <c15:filteredScatterSeries>
@@ -8289,7 +8287,7 @@
         </c:extLst>
       </c:scatterChart>
       <c:valAx>
-        <c:axId val="288328024"/>
+        <c:axId val="496718704"/>
         <c:scaling>
           <c:orientation val="minMax"/>
           <c:max val="252.5"/>
@@ -8395,13 +8393,13 @@
             <a:endParaRPr lang="fr-FR"/>
           </a:p>
         </c:txPr>
-        <c:crossAx val="288326456"/>
+        <c:crossAx val="496717528"/>
         <c:crosses val="autoZero"/>
         <c:crossBetween val="midCat"/>
         <c:majorUnit val="25"/>
       </c:valAx>
       <c:valAx>
-        <c:axId val="288326456"/>
+        <c:axId val="496717528"/>
         <c:scaling>
           <c:orientation val="minMax"/>
         </c:scaling>
@@ -8521,7 +8519,7 @@
             <a:endParaRPr lang="fr-FR"/>
           </a:p>
         </c:txPr>
-        <c:crossAx val="288328024"/>
+        <c:crossAx val="496718704"/>
         <c:crosses val="autoZero"/>
         <c:crossBetween val="midCat"/>
       </c:valAx>
@@ -8969,8 +8967,8 @@
           <c:showPercent val="0"/>
           <c:showBubbleSize val="0"/>
         </c:dLbls>
-        <c:axId val="288328808"/>
-        <c:axId val="288332336"/>
+        <c:axId val="499390136"/>
+        <c:axId val="499385040"/>
         <c:extLst xmlns:c16r2="http://schemas.microsoft.com/office/drawing/2015/06/chart">
           <c:ext xmlns:c15="http://schemas.microsoft.com/office/drawing/2012/chart" uri="{02D57815-91ED-43cb-92C2-25804820EDAC}">
             <c15:filteredScatterSeries>
@@ -9238,7 +9236,7 @@
         </c:extLst>
       </c:scatterChart>
       <c:valAx>
-        <c:axId val="288328808"/>
+        <c:axId val="499390136"/>
         <c:scaling>
           <c:orientation val="minMax"/>
           <c:max val="432.5"/>
@@ -9348,13 +9346,13 @@
             <a:endParaRPr lang="fr-FR"/>
           </a:p>
         </c:txPr>
-        <c:crossAx val="288332336"/>
+        <c:crossAx val="499385040"/>
         <c:crosses val="autoZero"/>
         <c:crossBetween val="midCat"/>
         <c:majorUnit val="25"/>
       </c:valAx>
       <c:valAx>
-        <c:axId val="288332336"/>
+        <c:axId val="499385040"/>
         <c:scaling>
           <c:orientation val="minMax"/>
           <c:max val="70"/>
@@ -9460,7 +9458,7 @@
             <a:endParaRPr lang="fr-FR"/>
           </a:p>
         </c:txPr>
-        <c:crossAx val="288328808"/>
+        <c:crossAx val="499390136"/>
         <c:crosses val="autoZero"/>
         <c:crossBetween val="midCat"/>
       </c:valAx>
@@ -9896,8 +9894,8 @@
           <c:showPercent val="0"/>
           <c:showBubbleSize val="0"/>
         </c:dLbls>
-        <c:axId val="288329200"/>
-        <c:axId val="288329592"/>
+        <c:axId val="499385432"/>
+        <c:axId val="499390528"/>
         <c:extLst xmlns:c16r2="http://schemas.microsoft.com/office/drawing/2015/06/chart">
           <c:ext xmlns:c15="http://schemas.microsoft.com/office/drawing/2012/chart" uri="{02D57815-91ED-43cb-92C2-25804820EDAC}">
             <c15:filteredScatterSeries>
@@ -10165,7 +10163,7 @@
         </c:extLst>
       </c:scatterChart>
       <c:valAx>
-        <c:axId val="288329200"/>
+        <c:axId val="499385432"/>
         <c:scaling>
           <c:orientation val="minMax"/>
           <c:max val="432.5"/>
@@ -10279,13 +10277,13 @@
             <a:endParaRPr lang="fr-FR"/>
           </a:p>
         </c:txPr>
-        <c:crossAx val="288329592"/>
+        <c:crossAx val="499390528"/>
         <c:crosses val="autoZero"/>
         <c:crossBetween val="midCat"/>
         <c:majorUnit val="25"/>
       </c:valAx>
       <c:valAx>
-        <c:axId val="288329592"/>
+        <c:axId val="499390528"/>
         <c:scaling>
           <c:orientation val="minMax"/>
         </c:scaling>
@@ -10405,7 +10403,7 @@
             <a:endParaRPr lang="fr-FR"/>
           </a:p>
         </c:txPr>
-        <c:crossAx val="288329200"/>
+        <c:crossAx val="499385432"/>
         <c:crosses val="autoZero"/>
         <c:crossBetween val="midCat"/>
       </c:valAx>
@@ -10853,8 +10851,8 @@
           <c:showPercent val="0"/>
           <c:showBubbleSize val="0"/>
         </c:dLbls>
-        <c:axId val="287677784"/>
-        <c:axId val="289535864"/>
+        <c:axId val="499390920"/>
+        <c:axId val="499385824"/>
         <c:extLst xmlns:c16r2="http://schemas.microsoft.com/office/drawing/2015/06/chart">
           <c:ext xmlns:c15="http://schemas.microsoft.com/office/drawing/2012/chart" uri="{02D57815-91ED-43cb-92C2-25804820EDAC}">
             <c15:filteredScatterSeries>
@@ -11122,7 +11120,7 @@
         </c:extLst>
       </c:scatterChart>
       <c:valAx>
-        <c:axId val="287677784"/>
+        <c:axId val="499390920"/>
         <c:scaling>
           <c:orientation val="minMax"/>
           <c:max val="252.5"/>
@@ -11228,13 +11226,13 @@
             <a:endParaRPr lang="fr-FR"/>
           </a:p>
         </c:txPr>
-        <c:crossAx val="289535864"/>
+        <c:crossAx val="499385824"/>
         <c:crosses val="autoZero"/>
         <c:crossBetween val="midCat"/>
         <c:majorUnit val="25"/>
       </c:valAx>
       <c:valAx>
-        <c:axId val="289535864"/>
+        <c:axId val="499385824"/>
         <c:scaling>
           <c:orientation val="minMax"/>
           <c:max val="70"/>
@@ -11340,7 +11338,7 @@
             <a:endParaRPr lang="fr-FR"/>
           </a:p>
         </c:txPr>
-        <c:crossAx val="287677784"/>
+        <c:crossAx val="499390920"/>
         <c:crosses val="autoZero"/>
         <c:crossBetween val="midCat"/>
       </c:valAx>
@@ -18228,7 +18226,7 @@
           <a:p>
             <a:fld id="{202E84C4-7C53-474A-BFA3-0C91E41EF858}" type="datetimeFigureOut">
               <a:rPr lang="fr-FR" smtClean="0"/>
-              <a:t>08/01/2019</a:t>
+              <a:t>14/01/2019</a:t>
             </a:fld>
             <a:endParaRPr lang="fr-FR"/>
           </a:p>
@@ -18398,7 +18396,7 @@
           <a:p>
             <a:fld id="{202E84C4-7C53-474A-BFA3-0C91E41EF858}" type="datetimeFigureOut">
               <a:rPr lang="fr-FR" smtClean="0"/>
-              <a:t>08/01/2019</a:t>
+              <a:t>14/01/2019</a:t>
             </a:fld>
             <a:endParaRPr lang="fr-FR"/>
           </a:p>
@@ -18578,7 +18576,7 @@
           <a:p>
             <a:fld id="{202E84C4-7C53-474A-BFA3-0C91E41EF858}" type="datetimeFigureOut">
               <a:rPr lang="fr-FR" smtClean="0"/>
-              <a:t>08/01/2019</a:t>
+              <a:t>14/01/2019</a:t>
             </a:fld>
             <a:endParaRPr lang="fr-FR"/>
           </a:p>
@@ -18748,7 +18746,7 @@
           <a:p>
             <a:fld id="{202E84C4-7C53-474A-BFA3-0C91E41EF858}" type="datetimeFigureOut">
               <a:rPr lang="fr-FR" smtClean="0"/>
-              <a:t>08/01/2019</a:t>
+              <a:t>14/01/2019</a:t>
             </a:fld>
             <a:endParaRPr lang="fr-FR"/>
           </a:p>
@@ -18994,7 +18992,7 @@
           <a:p>
             <a:fld id="{202E84C4-7C53-474A-BFA3-0C91E41EF858}" type="datetimeFigureOut">
               <a:rPr lang="fr-FR" smtClean="0"/>
-              <a:t>08/01/2019</a:t>
+              <a:t>14/01/2019</a:t>
             </a:fld>
             <a:endParaRPr lang="fr-FR"/>
           </a:p>
@@ -19226,7 +19224,7 @@
           <a:p>
             <a:fld id="{202E84C4-7C53-474A-BFA3-0C91E41EF858}" type="datetimeFigureOut">
               <a:rPr lang="fr-FR" smtClean="0"/>
-              <a:t>08/01/2019</a:t>
+              <a:t>14/01/2019</a:t>
             </a:fld>
             <a:endParaRPr lang="fr-FR"/>
           </a:p>
@@ -19593,7 +19591,7 @@
           <a:p>
             <a:fld id="{202E84C4-7C53-474A-BFA3-0C91E41EF858}" type="datetimeFigureOut">
               <a:rPr lang="fr-FR" smtClean="0"/>
-              <a:t>08/01/2019</a:t>
+              <a:t>14/01/2019</a:t>
             </a:fld>
             <a:endParaRPr lang="fr-FR"/>
           </a:p>
@@ -19711,7 +19709,7 @@
           <a:p>
             <a:fld id="{202E84C4-7C53-474A-BFA3-0C91E41EF858}" type="datetimeFigureOut">
               <a:rPr lang="fr-FR" smtClean="0"/>
-              <a:t>08/01/2019</a:t>
+              <a:t>14/01/2019</a:t>
             </a:fld>
             <a:endParaRPr lang="fr-FR"/>
           </a:p>
@@ -19806,7 +19804,7 @@
           <a:p>
             <a:fld id="{202E84C4-7C53-474A-BFA3-0C91E41EF858}" type="datetimeFigureOut">
               <a:rPr lang="fr-FR" smtClean="0"/>
-              <a:t>08/01/2019</a:t>
+              <a:t>14/01/2019</a:t>
             </a:fld>
             <a:endParaRPr lang="fr-FR"/>
           </a:p>
@@ -20083,7 +20081,7 @@
           <a:p>
             <a:fld id="{202E84C4-7C53-474A-BFA3-0C91E41EF858}" type="datetimeFigureOut">
               <a:rPr lang="fr-FR" smtClean="0"/>
-              <a:t>08/01/2019</a:t>
+              <a:t>14/01/2019</a:t>
             </a:fld>
             <a:endParaRPr lang="fr-FR"/>
           </a:p>
@@ -20336,7 +20334,7 @@
           <a:p>
             <a:fld id="{202E84C4-7C53-474A-BFA3-0C91E41EF858}" type="datetimeFigureOut">
               <a:rPr lang="fr-FR" smtClean="0"/>
-              <a:t>08/01/2019</a:t>
+              <a:t>14/01/2019</a:t>
             </a:fld>
             <a:endParaRPr lang="fr-FR"/>
           </a:p>
@@ -20549,7 +20547,7 @@
           <a:p>
             <a:fld id="{202E84C4-7C53-474A-BFA3-0C91E41EF858}" type="datetimeFigureOut">
               <a:rPr lang="fr-FR" smtClean="0"/>
-              <a:t>08/01/2019</a:t>
+              <a:t>14/01/2019</a:t>
             </a:fld>
             <a:endParaRPr lang="fr-FR"/>
           </a:p>
@@ -20962,10 +20960,10 @@
         </p:nvGrpSpPr>
         <p:grpSpPr>
           <a:xfrm>
-            <a:off x="4284324" y="619072"/>
-            <a:ext cx="5289809" cy="5404232"/>
-            <a:chOff x="4284324" y="619072"/>
-            <a:chExt cx="5289809" cy="5404232"/>
+            <a:off x="4828854" y="1044375"/>
+            <a:ext cx="4745279" cy="5068455"/>
+            <a:chOff x="4828854" y="1044375"/>
+            <a:chExt cx="4745279" cy="5068455"/>
           </a:xfrm>
         </p:grpSpPr>
         <p:grpSp>
@@ -20976,10 +20974,10 @@
           </p:nvGrpSpPr>
           <p:grpSpPr>
             <a:xfrm>
-              <a:off x="4284324" y="770562"/>
-              <a:ext cx="5289809" cy="5252742"/>
-              <a:chOff x="4284324" y="770562"/>
-              <a:chExt cx="5289809" cy="5252742"/>
+              <a:off x="4828854" y="1304818"/>
+              <a:ext cx="4745279" cy="4808012"/>
+              <a:chOff x="4828854" y="1304818"/>
+              <a:chExt cx="4745279" cy="4808012"/>
             </a:xfrm>
           </p:grpSpPr>
           <p:grpSp>
@@ -20990,10 +20988,10 @@
             </p:nvGrpSpPr>
             <p:grpSpPr>
               <a:xfrm>
-                <a:off x="4284324" y="770562"/>
-                <a:ext cx="5289809" cy="5252742"/>
-                <a:chOff x="4284324" y="770562"/>
-                <a:chExt cx="5289809" cy="5252742"/>
+                <a:off x="4828854" y="1304818"/>
+                <a:ext cx="4745279" cy="4808012"/>
+                <a:chOff x="4828854" y="1304818"/>
+                <a:chExt cx="4745279" cy="4808012"/>
               </a:xfrm>
             </p:grpSpPr>
             <p:grpSp>
@@ -21004,10 +21002,10 @@
               </p:nvGrpSpPr>
               <p:grpSpPr>
                 <a:xfrm>
-                  <a:off x="4284324" y="770562"/>
-                  <a:ext cx="5289809" cy="5252742"/>
-                  <a:chOff x="2719062" y="831289"/>
-                  <a:chExt cx="4655689" cy="4559978"/>
+                  <a:off x="4828854" y="1304818"/>
+                  <a:ext cx="4745279" cy="4808012"/>
+                  <a:chOff x="3198316" y="1295084"/>
+                  <a:chExt cx="4176435" cy="4173902"/>
                 </a:xfrm>
               </p:grpSpPr>
               <p:sp>
@@ -21018,8 +21016,8 @@
                 </p:nvSpPr>
                 <p:spPr>
                   <a:xfrm>
-                    <a:off x="3270655" y="1366438"/>
-                    <a:ext cx="3240000" cy="3240000"/>
+                    <a:off x="3532890" y="1605178"/>
+                    <a:ext cx="2977766" cy="3001260"/>
                   </a:xfrm>
                   <a:prstGeom prst="ellipse">
                     <a:avLst/>
@@ -21066,8 +21064,8 @@
                 </p:nvCxnSpPr>
                 <p:spPr>
                   <a:xfrm flipH="1">
-                    <a:off x="2719062" y="2986478"/>
-                    <a:ext cx="4259546" cy="0"/>
+                    <a:off x="3198316" y="2986478"/>
+                    <a:ext cx="3780292" cy="0"/>
                   </a:xfrm>
                   <a:prstGeom prst="line">
                     <a:avLst/>
@@ -21105,7 +21103,7 @@
                 <p:spPr>
                   <a:xfrm>
                     <a:off x="5646559" y="1605178"/>
-                    <a:ext cx="1728192" cy="323059"/>
+                    <a:ext cx="1728192" cy="400778"/>
                   </a:xfrm>
                   <a:prstGeom prst="rect">
                     <a:avLst/>
@@ -21120,10 +21118,10 @@
                   <a:p>
                     <a:pPr algn="ctr"/>
                     <a:r>
-                      <a:rPr lang="fr-FR" dirty="0" smtClean="0"/>
+                      <a:rPr lang="fr-FR" sz="2400" dirty="0" smtClean="0"/>
                       <a:t>Coussinet</a:t>
                     </a:r>
-                    <a:endParaRPr lang="fr-FR" dirty="0"/>
+                    <a:endParaRPr lang="fr-FR" sz="2400" dirty="0"/>
                   </a:p>
                 </p:txBody>
               </p:sp>
@@ -21135,8 +21133,8 @@
                 </p:nvCxnSpPr>
                 <p:spPr>
                   <a:xfrm>
-                    <a:off x="4872837" y="831289"/>
-                    <a:ext cx="0" cy="4315149"/>
+                    <a:off x="4872837" y="1295084"/>
+                    <a:ext cx="0" cy="3851354"/>
                   </a:xfrm>
                   <a:prstGeom prst="line">
                     <a:avLst/>
@@ -21165,8 +21163,8 @@
                   </a:fontRef>
                 </p:style>
               </p:cxnSp>
-              <mc:AlternateContent xmlns:mc="http://schemas.openxmlformats.org/markup-compatibility/2006" xmlns:a14="http://schemas.microsoft.com/office/drawing/2010/main">
-                <mc:Choice Requires="a14">
+              <mc:AlternateContent xmlns:mc="http://schemas.openxmlformats.org/markup-compatibility/2006">
+                <mc:Choice xmlns:a14="http://schemas.microsoft.com/office/drawing/2010/main" Requires="a14">
                   <p:sp>
                     <p:nvSpPr>
                       <p:cNvPr id="51" name="ZoneTexte 50"/>
@@ -21176,7 +21174,7 @@
                     <p:spPr>
                       <a:xfrm>
                         <a:off x="4782463" y="5068208"/>
-                        <a:ext cx="340167" cy="323059"/>
+                        <a:ext cx="404742" cy="400778"/>
                       </a:xfrm>
                       <a:prstGeom prst="rect">
                         <a:avLst/>
@@ -21197,7 +21195,7 @@
                             </m:oMathParaPr>
                             <m:oMath xmlns:m="http://schemas.openxmlformats.org/officeDocument/2006/math">
                               <m:r>
-                                <a:rPr lang="fr-FR" i="1" dirty="0" smtClean="0">
+                                <a:rPr lang="fr-FR" sz="2400" i="1" dirty="0" smtClean="0">
                                   <a:latin typeface="Cambria Math" panose="02040503050406030204" pitchFamily="18" charset="0"/>
                                 </a:rPr>
                                 <m:t>𝑋</m:t>
@@ -21205,12 +21203,12 @@
                             </m:oMath>
                           </m:oMathPara>
                         </a14:m>
-                        <a:endParaRPr lang="fr-FR" dirty="0"/>
+                        <a:endParaRPr lang="fr-FR" sz="2400" dirty="0"/>
                       </a:p>
                     </p:txBody>
                   </p:sp>
                 </mc:Choice>
-                <mc:Fallback xmlns="">
+                <mc:Fallback>
                   <p:sp>
                     <p:nvSpPr>
                       <p:cNvPr id="51" name="ZoneTexte 50"/>
@@ -21222,7 +21220,7 @@
                     <p:spPr>
                       <a:xfrm>
                         <a:off x="4782463" y="5068208"/>
-                        <a:ext cx="340167" cy="323059"/>
+                        <a:ext cx="404742" cy="400778"/>
                       </a:xfrm>
                       <a:prstGeom prst="rect">
                         <a:avLst/>
@@ -21249,8 +21247,8 @@
                   </p:sp>
                 </mc:Fallback>
               </mc:AlternateContent>
-              <mc:AlternateContent xmlns:mc="http://schemas.openxmlformats.org/markup-compatibility/2006" xmlns:a14="http://schemas.microsoft.com/office/drawing/2010/main">
-                <mc:Choice Requires="a14">
+              <mc:AlternateContent xmlns:mc="http://schemas.openxmlformats.org/markup-compatibility/2006">
+                <mc:Choice xmlns:a14="http://schemas.microsoft.com/office/drawing/2010/main" Requires="a14">
                   <p:sp>
                     <p:nvSpPr>
                       <p:cNvPr id="52" name="ZoneTexte 51"/>
@@ -21260,7 +21258,7 @@
                     <p:spPr>
                       <a:xfrm>
                         <a:off x="6947505" y="2765772"/>
-                        <a:ext cx="331827" cy="323059"/>
+                        <a:ext cx="393455" cy="400778"/>
                       </a:xfrm>
                       <a:prstGeom prst="rect">
                         <a:avLst/>
@@ -21281,7 +21279,7 @@
                             </m:oMathParaPr>
                             <m:oMath xmlns:m="http://schemas.openxmlformats.org/officeDocument/2006/math">
                               <m:r>
-                                <a:rPr lang="fr-FR" b="0" i="1" smtClean="0">
+                                <a:rPr lang="fr-FR" sz="2400" b="0" i="1" smtClean="0">
                                   <a:latin typeface="Cambria Math" panose="02040503050406030204" pitchFamily="18" charset="0"/>
                                 </a:rPr>
                                 <m:t>𝑌</m:t>
@@ -21289,12 +21287,12 @@
                             </m:oMath>
                           </m:oMathPara>
                         </a14:m>
-                        <a:endParaRPr lang="fr-FR" dirty="0"/>
+                        <a:endParaRPr lang="fr-FR" sz="2400" dirty="0"/>
                       </a:p>
                     </p:txBody>
                   </p:sp>
                 </mc:Choice>
-                <mc:Fallback xmlns="">
+                <mc:Fallback>
                   <p:sp>
                     <p:nvSpPr>
                       <p:cNvPr id="52" name="ZoneTexte 51"/>
@@ -21306,7 +21304,7 @@
                     <p:spPr>
                       <a:xfrm>
                         <a:off x="6947505" y="2765772"/>
-                        <a:ext cx="331827" cy="323059"/>
+                        <a:ext cx="393455" cy="400778"/>
                       </a:xfrm>
                       <a:prstGeom prst="rect">
                         <a:avLst/>
@@ -21400,8 +21398,8 @@
                 </a:fontRef>
               </p:style>
             </p:cxnSp>
-            <mc:AlternateContent xmlns:mc="http://schemas.openxmlformats.org/markup-compatibility/2006" xmlns:a14="http://schemas.microsoft.com/office/drawing/2010/main">
-              <mc:Choice Requires="a14">
+            <mc:AlternateContent xmlns:mc="http://schemas.openxmlformats.org/markup-compatibility/2006">
+              <mc:Choice xmlns:a14="http://schemas.microsoft.com/office/drawing/2010/main" Requires="a14">
                 <p:sp>
                   <p:nvSpPr>
                     <p:cNvPr id="61" name="ZoneTexte 60"/>
@@ -21410,8 +21408,8 @@
                   </p:nvSpPr>
                   <p:spPr>
                     <a:xfrm>
-                      <a:off x="6849849" y="3738560"/>
-                      <a:ext cx="463396" cy="369332"/>
+                      <a:off x="7186803" y="3243011"/>
+                      <a:ext cx="552587" cy="461665"/>
                     </a:xfrm>
                     <a:prstGeom prst="rect">
                       <a:avLst/>
@@ -21434,14 +21432,14 @@
                             <m:sSub>
                               <m:sSubPr>
                                 <m:ctrlPr>
-                                  <a:rPr lang="fr-FR" b="0" i="1" dirty="0" smtClean="0">
+                                  <a:rPr lang="fr-FR" sz="2400" b="0" i="1" dirty="0" smtClean="0">
                                     <a:latin typeface="Cambria Math" panose="02040503050406030204" pitchFamily="18" charset="0"/>
                                   </a:rPr>
                                 </m:ctrlPr>
                               </m:sSubPr>
                               <m:e>
                                 <m:r>
-                                  <a:rPr lang="fr-FR" i="1" dirty="0" smtClean="0">
+                                  <a:rPr lang="fr-FR" sz="2400" i="1" dirty="0" smtClean="0">
                                     <a:latin typeface="Cambria Math" panose="02040503050406030204" pitchFamily="18" charset="0"/>
                                   </a:rPr>
                                   <m:t>𝑥</m:t>
@@ -21449,7 +21447,7 @@
                               </m:e>
                               <m:sub>
                                 <m:r>
-                                  <a:rPr lang="fr-FR" b="0" i="1" dirty="0" smtClean="0">
+                                  <a:rPr lang="fr-FR" sz="2400" b="0" i="1" dirty="0" smtClean="0">
                                     <a:latin typeface="Cambria Math" panose="02040503050406030204" pitchFamily="18" charset="0"/>
                                   </a:rPr>
                                   <m:t>𝑟</m:t>
@@ -21459,12 +21457,12 @@
                           </m:oMath>
                         </m:oMathPara>
                       </a14:m>
-                      <a:endParaRPr lang="fr-FR" dirty="0"/>
+                      <a:endParaRPr lang="fr-FR" sz="2400" dirty="0"/>
                     </a:p>
                   </p:txBody>
                 </p:sp>
               </mc:Choice>
-              <mc:Fallback xmlns="">
+              <mc:Fallback>
                 <p:sp>
                   <p:nvSpPr>
                     <p:cNvPr id="61" name="ZoneTexte 60"/>
@@ -21475,8 +21473,8 @@
                   </p:nvSpPr>
                   <p:spPr>
                     <a:xfrm>
-                      <a:off x="6849849" y="3738560"/>
-                      <a:ext cx="463396" cy="369332"/>
+                      <a:off x="7186803" y="3243011"/>
+                      <a:ext cx="552587" cy="461665"/>
                     </a:xfrm>
                     <a:prstGeom prst="rect">
                       <a:avLst/>
@@ -21503,8 +21501,8 @@
                 </p:sp>
               </mc:Fallback>
             </mc:AlternateContent>
-            <mc:AlternateContent xmlns:mc="http://schemas.openxmlformats.org/markup-compatibility/2006" xmlns:a14="http://schemas.microsoft.com/office/drawing/2010/main">
-              <mc:Choice Requires="a14">
+            <mc:AlternateContent xmlns:mc="http://schemas.openxmlformats.org/markup-compatibility/2006">
+              <mc:Choice xmlns:a14="http://schemas.microsoft.com/office/drawing/2010/main" Requires="a14">
                 <p:sp>
                   <p:nvSpPr>
                     <p:cNvPr id="62" name="ZoneTexte 61"/>
@@ -21513,8 +21511,8 @@
                   </p:nvSpPr>
                   <p:spPr>
                     <a:xfrm>
-                      <a:off x="7258834" y="3316207"/>
-                      <a:ext cx="451790" cy="369332"/>
+                      <a:off x="6724803" y="3704901"/>
+                      <a:ext cx="536557" cy="461665"/>
                     </a:xfrm>
                     <a:prstGeom prst="rect">
                       <a:avLst/>
@@ -21537,14 +21535,14 @@
                             <m:sSub>
                               <m:sSubPr>
                                 <m:ctrlPr>
-                                  <a:rPr lang="fr-FR" b="0" i="1" dirty="0" smtClean="0">
+                                  <a:rPr lang="fr-FR" sz="2400" b="0" i="1" dirty="0" smtClean="0">
                                     <a:latin typeface="Cambria Math" panose="02040503050406030204" pitchFamily="18" charset="0"/>
                                   </a:rPr>
                                 </m:ctrlPr>
                               </m:sSubPr>
                               <m:e>
                                 <m:r>
-                                  <a:rPr lang="fr-FR" b="0" i="1" dirty="0" smtClean="0">
+                                  <a:rPr lang="fr-FR" sz="2400" b="0" i="1" dirty="0" smtClean="0">
                                     <a:latin typeface="Cambria Math" panose="02040503050406030204" pitchFamily="18" charset="0"/>
                                   </a:rPr>
                                   <m:t>𝑦</m:t>
@@ -21552,7 +21550,7 @@
                               </m:e>
                               <m:sub>
                                 <m:r>
-                                  <a:rPr lang="fr-FR" b="0" i="1" dirty="0" smtClean="0">
+                                  <a:rPr lang="fr-FR" sz="2400" b="0" i="1" dirty="0" smtClean="0">
                                     <a:latin typeface="Cambria Math" panose="02040503050406030204" pitchFamily="18" charset="0"/>
                                   </a:rPr>
                                   <m:t>𝑟</m:t>
@@ -21562,12 +21560,12 @@
                           </m:oMath>
                         </m:oMathPara>
                       </a14:m>
-                      <a:endParaRPr lang="fr-FR" dirty="0"/>
+                      <a:endParaRPr lang="fr-FR" sz="2400" dirty="0"/>
                     </a:p>
                   </p:txBody>
                 </p:sp>
               </mc:Choice>
-              <mc:Fallback xmlns="">
+              <mc:Fallback>
                 <p:sp>
                   <p:nvSpPr>
                     <p:cNvPr id="62" name="ZoneTexte 61"/>
@@ -21578,8 +21576,8 @@
                   </p:nvSpPr>
                   <p:spPr>
                     <a:xfrm>
-                      <a:off x="7258834" y="3316207"/>
-                      <a:ext cx="451790" cy="369332"/>
+                      <a:off x="6724803" y="3704901"/>
+                      <a:ext cx="536557" cy="461665"/>
                     </a:xfrm>
                     <a:prstGeom prst="rect">
                       <a:avLst/>
@@ -21587,7 +21585,7 @@
                     <a:blipFill rotWithShape="0">
                       <a:blip r:embed="rId5"/>
                       <a:stretch>
-                        <a:fillRect b="-4918"/>
+                        <a:fillRect b="-10667"/>
                       </a:stretch>
                     </a:blipFill>
                   </p:spPr>
@@ -21615,10 +21613,10 @@
             </p:nvGrpSpPr>
             <p:grpSpPr>
               <a:xfrm>
-                <a:off x="6123466" y="2669805"/>
-                <a:ext cx="2321783" cy="2160000"/>
-                <a:chOff x="4061411" y="2194590"/>
-                <a:chExt cx="2321783" cy="2160000"/>
+                <a:off x="5285202" y="2635526"/>
+                <a:ext cx="2998264" cy="2194279"/>
+                <a:chOff x="3223147" y="2160311"/>
+                <a:chExt cx="2998264" cy="2194279"/>
               </a:xfrm>
             </p:grpSpPr>
             <p:cxnSp>
@@ -21829,8 +21827,8 @@
               </p:nvSpPr>
               <p:spPr>
                 <a:xfrm>
-                  <a:off x="4655002" y="2369077"/>
-                  <a:ext cx="1728192" cy="369332"/>
+                  <a:off x="3223147" y="2160311"/>
+                  <a:ext cx="1728192" cy="461665"/>
                 </a:xfrm>
                 <a:prstGeom prst="rect">
                   <a:avLst/>
@@ -21845,10 +21843,10 @@
                 <a:p>
                   <a:pPr algn="ctr"/>
                   <a:r>
-                    <a:rPr lang="fr-FR" dirty="0" smtClean="0"/>
+                    <a:rPr lang="fr-FR" sz="2400" dirty="0" smtClean="0"/>
                     <a:t>Rotor</a:t>
                   </a:r>
-                  <a:endParaRPr lang="fr-FR" dirty="0"/>
+                  <a:endParaRPr lang="fr-FR" sz="2400" dirty="0"/>
                 </a:p>
               </p:txBody>
             </p:sp>
@@ -21862,7 +21860,7 @@
           </p:nvSpPr>
           <p:spPr>
             <a:xfrm rot="16669032">
-              <a:off x="5738197" y="768009"/>
+              <a:off x="5769091" y="1250886"/>
               <a:ext cx="1850117" cy="2127382"/>
             </a:xfrm>
             <a:prstGeom prst="arc">
@@ -21902,8 +21900,8 @@
             </a:p>
           </p:txBody>
         </p:sp>
-        <mc:AlternateContent xmlns:mc="http://schemas.openxmlformats.org/markup-compatibility/2006" xmlns:a14="http://schemas.microsoft.com/office/drawing/2010/main">
-          <mc:Choice Requires="a14">
+        <mc:AlternateContent xmlns:mc="http://schemas.openxmlformats.org/markup-compatibility/2006">
+          <mc:Choice xmlns:a14="http://schemas.microsoft.com/office/drawing/2010/main" Requires="a14">
             <p:sp>
               <p:nvSpPr>
                 <p:cNvPr id="90" name="ZoneTexte 89"/>
@@ -21912,8 +21910,8 @@
               </p:nvSpPr>
               <p:spPr>
                 <a:xfrm>
-                  <a:off x="5955123" y="619072"/>
-                  <a:ext cx="469937" cy="369332"/>
+                  <a:off x="6007894" y="1044375"/>
+                  <a:ext cx="563552" cy="461665"/>
                 </a:xfrm>
                 <a:prstGeom prst="rect">
                   <a:avLst/>
@@ -21936,14 +21934,14 @@
                         <m:sSup>
                           <m:sSupPr>
                             <m:ctrlPr>
-                              <a:rPr lang="fr-FR" b="0" i="1" smtClean="0">
+                              <a:rPr lang="fr-FR" sz="2400" b="0" i="1" smtClean="0">
                                 <a:latin typeface="Cambria Math" panose="02040503050406030204" pitchFamily="18" charset="0"/>
                               </a:rPr>
                             </m:ctrlPr>
                           </m:sSupPr>
                           <m:e>
                             <m:r>
-                              <a:rPr lang="fr-FR" b="0" i="1" smtClean="0">
+                              <a:rPr lang="fr-FR" sz="2400" b="0" i="1" smtClean="0">
                                 <a:latin typeface="Cambria Math" panose="02040503050406030204" pitchFamily="18" charset="0"/>
                               </a:rPr>
                               <m:t>𝜃</m:t>
@@ -21951,7 +21949,7 @@
                           </m:e>
                           <m:sup>
                             <m:r>
-                              <a:rPr lang="fr-FR" b="0" i="1" smtClean="0">
+                              <a:rPr lang="fr-FR" sz="2400" b="0" i="1" smtClean="0">
                                 <a:latin typeface="Cambria Math" panose="02040503050406030204" pitchFamily="18" charset="0"/>
                               </a:rPr>
                               <m:t>∗</m:t>
@@ -21961,12 +21959,12 @@
                       </m:oMath>
                     </m:oMathPara>
                   </a14:m>
-                  <a:endParaRPr lang="fr-FR" dirty="0"/>
+                  <a:endParaRPr lang="fr-FR" sz="2400" dirty="0"/>
                 </a:p>
               </p:txBody>
             </p:sp>
           </mc:Choice>
-          <mc:Fallback xmlns="">
+          <mc:Fallback>
             <p:sp>
               <p:nvSpPr>
                 <p:cNvPr id="90" name="ZoneTexte 89"/>
@@ -21977,8 +21975,8 @@
               </p:nvSpPr>
               <p:spPr>
                 <a:xfrm>
-                  <a:off x="5955123" y="619072"/>
-                  <a:ext cx="469937" cy="369332"/>
+                  <a:off x="6007894" y="1044375"/>
+                  <a:ext cx="563552" cy="461665"/>
                 </a:xfrm>
                 <a:prstGeom prst="rect">
                   <a:avLst/>
@@ -23312,10 +23310,10 @@
         </p:nvGrpSpPr>
         <p:grpSpPr>
           <a:xfrm>
-            <a:off x="692500" y="1149685"/>
-            <a:ext cx="5139518" cy="3699848"/>
-            <a:chOff x="308225" y="1144435"/>
-            <a:chExt cx="5139518" cy="3699848"/>
+            <a:off x="692500" y="1087158"/>
+            <a:ext cx="5139518" cy="3762375"/>
+            <a:chOff x="308225" y="1081908"/>
+            <a:chExt cx="5139518" cy="3762375"/>
           </a:xfrm>
         </p:grpSpPr>
         <p:grpSp>
@@ -23725,10 +23723,10 @@
             </p:nvGrpSpPr>
             <p:grpSpPr>
               <a:xfrm>
-                <a:off x="3340978" y="2114747"/>
-                <a:ext cx="3678148" cy="1220334"/>
-                <a:chOff x="3340978" y="2114747"/>
-                <a:chExt cx="3678148" cy="1220334"/>
+                <a:off x="3340978" y="2091378"/>
+                <a:ext cx="3678148" cy="1243703"/>
+                <a:chOff x="3340978" y="2091378"/>
+                <a:chExt cx="3678148" cy="1243703"/>
               </a:xfrm>
             </p:grpSpPr>
             <p:sp>
@@ -23825,8 +23823,8 @@
                 </a:p>
               </p:txBody>
             </p:sp>
-            <mc:AlternateContent xmlns:mc="http://schemas.openxmlformats.org/markup-compatibility/2006" xmlns:a14="http://schemas.microsoft.com/office/drawing/2010/main">
-              <mc:Choice Requires="a14">
+            <mc:AlternateContent xmlns:mc="http://schemas.openxmlformats.org/markup-compatibility/2006">
+              <mc:Choice xmlns:a14="http://schemas.microsoft.com/office/drawing/2010/main" Requires="a14">
                 <p:sp>
                   <p:nvSpPr>
                     <p:cNvPr id="17" name="ZoneTexte 16"/>
@@ -23835,8 +23833,8 @@
                   </p:nvSpPr>
                   <p:spPr>
                     <a:xfrm>
-                      <a:off x="4713802" y="2114747"/>
-                      <a:ext cx="474938" cy="391261"/>
+                      <a:off x="4500031" y="2091378"/>
+                      <a:ext cx="569578" cy="490840"/>
                     </a:xfrm>
                     <a:prstGeom prst="rect">
                       <a:avLst/>
@@ -23859,14 +23857,14 @@
                             <m:sSub>
                               <m:sSubPr>
                                 <m:ctrlPr>
-                                  <a:rPr lang="fr-FR" b="0" i="1" smtClean="0">
+                                  <a:rPr lang="fr-FR" sz="2400" b="0" i="1" smtClean="0">
                                     <a:latin typeface="Cambria Math" panose="02040503050406030204" pitchFamily="18" charset="0"/>
                                   </a:rPr>
                                 </m:ctrlPr>
                               </m:sSubPr>
                               <m:e>
                                 <m:r>
-                                  <a:rPr lang="fr-FR" b="0" i="1" smtClean="0">
+                                  <a:rPr lang="fr-FR" sz="2400" b="0" i="1" smtClean="0">
                                     <a:latin typeface="Cambria Math" panose="02040503050406030204" pitchFamily="18" charset="0"/>
                                   </a:rPr>
                                   <m:t>𝜃</m:t>
@@ -23874,7 +23872,7 @@
                               </m:e>
                               <m:sub>
                                 <m:r>
-                                  <a:rPr lang="fr-FR" b="0" i="1" smtClean="0">
+                                  <a:rPr lang="fr-FR" sz="2400" b="0" i="1" smtClean="0">
                                     <a:latin typeface="Cambria Math" panose="02040503050406030204" pitchFamily="18" charset="0"/>
                                   </a:rPr>
                                   <m:t>𝑦</m:t>
@@ -23884,12 +23882,12 @@
                           </m:oMath>
                         </m:oMathPara>
                       </a14:m>
-                      <a:endParaRPr lang="fr-FR" dirty="0"/>
+                      <a:endParaRPr lang="fr-FR" sz="2400" dirty="0"/>
                     </a:p>
                   </p:txBody>
                 </p:sp>
               </mc:Choice>
-              <mc:Fallback xmlns="">
+              <mc:Fallback>
                 <p:sp>
                   <p:nvSpPr>
                     <p:cNvPr id="17" name="ZoneTexte 16"/>
@@ -23900,8 +23898,8 @@
                   </p:nvSpPr>
                   <p:spPr>
                     <a:xfrm>
-                      <a:off x="4713802" y="2114747"/>
-                      <a:ext cx="474938" cy="391261"/>
+                      <a:off x="4500031" y="2091378"/>
+                      <a:ext cx="569578" cy="490840"/>
                     </a:xfrm>
                     <a:prstGeom prst="rect">
                       <a:avLst/>
@@ -23909,7 +23907,7 @@
                     <a:blipFill rotWithShape="0">
                       <a:blip r:embed="rId4"/>
                       <a:stretch>
-                        <a:fillRect b="-3077"/>
+                        <a:fillRect b="-6250"/>
                       </a:stretch>
                     </a:blipFill>
                   </p:spPr>
@@ -23938,8 +23936,8 @@
           </p:nvSpPr>
           <p:spPr>
             <a:xfrm>
-              <a:off x="2831796" y="1144435"/>
-              <a:ext cx="1128530" cy="372139"/>
+              <a:off x="2739542" y="1081908"/>
+              <a:ext cx="1675766" cy="461665"/>
             </a:xfrm>
             <a:prstGeom prst="rect">
               <a:avLst/>
@@ -23954,10 +23952,10 @@
             <a:p>
               <a:pPr algn="ctr"/>
               <a:r>
-                <a:rPr lang="fr-FR" dirty="0" smtClean="0"/>
+                <a:rPr lang="fr-FR" sz="2400" dirty="0" smtClean="0"/>
                 <a:t>Coussinet</a:t>
               </a:r>
-              <a:endParaRPr lang="fr-FR" dirty="0"/>
+              <a:endParaRPr lang="fr-FR" sz="2400" dirty="0"/>
             </a:p>
           </p:txBody>
         </p:sp>
@@ -23970,7 +23968,7 @@
           <p:spPr>
             <a:xfrm>
               <a:off x="869228" y="1933823"/>
-              <a:ext cx="880407" cy="369332"/>
+              <a:ext cx="880407" cy="461665"/>
             </a:xfrm>
             <a:prstGeom prst="rect">
               <a:avLst/>
@@ -23985,10 +23983,10 @@
             <a:p>
               <a:pPr algn="ctr"/>
               <a:r>
-                <a:rPr lang="fr-FR" dirty="0" smtClean="0"/>
+                <a:rPr lang="fr-FR" sz="2400" dirty="0" smtClean="0"/>
                 <a:t>Rotor</a:t>
               </a:r>
-              <a:endParaRPr lang="fr-FR" dirty="0"/>
+              <a:endParaRPr lang="fr-FR" sz="2400" dirty="0"/>
             </a:p>
           </p:txBody>
         </p:sp>
@@ -24001,10 +23999,10 @@
         </p:nvGrpSpPr>
         <p:grpSpPr>
           <a:xfrm>
-            <a:off x="5832018" y="1120227"/>
-            <a:ext cx="5139518" cy="3729306"/>
-            <a:chOff x="5714998" y="1112170"/>
-            <a:chExt cx="5139518" cy="3729306"/>
+            <a:off x="5832018" y="1069413"/>
+            <a:ext cx="5203894" cy="3872453"/>
+            <a:chOff x="5714998" y="1061356"/>
+            <a:chExt cx="5203894" cy="3872453"/>
           </a:xfrm>
         </p:grpSpPr>
         <p:grpSp>
@@ -24016,9 +24014,9 @@
           <p:grpSpPr>
             <a:xfrm>
               <a:off x="5714998" y="1160981"/>
-              <a:ext cx="5139518" cy="3680495"/>
+              <a:ext cx="5203894" cy="3772828"/>
               <a:chOff x="2804845" y="1212351"/>
-              <a:chExt cx="5139518" cy="3680495"/>
+              <a:chExt cx="5203894" cy="3772828"/>
             </a:xfrm>
           </p:grpSpPr>
           <p:grpSp>
@@ -24030,9 +24028,9 @@
             <p:grpSpPr>
               <a:xfrm>
                 <a:off x="2804845" y="1212351"/>
-                <a:ext cx="5139518" cy="3680495"/>
+                <a:ext cx="5203894" cy="3772828"/>
                 <a:chOff x="2804845" y="1212351"/>
-                <a:chExt cx="5139518" cy="3680495"/>
+                <a:chExt cx="5203894" cy="3772828"/>
               </a:xfrm>
             </p:grpSpPr>
             <p:grpSp>
@@ -24155,9 +24153,9 @@
               <p:grpSpPr>
                 <a:xfrm>
                   <a:off x="2804845" y="1212351"/>
-                  <a:ext cx="5139518" cy="3680495"/>
+                  <a:ext cx="5203894" cy="3772828"/>
                   <a:chOff x="2804845" y="1212351"/>
-                  <a:chExt cx="5139518" cy="3680495"/>
+                  <a:chExt cx="5203894" cy="3772828"/>
                 </a:xfrm>
               </p:grpSpPr>
               <p:cxnSp>
@@ -24236,8 +24234,8 @@
                   </a:fontRef>
                 </p:style>
               </p:cxnSp>
-              <mc:AlternateContent xmlns:mc="http://schemas.openxmlformats.org/markup-compatibility/2006" xmlns:a14="http://schemas.microsoft.com/office/drawing/2010/main">
-                <mc:Choice Requires="a14">
+              <mc:AlternateContent xmlns:mc="http://schemas.openxmlformats.org/markup-compatibility/2006">
+                <mc:Choice xmlns:a14="http://schemas.microsoft.com/office/drawing/2010/main" Requires="a14">
                   <p:sp>
                     <p:nvSpPr>
                       <p:cNvPr id="31" name="ZoneTexte 30"/>
@@ -24247,7 +24245,7 @@
                     <p:spPr>
                       <a:xfrm>
                         <a:off x="5152781" y="4523514"/>
-                        <a:ext cx="382669" cy="369332"/>
+                        <a:ext cx="447045" cy="461665"/>
                       </a:xfrm>
                       <a:prstGeom prst="rect">
                         <a:avLst/>
@@ -24268,7 +24266,7 @@
                             </m:oMathParaPr>
                             <m:oMath xmlns:m="http://schemas.openxmlformats.org/officeDocument/2006/math">
                               <m:r>
-                                <a:rPr lang="fr-FR" b="0" i="1" smtClean="0">
+                                <a:rPr lang="fr-FR" sz="2400" b="0" i="1" smtClean="0">
                                   <a:latin typeface="Cambria Math" panose="02040503050406030204" pitchFamily="18" charset="0"/>
                                 </a:rPr>
                                 <m:t>𝑌</m:t>
@@ -24276,12 +24274,12 @@
                             </m:oMath>
                           </m:oMathPara>
                         </a14:m>
-                        <a:endParaRPr lang="fr-FR" dirty="0"/>
+                        <a:endParaRPr lang="fr-FR" sz="2400" dirty="0"/>
                       </a:p>
                     </p:txBody>
                   </p:sp>
                 </mc:Choice>
-                <mc:Fallback xmlns="">
+                <mc:Fallback>
                   <p:sp>
                     <p:nvSpPr>
                       <p:cNvPr id="31" name="ZoneTexte 30"/>
@@ -24293,7 +24291,7 @@
                     <p:spPr>
                       <a:xfrm>
                         <a:off x="5152781" y="4523514"/>
-                        <a:ext cx="382669" cy="369332"/>
+                        <a:ext cx="447045" cy="461665"/>
                       </a:xfrm>
                       <a:prstGeom prst="rect">
                         <a:avLst/>
@@ -24320,8 +24318,8 @@
                   </p:sp>
                 </mc:Fallback>
               </mc:AlternateContent>
-              <mc:AlternateContent xmlns:mc="http://schemas.openxmlformats.org/markup-compatibility/2006" xmlns:a14="http://schemas.microsoft.com/office/drawing/2010/main">
-                <mc:Choice Requires="a14">
+              <mc:AlternateContent xmlns:mc="http://schemas.openxmlformats.org/markup-compatibility/2006">
+                <mc:Choice xmlns:a14="http://schemas.microsoft.com/office/drawing/2010/main" Requires="a14">
                   <p:sp>
                     <p:nvSpPr>
                       <p:cNvPr id="32" name="ZoneTexte 31"/>
@@ -24331,7 +24329,7 @@
                     <p:spPr>
                       <a:xfrm>
                         <a:off x="7564900" y="2549377"/>
-                        <a:ext cx="379463" cy="369332"/>
+                        <a:ext cx="443839" cy="461665"/>
                       </a:xfrm>
                       <a:prstGeom prst="rect">
                         <a:avLst/>
@@ -24352,7 +24350,7 @@
                             </m:oMathParaPr>
                             <m:oMath xmlns:m="http://schemas.openxmlformats.org/officeDocument/2006/math">
                               <m:r>
-                                <a:rPr lang="fr-FR" b="0" i="1" smtClean="0">
+                                <a:rPr lang="fr-FR" sz="2400" b="0" i="1" smtClean="0">
                                   <a:latin typeface="Cambria Math" panose="02040503050406030204" pitchFamily="18" charset="0"/>
                                 </a:rPr>
                                 <m:t>𝑍</m:t>
@@ -24360,12 +24358,12 @@
                             </m:oMath>
                           </m:oMathPara>
                         </a14:m>
-                        <a:endParaRPr lang="fr-FR" dirty="0"/>
+                        <a:endParaRPr lang="fr-FR" sz="2400" dirty="0"/>
                       </a:p>
                     </p:txBody>
                   </p:sp>
                 </mc:Choice>
-                <mc:Fallback xmlns="">
+                <mc:Fallback>
                   <p:sp>
                     <p:nvSpPr>
                       <p:cNvPr id="32" name="ZoneTexte 31"/>
@@ -24377,7 +24375,7 @@
                     <p:spPr>
                       <a:xfrm>
                         <a:off x="7564900" y="2549377"/>
-                        <a:ext cx="379463" cy="369332"/>
+                        <a:ext cx="443839" cy="461665"/>
                       </a:xfrm>
                       <a:prstGeom prst="rect">
                         <a:avLst/>
@@ -24514,8 +24512,8 @@
                 </a:p>
               </p:txBody>
             </p:sp>
-            <mc:AlternateContent xmlns:mc="http://schemas.openxmlformats.org/markup-compatibility/2006" xmlns:a14="http://schemas.microsoft.com/office/drawing/2010/main">
-              <mc:Choice Requires="a14">
+            <mc:AlternateContent xmlns:mc="http://schemas.openxmlformats.org/markup-compatibility/2006">
+              <mc:Choice xmlns:a14="http://schemas.microsoft.com/office/drawing/2010/main" Requires="a14">
                 <p:sp>
                   <p:nvSpPr>
                     <p:cNvPr id="26" name="ZoneTexte 25"/>
@@ -24525,7 +24523,7 @@
                   <p:spPr>
                     <a:xfrm>
                       <a:off x="4621864" y="2860891"/>
-                      <a:ext cx="467307" cy="369332"/>
+                      <a:ext cx="560538" cy="461665"/>
                     </a:xfrm>
                     <a:prstGeom prst="rect">
                       <a:avLst/>
@@ -24548,14 +24546,14 @@
                             <m:sSub>
                               <m:sSubPr>
                                 <m:ctrlPr>
-                                  <a:rPr lang="fr-FR" b="0" i="1" smtClean="0">
+                                  <a:rPr lang="fr-FR" sz="2400" b="0" i="1" smtClean="0">
                                     <a:latin typeface="Cambria Math" panose="02040503050406030204" pitchFamily="18" charset="0"/>
                                   </a:rPr>
                                 </m:ctrlPr>
                               </m:sSubPr>
                               <m:e>
                                 <m:r>
-                                  <a:rPr lang="fr-FR" b="0" i="1" smtClean="0">
+                                  <a:rPr lang="fr-FR" sz="2400" b="0" i="1" smtClean="0">
                                     <a:latin typeface="Cambria Math" panose="02040503050406030204" pitchFamily="18" charset="0"/>
                                   </a:rPr>
                                   <m:t>𝜃</m:t>
@@ -24563,7 +24561,7 @@
                               </m:e>
                               <m:sub>
                                 <m:r>
-                                  <a:rPr lang="fr-FR" b="0" i="1" smtClean="0">
+                                  <a:rPr lang="fr-FR" sz="2400" b="0" i="1" smtClean="0">
                                     <a:latin typeface="Cambria Math" panose="02040503050406030204" pitchFamily="18" charset="0"/>
                                   </a:rPr>
                                   <m:t>𝑥</m:t>
@@ -24573,12 +24571,12 @@
                           </m:oMath>
                         </m:oMathPara>
                       </a14:m>
-                      <a:endParaRPr lang="fr-FR" dirty="0"/>
+                      <a:endParaRPr lang="fr-FR" sz="2400" dirty="0"/>
                     </a:p>
                   </p:txBody>
                 </p:sp>
               </mc:Choice>
-              <mc:Fallback xmlns="">
+              <mc:Fallback>
                 <p:sp>
                   <p:nvSpPr>
                     <p:cNvPr id="26" name="ZoneTexte 25"/>
@@ -24590,7 +24588,7 @@
                   <p:spPr>
                     <a:xfrm>
                       <a:off x="4621864" y="2860891"/>
-                      <a:ext cx="467307" cy="369332"/>
+                      <a:ext cx="560538" cy="461665"/>
                     </a:xfrm>
                     <a:prstGeom prst="rect">
                       <a:avLst/>
@@ -24627,8 +24625,8 @@
           </p:nvSpPr>
           <p:spPr>
             <a:xfrm>
-              <a:off x="8414984" y="1112170"/>
-              <a:ext cx="1128530" cy="372139"/>
+              <a:off x="8210253" y="1061356"/>
+              <a:ext cx="1690598" cy="461665"/>
             </a:xfrm>
             <a:prstGeom prst="rect">
               <a:avLst/>
@@ -24643,10 +24641,10 @@
             <a:p>
               <a:pPr algn="ctr"/>
               <a:r>
-                <a:rPr lang="fr-FR" dirty="0" smtClean="0"/>
+                <a:rPr lang="fr-FR" sz="2400" dirty="0" smtClean="0"/>
                 <a:t>Coussinet</a:t>
               </a:r>
-              <a:endParaRPr lang="fr-FR" dirty="0"/>
+              <a:endParaRPr lang="fr-FR" sz="2400" dirty="0"/>
             </a:p>
           </p:txBody>
         </p:sp>
@@ -24659,7 +24657,7 @@
           <p:spPr>
             <a:xfrm>
               <a:off x="9020444" y="1878711"/>
-              <a:ext cx="880407" cy="369332"/>
+              <a:ext cx="880407" cy="461665"/>
             </a:xfrm>
             <a:prstGeom prst="rect">
               <a:avLst/>
@@ -24674,10 +24672,10 @@
             <a:p>
               <a:pPr algn="ctr"/>
               <a:r>
-                <a:rPr lang="fr-FR" dirty="0" smtClean="0"/>
+                <a:rPr lang="fr-FR" sz="2400" dirty="0" smtClean="0"/>
                 <a:t>Rotor</a:t>
               </a:r>
-              <a:endParaRPr lang="fr-FR" dirty="0"/>
+              <a:endParaRPr lang="fr-FR" sz="2400" dirty="0"/>
             </a:p>
           </p:txBody>
         </p:sp>
@@ -28059,8 +28057,8 @@
                 </a:fontRef>
               </p:style>
             </p:cxnSp>
-            <mc:AlternateContent xmlns:mc="http://schemas.openxmlformats.org/markup-compatibility/2006">
-              <mc:Choice xmlns:a14="http://schemas.microsoft.com/office/drawing/2010/main" Requires="a14">
+            <mc:AlternateContent xmlns:mc="http://schemas.openxmlformats.org/markup-compatibility/2006" xmlns:a14="http://schemas.microsoft.com/office/drawing/2010/main">
+              <mc:Choice Requires="a14">
                 <p:sp>
                   <p:nvSpPr>
                     <p:cNvPr id="38" name="ZoneTexte 37"/>
@@ -28112,7 +28110,7 @@
                   </p:txBody>
                 </p:sp>
               </mc:Choice>
-              <mc:Fallback>
+              <mc:Fallback xmlns="">
                 <p:sp>
                   <p:nvSpPr>
                     <p:cNvPr id="38" name="ZoneTexte 37"/>
@@ -28152,8 +28150,8 @@
               </mc:Fallback>
             </mc:AlternateContent>
           </p:grpSp>
-          <mc:AlternateContent xmlns:mc="http://schemas.openxmlformats.org/markup-compatibility/2006">
-            <mc:Choice xmlns:a14="http://schemas.microsoft.com/office/drawing/2010/main" Requires="a14">
+          <mc:AlternateContent xmlns:mc="http://schemas.openxmlformats.org/markup-compatibility/2006" xmlns:a14="http://schemas.microsoft.com/office/drawing/2010/main">
+            <mc:Choice Requires="a14">
               <p:sp>
                 <p:nvSpPr>
                   <p:cNvPr id="44" name="ZoneTexte 43"/>
@@ -28228,7 +28226,7 @@
                 </p:txBody>
               </p:sp>
             </mc:Choice>
-            <mc:Fallback>
+            <mc:Fallback xmlns="">
               <p:sp>
                 <p:nvSpPr>
                   <p:cNvPr id="44" name="ZoneTexte 43"/>
@@ -28267,8 +28265,8 @@
               </p:sp>
             </mc:Fallback>
           </mc:AlternateContent>
-          <mc:AlternateContent xmlns:mc="http://schemas.openxmlformats.org/markup-compatibility/2006">
-            <mc:Choice xmlns:a14="http://schemas.microsoft.com/office/drawing/2010/main" Requires="a14">
+          <mc:AlternateContent xmlns:mc="http://schemas.openxmlformats.org/markup-compatibility/2006" xmlns:a14="http://schemas.microsoft.com/office/drawing/2010/main">
+            <mc:Choice Requires="a14">
               <p:sp>
                 <p:nvSpPr>
                   <p:cNvPr id="45" name="ZoneTexte 44"/>
@@ -28331,7 +28329,7 @@
                 </p:txBody>
               </p:sp>
             </mc:Choice>
-            <mc:Fallback>
+            <mc:Fallback xmlns="">
               <p:sp>
                 <p:nvSpPr>
                   <p:cNvPr id="45" name="ZoneTexte 44"/>
@@ -28370,8 +28368,8 @@
               </p:sp>
             </mc:Fallback>
           </mc:AlternateContent>
-          <mc:AlternateContent xmlns:mc="http://schemas.openxmlformats.org/markup-compatibility/2006">
-            <mc:Choice xmlns:a14="http://schemas.microsoft.com/office/drawing/2010/main" Requires="a14">
+          <mc:AlternateContent xmlns:mc="http://schemas.openxmlformats.org/markup-compatibility/2006" xmlns:a14="http://schemas.microsoft.com/office/drawing/2010/main">
+            <mc:Choice Requires="a14">
               <p:sp>
                 <p:nvSpPr>
                   <p:cNvPr id="46" name="ZoneTexte 45"/>
@@ -28446,7 +28444,7 @@
                 </p:txBody>
               </p:sp>
             </mc:Choice>
-            <mc:Fallback>
+            <mc:Fallback xmlns="">
               <p:sp>
                 <p:nvSpPr>
                   <p:cNvPr id="46" name="ZoneTexte 45"/>
@@ -31360,8 +31358,8 @@
               <a:chExt cx="2392083" cy="1649653"/>
             </a:xfrm>
           </p:grpSpPr>
-          <mc:AlternateContent xmlns:mc="http://schemas.openxmlformats.org/markup-compatibility/2006">
-            <mc:Choice xmlns:a14="http://schemas.microsoft.com/office/drawing/2010/main" Requires="a14">
+          <mc:AlternateContent xmlns:mc="http://schemas.openxmlformats.org/markup-compatibility/2006" xmlns:a14="http://schemas.microsoft.com/office/drawing/2010/main">
+            <mc:Choice Requires="a14">
               <p:sp>
                 <p:nvSpPr>
                   <p:cNvPr id="146" name="Rectangle 145"/>
@@ -31456,7 +31454,7 @@
                 </p:txBody>
               </p:sp>
             </mc:Choice>
-            <mc:Fallback>
+            <mc:Fallback xmlns="">
               <p:sp>
                 <p:nvSpPr>
                   <p:cNvPr id="146" name="Rectangle 145"/>
@@ -31509,8 +31507,8 @@
                 <a:chExt cx="2392083" cy="1649653"/>
               </a:xfrm>
             </p:grpSpPr>
-            <mc:AlternateContent xmlns:mc="http://schemas.openxmlformats.org/markup-compatibility/2006">
-              <mc:Choice xmlns:a14="http://schemas.microsoft.com/office/drawing/2010/main" Requires="a14">
+            <mc:AlternateContent xmlns:mc="http://schemas.openxmlformats.org/markup-compatibility/2006" xmlns:a14="http://schemas.microsoft.com/office/drawing/2010/main">
+              <mc:Choice Requires="a14">
                 <p:sp>
                   <p:nvSpPr>
                     <p:cNvPr id="148" name="ZoneTexte 147"/>
@@ -31533,6 +31531,7 @@
                     </a:bodyPr>
                     <a:lstStyle/>
                     <a:p>
+                      <a:pPr/>
                       <a14:m>
                         <m:oMathPara xmlns:m="http://schemas.openxmlformats.org/officeDocument/2006/math">
                           <m:oMathParaPr>
@@ -31564,7 +31563,7 @@
                   </p:txBody>
                 </p:sp>
               </mc:Choice>
-              <mc:Fallback>
+              <mc:Fallback xmlns="">
                 <p:sp>
                   <p:nvSpPr>
                     <p:cNvPr id="148" name="ZoneTexte 147"/>
@@ -31603,8 +31602,8 @@
                 </p:sp>
               </mc:Fallback>
             </mc:AlternateContent>
-            <mc:AlternateContent xmlns:mc="http://schemas.openxmlformats.org/markup-compatibility/2006">
-              <mc:Choice xmlns:a14="http://schemas.microsoft.com/office/drawing/2010/main" Requires="a14">
+            <mc:AlternateContent xmlns:mc="http://schemas.openxmlformats.org/markup-compatibility/2006" xmlns:a14="http://schemas.microsoft.com/office/drawing/2010/main">
+              <mc:Choice Requires="a14">
                 <p:sp>
                   <p:nvSpPr>
                     <p:cNvPr id="149" name="ZoneTexte 148"/>
@@ -31648,7 +31647,7 @@
                   </p:txBody>
                 </p:sp>
               </mc:Choice>
-              <mc:Fallback>
+              <mc:Fallback xmlns="">
                 <p:sp>
                   <p:nvSpPr>
                     <p:cNvPr id="149" name="ZoneTexte 148"/>
@@ -31687,8 +31686,8 @@
                 </p:sp>
               </mc:Fallback>
             </mc:AlternateContent>
-            <mc:AlternateContent xmlns:mc="http://schemas.openxmlformats.org/markup-compatibility/2006">
-              <mc:Choice xmlns:a14="http://schemas.microsoft.com/office/drawing/2010/main" Requires="a14">
+            <mc:AlternateContent xmlns:mc="http://schemas.openxmlformats.org/markup-compatibility/2006" xmlns:a14="http://schemas.microsoft.com/office/drawing/2010/main">
+              <mc:Choice Requires="a14">
                 <p:sp>
                   <p:nvSpPr>
                     <p:cNvPr id="150" name="ZoneTexte 149"/>
@@ -31732,7 +31731,7 @@
                   </p:txBody>
                 </p:sp>
               </mc:Choice>
-              <mc:Fallback>
+              <mc:Fallback xmlns="">
                 <p:sp>
                   <p:nvSpPr>
                     <p:cNvPr id="150" name="ZoneTexte 149"/>
@@ -31771,8 +31770,8 @@
                 </p:sp>
               </mc:Fallback>
             </mc:AlternateContent>
-            <mc:AlternateContent xmlns:mc="http://schemas.openxmlformats.org/markup-compatibility/2006">
-              <mc:Choice xmlns:a14="http://schemas.microsoft.com/office/drawing/2010/main" Requires="a14">
+            <mc:AlternateContent xmlns:mc="http://schemas.openxmlformats.org/markup-compatibility/2006" xmlns:a14="http://schemas.microsoft.com/office/drawing/2010/main">
+              <mc:Choice Requires="a14">
                 <p:sp>
                   <p:nvSpPr>
                     <p:cNvPr id="151" name="ZoneTexte 150"/>
@@ -31816,7 +31815,7 @@
                   </p:txBody>
                 </p:sp>
               </mc:Choice>
-              <mc:Fallback>
+              <mc:Fallback xmlns="">
                 <p:sp>
                   <p:nvSpPr>
                     <p:cNvPr id="151" name="ZoneTexte 150"/>
@@ -32001,8 +32000,8 @@
             </p:cxnSp>
           </p:grpSp>
         </p:grpSp>
-        <mc:AlternateContent xmlns:mc="http://schemas.openxmlformats.org/markup-compatibility/2006">
-          <mc:Choice xmlns:a14="http://schemas.microsoft.com/office/drawing/2010/main" Requires="a14">
+        <mc:AlternateContent xmlns:mc="http://schemas.openxmlformats.org/markup-compatibility/2006" xmlns:a14="http://schemas.microsoft.com/office/drawing/2010/main">
+          <mc:Choice Requires="a14">
             <p:sp>
               <p:nvSpPr>
                 <p:cNvPr id="156" name="Rectangle 155"/>
@@ -32082,7 +32081,7 @@
               </p:txBody>
             </p:sp>
           </mc:Choice>
-          <mc:Fallback>
+          <mc:Fallback xmlns="">
             <p:sp>
               <p:nvSpPr>
                 <p:cNvPr id="156" name="Rectangle 155"/>
@@ -32267,7 +32266,6 @@
                 <a:rPr lang="fr-FR" sz="1400" b="1" dirty="0"/>
                 <a:t>P</a:t>
               </a:r>
-              <a:endParaRPr lang="fr-FR" sz="1400" b="1" dirty="0"/>
             </a:p>
           </p:txBody>
         </p:sp>
@@ -35027,21 +35025,21 @@
                     <a:gridCol w="4805518">
                       <a:extLst>
                         <a:ext uri="{9D8B030D-6E8A-4147-A177-3AD203B41FA5}">
-                          <a16:colId xmlns="" xmlns:a16="http://schemas.microsoft.com/office/drawing/2014/main" val="3081511506"/>
+                          <a16:colId xmlns:a16="http://schemas.microsoft.com/office/drawing/2014/main" xmlns="" val="3081511506"/>
                         </a:ext>
                       </a:extLst>
                     </a:gridCol>
                     <a:gridCol w="1765060">
                       <a:extLst>
                         <a:ext uri="{9D8B030D-6E8A-4147-A177-3AD203B41FA5}">
-                          <a16:colId xmlns="" xmlns:a16="http://schemas.microsoft.com/office/drawing/2014/main" val="1214192377"/>
+                          <a16:colId xmlns:a16="http://schemas.microsoft.com/office/drawing/2014/main" xmlns="" val="1214192377"/>
                         </a:ext>
                       </a:extLst>
                     </a:gridCol>
                     <a:gridCol w="2685045">
                       <a:extLst>
                         <a:ext uri="{9D8B030D-6E8A-4147-A177-3AD203B41FA5}">
-                          <a16:colId xmlns="" xmlns:a16="http://schemas.microsoft.com/office/drawing/2014/main" val="3830110329"/>
+                          <a16:colId xmlns:a16="http://schemas.microsoft.com/office/drawing/2014/main" xmlns="" val="3830110329"/>
                         </a:ext>
                       </a:extLst>
                     </a:gridCol>
@@ -35094,7 +35092,7 @@
                     </a:tc>
                     <a:extLst>
                       <a:ext uri="{0D108BD9-81ED-4DB2-BD59-A6C34878D82A}">
-                        <a16:rowId xmlns="" xmlns:a16="http://schemas.microsoft.com/office/drawing/2014/main" val="3865599143"/>
+                        <a16:rowId xmlns:a16="http://schemas.microsoft.com/office/drawing/2014/main" xmlns="" val="3865599143"/>
                       </a:ext>
                     </a:extLst>
                   </a:tr>
@@ -35176,7 +35174,7 @@
                     </a:tc>
                     <a:extLst>
                       <a:ext uri="{0D108BD9-81ED-4DB2-BD59-A6C34878D82A}">
-                        <a16:rowId xmlns="" xmlns:a16="http://schemas.microsoft.com/office/drawing/2014/main" val="239526169"/>
+                        <a16:rowId xmlns:a16="http://schemas.microsoft.com/office/drawing/2014/main" xmlns="" val="239526169"/>
                       </a:ext>
                     </a:extLst>
                   </a:tr>
@@ -35258,7 +35256,7 @@
                     </a:tc>
                     <a:extLst>
                       <a:ext uri="{0D108BD9-81ED-4DB2-BD59-A6C34878D82A}">
-                        <a16:rowId xmlns="" xmlns:a16="http://schemas.microsoft.com/office/drawing/2014/main" val="635204047"/>
+                        <a16:rowId xmlns:a16="http://schemas.microsoft.com/office/drawing/2014/main" xmlns="" val="635204047"/>
                       </a:ext>
                     </a:extLst>
                   </a:tr>
@@ -35321,7 +35319,7 @@
                     </a:tc>
                     <a:extLst>
                       <a:ext uri="{0D108BD9-81ED-4DB2-BD59-A6C34878D82A}">
-                        <a16:rowId xmlns="" xmlns:a16="http://schemas.microsoft.com/office/drawing/2014/main" val="803137917"/>
+                        <a16:rowId xmlns:a16="http://schemas.microsoft.com/office/drawing/2014/main" xmlns="" val="803137917"/>
                       </a:ext>
                     </a:extLst>
                   </a:tr>
@@ -35388,7 +35386,7 @@
                     </a:tc>
                     <a:extLst>
                       <a:ext uri="{0D108BD9-81ED-4DB2-BD59-A6C34878D82A}">
-                        <a16:rowId xmlns="" xmlns:a16="http://schemas.microsoft.com/office/drawing/2014/main" val="3808520189"/>
+                        <a16:rowId xmlns:a16="http://schemas.microsoft.com/office/drawing/2014/main" xmlns="" val="3808520189"/>
                       </a:ext>
                     </a:extLst>
                   </a:tr>
@@ -35488,7 +35486,7 @@
                     </a:tc>
                     <a:extLst>
                       <a:ext uri="{0D108BD9-81ED-4DB2-BD59-A6C34878D82A}">
-                        <a16:rowId xmlns="" xmlns:a16="http://schemas.microsoft.com/office/drawing/2014/main" val="2470517530"/>
+                        <a16:rowId xmlns:a16="http://schemas.microsoft.com/office/drawing/2014/main" xmlns="" val="2470517530"/>
                       </a:ext>
                     </a:extLst>
                   </a:tr>
@@ -35570,7 +35568,7 @@
                     </a:tc>
                     <a:extLst>
                       <a:ext uri="{0D108BD9-81ED-4DB2-BD59-A6C34878D82A}">
-                        <a16:rowId xmlns="" xmlns:a16="http://schemas.microsoft.com/office/drawing/2014/main" val="1342816855"/>
+                        <a16:rowId xmlns:a16="http://schemas.microsoft.com/office/drawing/2014/main" xmlns="" val="1342816855"/>
                       </a:ext>
                     </a:extLst>
                   </a:tr>
@@ -35633,7 +35631,7 @@
                     </a:tc>
                     <a:extLst>
                       <a:ext uri="{0D108BD9-81ED-4DB2-BD59-A6C34878D82A}">
-                        <a16:rowId xmlns="" xmlns:a16="http://schemas.microsoft.com/office/drawing/2014/main" val="3480795511"/>
+                        <a16:rowId xmlns:a16="http://schemas.microsoft.com/office/drawing/2014/main" xmlns="" val="3480795511"/>
                       </a:ext>
                     </a:extLst>
                   </a:tr>
@@ -35715,7 +35713,7 @@
                     </a:tc>
                     <a:extLst>
                       <a:ext uri="{0D108BD9-81ED-4DB2-BD59-A6C34878D82A}">
-                        <a16:rowId xmlns="" xmlns:a16="http://schemas.microsoft.com/office/drawing/2014/main" val="239401366"/>
+                        <a16:rowId xmlns:a16="http://schemas.microsoft.com/office/drawing/2014/main" xmlns="" val="239401366"/>
                       </a:ext>
                     </a:extLst>
                   </a:tr>
@@ -35786,7 +35784,7 @@
                     </a:tc>
                     <a:extLst>
                       <a:ext uri="{0D108BD9-81ED-4DB2-BD59-A6C34878D82A}">
-                        <a16:rowId xmlns="" xmlns:a16="http://schemas.microsoft.com/office/drawing/2014/main" val="3205225442"/>
+                        <a16:rowId xmlns:a16="http://schemas.microsoft.com/office/drawing/2014/main" xmlns="" val="3205225442"/>
                       </a:ext>
                     </a:extLst>
                   </a:tr>
@@ -35881,7 +35879,7 @@
                     </a:tc>
                     <a:extLst>
                       <a:ext uri="{0D108BD9-81ED-4DB2-BD59-A6C34878D82A}">
-                        <a16:rowId xmlns="" xmlns:a16="http://schemas.microsoft.com/office/drawing/2014/main" val="2472454817"/>
+                        <a16:rowId xmlns:a16="http://schemas.microsoft.com/office/drawing/2014/main" xmlns="" val="2472454817"/>
                       </a:ext>
                     </a:extLst>
                   </a:tr>
@@ -35967,7 +35965,7 @@
                     </a:tc>
                     <a:extLst>
                       <a:ext uri="{0D108BD9-81ED-4DB2-BD59-A6C34878D82A}">
-                        <a16:rowId xmlns="" xmlns:a16="http://schemas.microsoft.com/office/drawing/2014/main" val="4131336601"/>
+                        <a16:rowId xmlns:a16="http://schemas.microsoft.com/office/drawing/2014/main" xmlns="" val="4131336601"/>
                       </a:ext>
                     </a:extLst>
                   </a:tr>
@@ -36057,7 +36055,7 @@
                     </a:tc>
                     <a:extLst>
                       <a:ext uri="{0D108BD9-81ED-4DB2-BD59-A6C34878D82A}">
-                        <a16:rowId xmlns="" xmlns:a16="http://schemas.microsoft.com/office/drawing/2014/main" val="1566769430"/>
+                        <a16:rowId xmlns:a16="http://schemas.microsoft.com/office/drawing/2014/main" xmlns="" val="1566769430"/>
                       </a:ext>
                     </a:extLst>
                   </a:tr>
@@ -36161,7 +36159,7 @@
                     </a:tc>
                     <a:extLst>
                       <a:ext uri="{0D108BD9-81ED-4DB2-BD59-A6C34878D82A}">
-                        <a16:rowId xmlns="" xmlns:a16="http://schemas.microsoft.com/office/drawing/2014/main" val="3641553268"/>
+                        <a16:rowId xmlns:a16="http://schemas.microsoft.com/office/drawing/2014/main" xmlns="" val="3641553268"/>
                       </a:ext>
                     </a:extLst>
                   </a:tr>
@@ -36253,7 +36251,7 @@
                     </a:tc>
                     <a:extLst>
                       <a:ext uri="{0D108BD9-81ED-4DB2-BD59-A6C34878D82A}">
-                        <a16:rowId xmlns="" xmlns:a16="http://schemas.microsoft.com/office/drawing/2014/main" val="802662070"/>
+                        <a16:rowId xmlns:a16="http://schemas.microsoft.com/office/drawing/2014/main" xmlns="" val="802662070"/>
                       </a:ext>
                     </a:extLst>
                   </a:tr>
@@ -36345,7 +36343,7 @@
                     </a:tc>
                     <a:extLst>
                       <a:ext uri="{0D108BD9-81ED-4DB2-BD59-A6C34878D82A}">
-                        <a16:rowId xmlns="" xmlns:a16="http://schemas.microsoft.com/office/drawing/2014/main" val="3754366970"/>
+                        <a16:rowId xmlns:a16="http://schemas.microsoft.com/office/drawing/2014/main" xmlns="" val="3754366970"/>
                       </a:ext>
                     </a:extLst>
                   </a:tr>

--- a/CH2. Modélisation du palier hydrodynamique/figures/figure_ paliers hydrodynamiques.pptx
+++ b/CH2. Modélisation du palier hydrodynamique/figures/figure_ paliers hydrodynamiques.pptx
@@ -8,16 +8,18 @@
     <p:sldId id="264" r:id="rId2"/>
     <p:sldId id="265" r:id="rId3"/>
     <p:sldId id="257" r:id="rId4"/>
-    <p:sldId id="269" r:id="rId5"/>
-    <p:sldId id="267" r:id="rId6"/>
-    <p:sldId id="258" r:id="rId7"/>
-    <p:sldId id="266" r:id="rId8"/>
-    <p:sldId id="256" r:id="rId9"/>
-    <p:sldId id="259" r:id="rId10"/>
-    <p:sldId id="260" r:id="rId11"/>
-    <p:sldId id="261" r:id="rId12"/>
-    <p:sldId id="262" r:id="rId13"/>
-    <p:sldId id="263" r:id="rId14"/>
+    <p:sldId id="270" r:id="rId5"/>
+    <p:sldId id="271" r:id="rId6"/>
+    <p:sldId id="269" r:id="rId7"/>
+    <p:sldId id="267" r:id="rId8"/>
+    <p:sldId id="258" r:id="rId9"/>
+    <p:sldId id="266" r:id="rId10"/>
+    <p:sldId id="256" r:id="rId11"/>
+    <p:sldId id="259" r:id="rId12"/>
+    <p:sldId id="260" r:id="rId13"/>
+    <p:sldId id="261" r:id="rId14"/>
+    <p:sldId id="262" r:id="rId15"/>
+    <p:sldId id="263" r:id="rId16"/>
   </p:sldIdLst>
   <p:sldSz cx="12192000" cy="6858000"/>
   <p:notesSz cx="6858000" cy="9144000"/>
@@ -487,8 +489,8 @@
           <c:showPercent val="0"/>
           <c:showBubbleSize val="0"/>
         </c:dLbls>
-        <c:axId val="183686280"/>
-        <c:axId val="183680792"/>
+        <c:axId val="225910352"/>
+        <c:axId val="225907608"/>
         <c:extLst xmlns:c16r2="http://schemas.microsoft.com/office/drawing/2015/06/chart">
           <c:ext xmlns:c15="http://schemas.microsoft.com/office/drawing/2012/chart" uri="{02D57815-91ED-43cb-92C2-25804820EDAC}">
             <c15:filteredScatterSeries>
@@ -756,7 +758,7 @@
         </c:extLst>
       </c:scatterChart>
       <c:valAx>
-        <c:axId val="183686280"/>
+        <c:axId val="225910352"/>
         <c:scaling>
           <c:orientation val="minMax"/>
           <c:max val="252.5"/>
@@ -874,13 +876,13 @@
             <a:endParaRPr lang="fr-FR"/>
           </a:p>
         </c:txPr>
-        <c:crossAx val="183680792"/>
+        <c:crossAx val="225907608"/>
         <c:crosses val="autoZero"/>
         <c:crossBetween val="midCat"/>
         <c:majorUnit val="25"/>
       </c:valAx>
       <c:valAx>
-        <c:axId val="183680792"/>
+        <c:axId val="225907608"/>
         <c:scaling>
           <c:orientation val="minMax"/>
           <c:max val="50"/>
@@ -993,7 +995,7 @@
             <a:endParaRPr lang="fr-FR"/>
           </a:p>
         </c:txPr>
-        <c:crossAx val="183686280"/>
+        <c:crossAx val="225910352"/>
         <c:crosses val="autoZero"/>
         <c:crossBetween val="midCat"/>
       </c:valAx>
@@ -1447,8 +1449,8 @@
           <c:showPercent val="0"/>
           <c:showBubbleSize val="0"/>
         </c:dLbls>
-        <c:axId val="499387784"/>
-        <c:axId val="500791280"/>
+        <c:axId val="290666088"/>
+        <c:axId val="225903296"/>
         <c:extLst xmlns:c16r2="http://schemas.microsoft.com/office/drawing/2015/06/chart">
           <c:ext xmlns:c15="http://schemas.microsoft.com/office/drawing/2012/chart" uri="{02D57815-91ED-43cb-92C2-25804820EDAC}">
             <c15:filteredScatterSeries>
@@ -1716,7 +1718,7 @@
         </c:extLst>
       </c:scatterChart>
       <c:valAx>
-        <c:axId val="499387784"/>
+        <c:axId val="290666088"/>
         <c:scaling>
           <c:orientation val="minMax"/>
           <c:max val="252.5"/>
@@ -1822,13 +1824,13 @@
             <a:endParaRPr lang="fr-FR"/>
           </a:p>
         </c:txPr>
-        <c:crossAx val="500791280"/>
+        <c:crossAx val="225903296"/>
         <c:crosses val="autoZero"/>
         <c:crossBetween val="midCat"/>
         <c:majorUnit val="25"/>
       </c:valAx>
       <c:valAx>
-        <c:axId val="500791280"/>
+        <c:axId val="225903296"/>
         <c:scaling>
           <c:orientation val="minMax"/>
         </c:scaling>
@@ -1940,7 +1942,7 @@
             <a:endParaRPr lang="fr-FR"/>
           </a:p>
         </c:txPr>
-        <c:crossAx val="499387784"/>
+        <c:crossAx val="290666088"/>
         <c:crosses val="autoZero"/>
         <c:crossBetween val="midCat"/>
       </c:valAx>
@@ -2376,8 +2378,8 @@
           <c:showPercent val="0"/>
           <c:showBubbleSize val="0"/>
         </c:dLbls>
-        <c:axId val="500811192"/>
-        <c:axId val="500807272"/>
+        <c:axId val="225906432"/>
+        <c:axId val="225908392"/>
         <c:extLst xmlns:c16r2="http://schemas.microsoft.com/office/drawing/2015/06/chart">
           <c:ext xmlns:c15="http://schemas.microsoft.com/office/drawing/2012/chart" uri="{02D57815-91ED-43cb-92C2-25804820EDAC}">
             <c15:filteredScatterSeries>
@@ -2645,7 +2647,7 @@
         </c:extLst>
       </c:scatterChart>
       <c:valAx>
-        <c:axId val="500811192"/>
+        <c:axId val="225906432"/>
         <c:scaling>
           <c:orientation val="minMax"/>
           <c:max val="432.5"/>
@@ -2751,13 +2753,13 @@
             <a:endParaRPr lang="fr-FR"/>
           </a:p>
         </c:txPr>
-        <c:crossAx val="500807272"/>
+        <c:crossAx val="225908392"/>
         <c:crosses val="autoZero"/>
         <c:crossBetween val="midCat"/>
         <c:majorUnit val="25"/>
       </c:valAx>
       <c:valAx>
-        <c:axId val="500807272"/>
+        <c:axId val="225908392"/>
         <c:scaling>
           <c:orientation val="minMax"/>
         </c:scaling>
@@ -2869,7 +2871,7 @@
             <a:endParaRPr lang="fr-FR"/>
           </a:p>
         </c:txPr>
-        <c:crossAx val="500811192"/>
+        <c:crossAx val="225906432"/>
         <c:crosses val="autoZero"/>
         <c:crossBetween val="midCat"/>
       </c:valAx>
@@ -3317,8 +3319,8 @@
           <c:showPercent val="0"/>
           <c:showBubbleSize val="0"/>
         </c:dLbls>
-        <c:axId val="500808448"/>
-        <c:axId val="500812368"/>
+        <c:axId val="288525728"/>
+        <c:axId val="288522984"/>
         <c:extLst xmlns:c16r2="http://schemas.microsoft.com/office/drawing/2015/06/chart">
           <c:ext xmlns:c15="http://schemas.microsoft.com/office/drawing/2012/chart" uri="{02D57815-91ED-43cb-92C2-25804820EDAC}">
             <c15:filteredScatterSeries>
@@ -3586,7 +3588,7 @@
         </c:extLst>
       </c:scatterChart>
       <c:valAx>
-        <c:axId val="500808448"/>
+        <c:axId val="288525728"/>
         <c:scaling>
           <c:orientation val="minMax"/>
           <c:max val="432.5"/>
@@ -3692,13 +3694,13 @@
             <a:endParaRPr lang="fr-FR"/>
           </a:p>
         </c:txPr>
-        <c:crossAx val="500812368"/>
+        <c:crossAx val="288522984"/>
         <c:crosses val="autoZero"/>
         <c:crossBetween val="midCat"/>
         <c:majorUnit val="25"/>
       </c:valAx>
       <c:valAx>
-        <c:axId val="500812368"/>
+        <c:axId val="288522984"/>
         <c:scaling>
           <c:orientation val="minMax"/>
           <c:max val="70"/>
@@ -3804,7 +3806,7 @@
             <a:endParaRPr lang="fr-FR"/>
           </a:p>
         </c:txPr>
-        <c:crossAx val="500808448"/>
+        <c:crossAx val="288525728"/>
         <c:crosses val="autoZero"/>
         <c:crossBetween val="midCat"/>
       </c:valAx>
@@ -4259,8 +4261,8 @@
           <c:showPercent val="0"/>
           <c:showBubbleSize val="0"/>
         </c:dLbls>
-        <c:axId val="183682752"/>
-        <c:axId val="183681576"/>
+        <c:axId val="225908000"/>
+        <c:axId val="117150864"/>
         <c:extLst xmlns:c16r2="http://schemas.microsoft.com/office/drawing/2015/06/chart">
           <c:ext xmlns:c15="http://schemas.microsoft.com/office/drawing/2012/chart" uri="{02D57815-91ED-43cb-92C2-25804820EDAC}">
             <c15:filteredScatterSeries>
@@ -4528,7 +4530,7 @@
         </c:extLst>
       </c:scatterChart>
       <c:valAx>
-        <c:axId val="183682752"/>
+        <c:axId val="225908000"/>
         <c:scaling>
           <c:orientation val="minMax"/>
           <c:max val="252.5"/>
@@ -4638,13 +4640,13 @@
             <a:endParaRPr lang="fr-FR"/>
           </a:p>
         </c:txPr>
-        <c:crossAx val="183681576"/>
+        <c:crossAx val="117150864"/>
         <c:crosses val="autoZero"/>
         <c:crossBetween val="midCat"/>
         <c:majorUnit val="25"/>
       </c:valAx>
       <c:valAx>
-        <c:axId val="183681576"/>
+        <c:axId val="117150864"/>
         <c:scaling>
           <c:orientation val="minMax"/>
         </c:scaling>
@@ -4760,7 +4762,7 @@
             <a:endParaRPr lang="fr-FR"/>
           </a:p>
         </c:txPr>
-        <c:crossAx val="183682752"/>
+        <c:crossAx val="225908000"/>
         <c:crosses val="autoZero"/>
         <c:crossBetween val="midCat"/>
       </c:valAx>
@@ -5196,8 +5198,8 @@
           <c:showPercent val="0"/>
           <c:showBubbleSize val="0"/>
         </c:dLbls>
-        <c:axId val="178316536"/>
-        <c:axId val="178317320"/>
+        <c:axId val="288523376"/>
+        <c:axId val="288521808"/>
         <c:extLst xmlns:c16r2="http://schemas.microsoft.com/office/drawing/2015/06/chart">
           <c:ext xmlns:c15="http://schemas.microsoft.com/office/drawing/2012/chart" uri="{02D57815-91ED-43cb-92C2-25804820EDAC}">
             <c15:filteredScatterSeries>
@@ -5465,7 +5467,7 @@
         </c:extLst>
       </c:scatterChart>
       <c:valAx>
-        <c:axId val="178316536"/>
+        <c:axId val="288523376"/>
         <c:scaling>
           <c:orientation val="minMax"/>
           <c:max val="432.5"/>
@@ -5571,13 +5573,13 @@
             <a:endParaRPr lang="fr-FR"/>
           </a:p>
         </c:txPr>
-        <c:crossAx val="178317320"/>
+        <c:crossAx val="288521808"/>
         <c:crosses val="autoZero"/>
         <c:crossBetween val="midCat"/>
         <c:majorUnit val="25"/>
       </c:valAx>
       <c:valAx>
-        <c:axId val="178317320"/>
+        <c:axId val="288521808"/>
         <c:scaling>
           <c:orientation val="minMax"/>
         </c:scaling>
@@ -5680,7 +5682,7 @@
             <a:endParaRPr lang="fr-FR"/>
           </a:p>
         </c:txPr>
-        <c:crossAx val="178316536"/>
+        <c:crossAx val="288523376"/>
         <c:crosses val="autoZero"/>
         <c:crossBetween val="midCat"/>
         <c:majorUnit val="3.0000000000000006E-2"/>
@@ -6135,8 +6137,8 @@
           <c:showPercent val="0"/>
           <c:showBubbleSize val="0"/>
         </c:dLbls>
-        <c:axId val="496716744"/>
-        <c:axId val="496713216"/>
+        <c:axId val="288526120"/>
+        <c:axId val="288522592"/>
         <c:extLst xmlns:c16r2="http://schemas.microsoft.com/office/drawing/2015/06/chart">
           <c:ext xmlns:c15="http://schemas.microsoft.com/office/drawing/2012/chart" uri="{02D57815-91ED-43cb-92C2-25804820EDAC}">
             <c15:filteredScatterSeries>
@@ -6404,7 +6406,7 @@
         </c:extLst>
       </c:scatterChart>
       <c:valAx>
-        <c:axId val="496716744"/>
+        <c:axId val="288526120"/>
         <c:scaling>
           <c:orientation val="minMax"/>
           <c:max val="432.5"/>
@@ -6518,13 +6520,13 @@
             <a:endParaRPr lang="fr-FR"/>
           </a:p>
         </c:txPr>
-        <c:crossAx val="496713216"/>
+        <c:crossAx val="288522592"/>
         <c:crosses val="autoZero"/>
         <c:crossBetween val="midCat"/>
         <c:majorUnit val="25"/>
       </c:valAx>
       <c:valAx>
-        <c:axId val="496713216"/>
+        <c:axId val="288522592"/>
         <c:scaling>
           <c:orientation val="minMax"/>
           <c:max val="50"/>
@@ -6629,7 +6631,7 @@
             <a:endParaRPr lang="fr-FR"/>
           </a:p>
         </c:txPr>
-        <c:crossAx val="496716744"/>
+        <c:crossAx val="288526120"/>
         <c:crosses val="autoZero"/>
         <c:crossBetween val="midCat"/>
       </c:valAx>
@@ -7077,8 +7079,8 @@
           <c:showPercent val="0"/>
           <c:showBubbleSize val="0"/>
         </c:dLbls>
-        <c:axId val="496717136"/>
-        <c:axId val="496715960"/>
+        <c:axId val="225904472"/>
+        <c:axId val="225903688"/>
         <c:extLst xmlns:c16r2="http://schemas.microsoft.com/office/drawing/2015/06/chart">
           <c:ext xmlns:c15="http://schemas.microsoft.com/office/drawing/2012/chart" uri="{02D57815-91ED-43cb-92C2-25804820EDAC}">
             <c15:filteredScatterSeries>
@@ -7346,7 +7348,7 @@
         </c:extLst>
       </c:scatterChart>
       <c:valAx>
-        <c:axId val="496717136"/>
+        <c:axId val="225904472"/>
         <c:scaling>
           <c:orientation val="minMax"/>
           <c:max val="252.5"/>
@@ -7452,13 +7454,13 @@
             <a:endParaRPr lang="fr-FR"/>
           </a:p>
         </c:txPr>
-        <c:crossAx val="496715960"/>
+        <c:crossAx val="225903688"/>
         <c:crosses val="autoZero"/>
         <c:crossBetween val="midCat"/>
         <c:majorUnit val="25"/>
       </c:valAx>
       <c:valAx>
-        <c:axId val="496715960"/>
+        <c:axId val="225903688"/>
         <c:scaling>
           <c:orientation val="minMax"/>
           <c:max val="70"/>
@@ -7564,7 +7566,7 @@
             <a:endParaRPr lang="fr-FR"/>
           </a:p>
         </c:txPr>
-        <c:crossAx val="496717136"/>
+        <c:crossAx val="225904472"/>
         <c:crosses val="autoZero"/>
         <c:crossBetween val="midCat"/>
       </c:valAx>
@@ -8018,8 +8020,8 @@
           <c:showPercent val="0"/>
           <c:showBubbleSize val="0"/>
         </c:dLbls>
-        <c:axId val="496718704"/>
-        <c:axId val="496717528"/>
+        <c:axId val="290668440"/>
+        <c:axId val="290671576"/>
         <c:extLst xmlns:c16r2="http://schemas.microsoft.com/office/drawing/2015/06/chart">
           <c:ext xmlns:c15="http://schemas.microsoft.com/office/drawing/2012/chart" uri="{02D57815-91ED-43cb-92C2-25804820EDAC}">
             <c15:filteredScatterSeries>
@@ -8287,7 +8289,7 @@
         </c:extLst>
       </c:scatterChart>
       <c:valAx>
-        <c:axId val="496718704"/>
+        <c:axId val="290668440"/>
         <c:scaling>
           <c:orientation val="minMax"/>
           <c:max val="252.5"/>
@@ -8393,13 +8395,13 @@
             <a:endParaRPr lang="fr-FR"/>
           </a:p>
         </c:txPr>
-        <c:crossAx val="496717528"/>
+        <c:crossAx val="290671576"/>
         <c:crosses val="autoZero"/>
         <c:crossBetween val="midCat"/>
         <c:majorUnit val="25"/>
       </c:valAx>
       <c:valAx>
-        <c:axId val="496717528"/>
+        <c:axId val="290671576"/>
         <c:scaling>
           <c:orientation val="minMax"/>
         </c:scaling>
@@ -8519,7 +8521,7 @@
             <a:endParaRPr lang="fr-FR"/>
           </a:p>
         </c:txPr>
-        <c:crossAx val="496718704"/>
+        <c:crossAx val="290668440"/>
         <c:crosses val="autoZero"/>
         <c:crossBetween val="midCat"/>
       </c:valAx>
@@ -8967,8 +8969,8 @@
           <c:showPercent val="0"/>
           <c:showBubbleSize val="0"/>
         </c:dLbls>
-        <c:axId val="499390136"/>
-        <c:axId val="499385040"/>
+        <c:axId val="290669224"/>
+        <c:axId val="290665304"/>
         <c:extLst xmlns:c16r2="http://schemas.microsoft.com/office/drawing/2015/06/chart">
           <c:ext xmlns:c15="http://schemas.microsoft.com/office/drawing/2012/chart" uri="{02D57815-91ED-43cb-92C2-25804820EDAC}">
             <c15:filteredScatterSeries>
@@ -9236,7 +9238,7 @@
         </c:extLst>
       </c:scatterChart>
       <c:valAx>
-        <c:axId val="499390136"/>
+        <c:axId val="290669224"/>
         <c:scaling>
           <c:orientation val="minMax"/>
           <c:max val="432.5"/>
@@ -9346,13 +9348,13 @@
             <a:endParaRPr lang="fr-FR"/>
           </a:p>
         </c:txPr>
-        <c:crossAx val="499385040"/>
+        <c:crossAx val="290665304"/>
         <c:crosses val="autoZero"/>
         <c:crossBetween val="midCat"/>
         <c:majorUnit val="25"/>
       </c:valAx>
       <c:valAx>
-        <c:axId val="499385040"/>
+        <c:axId val="290665304"/>
         <c:scaling>
           <c:orientation val="minMax"/>
           <c:max val="70"/>
@@ -9458,7 +9460,7 @@
             <a:endParaRPr lang="fr-FR"/>
           </a:p>
         </c:txPr>
-        <c:crossAx val="499390136"/>
+        <c:crossAx val="290669224"/>
         <c:crosses val="autoZero"/>
         <c:crossBetween val="midCat"/>
       </c:valAx>
@@ -9894,8 +9896,8 @@
           <c:showPercent val="0"/>
           <c:showBubbleSize val="0"/>
         </c:dLbls>
-        <c:axId val="499385432"/>
-        <c:axId val="499390528"/>
+        <c:axId val="290672752"/>
+        <c:axId val="290665696"/>
         <c:extLst xmlns:c16r2="http://schemas.microsoft.com/office/drawing/2015/06/chart">
           <c:ext xmlns:c15="http://schemas.microsoft.com/office/drawing/2012/chart" uri="{02D57815-91ED-43cb-92C2-25804820EDAC}">
             <c15:filteredScatterSeries>
@@ -10163,7 +10165,7 @@
         </c:extLst>
       </c:scatterChart>
       <c:valAx>
-        <c:axId val="499385432"/>
+        <c:axId val="290672752"/>
         <c:scaling>
           <c:orientation val="minMax"/>
           <c:max val="432.5"/>
@@ -10277,13 +10279,13 @@
             <a:endParaRPr lang="fr-FR"/>
           </a:p>
         </c:txPr>
-        <c:crossAx val="499390528"/>
+        <c:crossAx val="290665696"/>
         <c:crosses val="autoZero"/>
         <c:crossBetween val="midCat"/>
         <c:majorUnit val="25"/>
       </c:valAx>
       <c:valAx>
-        <c:axId val="499390528"/>
+        <c:axId val="290665696"/>
         <c:scaling>
           <c:orientation val="minMax"/>
         </c:scaling>
@@ -10403,7 +10405,7 @@
             <a:endParaRPr lang="fr-FR"/>
           </a:p>
         </c:txPr>
-        <c:crossAx val="499385432"/>
+        <c:crossAx val="290672752"/>
         <c:crosses val="autoZero"/>
         <c:crossBetween val="midCat"/>
       </c:valAx>
@@ -10851,8 +10853,8 @@
           <c:showPercent val="0"/>
           <c:showBubbleSize val="0"/>
         </c:dLbls>
-        <c:axId val="499390920"/>
-        <c:axId val="499385824"/>
+        <c:axId val="290670400"/>
+        <c:axId val="290671184"/>
         <c:extLst xmlns:c16r2="http://schemas.microsoft.com/office/drawing/2015/06/chart">
           <c:ext xmlns:c15="http://schemas.microsoft.com/office/drawing/2012/chart" uri="{02D57815-91ED-43cb-92C2-25804820EDAC}">
             <c15:filteredScatterSeries>
@@ -11120,7 +11122,7 @@
         </c:extLst>
       </c:scatterChart>
       <c:valAx>
-        <c:axId val="499390920"/>
+        <c:axId val="290670400"/>
         <c:scaling>
           <c:orientation val="minMax"/>
           <c:max val="252.5"/>
@@ -11226,13 +11228,13 @@
             <a:endParaRPr lang="fr-FR"/>
           </a:p>
         </c:txPr>
-        <c:crossAx val="499385824"/>
+        <c:crossAx val="290671184"/>
         <c:crosses val="autoZero"/>
         <c:crossBetween val="midCat"/>
         <c:majorUnit val="25"/>
       </c:valAx>
       <c:valAx>
-        <c:axId val="499385824"/>
+        <c:axId val="290671184"/>
         <c:scaling>
           <c:orientation val="minMax"/>
           <c:max val="70"/>
@@ -11338,7 +11340,7 @@
             <a:endParaRPr lang="fr-FR"/>
           </a:p>
         </c:txPr>
-        <c:crossAx val="499390920"/>
+        <c:crossAx val="290670400"/>
         <c:crosses val="autoZero"/>
         <c:crossBetween val="midCat"/>
       </c:valAx>
@@ -18226,7 +18228,7 @@
           <a:p>
             <a:fld id="{202E84C4-7C53-474A-BFA3-0C91E41EF858}" type="datetimeFigureOut">
               <a:rPr lang="fr-FR" smtClean="0"/>
-              <a:t>14/01/2019</a:t>
+              <a:t>16/01/2019</a:t>
             </a:fld>
             <a:endParaRPr lang="fr-FR"/>
           </a:p>
@@ -18396,7 +18398,7 @@
           <a:p>
             <a:fld id="{202E84C4-7C53-474A-BFA3-0C91E41EF858}" type="datetimeFigureOut">
               <a:rPr lang="fr-FR" smtClean="0"/>
-              <a:t>14/01/2019</a:t>
+              <a:t>16/01/2019</a:t>
             </a:fld>
             <a:endParaRPr lang="fr-FR"/>
           </a:p>
@@ -18576,7 +18578,7 @@
           <a:p>
             <a:fld id="{202E84C4-7C53-474A-BFA3-0C91E41EF858}" type="datetimeFigureOut">
               <a:rPr lang="fr-FR" smtClean="0"/>
-              <a:t>14/01/2019</a:t>
+              <a:t>16/01/2019</a:t>
             </a:fld>
             <a:endParaRPr lang="fr-FR"/>
           </a:p>
@@ -18746,7 +18748,7 @@
           <a:p>
             <a:fld id="{202E84C4-7C53-474A-BFA3-0C91E41EF858}" type="datetimeFigureOut">
               <a:rPr lang="fr-FR" smtClean="0"/>
-              <a:t>14/01/2019</a:t>
+              <a:t>16/01/2019</a:t>
             </a:fld>
             <a:endParaRPr lang="fr-FR"/>
           </a:p>
@@ -18992,7 +18994,7 @@
           <a:p>
             <a:fld id="{202E84C4-7C53-474A-BFA3-0C91E41EF858}" type="datetimeFigureOut">
               <a:rPr lang="fr-FR" smtClean="0"/>
-              <a:t>14/01/2019</a:t>
+              <a:t>16/01/2019</a:t>
             </a:fld>
             <a:endParaRPr lang="fr-FR"/>
           </a:p>
@@ -19224,7 +19226,7 @@
           <a:p>
             <a:fld id="{202E84C4-7C53-474A-BFA3-0C91E41EF858}" type="datetimeFigureOut">
               <a:rPr lang="fr-FR" smtClean="0"/>
-              <a:t>14/01/2019</a:t>
+              <a:t>16/01/2019</a:t>
             </a:fld>
             <a:endParaRPr lang="fr-FR"/>
           </a:p>
@@ -19591,7 +19593,7 @@
           <a:p>
             <a:fld id="{202E84C4-7C53-474A-BFA3-0C91E41EF858}" type="datetimeFigureOut">
               <a:rPr lang="fr-FR" smtClean="0"/>
-              <a:t>14/01/2019</a:t>
+              <a:t>16/01/2019</a:t>
             </a:fld>
             <a:endParaRPr lang="fr-FR"/>
           </a:p>
@@ -19709,7 +19711,7 @@
           <a:p>
             <a:fld id="{202E84C4-7C53-474A-BFA3-0C91E41EF858}" type="datetimeFigureOut">
               <a:rPr lang="fr-FR" smtClean="0"/>
-              <a:t>14/01/2019</a:t>
+              <a:t>16/01/2019</a:t>
             </a:fld>
             <a:endParaRPr lang="fr-FR"/>
           </a:p>
@@ -19804,7 +19806,7 @@
           <a:p>
             <a:fld id="{202E84C4-7C53-474A-BFA3-0C91E41EF858}" type="datetimeFigureOut">
               <a:rPr lang="fr-FR" smtClean="0"/>
-              <a:t>14/01/2019</a:t>
+              <a:t>16/01/2019</a:t>
             </a:fld>
             <a:endParaRPr lang="fr-FR"/>
           </a:p>
@@ -20081,7 +20083,7 @@
           <a:p>
             <a:fld id="{202E84C4-7C53-474A-BFA3-0C91E41EF858}" type="datetimeFigureOut">
               <a:rPr lang="fr-FR" smtClean="0"/>
-              <a:t>14/01/2019</a:t>
+              <a:t>16/01/2019</a:t>
             </a:fld>
             <a:endParaRPr lang="fr-FR"/>
           </a:p>
@@ -20334,7 +20336,7 @@
           <a:p>
             <a:fld id="{202E84C4-7C53-474A-BFA3-0C91E41EF858}" type="datetimeFigureOut">
               <a:rPr lang="fr-FR" smtClean="0"/>
-              <a:t>14/01/2019</a:t>
+              <a:t>16/01/2019</a:t>
             </a:fld>
             <a:endParaRPr lang="fr-FR"/>
           </a:p>
@@ -20547,7 +20549,7 @@
           <a:p>
             <a:fld id="{202E84C4-7C53-474A-BFA3-0C91E41EF858}" type="datetimeFigureOut">
               <a:rPr lang="fr-FR" smtClean="0"/>
-              <a:t>14/01/2019</a:t>
+              <a:t>16/01/2019</a:t>
             </a:fld>
             <a:endParaRPr lang="fr-FR"/>
           </a:p>
@@ -21163,8 +21165,8 @@
                   </a:fontRef>
                 </p:style>
               </p:cxnSp>
-              <mc:AlternateContent xmlns:mc="http://schemas.openxmlformats.org/markup-compatibility/2006">
-                <mc:Choice xmlns:a14="http://schemas.microsoft.com/office/drawing/2010/main" Requires="a14">
+              <mc:AlternateContent xmlns:mc="http://schemas.openxmlformats.org/markup-compatibility/2006" xmlns:a14="http://schemas.microsoft.com/office/drawing/2010/main">
+                <mc:Choice Requires="a14">
                   <p:sp>
                     <p:nvSpPr>
                       <p:cNvPr id="51" name="ZoneTexte 50"/>
@@ -21208,7 +21210,7 @@
                     </p:txBody>
                   </p:sp>
                 </mc:Choice>
-                <mc:Fallback>
+                <mc:Fallback xmlns="">
                   <p:sp>
                     <p:nvSpPr>
                       <p:cNvPr id="51" name="ZoneTexte 50"/>
@@ -21247,8 +21249,8 @@
                   </p:sp>
                 </mc:Fallback>
               </mc:AlternateContent>
-              <mc:AlternateContent xmlns:mc="http://schemas.openxmlformats.org/markup-compatibility/2006">
-                <mc:Choice xmlns:a14="http://schemas.microsoft.com/office/drawing/2010/main" Requires="a14">
+              <mc:AlternateContent xmlns:mc="http://schemas.openxmlformats.org/markup-compatibility/2006" xmlns:a14="http://schemas.microsoft.com/office/drawing/2010/main">
+                <mc:Choice Requires="a14">
                   <p:sp>
                     <p:nvSpPr>
                       <p:cNvPr id="52" name="ZoneTexte 51"/>
@@ -21292,7 +21294,7 @@
                     </p:txBody>
                   </p:sp>
                 </mc:Choice>
-                <mc:Fallback>
+                <mc:Fallback xmlns="">
                   <p:sp>
                     <p:nvSpPr>
                       <p:cNvPr id="52" name="ZoneTexte 51"/>
@@ -21398,8 +21400,8 @@
                 </a:fontRef>
               </p:style>
             </p:cxnSp>
-            <mc:AlternateContent xmlns:mc="http://schemas.openxmlformats.org/markup-compatibility/2006">
-              <mc:Choice xmlns:a14="http://schemas.microsoft.com/office/drawing/2010/main" Requires="a14">
+            <mc:AlternateContent xmlns:mc="http://schemas.openxmlformats.org/markup-compatibility/2006" xmlns:a14="http://schemas.microsoft.com/office/drawing/2010/main">
+              <mc:Choice Requires="a14">
                 <p:sp>
                   <p:nvSpPr>
                     <p:cNvPr id="61" name="ZoneTexte 60"/>
@@ -21462,7 +21464,7 @@
                   </p:txBody>
                 </p:sp>
               </mc:Choice>
-              <mc:Fallback>
+              <mc:Fallback xmlns="">
                 <p:sp>
                   <p:nvSpPr>
                     <p:cNvPr id="61" name="ZoneTexte 60"/>
@@ -21501,8 +21503,8 @@
                 </p:sp>
               </mc:Fallback>
             </mc:AlternateContent>
-            <mc:AlternateContent xmlns:mc="http://schemas.openxmlformats.org/markup-compatibility/2006">
-              <mc:Choice xmlns:a14="http://schemas.microsoft.com/office/drawing/2010/main" Requires="a14">
+            <mc:AlternateContent xmlns:mc="http://schemas.openxmlformats.org/markup-compatibility/2006" xmlns:a14="http://schemas.microsoft.com/office/drawing/2010/main">
+              <mc:Choice Requires="a14">
                 <p:sp>
                   <p:nvSpPr>
                     <p:cNvPr id="62" name="ZoneTexte 61"/>
@@ -21565,7 +21567,7 @@
                   </p:txBody>
                 </p:sp>
               </mc:Choice>
-              <mc:Fallback>
+              <mc:Fallback xmlns="">
                 <p:sp>
                   <p:nvSpPr>
                     <p:cNvPr id="62" name="ZoneTexte 61"/>
@@ -21900,8 +21902,8 @@
             </a:p>
           </p:txBody>
         </p:sp>
-        <mc:AlternateContent xmlns:mc="http://schemas.openxmlformats.org/markup-compatibility/2006">
-          <mc:Choice xmlns:a14="http://schemas.microsoft.com/office/drawing/2010/main" Requires="a14">
+        <mc:AlternateContent xmlns:mc="http://schemas.openxmlformats.org/markup-compatibility/2006" xmlns:a14="http://schemas.microsoft.com/office/drawing/2010/main">
+          <mc:Choice Requires="a14">
             <p:sp>
               <p:nvSpPr>
                 <p:cNvPr id="90" name="ZoneTexte 89"/>
@@ -21964,7 +21966,7 @@
               </p:txBody>
             </p:sp>
           </mc:Choice>
-          <mc:Fallback>
+          <mc:Fallback xmlns="">
             <p:sp>
               <p:nvSpPr>
                 <p:cNvPr id="90" name="ZoneTexte 89"/>
@@ -22018,6 +22020,700 @@
 </file>
 
 <file path=ppt/slides/slide10.xml><?xml version="1.0" encoding="utf-8"?>
+<p:sld xmlns:a="http://schemas.openxmlformats.org/drawingml/2006/main" xmlns:r="http://schemas.openxmlformats.org/officeDocument/2006/relationships" xmlns:p="http://schemas.openxmlformats.org/presentationml/2006/main">
+  <p:cSld>
+    <p:spTree>
+      <p:nvGrpSpPr>
+        <p:cNvPr id="1" name=""/>
+        <p:cNvGrpSpPr/>
+        <p:nvPr/>
+      </p:nvGrpSpPr>
+      <p:grpSpPr>
+        <a:xfrm>
+          <a:off x="0" y="0"/>
+          <a:ext cx="0" cy="0"/>
+          <a:chOff x="0" y="0"/>
+          <a:chExt cx="0" cy="0"/>
+        </a:xfrm>
+      </p:grpSpPr>
+      <p:sp>
+        <p:nvSpPr>
+          <p:cNvPr id="4" name="ZoneTexte 3"/>
+          <p:cNvSpPr txBox="1"/>
+          <p:nvPr/>
+        </p:nvSpPr>
+        <p:spPr>
+          <a:xfrm>
+            <a:off x="369870" y="359596"/>
+            <a:ext cx="3261919" cy="369332"/>
+          </a:xfrm>
+          <a:prstGeom prst="rect">
+            <a:avLst/>
+          </a:prstGeom>
+          <a:noFill/>
+        </p:spPr>
+        <p:txBody>
+          <a:bodyPr wrap="none" rtlCol="0">
+            <a:spAutoFit/>
+          </a:bodyPr>
+          <a:lstStyle/>
+          <a:p>
+            <a:r>
+              <a:rPr lang="fr-FR" dirty="0" smtClean="0"/>
+              <a:t>Lobe inférieure (500tr/min 10kg)</a:t>
+            </a:r>
+            <a:endParaRPr lang="fr-FR" dirty="0"/>
+          </a:p>
+        </p:txBody>
+      </p:sp>
+      <p:grpSp>
+        <p:nvGrpSpPr>
+          <p:cNvPr id="20" name="Groupe 19"/>
+          <p:cNvGrpSpPr/>
+          <p:nvPr/>
+        </p:nvGrpSpPr>
+        <p:grpSpPr>
+          <a:xfrm>
+            <a:off x="309134" y="1412837"/>
+            <a:ext cx="10800000" cy="3600000"/>
+            <a:chOff x="309134" y="1412837"/>
+            <a:chExt cx="10800000" cy="3600000"/>
+          </a:xfrm>
+        </p:grpSpPr>
+        <p:grpSp>
+          <p:nvGrpSpPr>
+            <p:cNvPr id="12" name="Groupe 11"/>
+            <p:cNvGrpSpPr/>
+            <p:nvPr/>
+          </p:nvGrpSpPr>
+          <p:grpSpPr>
+            <a:xfrm>
+              <a:off x="5709134" y="1412837"/>
+              <a:ext cx="5400000" cy="3600000"/>
+              <a:chOff x="5709134" y="1412837"/>
+              <a:chExt cx="5400000" cy="3600000"/>
+            </a:xfrm>
+          </p:grpSpPr>
+          <p:graphicFrame>
+            <p:nvGraphicFramePr>
+              <p:cNvPr id="8" name="Graphique 7"/>
+              <p:cNvGraphicFramePr>
+                <a:graphicFrameLocks/>
+              </p:cNvGraphicFramePr>
+              <p:nvPr>
+                <p:extLst>
+                  <p:ext uri="{D42A27DB-BD31-4B8C-83A1-F6EECF244321}">
+                    <p14:modId xmlns:p14="http://schemas.microsoft.com/office/powerpoint/2010/main" val="1641157059"/>
+                  </p:ext>
+                </p:extLst>
+              </p:nvPr>
+            </p:nvGraphicFramePr>
+            <p:xfrm>
+              <a:off x="5709134" y="1412837"/>
+              <a:ext cx="5400000" cy="3600000"/>
+            </p:xfrm>
+            <a:graphic>
+              <a:graphicData uri="http://schemas.openxmlformats.org/drawingml/2006/chart">
+                <c:chart xmlns:c="http://schemas.openxmlformats.org/drawingml/2006/chart" xmlns:r="http://schemas.openxmlformats.org/officeDocument/2006/relationships" r:id="rId2"/>
+              </a:graphicData>
+            </a:graphic>
+          </p:graphicFrame>
+          <p:sp>
+            <p:nvSpPr>
+              <p:cNvPr id="9" name="ZoneTexte 1"/>
+              <p:cNvSpPr txBox="1"/>
+              <p:nvPr/>
+            </p:nvSpPr>
+            <p:spPr>
+              <a:xfrm>
+                <a:off x="6881710" y="1800546"/>
+                <a:ext cx="1527424" cy="400691"/>
+              </a:xfrm>
+              <a:prstGeom prst="rect">
+                <a:avLst/>
+              </a:prstGeom>
+              <a:solidFill>
+                <a:schemeClr val="bg1"/>
+              </a:solidFill>
+              <a:ln>
+                <a:noFill/>
+              </a:ln>
+            </p:spPr>
+            <p:txBody>
+              <a:bodyPr wrap="square" rtlCol="0"/>
+              <a:lstStyle>
+                <a:lvl1pPr marL="0" indent="0">
+                  <a:defRPr sz="1100">
+                    <a:latin typeface="+mn-lt"/>
+                    <a:ea typeface="+mn-ea"/>
+                    <a:cs typeface="+mn-cs"/>
+                  </a:defRPr>
+                </a:lvl1pPr>
+                <a:lvl2pPr marL="457200" indent="0">
+                  <a:defRPr sz="1100">
+                    <a:latin typeface="+mn-lt"/>
+                    <a:ea typeface="+mn-ea"/>
+                    <a:cs typeface="+mn-cs"/>
+                  </a:defRPr>
+                </a:lvl2pPr>
+                <a:lvl3pPr marL="914400" indent="0">
+                  <a:defRPr sz="1100">
+                    <a:latin typeface="+mn-lt"/>
+                    <a:ea typeface="+mn-ea"/>
+                    <a:cs typeface="+mn-cs"/>
+                  </a:defRPr>
+                </a:lvl3pPr>
+                <a:lvl4pPr marL="1371600" indent="0">
+                  <a:defRPr sz="1100">
+                    <a:latin typeface="+mn-lt"/>
+                    <a:ea typeface="+mn-ea"/>
+                    <a:cs typeface="+mn-cs"/>
+                  </a:defRPr>
+                </a:lvl4pPr>
+                <a:lvl5pPr marL="1828800" indent="0">
+                  <a:defRPr sz="1100">
+                    <a:latin typeface="+mn-lt"/>
+                    <a:ea typeface="+mn-ea"/>
+                    <a:cs typeface="+mn-cs"/>
+                  </a:defRPr>
+                </a:lvl5pPr>
+                <a:lvl6pPr marL="2286000" indent="0">
+                  <a:defRPr sz="1100">
+                    <a:latin typeface="+mn-lt"/>
+                    <a:ea typeface="+mn-ea"/>
+                    <a:cs typeface="+mn-cs"/>
+                  </a:defRPr>
+                </a:lvl6pPr>
+                <a:lvl7pPr marL="2743200" indent="0">
+                  <a:defRPr sz="1100">
+                    <a:latin typeface="+mn-lt"/>
+                    <a:ea typeface="+mn-ea"/>
+                    <a:cs typeface="+mn-cs"/>
+                  </a:defRPr>
+                </a:lvl7pPr>
+                <a:lvl8pPr marL="3200400" indent="0">
+                  <a:defRPr sz="1100">
+                    <a:latin typeface="+mn-lt"/>
+                    <a:ea typeface="+mn-ea"/>
+                    <a:cs typeface="+mn-cs"/>
+                  </a:defRPr>
+                </a:lvl8pPr>
+                <a:lvl9pPr marL="3657600" indent="0">
+                  <a:defRPr sz="1100">
+                    <a:latin typeface="+mn-lt"/>
+                    <a:ea typeface="+mn-ea"/>
+                    <a:cs typeface="+mn-cs"/>
+                  </a:defRPr>
+                </a:lvl9pPr>
+              </a:lstStyle>
+              <a:p>
+                <a:r>
+                  <a:rPr lang="fr-FR" sz="1800" b="1" dirty="0" smtClean="0"/>
+                  <a:t>Température</a:t>
+                </a:r>
+                <a:endParaRPr lang="fr-FR" sz="1100" b="1" dirty="0"/>
+              </a:p>
+            </p:txBody>
+          </p:sp>
+        </p:grpSp>
+        <p:grpSp>
+          <p:nvGrpSpPr>
+            <p:cNvPr id="11" name="Groupe 10"/>
+            <p:cNvGrpSpPr/>
+            <p:nvPr/>
+          </p:nvGrpSpPr>
+          <p:grpSpPr>
+            <a:xfrm>
+              <a:off x="309134" y="1412837"/>
+              <a:ext cx="5400000" cy="3600000"/>
+              <a:chOff x="309134" y="1412837"/>
+              <a:chExt cx="5400000" cy="3600000"/>
+            </a:xfrm>
+          </p:grpSpPr>
+          <p:graphicFrame>
+            <p:nvGraphicFramePr>
+              <p:cNvPr id="3" name="Graphique 2"/>
+              <p:cNvGraphicFramePr>
+                <a:graphicFrameLocks/>
+              </p:cNvGraphicFramePr>
+              <p:nvPr>
+                <p:extLst>
+                  <p:ext uri="{D42A27DB-BD31-4B8C-83A1-F6EECF244321}">
+                    <p14:modId xmlns:p14="http://schemas.microsoft.com/office/powerpoint/2010/main" val="128380600"/>
+                  </p:ext>
+                </p:extLst>
+              </p:nvPr>
+            </p:nvGraphicFramePr>
+            <p:xfrm>
+              <a:off x="309134" y="1412837"/>
+              <a:ext cx="5400000" cy="3600000"/>
+            </p:xfrm>
+            <a:graphic>
+              <a:graphicData uri="http://schemas.openxmlformats.org/drawingml/2006/chart">
+                <c:chart xmlns:c="http://schemas.openxmlformats.org/drawingml/2006/chart" xmlns:r="http://schemas.openxmlformats.org/officeDocument/2006/relationships" r:id="rId3"/>
+              </a:graphicData>
+            </a:graphic>
+          </p:graphicFrame>
+          <p:sp>
+            <p:nvSpPr>
+              <p:cNvPr id="10" name="ZoneTexte 1"/>
+              <p:cNvSpPr txBox="1"/>
+              <p:nvPr/>
+            </p:nvSpPr>
+            <p:spPr>
+              <a:xfrm>
+                <a:off x="4069222" y="1800546"/>
+                <a:ext cx="1150704" cy="400691"/>
+              </a:xfrm>
+              <a:prstGeom prst="rect">
+                <a:avLst/>
+              </a:prstGeom>
+              <a:solidFill>
+                <a:schemeClr val="bg1"/>
+              </a:solidFill>
+              <a:ln>
+                <a:noFill/>
+              </a:ln>
+            </p:spPr>
+            <p:txBody>
+              <a:bodyPr wrap="square" rtlCol="0"/>
+              <a:lstStyle>
+                <a:lvl1pPr marL="0" indent="0">
+                  <a:defRPr sz="1100">
+                    <a:latin typeface="+mn-lt"/>
+                    <a:ea typeface="+mn-ea"/>
+                    <a:cs typeface="+mn-cs"/>
+                  </a:defRPr>
+                </a:lvl1pPr>
+                <a:lvl2pPr marL="457200" indent="0">
+                  <a:defRPr sz="1100">
+                    <a:latin typeface="+mn-lt"/>
+                    <a:ea typeface="+mn-ea"/>
+                    <a:cs typeface="+mn-cs"/>
+                  </a:defRPr>
+                </a:lvl2pPr>
+                <a:lvl3pPr marL="914400" indent="0">
+                  <a:defRPr sz="1100">
+                    <a:latin typeface="+mn-lt"/>
+                    <a:ea typeface="+mn-ea"/>
+                    <a:cs typeface="+mn-cs"/>
+                  </a:defRPr>
+                </a:lvl3pPr>
+                <a:lvl4pPr marL="1371600" indent="0">
+                  <a:defRPr sz="1100">
+                    <a:latin typeface="+mn-lt"/>
+                    <a:ea typeface="+mn-ea"/>
+                    <a:cs typeface="+mn-cs"/>
+                  </a:defRPr>
+                </a:lvl4pPr>
+                <a:lvl5pPr marL="1828800" indent="0">
+                  <a:defRPr sz="1100">
+                    <a:latin typeface="+mn-lt"/>
+                    <a:ea typeface="+mn-ea"/>
+                    <a:cs typeface="+mn-cs"/>
+                  </a:defRPr>
+                </a:lvl5pPr>
+                <a:lvl6pPr marL="2286000" indent="0">
+                  <a:defRPr sz="1100">
+                    <a:latin typeface="+mn-lt"/>
+                    <a:ea typeface="+mn-ea"/>
+                    <a:cs typeface="+mn-cs"/>
+                  </a:defRPr>
+                </a:lvl6pPr>
+                <a:lvl7pPr marL="2743200" indent="0">
+                  <a:defRPr sz="1100">
+                    <a:latin typeface="+mn-lt"/>
+                    <a:ea typeface="+mn-ea"/>
+                    <a:cs typeface="+mn-cs"/>
+                  </a:defRPr>
+                </a:lvl7pPr>
+                <a:lvl8pPr marL="3200400" indent="0">
+                  <a:defRPr sz="1100">
+                    <a:latin typeface="+mn-lt"/>
+                    <a:ea typeface="+mn-ea"/>
+                    <a:cs typeface="+mn-cs"/>
+                  </a:defRPr>
+                </a:lvl8pPr>
+                <a:lvl9pPr marL="3657600" indent="0">
+                  <a:defRPr sz="1100">
+                    <a:latin typeface="+mn-lt"/>
+                    <a:ea typeface="+mn-ea"/>
+                    <a:cs typeface="+mn-cs"/>
+                  </a:defRPr>
+                </a:lvl9pPr>
+              </a:lstStyle>
+              <a:p>
+                <a:r>
+                  <a:rPr lang="fr-FR" sz="1800" b="1" dirty="0" smtClean="0"/>
+                  <a:t>Pression</a:t>
+                </a:r>
+                <a:endParaRPr lang="fr-FR" sz="1100" b="1" dirty="0"/>
+              </a:p>
+            </p:txBody>
+          </p:sp>
+        </p:grpSp>
+      </p:grpSp>
+    </p:spTree>
+    <p:extLst>
+      <p:ext uri="{BB962C8B-B14F-4D97-AF65-F5344CB8AC3E}">
+        <p14:creationId xmlns:p14="http://schemas.microsoft.com/office/powerpoint/2010/main" val="3496990024"/>
+      </p:ext>
+    </p:extLst>
+  </p:cSld>
+  <p:clrMapOvr>
+    <a:masterClrMapping/>
+  </p:clrMapOvr>
+</p:sld>
+</file>
+
+<file path=ppt/slides/slide11.xml><?xml version="1.0" encoding="utf-8"?>
+<p:sld xmlns:a="http://schemas.openxmlformats.org/drawingml/2006/main" xmlns:r="http://schemas.openxmlformats.org/officeDocument/2006/relationships" xmlns:p="http://schemas.openxmlformats.org/presentationml/2006/main">
+  <p:cSld>
+    <p:spTree>
+      <p:nvGrpSpPr>
+        <p:cNvPr id="1" name=""/>
+        <p:cNvGrpSpPr/>
+        <p:nvPr/>
+      </p:nvGrpSpPr>
+      <p:grpSpPr>
+        <a:xfrm>
+          <a:off x="0" y="0"/>
+          <a:ext cx="0" cy="0"/>
+          <a:chOff x="0" y="0"/>
+          <a:chExt cx="0" cy="0"/>
+        </a:xfrm>
+      </p:grpSpPr>
+      <p:sp>
+        <p:nvSpPr>
+          <p:cNvPr id="4" name="ZoneTexte 3"/>
+          <p:cNvSpPr txBox="1"/>
+          <p:nvPr/>
+        </p:nvSpPr>
+        <p:spPr>
+          <a:xfrm>
+            <a:off x="369870" y="359596"/>
+            <a:ext cx="3357201" cy="369332"/>
+          </a:xfrm>
+          <a:prstGeom prst="rect">
+            <a:avLst/>
+          </a:prstGeom>
+          <a:noFill/>
+        </p:spPr>
+        <p:txBody>
+          <a:bodyPr wrap="none" rtlCol="0">
+            <a:spAutoFit/>
+          </a:bodyPr>
+          <a:lstStyle/>
+          <a:p>
+            <a:r>
+              <a:rPr lang="fr-FR" dirty="0" smtClean="0"/>
+              <a:t>Lobe supérieure (500tr/min 10kg)</a:t>
+            </a:r>
+            <a:endParaRPr lang="fr-FR" dirty="0"/>
+          </a:p>
+        </p:txBody>
+      </p:sp>
+      <p:grpSp>
+        <p:nvGrpSpPr>
+          <p:cNvPr id="6" name="Groupe 5"/>
+          <p:cNvGrpSpPr/>
+          <p:nvPr/>
+        </p:nvGrpSpPr>
+        <p:grpSpPr>
+          <a:xfrm>
+            <a:off x="309134" y="1412837"/>
+            <a:ext cx="10800000" cy="3600000"/>
+            <a:chOff x="309134" y="1412837"/>
+            <a:chExt cx="10800000" cy="3600000"/>
+          </a:xfrm>
+        </p:grpSpPr>
+        <p:grpSp>
+          <p:nvGrpSpPr>
+            <p:cNvPr id="2" name="Groupe 1"/>
+            <p:cNvGrpSpPr/>
+            <p:nvPr/>
+          </p:nvGrpSpPr>
+          <p:grpSpPr>
+            <a:xfrm>
+              <a:off x="309134" y="1412837"/>
+              <a:ext cx="5400000" cy="3600000"/>
+              <a:chOff x="309134" y="1412837"/>
+              <a:chExt cx="5400000" cy="3600000"/>
+            </a:xfrm>
+          </p:grpSpPr>
+          <p:graphicFrame>
+            <p:nvGraphicFramePr>
+              <p:cNvPr id="15" name="Graphique 14"/>
+              <p:cNvGraphicFramePr>
+                <a:graphicFrameLocks/>
+              </p:cNvGraphicFramePr>
+              <p:nvPr>
+                <p:extLst>
+                  <p:ext uri="{D42A27DB-BD31-4B8C-83A1-F6EECF244321}">
+                    <p14:modId xmlns:p14="http://schemas.microsoft.com/office/powerpoint/2010/main" val="3227628972"/>
+                  </p:ext>
+                </p:extLst>
+              </p:nvPr>
+            </p:nvGraphicFramePr>
+            <p:xfrm>
+              <a:off x="309134" y="1412837"/>
+              <a:ext cx="5400000" cy="3600000"/>
+            </p:xfrm>
+            <a:graphic>
+              <a:graphicData uri="http://schemas.openxmlformats.org/drawingml/2006/chart">
+                <c:chart xmlns:c="http://schemas.openxmlformats.org/drawingml/2006/chart" xmlns:r="http://schemas.openxmlformats.org/officeDocument/2006/relationships" r:id="rId2"/>
+              </a:graphicData>
+            </a:graphic>
+          </p:graphicFrame>
+          <p:sp>
+            <p:nvSpPr>
+              <p:cNvPr id="18" name="ZoneTexte 1"/>
+              <p:cNvSpPr txBox="1"/>
+              <p:nvPr/>
+            </p:nvSpPr>
+            <p:spPr>
+              <a:xfrm>
+                <a:off x="1858430" y="1738901"/>
+                <a:ext cx="1150704" cy="400691"/>
+              </a:xfrm>
+              <a:prstGeom prst="rect">
+                <a:avLst/>
+              </a:prstGeom>
+              <a:solidFill>
+                <a:schemeClr val="bg1"/>
+              </a:solidFill>
+              <a:ln>
+                <a:noFill/>
+              </a:ln>
+            </p:spPr>
+            <p:txBody>
+              <a:bodyPr wrap="square" rtlCol="0"/>
+              <a:lstStyle>
+                <a:lvl1pPr marL="0" indent="0">
+                  <a:defRPr sz="1100">
+                    <a:latin typeface="+mn-lt"/>
+                    <a:ea typeface="+mn-ea"/>
+                    <a:cs typeface="+mn-cs"/>
+                  </a:defRPr>
+                </a:lvl1pPr>
+                <a:lvl2pPr marL="457200" indent="0">
+                  <a:defRPr sz="1100">
+                    <a:latin typeface="+mn-lt"/>
+                    <a:ea typeface="+mn-ea"/>
+                    <a:cs typeface="+mn-cs"/>
+                  </a:defRPr>
+                </a:lvl2pPr>
+                <a:lvl3pPr marL="914400" indent="0">
+                  <a:defRPr sz="1100">
+                    <a:latin typeface="+mn-lt"/>
+                    <a:ea typeface="+mn-ea"/>
+                    <a:cs typeface="+mn-cs"/>
+                  </a:defRPr>
+                </a:lvl3pPr>
+                <a:lvl4pPr marL="1371600" indent="0">
+                  <a:defRPr sz="1100">
+                    <a:latin typeface="+mn-lt"/>
+                    <a:ea typeface="+mn-ea"/>
+                    <a:cs typeface="+mn-cs"/>
+                  </a:defRPr>
+                </a:lvl4pPr>
+                <a:lvl5pPr marL="1828800" indent="0">
+                  <a:defRPr sz="1100">
+                    <a:latin typeface="+mn-lt"/>
+                    <a:ea typeface="+mn-ea"/>
+                    <a:cs typeface="+mn-cs"/>
+                  </a:defRPr>
+                </a:lvl5pPr>
+                <a:lvl6pPr marL="2286000" indent="0">
+                  <a:defRPr sz="1100">
+                    <a:latin typeface="+mn-lt"/>
+                    <a:ea typeface="+mn-ea"/>
+                    <a:cs typeface="+mn-cs"/>
+                  </a:defRPr>
+                </a:lvl6pPr>
+                <a:lvl7pPr marL="2743200" indent="0">
+                  <a:defRPr sz="1100">
+                    <a:latin typeface="+mn-lt"/>
+                    <a:ea typeface="+mn-ea"/>
+                    <a:cs typeface="+mn-cs"/>
+                  </a:defRPr>
+                </a:lvl7pPr>
+                <a:lvl8pPr marL="3200400" indent="0">
+                  <a:defRPr sz="1100">
+                    <a:latin typeface="+mn-lt"/>
+                    <a:ea typeface="+mn-ea"/>
+                    <a:cs typeface="+mn-cs"/>
+                  </a:defRPr>
+                </a:lvl8pPr>
+                <a:lvl9pPr marL="3657600" indent="0">
+                  <a:defRPr sz="1100">
+                    <a:latin typeface="+mn-lt"/>
+                    <a:ea typeface="+mn-ea"/>
+                    <a:cs typeface="+mn-cs"/>
+                  </a:defRPr>
+                </a:lvl9pPr>
+              </a:lstStyle>
+              <a:p>
+                <a:r>
+                  <a:rPr lang="fr-FR" sz="1800" b="1" dirty="0" smtClean="0"/>
+                  <a:t>Pression</a:t>
+                </a:r>
+                <a:endParaRPr lang="fr-FR" sz="1100" b="1" dirty="0"/>
+              </a:p>
+            </p:txBody>
+          </p:sp>
+        </p:grpSp>
+        <p:grpSp>
+          <p:nvGrpSpPr>
+            <p:cNvPr id="5" name="Groupe 4"/>
+            <p:cNvGrpSpPr/>
+            <p:nvPr/>
+          </p:nvGrpSpPr>
+          <p:grpSpPr>
+            <a:xfrm>
+              <a:off x="5709134" y="1412837"/>
+              <a:ext cx="5400000" cy="3600000"/>
+              <a:chOff x="5709134" y="1412837"/>
+              <a:chExt cx="5400000" cy="3600000"/>
+            </a:xfrm>
+          </p:grpSpPr>
+          <p:graphicFrame>
+            <p:nvGraphicFramePr>
+              <p:cNvPr id="17" name="Graphique 16"/>
+              <p:cNvGraphicFramePr>
+                <a:graphicFrameLocks/>
+              </p:cNvGraphicFramePr>
+              <p:nvPr>
+                <p:extLst>
+                  <p:ext uri="{D42A27DB-BD31-4B8C-83A1-F6EECF244321}">
+                    <p14:modId xmlns:p14="http://schemas.microsoft.com/office/powerpoint/2010/main" val="247376534"/>
+                  </p:ext>
+                </p:extLst>
+              </p:nvPr>
+            </p:nvGraphicFramePr>
+            <p:xfrm>
+              <a:off x="5709134" y="1412837"/>
+              <a:ext cx="5400000" cy="3600000"/>
+            </p:xfrm>
+            <a:graphic>
+              <a:graphicData uri="http://schemas.openxmlformats.org/drawingml/2006/chart">
+                <c:chart xmlns:c="http://schemas.openxmlformats.org/drawingml/2006/chart" xmlns:r="http://schemas.openxmlformats.org/officeDocument/2006/relationships" r:id="rId3"/>
+              </a:graphicData>
+            </a:graphic>
+          </p:graphicFrame>
+          <p:sp>
+            <p:nvSpPr>
+              <p:cNvPr id="19" name="ZoneTexte 1"/>
+              <p:cNvSpPr txBox="1"/>
+              <p:nvPr/>
+            </p:nvSpPr>
+            <p:spPr>
+              <a:xfrm>
+                <a:off x="6881710" y="1800546"/>
+                <a:ext cx="1527424" cy="400691"/>
+              </a:xfrm>
+              <a:prstGeom prst="rect">
+                <a:avLst/>
+              </a:prstGeom>
+              <a:solidFill>
+                <a:schemeClr val="bg1"/>
+              </a:solidFill>
+              <a:ln>
+                <a:noFill/>
+              </a:ln>
+            </p:spPr>
+            <p:txBody>
+              <a:bodyPr wrap="square" rtlCol="0"/>
+              <a:lstStyle>
+                <a:lvl1pPr marL="0" indent="0">
+                  <a:defRPr sz="1100">
+                    <a:latin typeface="+mn-lt"/>
+                    <a:ea typeface="+mn-ea"/>
+                    <a:cs typeface="+mn-cs"/>
+                  </a:defRPr>
+                </a:lvl1pPr>
+                <a:lvl2pPr marL="457200" indent="0">
+                  <a:defRPr sz="1100">
+                    <a:latin typeface="+mn-lt"/>
+                    <a:ea typeface="+mn-ea"/>
+                    <a:cs typeface="+mn-cs"/>
+                  </a:defRPr>
+                </a:lvl2pPr>
+                <a:lvl3pPr marL="914400" indent="0">
+                  <a:defRPr sz="1100">
+                    <a:latin typeface="+mn-lt"/>
+                    <a:ea typeface="+mn-ea"/>
+                    <a:cs typeface="+mn-cs"/>
+                  </a:defRPr>
+                </a:lvl3pPr>
+                <a:lvl4pPr marL="1371600" indent="0">
+                  <a:defRPr sz="1100">
+                    <a:latin typeface="+mn-lt"/>
+                    <a:ea typeface="+mn-ea"/>
+                    <a:cs typeface="+mn-cs"/>
+                  </a:defRPr>
+                </a:lvl4pPr>
+                <a:lvl5pPr marL="1828800" indent="0">
+                  <a:defRPr sz="1100">
+                    <a:latin typeface="+mn-lt"/>
+                    <a:ea typeface="+mn-ea"/>
+                    <a:cs typeface="+mn-cs"/>
+                  </a:defRPr>
+                </a:lvl5pPr>
+                <a:lvl6pPr marL="2286000" indent="0">
+                  <a:defRPr sz="1100">
+                    <a:latin typeface="+mn-lt"/>
+                    <a:ea typeface="+mn-ea"/>
+                    <a:cs typeface="+mn-cs"/>
+                  </a:defRPr>
+                </a:lvl6pPr>
+                <a:lvl7pPr marL="2743200" indent="0">
+                  <a:defRPr sz="1100">
+                    <a:latin typeface="+mn-lt"/>
+                    <a:ea typeface="+mn-ea"/>
+                    <a:cs typeface="+mn-cs"/>
+                  </a:defRPr>
+                </a:lvl7pPr>
+                <a:lvl8pPr marL="3200400" indent="0">
+                  <a:defRPr sz="1100">
+                    <a:latin typeface="+mn-lt"/>
+                    <a:ea typeface="+mn-ea"/>
+                    <a:cs typeface="+mn-cs"/>
+                  </a:defRPr>
+                </a:lvl8pPr>
+                <a:lvl9pPr marL="3657600" indent="0">
+                  <a:defRPr sz="1100">
+                    <a:latin typeface="+mn-lt"/>
+                    <a:ea typeface="+mn-ea"/>
+                    <a:cs typeface="+mn-cs"/>
+                  </a:defRPr>
+                </a:lvl9pPr>
+              </a:lstStyle>
+              <a:p>
+                <a:r>
+                  <a:rPr lang="fr-FR" sz="1800" b="1" dirty="0" smtClean="0"/>
+                  <a:t>Température</a:t>
+                </a:r>
+                <a:endParaRPr lang="fr-FR" sz="1100" b="1" dirty="0"/>
+              </a:p>
+            </p:txBody>
+          </p:sp>
+        </p:grpSp>
+      </p:grpSp>
+    </p:spTree>
+    <p:extLst>
+      <p:ext uri="{BB962C8B-B14F-4D97-AF65-F5344CB8AC3E}">
+        <p14:creationId xmlns:p14="http://schemas.microsoft.com/office/powerpoint/2010/main" val="79886924"/>
+      </p:ext>
+    </p:extLst>
+  </p:cSld>
+  <p:clrMapOvr>
+    <a:masterClrMapping/>
+  </p:clrMapOvr>
+</p:sld>
+</file>
+
+<file path=ppt/slides/slide12.xml><?xml version="1.0" encoding="utf-8"?>
 <p:sld xmlns:a="http://schemas.openxmlformats.org/drawingml/2006/main" xmlns:r="http://schemas.openxmlformats.org/officeDocument/2006/relationships" xmlns:p="http://schemas.openxmlformats.org/presentationml/2006/main">
   <p:cSld>
     <p:spTree>
@@ -22334,7 +23030,7 @@
 </p:sld>
 </file>
 
-<file path=ppt/slides/slide11.xml><?xml version="1.0" encoding="utf-8"?>
+<file path=ppt/slides/slide13.xml><?xml version="1.0" encoding="utf-8"?>
 <p:sld xmlns:a="http://schemas.openxmlformats.org/drawingml/2006/main" xmlns:r="http://schemas.openxmlformats.org/officeDocument/2006/relationships" xmlns:p="http://schemas.openxmlformats.org/presentationml/2006/main">
   <p:cSld>
     <p:spTree>
@@ -22651,7 +23347,7 @@
 </p:sld>
 </file>
 
-<file path=ppt/slides/slide12.xml><?xml version="1.0" encoding="utf-8"?>
+<file path=ppt/slides/slide14.xml><?xml version="1.0" encoding="utf-8"?>
 <p:sld xmlns:a="http://schemas.openxmlformats.org/drawingml/2006/main" xmlns:r="http://schemas.openxmlformats.org/officeDocument/2006/relationships" xmlns:p="http://schemas.openxmlformats.org/presentationml/2006/main">
   <p:cSld>
     <p:spTree>
@@ -22968,7 +23664,7 @@
 </p:sld>
 </file>
 
-<file path=ppt/slides/slide13.xml><?xml version="1.0" encoding="utf-8"?>
+<file path=ppt/slides/slide15.xml><?xml version="1.0" encoding="utf-8"?>
 <p:sld xmlns:a="http://schemas.openxmlformats.org/drawingml/2006/main" xmlns:r="http://schemas.openxmlformats.org/officeDocument/2006/relationships" xmlns:p="http://schemas.openxmlformats.org/presentationml/2006/main">
   <p:cSld>
     <p:spTree>
@@ -23823,8 +24519,8 @@
                 </a:p>
               </p:txBody>
             </p:sp>
-            <mc:AlternateContent xmlns:mc="http://schemas.openxmlformats.org/markup-compatibility/2006">
-              <mc:Choice xmlns:a14="http://schemas.microsoft.com/office/drawing/2010/main" Requires="a14">
+            <mc:AlternateContent xmlns:mc="http://schemas.openxmlformats.org/markup-compatibility/2006" xmlns:a14="http://schemas.microsoft.com/office/drawing/2010/main">
+              <mc:Choice Requires="a14">
                 <p:sp>
                   <p:nvSpPr>
                     <p:cNvPr id="17" name="ZoneTexte 16"/>
@@ -23887,7 +24583,7 @@
                   </p:txBody>
                 </p:sp>
               </mc:Choice>
-              <mc:Fallback>
+              <mc:Fallback xmlns="">
                 <p:sp>
                   <p:nvSpPr>
                     <p:cNvPr id="17" name="ZoneTexte 16"/>
@@ -24234,8 +24930,8 @@
                   </a:fontRef>
                 </p:style>
               </p:cxnSp>
-              <mc:AlternateContent xmlns:mc="http://schemas.openxmlformats.org/markup-compatibility/2006">
-                <mc:Choice xmlns:a14="http://schemas.microsoft.com/office/drawing/2010/main" Requires="a14">
+              <mc:AlternateContent xmlns:mc="http://schemas.openxmlformats.org/markup-compatibility/2006" xmlns:a14="http://schemas.microsoft.com/office/drawing/2010/main">
+                <mc:Choice Requires="a14">
                   <p:sp>
                     <p:nvSpPr>
                       <p:cNvPr id="31" name="ZoneTexte 30"/>
@@ -24279,7 +24975,7 @@
                     </p:txBody>
                   </p:sp>
                 </mc:Choice>
-                <mc:Fallback>
+                <mc:Fallback xmlns="">
                   <p:sp>
                     <p:nvSpPr>
                       <p:cNvPr id="31" name="ZoneTexte 30"/>
@@ -24318,8 +25014,8 @@
                   </p:sp>
                 </mc:Fallback>
               </mc:AlternateContent>
-              <mc:AlternateContent xmlns:mc="http://schemas.openxmlformats.org/markup-compatibility/2006">
-                <mc:Choice xmlns:a14="http://schemas.microsoft.com/office/drawing/2010/main" Requires="a14">
+              <mc:AlternateContent xmlns:mc="http://schemas.openxmlformats.org/markup-compatibility/2006" xmlns:a14="http://schemas.microsoft.com/office/drawing/2010/main">
+                <mc:Choice Requires="a14">
                   <p:sp>
                     <p:nvSpPr>
                       <p:cNvPr id="32" name="ZoneTexte 31"/>
@@ -24363,7 +25059,7 @@
                     </p:txBody>
                   </p:sp>
                 </mc:Choice>
-                <mc:Fallback>
+                <mc:Fallback xmlns="">
                   <p:sp>
                     <p:nvSpPr>
                       <p:cNvPr id="32" name="ZoneTexte 31"/>
@@ -24512,8 +25208,8 @@
                 </a:p>
               </p:txBody>
             </p:sp>
-            <mc:AlternateContent xmlns:mc="http://schemas.openxmlformats.org/markup-compatibility/2006">
-              <mc:Choice xmlns:a14="http://schemas.microsoft.com/office/drawing/2010/main" Requires="a14">
+            <mc:AlternateContent xmlns:mc="http://schemas.openxmlformats.org/markup-compatibility/2006" xmlns:a14="http://schemas.microsoft.com/office/drawing/2010/main">
+              <mc:Choice Requires="a14">
                 <p:sp>
                   <p:nvSpPr>
                     <p:cNvPr id="26" name="ZoneTexte 25"/>
@@ -24576,7 +25272,7 @@
                   </p:txBody>
                 </p:sp>
               </mc:Choice>
-              <mc:Fallback>
+              <mc:Fallback xmlns="">
                 <p:sp>
                   <p:nvSpPr>
                     <p:cNvPr id="26" name="ZoneTexte 25"/>
@@ -27829,6 +28525,6835 @@
 </file>
 
 <file path=ppt/slides/slide4.xml><?xml version="1.0" encoding="utf-8"?>
+<p:sld xmlns:a="http://schemas.openxmlformats.org/drawingml/2006/main" xmlns:r="http://schemas.openxmlformats.org/officeDocument/2006/relationships" xmlns:p="http://schemas.openxmlformats.org/presentationml/2006/main">
+  <p:cSld>
+    <p:spTree>
+      <p:nvGrpSpPr>
+        <p:cNvPr id="1" name=""/>
+        <p:cNvGrpSpPr/>
+        <p:nvPr/>
+      </p:nvGrpSpPr>
+      <p:grpSpPr>
+        <a:xfrm>
+          <a:off x="0" y="0"/>
+          <a:ext cx="0" cy="0"/>
+          <a:chOff x="0" y="0"/>
+          <a:chExt cx="0" cy="0"/>
+        </a:xfrm>
+      </p:grpSpPr>
+      <p:sp>
+        <p:nvSpPr>
+          <p:cNvPr id="12" name="Ellipse 11"/>
+          <p:cNvSpPr/>
+          <p:nvPr/>
+        </p:nvSpPr>
+        <p:spPr>
+          <a:xfrm>
+            <a:off x="6445561" y="2875777"/>
+            <a:ext cx="113015" cy="113015"/>
+          </a:xfrm>
+          <a:prstGeom prst="ellipse">
+            <a:avLst/>
+          </a:prstGeom>
+          <a:solidFill>
+            <a:schemeClr val="tx1"/>
+          </a:solidFill>
+          <a:ln>
+            <a:solidFill>
+              <a:schemeClr val="tx1"/>
+            </a:solidFill>
+          </a:ln>
+        </p:spPr>
+        <p:style>
+          <a:lnRef idx="2">
+            <a:schemeClr val="accent1">
+              <a:shade val="50000"/>
+            </a:schemeClr>
+          </a:lnRef>
+          <a:fillRef idx="1">
+            <a:schemeClr val="accent1"/>
+          </a:fillRef>
+          <a:effectRef idx="0">
+            <a:schemeClr val="accent1"/>
+          </a:effectRef>
+          <a:fontRef idx="minor">
+            <a:schemeClr val="lt1"/>
+          </a:fontRef>
+        </p:style>
+        <p:txBody>
+          <a:bodyPr rtlCol="0" anchor="ctr"/>
+          <a:lstStyle/>
+          <a:p>
+            <a:pPr algn="ctr"/>
+            <a:endParaRPr lang="fr-FR"/>
+          </a:p>
+        </p:txBody>
+      </p:sp>
+      <mc:AlternateContent xmlns:mc="http://schemas.openxmlformats.org/markup-compatibility/2006">
+        <mc:Choice xmlns:a14="http://schemas.microsoft.com/office/drawing/2010/main" Requires="a14">
+          <p:sp>
+            <p:nvSpPr>
+              <p:cNvPr id="28" name="ZoneTexte 27"/>
+              <p:cNvSpPr txBox="1"/>
+              <p:nvPr/>
+            </p:nvSpPr>
+            <p:spPr>
+              <a:xfrm>
+                <a:off x="6439400" y="2927650"/>
+                <a:ext cx="348172" cy="307777"/>
+              </a:xfrm>
+              <a:prstGeom prst="rect">
+                <a:avLst/>
+              </a:prstGeom>
+              <a:noFill/>
+            </p:spPr>
+            <p:txBody>
+              <a:bodyPr wrap="none" rtlCol="0">
+                <a:spAutoFit/>
+              </a:bodyPr>
+              <a:lstStyle/>
+              <a:p>
+                <a14:m>
+                  <m:oMathPara xmlns:m="http://schemas.openxmlformats.org/officeDocument/2006/math">
+                    <m:oMathParaPr>
+                      <m:jc m:val="centerGroup"/>
+                    </m:oMathParaPr>
+                    <m:oMath xmlns:m="http://schemas.openxmlformats.org/officeDocument/2006/math">
+                      <m:r>
+                        <a:rPr lang="fr-FR" sz="1400" b="1" i="1" dirty="0" smtClean="0">
+                          <a:latin typeface="Cambria Math" panose="02040503050406030204" pitchFamily="18" charset="0"/>
+                        </a:rPr>
+                        <m:t>𝑷</m:t>
+                      </m:r>
+                    </m:oMath>
+                  </m:oMathPara>
+                </a14:m>
+                <a:endParaRPr lang="fr-FR" sz="1400" b="1" dirty="0"/>
+              </a:p>
+            </p:txBody>
+          </p:sp>
+        </mc:Choice>
+        <mc:Fallback>
+          <p:sp>
+            <p:nvSpPr>
+              <p:cNvPr id="28" name="ZoneTexte 27"/>
+              <p:cNvSpPr txBox="1">
+                <a:spLocks noRot="1" noChangeAspect="1" noMove="1" noResize="1" noEditPoints="1" noAdjustHandles="1" noChangeArrowheads="1" noChangeShapeType="1" noTextEdit="1"/>
+              </p:cNvSpPr>
+              <p:nvPr/>
+            </p:nvSpPr>
+            <p:spPr>
+              <a:xfrm>
+                <a:off x="6439400" y="2927650"/>
+                <a:ext cx="348172" cy="307777"/>
+              </a:xfrm>
+              <a:prstGeom prst="rect">
+                <a:avLst/>
+              </a:prstGeom>
+              <a:blipFill rotWithShape="0">
+                <a:blip r:embed="rId2"/>
+                <a:stretch>
+                  <a:fillRect/>
+                </a:stretch>
+              </a:blipFill>
+            </p:spPr>
+            <p:txBody>
+              <a:bodyPr/>
+              <a:lstStyle/>
+              <a:p>
+                <a:r>
+                  <a:rPr lang="fr-FR">
+                    <a:noFill/>
+                  </a:rPr>
+                  <a:t> </a:t>
+                </a:r>
+              </a:p>
+            </p:txBody>
+          </p:sp>
+        </mc:Fallback>
+      </mc:AlternateContent>
+      <p:sp>
+        <p:nvSpPr>
+          <p:cNvPr id="29" name="ZoneTexte 28"/>
+          <p:cNvSpPr txBox="1"/>
+          <p:nvPr/>
+        </p:nvSpPr>
+        <p:spPr>
+          <a:xfrm>
+            <a:off x="4667638" y="584276"/>
+            <a:ext cx="317716" cy="307777"/>
+          </a:xfrm>
+          <a:prstGeom prst="rect">
+            <a:avLst/>
+          </a:prstGeom>
+          <a:noFill/>
+        </p:spPr>
+        <p:txBody>
+          <a:bodyPr wrap="none" rtlCol="0">
+            <a:spAutoFit/>
+          </a:bodyPr>
+          <a:lstStyle/>
+          <a:p>
+            <a:r>
+              <a:rPr lang="fr-FR" sz="1400" b="1" dirty="0" smtClean="0"/>
+              <a:t>w</a:t>
+            </a:r>
+            <a:endParaRPr lang="fr-FR" sz="1400" b="1" dirty="0"/>
+          </a:p>
+        </p:txBody>
+      </p:sp>
+      <p:sp>
+        <p:nvSpPr>
+          <p:cNvPr id="30" name="ZoneTexte 29"/>
+          <p:cNvSpPr txBox="1"/>
+          <p:nvPr/>
+        </p:nvSpPr>
+        <p:spPr>
+          <a:xfrm>
+            <a:off x="11145742" y="2711076"/>
+            <a:ext cx="274434" cy="307777"/>
+          </a:xfrm>
+          <a:prstGeom prst="rect">
+            <a:avLst/>
+          </a:prstGeom>
+          <a:noFill/>
+        </p:spPr>
+        <p:txBody>
+          <a:bodyPr wrap="none" rtlCol="0">
+            <a:spAutoFit/>
+          </a:bodyPr>
+          <a:lstStyle/>
+          <a:p>
+            <a:r>
+              <a:rPr lang="fr-FR" sz="1400" b="1" dirty="0"/>
+              <a:t>e</a:t>
+            </a:r>
+          </a:p>
+        </p:txBody>
+      </p:sp>
+      <p:sp>
+        <p:nvSpPr>
+          <p:cNvPr id="31" name="ZoneTexte 30"/>
+          <p:cNvSpPr txBox="1"/>
+          <p:nvPr/>
+        </p:nvSpPr>
+        <p:spPr>
+          <a:xfrm>
+            <a:off x="11172010" y="2311968"/>
+            <a:ext cx="280846" cy="307777"/>
+          </a:xfrm>
+          <a:prstGeom prst="rect">
+            <a:avLst/>
+          </a:prstGeom>
+          <a:noFill/>
+        </p:spPr>
+        <p:txBody>
+          <a:bodyPr wrap="none" rtlCol="0">
+            <a:spAutoFit/>
+          </a:bodyPr>
+          <a:lstStyle/>
+          <a:p>
+            <a:r>
+              <a:rPr lang="fr-FR" sz="1400" b="1" dirty="0"/>
+              <a:t>n</a:t>
+            </a:r>
+          </a:p>
+        </p:txBody>
+      </p:sp>
+      <p:sp>
+        <p:nvSpPr>
+          <p:cNvPr id="32" name="ZoneTexte 31"/>
+          <p:cNvSpPr txBox="1"/>
+          <p:nvPr/>
+        </p:nvSpPr>
+        <p:spPr>
+          <a:xfrm>
+            <a:off x="10802225" y="3067124"/>
+            <a:ext cx="256802" cy="307777"/>
+          </a:xfrm>
+          <a:prstGeom prst="rect">
+            <a:avLst/>
+          </a:prstGeom>
+          <a:noFill/>
+        </p:spPr>
+        <p:txBody>
+          <a:bodyPr wrap="none" rtlCol="0">
+            <a:spAutoFit/>
+          </a:bodyPr>
+          <a:lstStyle/>
+          <a:p>
+            <a:r>
+              <a:rPr lang="fr-FR" sz="1400" b="1" dirty="0"/>
+              <a:t>s</a:t>
+            </a:r>
+          </a:p>
+        </p:txBody>
+      </p:sp>
+      <p:cxnSp>
+        <p:nvCxnSpPr>
+          <p:cNvPr id="34" name="Connecteur droit avec flèche 33"/>
+          <p:cNvCxnSpPr/>
+          <p:nvPr/>
+        </p:nvCxnSpPr>
+        <p:spPr>
+          <a:xfrm>
+            <a:off x="11426060" y="2893738"/>
+            <a:ext cx="285730" cy="1"/>
+          </a:xfrm>
+          <a:prstGeom prst="straightConnector1">
+            <a:avLst/>
+          </a:prstGeom>
+          <a:ln>
+            <a:solidFill>
+              <a:schemeClr val="tx1"/>
+            </a:solidFill>
+            <a:tailEnd type="triangle"/>
+          </a:ln>
+        </p:spPr>
+        <p:style>
+          <a:lnRef idx="1">
+            <a:schemeClr val="accent1"/>
+          </a:lnRef>
+          <a:fillRef idx="0">
+            <a:schemeClr val="accent1"/>
+          </a:fillRef>
+          <a:effectRef idx="0">
+            <a:schemeClr val="accent1"/>
+          </a:effectRef>
+          <a:fontRef idx="minor">
+            <a:schemeClr val="tx1"/>
+          </a:fontRef>
+        </p:style>
+      </p:cxnSp>
+      <p:cxnSp>
+        <p:nvCxnSpPr>
+          <p:cNvPr id="36" name="Connecteur droit avec flèche 35"/>
+          <p:cNvCxnSpPr/>
+          <p:nvPr/>
+        </p:nvCxnSpPr>
+        <p:spPr>
+          <a:xfrm flipV="1">
+            <a:off x="7149875" y="892053"/>
+            <a:ext cx="0" cy="274491"/>
+          </a:xfrm>
+          <a:prstGeom prst="straightConnector1">
+            <a:avLst/>
+          </a:prstGeom>
+          <a:ln>
+            <a:solidFill>
+              <a:schemeClr val="tx1"/>
+            </a:solidFill>
+            <a:tailEnd type="triangle"/>
+          </a:ln>
+        </p:spPr>
+        <p:style>
+          <a:lnRef idx="1">
+            <a:schemeClr val="accent1"/>
+          </a:lnRef>
+          <a:fillRef idx="0">
+            <a:schemeClr val="accent1"/>
+          </a:fillRef>
+          <a:effectRef idx="0">
+            <a:schemeClr val="accent1"/>
+          </a:effectRef>
+          <a:fontRef idx="minor">
+            <a:schemeClr val="tx1"/>
+          </a:fontRef>
+        </p:style>
+      </p:cxnSp>
+      <p:cxnSp>
+        <p:nvCxnSpPr>
+          <p:cNvPr id="37" name="Connecteur droit avec flèche 36"/>
+          <p:cNvCxnSpPr/>
+          <p:nvPr/>
+        </p:nvCxnSpPr>
+        <p:spPr>
+          <a:xfrm>
+            <a:off x="5051655" y="4460350"/>
+            <a:ext cx="1996415" cy="0"/>
+          </a:xfrm>
+          <a:prstGeom prst="straightConnector1">
+            <a:avLst/>
+          </a:prstGeom>
+          <a:ln>
+            <a:solidFill>
+              <a:schemeClr val="tx1"/>
+            </a:solidFill>
+            <a:headEnd type="triangle"/>
+            <a:tailEnd type="triangle"/>
+          </a:ln>
+        </p:spPr>
+        <p:style>
+          <a:lnRef idx="1">
+            <a:schemeClr val="accent1"/>
+          </a:lnRef>
+          <a:fillRef idx="0">
+            <a:schemeClr val="accent1"/>
+          </a:fillRef>
+          <a:effectRef idx="0">
+            <a:schemeClr val="accent1"/>
+          </a:effectRef>
+          <a:fontRef idx="minor">
+            <a:schemeClr val="tx1"/>
+          </a:fontRef>
+        </p:style>
+      </p:cxnSp>
+      <mc:AlternateContent xmlns:mc="http://schemas.openxmlformats.org/markup-compatibility/2006">
+        <mc:Choice xmlns:a14="http://schemas.microsoft.com/office/drawing/2010/main" Requires="a14">
+          <p:sp>
+            <p:nvSpPr>
+              <p:cNvPr id="38" name="ZoneTexte 37"/>
+              <p:cNvSpPr txBox="1"/>
+              <p:nvPr/>
+            </p:nvSpPr>
+            <p:spPr>
+              <a:xfrm>
+                <a:off x="5791474" y="4446284"/>
+                <a:ext cx="436338" cy="307777"/>
+              </a:xfrm>
+              <a:prstGeom prst="rect">
+                <a:avLst/>
+              </a:prstGeom>
+              <a:noFill/>
+            </p:spPr>
+            <p:txBody>
+              <a:bodyPr wrap="none" rtlCol="0">
+                <a:spAutoFit/>
+              </a:bodyPr>
+              <a:lstStyle/>
+              <a:p>
+                <a:pPr/>
+                <a14:m>
+                  <m:oMathPara xmlns:m="http://schemas.openxmlformats.org/officeDocument/2006/math">
+                    <m:oMathParaPr>
+                      <m:jc m:val="centerGroup"/>
+                    </m:oMathParaPr>
+                    <m:oMath xmlns:m="http://schemas.openxmlformats.org/officeDocument/2006/math">
+                      <m:r>
+                        <a:rPr lang="fr-FR" sz="1400" b="1" i="1" smtClean="0">
+                          <a:latin typeface="Cambria Math" panose="02040503050406030204" pitchFamily="18" charset="0"/>
+                          <a:ea typeface="Cambria Math" panose="02040503050406030204" pitchFamily="18" charset="0"/>
+                        </a:rPr>
+                        <m:t>∆</m:t>
+                      </m:r>
+                      <m:r>
+                        <a:rPr lang="fr-FR" sz="1400" b="1" i="1" smtClean="0">
+                          <a:latin typeface="Cambria Math" panose="02040503050406030204" pitchFamily="18" charset="0"/>
+                          <a:ea typeface="Cambria Math" panose="02040503050406030204" pitchFamily="18" charset="0"/>
+                        </a:rPr>
+                        <m:t>𝒙</m:t>
+                      </m:r>
+                    </m:oMath>
+                  </m:oMathPara>
+                </a14:m>
+                <a:endParaRPr lang="fr-FR" sz="1400" b="1" dirty="0"/>
+              </a:p>
+            </p:txBody>
+          </p:sp>
+        </mc:Choice>
+        <mc:Fallback>
+          <p:sp>
+            <p:nvSpPr>
+              <p:cNvPr id="38" name="ZoneTexte 37"/>
+              <p:cNvSpPr txBox="1">
+                <a:spLocks noRot="1" noChangeAspect="1" noMove="1" noResize="1" noEditPoints="1" noAdjustHandles="1" noChangeArrowheads="1" noChangeShapeType="1" noTextEdit="1"/>
+              </p:cNvSpPr>
+              <p:nvPr/>
+            </p:nvSpPr>
+            <p:spPr>
+              <a:xfrm>
+                <a:off x="5791474" y="4446284"/>
+                <a:ext cx="436338" cy="307777"/>
+              </a:xfrm>
+              <a:prstGeom prst="rect">
+                <a:avLst/>
+              </a:prstGeom>
+              <a:blipFill rotWithShape="0">
+                <a:blip r:embed="rId3"/>
+                <a:stretch>
+                  <a:fillRect/>
+                </a:stretch>
+              </a:blipFill>
+            </p:spPr>
+            <p:txBody>
+              <a:bodyPr/>
+              <a:lstStyle/>
+              <a:p>
+                <a:r>
+                  <a:rPr lang="fr-FR">
+                    <a:noFill/>
+                  </a:rPr>
+                  <a:t> </a:t>
+                </a:r>
+              </a:p>
+            </p:txBody>
+          </p:sp>
+        </mc:Fallback>
+      </mc:AlternateContent>
+      <p:cxnSp>
+        <p:nvCxnSpPr>
+          <p:cNvPr id="39" name="Connecteur droit avec flèche 38"/>
+          <p:cNvCxnSpPr/>
+          <p:nvPr/>
+        </p:nvCxnSpPr>
+        <p:spPr>
+          <a:xfrm>
+            <a:off x="10855657" y="4194211"/>
+            <a:ext cx="0" cy="853648"/>
+          </a:xfrm>
+          <a:prstGeom prst="straightConnector1">
+            <a:avLst/>
+          </a:prstGeom>
+          <a:ln>
+            <a:solidFill>
+              <a:schemeClr val="tx1"/>
+            </a:solidFill>
+            <a:headEnd type="triangle"/>
+            <a:tailEnd type="triangle"/>
+          </a:ln>
+        </p:spPr>
+        <p:style>
+          <a:lnRef idx="1">
+            <a:schemeClr val="accent1"/>
+          </a:lnRef>
+          <a:fillRef idx="0">
+            <a:schemeClr val="accent1"/>
+          </a:fillRef>
+          <a:effectRef idx="0">
+            <a:schemeClr val="accent1"/>
+          </a:effectRef>
+          <a:fontRef idx="minor">
+            <a:schemeClr val="tx1"/>
+          </a:fontRef>
+        </p:style>
+      </p:cxnSp>
+      <mc:AlternateContent xmlns:mc="http://schemas.openxmlformats.org/markup-compatibility/2006">
+        <mc:Choice xmlns:a14="http://schemas.microsoft.com/office/drawing/2010/main" Requires="a14">
+          <p:sp>
+            <p:nvSpPr>
+              <p:cNvPr id="40" name="ZoneTexte 39"/>
+              <p:cNvSpPr txBox="1"/>
+              <p:nvPr/>
+            </p:nvSpPr>
+            <p:spPr>
+              <a:xfrm>
+                <a:off x="10892125" y="4498457"/>
+                <a:ext cx="420308" cy="307777"/>
+              </a:xfrm>
+              <a:prstGeom prst="rect">
+                <a:avLst/>
+              </a:prstGeom>
+              <a:noFill/>
+            </p:spPr>
+            <p:txBody>
+              <a:bodyPr wrap="none" rtlCol="0">
+                <a:spAutoFit/>
+              </a:bodyPr>
+              <a:lstStyle/>
+              <a:p>
+                <a:pPr/>
+                <a14:m>
+                  <m:oMathPara xmlns:m="http://schemas.openxmlformats.org/officeDocument/2006/math">
+                    <m:oMathParaPr>
+                      <m:jc m:val="centerGroup"/>
+                    </m:oMathParaPr>
+                    <m:oMath xmlns:m="http://schemas.openxmlformats.org/officeDocument/2006/math">
+                      <m:r>
+                        <a:rPr lang="fr-FR" sz="1400" b="1" i="1" smtClean="0">
+                          <a:latin typeface="Cambria Math" panose="02040503050406030204" pitchFamily="18" charset="0"/>
+                          <a:ea typeface="Cambria Math" panose="02040503050406030204" pitchFamily="18" charset="0"/>
+                        </a:rPr>
+                        <m:t>∆</m:t>
+                      </m:r>
+                      <m:r>
+                        <a:rPr lang="fr-FR" sz="1400" b="1" i="0" smtClean="0">
+                          <a:latin typeface="Cambria Math" panose="02040503050406030204" pitchFamily="18" charset="0"/>
+                          <a:ea typeface="Cambria Math" panose="02040503050406030204" pitchFamily="18" charset="0"/>
+                        </a:rPr>
+                        <m:t>𝐳</m:t>
+                      </m:r>
+                    </m:oMath>
+                  </m:oMathPara>
+                </a14:m>
+                <a:endParaRPr lang="fr-FR" sz="1400" b="1" dirty="0"/>
+              </a:p>
+            </p:txBody>
+          </p:sp>
+        </mc:Choice>
+        <mc:Fallback>
+          <p:sp>
+            <p:nvSpPr>
+              <p:cNvPr id="40" name="ZoneTexte 39"/>
+              <p:cNvSpPr txBox="1">
+                <a:spLocks noRot="1" noChangeAspect="1" noMove="1" noResize="1" noEditPoints="1" noAdjustHandles="1" noChangeArrowheads="1" noChangeShapeType="1" noTextEdit="1"/>
+              </p:cNvSpPr>
+              <p:nvPr/>
+            </p:nvSpPr>
+            <p:spPr>
+              <a:xfrm>
+                <a:off x="10892125" y="4498457"/>
+                <a:ext cx="420308" cy="307777"/>
+              </a:xfrm>
+              <a:prstGeom prst="rect">
+                <a:avLst/>
+              </a:prstGeom>
+              <a:blipFill rotWithShape="0">
+                <a:blip r:embed="rId4"/>
+                <a:stretch>
+                  <a:fillRect/>
+                </a:stretch>
+              </a:blipFill>
+            </p:spPr>
+            <p:txBody>
+              <a:bodyPr/>
+              <a:lstStyle/>
+              <a:p>
+                <a:r>
+                  <a:rPr lang="fr-FR">
+                    <a:noFill/>
+                  </a:rPr>
+                  <a:t> </a:t>
+                </a:r>
+              </a:p>
+            </p:txBody>
+          </p:sp>
+        </mc:Fallback>
+      </mc:AlternateContent>
+      <mc:AlternateContent xmlns:mc="http://schemas.openxmlformats.org/markup-compatibility/2006">
+        <mc:Choice xmlns:a14="http://schemas.microsoft.com/office/drawing/2010/main" Requires="a14">
+          <p:sp>
+            <p:nvSpPr>
+              <p:cNvPr id="41" name="ZoneTexte 40"/>
+              <p:cNvSpPr txBox="1"/>
+              <p:nvPr/>
+            </p:nvSpPr>
+            <p:spPr>
+              <a:xfrm>
+                <a:off x="2543728" y="1989458"/>
+                <a:ext cx="549573" cy="328167"/>
+              </a:xfrm>
+              <a:prstGeom prst="rect">
+                <a:avLst/>
+              </a:prstGeom>
+              <a:noFill/>
+            </p:spPr>
+            <p:txBody>
+              <a:bodyPr wrap="none" rtlCol="0">
+                <a:spAutoFit/>
+              </a:bodyPr>
+              <a:lstStyle/>
+              <a:p>
+                <a:pPr/>
+                <a14:m>
+                  <m:oMathPara xmlns:m="http://schemas.openxmlformats.org/officeDocument/2006/math">
+                    <m:oMathParaPr>
+                      <m:jc m:val="centerGroup"/>
+                    </m:oMathParaPr>
+                    <m:oMath xmlns:m="http://schemas.openxmlformats.org/officeDocument/2006/math">
+                      <m:sSub>
+                        <m:sSubPr>
+                          <m:ctrlPr>
+                            <a:rPr lang="fr-FR" sz="1400" b="1" i="1" smtClean="0">
+                              <a:latin typeface="Cambria Math" panose="02040503050406030204" pitchFamily="18" charset="0"/>
+                            </a:rPr>
+                          </m:ctrlPr>
+                        </m:sSubPr>
+                        <m:e>
+                          <m:r>
+                            <a:rPr lang="fr-FR" sz="1400" b="1" i="1" smtClean="0">
+                              <a:latin typeface="Cambria Math" panose="02040503050406030204" pitchFamily="18" charset="0"/>
+                            </a:rPr>
+                            <m:t>𝒛</m:t>
+                          </m:r>
+                        </m:e>
+                        <m:sub>
+                          <m:r>
+                            <a:rPr lang="fr-FR" sz="1400" b="1" i="1" smtClean="0">
+                              <a:latin typeface="Cambria Math" panose="02040503050406030204" pitchFamily="18" charset="0"/>
+                            </a:rPr>
+                            <m:t>𝒋</m:t>
+                          </m:r>
+                          <m:r>
+                            <a:rPr lang="fr-FR" sz="1400" b="1" i="1" smtClean="0">
+                              <a:latin typeface="Cambria Math" panose="02040503050406030204" pitchFamily="18" charset="0"/>
+                            </a:rPr>
+                            <m:t>+</m:t>
+                          </m:r>
+                          <m:r>
+                            <a:rPr lang="fr-FR" sz="1400" b="1" i="1" smtClean="0">
+                              <a:latin typeface="Cambria Math" panose="02040503050406030204" pitchFamily="18" charset="0"/>
+                            </a:rPr>
+                            <m:t>𝟏</m:t>
+                          </m:r>
+                        </m:sub>
+                      </m:sSub>
+                    </m:oMath>
+                  </m:oMathPara>
+                </a14:m>
+                <a:endParaRPr lang="fr-FR" sz="1400" b="1" dirty="0"/>
+              </a:p>
+            </p:txBody>
+          </p:sp>
+        </mc:Choice>
+        <mc:Fallback>
+          <p:sp>
+            <p:nvSpPr>
+              <p:cNvPr id="41" name="ZoneTexte 40"/>
+              <p:cNvSpPr txBox="1">
+                <a:spLocks noRot="1" noChangeAspect="1" noMove="1" noResize="1" noEditPoints="1" noAdjustHandles="1" noChangeArrowheads="1" noChangeShapeType="1" noTextEdit="1"/>
+              </p:cNvSpPr>
+              <p:nvPr/>
+            </p:nvSpPr>
+            <p:spPr>
+              <a:xfrm>
+                <a:off x="2543728" y="1989458"/>
+                <a:ext cx="549573" cy="328167"/>
+              </a:xfrm>
+              <a:prstGeom prst="rect">
+                <a:avLst/>
+              </a:prstGeom>
+              <a:blipFill rotWithShape="0">
+                <a:blip r:embed="rId5"/>
+                <a:stretch>
+                  <a:fillRect b="-1852"/>
+                </a:stretch>
+              </a:blipFill>
+            </p:spPr>
+            <p:txBody>
+              <a:bodyPr/>
+              <a:lstStyle/>
+              <a:p>
+                <a:r>
+                  <a:rPr lang="fr-FR">
+                    <a:noFill/>
+                  </a:rPr>
+                  <a:t> </a:t>
+                </a:r>
+              </a:p>
+            </p:txBody>
+          </p:sp>
+        </mc:Fallback>
+      </mc:AlternateContent>
+      <mc:AlternateContent xmlns:mc="http://schemas.openxmlformats.org/markup-compatibility/2006">
+        <mc:Choice xmlns:a14="http://schemas.microsoft.com/office/drawing/2010/main" Requires="a14">
+          <p:sp>
+            <p:nvSpPr>
+              <p:cNvPr id="42" name="ZoneTexte 41"/>
+              <p:cNvSpPr txBox="1"/>
+              <p:nvPr/>
+            </p:nvSpPr>
+            <p:spPr>
+              <a:xfrm>
+                <a:off x="2593983" y="2719923"/>
+                <a:ext cx="376450" cy="328167"/>
+              </a:xfrm>
+              <a:prstGeom prst="rect">
+                <a:avLst/>
+              </a:prstGeom>
+              <a:noFill/>
+            </p:spPr>
+            <p:txBody>
+              <a:bodyPr wrap="none" rtlCol="0">
+                <a:spAutoFit/>
+              </a:bodyPr>
+              <a:lstStyle/>
+              <a:p>
+                <a:pPr/>
+                <a14:m>
+                  <m:oMathPara xmlns:m="http://schemas.openxmlformats.org/officeDocument/2006/math">
+                    <m:oMathParaPr>
+                      <m:jc m:val="centerGroup"/>
+                    </m:oMathParaPr>
+                    <m:oMath xmlns:m="http://schemas.openxmlformats.org/officeDocument/2006/math">
+                      <m:sSub>
+                        <m:sSubPr>
+                          <m:ctrlPr>
+                            <a:rPr lang="fr-FR" sz="1400" b="1" i="1" smtClean="0">
+                              <a:latin typeface="Cambria Math" panose="02040503050406030204" pitchFamily="18" charset="0"/>
+                            </a:rPr>
+                          </m:ctrlPr>
+                        </m:sSubPr>
+                        <m:e>
+                          <m:r>
+                            <a:rPr lang="fr-FR" sz="1400" b="1" i="1" smtClean="0">
+                              <a:latin typeface="Cambria Math" panose="02040503050406030204" pitchFamily="18" charset="0"/>
+                            </a:rPr>
+                            <m:t>𝒛</m:t>
+                          </m:r>
+                        </m:e>
+                        <m:sub>
+                          <m:r>
+                            <a:rPr lang="fr-FR" sz="1400" b="1" i="1" smtClean="0">
+                              <a:latin typeface="Cambria Math" panose="02040503050406030204" pitchFamily="18" charset="0"/>
+                            </a:rPr>
+                            <m:t>𝒋</m:t>
+                          </m:r>
+                        </m:sub>
+                      </m:sSub>
+                    </m:oMath>
+                  </m:oMathPara>
+                </a14:m>
+                <a:endParaRPr lang="fr-FR" sz="1400" b="1" dirty="0"/>
+              </a:p>
+            </p:txBody>
+          </p:sp>
+        </mc:Choice>
+        <mc:Fallback>
+          <p:sp>
+            <p:nvSpPr>
+              <p:cNvPr id="42" name="ZoneTexte 41"/>
+              <p:cNvSpPr txBox="1">
+                <a:spLocks noRot="1" noChangeAspect="1" noMove="1" noResize="1" noEditPoints="1" noAdjustHandles="1" noChangeArrowheads="1" noChangeShapeType="1" noTextEdit="1"/>
+              </p:cNvSpPr>
+              <p:nvPr/>
+            </p:nvSpPr>
+            <p:spPr>
+              <a:xfrm>
+                <a:off x="2593983" y="2719923"/>
+                <a:ext cx="376450" cy="328167"/>
+              </a:xfrm>
+              <a:prstGeom prst="rect">
+                <a:avLst/>
+              </a:prstGeom>
+              <a:blipFill rotWithShape="0">
+                <a:blip r:embed="rId6"/>
+                <a:stretch>
+                  <a:fillRect b="-1852"/>
+                </a:stretch>
+              </a:blipFill>
+            </p:spPr>
+            <p:txBody>
+              <a:bodyPr/>
+              <a:lstStyle/>
+              <a:p>
+                <a:r>
+                  <a:rPr lang="fr-FR">
+                    <a:noFill/>
+                  </a:rPr>
+                  <a:t> </a:t>
+                </a:r>
+              </a:p>
+            </p:txBody>
+          </p:sp>
+        </mc:Fallback>
+      </mc:AlternateContent>
+      <mc:AlternateContent xmlns:mc="http://schemas.openxmlformats.org/markup-compatibility/2006">
+        <mc:Choice xmlns:a14="http://schemas.microsoft.com/office/drawing/2010/main" Requires="a14">
+          <p:sp>
+            <p:nvSpPr>
+              <p:cNvPr id="43" name="ZoneTexte 42"/>
+              <p:cNvSpPr txBox="1"/>
+              <p:nvPr/>
+            </p:nvSpPr>
+            <p:spPr>
+              <a:xfrm>
+                <a:off x="2517858" y="3630523"/>
+                <a:ext cx="549573" cy="328167"/>
+              </a:xfrm>
+              <a:prstGeom prst="rect">
+                <a:avLst/>
+              </a:prstGeom>
+              <a:noFill/>
+            </p:spPr>
+            <p:txBody>
+              <a:bodyPr wrap="none" rtlCol="0">
+                <a:spAutoFit/>
+              </a:bodyPr>
+              <a:lstStyle/>
+              <a:p>
+                <a:pPr/>
+                <a14:m>
+                  <m:oMathPara xmlns:m="http://schemas.openxmlformats.org/officeDocument/2006/math">
+                    <m:oMathParaPr>
+                      <m:jc m:val="centerGroup"/>
+                    </m:oMathParaPr>
+                    <m:oMath xmlns:m="http://schemas.openxmlformats.org/officeDocument/2006/math">
+                      <m:sSub>
+                        <m:sSubPr>
+                          <m:ctrlPr>
+                            <a:rPr lang="fr-FR" sz="1400" b="1" i="1" smtClean="0">
+                              <a:latin typeface="Cambria Math" panose="02040503050406030204" pitchFamily="18" charset="0"/>
+                            </a:rPr>
+                          </m:ctrlPr>
+                        </m:sSubPr>
+                        <m:e>
+                          <m:r>
+                            <a:rPr lang="fr-FR" sz="1400" b="1" i="1" smtClean="0">
+                              <a:latin typeface="Cambria Math" panose="02040503050406030204" pitchFamily="18" charset="0"/>
+                            </a:rPr>
+                            <m:t>𝒛</m:t>
+                          </m:r>
+                        </m:e>
+                        <m:sub>
+                          <m:r>
+                            <a:rPr lang="fr-FR" sz="1400" b="1" i="1" smtClean="0">
+                              <a:latin typeface="Cambria Math" panose="02040503050406030204" pitchFamily="18" charset="0"/>
+                            </a:rPr>
+                            <m:t>𝒋</m:t>
+                          </m:r>
+                          <m:r>
+                            <a:rPr lang="fr-FR" sz="1400" b="1" i="1" smtClean="0">
+                              <a:latin typeface="Cambria Math" panose="02040503050406030204" pitchFamily="18" charset="0"/>
+                            </a:rPr>
+                            <m:t>−</m:t>
+                          </m:r>
+                          <m:r>
+                            <a:rPr lang="fr-FR" sz="1400" b="1" i="1" smtClean="0">
+                              <a:latin typeface="Cambria Math" panose="02040503050406030204" pitchFamily="18" charset="0"/>
+                            </a:rPr>
+                            <m:t>𝟏</m:t>
+                          </m:r>
+                        </m:sub>
+                      </m:sSub>
+                    </m:oMath>
+                  </m:oMathPara>
+                </a14:m>
+                <a:endParaRPr lang="fr-FR" sz="1400" b="1" dirty="0"/>
+              </a:p>
+            </p:txBody>
+          </p:sp>
+        </mc:Choice>
+        <mc:Fallback>
+          <p:sp>
+            <p:nvSpPr>
+              <p:cNvPr id="43" name="ZoneTexte 42"/>
+              <p:cNvSpPr txBox="1">
+                <a:spLocks noRot="1" noChangeAspect="1" noMove="1" noResize="1" noEditPoints="1" noAdjustHandles="1" noChangeArrowheads="1" noChangeShapeType="1" noTextEdit="1"/>
+              </p:cNvSpPr>
+              <p:nvPr/>
+            </p:nvSpPr>
+            <p:spPr>
+              <a:xfrm>
+                <a:off x="2517858" y="3630523"/>
+                <a:ext cx="549573" cy="328167"/>
+              </a:xfrm>
+              <a:prstGeom prst="rect">
+                <a:avLst/>
+              </a:prstGeom>
+              <a:blipFill rotWithShape="0">
+                <a:blip r:embed="rId7"/>
+                <a:stretch>
+                  <a:fillRect b="-3774"/>
+                </a:stretch>
+              </a:blipFill>
+            </p:spPr>
+            <p:txBody>
+              <a:bodyPr/>
+              <a:lstStyle/>
+              <a:p>
+                <a:r>
+                  <a:rPr lang="fr-FR">
+                    <a:noFill/>
+                  </a:rPr>
+                  <a:t> </a:t>
+                </a:r>
+              </a:p>
+            </p:txBody>
+          </p:sp>
+        </mc:Fallback>
+      </mc:AlternateContent>
+      <mc:AlternateContent xmlns:mc="http://schemas.openxmlformats.org/markup-compatibility/2006">
+        <mc:Choice xmlns:a14="http://schemas.microsoft.com/office/drawing/2010/main" Requires="a14">
+          <p:sp>
+            <p:nvSpPr>
+              <p:cNvPr id="44" name="ZoneTexte 43"/>
+              <p:cNvSpPr txBox="1"/>
+              <p:nvPr/>
+            </p:nvSpPr>
+            <p:spPr>
+              <a:xfrm>
+                <a:off x="9050869" y="5718454"/>
+                <a:ext cx="557589" cy="307777"/>
+              </a:xfrm>
+              <a:prstGeom prst="rect">
+                <a:avLst/>
+              </a:prstGeom>
+              <a:noFill/>
+            </p:spPr>
+            <p:txBody>
+              <a:bodyPr wrap="none" rtlCol="0">
+                <a:spAutoFit/>
+              </a:bodyPr>
+              <a:lstStyle/>
+              <a:p>
+                <a:pPr/>
+                <a14:m>
+                  <m:oMathPara xmlns:m="http://schemas.openxmlformats.org/officeDocument/2006/math">
+                    <m:oMathParaPr>
+                      <m:jc m:val="centerGroup"/>
+                    </m:oMathParaPr>
+                    <m:oMath xmlns:m="http://schemas.openxmlformats.org/officeDocument/2006/math">
+                      <m:sSub>
+                        <m:sSubPr>
+                          <m:ctrlPr>
+                            <a:rPr lang="fr-FR" sz="1400" b="1" i="1" smtClean="0">
+                              <a:latin typeface="Cambria Math" panose="02040503050406030204" pitchFamily="18" charset="0"/>
+                            </a:rPr>
+                          </m:ctrlPr>
+                        </m:sSubPr>
+                        <m:e>
+                          <m:r>
+                            <a:rPr lang="fr-FR" sz="1400" b="1" i="1" smtClean="0">
+                              <a:latin typeface="Cambria Math" panose="02040503050406030204" pitchFamily="18" charset="0"/>
+                            </a:rPr>
+                            <m:t>𝒙</m:t>
+                          </m:r>
+                        </m:e>
+                        <m:sub>
+                          <m:r>
+                            <a:rPr lang="fr-FR" sz="1400" b="1" i="1" smtClean="0">
+                              <a:latin typeface="Cambria Math" panose="02040503050406030204" pitchFamily="18" charset="0"/>
+                            </a:rPr>
+                            <m:t>𝒊</m:t>
+                          </m:r>
+                          <m:r>
+                            <a:rPr lang="fr-FR" sz="1400" b="1" i="1" smtClean="0">
+                              <a:latin typeface="Cambria Math" panose="02040503050406030204" pitchFamily="18" charset="0"/>
+                            </a:rPr>
+                            <m:t>+</m:t>
+                          </m:r>
+                          <m:r>
+                            <a:rPr lang="fr-FR" sz="1400" b="1" i="1" smtClean="0">
+                              <a:latin typeface="Cambria Math" panose="02040503050406030204" pitchFamily="18" charset="0"/>
+                            </a:rPr>
+                            <m:t>𝟏</m:t>
+                          </m:r>
+                        </m:sub>
+                      </m:sSub>
+                    </m:oMath>
+                  </m:oMathPara>
+                </a14:m>
+                <a:endParaRPr lang="fr-FR" sz="1400" b="1" dirty="0"/>
+              </a:p>
+            </p:txBody>
+          </p:sp>
+        </mc:Choice>
+        <mc:Fallback>
+          <p:sp>
+            <p:nvSpPr>
+              <p:cNvPr id="44" name="ZoneTexte 43"/>
+              <p:cNvSpPr txBox="1">
+                <a:spLocks noRot="1" noChangeAspect="1" noMove="1" noResize="1" noEditPoints="1" noAdjustHandles="1" noChangeArrowheads="1" noChangeShapeType="1" noTextEdit="1"/>
+              </p:cNvSpPr>
+              <p:nvPr/>
+            </p:nvSpPr>
+            <p:spPr>
+              <a:xfrm>
+                <a:off x="9050869" y="5718454"/>
+                <a:ext cx="557589" cy="307777"/>
+              </a:xfrm>
+              <a:prstGeom prst="rect">
+                <a:avLst/>
+              </a:prstGeom>
+              <a:blipFill rotWithShape="0">
+                <a:blip r:embed="rId8"/>
+                <a:stretch>
+                  <a:fillRect/>
+                </a:stretch>
+              </a:blipFill>
+            </p:spPr>
+            <p:txBody>
+              <a:bodyPr/>
+              <a:lstStyle/>
+              <a:p>
+                <a:r>
+                  <a:rPr lang="fr-FR">
+                    <a:noFill/>
+                  </a:rPr>
+                  <a:t> </a:t>
+                </a:r>
+              </a:p>
+            </p:txBody>
+          </p:sp>
+        </mc:Fallback>
+      </mc:AlternateContent>
+      <mc:AlternateContent xmlns:mc="http://schemas.openxmlformats.org/markup-compatibility/2006">
+        <mc:Choice xmlns:a14="http://schemas.microsoft.com/office/drawing/2010/main" Requires="a14">
+          <p:sp>
+            <p:nvSpPr>
+              <p:cNvPr id="45" name="ZoneTexte 44"/>
+              <p:cNvSpPr txBox="1"/>
+              <p:nvPr/>
+            </p:nvSpPr>
+            <p:spPr>
+              <a:xfrm>
+                <a:off x="6879666" y="4692626"/>
+                <a:ext cx="384464" cy="307777"/>
+              </a:xfrm>
+              <a:prstGeom prst="rect">
+                <a:avLst/>
+              </a:prstGeom>
+              <a:noFill/>
+            </p:spPr>
+            <p:txBody>
+              <a:bodyPr wrap="none" rtlCol="0">
+                <a:spAutoFit/>
+              </a:bodyPr>
+              <a:lstStyle/>
+              <a:p>
+                <a:pPr/>
+                <a14:m>
+                  <m:oMathPara xmlns:m="http://schemas.openxmlformats.org/officeDocument/2006/math">
+                    <m:oMathParaPr>
+                      <m:jc m:val="centerGroup"/>
+                    </m:oMathParaPr>
+                    <m:oMath xmlns:m="http://schemas.openxmlformats.org/officeDocument/2006/math">
+                      <m:sSub>
+                        <m:sSubPr>
+                          <m:ctrlPr>
+                            <a:rPr lang="fr-FR" sz="1400" b="1" i="1" smtClean="0">
+                              <a:latin typeface="Cambria Math" panose="02040503050406030204" pitchFamily="18" charset="0"/>
+                            </a:rPr>
+                          </m:ctrlPr>
+                        </m:sSubPr>
+                        <m:e>
+                          <m:r>
+                            <a:rPr lang="fr-FR" sz="1400" b="1" i="1" smtClean="0">
+                              <a:latin typeface="Cambria Math" panose="02040503050406030204" pitchFamily="18" charset="0"/>
+                            </a:rPr>
+                            <m:t>𝒙</m:t>
+                          </m:r>
+                        </m:e>
+                        <m:sub>
+                          <m:r>
+                            <a:rPr lang="fr-FR" sz="1400" b="1" i="1" smtClean="0">
+                              <a:latin typeface="Cambria Math" panose="02040503050406030204" pitchFamily="18" charset="0"/>
+                            </a:rPr>
+                            <m:t>𝒊</m:t>
+                          </m:r>
+                        </m:sub>
+                      </m:sSub>
+                    </m:oMath>
+                  </m:oMathPara>
+                </a14:m>
+                <a:endParaRPr lang="fr-FR" sz="1400" b="1" dirty="0"/>
+              </a:p>
+            </p:txBody>
+          </p:sp>
+        </mc:Choice>
+        <mc:Fallback>
+          <p:sp>
+            <p:nvSpPr>
+              <p:cNvPr id="45" name="ZoneTexte 44"/>
+              <p:cNvSpPr txBox="1">
+                <a:spLocks noRot="1" noChangeAspect="1" noMove="1" noResize="1" noEditPoints="1" noAdjustHandles="1" noChangeArrowheads="1" noChangeShapeType="1" noTextEdit="1"/>
+              </p:cNvSpPr>
+              <p:nvPr/>
+            </p:nvSpPr>
+            <p:spPr>
+              <a:xfrm>
+                <a:off x="6879666" y="4692626"/>
+                <a:ext cx="384464" cy="307777"/>
+              </a:xfrm>
+              <a:prstGeom prst="rect">
+                <a:avLst/>
+              </a:prstGeom>
+              <a:blipFill rotWithShape="0">
+                <a:blip r:embed="rId9"/>
+                <a:stretch>
+                  <a:fillRect/>
+                </a:stretch>
+              </a:blipFill>
+            </p:spPr>
+            <p:txBody>
+              <a:bodyPr/>
+              <a:lstStyle/>
+              <a:p>
+                <a:r>
+                  <a:rPr lang="fr-FR">
+                    <a:noFill/>
+                  </a:rPr>
+                  <a:t> </a:t>
+                </a:r>
+              </a:p>
+            </p:txBody>
+          </p:sp>
+        </mc:Fallback>
+      </mc:AlternateContent>
+      <mc:AlternateContent xmlns:mc="http://schemas.openxmlformats.org/markup-compatibility/2006">
+        <mc:Choice xmlns:a14="http://schemas.microsoft.com/office/drawing/2010/main" Requires="a14">
+          <p:sp>
+            <p:nvSpPr>
+              <p:cNvPr id="46" name="ZoneTexte 45"/>
+              <p:cNvSpPr txBox="1"/>
+              <p:nvPr/>
+            </p:nvSpPr>
+            <p:spPr>
+              <a:xfrm>
+                <a:off x="4727694" y="4659887"/>
+                <a:ext cx="557589" cy="307777"/>
+              </a:xfrm>
+              <a:prstGeom prst="rect">
+                <a:avLst/>
+              </a:prstGeom>
+              <a:noFill/>
+            </p:spPr>
+            <p:txBody>
+              <a:bodyPr wrap="none" rtlCol="0">
+                <a:spAutoFit/>
+              </a:bodyPr>
+              <a:lstStyle/>
+              <a:p>
+                <a:pPr/>
+                <a14:m>
+                  <m:oMathPara xmlns:m="http://schemas.openxmlformats.org/officeDocument/2006/math">
+                    <m:oMathParaPr>
+                      <m:jc m:val="centerGroup"/>
+                    </m:oMathParaPr>
+                    <m:oMath xmlns:m="http://schemas.openxmlformats.org/officeDocument/2006/math">
+                      <m:sSub>
+                        <m:sSubPr>
+                          <m:ctrlPr>
+                            <a:rPr lang="fr-FR" sz="1400" b="1" i="1" smtClean="0">
+                              <a:latin typeface="Cambria Math" panose="02040503050406030204" pitchFamily="18" charset="0"/>
+                            </a:rPr>
+                          </m:ctrlPr>
+                        </m:sSubPr>
+                        <m:e>
+                          <m:r>
+                            <a:rPr lang="fr-FR" sz="1400" b="1" i="1" smtClean="0">
+                              <a:latin typeface="Cambria Math" panose="02040503050406030204" pitchFamily="18" charset="0"/>
+                            </a:rPr>
+                            <m:t>𝒙</m:t>
+                          </m:r>
+                        </m:e>
+                        <m:sub>
+                          <m:r>
+                            <a:rPr lang="fr-FR" sz="1400" b="1" i="1" smtClean="0">
+                              <a:latin typeface="Cambria Math" panose="02040503050406030204" pitchFamily="18" charset="0"/>
+                            </a:rPr>
+                            <m:t>𝒊</m:t>
+                          </m:r>
+                          <m:r>
+                            <a:rPr lang="fr-FR" sz="1400" b="1" i="1" smtClean="0">
+                              <a:latin typeface="Cambria Math" panose="02040503050406030204" pitchFamily="18" charset="0"/>
+                            </a:rPr>
+                            <m:t>−</m:t>
+                          </m:r>
+                          <m:r>
+                            <a:rPr lang="fr-FR" sz="1400" b="1" i="1" smtClean="0">
+                              <a:latin typeface="Cambria Math" panose="02040503050406030204" pitchFamily="18" charset="0"/>
+                            </a:rPr>
+                            <m:t>𝟏</m:t>
+                          </m:r>
+                        </m:sub>
+                      </m:sSub>
+                    </m:oMath>
+                  </m:oMathPara>
+                </a14:m>
+                <a:endParaRPr lang="fr-FR" sz="1400" b="1" dirty="0"/>
+              </a:p>
+            </p:txBody>
+          </p:sp>
+        </mc:Choice>
+        <mc:Fallback>
+          <p:sp>
+            <p:nvSpPr>
+              <p:cNvPr id="46" name="ZoneTexte 45"/>
+              <p:cNvSpPr txBox="1">
+                <a:spLocks noRot="1" noChangeAspect="1" noMove="1" noResize="1" noEditPoints="1" noAdjustHandles="1" noChangeArrowheads="1" noChangeShapeType="1" noTextEdit="1"/>
+              </p:cNvSpPr>
+              <p:nvPr/>
+            </p:nvSpPr>
+            <p:spPr>
+              <a:xfrm>
+                <a:off x="4727694" y="4659887"/>
+                <a:ext cx="557589" cy="307777"/>
+              </a:xfrm>
+              <a:prstGeom prst="rect">
+                <a:avLst/>
+              </a:prstGeom>
+              <a:blipFill rotWithShape="0">
+                <a:blip r:embed="rId10"/>
+                <a:stretch>
+                  <a:fillRect/>
+                </a:stretch>
+              </a:blipFill>
+            </p:spPr>
+            <p:txBody>
+              <a:bodyPr/>
+              <a:lstStyle/>
+              <a:p>
+                <a:r>
+                  <a:rPr lang="fr-FR">
+                    <a:noFill/>
+                  </a:rPr>
+                  <a:t> </a:t>
+                </a:r>
+              </a:p>
+            </p:txBody>
+          </p:sp>
+        </mc:Fallback>
+      </mc:AlternateContent>
+      <p:cxnSp>
+        <p:nvCxnSpPr>
+          <p:cNvPr id="61" name="Connecteur droit 60"/>
+          <p:cNvCxnSpPr/>
+          <p:nvPr/>
+        </p:nvCxnSpPr>
+        <p:spPr>
+          <a:xfrm>
+            <a:off x="4792310" y="2615201"/>
+            <a:ext cx="2538130" cy="0"/>
+          </a:xfrm>
+          <a:prstGeom prst="line">
+            <a:avLst/>
+          </a:prstGeom>
+          <a:ln w="28575">
+            <a:solidFill>
+              <a:schemeClr val="tx1"/>
+            </a:solidFill>
+          </a:ln>
+        </p:spPr>
+        <p:style>
+          <a:lnRef idx="1">
+            <a:schemeClr val="accent1"/>
+          </a:lnRef>
+          <a:fillRef idx="0">
+            <a:schemeClr val="accent1"/>
+          </a:fillRef>
+          <a:effectRef idx="0">
+            <a:schemeClr val="accent1"/>
+          </a:effectRef>
+          <a:fontRef idx="minor">
+            <a:schemeClr val="tx1"/>
+          </a:fontRef>
+        </p:style>
+      </p:cxnSp>
+      <p:cxnSp>
+        <p:nvCxnSpPr>
+          <p:cNvPr id="62" name="Connecteur droit 61"/>
+          <p:cNvCxnSpPr/>
+          <p:nvPr/>
+        </p:nvCxnSpPr>
+        <p:spPr>
+          <a:xfrm>
+            <a:off x="4667638" y="4123788"/>
+            <a:ext cx="2601842" cy="0"/>
+          </a:xfrm>
+          <a:prstGeom prst="line">
+            <a:avLst/>
+          </a:prstGeom>
+          <a:ln w="28575">
+            <a:solidFill>
+              <a:schemeClr val="tx1"/>
+            </a:solidFill>
+          </a:ln>
+        </p:spPr>
+        <p:style>
+          <a:lnRef idx="1">
+            <a:schemeClr val="accent1"/>
+          </a:lnRef>
+          <a:fillRef idx="0">
+            <a:schemeClr val="accent1"/>
+          </a:fillRef>
+          <a:effectRef idx="0">
+            <a:schemeClr val="accent1"/>
+          </a:effectRef>
+          <a:fontRef idx="minor">
+            <a:schemeClr val="tx1"/>
+          </a:fontRef>
+        </p:style>
+      </p:cxnSp>
+      <p:cxnSp>
+        <p:nvCxnSpPr>
+          <p:cNvPr id="66" name="Connecteur droit 65"/>
+          <p:cNvCxnSpPr/>
+          <p:nvPr/>
+        </p:nvCxnSpPr>
+        <p:spPr>
+          <a:xfrm>
+            <a:off x="5036048" y="1929143"/>
+            <a:ext cx="0" cy="2685095"/>
+          </a:xfrm>
+          <a:prstGeom prst="line">
+            <a:avLst/>
+          </a:prstGeom>
+          <a:ln w="38100">
+            <a:solidFill>
+              <a:schemeClr val="tx1"/>
+            </a:solidFill>
+          </a:ln>
+        </p:spPr>
+        <p:style>
+          <a:lnRef idx="1">
+            <a:schemeClr val="accent1"/>
+          </a:lnRef>
+          <a:fillRef idx="0">
+            <a:schemeClr val="accent1"/>
+          </a:fillRef>
+          <a:effectRef idx="0">
+            <a:schemeClr val="accent1"/>
+          </a:effectRef>
+          <a:fontRef idx="minor">
+            <a:schemeClr val="tx1"/>
+          </a:fontRef>
+        </p:style>
+      </p:cxnSp>
+      <p:cxnSp>
+        <p:nvCxnSpPr>
+          <p:cNvPr id="67" name="Connecteur droit 66"/>
+          <p:cNvCxnSpPr/>
+          <p:nvPr/>
+        </p:nvCxnSpPr>
+        <p:spPr>
+          <a:xfrm>
+            <a:off x="7048070" y="1907996"/>
+            <a:ext cx="0" cy="2706242"/>
+          </a:xfrm>
+          <a:prstGeom prst="line">
+            <a:avLst/>
+          </a:prstGeom>
+          <a:ln w="38100">
+            <a:solidFill>
+              <a:schemeClr val="tx1"/>
+            </a:solidFill>
+          </a:ln>
+        </p:spPr>
+        <p:style>
+          <a:lnRef idx="1">
+            <a:schemeClr val="accent1"/>
+          </a:lnRef>
+          <a:fillRef idx="0">
+            <a:schemeClr val="accent1"/>
+          </a:fillRef>
+          <a:effectRef idx="0">
+            <a:schemeClr val="accent1"/>
+          </a:effectRef>
+          <a:fontRef idx="minor">
+            <a:schemeClr val="tx1"/>
+          </a:fontRef>
+        </p:style>
+      </p:cxnSp>
+      <mc:AlternateContent xmlns:mc="http://schemas.openxmlformats.org/markup-compatibility/2006">
+        <mc:Choice xmlns:a14="http://schemas.microsoft.com/office/drawing/2010/main" Requires="a14">
+          <p:sp>
+            <p:nvSpPr>
+              <p:cNvPr id="50" name="ZoneTexte 49"/>
+              <p:cNvSpPr txBox="1"/>
+              <p:nvPr/>
+            </p:nvSpPr>
+            <p:spPr>
+              <a:xfrm>
+                <a:off x="2118996" y="4460350"/>
+                <a:ext cx="317716" cy="307777"/>
+              </a:xfrm>
+              <a:prstGeom prst="rect">
+                <a:avLst/>
+              </a:prstGeom>
+              <a:noFill/>
+            </p:spPr>
+            <p:txBody>
+              <a:bodyPr wrap="none" rtlCol="0">
+                <a:spAutoFit/>
+              </a:bodyPr>
+              <a:lstStyle/>
+              <a:p>
+                <a:pPr/>
+                <a14:m>
+                  <m:oMathPara xmlns:m="http://schemas.openxmlformats.org/officeDocument/2006/math">
+                    <m:oMathParaPr>
+                      <m:jc m:val="centerGroup"/>
+                    </m:oMathParaPr>
+                    <m:oMath xmlns:m="http://schemas.openxmlformats.org/officeDocument/2006/math">
+                      <m:r>
+                        <a:rPr lang="fr-FR" sz="1400" b="1" i="1" smtClean="0">
+                          <a:latin typeface="Cambria Math" panose="02040503050406030204" pitchFamily="18" charset="0"/>
+                        </a:rPr>
+                        <m:t>𝒛</m:t>
+                      </m:r>
+                    </m:oMath>
+                  </m:oMathPara>
+                </a14:m>
+                <a:endParaRPr lang="fr-FR" sz="1400" b="1" dirty="0"/>
+              </a:p>
+            </p:txBody>
+          </p:sp>
+        </mc:Choice>
+        <mc:Fallback>
+          <p:sp>
+            <p:nvSpPr>
+              <p:cNvPr id="50" name="ZoneTexte 49"/>
+              <p:cNvSpPr txBox="1">
+                <a:spLocks noRot="1" noChangeAspect="1" noMove="1" noResize="1" noEditPoints="1" noAdjustHandles="1" noChangeArrowheads="1" noChangeShapeType="1" noTextEdit="1"/>
+              </p:cNvSpPr>
+              <p:nvPr/>
+            </p:nvSpPr>
+            <p:spPr>
+              <a:xfrm>
+                <a:off x="2118996" y="4460350"/>
+                <a:ext cx="317716" cy="307777"/>
+              </a:xfrm>
+              <a:prstGeom prst="rect">
+                <a:avLst/>
+              </a:prstGeom>
+              <a:blipFill rotWithShape="0">
+                <a:blip r:embed="rId11"/>
+                <a:stretch>
+                  <a:fillRect/>
+                </a:stretch>
+              </a:blipFill>
+            </p:spPr>
+            <p:txBody>
+              <a:bodyPr/>
+              <a:lstStyle/>
+              <a:p>
+                <a:r>
+                  <a:rPr lang="fr-FR">
+                    <a:noFill/>
+                  </a:rPr>
+                  <a:t> </a:t>
+                </a:r>
+              </a:p>
+            </p:txBody>
+          </p:sp>
+        </mc:Fallback>
+      </mc:AlternateContent>
+      <mc:AlternateContent xmlns:mc="http://schemas.openxmlformats.org/markup-compatibility/2006">
+        <mc:Choice xmlns:a14="http://schemas.microsoft.com/office/drawing/2010/main" Requires="a14">
+          <p:sp>
+            <p:nvSpPr>
+              <p:cNvPr id="51" name="ZoneTexte 50"/>
+              <p:cNvSpPr txBox="1"/>
+              <p:nvPr/>
+            </p:nvSpPr>
+            <p:spPr>
+              <a:xfrm>
+                <a:off x="3900737" y="5281170"/>
+                <a:ext cx="328936" cy="307777"/>
+              </a:xfrm>
+              <a:prstGeom prst="rect">
+                <a:avLst/>
+              </a:prstGeom>
+              <a:noFill/>
+            </p:spPr>
+            <p:txBody>
+              <a:bodyPr wrap="none" rtlCol="0">
+                <a:spAutoFit/>
+              </a:bodyPr>
+              <a:lstStyle/>
+              <a:p>
+                <a:pPr/>
+                <a14:m>
+                  <m:oMathPara xmlns:m="http://schemas.openxmlformats.org/officeDocument/2006/math">
+                    <m:oMathParaPr>
+                      <m:jc m:val="centerGroup"/>
+                    </m:oMathParaPr>
+                    <m:oMath xmlns:m="http://schemas.openxmlformats.org/officeDocument/2006/math">
+                      <m:r>
+                        <a:rPr lang="fr-FR" sz="1400" b="1" i="1" dirty="0" smtClean="0">
+                          <a:latin typeface="Cambria Math" panose="02040503050406030204" pitchFamily="18" charset="0"/>
+                        </a:rPr>
+                        <m:t>𝒙</m:t>
+                      </m:r>
+                    </m:oMath>
+                  </m:oMathPara>
+                </a14:m>
+                <a:endParaRPr lang="fr-FR" sz="1400" b="1" dirty="0"/>
+              </a:p>
+            </p:txBody>
+          </p:sp>
+        </mc:Choice>
+        <mc:Fallback>
+          <p:sp>
+            <p:nvSpPr>
+              <p:cNvPr id="51" name="ZoneTexte 50"/>
+              <p:cNvSpPr txBox="1">
+                <a:spLocks noRot="1" noChangeAspect="1" noMove="1" noResize="1" noEditPoints="1" noAdjustHandles="1" noChangeArrowheads="1" noChangeShapeType="1" noTextEdit="1"/>
+              </p:cNvSpPr>
+              <p:nvPr/>
+            </p:nvSpPr>
+            <p:spPr>
+              <a:xfrm>
+                <a:off x="3900737" y="5281170"/>
+                <a:ext cx="328936" cy="307777"/>
+              </a:xfrm>
+              <a:prstGeom prst="rect">
+                <a:avLst/>
+              </a:prstGeom>
+              <a:blipFill rotWithShape="0">
+                <a:blip r:embed="rId12"/>
+                <a:stretch>
+                  <a:fillRect/>
+                </a:stretch>
+              </a:blipFill>
+            </p:spPr>
+            <p:txBody>
+              <a:bodyPr/>
+              <a:lstStyle/>
+              <a:p>
+                <a:r>
+                  <a:rPr lang="fr-FR">
+                    <a:noFill/>
+                  </a:rPr>
+                  <a:t> </a:t>
+                </a:r>
+              </a:p>
+            </p:txBody>
+          </p:sp>
+        </mc:Fallback>
+      </mc:AlternateContent>
+      <mc:AlternateContent xmlns:mc="http://schemas.openxmlformats.org/markup-compatibility/2006">
+        <mc:Choice xmlns:a14="http://schemas.microsoft.com/office/drawing/2010/main" Requires="a14">
+          <p:sp>
+            <p:nvSpPr>
+              <p:cNvPr id="52" name="ZoneTexte 51"/>
+              <p:cNvSpPr txBox="1"/>
+              <p:nvPr/>
+            </p:nvSpPr>
+            <p:spPr>
+              <a:xfrm>
+                <a:off x="2609630" y="5290868"/>
+                <a:ext cx="292067" cy="307777"/>
+              </a:xfrm>
+              <a:prstGeom prst="rect">
+                <a:avLst/>
+              </a:prstGeom>
+              <a:noFill/>
+            </p:spPr>
+            <p:txBody>
+              <a:bodyPr wrap="none" rtlCol="0">
+                <a:spAutoFit/>
+              </a:bodyPr>
+              <a:lstStyle/>
+              <a:p>
+                <a:pPr/>
+                <a14:m>
+                  <m:oMathPara xmlns:m="http://schemas.openxmlformats.org/officeDocument/2006/math">
+                    <m:oMathParaPr>
+                      <m:jc m:val="centerGroup"/>
+                    </m:oMathParaPr>
+                    <m:oMath xmlns:m="http://schemas.openxmlformats.org/officeDocument/2006/math">
+                      <m:r>
+                        <a:rPr lang="fr-FR" sz="1400" b="1" i="1" smtClean="0">
+                          <a:latin typeface="Cambria Math" panose="02040503050406030204" pitchFamily="18" charset="0"/>
+                        </a:rPr>
+                        <m:t>𝒊</m:t>
+                      </m:r>
+                    </m:oMath>
+                  </m:oMathPara>
+                </a14:m>
+                <a:endParaRPr lang="fr-FR" sz="1400" b="1" dirty="0"/>
+              </a:p>
+            </p:txBody>
+          </p:sp>
+        </mc:Choice>
+        <mc:Fallback>
+          <p:sp>
+            <p:nvSpPr>
+              <p:cNvPr id="52" name="ZoneTexte 51"/>
+              <p:cNvSpPr txBox="1">
+                <a:spLocks noRot="1" noChangeAspect="1" noMove="1" noResize="1" noEditPoints="1" noAdjustHandles="1" noChangeArrowheads="1" noChangeShapeType="1" noTextEdit="1"/>
+              </p:cNvSpPr>
+              <p:nvPr/>
+            </p:nvSpPr>
+            <p:spPr>
+              <a:xfrm>
+                <a:off x="2609630" y="5290868"/>
+                <a:ext cx="292067" cy="307777"/>
+              </a:xfrm>
+              <a:prstGeom prst="rect">
+                <a:avLst/>
+              </a:prstGeom>
+              <a:blipFill rotWithShape="0">
+                <a:blip r:embed="rId13"/>
+                <a:stretch>
+                  <a:fillRect/>
+                </a:stretch>
+              </a:blipFill>
+            </p:spPr>
+            <p:txBody>
+              <a:bodyPr/>
+              <a:lstStyle/>
+              <a:p>
+                <a:r>
+                  <a:rPr lang="fr-FR">
+                    <a:noFill/>
+                  </a:rPr>
+                  <a:t> </a:t>
+                </a:r>
+              </a:p>
+            </p:txBody>
+          </p:sp>
+        </mc:Fallback>
+      </mc:AlternateContent>
+      <mc:AlternateContent xmlns:mc="http://schemas.openxmlformats.org/markup-compatibility/2006">
+        <mc:Choice xmlns:a14="http://schemas.microsoft.com/office/drawing/2010/main" Requires="a14">
+          <p:sp>
+            <p:nvSpPr>
+              <p:cNvPr id="53" name="ZoneTexte 52"/>
+              <p:cNvSpPr txBox="1"/>
+              <p:nvPr/>
+            </p:nvSpPr>
+            <p:spPr>
+              <a:xfrm>
+                <a:off x="2021189" y="4973393"/>
+                <a:ext cx="335348" cy="307777"/>
+              </a:xfrm>
+              <a:prstGeom prst="rect">
+                <a:avLst/>
+              </a:prstGeom>
+              <a:noFill/>
+            </p:spPr>
+            <p:txBody>
+              <a:bodyPr wrap="none" rtlCol="0">
+                <a:spAutoFit/>
+              </a:bodyPr>
+              <a:lstStyle/>
+              <a:p>
+                <a:pPr/>
+                <a14:m>
+                  <m:oMathPara xmlns:m="http://schemas.openxmlformats.org/officeDocument/2006/math">
+                    <m:oMathParaPr>
+                      <m:jc m:val="centerGroup"/>
+                    </m:oMathParaPr>
+                    <m:oMath xmlns:m="http://schemas.openxmlformats.org/officeDocument/2006/math">
+                      <m:r>
+                        <a:rPr lang="fr-FR" sz="1400" b="1" i="1" smtClean="0">
+                          <a:latin typeface="Cambria Math" panose="02040503050406030204" pitchFamily="18" charset="0"/>
+                        </a:rPr>
+                        <m:t>𝒌</m:t>
+                      </m:r>
+                    </m:oMath>
+                  </m:oMathPara>
+                </a14:m>
+                <a:endParaRPr lang="fr-FR" sz="1400" b="1" dirty="0"/>
+              </a:p>
+            </p:txBody>
+          </p:sp>
+        </mc:Choice>
+        <mc:Fallback>
+          <p:sp>
+            <p:nvSpPr>
+              <p:cNvPr id="53" name="ZoneTexte 52"/>
+              <p:cNvSpPr txBox="1">
+                <a:spLocks noRot="1" noChangeAspect="1" noMove="1" noResize="1" noEditPoints="1" noAdjustHandles="1" noChangeArrowheads="1" noChangeShapeType="1" noTextEdit="1"/>
+              </p:cNvSpPr>
+              <p:nvPr/>
+            </p:nvSpPr>
+            <p:spPr>
+              <a:xfrm>
+                <a:off x="2021189" y="4973393"/>
+                <a:ext cx="335348" cy="307777"/>
+              </a:xfrm>
+              <a:prstGeom prst="rect">
+                <a:avLst/>
+              </a:prstGeom>
+              <a:blipFill rotWithShape="0">
+                <a:blip r:embed="rId14"/>
+                <a:stretch>
+                  <a:fillRect/>
+                </a:stretch>
+              </a:blipFill>
+            </p:spPr>
+            <p:txBody>
+              <a:bodyPr/>
+              <a:lstStyle/>
+              <a:p>
+                <a:r>
+                  <a:rPr lang="fr-FR">
+                    <a:noFill/>
+                  </a:rPr>
+                  <a:t> </a:t>
+                </a:r>
+              </a:p>
+            </p:txBody>
+          </p:sp>
+        </mc:Fallback>
+      </mc:AlternateContent>
+      <p:grpSp>
+        <p:nvGrpSpPr>
+          <p:cNvPr id="54" name="Groupe 53"/>
+          <p:cNvGrpSpPr/>
+          <p:nvPr/>
+        </p:nvGrpSpPr>
+        <p:grpSpPr>
+          <a:xfrm>
+            <a:off x="2118996" y="3958690"/>
+            <a:ext cx="2392083" cy="2007457"/>
+            <a:chOff x="1383630" y="3293822"/>
+            <a:chExt cx="2392083" cy="2007457"/>
+          </a:xfrm>
+        </p:grpSpPr>
+        <p:grpSp>
+          <p:nvGrpSpPr>
+            <p:cNvPr id="55" name="Groupe 54"/>
+            <p:cNvGrpSpPr/>
+            <p:nvPr/>
+          </p:nvGrpSpPr>
+          <p:grpSpPr>
+            <a:xfrm>
+              <a:off x="1546300" y="3293822"/>
+              <a:ext cx="2229413" cy="1802056"/>
+              <a:chOff x="1546300" y="3341447"/>
+              <a:chExt cx="2229413" cy="1802056"/>
+            </a:xfrm>
+          </p:grpSpPr>
+          <p:cxnSp>
+            <p:nvCxnSpPr>
+              <p:cNvPr id="58" name="Connecteur droit avec flèche 57"/>
+              <p:cNvCxnSpPr/>
+              <p:nvPr/>
+            </p:nvCxnSpPr>
+            <p:spPr>
+              <a:xfrm>
+                <a:off x="1546300" y="4991100"/>
+                <a:ext cx="2229413" cy="0"/>
+              </a:xfrm>
+              <a:prstGeom prst="straightConnector1">
+                <a:avLst/>
+              </a:prstGeom>
+              <a:ln w="28575">
+                <a:solidFill>
+                  <a:schemeClr val="tx1"/>
+                </a:solidFill>
+                <a:tailEnd type="triangle"/>
+              </a:ln>
+            </p:spPr>
+            <p:style>
+              <a:lnRef idx="1">
+                <a:schemeClr val="accent1"/>
+              </a:lnRef>
+              <a:fillRef idx="0">
+                <a:schemeClr val="accent1"/>
+              </a:fillRef>
+              <a:effectRef idx="0">
+                <a:schemeClr val="accent1"/>
+              </a:effectRef>
+              <a:fontRef idx="minor">
+                <a:schemeClr val="tx1"/>
+              </a:fontRef>
+            </p:style>
+          </p:cxnSp>
+          <p:cxnSp>
+            <p:nvCxnSpPr>
+              <p:cNvPr id="59" name="Connecteur droit avec flèche 58"/>
+              <p:cNvCxnSpPr/>
+              <p:nvPr/>
+            </p:nvCxnSpPr>
+            <p:spPr>
+              <a:xfrm flipV="1">
+                <a:off x="1698701" y="3341447"/>
+                <a:ext cx="14812" cy="1802056"/>
+              </a:xfrm>
+              <a:prstGeom prst="straightConnector1">
+                <a:avLst/>
+              </a:prstGeom>
+              <a:ln w="28575">
+                <a:solidFill>
+                  <a:schemeClr val="tx1"/>
+                </a:solidFill>
+                <a:tailEnd type="triangle"/>
+              </a:ln>
+            </p:spPr>
+            <p:style>
+              <a:lnRef idx="1">
+                <a:schemeClr val="accent1"/>
+              </a:lnRef>
+              <a:fillRef idx="0">
+                <a:schemeClr val="accent1"/>
+              </a:fillRef>
+              <a:effectRef idx="0">
+                <a:schemeClr val="accent1"/>
+              </a:effectRef>
+              <a:fontRef idx="minor">
+                <a:schemeClr val="tx1"/>
+              </a:fontRef>
+            </p:style>
+          </p:cxnSp>
+        </p:grpSp>
+        <p:cxnSp>
+          <p:nvCxnSpPr>
+            <p:cNvPr id="56" name="Connecteur droit avec flèche 55"/>
+            <p:cNvCxnSpPr/>
+            <p:nvPr/>
+          </p:nvCxnSpPr>
+          <p:spPr>
+            <a:xfrm flipV="1">
+              <a:off x="1696041" y="4356452"/>
+              <a:ext cx="2660" cy="944827"/>
+            </a:xfrm>
+            <a:prstGeom prst="straightConnector1">
+              <a:avLst/>
+            </a:prstGeom>
+            <a:ln w="28575">
+              <a:solidFill>
+                <a:schemeClr val="tx1"/>
+              </a:solidFill>
+              <a:tailEnd type="triangle" w="lg" len="lg"/>
+            </a:ln>
+          </p:spPr>
+          <p:style>
+            <a:lnRef idx="1">
+              <a:schemeClr val="accent1"/>
+            </a:lnRef>
+            <a:fillRef idx="0">
+              <a:schemeClr val="accent1"/>
+            </a:fillRef>
+            <a:effectRef idx="0">
+              <a:schemeClr val="accent1"/>
+            </a:effectRef>
+            <a:fontRef idx="minor">
+              <a:schemeClr val="tx1"/>
+            </a:fontRef>
+          </p:style>
+        </p:cxnSp>
+        <p:cxnSp>
+          <p:nvCxnSpPr>
+            <p:cNvPr id="57" name="Connecteur droit avec flèche 56"/>
+            <p:cNvCxnSpPr/>
+            <p:nvPr/>
+          </p:nvCxnSpPr>
+          <p:spPr>
+            <a:xfrm flipV="1">
+              <a:off x="1383630" y="4943475"/>
+              <a:ext cx="851437" cy="1"/>
+            </a:xfrm>
+            <a:prstGeom prst="straightConnector1">
+              <a:avLst/>
+            </a:prstGeom>
+            <a:ln w="28575">
+              <a:solidFill>
+                <a:schemeClr val="tx1"/>
+              </a:solidFill>
+              <a:tailEnd type="triangle" w="lg" len="lg"/>
+            </a:ln>
+          </p:spPr>
+          <p:style>
+            <a:lnRef idx="1">
+              <a:schemeClr val="accent1"/>
+            </a:lnRef>
+            <a:fillRef idx="0">
+              <a:schemeClr val="accent1"/>
+            </a:fillRef>
+            <a:effectRef idx="0">
+              <a:schemeClr val="accent1"/>
+            </a:effectRef>
+            <a:fontRef idx="minor">
+              <a:schemeClr val="tx1"/>
+            </a:fontRef>
+          </p:style>
+        </p:cxnSp>
+      </p:grpSp>
+      <p:cxnSp>
+        <p:nvCxnSpPr>
+          <p:cNvPr id="91" name="Connecteur droit 90"/>
+          <p:cNvCxnSpPr/>
+          <p:nvPr/>
+        </p:nvCxnSpPr>
+        <p:spPr>
+          <a:xfrm flipV="1">
+            <a:off x="4792310" y="2400300"/>
+            <a:ext cx="1755623" cy="2001340"/>
+          </a:xfrm>
+          <a:prstGeom prst="line">
+            <a:avLst/>
+          </a:prstGeom>
+          <a:ln w="28575">
+            <a:solidFill>
+              <a:schemeClr val="tx1"/>
+            </a:solidFill>
+            <a:prstDash val="sysDot"/>
+          </a:ln>
+        </p:spPr>
+        <p:style>
+          <a:lnRef idx="1">
+            <a:schemeClr val="accent1"/>
+          </a:lnRef>
+          <a:fillRef idx="0">
+            <a:schemeClr val="accent1"/>
+          </a:fillRef>
+          <a:effectRef idx="0">
+            <a:schemeClr val="accent1"/>
+          </a:effectRef>
+          <a:fontRef idx="minor">
+            <a:schemeClr val="tx1"/>
+          </a:fontRef>
+        </p:style>
+      </p:cxnSp>
+      <p:cxnSp>
+        <p:nvCxnSpPr>
+          <p:cNvPr id="99" name="Connecteur droit 98"/>
+          <p:cNvCxnSpPr/>
+          <p:nvPr/>
+        </p:nvCxnSpPr>
+        <p:spPr>
+          <a:xfrm flipV="1">
+            <a:off x="4801875" y="1016843"/>
+            <a:ext cx="1658616" cy="1890756"/>
+          </a:xfrm>
+          <a:prstGeom prst="line">
+            <a:avLst/>
+          </a:prstGeom>
+          <a:ln w="28575">
+            <a:solidFill>
+              <a:schemeClr val="tx1"/>
+            </a:solidFill>
+            <a:prstDash val="solid"/>
+          </a:ln>
+        </p:spPr>
+        <p:style>
+          <a:lnRef idx="1">
+            <a:schemeClr val="accent1"/>
+          </a:lnRef>
+          <a:fillRef idx="0">
+            <a:schemeClr val="accent1"/>
+          </a:fillRef>
+          <a:effectRef idx="0">
+            <a:schemeClr val="accent1"/>
+          </a:effectRef>
+          <a:fontRef idx="minor">
+            <a:schemeClr val="tx1"/>
+          </a:fontRef>
+        </p:style>
+      </p:cxnSp>
+      <p:cxnSp>
+        <p:nvCxnSpPr>
+          <p:cNvPr id="100" name="Connecteur droit 99"/>
+          <p:cNvCxnSpPr/>
+          <p:nvPr/>
+        </p:nvCxnSpPr>
+        <p:spPr>
+          <a:xfrm flipV="1">
+            <a:off x="6829352" y="1104900"/>
+            <a:ext cx="1562835" cy="1781570"/>
+          </a:xfrm>
+          <a:prstGeom prst="line">
+            <a:avLst/>
+          </a:prstGeom>
+          <a:ln w="28575">
+            <a:solidFill>
+              <a:schemeClr val="tx1"/>
+            </a:solidFill>
+            <a:prstDash val="solid"/>
+          </a:ln>
+        </p:spPr>
+        <p:style>
+          <a:lnRef idx="1">
+            <a:schemeClr val="accent1"/>
+          </a:lnRef>
+          <a:fillRef idx="0">
+            <a:schemeClr val="accent1"/>
+          </a:fillRef>
+          <a:effectRef idx="0">
+            <a:schemeClr val="accent1"/>
+          </a:effectRef>
+          <a:fontRef idx="minor">
+            <a:schemeClr val="tx1"/>
+          </a:fontRef>
+        </p:style>
+      </p:cxnSp>
+      <p:cxnSp>
+        <p:nvCxnSpPr>
+          <p:cNvPr id="101" name="Connecteur droit 100"/>
+          <p:cNvCxnSpPr/>
+          <p:nvPr/>
+        </p:nvCxnSpPr>
+        <p:spPr>
+          <a:xfrm flipV="1">
+            <a:off x="6809945" y="2610805"/>
+            <a:ext cx="1559865" cy="1793044"/>
+          </a:xfrm>
+          <a:prstGeom prst="line">
+            <a:avLst/>
+          </a:prstGeom>
+          <a:ln w="28575">
+            <a:solidFill>
+              <a:schemeClr val="tx1"/>
+            </a:solidFill>
+            <a:prstDash val="solid"/>
+          </a:ln>
+        </p:spPr>
+        <p:style>
+          <a:lnRef idx="1">
+            <a:schemeClr val="accent1"/>
+          </a:lnRef>
+          <a:fillRef idx="0">
+            <a:schemeClr val="accent1"/>
+          </a:fillRef>
+          <a:effectRef idx="0">
+            <a:schemeClr val="accent1"/>
+          </a:effectRef>
+          <a:fontRef idx="minor">
+            <a:schemeClr val="tx1"/>
+          </a:fontRef>
+        </p:style>
+      </p:cxnSp>
+      <p:cxnSp>
+        <p:nvCxnSpPr>
+          <p:cNvPr id="103" name="Connecteur droit 102"/>
+          <p:cNvCxnSpPr/>
+          <p:nvPr/>
+        </p:nvCxnSpPr>
+        <p:spPr>
+          <a:xfrm>
+            <a:off x="8153765" y="1163261"/>
+            <a:ext cx="0" cy="2346264"/>
+          </a:xfrm>
+          <a:prstGeom prst="line">
+            <a:avLst/>
+          </a:prstGeom>
+          <a:ln w="38100">
+            <a:solidFill>
+              <a:schemeClr val="tx1"/>
+            </a:solidFill>
+          </a:ln>
+        </p:spPr>
+        <p:style>
+          <a:lnRef idx="1">
+            <a:schemeClr val="accent1"/>
+          </a:lnRef>
+          <a:fillRef idx="0">
+            <a:schemeClr val="accent1"/>
+          </a:fillRef>
+          <a:effectRef idx="0">
+            <a:schemeClr val="accent1"/>
+          </a:effectRef>
+          <a:fontRef idx="minor">
+            <a:schemeClr val="tx1"/>
+          </a:fontRef>
+        </p:style>
+      </p:cxnSp>
+      <p:cxnSp>
+        <p:nvCxnSpPr>
+          <p:cNvPr id="111" name="Connecteur droit 110"/>
+          <p:cNvCxnSpPr/>
+          <p:nvPr/>
+        </p:nvCxnSpPr>
+        <p:spPr>
+          <a:xfrm>
+            <a:off x="5753100" y="1365521"/>
+            <a:ext cx="2715655" cy="0"/>
+          </a:xfrm>
+          <a:prstGeom prst="line">
+            <a:avLst/>
+          </a:prstGeom>
+          <a:ln w="28575">
+            <a:solidFill>
+              <a:schemeClr val="tx1"/>
+            </a:solidFill>
+          </a:ln>
+        </p:spPr>
+        <p:style>
+          <a:lnRef idx="1">
+            <a:schemeClr val="accent1"/>
+          </a:lnRef>
+          <a:fillRef idx="0">
+            <a:schemeClr val="accent1"/>
+          </a:fillRef>
+          <a:effectRef idx="0">
+            <a:schemeClr val="accent1"/>
+          </a:effectRef>
+          <a:fontRef idx="minor">
+            <a:schemeClr val="tx1"/>
+          </a:fontRef>
+        </p:style>
+      </p:cxnSp>
+      <p:cxnSp>
+        <p:nvCxnSpPr>
+          <p:cNvPr id="113" name="Connecteur droit 112"/>
+          <p:cNvCxnSpPr/>
+          <p:nvPr/>
+        </p:nvCxnSpPr>
+        <p:spPr>
+          <a:xfrm>
+            <a:off x="6188929" y="935650"/>
+            <a:ext cx="0" cy="2346264"/>
+          </a:xfrm>
+          <a:prstGeom prst="line">
+            <a:avLst/>
+          </a:prstGeom>
+          <a:ln w="28575">
+            <a:solidFill>
+              <a:schemeClr val="tx1"/>
+            </a:solidFill>
+            <a:prstDash val="sysDot"/>
+          </a:ln>
+        </p:spPr>
+        <p:style>
+          <a:lnRef idx="1">
+            <a:schemeClr val="accent1"/>
+          </a:lnRef>
+          <a:fillRef idx="0">
+            <a:schemeClr val="accent1"/>
+          </a:fillRef>
+          <a:effectRef idx="0">
+            <a:schemeClr val="accent1"/>
+          </a:effectRef>
+          <a:fontRef idx="minor">
+            <a:schemeClr val="tx1"/>
+          </a:fontRef>
+        </p:style>
+      </p:cxnSp>
+      <p:cxnSp>
+        <p:nvCxnSpPr>
+          <p:cNvPr id="121" name="Connecteur droit 120"/>
+          <p:cNvCxnSpPr/>
+          <p:nvPr/>
+        </p:nvCxnSpPr>
+        <p:spPr>
+          <a:xfrm>
+            <a:off x="5777146" y="2805528"/>
+            <a:ext cx="2601842" cy="0"/>
+          </a:xfrm>
+          <a:prstGeom prst="line">
+            <a:avLst/>
+          </a:prstGeom>
+          <a:ln w="28575">
+            <a:solidFill>
+              <a:schemeClr val="tx1"/>
+            </a:solidFill>
+            <a:prstDash val="sysDot"/>
+          </a:ln>
+        </p:spPr>
+        <p:style>
+          <a:lnRef idx="1">
+            <a:schemeClr val="accent1"/>
+          </a:lnRef>
+          <a:fillRef idx="0">
+            <a:schemeClr val="accent1"/>
+          </a:fillRef>
+          <a:effectRef idx="0">
+            <a:schemeClr val="accent1"/>
+          </a:effectRef>
+          <a:fontRef idx="minor">
+            <a:schemeClr val="tx1"/>
+          </a:fontRef>
+        </p:style>
+      </p:cxnSp>
+      <p:sp>
+        <p:nvSpPr>
+          <p:cNvPr id="127" name="Ellipse 126"/>
+          <p:cNvSpPr/>
+          <p:nvPr/>
+        </p:nvSpPr>
+        <p:spPr>
+          <a:xfrm>
+            <a:off x="6454029" y="1103072"/>
+            <a:ext cx="113015" cy="113015"/>
+          </a:xfrm>
+          <a:prstGeom prst="ellipse">
+            <a:avLst/>
+          </a:prstGeom>
+          <a:solidFill>
+            <a:schemeClr val="tx1"/>
+          </a:solidFill>
+          <a:ln>
+            <a:solidFill>
+              <a:schemeClr val="tx1"/>
+            </a:solidFill>
+          </a:ln>
+        </p:spPr>
+        <p:style>
+          <a:lnRef idx="2">
+            <a:schemeClr val="accent1">
+              <a:shade val="50000"/>
+            </a:schemeClr>
+          </a:lnRef>
+          <a:fillRef idx="1">
+            <a:schemeClr val="accent1"/>
+          </a:fillRef>
+          <a:effectRef idx="0">
+            <a:schemeClr val="accent1"/>
+          </a:effectRef>
+          <a:fontRef idx="minor">
+            <a:schemeClr val="lt1"/>
+          </a:fontRef>
+        </p:style>
+        <p:txBody>
+          <a:bodyPr rtlCol="0" anchor="ctr"/>
+          <a:lstStyle/>
+          <a:p>
+            <a:pPr algn="ctr"/>
+            <a:endParaRPr lang="fr-FR"/>
+          </a:p>
+        </p:txBody>
+      </p:sp>
+      <p:sp>
+        <p:nvSpPr>
+          <p:cNvPr id="128" name="Ellipse 127"/>
+          <p:cNvSpPr/>
+          <p:nvPr/>
+        </p:nvSpPr>
+        <p:spPr>
+          <a:xfrm>
+            <a:off x="6428864" y="4573129"/>
+            <a:ext cx="113015" cy="113015"/>
+          </a:xfrm>
+          <a:prstGeom prst="ellipse">
+            <a:avLst/>
+          </a:prstGeom>
+          <a:solidFill>
+            <a:schemeClr val="tx1"/>
+          </a:solidFill>
+          <a:ln>
+            <a:solidFill>
+              <a:schemeClr val="tx1"/>
+            </a:solidFill>
+          </a:ln>
+        </p:spPr>
+        <p:style>
+          <a:lnRef idx="2">
+            <a:schemeClr val="accent1">
+              <a:shade val="50000"/>
+            </a:schemeClr>
+          </a:lnRef>
+          <a:fillRef idx="1">
+            <a:schemeClr val="accent1"/>
+          </a:fillRef>
+          <a:effectRef idx="0">
+            <a:schemeClr val="accent1"/>
+          </a:effectRef>
+          <a:fontRef idx="minor">
+            <a:schemeClr val="lt1"/>
+          </a:fontRef>
+        </p:style>
+        <p:txBody>
+          <a:bodyPr rtlCol="0" anchor="ctr"/>
+          <a:lstStyle/>
+          <a:p>
+            <a:pPr algn="ctr"/>
+            <a:endParaRPr lang="fr-FR"/>
+          </a:p>
+        </p:txBody>
+      </p:sp>
+      <p:cxnSp>
+        <p:nvCxnSpPr>
+          <p:cNvPr id="130" name="Connecteur droit avec flèche 129"/>
+          <p:cNvCxnSpPr/>
+          <p:nvPr/>
+        </p:nvCxnSpPr>
+        <p:spPr>
+          <a:xfrm flipV="1">
+            <a:off x="7084537" y="3271690"/>
+            <a:ext cx="1037338" cy="1188662"/>
+          </a:xfrm>
+          <a:prstGeom prst="straightConnector1">
+            <a:avLst/>
+          </a:prstGeom>
+          <a:ln>
+            <a:solidFill>
+              <a:schemeClr val="tx1"/>
+            </a:solidFill>
+            <a:headEnd type="triangle"/>
+            <a:tailEnd type="triangle"/>
+          </a:ln>
+        </p:spPr>
+        <p:style>
+          <a:lnRef idx="1">
+            <a:schemeClr val="accent1"/>
+          </a:lnRef>
+          <a:fillRef idx="0">
+            <a:schemeClr val="accent1"/>
+          </a:fillRef>
+          <a:effectRef idx="0">
+            <a:schemeClr val="accent1"/>
+          </a:effectRef>
+          <a:fontRef idx="minor">
+            <a:schemeClr val="tx1"/>
+          </a:fontRef>
+        </p:style>
+      </p:cxnSp>
+      <mc:AlternateContent xmlns:mc="http://schemas.openxmlformats.org/markup-compatibility/2006">
+        <mc:Choice xmlns:a14="http://schemas.microsoft.com/office/drawing/2010/main" Requires="a14">
+          <p:sp>
+            <p:nvSpPr>
+              <p:cNvPr id="136" name="ZoneTexte 135"/>
+              <p:cNvSpPr txBox="1"/>
+              <p:nvPr/>
+            </p:nvSpPr>
+            <p:spPr>
+              <a:xfrm>
+                <a:off x="7519441" y="3790443"/>
+                <a:ext cx="439544" cy="307777"/>
+              </a:xfrm>
+              <a:prstGeom prst="rect">
+                <a:avLst/>
+              </a:prstGeom>
+              <a:noFill/>
+            </p:spPr>
+            <p:txBody>
+              <a:bodyPr wrap="none" rtlCol="0">
+                <a:spAutoFit/>
+              </a:bodyPr>
+              <a:lstStyle/>
+              <a:p>
+                <a:pPr/>
+                <a14:m>
+                  <m:oMathPara xmlns:m="http://schemas.openxmlformats.org/officeDocument/2006/math">
+                    <m:oMathParaPr>
+                      <m:jc m:val="centerGroup"/>
+                    </m:oMathParaPr>
+                    <m:oMath xmlns:m="http://schemas.openxmlformats.org/officeDocument/2006/math">
+                      <m:r>
+                        <a:rPr lang="fr-FR" sz="1400" b="1" i="1" smtClean="0">
+                          <a:latin typeface="Cambria Math" panose="02040503050406030204" pitchFamily="18" charset="0"/>
+                          <a:ea typeface="Cambria Math" panose="02040503050406030204" pitchFamily="18" charset="0"/>
+                        </a:rPr>
+                        <m:t>∆</m:t>
+                      </m:r>
+                      <m:r>
+                        <a:rPr lang="fr-FR" sz="1400" b="1" i="1" smtClean="0">
+                          <a:latin typeface="Cambria Math" panose="02040503050406030204" pitchFamily="18" charset="0"/>
+                          <a:ea typeface="Cambria Math" panose="02040503050406030204" pitchFamily="18" charset="0"/>
+                        </a:rPr>
+                        <m:t>𝒚</m:t>
+                      </m:r>
+                    </m:oMath>
+                  </m:oMathPara>
+                </a14:m>
+                <a:endParaRPr lang="fr-FR" sz="1400" b="1" dirty="0"/>
+              </a:p>
+            </p:txBody>
+          </p:sp>
+        </mc:Choice>
+        <mc:Fallback>
+          <p:sp>
+            <p:nvSpPr>
+              <p:cNvPr id="136" name="ZoneTexte 135"/>
+              <p:cNvSpPr txBox="1">
+                <a:spLocks noRot="1" noChangeAspect="1" noMove="1" noResize="1" noEditPoints="1" noAdjustHandles="1" noChangeArrowheads="1" noChangeShapeType="1" noTextEdit="1"/>
+              </p:cNvSpPr>
+              <p:nvPr/>
+            </p:nvSpPr>
+            <p:spPr>
+              <a:xfrm>
+                <a:off x="7519441" y="3790443"/>
+                <a:ext cx="439544" cy="307777"/>
+              </a:xfrm>
+              <a:prstGeom prst="rect">
+                <a:avLst/>
+              </a:prstGeom>
+              <a:blipFill rotWithShape="0">
+                <a:blip r:embed="rId15"/>
+                <a:stretch>
+                  <a:fillRect b="-2000"/>
+                </a:stretch>
+              </a:blipFill>
+            </p:spPr>
+            <p:txBody>
+              <a:bodyPr/>
+              <a:lstStyle/>
+              <a:p>
+                <a:r>
+                  <a:rPr lang="fr-FR">
+                    <a:noFill/>
+                  </a:rPr>
+                  <a:t> </a:t>
+                </a:r>
+              </a:p>
+            </p:txBody>
+          </p:sp>
+        </mc:Fallback>
+      </mc:AlternateContent>
+      <p:sp>
+        <p:nvSpPr>
+          <p:cNvPr id="137" name="Ellipse 136"/>
+          <p:cNvSpPr/>
+          <p:nvPr/>
+        </p:nvSpPr>
+        <p:spPr>
+          <a:xfrm>
+            <a:off x="8770716" y="2851091"/>
+            <a:ext cx="113015" cy="113015"/>
+          </a:xfrm>
+          <a:prstGeom prst="ellipse">
+            <a:avLst/>
+          </a:prstGeom>
+          <a:solidFill>
+            <a:schemeClr val="tx1"/>
+          </a:solidFill>
+          <a:ln>
+            <a:solidFill>
+              <a:schemeClr val="tx1"/>
+            </a:solidFill>
+          </a:ln>
+        </p:spPr>
+        <p:style>
+          <a:lnRef idx="2">
+            <a:schemeClr val="accent1">
+              <a:shade val="50000"/>
+            </a:schemeClr>
+          </a:lnRef>
+          <a:fillRef idx="1">
+            <a:schemeClr val="accent1"/>
+          </a:fillRef>
+          <a:effectRef idx="0">
+            <a:schemeClr val="accent1"/>
+          </a:effectRef>
+          <a:fontRef idx="minor">
+            <a:schemeClr val="lt1"/>
+          </a:fontRef>
+        </p:style>
+        <p:txBody>
+          <a:bodyPr rtlCol="0" anchor="ctr"/>
+          <a:lstStyle/>
+          <a:p>
+            <a:pPr algn="ctr"/>
+            <a:endParaRPr lang="fr-FR"/>
+          </a:p>
+        </p:txBody>
+      </p:sp>
+      <p:sp>
+        <p:nvSpPr>
+          <p:cNvPr id="138" name="Ellipse 137"/>
+          <p:cNvSpPr/>
+          <p:nvPr/>
+        </p:nvSpPr>
+        <p:spPr>
+          <a:xfrm>
+            <a:off x="5622468" y="3843728"/>
+            <a:ext cx="113015" cy="113015"/>
+          </a:xfrm>
+          <a:prstGeom prst="ellipse">
+            <a:avLst/>
+          </a:prstGeom>
+          <a:solidFill>
+            <a:schemeClr val="tx1"/>
+          </a:solidFill>
+          <a:ln>
+            <a:solidFill>
+              <a:schemeClr val="tx1"/>
+            </a:solidFill>
+          </a:ln>
+        </p:spPr>
+        <p:style>
+          <a:lnRef idx="2">
+            <a:schemeClr val="accent1">
+              <a:shade val="50000"/>
+            </a:schemeClr>
+          </a:lnRef>
+          <a:fillRef idx="1">
+            <a:schemeClr val="accent1"/>
+          </a:fillRef>
+          <a:effectRef idx="0">
+            <a:schemeClr val="accent1"/>
+          </a:effectRef>
+          <a:fontRef idx="minor">
+            <a:schemeClr val="lt1"/>
+          </a:fontRef>
+        </p:style>
+        <p:txBody>
+          <a:bodyPr rtlCol="0" anchor="ctr"/>
+          <a:lstStyle/>
+          <a:p>
+            <a:pPr algn="ctr"/>
+            <a:endParaRPr lang="fr-FR"/>
+          </a:p>
+        </p:txBody>
+      </p:sp>
+      <p:sp>
+        <p:nvSpPr>
+          <p:cNvPr id="139" name="Ellipse 138"/>
+          <p:cNvSpPr/>
+          <p:nvPr/>
+        </p:nvSpPr>
+        <p:spPr>
+          <a:xfrm>
+            <a:off x="7315654" y="1865170"/>
+            <a:ext cx="113015" cy="113015"/>
+          </a:xfrm>
+          <a:prstGeom prst="ellipse">
+            <a:avLst/>
+          </a:prstGeom>
+          <a:solidFill>
+            <a:schemeClr val="tx1"/>
+          </a:solidFill>
+          <a:ln>
+            <a:solidFill>
+              <a:schemeClr val="tx1"/>
+            </a:solidFill>
+          </a:ln>
+        </p:spPr>
+        <p:style>
+          <a:lnRef idx="2">
+            <a:schemeClr val="accent1">
+              <a:shade val="50000"/>
+            </a:schemeClr>
+          </a:lnRef>
+          <a:fillRef idx="1">
+            <a:schemeClr val="accent1"/>
+          </a:fillRef>
+          <a:effectRef idx="0">
+            <a:schemeClr val="accent1"/>
+          </a:effectRef>
+          <a:fontRef idx="minor">
+            <a:schemeClr val="lt1"/>
+          </a:fontRef>
+        </p:style>
+        <p:txBody>
+          <a:bodyPr rtlCol="0" anchor="ctr"/>
+          <a:lstStyle/>
+          <a:p>
+            <a:pPr algn="ctr"/>
+            <a:endParaRPr lang="fr-FR"/>
+          </a:p>
+        </p:txBody>
+      </p:sp>
+      <p:sp>
+        <p:nvSpPr>
+          <p:cNvPr id="140" name="Ellipse 139"/>
+          <p:cNvSpPr/>
+          <p:nvPr/>
+        </p:nvSpPr>
+        <p:spPr>
+          <a:xfrm>
+            <a:off x="4624118" y="2907598"/>
+            <a:ext cx="113015" cy="113015"/>
+          </a:xfrm>
+          <a:prstGeom prst="ellipse">
+            <a:avLst/>
+          </a:prstGeom>
+          <a:solidFill>
+            <a:schemeClr val="tx1"/>
+          </a:solidFill>
+          <a:ln>
+            <a:solidFill>
+              <a:schemeClr val="tx1"/>
+            </a:solidFill>
+          </a:ln>
+        </p:spPr>
+        <p:style>
+          <a:lnRef idx="2">
+            <a:schemeClr val="accent1">
+              <a:shade val="50000"/>
+            </a:schemeClr>
+          </a:lnRef>
+          <a:fillRef idx="1">
+            <a:schemeClr val="accent1"/>
+          </a:fillRef>
+          <a:effectRef idx="0">
+            <a:schemeClr val="accent1"/>
+          </a:effectRef>
+          <a:fontRef idx="minor">
+            <a:schemeClr val="lt1"/>
+          </a:fontRef>
+        </p:style>
+        <p:txBody>
+          <a:bodyPr rtlCol="0" anchor="ctr"/>
+          <a:lstStyle/>
+          <a:p>
+            <a:pPr algn="ctr"/>
+            <a:endParaRPr lang="fr-FR"/>
+          </a:p>
+        </p:txBody>
+      </p:sp>
+      <p:cxnSp>
+        <p:nvCxnSpPr>
+          <p:cNvPr id="142" name="Connecteur droit 141"/>
+          <p:cNvCxnSpPr/>
+          <p:nvPr/>
+        </p:nvCxnSpPr>
+        <p:spPr>
+          <a:xfrm flipH="1">
+            <a:off x="5313864" y="1648496"/>
+            <a:ext cx="2296905" cy="2657967"/>
+          </a:xfrm>
+          <a:prstGeom prst="line">
+            <a:avLst/>
+          </a:prstGeom>
+        </p:spPr>
+        <p:style>
+          <a:lnRef idx="1">
+            <a:schemeClr val="accent1"/>
+          </a:lnRef>
+          <a:fillRef idx="0">
+            <a:schemeClr val="accent1"/>
+          </a:fillRef>
+          <a:effectRef idx="0">
+            <a:schemeClr val="accent1"/>
+          </a:effectRef>
+          <a:fontRef idx="minor">
+            <a:schemeClr val="tx1"/>
+          </a:fontRef>
+        </p:style>
+      </p:cxnSp>
+      <p:cxnSp>
+        <p:nvCxnSpPr>
+          <p:cNvPr id="145" name="Connecteur droit 144"/>
+          <p:cNvCxnSpPr/>
+          <p:nvPr/>
+        </p:nvCxnSpPr>
+        <p:spPr>
+          <a:xfrm flipH="1">
+            <a:off x="4229673" y="2909089"/>
+            <a:ext cx="4891467" cy="49307"/>
+          </a:xfrm>
+          <a:prstGeom prst="line">
+            <a:avLst/>
+          </a:prstGeom>
+        </p:spPr>
+        <p:style>
+          <a:lnRef idx="1">
+            <a:schemeClr val="accent1"/>
+          </a:lnRef>
+          <a:fillRef idx="0">
+            <a:schemeClr val="accent1"/>
+          </a:fillRef>
+          <a:effectRef idx="0">
+            <a:schemeClr val="accent1"/>
+          </a:effectRef>
+          <a:fontRef idx="minor">
+            <a:schemeClr val="tx1"/>
+          </a:fontRef>
+        </p:style>
+      </p:cxnSp>
+      <p:cxnSp>
+        <p:nvCxnSpPr>
+          <p:cNvPr id="151" name="Connecteur droit 150"/>
+          <p:cNvCxnSpPr/>
+          <p:nvPr/>
+        </p:nvCxnSpPr>
+        <p:spPr>
+          <a:xfrm flipV="1">
+            <a:off x="6488063" y="935651"/>
+            <a:ext cx="21168" cy="3818410"/>
+          </a:xfrm>
+          <a:prstGeom prst="line">
+            <a:avLst/>
+          </a:prstGeom>
+        </p:spPr>
+        <p:style>
+          <a:lnRef idx="1">
+            <a:schemeClr val="accent1"/>
+          </a:lnRef>
+          <a:fillRef idx="0">
+            <a:schemeClr val="accent1"/>
+          </a:fillRef>
+          <a:effectRef idx="0">
+            <a:schemeClr val="accent1"/>
+          </a:effectRef>
+          <a:fontRef idx="minor">
+            <a:schemeClr val="tx1"/>
+          </a:fontRef>
+        </p:style>
+      </p:cxnSp>
+      <mc:AlternateContent xmlns:mc="http://schemas.openxmlformats.org/markup-compatibility/2006">
+        <mc:Choice xmlns:a14="http://schemas.microsoft.com/office/drawing/2010/main" Requires="a14">
+          <p:sp>
+            <p:nvSpPr>
+              <p:cNvPr id="155" name="ZoneTexte 154"/>
+              <p:cNvSpPr txBox="1"/>
+              <p:nvPr/>
+            </p:nvSpPr>
+            <p:spPr>
+              <a:xfrm>
+                <a:off x="8797613" y="2939396"/>
+                <a:ext cx="341760" cy="307777"/>
+              </a:xfrm>
+              <a:prstGeom prst="rect">
+                <a:avLst/>
+              </a:prstGeom>
+              <a:noFill/>
+            </p:spPr>
+            <p:txBody>
+              <a:bodyPr wrap="none" rtlCol="0">
+                <a:spAutoFit/>
+              </a:bodyPr>
+              <a:lstStyle/>
+              <a:p>
+                <a14:m>
+                  <m:oMathPara xmlns:m="http://schemas.openxmlformats.org/officeDocument/2006/math">
+                    <m:oMathParaPr>
+                      <m:jc m:val="centerGroup"/>
+                    </m:oMathParaPr>
+                    <m:oMath xmlns:m="http://schemas.openxmlformats.org/officeDocument/2006/math">
+                      <m:r>
+                        <a:rPr lang="fr-FR" sz="1400" b="1" i="1" dirty="0" smtClean="0">
+                          <a:latin typeface="Cambria Math" panose="02040503050406030204" pitchFamily="18" charset="0"/>
+                        </a:rPr>
+                        <m:t>𝑬</m:t>
+                      </m:r>
+                    </m:oMath>
+                  </m:oMathPara>
+                </a14:m>
+                <a:endParaRPr lang="fr-FR" sz="1400" b="1" dirty="0"/>
+              </a:p>
+            </p:txBody>
+          </p:sp>
+        </mc:Choice>
+        <mc:Fallback>
+          <p:sp>
+            <p:nvSpPr>
+              <p:cNvPr id="155" name="ZoneTexte 154"/>
+              <p:cNvSpPr txBox="1">
+                <a:spLocks noRot="1" noChangeAspect="1" noMove="1" noResize="1" noEditPoints="1" noAdjustHandles="1" noChangeArrowheads="1" noChangeShapeType="1" noTextEdit="1"/>
+              </p:cNvSpPr>
+              <p:nvPr/>
+            </p:nvSpPr>
+            <p:spPr>
+              <a:xfrm>
+                <a:off x="8797613" y="2939396"/>
+                <a:ext cx="341760" cy="307777"/>
+              </a:xfrm>
+              <a:prstGeom prst="rect">
+                <a:avLst/>
+              </a:prstGeom>
+              <a:blipFill rotWithShape="0">
+                <a:blip r:embed="rId16"/>
+                <a:stretch>
+                  <a:fillRect/>
+                </a:stretch>
+              </a:blipFill>
+            </p:spPr>
+            <p:txBody>
+              <a:bodyPr/>
+              <a:lstStyle/>
+              <a:p>
+                <a:r>
+                  <a:rPr lang="fr-FR">
+                    <a:noFill/>
+                  </a:rPr>
+                  <a:t> </a:t>
+                </a:r>
+              </a:p>
+            </p:txBody>
+          </p:sp>
+        </mc:Fallback>
+      </mc:AlternateContent>
+      <mc:AlternateContent xmlns:mc="http://schemas.openxmlformats.org/markup-compatibility/2006">
+        <mc:Choice xmlns:a14="http://schemas.microsoft.com/office/drawing/2010/main" Requires="a14">
+          <p:sp>
+            <p:nvSpPr>
+              <p:cNvPr id="156" name="ZoneTexte 155"/>
+              <p:cNvSpPr txBox="1"/>
+              <p:nvPr/>
+            </p:nvSpPr>
+            <p:spPr>
+              <a:xfrm>
+                <a:off x="6503088" y="4603028"/>
+                <a:ext cx="354584" cy="307777"/>
+              </a:xfrm>
+              <a:prstGeom prst="rect">
+                <a:avLst/>
+              </a:prstGeom>
+              <a:noFill/>
+            </p:spPr>
+            <p:txBody>
+              <a:bodyPr wrap="none" rtlCol="0">
+                <a:spAutoFit/>
+              </a:bodyPr>
+              <a:lstStyle/>
+              <a:p>
+                <a14:m>
+                  <m:oMathPara xmlns:m="http://schemas.openxmlformats.org/officeDocument/2006/math">
+                    <m:oMathParaPr>
+                      <m:jc m:val="centerGroup"/>
+                    </m:oMathParaPr>
+                    <m:oMath xmlns:m="http://schemas.openxmlformats.org/officeDocument/2006/math">
+                      <m:r>
+                        <a:rPr lang="fr-FR" sz="1400" b="1" i="1" dirty="0" smtClean="0">
+                          <a:latin typeface="Cambria Math" panose="02040503050406030204" pitchFamily="18" charset="0"/>
+                        </a:rPr>
+                        <m:t>𝑩</m:t>
+                      </m:r>
+                    </m:oMath>
+                  </m:oMathPara>
+                </a14:m>
+                <a:endParaRPr lang="fr-FR" sz="1400" b="1" dirty="0"/>
+              </a:p>
+            </p:txBody>
+          </p:sp>
+        </mc:Choice>
+        <mc:Fallback>
+          <p:sp>
+            <p:nvSpPr>
+              <p:cNvPr id="156" name="ZoneTexte 155"/>
+              <p:cNvSpPr txBox="1">
+                <a:spLocks noRot="1" noChangeAspect="1" noMove="1" noResize="1" noEditPoints="1" noAdjustHandles="1" noChangeArrowheads="1" noChangeShapeType="1" noTextEdit="1"/>
+              </p:cNvSpPr>
+              <p:nvPr/>
+            </p:nvSpPr>
+            <p:spPr>
+              <a:xfrm>
+                <a:off x="6503088" y="4603028"/>
+                <a:ext cx="354584" cy="307777"/>
+              </a:xfrm>
+              <a:prstGeom prst="rect">
+                <a:avLst/>
+              </a:prstGeom>
+              <a:blipFill rotWithShape="0">
+                <a:blip r:embed="rId17"/>
+                <a:stretch>
+                  <a:fillRect/>
+                </a:stretch>
+              </a:blipFill>
+            </p:spPr>
+            <p:txBody>
+              <a:bodyPr/>
+              <a:lstStyle/>
+              <a:p>
+                <a:r>
+                  <a:rPr lang="fr-FR">
+                    <a:noFill/>
+                  </a:rPr>
+                  <a:t> </a:t>
+                </a:r>
+              </a:p>
+            </p:txBody>
+          </p:sp>
+        </mc:Fallback>
+      </mc:AlternateContent>
+      <mc:AlternateContent xmlns:mc="http://schemas.openxmlformats.org/markup-compatibility/2006">
+        <mc:Choice xmlns:a14="http://schemas.microsoft.com/office/drawing/2010/main" Requires="a14">
+          <p:sp>
+            <p:nvSpPr>
+              <p:cNvPr id="157" name="ZoneTexte 156"/>
+              <p:cNvSpPr txBox="1"/>
+              <p:nvPr/>
+            </p:nvSpPr>
+            <p:spPr>
+              <a:xfrm>
+                <a:off x="6512968" y="872102"/>
+                <a:ext cx="336952" cy="307777"/>
+              </a:xfrm>
+              <a:prstGeom prst="rect">
+                <a:avLst/>
+              </a:prstGeom>
+              <a:noFill/>
+            </p:spPr>
+            <p:txBody>
+              <a:bodyPr wrap="none" rtlCol="0">
+                <a:spAutoFit/>
+              </a:bodyPr>
+              <a:lstStyle/>
+              <a:p>
+                <a14:m>
+                  <m:oMathPara xmlns:m="http://schemas.openxmlformats.org/officeDocument/2006/math">
+                    <m:oMathParaPr>
+                      <m:jc m:val="centerGroup"/>
+                    </m:oMathParaPr>
+                    <m:oMath xmlns:m="http://schemas.openxmlformats.org/officeDocument/2006/math">
+                      <m:r>
+                        <a:rPr lang="fr-FR" sz="1400" b="1" i="1" dirty="0" smtClean="0">
+                          <a:latin typeface="Cambria Math" panose="02040503050406030204" pitchFamily="18" charset="0"/>
+                        </a:rPr>
+                        <m:t>𝑻</m:t>
+                      </m:r>
+                    </m:oMath>
+                  </m:oMathPara>
+                </a14:m>
+                <a:endParaRPr lang="fr-FR" sz="1400" b="1" dirty="0"/>
+              </a:p>
+            </p:txBody>
+          </p:sp>
+        </mc:Choice>
+        <mc:Fallback>
+          <p:sp>
+            <p:nvSpPr>
+              <p:cNvPr id="157" name="ZoneTexte 156"/>
+              <p:cNvSpPr txBox="1">
+                <a:spLocks noRot="1" noChangeAspect="1" noMove="1" noResize="1" noEditPoints="1" noAdjustHandles="1" noChangeArrowheads="1" noChangeShapeType="1" noTextEdit="1"/>
+              </p:cNvSpPr>
+              <p:nvPr/>
+            </p:nvSpPr>
+            <p:spPr>
+              <a:xfrm>
+                <a:off x="6512968" y="872102"/>
+                <a:ext cx="336952" cy="307777"/>
+              </a:xfrm>
+              <a:prstGeom prst="rect">
+                <a:avLst/>
+              </a:prstGeom>
+              <a:blipFill rotWithShape="0">
+                <a:blip r:embed="rId18"/>
+                <a:stretch>
+                  <a:fillRect/>
+                </a:stretch>
+              </a:blipFill>
+            </p:spPr>
+            <p:txBody>
+              <a:bodyPr/>
+              <a:lstStyle/>
+              <a:p>
+                <a:r>
+                  <a:rPr lang="fr-FR">
+                    <a:noFill/>
+                  </a:rPr>
+                  <a:t> </a:t>
+                </a:r>
+              </a:p>
+            </p:txBody>
+          </p:sp>
+        </mc:Fallback>
+      </mc:AlternateContent>
+      <mc:AlternateContent xmlns:mc="http://schemas.openxmlformats.org/markup-compatibility/2006">
+        <mc:Choice xmlns:a14="http://schemas.microsoft.com/office/drawing/2010/main" Requires="a14">
+          <p:sp>
+            <p:nvSpPr>
+              <p:cNvPr id="158" name="ZoneTexte 157"/>
+              <p:cNvSpPr txBox="1"/>
+              <p:nvPr/>
+            </p:nvSpPr>
+            <p:spPr>
+              <a:xfrm>
+                <a:off x="7192819" y="1544770"/>
+                <a:ext cx="360996" cy="307777"/>
+              </a:xfrm>
+              <a:prstGeom prst="rect">
+                <a:avLst/>
+              </a:prstGeom>
+              <a:noFill/>
+            </p:spPr>
+            <p:txBody>
+              <a:bodyPr wrap="none" rtlCol="0">
+                <a:spAutoFit/>
+              </a:bodyPr>
+              <a:lstStyle/>
+              <a:p>
+                <a14:m>
+                  <m:oMathPara xmlns:m="http://schemas.openxmlformats.org/officeDocument/2006/math">
+                    <m:oMathParaPr>
+                      <m:jc m:val="centerGroup"/>
+                    </m:oMathParaPr>
+                    <m:oMath xmlns:m="http://schemas.openxmlformats.org/officeDocument/2006/math">
+                      <m:r>
+                        <a:rPr lang="fr-FR" sz="1400" b="1" i="1" dirty="0" smtClean="0">
+                          <a:latin typeface="Cambria Math" panose="02040503050406030204" pitchFamily="18" charset="0"/>
+                        </a:rPr>
+                        <m:t>𝑵</m:t>
+                      </m:r>
+                    </m:oMath>
+                  </m:oMathPara>
+                </a14:m>
+                <a:endParaRPr lang="fr-FR" sz="1400" b="1" dirty="0"/>
+              </a:p>
+            </p:txBody>
+          </p:sp>
+        </mc:Choice>
+        <mc:Fallback>
+          <p:sp>
+            <p:nvSpPr>
+              <p:cNvPr id="158" name="ZoneTexte 157"/>
+              <p:cNvSpPr txBox="1">
+                <a:spLocks noRot="1" noChangeAspect="1" noMove="1" noResize="1" noEditPoints="1" noAdjustHandles="1" noChangeArrowheads="1" noChangeShapeType="1" noTextEdit="1"/>
+              </p:cNvSpPr>
+              <p:nvPr/>
+            </p:nvSpPr>
+            <p:spPr>
+              <a:xfrm>
+                <a:off x="7192819" y="1544770"/>
+                <a:ext cx="360996" cy="307777"/>
+              </a:xfrm>
+              <a:prstGeom prst="rect">
+                <a:avLst/>
+              </a:prstGeom>
+              <a:blipFill rotWithShape="0">
+                <a:blip r:embed="rId19"/>
+                <a:stretch>
+                  <a:fillRect/>
+                </a:stretch>
+              </a:blipFill>
+            </p:spPr>
+            <p:txBody>
+              <a:bodyPr/>
+              <a:lstStyle/>
+              <a:p>
+                <a:r>
+                  <a:rPr lang="fr-FR">
+                    <a:noFill/>
+                  </a:rPr>
+                  <a:t> </a:t>
+                </a:r>
+              </a:p>
+            </p:txBody>
+          </p:sp>
+        </mc:Fallback>
+      </mc:AlternateContent>
+      <mc:AlternateContent xmlns:mc="http://schemas.openxmlformats.org/markup-compatibility/2006">
+        <mc:Choice xmlns:a14="http://schemas.microsoft.com/office/drawing/2010/main" Requires="a14">
+          <p:sp>
+            <p:nvSpPr>
+              <p:cNvPr id="159" name="ZoneTexte 158"/>
+              <p:cNvSpPr txBox="1"/>
+              <p:nvPr/>
+            </p:nvSpPr>
+            <p:spPr>
+              <a:xfrm>
+                <a:off x="5354885" y="3693973"/>
+                <a:ext cx="327334" cy="307777"/>
+              </a:xfrm>
+              <a:prstGeom prst="rect">
+                <a:avLst/>
+              </a:prstGeom>
+              <a:noFill/>
+            </p:spPr>
+            <p:txBody>
+              <a:bodyPr wrap="none" rtlCol="0">
+                <a:spAutoFit/>
+              </a:bodyPr>
+              <a:lstStyle/>
+              <a:p>
+                <a14:m>
+                  <m:oMathPara xmlns:m="http://schemas.openxmlformats.org/officeDocument/2006/math">
+                    <m:oMathParaPr>
+                      <m:jc m:val="centerGroup"/>
+                    </m:oMathParaPr>
+                    <m:oMath xmlns:m="http://schemas.openxmlformats.org/officeDocument/2006/math">
+                      <m:r>
+                        <a:rPr lang="fr-FR" sz="1400" b="1" i="1" dirty="0" smtClean="0">
+                          <a:latin typeface="Cambria Math" panose="02040503050406030204" pitchFamily="18" charset="0"/>
+                        </a:rPr>
+                        <m:t>𝑺</m:t>
+                      </m:r>
+                    </m:oMath>
+                  </m:oMathPara>
+                </a14:m>
+                <a:endParaRPr lang="fr-FR" sz="1400" b="1" dirty="0"/>
+              </a:p>
+            </p:txBody>
+          </p:sp>
+        </mc:Choice>
+        <mc:Fallback>
+          <p:sp>
+            <p:nvSpPr>
+              <p:cNvPr id="159" name="ZoneTexte 158"/>
+              <p:cNvSpPr txBox="1">
+                <a:spLocks noRot="1" noChangeAspect="1" noMove="1" noResize="1" noEditPoints="1" noAdjustHandles="1" noChangeArrowheads="1" noChangeShapeType="1" noTextEdit="1"/>
+              </p:cNvSpPr>
+              <p:nvPr/>
+            </p:nvSpPr>
+            <p:spPr>
+              <a:xfrm>
+                <a:off x="5354885" y="3693973"/>
+                <a:ext cx="327334" cy="307777"/>
+              </a:xfrm>
+              <a:prstGeom prst="rect">
+                <a:avLst/>
+              </a:prstGeom>
+              <a:blipFill rotWithShape="0">
+                <a:blip r:embed="rId20"/>
+                <a:stretch>
+                  <a:fillRect/>
+                </a:stretch>
+              </a:blipFill>
+            </p:spPr>
+            <p:txBody>
+              <a:bodyPr/>
+              <a:lstStyle/>
+              <a:p>
+                <a:r>
+                  <a:rPr lang="fr-FR">
+                    <a:noFill/>
+                  </a:rPr>
+                  <a:t> </a:t>
+                </a:r>
+              </a:p>
+            </p:txBody>
+          </p:sp>
+        </mc:Fallback>
+      </mc:AlternateContent>
+      <mc:AlternateContent xmlns:mc="http://schemas.openxmlformats.org/markup-compatibility/2006">
+        <mc:Choice xmlns:a14="http://schemas.microsoft.com/office/drawing/2010/main" Requires="a14">
+          <p:sp>
+            <p:nvSpPr>
+              <p:cNvPr id="160" name="ZoneTexte 159"/>
+              <p:cNvSpPr txBox="1"/>
+              <p:nvPr/>
+            </p:nvSpPr>
+            <p:spPr>
+              <a:xfrm>
+                <a:off x="4428797" y="2991739"/>
+                <a:ext cx="401071" cy="307777"/>
+              </a:xfrm>
+              <a:prstGeom prst="rect">
+                <a:avLst/>
+              </a:prstGeom>
+              <a:noFill/>
+            </p:spPr>
+            <p:txBody>
+              <a:bodyPr wrap="none" rtlCol="0">
+                <a:spAutoFit/>
+              </a:bodyPr>
+              <a:lstStyle/>
+              <a:p>
+                <a14:m>
+                  <m:oMathPara xmlns:m="http://schemas.openxmlformats.org/officeDocument/2006/math">
+                    <m:oMathParaPr>
+                      <m:jc m:val="centerGroup"/>
+                    </m:oMathParaPr>
+                    <m:oMath xmlns:m="http://schemas.openxmlformats.org/officeDocument/2006/math">
+                      <m:r>
+                        <a:rPr lang="fr-FR" sz="1400" b="1" i="1" smtClean="0">
+                          <a:latin typeface="Cambria Math" panose="02040503050406030204" pitchFamily="18" charset="0"/>
+                        </a:rPr>
+                        <m:t>𝑾</m:t>
+                      </m:r>
+                    </m:oMath>
+                  </m:oMathPara>
+                </a14:m>
+                <a:endParaRPr lang="fr-FR" sz="1400" b="1" dirty="0"/>
+              </a:p>
+            </p:txBody>
+          </p:sp>
+        </mc:Choice>
+        <mc:Fallback>
+          <p:sp>
+            <p:nvSpPr>
+              <p:cNvPr id="160" name="ZoneTexte 159"/>
+              <p:cNvSpPr txBox="1">
+                <a:spLocks noRot="1" noChangeAspect="1" noMove="1" noResize="1" noEditPoints="1" noAdjustHandles="1" noChangeArrowheads="1" noChangeShapeType="1" noTextEdit="1"/>
+              </p:cNvSpPr>
+              <p:nvPr/>
+            </p:nvSpPr>
+            <p:spPr>
+              <a:xfrm>
+                <a:off x="4428797" y="2991739"/>
+                <a:ext cx="401071" cy="307777"/>
+              </a:xfrm>
+              <a:prstGeom prst="rect">
+                <a:avLst/>
+              </a:prstGeom>
+              <a:blipFill rotWithShape="0">
+                <a:blip r:embed="rId21"/>
+                <a:stretch>
+                  <a:fillRect/>
+                </a:stretch>
+              </a:blipFill>
+            </p:spPr>
+            <p:txBody>
+              <a:bodyPr/>
+              <a:lstStyle/>
+              <a:p>
+                <a:r>
+                  <a:rPr lang="fr-FR">
+                    <a:noFill/>
+                  </a:rPr>
+                  <a:t> </a:t>
+                </a:r>
+              </a:p>
+            </p:txBody>
+          </p:sp>
+        </mc:Fallback>
+      </mc:AlternateContent>
+    </p:spTree>
+    <p:extLst>
+      <p:ext uri="{BB962C8B-B14F-4D97-AF65-F5344CB8AC3E}">
+        <p14:creationId xmlns:p14="http://schemas.microsoft.com/office/powerpoint/2010/main" val="2296709908"/>
+      </p:ext>
+    </p:extLst>
+  </p:cSld>
+  <p:clrMapOvr>
+    <a:masterClrMapping/>
+  </p:clrMapOvr>
+</p:sld>
+</file>
+
+<file path=ppt/slides/slide5.xml><?xml version="1.0" encoding="utf-8"?>
+<p:sld xmlns:a="http://schemas.openxmlformats.org/drawingml/2006/main" xmlns:r="http://schemas.openxmlformats.org/officeDocument/2006/relationships" xmlns:p="http://schemas.openxmlformats.org/presentationml/2006/main">
+  <p:cSld>
+    <p:spTree>
+      <p:nvGrpSpPr>
+        <p:cNvPr id="1" name=""/>
+        <p:cNvGrpSpPr/>
+        <p:nvPr/>
+      </p:nvGrpSpPr>
+      <p:grpSpPr>
+        <a:xfrm>
+          <a:off x="0" y="0"/>
+          <a:ext cx="0" cy="0"/>
+          <a:chOff x="0" y="0"/>
+          <a:chExt cx="0" cy="0"/>
+        </a:xfrm>
+      </p:grpSpPr>
+      <p:grpSp>
+        <p:nvGrpSpPr>
+          <p:cNvPr id="168" name="Groupe 167"/>
+          <p:cNvGrpSpPr/>
+          <p:nvPr/>
+        </p:nvGrpSpPr>
+        <p:grpSpPr>
+          <a:xfrm>
+            <a:off x="5213760" y="1278698"/>
+            <a:ext cx="4934995" cy="4161284"/>
+            <a:chOff x="5213760" y="1278698"/>
+            <a:chExt cx="4934995" cy="4161284"/>
+          </a:xfrm>
+        </p:grpSpPr>
+        <p:grpSp>
+          <p:nvGrpSpPr>
+            <p:cNvPr id="54" name="Groupe 53"/>
+            <p:cNvGrpSpPr/>
+            <p:nvPr/>
+          </p:nvGrpSpPr>
+          <p:grpSpPr>
+            <a:xfrm>
+              <a:off x="5213760" y="4046913"/>
+              <a:ext cx="1138593" cy="1393069"/>
+              <a:chOff x="1547496" y="4773103"/>
+              <a:chExt cx="1138593" cy="1393069"/>
+            </a:xfrm>
+          </p:grpSpPr>
+          <mc:AlternateContent xmlns:mc="http://schemas.openxmlformats.org/markup-compatibility/2006">
+            <mc:Choice xmlns:a14="http://schemas.microsoft.com/office/drawing/2010/main" Requires="a14">
+              <p:sp>
+                <p:nvSpPr>
+                  <p:cNvPr id="5" name="ZoneTexte 4"/>
+                  <p:cNvSpPr txBox="1"/>
+                  <p:nvPr/>
+                </p:nvSpPr>
+                <p:spPr>
+                  <a:xfrm>
+                    <a:off x="1553315" y="4773103"/>
+                    <a:ext cx="332142" cy="307777"/>
+                  </a:xfrm>
+                  <a:prstGeom prst="rect">
+                    <a:avLst/>
+                  </a:prstGeom>
+                  <a:noFill/>
+                </p:spPr>
+                <p:txBody>
+                  <a:bodyPr wrap="none" rtlCol="0">
+                    <a:spAutoFit/>
+                  </a:bodyPr>
+                  <a:lstStyle/>
+                  <a:p>
+                    <a:pPr/>
+                    <a14:m>
+                      <m:oMathPara xmlns:m="http://schemas.openxmlformats.org/officeDocument/2006/math">
+                        <m:oMathParaPr>
+                          <m:jc m:val="centerGroup"/>
+                        </m:oMathParaPr>
+                        <m:oMath xmlns:m="http://schemas.openxmlformats.org/officeDocument/2006/math">
+                          <m:r>
+                            <a:rPr lang="fr-FR" sz="1400" b="0" i="1" smtClean="0">
+                              <a:latin typeface="Cambria Math" panose="02040503050406030204" pitchFamily="18" charset="0"/>
+                            </a:rPr>
+                            <m:t>𝑦</m:t>
+                          </m:r>
+                        </m:oMath>
+                      </m:oMathPara>
+                    </a14:m>
+                    <a:endParaRPr lang="fr-FR" sz="1400" dirty="0"/>
+                  </a:p>
+                </p:txBody>
+              </p:sp>
+            </mc:Choice>
+            <mc:Fallback>
+              <p:sp>
+                <p:nvSpPr>
+                  <p:cNvPr id="5" name="ZoneTexte 4"/>
+                  <p:cNvSpPr txBox="1">
+                    <a:spLocks noRot="1" noChangeAspect="1" noMove="1" noResize="1" noEditPoints="1" noAdjustHandles="1" noChangeArrowheads="1" noChangeShapeType="1" noTextEdit="1"/>
+                  </p:cNvSpPr>
+                  <p:nvPr/>
+                </p:nvSpPr>
+                <p:spPr>
+                  <a:xfrm>
+                    <a:off x="1553315" y="4773103"/>
+                    <a:ext cx="332142" cy="307777"/>
+                  </a:xfrm>
+                  <a:prstGeom prst="rect">
+                    <a:avLst/>
+                  </a:prstGeom>
+                  <a:blipFill rotWithShape="0">
+                    <a:blip r:embed="rId2"/>
+                    <a:stretch>
+                      <a:fillRect b="-2000"/>
+                    </a:stretch>
+                  </a:blipFill>
+                </p:spPr>
+                <p:txBody>
+                  <a:bodyPr/>
+                  <a:lstStyle/>
+                  <a:p>
+                    <a:r>
+                      <a:rPr lang="fr-FR">
+                        <a:noFill/>
+                      </a:rPr>
+                      <a:t> </a:t>
+                    </a:r>
+                  </a:p>
+                </p:txBody>
+              </p:sp>
+            </mc:Fallback>
+          </mc:AlternateContent>
+          <mc:AlternateContent xmlns:mc="http://schemas.openxmlformats.org/markup-compatibility/2006">
+            <mc:Choice xmlns:a14="http://schemas.microsoft.com/office/drawing/2010/main" Requires="a14">
+              <p:sp>
+                <p:nvSpPr>
+                  <p:cNvPr id="6" name="ZoneTexte 5"/>
+                  <p:cNvSpPr txBox="1"/>
+                  <p:nvPr/>
+                </p:nvSpPr>
+                <p:spPr>
+                  <a:xfrm>
+                    <a:off x="2357153" y="5789911"/>
+                    <a:ext cx="328936" cy="307777"/>
+                  </a:xfrm>
+                  <a:prstGeom prst="rect">
+                    <a:avLst/>
+                  </a:prstGeom>
+                  <a:noFill/>
+                </p:spPr>
+                <p:txBody>
+                  <a:bodyPr wrap="none" rtlCol="0">
+                    <a:spAutoFit/>
+                  </a:bodyPr>
+                  <a:lstStyle/>
+                  <a:p>
+                    <a:pPr/>
+                    <a14:m>
+                      <m:oMathPara xmlns:m="http://schemas.openxmlformats.org/officeDocument/2006/math">
+                        <m:oMathParaPr>
+                          <m:jc m:val="centerGroup"/>
+                        </m:oMathParaPr>
+                        <m:oMath xmlns:m="http://schemas.openxmlformats.org/officeDocument/2006/math">
+                          <m:r>
+                            <a:rPr lang="fr-FR" sz="1400" b="0" i="1" dirty="0" smtClean="0">
+                              <a:latin typeface="Cambria Math" panose="02040503050406030204" pitchFamily="18" charset="0"/>
+                            </a:rPr>
+                            <m:t>𝑥</m:t>
+                          </m:r>
+                        </m:oMath>
+                      </m:oMathPara>
+                    </a14:m>
+                    <a:endParaRPr lang="fr-FR" sz="1400" dirty="0"/>
+                  </a:p>
+                </p:txBody>
+              </p:sp>
+            </mc:Choice>
+            <mc:Fallback>
+              <p:sp>
+                <p:nvSpPr>
+                  <p:cNvPr id="6" name="ZoneTexte 5"/>
+                  <p:cNvSpPr txBox="1">
+                    <a:spLocks noRot="1" noChangeAspect="1" noMove="1" noResize="1" noEditPoints="1" noAdjustHandles="1" noChangeArrowheads="1" noChangeShapeType="1" noTextEdit="1"/>
+                  </p:cNvSpPr>
+                  <p:nvPr/>
+                </p:nvSpPr>
+                <p:spPr>
+                  <a:xfrm>
+                    <a:off x="2357153" y="5789911"/>
+                    <a:ext cx="328936" cy="307777"/>
+                  </a:xfrm>
+                  <a:prstGeom prst="rect">
+                    <a:avLst/>
+                  </a:prstGeom>
+                  <a:blipFill rotWithShape="0">
+                    <a:blip r:embed="rId3"/>
+                    <a:stretch>
+                      <a:fillRect/>
+                    </a:stretch>
+                  </a:blipFill>
+                </p:spPr>
+                <p:txBody>
+                  <a:bodyPr/>
+                  <a:lstStyle/>
+                  <a:p>
+                    <a:r>
+                      <a:rPr lang="fr-FR">
+                        <a:noFill/>
+                      </a:rPr>
+                      <a:t> </a:t>
+                    </a:r>
+                  </a:p>
+                </p:txBody>
+              </p:sp>
+            </mc:Fallback>
+          </mc:AlternateContent>
+          <mc:AlternateContent xmlns:mc="http://schemas.openxmlformats.org/markup-compatibility/2006">
+            <mc:Choice xmlns:a14="http://schemas.microsoft.com/office/drawing/2010/main" Requires="a14">
+              <p:sp>
+                <p:nvSpPr>
+                  <p:cNvPr id="7" name="ZoneTexte 6"/>
+                  <p:cNvSpPr txBox="1"/>
+                  <p:nvPr/>
+                </p:nvSpPr>
+                <p:spPr>
+                  <a:xfrm>
+                    <a:off x="2176259" y="5500591"/>
+                    <a:ext cx="292067" cy="307777"/>
+                  </a:xfrm>
+                  <a:prstGeom prst="rect">
+                    <a:avLst/>
+                  </a:prstGeom>
+                  <a:noFill/>
+                </p:spPr>
+                <p:txBody>
+                  <a:bodyPr wrap="none" rtlCol="0">
+                    <a:spAutoFit/>
+                  </a:bodyPr>
+                  <a:lstStyle/>
+                  <a:p>
+                    <a:pPr/>
+                    <a14:m>
+                      <m:oMathPara xmlns:m="http://schemas.openxmlformats.org/officeDocument/2006/math">
+                        <m:oMathParaPr>
+                          <m:jc m:val="centerGroup"/>
+                        </m:oMathParaPr>
+                        <m:oMath xmlns:m="http://schemas.openxmlformats.org/officeDocument/2006/math">
+                          <m:r>
+                            <a:rPr lang="fr-FR" sz="1400" b="0" i="1" smtClean="0">
+                              <a:latin typeface="Cambria Math" panose="02040503050406030204" pitchFamily="18" charset="0"/>
+                            </a:rPr>
+                            <m:t>𝑖</m:t>
+                          </m:r>
+                        </m:oMath>
+                      </m:oMathPara>
+                    </a14:m>
+                    <a:endParaRPr lang="fr-FR" sz="1400" dirty="0"/>
+                  </a:p>
+                </p:txBody>
+              </p:sp>
+            </mc:Choice>
+            <mc:Fallback>
+              <p:sp>
+                <p:nvSpPr>
+                  <p:cNvPr id="7" name="ZoneTexte 6"/>
+                  <p:cNvSpPr txBox="1">
+                    <a:spLocks noRot="1" noChangeAspect="1" noMove="1" noResize="1" noEditPoints="1" noAdjustHandles="1" noChangeArrowheads="1" noChangeShapeType="1" noTextEdit="1"/>
+                  </p:cNvSpPr>
+                  <p:nvPr/>
+                </p:nvSpPr>
+                <p:spPr>
+                  <a:xfrm>
+                    <a:off x="2176259" y="5500591"/>
+                    <a:ext cx="292067" cy="307777"/>
+                  </a:xfrm>
+                  <a:prstGeom prst="rect">
+                    <a:avLst/>
+                  </a:prstGeom>
+                  <a:blipFill rotWithShape="0">
+                    <a:blip r:embed="rId4"/>
+                    <a:stretch>
+                      <a:fillRect/>
+                    </a:stretch>
+                  </a:blipFill>
+                </p:spPr>
+                <p:txBody>
+                  <a:bodyPr/>
+                  <a:lstStyle/>
+                  <a:p>
+                    <a:r>
+                      <a:rPr lang="fr-FR">
+                        <a:noFill/>
+                      </a:rPr>
+                      <a:t> </a:t>
+                    </a:r>
+                  </a:p>
+                </p:txBody>
+              </p:sp>
+            </mc:Fallback>
+          </mc:AlternateContent>
+          <mc:AlternateContent xmlns:mc="http://schemas.openxmlformats.org/markup-compatibility/2006">
+            <mc:Choice xmlns:a14="http://schemas.microsoft.com/office/drawing/2010/main" Requires="a14">
+              <p:sp>
+                <p:nvSpPr>
+                  <p:cNvPr id="8" name="ZoneTexte 7"/>
+                  <p:cNvSpPr txBox="1"/>
+                  <p:nvPr/>
+                </p:nvSpPr>
+                <p:spPr>
+                  <a:xfrm>
+                    <a:off x="1574444" y="5156684"/>
+                    <a:ext cx="295274" cy="307777"/>
+                  </a:xfrm>
+                  <a:prstGeom prst="rect">
+                    <a:avLst/>
+                  </a:prstGeom>
+                  <a:noFill/>
+                </p:spPr>
+                <p:txBody>
+                  <a:bodyPr wrap="none" rtlCol="0">
+                    <a:spAutoFit/>
+                  </a:bodyPr>
+                  <a:lstStyle/>
+                  <a:p>
+                    <a:pPr/>
+                    <a14:m>
+                      <m:oMathPara xmlns:m="http://schemas.openxmlformats.org/officeDocument/2006/math">
+                        <m:oMathParaPr>
+                          <m:jc m:val="centerGroup"/>
+                        </m:oMathParaPr>
+                        <m:oMath xmlns:m="http://schemas.openxmlformats.org/officeDocument/2006/math">
+                          <m:r>
+                            <a:rPr lang="fr-FR" sz="1400" b="0" i="1" smtClean="0">
+                              <a:latin typeface="Cambria Math" panose="02040503050406030204" pitchFamily="18" charset="0"/>
+                            </a:rPr>
+                            <m:t>𝑗</m:t>
+                          </m:r>
+                        </m:oMath>
+                      </m:oMathPara>
+                    </a14:m>
+                    <a:endParaRPr lang="fr-FR" sz="1400" dirty="0"/>
+                  </a:p>
+                </p:txBody>
+              </p:sp>
+            </mc:Choice>
+            <mc:Fallback>
+              <p:sp>
+                <p:nvSpPr>
+                  <p:cNvPr id="8" name="ZoneTexte 7"/>
+                  <p:cNvSpPr txBox="1">
+                    <a:spLocks noRot="1" noChangeAspect="1" noMove="1" noResize="1" noEditPoints="1" noAdjustHandles="1" noChangeArrowheads="1" noChangeShapeType="1" noTextEdit="1"/>
+                  </p:cNvSpPr>
+                  <p:nvPr/>
+                </p:nvSpPr>
+                <p:spPr>
+                  <a:xfrm>
+                    <a:off x="1574444" y="5156684"/>
+                    <a:ext cx="295274" cy="307777"/>
+                  </a:xfrm>
+                  <a:prstGeom prst="rect">
+                    <a:avLst/>
+                  </a:prstGeom>
+                  <a:blipFill rotWithShape="0">
+                    <a:blip r:embed="rId5"/>
+                    <a:stretch>
+                      <a:fillRect b="-8000"/>
+                    </a:stretch>
+                  </a:blipFill>
+                </p:spPr>
+                <p:txBody>
+                  <a:bodyPr/>
+                  <a:lstStyle/>
+                  <a:p>
+                    <a:r>
+                      <a:rPr lang="fr-FR">
+                        <a:noFill/>
+                      </a:rPr>
+                      <a:t> </a:t>
+                    </a:r>
+                  </a:p>
+                </p:txBody>
+              </p:sp>
+            </mc:Fallback>
+          </mc:AlternateContent>
+          <p:cxnSp>
+            <p:nvCxnSpPr>
+              <p:cNvPr id="13" name="Connecteur droit avec flèche 12"/>
+              <p:cNvCxnSpPr/>
+              <p:nvPr/>
+            </p:nvCxnSpPr>
+            <p:spPr>
+              <a:xfrm>
+                <a:off x="1710166" y="5808368"/>
+                <a:ext cx="910957" cy="0"/>
+              </a:xfrm>
+              <a:prstGeom prst="straightConnector1">
+                <a:avLst/>
+              </a:prstGeom>
+              <a:ln w="28575">
+                <a:solidFill>
+                  <a:schemeClr val="tx1"/>
+                </a:solidFill>
+                <a:tailEnd type="triangle"/>
+              </a:ln>
+            </p:spPr>
+            <p:style>
+              <a:lnRef idx="1">
+                <a:schemeClr val="accent1"/>
+              </a:lnRef>
+              <a:fillRef idx="0">
+                <a:schemeClr val="accent1"/>
+              </a:fillRef>
+              <a:effectRef idx="0">
+                <a:schemeClr val="accent1"/>
+              </a:effectRef>
+              <a:fontRef idx="minor">
+                <a:schemeClr val="tx1"/>
+              </a:fontRef>
+            </p:style>
+          </p:cxnSp>
+          <p:cxnSp>
+            <p:nvCxnSpPr>
+              <p:cNvPr id="14" name="Connecteur droit avec flèche 13"/>
+              <p:cNvCxnSpPr/>
+              <p:nvPr/>
+            </p:nvCxnSpPr>
+            <p:spPr>
+              <a:xfrm flipV="1">
+                <a:off x="1862567" y="4893324"/>
+                <a:ext cx="8774" cy="1067447"/>
+              </a:xfrm>
+              <a:prstGeom prst="straightConnector1">
+                <a:avLst/>
+              </a:prstGeom>
+              <a:ln w="28575">
+                <a:solidFill>
+                  <a:schemeClr val="tx1"/>
+                </a:solidFill>
+                <a:tailEnd type="triangle"/>
+              </a:ln>
+            </p:spPr>
+            <p:style>
+              <a:lnRef idx="1">
+                <a:schemeClr val="accent1"/>
+              </a:lnRef>
+              <a:fillRef idx="0">
+                <a:schemeClr val="accent1"/>
+              </a:fillRef>
+              <a:effectRef idx="0">
+                <a:schemeClr val="accent1"/>
+              </a:effectRef>
+              <a:fontRef idx="minor">
+                <a:schemeClr val="tx1"/>
+              </a:fontRef>
+            </p:style>
+          </p:cxnSp>
+          <p:cxnSp>
+            <p:nvCxnSpPr>
+              <p:cNvPr id="11" name="Connecteur droit avec flèche 10"/>
+              <p:cNvCxnSpPr/>
+              <p:nvPr/>
+            </p:nvCxnSpPr>
+            <p:spPr>
+              <a:xfrm flipV="1">
+                <a:off x="1859907" y="5221345"/>
+                <a:ext cx="2660" cy="944827"/>
+              </a:xfrm>
+              <a:prstGeom prst="straightConnector1">
+                <a:avLst/>
+              </a:prstGeom>
+              <a:ln w="28575">
+                <a:solidFill>
+                  <a:schemeClr val="tx1"/>
+                </a:solidFill>
+                <a:tailEnd type="triangle" w="lg" len="lg"/>
+              </a:ln>
+            </p:spPr>
+            <p:style>
+              <a:lnRef idx="1">
+                <a:schemeClr val="accent1"/>
+              </a:lnRef>
+              <a:fillRef idx="0">
+                <a:schemeClr val="accent1"/>
+              </a:fillRef>
+              <a:effectRef idx="0">
+                <a:schemeClr val="accent1"/>
+              </a:effectRef>
+              <a:fontRef idx="minor">
+                <a:schemeClr val="tx1"/>
+              </a:fontRef>
+            </p:style>
+          </p:cxnSp>
+          <p:cxnSp>
+            <p:nvCxnSpPr>
+              <p:cNvPr id="12" name="Connecteur droit avec flèche 11"/>
+              <p:cNvCxnSpPr/>
+              <p:nvPr/>
+            </p:nvCxnSpPr>
+            <p:spPr>
+              <a:xfrm flipV="1">
+                <a:off x="1547496" y="5808368"/>
+                <a:ext cx="851437" cy="1"/>
+              </a:xfrm>
+              <a:prstGeom prst="straightConnector1">
+                <a:avLst/>
+              </a:prstGeom>
+              <a:ln w="28575">
+                <a:solidFill>
+                  <a:schemeClr val="tx1"/>
+                </a:solidFill>
+                <a:tailEnd type="triangle" w="lg" len="lg"/>
+              </a:ln>
+            </p:spPr>
+            <p:style>
+              <a:lnRef idx="1">
+                <a:schemeClr val="accent1"/>
+              </a:lnRef>
+              <a:fillRef idx="0">
+                <a:schemeClr val="accent1"/>
+              </a:fillRef>
+              <a:effectRef idx="0">
+                <a:schemeClr val="accent1"/>
+              </a:effectRef>
+              <a:fontRef idx="minor">
+                <a:schemeClr val="tx1"/>
+              </a:fontRef>
+            </p:style>
+          </p:cxnSp>
+          <p:grpSp>
+            <p:nvGrpSpPr>
+              <p:cNvPr id="44" name="Groupe 43"/>
+              <p:cNvGrpSpPr/>
+              <p:nvPr/>
+            </p:nvGrpSpPr>
+            <p:grpSpPr>
+              <a:xfrm>
+                <a:off x="1631195" y="5216312"/>
+                <a:ext cx="873187" cy="824675"/>
+                <a:chOff x="2008981" y="5170620"/>
+                <a:chExt cx="7620" cy="858864"/>
+              </a:xfrm>
+            </p:grpSpPr>
+            <p:cxnSp>
+              <p:nvCxnSpPr>
+                <p:cNvPr id="40" name="Connecteur droit avec flèche 39"/>
+                <p:cNvCxnSpPr/>
+                <p:nvPr/>
+              </p:nvCxnSpPr>
+              <p:spPr>
+                <a:xfrm flipV="1">
+                  <a:off x="2010848" y="5170620"/>
+                  <a:ext cx="5753" cy="616601"/>
+                </a:xfrm>
+                <a:prstGeom prst="straightConnector1">
+                  <a:avLst/>
+                </a:prstGeom>
+                <a:ln w="28575">
+                  <a:solidFill>
+                    <a:schemeClr val="tx1"/>
+                  </a:solidFill>
+                  <a:tailEnd type="triangle"/>
+                </a:ln>
+              </p:spPr>
+              <p:style>
+                <a:lnRef idx="1">
+                  <a:schemeClr val="accent1"/>
+                </a:lnRef>
+                <a:fillRef idx="0">
+                  <a:schemeClr val="accent1"/>
+                </a:fillRef>
+                <a:effectRef idx="0">
+                  <a:schemeClr val="accent1"/>
+                </a:effectRef>
+                <a:fontRef idx="minor">
+                  <a:schemeClr val="tx1"/>
+                </a:fontRef>
+              </p:style>
+            </p:cxnSp>
+            <p:cxnSp>
+              <p:nvCxnSpPr>
+                <p:cNvPr id="41" name="Connecteur droit avec flèche 40"/>
+                <p:cNvCxnSpPr/>
+                <p:nvPr/>
+              </p:nvCxnSpPr>
+              <p:spPr>
+                <a:xfrm flipV="1">
+                  <a:off x="2008981" y="5362684"/>
+                  <a:ext cx="5745" cy="666800"/>
+                </a:xfrm>
+                <a:prstGeom prst="straightConnector1">
+                  <a:avLst/>
+                </a:prstGeom>
+                <a:ln w="28575">
+                  <a:solidFill>
+                    <a:schemeClr val="tx1"/>
+                  </a:solidFill>
+                  <a:tailEnd type="triangle" w="lg" len="lg"/>
+                </a:ln>
+              </p:spPr>
+              <p:style>
+                <a:lnRef idx="1">
+                  <a:schemeClr val="accent1"/>
+                </a:lnRef>
+                <a:fillRef idx="0">
+                  <a:schemeClr val="accent1"/>
+                </a:fillRef>
+                <a:effectRef idx="0">
+                  <a:schemeClr val="accent1"/>
+                </a:effectRef>
+                <a:fontRef idx="minor">
+                  <a:schemeClr val="tx1"/>
+                </a:fontRef>
+              </p:style>
+            </p:cxnSp>
+          </p:grpSp>
+          <mc:AlternateContent xmlns:mc="http://schemas.openxmlformats.org/markup-compatibility/2006">
+            <mc:Choice xmlns:a14="http://schemas.microsoft.com/office/drawing/2010/main" Requires="a14">
+              <p:sp>
+                <p:nvSpPr>
+                  <p:cNvPr id="52" name="ZoneTexte 51"/>
+                  <p:cNvSpPr txBox="1"/>
+                  <p:nvPr/>
+                </p:nvSpPr>
+                <p:spPr>
+                  <a:xfrm>
+                    <a:off x="1985278" y="5174749"/>
+                    <a:ext cx="335348" cy="307777"/>
+                  </a:xfrm>
+                  <a:prstGeom prst="rect">
+                    <a:avLst/>
+                  </a:prstGeom>
+                  <a:noFill/>
+                </p:spPr>
+                <p:txBody>
+                  <a:bodyPr wrap="none" rtlCol="0">
+                    <a:spAutoFit/>
+                  </a:bodyPr>
+                  <a:lstStyle/>
+                  <a:p>
+                    <a:pPr/>
+                    <a14:m>
+                      <m:oMathPara xmlns:m="http://schemas.openxmlformats.org/officeDocument/2006/math">
+                        <m:oMathParaPr>
+                          <m:jc m:val="centerGroup"/>
+                        </m:oMathParaPr>
+                        <m:oMath xmlns:m="http://schemas.openxmlformats.org/officeDocument/2006/math">
+                          <m:r>
+                            <a:rPr lang="fr-FR" sz="1400" b="0" i="1" smtClean="0">
+                              <a:latin typeface="Cambria Math" panose="02040503050406030204" pitchFamily="18" charset="0"/>
+                            </a:rPr>
+                            <m:t>𝑘</m:t>
+                          </m:r>
+                        </m:oMath>
+                      </m:oMathPara>
+                    </a14:m>
+                    <a:endParaRPr lang="fr-FR" sz="1400" dirty="0"/>
+                  </a:p>
+                </p:txBody>
+              </p:sp>
+            </mc:Choice>
+            <mc:Fallback>
+              <p:sp>
+                <p:nvSpPr>
+                  <p:cNvPr id="52" name="ZoneTexte 51"/>
+                  <p:cNvSpPr txBox="1">
+                    <a:spLocks noRot="1" noChangeAspect="1" noMove="1" noResize="1" noEditPoints="1" noAdjustHandles="1" noChangeArrowheads="1" noChangeShapeType="1" noTextEdit="1"/>
+                  </p:cNvSpPr>
+                  <p:nvPr/>
+                </p:nvSpPr>
+                <p:spPr>
+                  <a:xfrm>
+                    <a:off x="1985278" y="5174749"/>
+                    <a:ext cx="335348" cy="307777"/>
+                  </a:xfrm>
+                  <a:prstGeom prst="rect">
+                    <a:avLst/>
+                  </a:prstGeom>
+                  <a:blipFill rotWithShape="0">
+                    <a:blip r:embed="rId6"/>
+                    <a:stretch>
+                      <a:fillRect/>
+                    </a:stretch>
+                  </a:blipFill>
+                </p:spPr>
+                <p:txBody>
+                  <a:bodyPr/>
+                  <a:lstStyle/>
+                  <a:p>
+                    <a:r>
+                      <a:rPr lang="fr-FR">
+                        <a:noFill/>
+                      </a:rPr>
+                      <a:t> </a:t>
+                    </a:r>
+                  </a:p>
+                </p:txBody>
+              </p:sp>
+            </mc:Fallback>
+          </mc:AlternateContent>
+          <mc:AlternateContent xmlns:mc="http://schemas.openxmlformats.org/markup-compatibility/2006">
+            <mc:Choice xmlns:a14="http://schemas.microsoft.com/office/drawing/2010/main" Requires="a14">
+              <p:sp>
+                <p:nvSpPr>
+                  <p:cNvPr id="53" name="ZoneTexte 52"/>
+                  <p:cNvSpPr txBox="1"/>
+                  <p:nvPr/>
+                </p:nvSpPr>
+                <p:spPr>
+                  <a:xfrm>
+                    <a:off x="2312217" y="4893636"/>
+                    <a:ext cx="317716" cy="307777"/>
+                  </a:xfrm>
+                  <a:prstGeom prst="rect">
+                    <a:avLst/>
+                  </a:prstGeom>
+                  <a:noFill/>
+                </p:spPr>
+                <p:txBody>
+                  <a:bodyPr wrap="none" rtlCol="0">
+                    <a:spAutoFit/>
+                  </a:bodyPr>
+                  <a:lstStyle/>
+                  <a:p>
+                    <a:pPr/>
+                    <a14:m>
+                      <m:oMathPara xmlns:m="http://schemas.openxmlformats.org/officeDocument/2006/math">
+                        <m:oMathParaPr>
+                          <m:jc m:val="centerGroup"/>
+                        </m:oMathParaPr>
+                        <m:oMath xmlns:m="http://schemas.openxmlformats.org/officeDocument/2006/math">
+                          <m:r>
+                            <a:rPr lang="fr-FR" sz="1400" b="0" i="1" dirty="0" smtClean="0">
+                              <a:latin typeface="Cambria Math" panose="02040503050406030204" pitchFamily="18" charset="0"/>
+                            </a:rPr>
+                            <m:t>𝑧</m:t>
+                          </m:r>
+                        </m:oMath>
+                      </m:oMathPara>
+                    </a14:m>
+                    <a:endParaRPr lang="fr-FR" sz="1400" dirty="0"/>
+                  </a:p>
+                </p:txBody>
+              </p:sp>
+            </mc:Choice>
+            <mc:Fallback>
+              <p:sp>
+                <p:nvSpPr>
+                  <p:cNvPr id="53" name="ZoneTexte 52"/>
+                  <p:cNvSpPr txBox="1">
+                    <a:spLocks noRot="1" noChangeAspect="1" noMove="1" noResize="1" noEditPoints="1" noAdjustHandles="1" noChangeArrowheads="1" noChangeShapeType="1" noTextEdit="1"/>
+                  </p:cNvSpPr>
+                  <p:nvPr/>
+                </p:nvSpPr>
+                <p:spPr>
+                  <a:xfrm>
+                    <a:off x="2312217" y="4893636"/>
+                    <a:ext cx="317716" cy="307777"/>
+                  </a:xfrm>
+                  <a:prstGeom prst="rect">
+                    <a:avLst/>
+                  </a:prstGeom>
+                  <a:blipFill rotWithShape="0">
+                    <a:blip r:embed="rId7"/>
+                    <a:stretch>
+                      <a:fillRect/>
+                    </a:stretch>
+                  </a:blipFill>
+                </p:spPr>
+                <p:txBody>
+                  <a:bodyPr/>
+                  <a:lstStyle/>
+                  <a:p>
+                    <a:r>
+                      <a:rPr lang="fr-FR">
+                        <a:noFill/>
+                      </a:rPr>
+                      <a:t> </a:t>
+                    </a:r>
+                  </a:p>
+                </p:txBody>
+              </p:sp>
+            </mc:Fallback>
+          </mc:AlternateContent>
+        </p:grpSp>
+        <p:grpSp>
+          <p:nvGrpSpPr>
+            <p:cNvPr id="165" name="Groupe 164"/>
+            <p:cNvGrpSpPr/>
+            <p:nvPr/>
+          </p:nvGrpSpPr>
+          <p:grpSpPr>
+            <a:xfrm>
+              <a:off x="5931967" y="1278698"/>
+              <a:ext cx="4216788" cy="3949894"/>
+              <a:chOff x="5931967" y="1278698"/>
+              <a:chExt cx="4216788" cy="3949894"/>
+            </a:xfrm>
+          </p:grpSpPr>
+          <p:grpSp>
+            <p:nvGrpSpPr>
+              <p:cNvPr id="145" name="Groupe 144"/>
+              <p:cNvGrpSpPr/>
+              <p:nvPr/>
+            </p:nvGrpSpPr>
+            <p:grpSpPr>
+              <a:xfrm>
+                <a:off x="5931967" y="1278698"/>
+                <a:ext cx="4216788" cy="3949894"/>
+                <a:chOff x="5931967" y="1278698"/>
+                <a:chExt cx="4216788" cy="3949894"/>
+              </a:xfrm>
+            </p:grpSpPr>
+            <p:grpSp>
+              <p:nvGrpSpPr>
+                <p:cNvPr id="74" name="Groupe 73"/>
+                <p:cNvGrpSpPr/>
+                <p:nvPr/>
+              </p:nvGrpSpPr>
+              <p:grpSpPr>
+                <a:xfrm>
+                  <a:off x="6219069" y="1635721"/>
+                  <a:ext cx="3163762" cy="3200003"/>
+                  <a:chOff x="5714244" y="1481832"/>
+                  <a:chExt cx="3163762" cy="3200003"/>
+                </a:xfrm>
+              </p:grpSpPr>
+              <p:sp>
+                <p:nvSpPr>
+                  <p:cNvPr id="4" name="Cube 3"/>
+                  <p:cNvSpPr/>
+                  <p:nvPr/>
+                </p:nvSpPr>
+                <p:spPr>
+                  <a:xfrm>
+                    <a:off x="6029136" y="1812223"/>
+                    <a:ext cx="2667000" cy="2475292"/>
+                  </a:xfrm>
+                  <a:prstGeom prst="cube">
+                    <a:avLst/>
+                  </a:prstGeom>
+                  <a:solidFill>
+                    <a:schemeClr val="bg2"/>
+                  </a:solidFill>
+                  <a:ln w="28575">
+                    <a:solidFill>
+                      <a:schemeClr val="tx1"/>
+                    </a:solidFill>
+                  </a:ln>
+                </p:spPr>
+                <p:style>
+                  <a:lnRef idx="2">
+                    <a:schemeClr val="accent1">
+                      <a:shade val="50000"/>
+                    </a:schemeClr>
+                  </a:lnRef>
+                  <a:fillRef idx="1">
+                    <a:schemeClr val="accent1"/>
+                  </a:fillRef>
+                  <a:effectRef idx="0">
+                    <a:schemeClr val="accent1"/>
+                  </a:effectRef>
+                  <a:fontRef idx="minor">
+                    <a:schemeClr val="lt1"/>
+                  </a:fontRef>
+                </p:style>
+                <p:txBody>
+                  <a:bodyPr rtlCol="0" anchor="ctr"/>
+                  <a:lstStyle/>
+                  <a:p>
+                    <a:pPr algn="ctr"/>
+                    <a:endParaRPr lang="fr-FR"/>
+                  </a:p>
+                </p:txBody>
+              </p:sp>
+              <p:cxnSp>
+                <p:nvCxnSpPr>
+                  <p:cNvPr id="15" name="Connecteur droit 14"/>
+                  <p:cNvCxnSpPr/>
+                  <p:nvPr/>
+                </p:nvCxnSpPr>
+                <p:spPr>
+                  <a:xfrm flipV="1">
+                    <a:off x="5714244" y="1550501"/>
+                    <a:ext cx="1200906" cy="1192700"/>
+                  </a:xfrm>
+                  <a:prstGeom prst="line">
+                    <a:avLst/>
+                  </a:prstGeom>
+                  <a:ln w="28575">
+                    <a:solidFill>
+                      <a:schemeClr val="tx1"/>
+                    </a:solidFill>
+                    <a:prstDash val="solid"/>
+                  </a:ln>
+                </p:spPr>
+                <p:style>
+                  <a:lnRef idx="1">
+                    <a:schemeClr val="accent1"/>
+                  </a:lnRef>
+                  <a:fillRef idx="0">
+                    <a:schemeClr val="accent1"/>
+                  </a:fillRef>
+                  <a:effectRef idx="0">
+                    <a:schemeClr val="accent1"/>
+                  </a:effectRef>
+                  <a:fontRef idx="minor">
+                    <a:schemeClr val="tx1"/>
+                  </a:fontRef>
+                </p:style>
+              </p:cxnSp>
+              <p:cxnSp>
+                <p:nvCxnSpPr>
+                  <p:cNvPr id="24" name="Connecteur droit 23"/>
+                  <p:cNvCxnSpPr/>
+                  <p:nvPr/>
+                </p:nvCxnSpPr>
+                <p:spPr>
+                  <a:xfrm flipV="1">
+                    <a:off x="8022986" y="1689235"/>
+                    <a:ext cx="793546" cy="803776"/>
+                  </a:xfrm>
+                  <a:prstGeom prst="line">
+                    <a:avLst/>
+                  </a:prstGeom>
+                  <a:ln w="28575">
+                    <a:solidFill>
+                      <a:schemeClr val="tx1"/>
+                    </a:solidFill>
+                    <a:prstDash val="solid"/>
+                  </a:ln>
+                </p:spPr>
+                <p:style>
+                  <a:lnRef idx="1">
+                    <a:schemeClr val="accent1"/>
+                  </a:lnRef>
+                  <a:fillRef idx="0">
+                    <a:schemeClr val="accent1"/>
+                  </a:fillRef>
+                  <a:effectRef idx="0">
+                    <a:schemeClr val="accent1"/>
+                  </a:effectRef>
+                  <a:fontRef idx="minor">
+                    <a:schemeClr val="tx1"/>
+                  </a:fontRef>
+                </p:style>
+              </p:cxnSp>
+              <p:cxnSp>
+                <p:nvCxnSpPr>
+                  <p:cNvPr id="25" name="Connecteur droit 24"/>
+                  <p:cNvCxnSpPr/>
+                  <p:nvPr/>
+                </p:nvCxnSpPr>
+                <p:spPr>
+                  <a:xfrm flipV="1">
+                    <a:off x="7876419" y="3489871"/>
+                    <a:ext cx="1001587" cy="994743"/>
+                  </a:xfrm>
+                  <a:prstGeom prst="line">
+                    <a:avLst/>
+                  </a:prstGeom>
+                  <a:ln w="28575">
+                    <a:solidFill>
+                      <a:schemeClr val="tx1"/>
+                    </a:solidFill>
+                    <a:prstDash val="solid"/>
+                  </a:ln>
+                </p:spPr>
+                <p:style>
+                  <a:lnRef idx="1">
+                    <a:schemeClr val="accent1"/>
+                  </a:lnRef>
+                  <a:fillRef idx="0">
+                    <a:schemeClr val="accent1"/>
+                  </a:fillRef>
+                  <a:effectRef idx="0">
+                    <a:schemeClr val="accent1"/>
+                  </a:effectRef>
+                  <a:fontRef idx="minor">
+                    <a:schemeClr val="tx1"/>
+                  </a:fontRef>
+                </p:style>
+              </p:cxnSp>
+              <p:grpSp>
+                <p:nvGrpSpPr>
+                  <p:cNvPr id="30" name="Groupe 29"/>
+                  <p:cNvGrpSpPr/>
+                  <p:nvPr/>
+                </p:nvGrpSpPr>
+                <p:grpSpPr>
+                  <a:xfrm>
+                    <a:off x="5816024" y="3504442"/>
+                    <a:ext cx="1017439" cy="1016220"/>
+                    <a:chOff x="4311074" y="3866392"/>
+                    <a:chExt cx="1017439" cy="1016220"/>
+                  </a:xfrm>
+                </p:grpSpPr>
+                <p:cxnSp>
+                  <p:nvCxnSpPr>
+                    <p:cNvPr id="26" name="Connecteur droit 25"/>
+                    <p:cNvCxnSpPr/>
+                    <p:nvPr/>
+                  </p:nvCxnSpPr>
+                  <p:spPr>
+                    <a:xfrm flipV="1">
+                      <a:off x="4540052" y="3866392"/>
+                      <a:ext cx="788461" cy="783074"/>
+                    </a:xfrm>
+                    <a:prstGeom prst="line">
+                      <a:avLst/>
+                    </a:prstGeom>
+                    <a:ln w="28575">
+                      <a:solidFill>
+                        <a:schemeClr val="tx1"/>
+                      </a:solidFill>
+                      <a:prstDash val="sysDash"/>
+                    </a:ln>
+                  </p:spPr>
+                  <p:style>
+                    <a:lnRef idx="1">
+                      <a:schemeClr val="accent1"/>
+                    </a:lnRef>
+                    <a:fillRef idx="0">
+                      <a:schemeClr val="accent1"/>
+                    </a:fillRef>
+                    <a:effectRef idx="0">
+                      <a:schemeClr val="accent1"/>
+                    </a:effectRef>
+                    <a:fontRef idx="minor">
+                      <a:schemeClr val="tx1"/>
+                    </a:fontRef>
+                  </p:style>
+                </p:cxnSp>
+                <p:cxnSp>
+                  <p:nvCxnSpPr>
+                    <p:cNvPr id="28" name="Connecteur droit 27"/>
+                    <p:cNvCxnSpPr/>
+                    <p:nvPr/>
+                  </p:nvCxnSpPr>
+                  <p:spPr>
+                    <a:xfrm flipV="1">
+                      <a:off x="4311074" y="4655199"/>
+                      <a:ext cx="228978" cy="227413"/>
+                    </a:xfrm>
+                    <a:prstGeom prst="line">
+                      <a:avLst/>
+                    </a:prstGeom>
+                    <a:ln w="28575">
+                      <a:solidFill>
+                        <a:schemeClr val="tx1"/>
+                      </a:solidFill>
+                      <a:prstDash val="solid"/>
+                    </a:ln>
+                  </p:spPr>
+                  <p:style>
+                    <a:lnRef idx="1">
+                      <a:schemeClr val="accent1"/>
+                    </a:lnRef>
+                    <a:fillRef idx="0">
+                      <a:schemeClr val="accent1"/>
+                    </a:fillRef>
+                    <a:effectRef idx="0">
+                      <a:schemeClr val="accent1"/>
+                    </a:effectRef>
+                    <a:fontRef idx="minor">
+                      <a:schemeClr val="tx1"/>
+                    </a:fontRef>
+                  </p:style>
+                </p:cxnSp>
+              </p:grpSp>
+              <p:grpSp>
+                <p:nvGrpSpPr>
+                  <p:cNvPr id="31" name="Groupe 30"/>
+                  <p:cNvGrpSpPr/>
+                  <p:nvPr/>
+                </p:nvGrpSpPr>
+                <p:grpSpPr>
+                  <a:xfrm rot="8096141">
+                    <a:off x="5301638" y="2034606"/>
+                    <a:ext cx="2065104" cy="963147"/>
+                    <a:chOff x="4240126" y="3919465"/>
+                    <a:chExt cx="2065104" cy="963147"/>
+                  </a:xfrm>
+                </p:grpSpPr>
+                <p:cxnSp>
+                  <p:nvCxnSpPr>
+                    <p:cNvPr id="32" name="Connecteur droit 31"/>
+                    <p:cNvCxnSpPr/>
+                    <p:nvPr/>
+                  </p:nvCxnSpPr>
+                  <p:spPr>
+                    <a:xfrm rot="13503859" flipH="1">
+                      <a:off x="5270297" y="2889294"/>
+                      <a:ext cx="4762" cy="2065104"/>
+                    </a:xfrm>
+                    <a:prstGeom prst="line">
+                      <a:avLst/>
+                    </a:prstGeom>
+                    <a:ln w="28575">
+                      <a:solidFill>
+                        <a:schemeClr val="tx1"/>
+                      </a:solidFill>
+                      <a:prstDash val="sysDash"/>
+                    </a:ln>
+                  </p:spPr>
+                  <p:style>
+                    <a:lnRef idx="1">
+                      <a:schemeClr val="accent1"/>
+                    </a:lnRef>
+                    <a:fillRef idx="0">
+                      <a:schemeClr val="accent1"/>
+                    </a:fillRef>
+                    <a:effectRef idx="0">
+                      <a:schemeClr val="accent1"/>
+                    </a:effectRef>
+                    <a:fontRef idx="minor">
+                      <a:schemeClr val="tx1"/>
+                    </a:fontRef>
+                  </p:style>
+                </p:cxnSp>
+                <p:cxnSp>
+                  <p:nvCxnSpPr>
+                    <p:cNvPr id="33" name="Connecteur droit 32"/>
+                    <p:cNvCxnSpPr/>
+                    <p:nvPr/>
+                  </p:nvCxnSpPr>
+                  <p:spPr>
+                    <a:xfrm flipV="1">
+                      <a:off x="4311074" y="4655199"/>
+                      <a:ext cx="228978" cy="227413"/>
+                    </a:xfrm>
+                    <a:prstGeom prst="line">
+                      <a:avLst/>
+                    </a:prstGeom>
+                    <a:ln w="28575">
+                      <a:solidFill>
+                        <a:schemeClr val="tx1"/>
+                      </a:solidFill>
+                      <a:prstDash val="solid"/>
+                    </a:ln>
+                  </p:spPr>
+                  <p:style>
+                    <a:lnRef idx="1">
+                      <a:schemeClr val="accent1"/>
+                    </a:lnRef>
+                    <a:fillRef idx="0">
+                      <a:schemeClr val="accent1"/>
+                    </a:fillRef>
+                    <a:effectRef idx="0">
+                      <a:schemeClr val="accent1"/>
+                    </a:effectRef>
+                    <a:fontRef idx="minor">
+                      <a:schemeClr val="tx1"/>
+                    </a:fontRef>
+                  </p:style>
+                </p:cxnSp>
+              </p:grpSp>
+              <p:grpSp>
+                <p:nvGrpSpPr>
+                  <p:cNvPr id="35" name="Groupe 34"/>
+                  <p:cNvGrpSpPr/>
+                  <p:nvPr/>
+                </p:nvGrpSpPr>
+                <p:grpSpPr>
+                  <a:xfrm rot="13500000">
+                    <a:off x="6664230" y="2805243"/>
+                    <a:ext cx="2441361" cy="996550"/>
+                    <a:chOff x="3497825" y="4468045"/>
+                    <a:chExt cx="2441361" cy="996550"/>
+                  </a:xfrm>
+                </p:grpSpPr>
+                <p:cxnSp>
+                  <p:nvCxnSpPr>
+                    <p:cNvPr id="36" name="Connecteur droit 35"/>
+                    <p:cNvCxnSpPr/>
+                    <p:nvPr/>
+                  </p:nvCxnSpPr>
+                  <p:spPr>
+                    <a:xfrm rot="8100000" flipH="1" flipV="1">
+                      <a:off x="3497825" y="4468045"/>
+                      <a:ext cx="2441361" cy="8370"/>
+                    </a:xfrm>
+                    <a:prstGeom prst="line">
+                      <a:avLst/>
+                    </a:prstGeom>
+                    <a:ln w="28575">
+                      <a:solidFill>
+                        <a:schemeClr val="tx1"/>
+                      </a:solidFill>
+                      <a:prstDash val="sysDash"/>
+                    </a:ln>
+                  </p:spPr>
+                  <p:style>
+                    <a:lnRef idx="1">
+                      <a:schemeClr val="accent1"/>
+                    </a:lnRef>
+                    <a:fillRef idx="0">
+                      <a:schemeClr val="accent1"/>
+                    </a:fillRef>
+                    <a:effectRef idx="0">
+                      <a:schemeClr val="accent1"/>
+                    </a:effectRef>
+                    <a:fontRef idx="minor">
+                      <a:schemeClr val="tx1"/>
+                    </a:fontRef>
+                  </p:style>
+                </p:cxnSp>
+                <p:cxnSp>
+                  <p:nvCxnSpPr>
+                    <p:cNvPr id="37" name="Connecteur droit 36"/>
+                    <p:cNvCxnSpPr/>
+                    <p:nvPr/>
+                  </p:nvCxnSpPr>
+                  <p:spPr>
+                    <a:xfrm rot="8100000" flipH="1" flipV="1">
+                      <a:off x="3522131" y="5463176"/>
+                      <a:ext cx="413698" cy="1419"/>
+                    </a:xfrm>
+                    <a:prstGeom prst="line">
+                      <a:avLst/>
+                    </a:prstGeom>
+                    <a:ln w="28575">
+                      <a:solidFill>
+                        <a:schemeClr val="tx1"/>
+                      </a:solidFill>
+                      <a:prstDash val="solid"/>
+                    </a:ln>
+                  </p:spPr>
+                  <p:style>
+                    <a:lnRef idx="1">
+                      <a:schemeClr val="accent1"/>
+                    </a:lnRef>
+                    <a:fillRef idx="0">
+                      <a:schemeClr val="accent1"/>
+                    </a:fillRef>
+                    <a:effectRef idx="0">
+                      <a:schemeClr val="accent1"/>
+                    </a:effectRef>
+                    <a:fontRef idx="minor">
+                      <a:schemeClr val="tx1"/>
+                    </a:fontRef>
+                  </p:style>
+                </p:cxnSp>
+              </p:grpSp>
+              <p:cxnSp>
+                <p:nvCxnSpPr>
+                  <p:cNvPr id="58" name="Connecteur droit 57"/>
+                  <p:cNvCxnSpPr/>
+                  <p:nvPr/>
+                </p:nvCxnSpPr>
+                <p:spPr>
+                  <a:xfrm>
+                    <a:off x="5816024" y="4287515"/>
+                    <a:ext cx="2537023" cy="0"/>
+                  </a:xfrm>
+                  <a:prstGeom prst="line">
+                    <a:avLst/>
+                  </a:prstGeom>
+                  <a:ln w="28575">
+                    <a:solidFill>
+                      <a:schemeClr val="tx1"/>
+                    </a:solidFill>
+                    <a:prstDash val="solid"/>
+                  </a:ln>
+                </p:spPr>
+                <p:style>
+                  <a:lnRef idx="1">
+                    <a:schemeClr val="accent1"/>
+                  </a:lnRef>
+                  <a:fillRef idx="0">
+                    <a:schemeClr val="accent1"/>
+                  </a:fillRef>
+                  <a:effectRef idx="0">
+                    <a:schemeClr val="accent1"/>
+                  </a:effectRef>
+                  <a:fontRef idx="minor">
+                    <a:schemeClr val="tx1"/>
+                  </a:fontRef>
+                </p:style>
+              </p:cxnSp>
+              <p:cxnSp>
+                <p:nvCxnSpPr>
+                  <p:cNvPr id="63" name="Connecteur droit 62"/>
+                  <p:cNvCxnSpPr/>
+                  <p:nvPr/>
+                </p:nvCxnSpPr>
+                <p:spPr>
+                  <a:xfrm flipH="1" flipV="1">
+                    <a:off x="6024307" y="2019301"/>
+                    <a:ext cx="8465" cy="2662534"/>
+                  </a:xfrm>
+                  <a:prstGeom prst="line">
+                    <a:avLst/>
+                  </a:prstGeom>
+                  <a:ln w="28575">
+                    <a:solidFill>
+                      <a:schemeClr val="tx1"/>
+                    </a:solidFill>
+                    <a:prstDash val="solid"/>
+                  </a:ln>
+                </p:spPr>
+                <p:style>
+                  <a:lnRef idx="1">
+                    <a:schemeClr val="accent1"/>
+                  </a:lnRef>
+                  <a:fillRef idx="0">
+                    <a:schemeClr val="accent1"/>
+                  </a:fillRef>
+                  <a:effectRef idx="0">
+                    <a:schemeClr val="accent1"/>
+                  </a:effectRef>
+                  <a:fontRef idx="minor">
+                    <a:schemeClr val="tx1"/>
+                  </a:fontRef>
+                </p:style>
+              </p:cxnSp>
+              <p:cxnSp>
+                <p:nvCxnSpPr>
+                  <p:cNvPr id="69" name="Connecteur droit 68"/>
+                  <p:cNvCxnSpPr/>
+                  <p:nvPr/>
+                </p:nvCxnSpPr>
+                <p:spPr>
+                  <a:xfrm flipV="1">
+                    <a:off x="8077200" y="1914527"/>
+                    <a:ext cx="0" cy="2767308"/>
+                  </a:xfrm>
+                  <a:prstGeom prst="line">
+                    <a:avLst/>
+                  </a:prstGeom>
+                  <a:ln w="28575">
+                    <a:solidFill>
+                      <a:schemeClr val="tx1"/>
+                    </a:solidFill>
+                    <a:prstDash val="solid"/>
+                  </a:ln>
+                </p:spPr>
+                <p:style>
+                  <a:lnRef idx="1">
+                    <a:schemeClr val="accent1"/>
+                  </a:lnRef>
+                  <a:fillRef idx="0">
+                    <a:schemeClr val="accent1"/>
+                  </a:fillRef>
+                  <a:effectRef idx="0">
+                    <a:schemeClr val="accent1"/>
+                  </a:effectRef>
+                  <a:fontRef idx="minor">
+                    <a:schemeClr val="tx1"/>
+                  </a:fontRef>
+                </p:style>
+              </p:cxnSp>
+              <p:cxnSp>
+                <p:nvCxnSpPr>
+                  <p:cNvPr id="70" name="Connecteur droit 69"/>
+                  <p:cNvCxnSpPr/>
+                  <p:nvPr/>
+                </p:nvCxnSpPr>
+                <p:spPr>
+                  <a:xfrm flipH="1" flipV="1">
+                    <a:off x="8691995" y="1481832"/>
+                    <a:ext cx="8465" cy="2662534"/>
+                  </a:xfrm>
+                  <a:prstGeom prst="line">
+                    <a:avLst/>
+                  </a:prstGeom>
+                  <a:ln w="28575">
+                    <a:solidFill>
+                      <a:schemeClr val="tx1"/>
+                    </a:solidFill>
+                    <a:prstDash val="solid"/>
+                  </a:ln>
+                </p:spPr>
+                <p:style>
+                  <a:lnRef idx="1">
+                    <a:schemeClr val="accent1"/>
+                  </a:lnRef>
+                  <a:fillRef idx="0">
+                    <a:schemeClr val="accent1"/>
+                  </a:fillRef>
+                  <a:effectRef idx="0">
+                    <a:schemeClr val="accent1"/>
+                  </a:effectRef>
+                  <a:fontRef idx="minor">
+                    <a:schemeClr val="tx1"/>
+                  </a:fontRef>
+                </p:style>
+              </p:cxnSp>
+            </p:grpSp>
+            <p:grpSp>
+              <p:nvGrpSpPr>
+                <p:cNvPr id="108" name="Groupe 107"/>
+                <p:cNvGrpSpPr/>
+                <p:nvPr/>
+              </p:nvGrpSpPr>
+              <p:grpSpPr>
+                <a:xfrm>
+                  <a:off x="5931967" y="1278698"/>
+                  <a:ext cx="4216788" cy="3949894"/>
+                  <a:chOff x="5950467" y="1554540"/>
+                  <a:chExt cx="4216788" cy="3949894"/>
+                </a:xfrm>
+              </p:grpSpPr>
+              <p:grpSp>
+                <p:nvGrpSpPr>
+                  <p:cNvPr id="89" name="Groupe 88"/>
+                  <p:cNvGrpSpPr/>
+                  <p:nvPr/>
+                </p:nvGrpSpPr>
+                <p:grpSpPr>
+                  <a:xfrm>
+                    <a:off x="6845491" y="4360838"/>
+                    <a:ext cx="374441" cy="307777"/>
+                    <a:chOff x="6371980" y="4467102"/>
+                    <a:chExt cx="374441" cy="307777"/>
+                  </a:xfrm>
+                </p:grpSpPr>
+                <p:sp>
+                  <p:nvSpPr>
+                    <p:cNvPr id="87" name="Ellipse 86"/>
+                    <p:cNvSpPr/>
+                    <p:nvPr/>
+                  </p:nvSpPr>
+                  <p:spPr>
+                    <a:xfrm>
+                      <a:off x="6371980" y="4483372"/>
+                      <a:ext cx="113015" cy="113015"/>
+                    </a:xfrm>
+                    <a:prstGeom prst="ellipse">
+                      <a:avLst/>
+                    </a:prstGeom>
+                    <a:solidFill>
+                      <a:schemeClr val="tx1"/>
+                    </a:solidFill>
+                    <a:ln>
+                      <a:solidFill>
+                        <a:schemeClr val="tx1"/>
+                      </a:solidFill>
+                    </a:ln>
+                  </p:spPr>
+                  <p:style>
+                    <a:lnRef idx="2">
+                      <a:schemeClr val="accent1">
+                        <a:shade val="50000"/>
+                      </a:schemeClr>
+                    </a:lnRef>
+                    <a:fillRef idx="1">
+                      <a:schemeClr val="accent1"/>
+                    </a:fillRef>
+                    <a:effectRef idx="0">
+                      <a:schemeClr val="accent1"/>
+                    </a:effectRef>
+                    <a:fontRef idx="minor">
+                      <a:schemeClr val="lt1"/>
+                    </a:fontRef>
+                  </p:style>
+                  <p:txBody>
+                    <a:bodyPr rtlCol="0" anchor="ctr"/>
+                    <a:lstStyle/>
+                    <a:p>
+                      <a:pPr algn="ctr"/>
+                      <a:endParaRPr lang="fr-FR"/>
+                    </a:p>
+                  </p:txBody>
+                </p:sp>
+                <mc:AlternateContent xmlns:mc="http://schemas.openxmlformats.org/markup-compatibility/2006">
+                  <mc:Choice xmlns:a14="http://schemas.microsoft.com/office/drawing/2010/main" Requires="a14">
+                    <p:sp>
+                      <p:nvSpPr>
+                        <p:cNvPr id="88" name="ZoneTexte 87"/>
+                        <p:cNvSpPr txBox="1"/>
+                        <p:nvPr/>
+                      </p:nvSpPr>
+                      <p:spPr>
+                        <a:xfrm>
+                          <a:off x="6419087" y="4467102"/>
+                          <a:ext cx="327334" cy="307777"/>
+                        </a:xfrm>
+                        <a:prstGeom prst="rect">
+                          <a:avLst/>
+                        </a:prstGeom>
+                        <a:noFill/>
+                      </p:spPr>
+                      <p:txBody>
+                        <a:bodyPr wrap="none" rtlCol="0">
+                          <a:spAutoFit/>
+                        </a:bodyPr>
+                        <a:lstStyle/>
+                        <a:p>
+                          <a14:m>
+                            <m:oMathPara xmlns:m="http://schemas.openxmlformats.org/officeDocument/2006/math">
+                              <m:oMathParaPr>
+                                <m:jc m:val="centerGroup"/>
+                              </m:oMathParaPr>
+                              <m:oMath xmlns:m="http://schemas.openxmlformats.org/officeDocument/2006/math">
+                                <m:r>
+                                  <a:rPr lang="fr-FR" sz="1400" b="0" i="1" dirty="0" smtClean="0">
+                                    <a:latin typeface="Cambria Math" panose="02040503050406030204" pitchFamily="18" charset="0"/>
+                                  </a:rPr>
+                                  <m:t>𝑆</m:t>
+                                </m:r>
+                              </m:oMath>
+                            </m:oMathPara>
+                          </a14:m>
+                          <a:endParaRPr lang="fr-FR" sz="1400" dirty="0"/>
+                        </a:p>
+                      </p:txBody>
+                    </p:sp>
+                  </mc:Choice>
+                  <mc:Fallback>
+                    <p:sp>
+                      <p:nvSpPr>
+                        <p:cNvPr id="88" name="ZoneTexte 87"/>
+                        <p:cNvSpPr txBox="1">
+                          <a:spLocks noRot="1" noChangeAspect="1" noMove="1" noResize="1" noEditPoints="1" noAdjustHandles="1" noChangeArrowheads="1" noChangeShapeType="1" noTextEdit="1"/>
+                        </p:cNvSpPr>
+                        <p:nvPr/>
+                      </p:nvSpPr>
+                      <p:spPr>
+                        <a:xfrm>
+                          <a:off x="6419087" y="4467102"/>
+                          <a:ext cx="327334" cy="307777"/>
+                        </a:xfrm>
+                        <a:prstGeom prst="rect">
+                          <a:avLst/>
+                        </a:prstGeom>
+                        <a:blipFill rotWithShape="0">
+                          <a:blip r:embed="rId8"/>
+                          <a:stretch>
+                            <a:fillRect/>
+                          </a:stretch>
+                        </a:blipFill>
+                      </p:spPr>
+                      <p:txBody>
+                        <a:bodyPr/>
+                        <a:lstStyle/>
+                        <a:p>
+                          <a:r>
+                            <a:rPr lang="fr-FR">
+                              <a:noFill/>
+                            </a:rPr>
+                            <a:t> </a:t>
+                          </a:r>
+                        </a:p>
+                      </p:txBody>
+                    </p:sp>
+                  </mc:Fallback>
+                </mc:AlternateContent>
+              </p:grpSp>
+              <p:grpSp>
+                <p:nvGrpSpPr>
+                  <p:cNvPr id="90" name="Groupe 89"/>
+                  <p:cNvGrpSpPr/>
+                  <p:nvPr/>
+                </p:nvGrpSpPr>
+                <p:grpSpPr>
+                  <a:xfrm>
+                    <a:off x="7876976" y="3375849"/>
+                    <a:ext cx="395279" cy="307777"/>
+                    <a:chOff x="6174680" y="4626926"/>
+                    <a:chExt cx="395279" cy="307777"/>
+                  </a:xfrm>
+                </p:grpSpPr>
+                <p:sp>
+                  <p:nvSpPr>
+                    <p:cNvPr id="91" name="Ellipse 90"/>
+                    <p:cNvSpPr/>
+                    <p:nvPr/>
+                  </p:nvSpPr>
+                  <p:spPr>
+                    <a:xfrm>
+                      <a:off x="6174680" y="4643196"/>
+                      <a:ext cx="113015" cy="113015"/>
+                    </a:xfrm>
+                    <a:prstGeom prst="ellipse">
+                      <a:avLst/>
+                    </a:prstGeom>
+                    <a:solidFill>
+                      <a:schemeClr val="tx1"/>
+                    </a:solidFill>
+                    <a:ln>
+                      <a:solidFill>
+                        <a:schemeClr val="tx1"/>
+                      </a:solidFill>
+                    </a:ln>
+                  </p:spPr>
+                  <p:style>
+                    <a:lnRef idx="2">
+                      <a:schemeClr val="accent1">
+                        <a:shade val="50000"/>
+                      </a:schemeClr>
+                    </a:lnRef>
+                    <a:fillRef idx="1">
+                      <a:schemeClr val="accent1"/>
+                    </a:fillRef>
+                    <a:effectRef idx="0">
+                      <a:schemeClr val="accent1"/>
+                    </a:effectRef>
+                    <a:fontRef idx="minor">
+                      <a:schemeClr val="lt1"/>
+                    </a:fontRef>
+                  </p:style>
+                  <p:txBody>
+                    <a:bodyPr rtlCol="0" anchor="ctr"/>
+                    <a:lstStyle/>
+                    <a:p>
+                      <a:pPr algn="ctr"/>
+                      <a:endParaRPr lang="fr-FR"/>
+                    </a:p>
+                  </p:txBody>
+                </p:sp>
+                <mc:AlternateContent xmlns:mc="http://schemas.openxmlformats.org/markup-compatibility/2006">
+                  <mc:Choice xmlns:a14="http://schemas.microsoft.com/office/drawing/2010/main" Requires="a14">
+                    <p:sp>
+                      <p:nvSpPr>
+                        <p:cNvPr id="92" name="ZoneTexte 91"/>
+                        <p:cNvSpPr txBox="1"/>
+                        <p:nvPr/>
+                      </p:nvSpPr>
+                      <p:spPr>
+                        <a:xfrm>
+                          <a:off x="6221787" y="4626926"/>
+                          <a:ext cx="348172" cy="307777"/>
+                        </a:xfrm>
+                        <a:prstGeom prst="rect">
+                          <a:avLst/>
+                        </a:prstGeom>
+                        <a:noFill/>
+                      </p:spPr>
+                      <p:txBody>
+                        <a:bodyPr wrap="none" rtlCol="0">
+                          <a:spAutoFit/>
+                        </a:bodyPr>
+                        <a:lstStyle/>
+                        <a:p>
+                          <a14:m>
+                            <m:oMathPara xmlns:m="http://schemas.openxmlformats.org/officeDocument/2006/math">
+                              <m:oMathParaPr>
+                                <m:jc m:val="centerGroup"/>
+                              </m:oMathParaPr>
+                              <m:oMath xmlns:m="http://schemas.openxmlformats.org/officeDocument/2006/math">
+                                <m:r>
+                                  <a:rPr lang="fr-FR" sz="1400" b="0" i="1" dirty="0" smtClean="0">
+                                    <a:latin typeface="Cambria Math" panose="02040503050406030204" pitchFamily="18" charset="0"/>
+                                  </a:rPr>
+                                  <m:t>𝑃</m:t>
+                                </m:r>
+                              </m:oMath>
+                            </m:oMathPara>
+                          </a14:m>
+                          <a:endParaRPr lang="fr-FR" sz="1400" dirty="0"/>
+                        </a:p>
+                      </p:txBody>
+                    </p:sp>
+                  </mc:Choice>
+                  <mc:Fallback>
+                    <p:sp>
+                      <p:nvSpPr>
+                        <p:cNvPr id="92" name="ZoneTexte 91"/>
+                        <p:cNvSpPr txBox="1">
+                          <a:spLocks noRot="1" noChangeAspect="1" noMove="1" noResize="1" noEditPoints="1" noAdjustHandles="1" noChangeArrowheads="1" noChangeShapeType="1" noTextEdit="1"/>
+                        </p:cNvSpPr>
+                        <p:nvPr/>
+                      </p:nvSpPr>
+                      <p:spPr>
+                        <a:xfrm>
+                          <a:off x="6221787" y="4626926"/>
+                          <a:ext cx="348172" cy="307777"/>
+                        </a:xfrm>
+                        <a:prstGeom prst="rect">
+                          <a:avLst/>
+                        </a:prstGeom>
+                        <a:blipFill rotWithShape="0">
+                          <a:blip r:embed="rId9"/>
+                          <a:stretch>
+                            <a:fillRect/>
+                          </a:stretch>
+                        </a:blipFill>
+                      </p:spPr>
+                      <p:txBody>
+                        <a:bodyPr/>
+                        <a:lstStyle/>
+                        <a:p>
+                          <a:r>
+                            <a:rPr lang="fr-FR">
+                              <a:noFill/>
+                            </a:rPr>
+                            <a:t> </a:t>
+                          </a:r>
+                        </a:p>
+                      </p:txBody>
+                    </p:sp>
+                  </mc:Fallback>
+                </mc:AlternateContent>
+              </p:grpSp>
+              <p:grpSp>
+                <p:nvGrpSpPr>
+                  <p:cNvPr id="93" name="Groupe 92"/>
+                  <p:cNvGrpSpPr/>
+                  <p:nvPr/>
+                </p:nvGrpSpPr>
+                <p:grpSpPr>
+                  <a:xfrm>
+                    <a:off x="8832037" y="2494794"/>
+                    <a:ext cx="407655" cy="307777"/>
+                    <a:chOff x="6174680" y="4626926"/>
+                    <a:chExt cx="407655" cy="307777"/>
+                  </a:xfrm>
+                </p:grpSpPr>
+                <p:sp>
+                  <p:nvSpPr>
+                    <p:cNvPr id="94" name="Ellipse 93"/>
+                    <p:cNvSpPr/>
+                    <p:nvPr/>
+                  </p:nvSpPr>
+                  <p:spPr>
+                    <a:xfrm>
+                      <a:off x="6174680" y="4643196"/>
+                      <a:ext cx="113015" cy="113015"/>
+                    </a:xfrm>
+                    <a:prstGeom prst="ellipse">
+                      <a:avLst/>
+                    </a:prstGeom>
+                    <a:solidFill>
+                      <a:schemeClr val="tx1"/>
+                    </a:solidFill>
+                    <a:ln>
+                      <a:solidFill>
+                        <a:schemeClr val="tx1"/>
+                      </a:solidFill>
+                    </a:ln>
+                  </p:spPr>
+                  <p:style>
+                    <a:lnRef idx="2">
+                      <a:schemeClr val="accent1">
+                        <a:shade val="50000"/>
+                      </a:schemeClr>
+                    </a:lnRef>
+                    <a:fillRef idx="1">
+                      <a:schemeClr val="accent1"/>
+                    </a:fillRef>
+                    <a:effectRef idx="0">
+                      <a:schemeClr val="accent1"/>
+                    </a:effectRef>
+                    <a:fontRef idx="minor">
+                      <a:schemeClr val="lt1"/>
+                    </a:fontRef>
+                  </p:style>
+                  <p:txBody>
+                    <a:bodyPr rtlCol="0" anchor="ctr"/>
+                    <a:lstStyle/>
+                    <a:p>
+                      <a:pPr algn="ctr"/>
+                      <a:endParaRPr lang="fr-FR"/>
+                    </a:p>
+                  </p:txBody>
+                </p:sp>
+                <mc:AlternateContent xmlns:mc="http://schemas.openxmlformats.org/markup-compatibility/2006">
+                  <mc:Choice xmlns:a14="http://schemas.microsoft.com/office/drawing/2010/main" Requires="a14">
+                    <p:sp>
+                      <p:nvSpPr>
+                        <p:cNvPr id="95" name="ZoneTexte 94"/>
+                        <p:cNvSpPr txBox="1"/>
+                        <p:nvPr/>
+                      </p:nvSpPr>
+                      <p:spPr>
+                        <a:xfrm>
+                          <a:off x="6221787" y="4626926"/>
+                          <a:ext cx="360548" cy="307777"/>
+                        </a:xfrm>
+                        <a:prstGeom prst="rect">
+                          <a:avLst/>
+                        </a:prstGeom>
+                        <a:noFill/>
+                      </p:spPr>
+                      <p:txBody>
+                        <a:bodyPr wrap="none" rtlCol="0">
+                          <a:spAutoFit/>
+                        </a:bodyPr>
+                        <a:lstStyle/>
+                        <a:p>
+                          <a14:m>
+                            <m:oMathPara xmlns:m="http://schemas.openxmlformats.org/officeDocument/2006/math">
+                              <m:oMathParaPr>
+                                <m:jc m:val="centerGroup"/>
+                              </m:oMathParaPr>
+                              <m:oMath xmlns:m="http://schemas.openxmlformats.org/officeDocument/2006/math">
+                                <m:r>
+                                  <a:rPr lang="fr-FR" sz="1400" b="0" i="1" smtClean="0">
+                                    <a:latin typeface="Cambria Math" panose="02040503050406030204" pitchFamily="18" charset="0"/>
+                                  </a:rPr>
+                                  <m:t>𝑁</m:t>
+                                </m:r>
+                              </m:oMath>
+                            </m:oMathPara>
+                          </a14:m>
+                          <a:endParaRPr lang="fr-FR" sz="1400" dirty="0"/>
+                        </a:p>
+                      </p:txBody>
+                    </p:sp>
+                  </mc:Choice>
+                  <mc:Fallback>
+                    <p:sp>
+                      <p:nvSpPr>
+                        <p:cNvPr id="95" name="ZoneTexte 94"/>
+                        <p:cNvSpPr txBox="1">
+                          <a:spLocks noRot="1" noChangeAspect="1" noMove="1" noResize="1" noEditPoints="1" noAdjustHandles="1" noChangeArrowheads="1" noChangeShapeType="1" noTextEdit="1"/>
+                        </p:cNvSpPr>
+                        <p:nvPr/>
+                      </p:nvSpPr>
+                      <p:spPr>
+                        <a:xfrm>
+                          <a:off x="6221787" y="4626926"/>
+                          <a:ext cx="360548" cy="307777"/>
+                        </a:xfrm>
+                        <a:prstGeom prst="rect">
+                          <a:avLst/>
+                        </a:prstGeom>
+                        <a:blipFill rotWithShape="0">
+                          <a:blip r:embed="rId10"/>
+                          <a:stretch>
+                            <a:fillRect/>
+                          </a:stretch>
+                        </a:blipFill>
+                      </p:spPr>
+                      <p:txBody>
+                        <a:bodyPr/>
+                        <a:lstStyle/>
+                        <a:p>
+                          <a:r>
+                            <a:rPr lang="fr-FR">
+                              <a:noFill/>
+                            </a:rPr>
+                            <a:t> </a:t>
+                          </a:r>
+                        </a:p>
+                      </p:txBody>
+                    </p:sp>
+                  </mc:Fallback>
+                </mc:AlternateContent>
+              </p:grpSp>
+              <p:grpSp>
+                <p:nvGrpSpPr>
+                  <p:cNvPr id="96" name="Groupe 95"/>
+                  <p:cNvGrpSpPr/>
+                  <p:nvPr/>
+                </p:nvGrpSpPr>
+                <p:grpSpPr>
+                  <a:xfrm>
+                    <a:off x="9776208" y="3350554"/>
+                    <a:ext cx="391047" cy="307777"/>
+                    <a:chOff x="6174680" y="4626926"/>
+                    <a:chExt cx="391047" cy="307777"/>
+                  </a:xfrm>
+                </p:grpSpPr>
+                <p:sp>
+                  <p:nvSpPr>
+                    <p:cNvPr id="97" name="Ellipse 96"/>
+                    <p:cNvSpPr/>
+                    <p:nvPr/>
+                  </p:nvSpPr>
+                  <p:spPr>
+                    <a:xfrm>
+                      <a:off x="6174680" y="4643196"/>
+                      <a:ext cx="113015" cy="113015"/>
+                    </a:xfrm>
+                    <a:prstGeom prst="ellipse">
+                      <a:avLst/>
+                    </a:prstGeom>
+                    <a:solidFill>
+                      <a:schemeClr val="tx1"/>
+                    </a:solidFill>
+                    <a:ln>
+                      <a:solidFill>
+                        <a:schemeClr val="tx1"/>
+                      </a:solidFill>
+                    </a:ln>
+                  </p:spPr>
+                  <p:style>
+                    <a:lnRef idx="2">
+                      <a:schemeClr val="accent1">
+                        <a:shade val="50000"/>
+                      </a:schemeClr>
+                    </a:lnRef>
+                    <a:fillRef idx="1">
+                      <a:schemeClr val="accent1"/>
+                    </a:fillRef>
+                    <a:effectRef idx="0">
+                      <a:schemeClr val="accent1"/>
+                    </a:effectRef>
+                    <a:fontRef idx="minor">
+                      <a:schemeClr val="lt1"/>
+                    </a:fontRef>
+                  </p:style>
+                  <p:txBody>
+                    <a:bodyPr rtlCol="0" anchor="ctr"/>
+                    <a:lstStyle/>
+                    <a:p>
+                      <a:pPr algn="ctr"/>
+                      <a:endParaRPr lang="fr-FR"/>
+                    </a:p>
+                  </p:txBody>
+                </p:sp>
+                <mc:AlternateContent xmlns:mc="http://schemas.openxmlformats.org/markup-compatibility/2006">
+                  <mc:Choice xmlns:a14="http://schemas.microsoft.com/office/drawing/2010/main" Requires="a14">
+                    <p:sp>
+                      <p:nvSpPr>
+                        <p:cNvPr id="98" name="ZoneTexte 97"/>
+                        <p:cNvSpPr txBox="1"/>
+                        <p:nvPr/>
+                      </p:nvSpPr>
+                      <p:spPr>
+                        <a:xfrm>
+                          <a:off x="6221787" y="4626926"/>
+                          <a:ext cx="343940" cy="307777"/>
+                        </a:xfrm>
+                        <a:prstGeom prst="rect">
+                          <a:avLst/>
+                        </a:prstGeom>
+                        <a:noFill/>
+                      </p:spPr>
+                      <p:txBody>
+                        <a:bodyPr wrap="none" rtlCol="0">
+                          <a:spAutoFit/>
+                        </a:bodyPr>
+                        <a:lstStyle/>
+                        <a:p>
+                          <a14:m>
+                            <m:oMathPara xmlns:m="http://schemas.openxmlformats.org/officeDocument/2006/math">
+                              <m:oMathParaPr>
+                                <m:jc m:val="centerGroup"/>
+                              </m:oMathParaPr>
+                              <m:oMath xmlns:m="http://schemas.openxmlformats.org/officeDocument/2006/math">
+                                <m:r>
+                                  <a:rPr lang="fr-FR" sz="1400" b="0" i="1" dirty="0" smtClean="0">
+                                    <a:latin typeface="Cambria Math" panose="02040503050406030204" pitchFamily="18" charset="0"/>
+                                  </a:rPr>
+                                  <m:t>𝐸</m:t>
+                                </m:r>
+                              </m:oMath>
+                            </m:oMathPara>
+                          </a14:m>
+                          <a:endParaRPr lang="fr-FR" sz="1400" dirty="0"/>
+                        </a:p>
+                      </p:txBody>
+                    </p:sp>
+                  </mc:Choice>
+                  <mc:Fallback>
+                    <p:sp>
+                      <p:nvSpPr>
+                        <p:cNvPr id="98" name="ZoneTexte 97"/>
+                        <p:cNvSpPr txBox="1">
+                          <a:spLocks noRot="1" noChangeAspect="1" noMove="1" noResize="1" noEditPoints="1" noAdjustHandles="1" noChangeArrowheads="1" noChangeShapeType="1" noTextEdit="1"/>
+                        </p:cNvSpPr>
+                        <p:nvPr/>
+                      </p:nvSpPr>
+                      <p:spPr>
+                        <a:xfrm>
+                          <a:off x="6221787" y="4626926"/>
+                          <a:ext cx="343940" cy="307777"/>
+                        </a:xfrm>
+                        <a:prstGeom prst="rect">
+                          <a:avLst/>
+                        </a:prstGeom>
+                        <a:blipFill rotWithShape="0">
+                          <a:blip r:embed="rId11"/>
+                          <a:stretch>
+                            <a:fillRect/>
+                          </a:stretch>
+                        </a:blipFill>
+                      </p:spPr>
+                      <p:txBody>
+                        <a:bodyPr/>
+                        <a:lstStyle/>
+                        <a:p>
+                          <a:r>
+                            <a:rPr lang="fr-FR">
+                              <a:noFill/>
+                            </a:rPr>
+                            <a:t> </a:t>
+                          </a:r>
+                        </a:p>
+                      </p:txBody>
+                    </p:sp>
+                  </mc:Fallback>
+                </mc:AlternateContent>
+              </p:grpSp>
+              <p:grpSp>
+                <p:nvGrpSpPr>
+                  <p:cNvPr id="99" name="Groupe 98"/>
+                  <p:cNvGrpSpPr/>
+                  <p:nvPr/>
+                </p:nvGrpSpPr>
+                <p:grpSpPr>
+                  <a:xfrm>
+                    <a:off x="7840953" y="5196657"/>
+                    <a:ext cx="395279" cy="307777"/>
+                    <a:chOff x="6149261" y="5013093"/>
+                    <a:chExt cx="395279" cy="307777"/>
+                  </a:xfrm>
+                </p:grpSpPr>
+                <p:sp>
+                  <p:nvSpPr>
+                    <p:cNvPr id="100" name="Ellipse 99"/>
+                    <p:cNvSpPr/>
+                    <p:nvPr/>
+                  </p:nvSpPr>
+                  <p:spPr>
+                    <a:xfrm>
+                      <a:off x="6149261" y="5029363"/>
+                      <a:ext cx="113015" cy="113015"/>
+                    </a:xfrm>
+                    <a:prstGeom prst="ellipse">
+                      <a:avLst/>
+                    </a:prstGeom>
+                    <a:solidFill>
+                      <a:schemeClr val="tx1"/>
+                    </a:solidFill>
+                    <a:ln>
+                      <a:solidFill>
+                        <a:schemeClr val="tx1"/>
+                      </a:solidFill>
+                    </a:ln>
+                  </p:spPr>
+                  <p:style>
+                    <a:lnRef idx="2">
+                      <a:schemeClr val="accent1">
+                        <a:shade val="50000"/>
+                      </a:schemeClr>
+                    </a:lnRef>
+                    <a:fillRef idx="1">
+                      <a:schemeClr val="accent1"/>
+                    </a:fillRef>
+                    <a:effectRef idx="0">
+                      <a:schemeClr val="accent1"/>
+                    </a:effectRef>
+                    <a:fontRef idx="minor">
+                      <a:schemeClr val="lt1"/>
+                    </a:fontRef>
+                  </p:style>
+                  <p:txBody>
+                    <a:bodyPr rtlCol="0" anchor="ctr"/>
+                    <a:lstStyle/>
+                    <a:p>
+                      <a:pPr algn="ctr"/>
+                      <a:endParaRPr lang="fr-FR"/>
+                    </a:p>
+                  </p:txBody>
+                </p:sp>
+                <mc:AlternateContent xmlns:mc="http://schemas.openxmlformats.org/markup-compatibility/2006">
+                  <mc:Choice xmlns:a14="http://schemas.microsoft.com/office/drawing/2010/main" Requires="a14">
+                    <p:sp>
+                      <p:nvSpPr>
+                        <p:cNvPr id="101" name="ZoneTexte 100"/>
+                        <p:cNvSpPr txBox="1"/>
+                        <p:nvPr/>
+                      </p:nvSpPr>
+                      <p:spPr>
+                        <a:xfrm>
+                          <a:off x="6196368" y="5013093"/>
+                          <a:ext cx="348172" cy="307777"/>
+                        </a:xfrm>
+                        <a:prstGeom prst="rect">
+                          <a:avLst/>
+                        </a:prstGeom>
+                        <a:noFill/>
+                      </p:spPr>
+                      <p:txBody>
+                        <a:bodyPr wrap="none" rtlCol="0">
+                          <a:spAutoFit/>
+                        </a:bodyPr>
+                        <a:lstStyle/>
+                        <a:p>
+                          <a14:m>
+                            <m:oMathPara xmlns:m="http://schemas.openxmlformats.org/officeDocument/2006/math">
+                              <m:oMathParaPr>
+                                <m:jc m:val="centerGroup"/>
+                              </m:oMathParaPr>
+                              <m:oMath xmlns:m="http://schemas.openxmlformats.org/officeDocument/2006/math">
+                                <m:r>
+                                  <a:rPr lang="fr-FR" sz="1400" b="0" i="1" dirty="0" smtClean="0">
+                                    <a:latin typeface="Cambria Math" panose="02040503050406030204" pitchFamily="18" charset="0"/>
+                                  </a:rPr>
+                                  <m:t>𝐵</m:t>
+                                </m:r>
+                              </m:oMath>
+                            </m:oMathPara>
+                          </a14:m>
+                          <a:endParaRPr lang="fr-FR" sz="1400" dirty="0"/>
+                        </a:p>
+                      </p:txBody>
+                    </p:sp>
+                  </mc:Choice>
+                  <mc:Fallback>
+                    <p:sp>
+                      <p:nvSpPr>
+                        <p:cNvPr id="101" name="ZoneTexte 100"/>
+                        <p:cNvSpPr txBox="1">
+                          <a:spLocks noRot="1" noChangeAspect="1" noMove="1" noResize="1" noEditPoints="1" noAdjustHandles="1" noChangeArrowheads="1" noChangeShapeType="1" noTextEdit="1"/>
+                        </p:cNvSpPr>
+                        <p:nvPr/>
+                      </p:nvSpPr>
+                      <p:spPr>
+                        <a:xfrm>
+                          <a:off x="6196368" y="5013093"/>
+                          <a:ext cx="348172" cy="307777"/>
+                        </a:xfrm>
+                        <a:prstGeom prst="rect">
+                          <a:avLst/>
+                        </a:prstGeom>
+                        <a:blipFill rotWithShape="0">
+                          <a:blip r:embed="rId12"/>
+                          <a:stretch>
+                            <a:fillRect/>
+                          </a:stretch>
+                        </a:blipFill>
+                      </p:spPr>
+                      <p:txBody>
+                        <a:bodyPr/>
+                        <a:lstStyle/>
+                        <a:p>
+                          <a:r>
+                            <a:rPr lang="fr-FR">
+                              <a:noFill/>
+                            </a:rPr>
+                            <a:t> </a:t>
+                          </a:r>
+                        </a:p>
+                      </p:txBody>
+                    </p:sp>
+                  </mc:Fallback>
+                </mc:AlternateContent>
+              </p:grpSp>
+              <p:grpSp>
+                <p:nvGrpSpPr>
+                  <p:cNvPr id="102" name="Groupe 101"/>
+                  <p:cNvGrpSpPr/>
+                  <p:nvPr/>
+                </p:nvGrpSpPr>
+                <p:grpSpPr>
+                  <a:xfrm>
+                    <a:off x="7886331" y="1554540"/>
+                    <a:ext cx="395279" cy="307777"/>
+                    <a:chOff x="6174680" y="4626926"/>
+                    <a:chExt cx="395279" cy="307777"/>
+                  </a:xfrm>
+                </p:grpSpPr>
+                <p:sp>
+                  <p:nvSpPr>
+                    <p:cNvPr id="103" name="Ellipse 102"/>
+                    <p:cNvSpPr/>
+                    <p:nvPr/>
+                  </p:nvSpPr>
+                  <p:spPr>
+                    <a:xfrm>
+                      <a:off x="6174680" y="4643196"/>
+                      <a:ext cx="113015" cy="113015"/>
+                    </a:xfrm>
+                    <a:prstGeom prst="ellipse">
+                      <a:avLst/>
+                    </a:prstGeom>
+                    <a:solidFill>
+                      <a:schemeClr val="tx1"/>
+                    </a:solidFill>
+                    <a:ln>
+                      <a:solidFill>
+                        <a:schemeClr val="tx1"/>
+                      </a:solidFill>
+                    </a:ln>
+                  </p:spPr>
+                  <p:style>
+                    <a:lnRef idx="2">
+                      <a:schemeClr val="accent1">
+                        <a:shade val="50000"/>
+                      </a:schemeClr>
+                    </a:lnRef>
+                    <a:fillRef idx="1">
+                      <a:schemeClr val="accent1"/>
+                    </a:fillRef>
+                    <a:effectRef idx="0">
+                      <a:schemeClr val="accent1"/>
+                    </a:effectRef>
+                    <a:fontRef idx="minor">
+                      <a:schemeClr val="lt1"/>
+                    </a:fontRef>
+                  </p:style>
+                  <p:txBody>
+                    <a:bodyPr rtlCol="0" anchor="ctr"/>
+                    <a:lstStyle/>
+                    <a:p>
+                      <a:pPr algn="ctr"/>
+                      <a:endParaRPr lang="fr-FR"/>
+                    </a:p>
+                  </p:txBody>
+                </p:sp>
+                <mc:AlternateContent xmlns:mc="http://schemas.openxmlformats.org/markup-compatibility/2006">
+                  <mc:Choice xmlns:a14="http://schemas.microsoft.com/office/drawing/2010/main" Requires="a14">
+                    <p:sp>
+                      <p:nvSpPr>
+                        <p:cNvPr id="104" name="ZoneTexte 103"/>
+                        <p:cNvSpPr txBox="1"/>
+                        <p:nvPr/>
+                      </p:nvSpPr>
+                      <p:spPr>
+                        <a:xfrm>
+                          <a:off x="6221787" y="4626926"/>
+                          <a:ext cx="348172" cy="307777"/>
+                        </a:xfrm>
+                        <a:prstGeom prst="rect">
+                          <a:avLst/>
+                        </a:prstGeom>
+                        <a:noFill/>
+                      </p:spPr>
+                      <p:txBody>
+                        <a:bodyPr wrap="none" rtlCol="0">
+                          <a:spAutoFit/>
+                        </a:bodyPr>
+                        <a:lstStyle/>
+                        <a:p>
+                          <a14:m>
+                            <m:oMathPara xmlns:m="http://schemas.openxmlformats.org/officeDocument/2006/math">
+                              <m:oMathParaPr>
+                                <m:jc m:val="centerGroup"/>
+                              </m:oMathParaPr>
+                              <m:oMath xmlns:m="http://schemas.openxmlformats.org/officeDocument/2006/math">
+                                <m:r>
+                                  <a:rPr lang="fr-FR" sz="1400" b="0" i="1" dirty="0" smtClean="0">
+                                    <a:latin typeface="Cambria Math" panose="02040503050406030204" pitchFamily="18" charset="0"/>
+                                  </a:rPr>
+                                  <m:t>𝑇</m:t>
+                                </m:r>
+                              </m:oMath>
+                            </m:oMathPara>
+                          </a14:m>
+                          <a:endParaRPr lang="fr-FR" sz="1400" dirty="0"/>
+                        </a:p>
+                      </p:txBody>
+                    </p:sp>
+                  </mc:Choice>
+                  <mc:Fallback>
+                    <p:sp>
+                      <p:nvSpPr>
+                        <p:cNvPr id="104" name="ZoneTexte 103"/>
+                        <p:cNvSpPr txBox="1">
+                          <a:spLocks noRot="1" noChangeAspect="1" noMove="1" noResize="1" noEditPoints="1" noAdjustHandles="1" noChangeArrowheads="1" noChangeShapeType="1" noTextEdit="1"/>
+                        </p:cNvSpPr>
+                        <p:nvPr/>
+                      </p:nvSpPr>
+                      <p:spPr>
+                        <a:xfrm>
+                          <a:off x="6221787" y="4626926"/>
+                          <a:ext cx="348172" cy="307777"/>
+                        </a:xfrm>
+                        <a:prstGeom prst="rect">
+                          <a:avLst/>
+                        </a:prstGeom>
+                        <a:blipFill rotWithShape="0">
+                          <a:blip r:embed="rId13"/>
+                          <a:stretch>
+                            <a:fillRect/>
+                          </a:stretch>
+                        </a:blipFill>
+                      </p:spPr>
+                      <p:txBody>
+                        <a:bodyPr/>
+                        <a:lstStyle/>
+                        <a:p>
+                          <a:r>
+                            <a:rPr lang="fr-FR">
+                              <a:noFill/>
+                            </a:rPr>
+                            <a:t> </a:t>
+                          </a:r>
+                        </a:p>
+                      </p:txBody>
+                    </p:sp>
+                  </mc:Fallback>
+                </mc:AlternateContent>
+              </p:grpSp>
+              <p:grpSp>
+                <p:nvGrpSpPr>
+                  <p:cNvPr id="105" name="Groupe 104"/>
+                  <p:cNvGrpSpPr/>
+                  <p:nvPr/>
+                </p:nvGrpSpPr>
+                <p:grpSpPr>
+                  <a:xfrm>
+                    <a:off x="5950467" y="3404939"/>
+                    <a:ext cx="448755" cy="307777"/>
+                    <a:chOff x="6174680" y="4626926"/>
+                    <a:chExt cx="448755" cy="307777"/>
+                  </a:xfrm>
+                </p:grpSpPr>
+                <p:sp>
+                  <p:nvSpPr>
+                    <p:cNvPr id="106" name="Ellipse 105"/>
+                    <p:cNvSpPr/>
+                    <p:nvPr/>
+                  </p:nvSpPr>
+                  <p:spPr>
+                    <a:xfrm>
+                      <a:off x="6174680" y="4643196"/>
+                      <a:ext cx="113015" cy="113015"/>
+                    </a:xfrm>
+                    <a:prstGeom prst="ellipse">
+                      <a:avLst/>
+                    </a:prstGeom>
+                    <a:solidFill>
+                      <a:schemeClr val="tx1"/>
+                    </a:solidFill>
+                    <a:ln>
+                      <a:solidFill>
+                        <a:schemeClr val="tx1"/>
+                      </a:solidFill>
+                    </a:ln>
+                  </p:spPr>
+                  <p:style>
+                    <a:lnRef idx="2">
+                      <a:schemeClr val="accent1">
+                        <a:shade val="50000"/>
+                      </a:schemeClr>
+                    </a:lnRef>
+                    <a:fillRef idx="1">
+                      <a:schemeClr val="accent1"/>
+                    </a:fillRef>
+                    <a:effectRef idx="0">
+                      <a:schemeClr val="accent1"/>
+                    </a:effectRef>
+                    <a:fontRef idx="minor">
+                      <a:schemeClr val="lt1"/>
+                    </a:fontRef>
+                  </p:style>
+                  <p:txBody>
+                    <a:bodyPr rtlCol="0" anchor="ctr"/>
+                    <a:lstStyle/>
+                    <a:p>
+                      <a:pPr algn="ctr"/>
+                      <a:endParaRPr lang="fr-FR"/>
+                    </a:p>
+                  </p:txBody>
+                </p:sp>
+                <mc:AlternateContent xmlns:mc="http://schemas.openxmlformats.org/markup-compatibility/2006">
+                  <mc:Choice xmlns:a14="http://schemas.microsoft.com/office/drawing/2010/main" Requires="a14">
+                    <p:sp>
+                      <p:nvSpPr>
+                        <p:cNvPr id="107" name="ZoneTexte 106"/>
+                        <p:cNvSpPr txBox="1"/>
+                        <p:nvPr/>
+                      </p:nvSpPr>
+                      <p:spPr>
+                        <a:xfrm>
+                          <a:off x="6221787" y="4626926"/>
+                          <a:ext cx="401648" cy="307777"/>
+                        </a:xfrm>
+                        <a:prstGeom prst="rect">
+                          <a:avLst/>
+                        </a:prstGeom>
+                        <a:noFill/>
+                      </p:spPr>
+                      <p:txBody>
+                        <a:bodyPr wrap="none" rtlCol="0">
+                          <a:spAutoFit/>
+                        </a:bodyPr>
+                        <a:lstStyle/>
+                        <a:p>
+                          <a14:m>
+                            <m:oMathPara xmlns:m="http://schemas.openxmlformats.org/officeDocument/2006/math">
+                              <m:oMathParaPr>
+                                <m:jc m:val="centerGroup"/>
+                              </m:oMathParaPr>
+                              <m:oMath xmlns:m="http://schemas.openxmlformats.org/officeDocument/2006/math">
+                                <m:r>
+                                  <a:rPr lang="fr-FR" sz="1400" b="0" i="1" dirty="0" smtClean="0">
+                                    <a:latin typeface="Cambria Math" panose="02040503050406030204" pitchFamily="18" charset="0"/>
+                                  </a:rPr>
+                                  <m:t>𝑊</m:t>
+                                </m:r>
+                              </m:oMath>
+                            </m:oMathPara>
+                          </a14:m>
+                          <a:endParaRPr lang="fr-FR" sz="1400" dirty="0"/>
+                        </a:p>
+                      </p:txBody>
+                    </p:sp>
+                  </mc:Choice>
+                  <mc:Fallback>
+                    <p:sp>
+                      <p:nvSpPr>
+                        <p:cNvPr id="107" name="ZoneTexte 106"/>
+                        <p:cNvSpPr txBox="1">
+                          <a:spLocks noRot="1" noChangeAspect="1" noMove="1" noResize="1" noEditPoints="1" noAdjustHandles="1" noChangeArrowheads="1" noChangeShapeType="1" noTextEdit="1"/>
+                        </p:cNvSpPr>
+                        <p:nvPr/>
+                      </p:nvSpPr>
+                      <p:spPr>
+                        <a:xfrm>
+                          <a:off x="6221787" y="4626926"/>
+                          <a:ext cx="401648" cy="307777"/>
+                        </a:xfrm>
+                        <a:prstGeom prst="rect">
+                          <a:avLst/>
+                        </a:prstGeom>
+                        <a:blipFill rotWithShape="0">
+                          <a:blip r:embed="rId14"/>
+                          <a:stretch>
+                            <a:fillRect/>
+                          </a:stretch>
+                        </a:blipFill>
+                      </p:spPr>
+                      <p:txBody>
+                        <a:bodyPr/>
+                        <a:lstStyle/>
+                        <a:p>
+                          <a:r>
+                            <a:rPr lang="fr-FR">
+                              <a:noFill/>
+                            </a:rPr>
+                            <a:t> </a:t>
+                          </a:r>
+                        </a:p>
+                      </p:txBody>
+                    </p:sp>
+                  </mc:Fallback>
+                </mc:AlternateContent>
+              </p:grpSp>
+            </p:grpSp>
+            <p:grpSp>
+              <p:nvGrpSpPr>
+                <p:cNvPr id="116" name="Groupe 115"/>
+                <p:cNvGrpSpPr/>
+                <p:nvPr/>
+              </p:nvGrpSpPr>
+              <p:grpSpPr>
+                <a:xfrm>
+                  <a:off x="7928470" y="1824116"/>
+                  <a:ext cx="306631" cy="450454"/>
+                  <a:chOff x="4117648" y="1880027"/>
+                  <a:chExt cx="306631" cy="450454"/>
+                </a:xfrm>
+              </p:grpSpPr>
+              <p:cxnSp>
+                <p:nvCxnSpPr>
+                  <p:cNvPr id="113" name="Connecteur droit avec flèche 112"/>
+                  <p:cNvCxnSpPr/>
+                  <p:nvPr/>
+                </p:nvCxnSpPr>
+                <p:spPr>
+                  <a:xfrm flipV="1">
+                    <a:off x="4117648" y="1880027"/>
+                    <a:ext cx="0" cy="376773"/>
+                  </a:xfrm>
+                  <a:prstGeom prst="straightConnector1">
+                    <a:avLst/>
+                  </a:prstGeom>
+                  <a:ln>
+                    <a:headEnd type="oval"/>
+                    <a:tailEnd type="triangle"/>
+                  </a:ln>
+                </p:spPr>
+                <p:style>
+                  <a:lnRef idx="1">
+                    <a:schemeClr val="dk1"/>
+                  </a:lnRef>
+                  <a:fillRef idx="0">
+                    <a:schemeClr val="dk1"/>
+                  </a:fillRef>
+                  <a:effectRef idx="0">
+                    <a:schemeClr val="dk1"/>
+                  </a:effectRef>
+                  <a:fontRef idx="minor">
+                    <a:schemeClr val="tx1"/>
+                  </a:fontRef>
+                </p:style>
+              </p:cxnSp>
+              <mc:AlternateContent xmlns:mc="http://schemas.openxmlformats.org/markup-compatibility/2006">
+                <mc:Choice xmlns:a14="http://schemas.microsoft.com/office/drawing/2010/main" Requires="a14">
+                  <p:sp>
+                    <p:nvSpPr>
+                      <p:cNvPr id="114" name="ZoneTexte 113"/>
+                      <p:cNvSpPr txBox="1"/>
+                      <p:nvPr/>
+                    </p:nvSpPr>
+                    <p:spPr>
+                      <a:xfrm>
+                        <a:off x="4124646" y="2022704"/>
+                        <a:ext cx="299633" cy="307777"/>
+                      </a:xfrm>
+                      <a:prstGeom prst="rect">
+                        <a:avLst/>
+                      </a:prstGeom>
+                      <a:noFill/>
+                    </p:spPr>
+                    <p:txBody>
+                      <a:bodyPr wrap="none" rtlCol="0">
+                        <a:spAutoFit/>
+                      </a:bodyPr>
+                      <a:lstStyle/>
+                      <a:p>
+                        <a14:m>
+                          <m:oMathPara xmlns:m="http://schemas.openxmlformats.org/officeDocument/2006/math">
+                            <m:oMathParaPr>
+                              <m:jc m:val="centerGroup"/>
+                            </m:oMathParaPr>
+                            <m:oMath xmlns:m="http://schemas.openxmlformats.org/officeDocument/2006/math">
+                              <m:r>
+                                <a:rPr lang="fr-FR" sz="1400" b="0" i="1" smtClean="0">
+                                  <a:latin typeface="Cambria Math" panose="02040503050406030204" pitchFamily="18" charset="0"/>
+                                </a:rPr>
+                                <m:t>𝑡</m:t>
+                              </m:r>
+                            </m:oMath>
+                          </m:oMathPara>
+                        </a14:m>
+                        <a:endParaRPr lang="fr-FR" sz="1400" dirty="0"/>
+                      </a:p>
+                    </p:txBody>
+                  </p:sp>
+                </mc:Choice>
+                <mc:Fallback>
+                  <p:sp>
+                    <p:nvSpPr>
+                      <p:cNvPr id="114" name="ZoneTexte 113"/>
+                      <p:cNvSpPr txBox="1">
+                        <a:spLocks noRot="1" noChangeAspect="1" noMove="1" noResize="1" noEditPoints="1" noAdjustHandles="1" noChangeArrowheads="1" noChangeShapeType="1" noTextEdit="1"/>
+                      </p:cNvSpPr>
+                      <p:nvPr/>
+                    </p:nvSpPr>
+                    <p:spPr>
+                      <a:xfrm>
+                        <a:off x="4124646" y="2022704"/>
+                        <a:ext cx="299633" cy="307777"/>
+                      </a:xfrm>
+                      <a:prstGeom prst="rect">
+                        <a:avLst/>
+                      </a:prstGeom>
+                      <a:blipFill rotWithShape="0">
+                        <a:blip r:embed="rId15"/>
+                        <a:stretch>
+                          <a:fillRect/>
+                        </a:stretch>
+                      </a:blipFill>
+                    </p:spPr>
+                    <p:txBody>
+                      <a:bodyPr/>
+                      <a:lstStyle/>
+                      <a:p>
+                        <a:r>
+                          <a:rPr lang="fr-FR">
+                            <a:noFill/>
+                          </a:rPr>
+                          <a:t> </a:t>
+                        </a:r>
+                      </a:p>
+                    </p:txBody>
+                  </p:sp>
+                </mc:Fallback>
+              </mc:AlternateContent>
+            </p:grpSp>
+            <p:cxnSp>
+              <p:nvCxnSpPr>
+                <p:cNvPr id="119" name="Connecteur droit avec flèche 118"/>
+                <p:cNvCxnSpPr/>
+                <p:nvPr/>
+              </p:nvCxnSpPr>
+              <p:spPr>
+                <a:xfrm flipV="1">
+                  <a:off x="8949452" y="3171673"/>
+                  <a:ext cx="507612" cy="1"/>
+                </a:xfrm>
+                <a:prstGeom prst="straightConnector1">
+                  <a:avLst/>
+                </a:prstGeom>
+                <a:ln>
+                  <a:headEnd type="oval"/>
+                  <a:tailEnd type="triangle"/>
+                </a:ln>
+              </p:spPr>
+              <p:style>
+                <a:lnRef idx="1">
+                  <a:schemeClr val="dk1"/>
+                </a:lnRef>
+                <a:fillRef idx="0">
+                  <a:schemeClr val="dk1"/>
+                </a:fillRef>
+                <a:effectRef idx="0">
+                  <a:schemeClr val="dk1"/>
+                </a:effectRef>
+                <a:fontRef idx="minor">
+                  <a:schemeClr val="tx1"/>
+                </a:fontRef>
+              </p:style>
+            </p:cxnSp>
+            <mc:AlternateContent xmlns:mc="http://schemas.openxmlformats.org/markup-compatibility/2006">
+              <mc:Choice xmlns:a14="http://schemas.microsoft.com/office/drawing/2010/main" Requires="a14">
+                <p:sp>
+                  <p:nvSpPr>
+                    <p:cNvPr id="120" name="ZoneTexte 119"/>
+                    <p:cNvSpPr txBox="1"/>
+                    <p:nvPr/>
+                  </p:nvSpPr>
+                  <p:spPr>
+                    <a:xfrm>
+                      <a:off x="7865199" y="4146152"/>
+                      <a:ext cx="324897" cy="307777"/>
+                    </a:xfrm>
+                    <a:prstGeom prst="rect">
+                      <a:avLst/>
+                    </a:prstGeom>
+                    <a:noFill/>
+                  </p:spPr>
+                  <p:txBody>
+                    <a:bodyPr wrap="none" rtlCol="0">
+                      <a:spAutoFit/>
+                    </a:bodyPr>
+                    <a:lstStyle/>
+                    <a:p>
+                      <a14:m>
+                        <m:oMathPara xmlns:m="http://schemas.openxmlformats.org/officeDocument/2006/math">
+                          <m:oMathParaPr>
+                            <m:jc m:val="centerGroup"/>
+                          </m:oMathParaPr>
+                          <m:oMath xmlns:m="http://schemas.openxmlformats.org/officeDocument/2006/math">
+                            <m:r>
+                              <a:rPr lang="fr-FR" sz="1400" b="0" i="1" smtClean="0">
+                                <a:latin typeface="Cambria Math" panose="02040503050406030204" pitchFamily="18" charset="0"/>
+                              </a:rPr>
+                              <m:t>𝑏</m:t>
+                            </m:r>
+                          </m:oMath>
+                        </m:oMathPara>
+                      </a14:m>
+                      <a:endParaRPr lang="fr-FR" sz="1400" dirty="0"/>
+                    </a:p>
+                  </p:txBody>
+                </p:sp>
+              </mc:Choice>
+              <mc:Fallback>
+                <p:sp>
+                  <p:nvSpPr>
+                    <p:cNvPr id="120" name="ZoneTexte 119"/>
+                    <p:cNvSpPr txBox="1">
+                      <a:spLocks noRot="1" noChangeAspect="1" noMove="1" noResize="1" noEditPoints="1" noAdjustHandles="1" noChangeArrowheads="1" noChangeShapeType="1" noTextEdit="1"/>
+                    </p:cNvSpPr>
+                    <p:nvPr/>
+                  </p:nvSpPr>
+                  <p:spPr>
+                    <a:xfrm>
+                      <a:off x="7865199" y="4146152"/>
+                      <a:ext cx="324897" cy="307777"/>
+                    </a:xfrm>
+                    <a:prstGeom prst="rect">
+                      <a:avLst/>
+                    </a:prstGeom>
+                    <a:blipFill rotWithShape="0">
+                      <a:blip r:embed="rId16"/>
+                      <a:stretch>
+                        <a:fillRect/>
+                      </a:stretch>
+                    </a:blipFill>
+                  </p:spPr>
+                  <p:txBody>
+                    <a:bodyPr/>
+                    <a:lstStyle/>
+                    <a:p>
+                      <a:r>
+                        <a:rPr lang="fr-FR">
+                          <a:noFill/>
+                        </a:rPr>
+                        <a:t> </a:t>
+                      </a:r>
+                    </a:p>
+                  </p:txBody>
+                </p:sp>
+              </mc:Fallback>
+            </mc:AlternateContent>
+            <p:cxnSp>
+              <p:nvCxnSpPr>
+                <p:cNvPr id="124" name="Connecteur droit avec flèche 123"/>
+                <p:cNvCxnSpPr/>
+                <p:nvPr/>
+              </p:nvCxnSpPr>
+              <p:spPr>
+                <a:xfrm>
+                  <a:off x="7905583" y="4124409"/>
+                  <a:ext cx="0" cy="421603"/>
+                </a:xfrm>
+                <a:prstGeom prst="straightConnector1">
+                  <a:avLst/>
+                </a:prstGeom>
+                <a:ln>
+                  <a:headEnd type="oval"/>
+                  <a:tailEnd type="triangle"/>
+                </a:ln>
+              </p:spPr>
+              <p:style>
+                <a:lnRef idx="1">
+                  <a:schemeClr val="dk1"/>
+                </a:lnRef>
+                <a:fillRef idx="0">
+                  <a:schemeClr val="dk1"/>
+                </a:fillRef>
+                <a:effectRef idx="0">
+                  <a:schemeClr val="dk1"/>
+                </a:effectRef>
+                <a:fontRef idx="minor">
+                  <a:schemeClr val="tx1"/>
+                </a:fontRef>
+              </p:style>
+            </p:cxnSp>
+            <p:cxnSp>
+              <p:nvCxnSpPr>
+                <p:cNvPr id="129" name="Connecteur droit avec flèche 128"/>
+                <p:cNvCxnSpPr/>
+                <p:nvPr/>
+              </p:nvCxnSpPr>
+              <p:spPr>
+                <a:xfrm flipH="1">
+                  <a:off x="7296426" y="3504457"/>
+                  <a:ext cx="292767" cy="267435"/>
+                </a:xfrm>
+                <a:prstGeom prst="straightConnector1">
+                  <a:avLst/>
+                </a:prstGeom>
+                <a:ln>
+                  <a:headEnd type="oval"/>
+                  <a:tailEnd type="triangle"/>
+                </a:ln>
+              </p:spPr>
+              <p:style>
+                <a:lnRef idx="1">
+                  <a:schemeClr val="dk1"/>
+                </a:lnRef>
+                <a:fillRef idx="0">
+                  <a:schemeClr val="dk1"/>
+                </a:fillRef>
+                <a:effectRef idx="0">
+                  <a:schemeClr val="dk1"/>
+                </a:effectRef>
+                <a:fontRef idx="minor">
+                  <a:schemeClr val="tx1"/>
+                </a:fontRef>
+              </p:style>
+            </p:cxnSp>
+            <mc:AlternateContent xmlns:mc="http://schemas.openxmlformats.org/markup-compatibility/2006">
+              <mc:Choice xmlns:a14="http://schemas.microsoft.com/office/drawing/2010/main" Requires="a14">
+                <p:sp>
+                  <p:nvSpPr>
+                    <p:cNvPr id="133" name="ZoneTexte 132"/>
+                    <p:cNvSpPr txBox="1"/>
+                    <p:nvPr/>
+                  </p:nvSpPr>
+                  <p:spPr>
+                    <a:xfrm>
+                      <a:off x="7346289" y="3236992"/>
+                      <a:ext cx="311752" cy="307777"/>
+                    </a:xfrm>
+                    <a:prstGeom prst="rect">
+                      <a:avLst/>
+                    </a:prstGeom>
+                    <a:noFill/>
+                  </p:spPr>
+                  <p:txBody>
+                    <a:bodyPr wrap="none" rtlCol="0">
+                      <a:spAutoFit/>
+                    </a:bodyPr>
+                    <a:lstStyle/>
+                    <a:p>
+                      <a14:m>
+                        <m:oMathPara xmlns:m="http://schemas.openxmlformats.org/officeDocument/2006/math">
+                          <m:oMathParaPr>
+                            <m:jc m:val="centerGroup"/>
+                          </m:oMathParaPr>
+                          <m:oMath xmlns:m="http://schemas.openxmlformats.org/officeDocument/2006/math">
+                            <m:r>
+                              <a:rPr lang="fr-FR" sz="1400" b="0" i="1" smtClean="0">
+                                <a:latin typeface="Cambria Math" panose="02040503050406030204" pitchFamily="18" charset="0"/>
+                              </a:rPr>
+                              <m:t>𝑠</m:t>
+                            </m:r>
+                          </m:oMath>
+                        </m:oMathPara>
+                      </a14:m>
+                      <a:endParaRPr lang="fr-FR" sz="1400" dirty="0"/>
+                    </a:p>
+                  </p:txBody>
+                </p:sp>
+              </mc:Choice>
+              <mc:Fallback>
+                <p:sp>
+                  <p:nvSpPr>
+                    <p:cNvPr id="133" name="ZoneTexte 132"/>
+                    <p:cNvSpPr txBox="1">
+                      <a:spLocks noRot="1" noChangeAspect="1" noMove="1" noResize="1" noEditPoints="1" noAdjustHandles="1" noChangeArrowheads="1" noChangeShapeType="1" noTextEdit="1"/>
+                    </p:cNvSpPr>
+                    <p:nvPr/>
+                  </p:nvSpPr>
+                  <p:spPr>
+                    <a:xfrm>
+                      <a:off x="7346289" y="3236992"/>
+                      <a:ext cx="311752" cy="307777"/>
+                    </a:xfrm>
+                    <a:prstGeom prst="rect">
+                      <a:avLst/>
+                    </a:prstGeom>
+                    <a:blipFill rotWithShape="0">
+                      <a:blip r:embed="rId17"/>
+                      <a:stretch>
+                        <a:fillRect/>
+                      </a:stretch>
+                    </a:blipFill>
+                  </p:spPr>
+                  <p:txBody>
+                    <a:bodyPr/>
+                    <a:lstStyle/>
+                    <a:p>
+                      <a:r>
+                        <a:rPr lang="fr-FR">
+                          <a:noFill/>
+                        </a:rPr>
+                        <a:t> </a:t>
+                      </a:r>
+                    </a:p>
+                  </p:txBody>
+                </p:sp>
+              </mc:Fallback>
+            </mc:AlternateContent>
+            <mc:AlternateContent xmlns:mc="http://schemas.openxmlformats.org/markup-compatibility/2006">
+              <mc:Choice xmlns:a14="http://schemas.microsoft.com/office/drawing/2010/main" Requires="a14">
+                <p:sp>
+                  <p:nvSpPr>
+                    <p:cNvPr id="134" name="ZoneTexte 133"/>
+                    <p:cNvSpPr txBox="1"/>
+                    <p:nvPr/>
+                  </p:nvSpPr>
+                  <p:spPr>
+                    <a:xfrm>
+                      <a:off x="8816838" y="2865007"/>
+                      <a:ext cx="318484" cy="307777"/>
+                    </a:xfrm>
+                    <a:prstGeom prst="rect">
+                      <a:avLst/>
+                    </a:prstGeom>
+                    <a:noFill/>
+                  </p:spPr>
+                  <p:txBody>
+                    <a:bodyPr wrap="none" rtlCol="0">
+                      <a:spAutoFit/>
+                    </a:bodyPr>
+                    <a:lstStyle/>
+                    <a:p>
+                      <a14:m>
+                        <m:oMathPara xmlns:m="http://schemas.openxmlformats.org/officeDocument/2006/math">
+                          <m:oMathParaPr>
+                            <m:jc m:val="centerGroup"/>
+                          </m:oMathParaPr>
+                          <m:oMath xmlns:m="http://schemas.openxmlformats.org/officeDocument/2006/math">
+                            <m:r>
+                              <a:rPr lang="fr-FR" sz="1400" b="0" i="1" smtClean="0">
+                                <a:latin typeface="Cambria Math" panose="02040503050406030204" pitchFamily="18" charset="0"/>
+                              </a:rPr>
+                              <m:t>𝑒</m:t>
+                            </m:r>
+                          </m:oMath>
+                        </m:oMathPara>
+                      </a14:m>
+                      <a:endParaRPr lang="fr-FR" sz="1400" dirty="0"/>
+                    </a:p>
+                  </p:txBody>
+                </p:sp>
+              </mc:Choice>
+              <mc:Fallback>
+                <p:sp>
+                  <p:nvSpPr>
+                    <p:cNvPr id="134" name="ZoneTexte 133"/>
+                    <p:cNvSpPr txBox="1">
+                      <a:spLocks noRot="1" noChangeAspect="1" noMove="1" noResize="1" noEditPoints="1" noAdjustHandles="1" noChangeArrowheads="1" noChangeShapeType="1" noTextEdit="1"/>
+                    </p:cNvSpPr>
+                    <p:nvPr/>
+                  </p:nvSpPr>
+                  <p:spPr>
+                    <a:xfrm>
+                      <a:off x="8816838" y="2865007"/>
+                      <a:ext cx="318484" cy="307777"/>
+                    </a:xfrm>
+                    <a:prstGeom prst="rect">
+                      <a:avLst/>
+                    </a:prstGeom>
+                    <a:blipFill rotWithShape="0">
+                      <a:blip r:embed="rId18"/>
+                      <a:stretch>
+                        <a:fillRect/>
+                      </a:stretch>
+                    </a:blipFill>
+                  </p:spPr>
+                  <p:txBody>
+                    <a:bodyPr/>
+                    <a:lstStyle/>
+                    <a:p>
+                      <a:r>
+                        <a:rPr lang="fr-FR">
+                          <a:noFill/>
+                        </a:rPr>
+                        <a:t> </a:t>
+                      </a:r>
+                    </a:p>
+                  </p:txBody>
+                </p:sp>
+              </mc:Fallback>
+            </mc:AlternateContent>
+            <mc:AlternateContent xmlns:mc="http://schemas.openxmlformats.org/markup-compatibility/2006">
+              <mc:Choice xmlns:a14="http://schemas.microsoft.com/office/drawing/2010/main" Requires="a14">
+                <p:sp>
+                  <p:nvSpPr>
+                    <p:cNvPr id="135" name="ZoneTexte 134"/>
+                    <p:cNvSpPr txBox="1"/>
+                    <p:nvPr/>
+                  </p:nvSpPr>
+                  <p:spPr>
+                    <a:xfrm>
+                      <a:off x="6667749" y="2890392"/>
+                      <a:ext cx="363048" cy="307777"/>
+                    </a:xfrm>
+                    <a:prstGeom prst="rect">
+                      <a:avLst/>
+                    </a:prstGeom>
+                    <a:noFill/>
+                  </p:spPr>
+                  <p:txBody>
+                    <a:bodyPr wrap="none" rtlCol="0">
+                      <a:spAutoFit/>
+                    </a:bodyPr>
+                    <a:lstStyle/>
+                    <a:p>
+                      <a14:m>
+                        <m:oMathPara xmlns:m="http://schemas.openxmlformats.org/officeDocument/2006/math">
+                          <m:oMathParaPr>
+                            <m:jc m:val="centerGroup"/>
+                          </m:oMathParaPr>
+                          <m:oMath xmlns:m="http://schemas.openxmlformats.org/officeDocument/2006/math">
+                            <m:r>
+                              <a:rPr lang="fr-FR" sz="1400" b="0" i="1" smtClean="0">
+                                <a:latin typeface="Cambria Math" panose="02040503050406030204" pitchFamily="18" charset="0"/>
+                              </a:rPr>
+                              <m:t>𝑤</m:t>
+                            </m:r>
+                          </m:oMath>
+                        </m:oMathPara>
+                      </a14:m>
+                      <a:endParaRPr lang="fr-FR" sz="1400" dirty="0"/>
+                    </a:p>
+                  </p:txBody>
+                </p:sp>
+              </mc:Choice>
+              <mc:Fallback>
+                <p:sp>
+                  <p:nvSpPr>
+                    <p:cNvPr id="135" name="ZoneTexte 134"/>
+                    <p:cNvSpPr txBox="1">
+                      <a:spLocks noRot="1" noChangeAspect="1" noMove="1" noResize="1" noEditPoints="1" noAdjustHandles="1" noChangeArrowheads="1" noChangeShapeType="1" noTextEdit="1"/>
+                    </p:cNvSpPr>
+                    <p:nvPr/>
+                  </p:nvSpPr>
+                  <p:spPr>
+                    <a:xfrm>
+                      <a:off x="6667749" y="2890392"/>
+                      <a:ext cx="363048" cy="307777"/>
+                    </a:xfrm>
+                    <a:prstGeom prst="rect">
+                      <a:avLst/>
+                    </a:prstGeom>
+                    <a:blipFill rotWithShape="0">
+                      <a:blip r:embed="rId19"/>
+                      <a:stretch>
+                        <a:fillRect/>
+                      </a:stretch>
+                    </a:blipFill>
+                  </p:spPr>
+                  <p:txBody>
+                    <a:bodyPr/>
+                    <a:lstStyle/>
+                    <a:p>
+                      <a:r>
+                        <a:rPr lang="fr-FR">
+                          <a:noFill/>
+                        </a:rPr>
+                        <a:t> </a:t>
+                      </a:r>
+                    </a:p>
+                  </p:txBody>
+                </p:sp>
+              </mc:Fallback>
+            </mc:AlternateContent>
+            <p:cxnSp>
+              <p:nvCxnSpPr>
+                <p:cNvPr id="136" name="Connecteur droit avec flèche 135"/>
+                <p:cNvCxnSpPr/>
+                <p:nvPr/>
+              </p:nvCxnSpPr>
+              <p:spPr>
+                <a:xfrm flipH="1" flipV="1">
+                  <a:off x="6379807" y="3201875"/>
+                  <a:ext cx="501357" cy="1"/>
+                </a:xfrm>
+                <a:prstGeom prst="straightConnector1">
+                  <a:avLst/>
+                </a:prstGeom>
+                <a:ln>
+                  <a:headEnd type="oval"/>
+                  <a:tailEnd type="triangle"/>
+                </a:ln>
+              </p:spPr>
+              <p:style>
+                <a:lnRef idx="1">
+                  <a:schemeClr val="dk1"/>
+                </a:lnRef>
+                <a:fillRef idx="0">
+                  <a:schemeClr val="dk1"/>
+                </a:fillRef>
+                <a:effectRef idx="0">
+                  <a:schemeClr val="dk1"/>
+                </a:effectRef>
+                <a:fontRef idx="minor">
+                  <a:schemeClr val="tx1"/>
+                </a:fontRef>
+              </p:style>
+            </p:cxnSp>
+            <p:cxnSp>
+              <p:nvCxnSpPr>
+                <p:cNvPr id="138" name="Connecteur droit avec flèche 137"/>
+                <p:cNvCxnSpPr/>
+                <p:nvPr/>
+              </p:nvCxnSpPr>
+              <p:spPr>
+                <a:xfrm flipV="1">
+                  <a:off x="8163260" y="2711137"/>
+                  <a:ext cx="264611" cy="248422"/>
+                </a:xfrm>
+                <a:prstGeom prst="straightConnector1">
+                  <a:avLst/>
+                </a:prstGeom>
+                <a:ln>
+                  <a:headEnd type="oval"/>
+                  <a:tailEnd type="triangle"/>
+                </a:ln>
+              </p:spPr>
+              <p:style>
+                <a:lnRef idx="1">
+                  <a:schemeClr val="dk1"/>
+                </a:lnRef>
+                <a:fillRef idx="0">
+                  <a:schemeClr val="dk1"/>
+                </a:fillRef>
+                <a:effectRef idx="0">
+                  <a:schemeClr val="dk1"/>
+                </a:effectRef>
+                <a:fontRef idx="minor">
+                  <a:schemeClr val="tx1"/>
+                </a:fontRef>
+              </p:style>
+            </p:cxnSp>
+            <mc:AlternateContent xmlns:mc="http://schemas.openxmlformats.org/markup-compatibility/2006">
+              <mc:Choice xmlns:a14="http://schemas.microsoft.com/office/drawing/2010/main" Requires="a14">
+                <p:sp>
+                  <p:nvSpPr>
+                    <p:cNvPr id="143" name="ZoneTexte 142"/>
+                    <p:cNvSpPr txBox="1"/>
+                    <p:nvPr/>
+                  </p:nvSpPr>
+                  <p:spPr>
+                    <a:xfrm>
+                      <a:off x="7970091" y="2655506"/>
+                      <a:ext cx="330410" cy="307777"/>
+                    </a:xfrm>
+                    <a:prstGeom prst="rect">
+                      <a:avLst/>
+                    </a:prstGeom>
+                    <a:noFill/>
+                  </p:spPr>
+                  <p:txBody>
+                    <a:bodyPr wrap="none" rtlCol="0">
+                      <a:spAutoFit/>
+                    </a:bodyPr>
+                    <a:lstStyle/>
+                    <a:p>
+                      <a14:m>
+                        <m:oMathPara xmlns:m="http://schemas.openxmlformats.org/officeDocument/2006/math">
+                          <m:oMathParaPr>
+                            <m:jc m:val="centerGroup"/>
+                          </m:oMathParaPr>
+                          <m:oMath xmlns:m="http://schemas.openxmlformats.org/officeDocument/2006/math">
+                            <m:r>
+                              <a:rPr lang="fr-FR" sz="1400" b="0" i="1" smtClean="0">
+                                <a:latin typeface="Cambria Math" panose="02040503050406030204" pitchFamily="18" charset="0"/>
+                              </a:rPr>
+                              <m:t>𝑛</m:t>
+                            </m:r>
+                          </m:oMath>
+                        </m:oMathPara>
+                      </a14:m>
+                      <a:endParaRPr lang="fr-FR" sz="1400" dirty="0"/>
+                    </a:p>
+                  </p:txBody>
+                </p:sp>
+              </mc:Choice>
+              <mc:Fallback>
+                <p:sp>
+                  <p:nvSpPr>
+                    <p:cNvPr id="143" name="ZoneTexte 142"/>
+                    <p:cNvSpPr txBox="1">
+                      <a:spLocks noRot="1" noChangeAspect="1" noMove="1" noResize="1" noEditPoints="1" noAdjustHandles="1" noChangeArrowheads="1" noChangeShapeType="1" noTextEdit="1"/>
+                    </p:cNvSpPr>
+                    <p:nvPr/>
+                  </p:nvSpPr>
+                  <p:spPr>
+                    <a:xfrm>
+                      <a:off x="7970091" y="2655506"/>
+                      <a:ext cx="330410" cy="307777"/>
+                    </a:xfrm>
+                    <a:prstGeom prst="rect">
+                      <a:avLst/>
+                    </a:prstGeom>
+                    <a:blipFill rotWithShape="0">
+                      <a:blip r:embed="rId20"/>
+                      <a:stretch>
+                        <a:fillRect/>
+                      </a:stretch>
+                    </a:blipFill>
+                  </p:spPr>
+                  <p:txBody>
+                    <a:bodyPr/>
+                    <a:lstStyle/>
+                    <a:p>
+                      <a:r>
+                        <a:rPr lang="fr-FR">
+                          <a:noFill/>
+                        </a:rPr>
+                        <a:t> </a:t>
+                      </a:r>
+                    </a:p>
+                  </p:txBody>
+                </p:sp>
+              </mc:Fallback>
+            </mc:AlternateContent>
+          </p:grpSp>
+          <p:cxnSp>
+            <p:nvCxnSpPr>
+              <p:cNvPr id="149" name="Connecteur droit avec flèche 148"/>
+              <p:cNvCxnSpPr/>
+              <p:nvPr/>
+            </p:nvCxnSpPr>
+            <p:spPr>
+              <a:xfrm>
+                <a:off x="6576106" y="4687296"/>
+                <a:ext cx="1996415" cy="0"/>
+              </a:xfrm>
+              <a:prstGeom prst="straightConnector1">
+                <a:avLst/>
+              </a:prstGeom>
+              <a:ln>
+                <a:solidFill>
+                  <a:schemeClr val="tx1"/>
+                </a:solidFill>
+                <a:headEnd type="triangle"/>
+                <a:tailEnd type="triangle"/>
+              </a:ln>
+            </p:spPr>
+            <p:style>
+              <a:lnRef idx="1">
+                <a:schemeClr val="accent1"/>
+              </a:lnRef>
+              <a:fillRef idx="0">
+                <a:schemeClr val="accent1"/>
+              </a:fillRef>
+              <a:effectRef idx="0">
+                <a:schemeClr val="accent1"/>
+              </a:effectRef>
+              <a:fontRef idx="minor">
+                <a:schemeClr val="tx1"/>
+              </a:fontRef>
+            </p:style>
+          </p:cxnSp>
+          <mc:AlternateContent xmlns:mc="http://schemas.openxmlformats.org/markup-compatibility/2006">
+            <mc:Choice xmlns:a14="http://schemas.microsoft.com/office/drawing/2010/main" Requires="a14">
+              <p:sp>
+                <p:nvSpPr>
+                  <p:cNvPr id="150" name="ZoneTexte 149"/>
+                  <p:cNvSpPr txBox="1"/>
+                  <p:nvPr/>
+                </p:nvSpPr>
+                <p:spPr>
+                  <a:xfrm>
+                    <a:off x="7315925" y="4673230"/>
+                    <a:ext cx="436338" cy="307777"/>
+                  </a:xfrm>
+                  <a:prstGeom prst="rect">
+                    <a:avLst/>
+                  </a:prstGeom>
+                  <a:noFill/>
+                </p:spPr>
+                <p:txBody>
+                  <a:bodyPr wrap="none" rtlCol="0">
+                    <a:spAutoFit/>
+                  </a:bodyPr>
+                  <a:lstStyle/>
+                  <a:p>
+                    <a:pPr/>
+                    <a14:m>
+                      <m:oMathPara xmlns:m="http://schemas.openxmlformats.org/officeDocument/2006/math">
+                        <m:oMathParaPr>
+                          <m:jc m:val="centerGroup"/>
+                        </m:oMathParaPr>
+                        <m:oMath xmlns:m="http://schemas.openxmlformats.org/officeDocument/2006/math">
+                          <m:r>
+                            <a:rPr lang="fr-FR" sz="1400" b="1" i="1" smtClean="0">
+                              <a:latin typeface="Cambria Math" panose="02040503050406030204" pitchFamily="18" charset="0"/>
+                              <a:ea typeface="Cambria Math" panose="02040503050406030204" pitchFamily="18" charset="0"/>
+                            </a:rPr>
+                            <m:t>∆</m:t>
+                          </m:r>
+                          <m:r>
+                            <a:rPr lang="fr-FR" sz="1400" b="0" i="1" smtClean="0">
+                              <a:latin typeface="Cambria Math" panose="02040503050406030204" pitchFamily="18" charset="0"/>
+                              <a:ea typeface="Cambria Math" panose="02040503050406030204" pitchFamily="18" charset="0"/>
+                            </a:rPr>
+                            <m:t>𝑥</m:t>
+                          </m:r>
+                        </m:oMath>
+                      </m:oMathPara>
+                    </a14:m>
+                    <a:endParaRPr lang="fr-FR" sz="1400" dirty="0"/>
+                  </a:p>
+                </p:txBody>
+              </p:sp>
+            </mc:Choice>
+            <mc:Fallback>
+              <p:sp>
+                <p:nvSpPr>
+                  <p:cNvPr id="150" name="ZoneTexte 149"/>
+                  <p:cNvSpPr txBox="1">
+                    <a:spLocks noRot="1" noChangeAspect="1" noMove="1" noResize="1" noEditPoints="1" noAdjustHandles="1" noChangeArrowheads="1" noChangeShapeType="1" noTextEdit="1"/>
+                  </p:cNvSpPr>
+                  <p:nvPr/>
+                </p:nvSpPr>
+                <p:spPr>
+                  <a:xfrm>
+                    <a:off x="7315925" y="4673230"/>
+                    <a:ext cx="436338" cy="307777"/>
+                  </a:xfrm>
+                  <a:prstGeom prst="rect">
+                    <a:avLst/>
+                  </a:prstGeom>
+                  <a:blipFill rotWithShape="0">
+                    <a:blip r:embed="rId21"/>
+                    <a:stretch>
+                      <a:fillRect/>
+                    </a:stretch>
+                  </a:blipFill>
+                </p:spPr>
+                <p:txBody>
+                  <a:bodyPr/>
+                  <a:lstStyle/>
+                  <a:p>
+                    <a:r>
+                      <a:rPr lang="fr-FR">
+                        <a:noFill/>
+                      </a:rPr>
+                      <a:t> </a:t>
+                    </a:r>
+                  </a:p>
+                </p:txBody>
+              </p:sp>
+            </mc:Fallback>
+          </mc:AlternateContent>
+          <p:cxnSp>
+            <p:nvCxnSpPr>
+              <p:cNvPr id="151" name="Connecteur droit avec flèche 150"/>
+              <p:cNvCxnSpPr/>
+              <p:nvPr/>
+            </p:nvCxnSpPr>
+            <p:spPr>
+              <a:xfrm flipV="1">
+                <a:off x="9557136" y="1975976"/>
+                <a:ext cx="0" cy="1795916"/>
+              </a:xfrm>
+              <a:prstGeom prst="straightConnector1">
+                <a:avLst/>
+              </a:prstGeom>
+              <a:ln>
+                <a:solidFill>
+                  <a:schemeClr val="tx1"/>
+                </a:solidFill>
+                <a:headEnd type="triangle"/>
+                <a:tailEnd type="triangle"/>
+              </a:ln>
+            </p:spPr>
+            <p:style>
+              <a:lnRef idx="1">
+                <a:schemeClr val="accent1"/>
+              </a:lnRef>
+              <a:fillRef idx="0">
+                <a:schemeClr val="accent1"/>
+              </a:fillRef>
+              <a:effectRef idx="0">
+                <a:schemeClr val="accent1"/>
+              </a:effectRef>
+              <a:fontRef idx="minor">
+                <a:schemeClr val="tx1"/>
+              </a:fontRef>
+            </p:style>
+          </p:cxnSp>
+          <mc:AlternateContent xmlns:mc="http://schemas.openxmlformats.org/markup-compatibility/2006">
+            <mc:Choice xmlns:a14="http://schemas.microsoft.com/office/drawing/2010/main" Requires="a14">
+              <p:sp>
+                <p:nvSpPr>
+                  <p:cNvPr id="152" name="ZoneTexte 151"/>
+                  <p:cNvSpPr txBox="1"/>
+                  <p:nvPr/>
+                </p:nvSpPr>
+                <p:spPr>
+                  <a:xfrm>
+                    <a:off x="8794358" y="4435671"/>
+                    <a:ext cx="425116" cy="307777"/>
+                  </a:xfrm>
+                  <a:prstGeom prst="rect">
+                    <a:avLst/>
+                  </a:prstGeom>
+                  <a:noFill/>
+                </p:spPr>
+                <p:txBody>
+                  <a:bodyPr wrap="none" rtlCol="0">
+                    <a:spAutoFit/>
+                  </a:bodyPr>
+                  <a:lstStyle/>
+                  <a:p>
+                    <a:pPr/>
+                    <a14:m>
+                      <m:oMathPara xmlns:m="http://schemas.openxmlformats.org/officeDocument/2006/math">
+                        <m:oMathParaPr>
+                          <m:jc m:val="centerGroup"/>
+                        </m:oMathParaPr>
+                        <m:oMath xmlns:m="http://schemas.openxmlformats.org/officeDocument/2006/math">
+                          <m:r>
+                            <a:rPr lang="fr-FR" sz="1400" b="1" i="1" smtClean="0">
+                              <a:latin typeface="Cambria Math" panose="02040503050406030204" pitchFamily="18" charset="0"/>
+                              <a:ea typeface="Cambria Math" panose="02040503050406030204" pitchFamily="18" charset="0"/>
+                            </a:rPr>
+                            <m:t>∆</m:t>
+                          </m:r>
+                          <m:r>
+                            <a:rPr lang="fr-FR" sz="1400" b="0" i="1" smtClean="0">
+                              <a:latin typeface="Cambria Math" panose="02040503050406030204" pitchFamily="18" charset="0"/>
+                              <a:ea typeface="Cambria Math" panose="02040503050406030204" pitchFamily="18" charset="0"/>
+                            </a:rPr>
+                            <m:t>𝑧</m:t>
+                          </m:r>
+                        </m:oMath>
+                      </m:oMathPara>
+                    </a14:m>
+                    <a:endParaRPr lang="fr-FR" sz="1400" dirty="0"/>
+                  </a:p>
+                </p:txBody>
+              </p:sp>
+            </mc:Choice>
+            <mc:Fallback>
+              <p:sp>
+                <p:nvSpPr>
+                  <p:cNvPr id="152" name="ZoneTexte 151"/>
+                  <p:cNvSpPr txBox="1">
+                    <a:spLocks noRot="1" noChangeAspect="1" noMove="1" noResize="1" noEditPoints="1" noAdjustHandles="1" noChangeArrowheads="1" noChangeShapeType="1" noTextEdit="1"/>
+                  </p:cNvSpPr>
+                  <p:nvPr/>
+                </p:nvSpPr>
+                <p:spPr>
+                  <a:xfrm>
+                    <a:off x="8794358" y="4435671"/>
+                    <a:ext cx="425116" cy="307777"/>
+                  </a:xfrm>
+                  <a:prstGeom prst="rect">
+                    <a:avLst/>
+                  </a:prstGeom>
+                  <a:blipFill rotWithShape="0">
+                    <a:blip r:embed="rId22"/>
+                    <a:stretch>
+                      <a:fillRect/>
+                    </a:stretch>
+                  </a:blipFill>
+                </p:spPr>
+                <p:txBody>
+                  <a:bodyPr/>
+                  <a:lstStyle/>
+                  <a:p>
+                    <a:r>
+                      <a:rPr lang="fr-FR">
+                        <a:noFill/>
+                      </a:rPr>
+                      <a:t> </a:t>
+                    </a:r>
+                  </a:p>
+                </p:txBody>
+              </p:sp>
+            </mc:Fallback>
+          </mc:AlternateContent>
+          <p:cxnSp>
+            <p:nvCxnSpPr>
+              <p:cNvPr id="157" name="Connecteur droit 156"/>
+              <p:cNvCxnSpPr/>
+              <p:nvPr/>
+            </p:nvCxnSpPr>
+            <p:spPr>
+              <a:xfrm>
+                <a:off x="6826991" y="1975976"/>
+                <a:ext cx="2812309" cy="0"/>
+              </a:xfrm>
+              <a:prstGeom prst="line">
+                <a:avLst/>
+              </a:prstGeom>
+              <a:ln w="28575">
+                <a:solidFill>
+                  <a:schemeClr val="tx1"/>
+                </a:solidFill>
+                <a:prstDash val="solid"/>
+              </a:ln>
+            </p:spPr>
+            <p:style>
+              <a:lnRef idx="1">
+                <a:schemeClr val="accent1"/>
+              </a:lnRef>
+              <a:fillRef idx="0">
+                <a:schemeClr val="accent1"/>
+              </a:fillRef>
+              <a:effectRef idx="0">
+                <a:schemeClr val="accent1"/>
+              </a:effectRef>
+              <a:fontRef idx="minor">
+                <a:schemeClr val="tx1"/>
+              </a:fontRef>
+            </p:style>
+          </p:cxnSp>
+          <p:cxnSp>
+            <p:nvCxnSpPr>
+              <p:cNvPr id="161" name="Connecteur droit avec flèche 160"/>
+              <p:cNvCxnSpPr/>
+              <p:nvPr/>
+            </p:nvCxnSpPr>
+            <p:spPr>
+              <a:xfrm flipV="1">
+                <a:off x="8582025" y="4176745"/>
+                <a:ext cx="630747" cy="648605"/>
+              </a:xfrm>
+              <a:prstGeom prst="straightConnector1">
+                <a:avLst/>
+              </a:prstGeom>
+              <a:ln>
+                <a:solidFill>
+                  <a:schemeClr val="tx1"/>
+                </a:solidFill>
+                <a:headEnd type="triangle"/>
+                <a:tailEnd type="triangle"/>
+              </a:ln>
+            </p:spPr>
+            <p:style>
+              <a:lnRef idx="1">
+                <a:schemeClr val="accent1"/>
+              </a:lnRef>
+              <a:fillRef idx="0">
+                <a:schemeClr val="accent1"/>
+              </a:fillRef>
+              <a:effectRef idx="0">
+                <a:schemeClr val="accent1"/>
+              </a:effectRef>
+              <a:fontRef idx="minor">
+                <a:schemeClr val="tx1"/>
+              </a:fontRef>
+            </p:style>
+          </p:cxnSp>
+          <mc:AlternateContent xmlns:mc="http://schemas.openxmlformats.org/markup-compatibility/2006">
+            <mc:Choice xmlns:a14="http://schemas.microsoft.com/office/drawing/2010/main" Requires="a14">
+              <p:sp>
+                <p:nvSpPr>
+                  <p:cNvPr id="163" name="ZoneTexte 162"/>
+                  <p:cNvSpPr txBox="1"/>
+                  <p:nvPr/>
+                </p:nvSpPr>
+                <p:spPr>
+                  <a:xfrm>
+                    <a:off x="9470503" y="2581509"/>
+                    <a:ext cx="436210" cy="307777"/>
+                  </a:xfrm>
+                  <a:prstGeom prst="rect">
+                    <a:avLst/>
+                  </a:prstGeom>
+                  <a:noFill/>
+                </p:spPr>
+                <p:txBody>
+                  <a:bodyPr wrap="none" rtlCol="0">
+                    <a:spAutoFit/>
+                  </a:bodyPr>
+                  <a:lstStyle/>
+                  <a:p>
+                    <a:pPr/>
+                    <a14:m>
+                      <m:oMathPara xmlns:m="http://schemas.openxmlformats.org/officeDocument/2006/math">
+                        <m:oMathParaPr>
+                          <m:jc m:val="centerGroup"/>
+                        </m:oMathParaPr>
+                        <m:oMath xmlns:m="http://schemas.openxmlformats.org/officeDocument/2006/math">
+                          <m:r>
+                            <a:rPr lang="fr-FR" sz="1400" b="1" i="1" smtClean="0">
+                              <a:latin typeface="Cambria Math" panose="02040503050406030204" pitchFamily="18" charset="0"/>
+                              <a:ea typeface="Cambria Math" panose="02040503050406030204" pitchFamily="18" charset="0"/>
+                            </a:rPr>
+                            <m:t>∆</m:t>
+                          </m:r>
+                          <m:r>
+                            <a:rPr lang="fr-FR" sz="1400" b="0" i="1" smtClean="0">
+                              <a:latin typeface="Cambria Math" panose="02040503050406030204" pitchFamily="18" charset="0"/>
+                              <a:ea typeface="Cambria Math" panose="02040503050406030204" pitchFamily="18" charset="0"/>
+                            </a:rPr>
+                            <m:t>𝑦</m:t>
+                          </m:r>
+                        </m:oMath>
+                      </m:oMathPara>
+                    </a14:m>
+                    <a:endParaRPr lang="fr-FR" sz="1400" dirty="0"/>
+                  </a:p>
+                </p:txBody>
+              </p:sp>
+            </mc:Choice>
+            <mc:Fallback>
+              <p:sp>
+                <p:nvSpPr>
+                  <p:cNvPr id="163" name="ZoneTexte 162"/>
+                  <p:cNvSpPr txBox="1">
+                    <a:spLocks noRot="1" noChangeAspect="1" noMove="1" noResize="1" noEditPoints="1" noAdjustHandles="1" noChangeArrowheads="1" noChangeShapeType="1" noTextEdit="1"/>
+                  </p:cNvSpPr>
+                  <p:nvPr/>
+                </p:nvSpPr>
+                <p:spPr>
+                  <a:xfrm>
+                    <a:off x="9470503" y="2581509"/>
+                    <a:ext cx="436210" cy="307777"/>
+                  </a:xfrm>
+                  <a:prstGeom prst="rect">
+                    <a:avLst/>
+                  </a:prstGeom>
+                  <a:blipFill rotWithShape="0">
+                    <a:blip r:embed="rId23"/>
+                    <a:stretch>
+                      <a:fillRect/>
+                    </a:stretch>
+                  </a:blipFill>
+                </p:spPr>
+                <p:txBody>
+                  <a:bodyPr/>
+                  <a:lstStyle/>
+                  <a:p>
+                    <a:r>
+                      <a:rPr lang="fr-FR">
+                        <a:noFill/>
+                      </a:rPr>
+                      <a:t> </a:t>
+                    </a:r>
+                  </a:p>
+                </p:txBody>
+              </p:sp>
+            </mc:Fallback>
+          </mc:AlternateContent>
+          <p:cxnSp>
+            <p:nvCxnSpPr>
+              <p:cNvPr id="164" name="Connecteur droit 163"/>
+              <p:cNvCxnSpPr/>
+              <p:nvPr/>
+            </p:nvCxnSpPr>
+            <p:spPr>
+              <a:xfrm>
+                <a:off x="6127939" y="2566760"/>
+                <a:ext cx="2812309" cy="0"/>
+              </a:xfrm>
+              <a:prstGeom prst="line">
+                <a:avLst/>
+              </a:prstGeom>
+              <a:ln w="28575">
+                <a:solidFill>
+                  <a:schemeClr val="tx1"/>
+                </a:solidFill>
+                <a:prstDash val="solid"/>
+              </a:ln>
+            </p:spPr>
+            <p:style>
+              <a:lnRef idx="1">
+                <a:schemeClr val="accent1"/>
+              </a:lnRef>
+              <a:fillRef idx="0">
+                <a:schemeClr val="accent1"/>
+              </a:fillRef>
+              <a:effectRef idx="0">
+                <a:schemeClr val="accent1"/>
+              </a:effectRef>
+              <a:fontRef idx="minor">
+                <a:schemeClr val="tx1"/>
+              </a:fontRef>
+            </p:style>
+          </p:cxnSp>
+        </p:grpSp>
+      </p:grpSp>
+    </p:spTree>
+    <p:extLst>
+      <p:ext uri="{BB962C8B-B14F-4D97-AF65-F5344CB8AC3E}">
+        <p14:creationId xmlns:p14="http://schemas.microsoft.com/office/powerpoint/2010/main" val="3887872200"/>
+      </p:ext>
+    </p:extLst>
+  </p:cSld>
+  <p:clrMapOvr>
+    <a:masterClrMapping/>
+  </p:clrMapOvr>
+</p:sld>
+</file>
+
+<file path=ppt/slides/slide6.xml><?xml version="1.0" encoding="utf-8"?>
 <p:sld xmlns:a="http://schemas.openxmlformats.org/drawingml/2006/main" xmlns:r="http://schemas.openxmlformats.org/officeDocument/2006/relationships" xmlns:p="http://schemas.openxmlformats.org/presentationml/2006/main">
   <p:cSld>
     <p:spTree>
@@ -32283,7 +39808,7 @@
 </p:sld>
 </file>
 
-<file path=ppt/slides/slide5.xml><?xml version="1.0" encoding="utf-8"?>
+<file path=ppt/slides/slide7.xml><?xml version="1.0" encoding="utf-8"?>
 <p:sld xmlns:a="http://schemas.openxmlformats.org/drawingml/2006/main" xmlns:r="http://schemas.openxmlformats.org/officeDocument/2006/relationships" xmlns:p="http://schemas.openxmlformats.org/presentationml/2006/main">
   <p:cSld>
     <p:spTree>
@@ -34121,7 +41646,7 @@
 </p:sld>
 </file>
 
-<file path=ppt/slides/slide6.xml><?xml version="1.0" encoding="utf-8"?>
+<file path=ppt/slides/slide8.xml><?xml version="1.0" encoding="utf-8"?>
 <p:sld xmlns:a="http://schemas.openxmlformats.org/drawingml/2006/main" xmlns:r="http://schemas.openxmlformats.org/officeDocument/2006/relationships" xmlns:p="http://schemas.openxmlformats.org/presentationml/2006/main">
   <p:cSld>
     <p:spTree>
@@ -34978,7 +42503,7 @@
 </p:sld>
 </file>
 
-<file path=ppt/slides/slide7.xml><?xml version="1.0" encoding="utf-8"?>
+<file path=ppt/slides/slide9.xml><?xml version="1.0" encoding="utf-8"?>
 <p:sld xmlns:a="http://schemas.openxmlformats.org/drawingml/2006/main" xmlns:r="http://schemas.openxmlformats.org/officeDocument/2006/relationships" xmlns:p="http://schemas.openxmlformats.org/presentationml/2006/main">
   <p:cSld>
     <p:spTree>
@@ -35025,21 +42550,21 @@
                     <a:gridCol w="4805518">
                       <a:extLst>
                         <a:ext uri="{9D8B030D-6E8A-4147-A177-3AD203B41FA5}">
-                          <a16:colId xmlns:a16="http://schemas.microsoft.com/office/drawing/2014/main" xmlns="" val="3081511506"/>
+                          <a16:colId xmlns="" xmlns:a16="http://schemas.microsoft.com/office/drawing/2014/main" val="3081511506"/>
                         </a:ext>
                       </a:extLst>
                     </a:gridCol>
                     <a:gridCol w="1765060">
                       <a:extLst>
                         <a:ext uri="{9D8B030D-6E8A-4147-A177-3AD203B41FA5}">
-                          <a16:colId xmlns:a16="http://schemas.microsoft.com/office/drawing/2014/main" xmlns="" val="1214192377"/>
+                          <a16:colId xmlns="" xmlns:a16="http://schemas.microsoft.com/office/drawing/2014/main" val="1214192377"/>
                         </a:ext>
                       </a:extLst>
                     </a:gridCol>
                     <a:gridCol w="2685045">
                       <a:extLst>
                         <a:ext uri="{9D8B030D-6E8A-4147-A177-3AD203B41FA5}">
-                          <a16:colId xmlns:a16="http://schemas.microsoft.com/office/drawing/2014/main" xmlns="" val="3830110329"/>
+                          <a16:colId xmlns="" xmlns:a16="http://schemas.microsoft.com/office/drawing/2014/main" val="3830110329"/>
                         </a:ext>
                       </a:extLst>
                     </a:gridCol>
@@ -35092,7 +42617,7 @@
                     </a:tc>
                     <a:extLst>
                       <a:ext uri="{0D108BD9-81ED-4DB2-BD59-A6C34878D82A}">
-                        <a16:rowId xmlns:a16="http://schemas.microsoft.com/office/drawing/2014/main" xmlns="" val="3865599143"/>
+                        <a16:rowId xmlns="" xmlns:a16="http://schemas.microsoft.com/office/drawing/2014/main" val="3865599143"/>
                       </a:ext>
                     </a:extLst>
                   </a:tr>
@@ -35174,7 +42699,7 @@
                     </a:tc>
                     <a:extLst>
                       <a:ext uri="{0D108BD9-81ED-4DB2-BD59-A6C34878D82A}">
-                        <a16:rowId xmlns:a16="http://schemas.microsoft.com/office/drawing/2014/main" xmlns="" val="239526169"/>
+                        <a16:rowId xmlns="" xmlns:a16="http://schemas.microsoft.com/office/drawing/2014/main" val="239526169"/>
                       </a:ext>
                     </a:extLst>
                   </a:tr>
@@ -35256,7 +42781,7 @@
                     </a:tc>
                     <a:extLst>
                       <a:ext uri="{0D108BD9-81ED-4DB2-BD59-A6C34878D82A}">
-                        <a16:rowId xmlns:a16="http://schemas.microsoft.com/office/drawing/2014/main" xmlns="" val="635204047"/>
+                        <a16:rowId xmlns="" xmlns:a16="http://schemas.microsoft.com/office/drawing/2014/main" val="635204047"/>
                       </a:ext>
                     </a:extLst>
                   </a:tr>
@@ -35319,7 +42844,7 @@
                     </a:tc>
                     <a:extLst>
                       <a:ext uri="{0D108BD9-81ED-4DB2-BD59-A6C34878D82A}">
-                        <a16:rowId xmlns:a16="http://schemas.microsoft.com/office/drawing/2014/main" xmlns="" val="803137917"/>
+                        <a16:rowId xmlns="" xmlns:a16="http://schemas.microsoft.com/office/drawing/2014/main" val="803137917"/>
                       </a:ext>
                     </a:extLst>
                   </a:tr>
@@ -35386,7 +42911,7 @@
                     </a:tc>
                     <a:extLst>
                       <a:ext uri="{0D108BD9-81ED-4DB2-BD59-A6C34878D82A}">
-                        <a16:rowId xmlns:a16="http://schemas.microsoft.com/office/drawing/2014/main" xmlns="" val="3808520189"/>
+                        <a16:rowId xmlns="" xmlns:a16="http://schemas.microsoft.com/office/drawing/2014/main" val="3808520189"/>
                       </a:ext>
                     </a:extLst>
                   </a:tr>
@@ -35486,7 +43011,7 @@
                     </a:tc>
                     <a:extLst>
                       <a:ext uri="{0D108BD9-81ED-4DB2-BD59-A6C34878D82A}">
-                        <a16:rowId xmlns:a16="http://schemas.microsoft.com/office/drawing/2014/main" xmlns="" val="2470517530"/>
+                        <a16:rowId xmlns="" xmlns:a16="http://schemas.microsoft.com/office/drawing/2014/main" val="2470517530"/>
                       </a:ext>
                     </a:extLst>
                   </a:tr>
@@ -35568,7 +43093,7 @@
                     </a:tc>
                     <a:extLst>
                       <a:ext uri="{0D108BD9-81ED-4DB2-BD59-A6C34878D82A}">
-                        <a16:rowId xmlns:a16="http://schemas.microsoft.com/office/drawing/2014/main" xmlns="" val="1342816855"/>
+                        <a16:rowId xmlns="" xmlns:a16="http://schemas.microsoft.com/office/drawing/2014/main" val="1342816855"/>
                       </a:ext>
                     </a:extLst>
                   </a:tr>
@@ -35631,7 +43156,7 @@
                     </a:tc>
                     <a:extLst>
                       <a:ext uri="{0D108BD9-81ED-4DB2-BD59-A6C34878D82A}">
-                        <a16:rowId xmlns:a16="http://schemas.microsoft.com/office/drawing/2014/main" xmlns="" val="3480795511"/>
+                        <a16:rowId xmlns="" xmlns:a16="http://schemas.microsoft.com/office/drawing/2014/main" val="3480795511"/>
                       </a:ext>
                     </a:extLst>
                   </a:tr>
@@ -35713,7 +43238,7 @@
                     </a:tc>
                     <a:extLst>
                       <a:ext uri="{0D108BD9-81ED-4DB2-BD59-A6C34878D82A}">
-                        <a16:rowId xmlns:a16="http://schemas.microsoft.com/office/drawing/2014/main" xmlns="" val="239401366"/>
+                        <a16:rowId xmlns="" xmlns:a16="http://schemas.microsoft.com/office/drawing/2014/main" val="239401366"/>
                       </a:ext>
                     </a:extLst>
                   </a:tr>
@@ -35784,7 +43309,7 @@
                     </a:tc>
                     <a:extLst>
                       <a:ext uri="{0D108BD9-81ED-4DB2-BD59-A6C34878D82A}">
-                        <a16:rowId xmlns:a16="http://schemas.microsoft.com/office/drawing/2014/main" xmlns="" val="3205225442"/>
+                        <a16:rowId xmlns="" xmlns:a16="http://schemas.microsoft.com/office/drawing/2014/main" val="3205225442"/>
                       </a:ext>
                     </a:extLst>
                   </a:tr>
@@ -35879,7 +43404,7 @@
                     </a:tc>
                     <a:extLst>
                       <a:ext uri="{0D108BD9-81ED-4DB2-BD59-A6C34878D82A}">
-                        <a16:rowId xmlns:a16="http://schemas.microsoft.com/office/drawing/2014/main" xmlns="" val="2472454817"/>
+                        <a16:rowId xmlns="" xmlns:a16="http://schemas.microsoft.com/office/drawing/2014/main" val="2472454817"/>
                       </a:ext>
                     </a:extLst>
                   </a:tr>
@@ -35965,7 +43490,7 @@
                     </a:tc>
                     <a:extLst>
                       <a:ext uri="{0D108BD9-81ED-4DB2-BD59-A6C34878D82A}">
-                        <a16:rowId xmlns:a16="http://schemas.microsoft.com/office/drawing/2014/main" xmlns="" val="4131336601"/>
+                        <a16:rowId xmlns="" xmlns:a16="http://schemas.microsoft.com/office/drawing/2014/main" val="4131336601"/>
                       </a:ext>
                     </a:extLst>
                   </a:tr>
@@ -36055,7 +43580,7 @@
                     </a:tc>
                     <a:extLst>
                       <a:ext uri="{0D108BD9-81ED-4DB2-BD59-A6C34878D82A}">
-                        <a16:rowId xmlns:a16="http://schemas.microsoft.com/office/drawing/2014/main" xmlns="" val="1566769430"/>
+                        <a16:rowId xmlns="" xmlns:a16="http://schemas.microsoft.com/office/drawing/2014/main" val="1566769430"/>
                       </a:ext>
                     </a:extLst>
                   </a:tr>
@@ -36159,7 +43684,7 @@
                     </a:tc>
                     <a:extLst>
                       <a:ext uri="{0D108BD9-81ED-4DB2-BD59-A6C34878D82A}">
-                        <a16:rowId xmlns:a16="http://schemas.microsoft.com/office/drawing/2014/main" xmlns="" val="3641553268"/>
+                        <a16:rowId xmlns="" xmlns:a16="http://schemas.microsoft.com/office/drawing/2014/main" val="3641553268"/>
                       </a:ext>
                     </a:extLst>
                   </a:tr>
@@ -36251,7 +43776,7 @@
                     </a:tc>
                     <a:extLst>
                       <a:ext uri="{0D108BD9-81ED-4DB2-BD59-A6C34878D82A}">
-                        <a16:rowId xmlns:a16="http://schemas.microsoft.com/office/drawing/2014/main" xmlns="" val="802662070"/>
+                        <a16:rowId xmlns="" xmlns:a16="http://schemas.microsoft.com/office/drawing/2014/main" val="802662070"/>
                       </a:ext>
                     </a:extLst>
                   </a:tr>
@@ -36343,7 +43868,7 @@
                     </a:tc>
                     <a:extLst>
                       <a:ext uri="{0D108BD9-81ED-4DB2-BD59-A6C34878D82A}">
-                        <a16:rowId xmlns:a16="http://schemas.microsoft.com/office/drawing/2014/main" xmlns="" val="3754366970"/>
+                        <a16:rowId xmlns="" xmlns:a16="http://schemas.microsoft.com/office/drawing/2014/main" val="3754366970"/>
                       </a:ext>
                     </a:extLst>
                   </a:tr>
@@ -37347,700 +44872,6 @@
     <p:extLst>
       <p:ext uri="{BB962C8B-B14F-4D97-AF65-F5344CB8AC3E}">
         <p14:creationId xmlns:p14="http://schemas.microsoft.com/office/powerpoint/2010/main" val="1880846869"/>
-      </p:ext>
-    </p:extLst>
-  </p:cSld>
-  <p:clrMapOvr>
-    <a:masterClrMapping/>
-  </p:clrMapOvr>
-</p:sld>
-</file>
-
-<file path=ppt/slides/slide8.xml><?xml version="1.0" encoding="utf-8"?>
-<p:sld xmlns:a="http://schemas.openxmlformats.org/drawingml/2006/main" xmlns:r="http://schemas.openxmlformats.org/officeDocument/2006/relationships" xmlns:p="http://schemas.openxmlformats.org/presentationml/2006/main">
-  <p:cSld>
-    <p:spTree>
-      <p:nvGrpSpPr>
-        <p:cNvPr id="1" name=""/>
-        <p:cNvGrpSpPr/>
-        <p:nvPr/>
-      </p:nvGrpSpPr>
-      <p:grpSpPr>
-        <a:xfrm>
-          <a:off x="0" y="0"/>
-          <a:ext cx="0" cy="0"/>
-          <a:chOff x="0" y="0"/>
-          <a:chExt cx="0" cy="0"/>
-        </a:xfrm>
-      </p:grpSpPr>
-      <p:sp>
-        <p:nvSpPr>
-          <p:cNvPr id="4" name="ZoneTexte 3"/>
-          <p:cNvSpPr txBox="1"/>
-          <p:nvPr/>
-        </p:nvSpPr>
-        <p:spPr>
-          <a:xfrm>
-            <a:off x="369870" y="359596"/>
-            <a:ext cx="3261919" cy="369332"/>
-          </a:xfrm>
-          <a:prstGeom prst="rect">
-            <a:avLst/>
-          </a:prstGeom>
-          <a:noFill/>
-        </p:spPr>
-        <p:txBody>
-          <a:bodyPr wrap="none" rtlCol="0">
-            <a:spAutoFit/>
-          </a:bodyPr>
-          <a:lstStyle/>
-          <a:p>
-            <a:r>
-              <a:rPr lang="fr-FR" dirty="0" smtClean="0"/>
-              <a:t>Lobe inférieure (500tr/min 10kg)</a:t>
-            </a:r>
-            <a:endParaRPr lang="fr-FR" dirty="0"/>
-          </a:p>
-        </p:txBody>
-      </p:sp>
-      <p:grpSp>
-        <p:nvGrpSpPr>
-          <p:cNvPr id="20" name="Groupe 19"/>
-          <p:cNvGrpSpPr/>
-          <p:nvPr/>
-        </p:nvGrpSpPr>
-        <p:grpSpPr>
-          <a:xfrm>
-            <a:off x="309134" y="1412837"/>
-            <a:ext cx="10800000" cy="3600000"/>
-            <a:chOff x="309134" y="1412837"/>
-            <a:chExt cx="10800000" cy="3600000"/>
-          </a:xfrm>
-        </p:grpSpPr>
-        <p:grpSp>
-          <p:nvGrpSpPr>
-            <p:cNvPr id="12" name="Groupe 11"/>
-            <p:cNvGrpSpPr/>
-            <p:nvPr/>
-          </p:nvGrpSpPr>
-          <p:grpSpPr>
-            <a:xfrm>
-              <a:off x="5709134" y="1412837"/>
-              <a:ext cx="5400000" cy="3600000"/>
-              <a:chOff x="5709134" y="1412837"/>
-              <a:chExt cx="5400000" cy="3600000"/>
-            </a:xfrm>
-          </p:grpSpPr>
-          <p:graphicFrame>
-            <p:nvGraphicFramePr>
-              <p:cNvPr id="8" name="Graphique 7"/>
-              <p:cNvGraphicFramePr>
-                <a:graphicFrameLocks/>
-              </p:cNvGraphicFramePr>
-              <p:nvPr>
-                <p:extLst>
-                  <p:ext uri="{D42A27DB-BD31-4B8C-83A1-F6EECF244321}">
-                    <p14:modId xmlns:p14="http://schemas.microsoft.com/office/powerpoint/2010/main" val="1641157059"/>
-                  </p:ext>
-                </p:extLst>
-              </p:nvPr>
-            </p:nvGraphicFramePr>
-            <p:xfrm>
-              <a:off x="5709134" y="1412837"/>
-              <a:ext cx="5400000" cy="3600000"/>
-            </p:xfrm>
-            <a:graphic>
-              <a:graphicData uri="http://schemas.openxmlformats.org/drawingml/2006/chart">
-                <c:chart xmlns:c="http://schemas.openxmlformats.org/drawingml/2006/chart" xmlns:r="http://schemas.openxmlformats.org/officeDocument/2006/relationships" r:id="rId2"/>
-              </a:graphicData>
-            </a:graphic>
-          </p:graphicFrame>
-          <p:sp>
-            <p:nvSpPr>
-              <p:cNvPr id="9" name="ZoneTexte 1"/>
-              <p:cNvSpPr txBox="1"/>
-              <p:nvPr/>
-            </p:nvSpPr>
-            <p:spPr>
-              <a:xfrm>
-                <a:off x="6881710" y="1800546"/>
-                <a:ext cx="1527424" cy="400691"/>
-              </a:xfrm>
-              <a:prstGeom prst="rect">
-                <a:avLst/>
-              </a:prstGeom>
-              <a:solidFill>
-                <a:schemeClr val="bg1"/>
-              </a:solidFill>
-              <a:ln>
-                <a:noFill/>
-              </a:ln>
-            </p:spPr>
-            <p:txBody>
-              <a:bodyPr wrap="square" rtlCol="0"/>
-              <a:lstStyle>
-                <a:lvl1pPr marL="0" indent="0">
-                  <a:defRPr sz="1100">
-                    <a:latin typeface="+mn-lt"/>
-                    <a:ea typeface="+mn-ea"/>
-                    <a:cs typeface="+mn-cs"/>
-                  </a:defRPr>
-                </a:lvl1pPr>
-                <a:lvl2pPr marL="457200" indent="0">
-                  <a:defRPr sz="1100">
-                    <a:latin typeface="+mn-lt"/>
-                    <a:ea typeface="+mn-ea"/>
-                    <a:cs typeface="+mn-cs"/>
-                  </a:defRPr>
-                </a:lvl2pPr>
-                <a:lvl3pPr marL="914400" indent="0">
-                  <a:defRPr sz="1100">
-                    <a:latin typeface="+mn-lt"/>
-                    <a:ea typeface="+mn-ea"/>
-                    <a:cs typeface="+mn-cs"/>
-                  </a:defRPr>
-                </a:lvl3pPr>
-                <a:lvl4pPr marL="1371600" indent="0">
-                  <a:defRPr sz="1100">
-                    <a:latin typeface="+mn-lt"/>
-                    <a:ea typeface="+mn-ea"/>
-                    <a:cs typeface="+mn-cs"/>
-                  </a:defRPr>
-                </a:lvl4pPr>
-                <a:lvl5pPr marL="1828800" indent="0">
-                  <a:defRPr sz="1100">
-                    <a:latin typeface="+mn-lt"/>
-                    <a:ea typeface="+mn-ea"/>
-                    <a:cs typeface="+mn-cs"/>
-                  </a:defRPr>
-                </a:lvl5pPr>
-                <a:lvl6pPr marL="2286000" indent="0">
-                  <a:defRPr sz="1100">
-                    <a:latin typeface="+mn-lt"/>
-                    <a:ea typeface="+mn-ea"/>
-                    <a:cs typeface="+mn-cs"/>
-                  </a:defRPr>
-                </a:lvl6pPr>
-                <a:lvl7pPr marL="2743200" indent="0">
-                  <a:defRPr sz="1100">
-                    <a:latin typeface="+mn-lt"/>
-                    <a:ea typeface="+mn-ea"/>
-                    <a:cs typeface="+mn-cs"/>
-                  </a:defRPr>
-                </a:lvl7pPr>
-                <a:lvl8pPr marL="3200400" indent="0">
-                  <a:defRPr sz="1100">
-                    <a:latin typeface="+mn-lt"/>
-                    <a:ea typeface="+mn-ea"/>
-                    <a:cs typeface="+mn-cs"/>
-                  </a:defRPr>
-                </a:lvl8pPr>
-                <a:lvl9pPr marL="3657600" indent="0">
-                  <a:defRPr sz="1100">
-                    <a:latin typeface="+mn-lt"/>
-                    <a:ea typeface="+mn-ea"/>
-                    <a:cs typeface="+mn-cs"/>
-                  </a:defRPr>
-                </a:lvl9pPr>
-              </a:lstStyle>
-              <a:p>
-                <a:r>
-                  <a:rPr lang="fr-FR" sz="1800" b="1" dirty="0" smtClean="0"/>
-                  <a:t>Température</a:t>
-                </a:r>
-                <a:endParaRPr lang="fr-FR" sz="1100" b="1" dirty="0"/>
-              </a:p>
-            </p:txBody>
-          </p:sp>
-        </p:grpSp>
-        <p:grpSp>
-          <p:nvGrpSpPr>
-            <p:cNvPr id="11" name="Groupe 10"/>
-            <p:cNvGrpSpPr/>
-            <p:nvPr/>
-          </p:nvGrpSpPr>
-          <p:grpSpPr>
-            <a:xfrm>
-              <a:off x="309134" y="1412837"/>
-              <a:ext cx="5400000" cy="3600000"/>
-              <a:chOff x="309134" y="1412837"/>
-              <a:chExt cx="5400000" cy="3600000"/>
-            </a:xfrm>
-          </p:grpSpPr>
-          <p:graphicFrame>
-            <p:nvGraphicFramePr>
-              <p:cNvPr id="3" name="Graphique 2"/>
-              <p:cNvGraphicFramePr>
-                <a:graphicFrameLocks/>
-              </p:cNvGraphicFramePr>
-              <p:nvPr>
-                <p:extLst>
-                  <p:ext uri="{D42A27DB-BD31-4B8C-83A1-F6EECF244321}">
-                    <p14:modId xmlns:p14="http://schemas.microsoft.com/office/powerpoint/2010/main" val="128380600"/>
-                  </p:ext>
-                </p:extLst>
-              </p:nvPr>
-            </p:nvGraphicFramePr>
-            <p:xfrm>
-              <a:off x="309134" y="1412837"/>
-              <a:ext cx="5400000" cy="3600000"/>
-            </p:xfrm>
-            <a:graphic>
-              <a:graphicData uri="http://schemas.openxmlformats.org/drawingml/2006/chart">
-                <c:chart xmlns:c="http://schemas.openxmlformats.org/drawingml/2006/chart" xmlns:r="http://schemas.openxmlformats.org/officeDocument/2006/relationships" r:id="rId3"/>
-              </a:graphicData>
-            </a:graphic>
-          </p:graphicFrame>
-          <p:sp>
-            <p:nvSpPr>
-              <p:cNvPr id="10" name="ZoneTexte 1"/>
-              <p:cNvSpPr txBox="1"/>
-              <p:nvPr/>
-            </p:nvSpPr>
-            <p:spPr>
-              <a:xfrm>
-                <a:off x="4069222" y="1800546"/>
-                <a:ext cx="1150704" cy="400691"/>
-              </a:xfrm>
-              <a:prstGeom prst="rect">
-                <a:avLst/>
-              </a:prstGeom>
-              <a:solidFill>
-                <a:schemeClr val="bg1"/>
-              </a:solidFill>
-              <a:ln>
-                <a:noFill/>
-              </a:ln>
-            </p:spPr>
-            <p:txBody>
-              <a:bodyPr wrap="square" rtlCol="0"/>
-              <a:lstStyle>
-                <a:lvl1pPr marL="0" indent="0">
-                  <a:defRPr sz="1100">
-                    <a:latin typeface="+mn-lt"/>
-                    <a:ea typeface="+mn-ea"/>
-                    <a:cs typeface="+mn-cs"/>
-                  </a:defRPr>
-                </a:lvl1pPr>
-                <a:lvl2pPr marL="457200" indent="0">
-                  <a:defRPr sz="1100">
-                    <a:latin typeface="+mn-lt"/>
-                    <a:ea typeface="+mn-ea"/>
-                    <a:cs typeface="+mn-cs"/>
-                  </a:defRPr>
-                </a:lvl2pPr>
-                <a:lvl3pPr marL="914400" indent="0">
-                  <a:defRPr sz="1100">
-                    <a:latin typeface="+mn-lt"/>
-                    <a:ea typeface="+mn-ea"/>
-                    <a:cs typeface="+mn-cs"/>
-                  </a:defRPr>
-                </a:lvl3pPr>
-                <a:lvl4pPr marL="1371600" indent="0">
-                  <a:defRPr sz="1100">
-                    <a:latin typeface="+mn-lt"/>
-                    <a:ea typeface="+mn-ea"/>
-                    <a:cs typeface="+mn-cs"/>
-                  </a:defRPr>
-                </a:lvl4pPr>
-                <a:lvl5pPr marL="1828800" indent="0">
-                  <a:defRPr sz="1100">
-                    <a:latin typeface="+mn-lt"/>
-                    <a:ea typeface="+mn-ea"/>
-                    <a:cs typeface="+mn-cs"/>
-                  </a:defRPr>
-                </a:lvl5pPr>
-                <a:lvl6pPr marL="2286000" indent="0">
-                  <a:defRPr sz="1100">
-                    <a:latin typeface="+mn-lt"/>
-                    <a:ea typeface="+mn-ea"/>
-                    <a:cs typeface="+mn-cs"/>
-                  </a:defRPr>
-                </a:lvl6pPr>
-                <a:lvl7pPr marL="2743200" indent="0">
-                  <a:defRPr sz="1100">
-                    <a:latin typeface="+mn-lt"/>
-                    <a:ea typeface="+mn-ea"/>
-                    <a:cs typeface="+mn-cs"/>
-                  </a:defRPr>
-                </a:lvl7pPr>
-                <a:lvl8pPr marL="3200400" indent="0">
-                  <a:defRPr sz="1100">
-                    <a:latin typeface="+mn-lt"/>
-                    <a:ea typeface="+mn-ea"/>
-                    <a:cs typeface="+mn-cs"/>
-                  </a:defRPr>
-                </a:lvl8pPr>
-                <a:lvl9pPr marL="3657600" indent="0">
-                  <a:defRPr sz="1100">
-                    <a:latin typeface="+mn-lt"/>
-                    <a:ea typeface="+mn-ea"/>
-                    <a:cs typeface="+mn-cs"/>
-                  </a:defRPr>
-                </a:lvl9pPr>
-              </a:lstStyle>
-              <a:p>
-                <a:r>
-                  <a:rPr lang="fr-FR" sz="1800" b="1" dirty="0" smtClean="0"/>
-                  <a:t>Pression</a:t>
-                </a:r>
-                <a:endParaRPr lang="fr-FR" sz="1100" b="1" dirty="0"/>
-              </a:p>
-            </p:txBody>
-          </p:sp>
-        </p:grpSp>
-      </p:grpSp>
-    </p:spTree>
-    <p:extLst>
-      <p:ext uri="{BB962C8B-B14F-4D97-AF65-F5344CB8AC3E}">
-        <p14:creationId xmlns:p14="http://schemas.microsoft.com/office/powerpoint/2010/main" val="3496990024"/>
-      </p:ext>
-    </p:extLst>
-  </p:cSld>
-  <p:clrMapOvr>
-    <a:masterClrMapping/>
-  </p:clrMapOvr>
-</p:sld>
-</file>
-
-<file path=ppt/slides/slide9.xml><?xml version="1.0" encoding="utf-8"?>
-<p:sld xmlns:a="http://schemas.openxmlformats.org/drawingml/2006/main" xmlns:r="http://schemas.openxmlformats.org/officeDocument/2006/relationships" xmlns:p="http://schemas.openxmlformats.org/presentationml/2006/main">
-  <p:cSld>
-    <p:spTree>
-      <p:nvGrpSpPr>
-        <p:cNvPr id="1" name=""/>
-        <p:cNvGrpSpPr/>
-        <p:nvPr/>
-      </p:nvGrpSpPr>
-      <p:grpSpPr>
-        <a:xfrm>
-          <a:off x="0" y="0"/>
-          <a:ext cx="0" cy="0"/>
-          <a:chOff x="0" y="0"/>
-          <a:chExt cx="0" cy="0"/>
-        </a:xfrm>
-      </p:grpSpPr>
-      <p:sp>
-        <p:nvSpPr>
-          <p:cNvPr id="4" name="ZoneTexte 3"/>
-          <p:cNvSpPr txBox="1"/>
-          <p:nvPr/>
-        </p:nvSpPr>
-        <p:spPr>
-          <a:xfrm>
-            <a:off x="369870" y="359596"/>
-            <a:ext cx="3357201" cy="369332"/>
-          </a:xfrm>
-          <a:prstGeom prst="rect">
-            <a:avLst/>
-          </a:prstGeom>
-          <a:noFill/>
-        </p:spPr>
-        <p:txBody>
-          <a:bodyPr wrap="none" rtlCol="0">
-            <a:spAutoFit/>
-          </a:bodyPr>
-          <a:lstStyle/>
-          <a:p>
-            <a:r>
-              <a:rPr lang="fr-FR" dirty="0" smtClean="0"/>
-              <a:t>Lobe supérieure (500tr/min 10kg)</a:t>
-            </a:r>
-            <a:endParaRPr lang="fr-FR" dirty="0"/>
-          </a:p>
-        </p:txBody>
-      </p:sp>
-      <p:grpSp>
-        <p:nvGrpSpPr>
-          <p:cNvPr id="6" name="Groupe 5"/>
-          <p:cNvGrpSpPr/>
-          <p:nvPr/>
-        </p:nvGrpSpPr>
-        <p:grpSpPr>
-          <a:xfrm>
-            <a:off x="309134" y="1412837"/>
-            <a:ext cx="10800000" cy="3600000"/>
-            <a:chOff x="309134" y="1412837"/>
-            <a:chExt cx="10800000" cy="3600000"/>
-          </a:xfrm>
-        </p:grpSpPr>
-        <p:grpSp>
-          <p:nvGrpSpPr>
-            <p:cNvPr id="2" name="Groupe 1"/>
-            <p:cNvGrpSpPr/>
-            <p:nvPr/>
-          </p:nvGrpSpPr>
-          <p:grpSpPr>
-            <a:xfrm>
-              <a:off x="309134" y="1412837"/>
-              <a:ext cx="5400000" cy="3600000"/>
-              <a:chOff x="309134" y="1412837"/>
-              <a:chExt cx="5400000" cy="3600000"/>
-            </a:xfrm>
-          </p:grpSpPr>
-          <p:graphicFrame>
-            <p:nvGraphicFramePr>
-              <p:cNvPr id="15" name="Graphique 14"/>
-              <p:cNvGraphicFramePr>
-                <a:graphicFrameLocks/>
-              </p:cNvGraphicFramePr>
-              <p:nvPr>
-                <p:extLst>
-                  <p:ext uri="{D42A27DB-BD31-4B8C-83A1-F6EECF244321}">
-                    <p14:modId xmlns:p14="http://schemas.microsoft.com/office/powerpoint/2010/main" val="3227628972"/>
-                  </p:ext>
-                </p:extLst>
-              </p:nvPr>
-            </p:nvGraphicFramePr>
-            <p:xfrm>
-              <a:off x="309134" y="1412837"/>
-              <a:ext cx="5400000" cy="3600000"/>
-            </p:xfrm>
-            <a:graphic>
-              <a:graphicData uri="http://schemas.openxmlformats.org/drawingml/2006/chart">
-                <c:chart xmlns:c="http://schemas.openxmlformats.org/drawingml/2006/chart" xmlns:r="http://schemas.openxmlformats.org/officeDocument/2006/relationships" r:id="rId2"/>
-              </a:graphicData>
-            </a:graphic>
-          </p:graphicFrame>
-          <p:sp>
-            <p:nvSpPr>
-              <p:cNvPr id="18" name="ZoneTexte 1"/>
-              <p:cNvSpPr txBox="1"/>
-              <p:nvPr/>
-            </p:nvSpPr>
-            <p:spPr>
-              <a:xfrm>
-                <a:off x="1858430" y="1738901"/>
-                <a:ext cx="1150704" cy="400691"/>
-              </a:xfrm>
-              <a:prstGeom prst="rect">
-                <a:avLst/>
-              </a:prstGeom>
-              <a:solidFill>
-                <a:schemeClr val="bg1"/>
-              </a:solidFill>
-              <a:ln>
-                <a:noFill/>
-              </a:ln>
-            </p:spPr>
-            <p:txBody>
-              <a:bodyPr wrap="square" rtlCol="0"/>
-              <a:lstStyle>
-                <a:lvl1pPr marL="0" indent="0">
-                  <a:defRPr sz="1100">
-                    <a:latin typeface="+mn-lt"/>
-                    <a:ea typeface="+mn-ea"/>
-                    <a:cs typeface="+mn-cs"/>
-                  </a:defRPr>
-                </a:lvl1pPr>
-                <a:lvl2pPr marL="457200" indent="0">
-                  <a:defRPr sz="1100">
-                    <a:latin typeface="+mn-lt"/>
-                    <a:ea typeface="+mn-ea"/>
-                    <a:cs typeface="+mn-cs"/>
-                  </a:defRPr>
-                </a:lvl2pPr>
-                <a:lvl3pPr marL="914400" indent="0">
-                  <a:defRPr sz="1100">
-                    <a:latin typeface="+mn-lt"/>
-                    <a:ea typeface="+mn-ea"/>
-                    <a:cs typeface="+mn-cs"/>
-                  </a:defRPr>
-                </a:lvl3pPr>
-                <a:lvl4pPr marL="1371600" indent="0">
-                  <a:defRPr sz="1100">
-                    <a:latin typeface="+mn-lt"/>
-                    <a:ea typeface="+mn-ea"/>
-                    <a:cs typeface="+mn-cs"/>
-                  </a:defRPr>
-                </a:lvl4pPr>
-                <a:lvl5pPr marL="1828800" indent="0">
-                  <a:defRPr sz="1100">
-                    <a:latin typeface="+mn-lt"/>
-                    <a:ea typeface="+mn-ea"/>
-                    <a:cs typeface="+mn-cs"/>
-                  </a:defRPr>
-                </a:lvl5pPr>
-                <a:lvl6pPr marL="2286000" indent="0">
-                  <a:defRPr sz="1100">
-                    <a:latin typeface="+mn-lt"/>
-                    <a:ea typeface="+mn-ea"/>
-                    <a:cs typeface="+mn-cs"/>
-                  </a:defRPr>
-                </a:lvl6pPr>
-                <a:lvl7pPr marL="2743200" indent="0">
-                  <a:defRPr sz="1100">
-                    <a:latin typeface="+mn-lt"/>
-                    <a:ea typeface="+mn-ea"/>
-                    <a:cs typeface="+mn-cs"/>
-                  </a:defRPr>
-                </a:lvl7pPr>
-                <a:lvl8pPr marL="3200400" indent="0">
-                  <a:defRPr sz="1100">
-                    <a:latin typeface="+mn-lt"/>
-                    <a:ea typeface="+mn-ea"/>
-                    <a:cs typeface="+mn-cs"/>
-                  </a:defRPr>
-                </a:lvl8pPr>
-                <a:lvl9pPr marL="3657600" indent="0">
-                  <a:defRPr sz="1100">
-                    <a:latin typeface="+mn-lt"/>
-                    <a:ea typeface="+mn-ea"/>
-                    <a:cs typeface="+mn-cs"/>
-                  </a:defRPr>
-                </a:lvl9pPr>
-              </a:lstStyle>
-              <a:p>
-                <a:r>
-                  <a:rPr lang="fr-FR" sz="1800" b="1" dirty="0" smtClean="0"/>
-                  <a:t>Pression</a:t>
-                </a:r>
-                <a:endParaRPr lang="fr-FR" sz="1100" b="1" dirty="0"/>
-              </a:p>
-            </p:txBody>
-          </p:sp>
-        </p:grpSp>
-        <p:grpSp>
-          <p:nvGrpSpPr>
-            <p:cNvPr id="5" name="Groupe 4"/>
-            <p:cNvGrpSpPr/>
-            <p:nvPr/>
-          </p:nvGrpSpPr>
-          <p:grpSpPr>
-            <a:xfrm>
-              <a:off x="5709134" y="1412837"/>
-              <a:ext cx="5400000" cy="3600000"/>
-              <a:chOff x="5709134" y="1412837"/>
-              <a:chExt cx="5400000" cy="3600000"/>
-            </a:xfrm>
-          </p:grpSpPr>
-          <p:graphicFrame>
-            <p:nvGraphicFramePr>
-              <p:cNvPr id="17" name="Graphique 16"/>
-              <p:cNvGraphicFramePr>
-                <a:graphicFrameLocks/>
-              </p:cNvGraphicFramePr>
-              <p:nvPr>
-                <p:extLst>
-                  <p:ext uri="{D42A27DB-BD31-4B8C-83A1-F6EECF244321}">
-                    <p14:modId xmlns:p14="http://schemas.microsoft.com/office/powerpoint/2010/main" val="247376534"/>
-                  </p:ext>
-                </p:extLst>
-              </p:nvPr>
-            </p:nvGraphicFramePr>
-            <p:xfrm>
-              <a:off x="5709134" y="1412837"/>
-              <a:ext cx="5400000" cy="3600000"/>
-            </p:xfrm>
-            <a:graphic>
-              <a:graphicData uri="http://schemas.openxmlformats.org/drawingml/2006/chart">
-                <c:chart xmlns:c="http://schemas.openxmlformats.org/drawingml/2006/chart" xmlns:r="http://schemas.openxmlformats.org/officeDocument/2006/relationships" r:id="rId3"/>
-              </a:graphicData>
-            </a:graphic>
-          </p:graphicFrame>
-          <p:sp>
-            <p:nvSpPr>
-              <p:cNvPr id="19" name="ZoneTexte 1"/>
-              <p:cNvSpPr txBox="1"/>
-              <p:nvPr/>
-            </p:nvSpPr>
-            <p:spPr>
-              <a:xfrm>
-                <a:off x="6881710" y="1800546"/>
-                <a:ext cx="1527424" cy="400691"/>
-              </a:xfrm>
-              <a:prstGeom prst="rect">
-                <a:avLst/>
-              </a:prstGeom>
-              <a:solidFill>
-                <a:schemeClr val="bg1"/>
-              </a:solidFill>
-              <a:ln>
-                <a:noFill/>
-              </a:ln>
-            </p:spPr>
-            <p:txBody>
-              <a:bodyPr wrap="square" rtlCol="0"/>
-              <a:lstStyle>
-                <a:lvl1pPr marL="0" indent="0">
-                  <a:defRPr sz="1100">
-                    <a:latin typeface="+mn-lt"/>
-                    <a:ea typeface="+mn-ea"/>
-                    <a:cs typeface="+mn-cs"/>
-                  </a:defRPr>
-                </a:lvl1pPr>
-                <a:lvl2pPr marL="457200" indent="0">
-                  <a:defRPr sz="1100">
-                    <a:latin typeface="+mn-lt"/>
-                    <a:ea typeface="+mn-ea"/>
-                    <a:cs typeface="+mn-cs"/>
-                  </a:defRPr>
-                </a:lvl2pPr>
-                <a:lvl3pPr marL="914400" indent="0">
-                  <a:defRPr sz="1100">
-                    <a:latin typeface="+mn-lt"/>
-                    <a:ea typeface="+mn-ea"/>
-                    <a:cs typeface="+mn-cs"/>
-                  </a:defRPr>
-                </a:lvl3pPr>
-                <a:lvl4pPr marL="1371600" indent="0">
-                  <a:defRPr sz="1100">
-                    <a:latin typeface="+mn-lt"/>
-                    <a:ea typeface="+mn-ea"/>
-                    <a:cs typeface="+mn-cs"/>
-                  </a:defRPr>
-                </a:lvl4pPr>
-                <a:lvl5pPr marL="1828800" indent="0">
-                  <a:defRPr sz="1100">
-                    <a:latin typeface="+mn-lt"/>
-                    <a:ea typeface="+mn-ea"/>
-                    <a:cs typeface="+mn-cs"/>
-                  </a:defRPr>
-                </a:lvl5pPr>
-                <a:lvl6pPr marL="2286000" indent="0">
-                  <a:defRPr sz="1100">
-                    <a:latin typeface="+mn-lt"/>
-                    <a:ea typeface="+mn-ea"/>
-                    <a:cs typeface="+mn-cs"/>
-                  </a:defRPr>
-                </a:lvl6pPr>
-                <a:lvl7pPr marL="2743200" indent="0">
-                  <a:defRPr sz="1100">
-                    <a:latin typeface="+mn-lt"/>
-                    <a:ea typeface="+mn-ea"/>
-                    <a:cs typeface="+mn-cs"/>
-                  </a:defRPr>
-                </a:lvl7pPr>
-                <a:lvl8pPr marL="3200400" indent="0">
-                  <a:defRPr sz="1100">
-                    <a:latin typeface="+mn-lt"/>
-                    <a:ea typeface="+mn-ea"/>
-                    <a:cs typeface="+mn-cs"/>
-                  </a:defRPr>
-                </a:lvl8pPr>
-                <a:lvl9pPr marL="3657600" indent="0">
-                  <a:defRPr sz="1100">
-                    <a:latin typeface="+mn-lt"/>
-                    <a:ea typeface="+mn-ea"/>
-                    <a:cs typeface="+mn-cs"/>
-                  </a:defRPr>
-                </a:lvl9pPr>
-              </a:lstStyle>
-              <a:p>
-                <a:r>
-                  <a:rPr lang="fr-FR" sz="1800" b="1" dirty="0" smtClean="0"/>
-                  <a:t>Température</a:t>
-                </a:r>
-                <a:endParaRPr lang="fr-FR" sz="1100" b="1" dirty="0"/>
-              </a:p>
-            </p:txBody>
-          </p:sp>
-        </p:grpSp>
-      </p:grpSp>
-    </p:spTree>
-    <p:extLst>
-      <p:ext uri="{BB962C8B-B14F-4D97-AF65-F5344CB8AC3E}">
-        <p14:creationId xmlns:p14="http://schemas.microsoft.com/office/powerpoint/2010/main" val="79886924"/>
       </p:ext>
     </p:extLst>
   </p:cSld>

--- a/CH2. Modélisation du palier hydrodynamique/figures/figure_ paliers hydrodynamiques.pptx
+++ b/CH2. Modélisation du palier hydrodynamique/figures/figure_ paliers hydrodynamiques.pptx
@@ -13,13 +13,14 @@
     <p:sldId id="269" r:id="rId7"/>
     <p:sldId id="267" r:id="rId8"/>
     <p:sldId id="258" r:id="rId9"/>
-    <p:sldId id="266" r:id="rId10"/>
-    <p:sldId id="256" r:id="rId11"/>
-    <p:sldId id="259" r:id="rId12"/>
-    <p:sldId id="260" r:id="rId13"/>
-    <p:sldId id="261" r:id="rId14"/>
-    <p:sldId id="262" r:id="rId15"/>
-    <p:sldId id="263" r:id="rId16"/>
+    <p:sldId id="272" r:id="rId10"/>
+    <p:sldId id="266" r:id="rId11"/>
+    <p:sldId id="256" r:id="rId12"/>
+    <p:sldId id="259" r:id="rId13"/>
+    <p:sldId id="260" r:id="rId14"/>
+    <p:sldId id="261" r:id="rId15"/>
+    <p:sldId id="262" r:id="rId16"/>
+    <p:sldId id="263" r:id="rId17"/>
   </p:sldIdLst>
   <p:sldSz cx="12192000" cy="6858000"/>
   <p:notesSz cx="6858000" cy="9144000"/>
@@ -489,8 +490,8 @@
           <c:showPercent val="0"/>
           <c:showBubbleSize val="0"/>
         </c:dLbls>
-        <c:axId val="225910352"/>
-        <c:axId val="225907608"/>
+        <c:axId val="274555976"/>
+        <c:axId val="274556368"/>
         <c:extLst xmlns:c16r2="http://schemas.microsoft.com/office/drawing/2015/06/chart">
           <c:ext xmlns:c15="http://schemas.microsoft.com/office/drawing/2012/chart" uri="{02D57815-91ED-43cb-92C2-25804820EDAC}">
             <c15:filteredScatterSeries>
@@ -758,7 +759,7 @@
         </c:extLst>
       </c:scatterChart>
       <c:valAx>
-        <c:axId val="225910352"/>
+        <c:axId val="274555976"/>
         <c:scaling>
           <c:orientation val="minMax"/>
           <c:max val="252.5"/>
@@ -876,13 +877,13 @@
             <a:endParaRPr lang="fr-FR"/>
           </a:p>
         </c:txPr>
-        <c:crossAx val="225907608"/>
+        <c:crossAx val="274556368"/>
         <c:crosses val="autoZero"/>
         <c:crossBetween val="midCat"/>
         <c:majorUnit val="25"/>
       </c:valAx>
       <c:valAx>
-        <c:axId val="225907608"/>
+        <c:axId val="274556368"/>
         <c:scaling>
           <c:orientation val="minMax"/>
           <c:max val="50"/>
@@ -995,7 +996,7 @@
             <a:endParaRPr lang="fr-FR"/>
           </a:p>
         </c:txPr>
-        <c:crossAx val="225910352"/>
+        <c:crossAx val="274555976"/>
         <c:crosses val="autoZero"/>
         <c:crossBetween val="midCat"/>
       </c:valAx>
@@ -1449,8 +1450,8 @@
           <c:showPercent val="0"/>
           <c:showBubbleSize val="0"/>
         </c:dLbls>
-        <c:axId val="290666088"/>
-        <c:axId val="225903296"/>
+        <c:axId val="277198424"/>
+        <c:axId val="277196072"/>
         <c:extLst xmlns:c16r2="http://schemas.microsoft.com/office/drawing/2015/06/chart">
           <c:ext xmlns:c15="http://schemas.microsoft.com/office/drawing/2012/chart" uri="{02D57815-91ED-43cb-92C2-25804820EDAC}">
             <c15:filteredScatterSeries>
@@ -1718,7 +1719,7 @@
         </c:extLst>
       </c:scatterChart>
       <c:valAx>
-        <c:axId val="290666088"/>
+        <c:axId val="277198424"/>
         <c:scaling>
           <c:orientation val="minMax"/>
           <c:max val="252.5"/>
@@ -1824,13 +1825,13 @@
             <a:endParaRPr lang="fr-FR"/>
           </a:p>
         </c:txPr>
-        <c:crossAx val="225903296"/>
+        <c:crossAx val="277196072"/>
         <c:crosses val="autoZero"/>
         <c:crossBetween val="midCat"/>
         <c:majorUnit val="25"/>
       </c:valAx>
       <c:valAx>
-        <c:axId val="225903296"/>
+        <c:axId val="277196072"/>
         <c:scaling>
           <c:orientation val="minMax"/>
         </c:scaling>
@@ -1942,7 +1943,7 @@
             <a:endParaRPr lang="fr-FR"/>
           </a:p>
         </c:txPr>
-        <c:crossAx val="290666088"/>
+        <c:crossAx val="277198424"/>
         <c:crosses val="autoZero"/>
         <c:crossBetween val="midCat"/>
       </c:valAx>
@@ -2378,8 +2379,8 @@
           <c:showPercent val="0"/>
           <c:showBubbleSize val="0"/>
         </c:dLbls>
-        <c:axId val="225906432"/>
-        <c:axId val="225908392"/>
+        <c:axId val="277198816"/>
+        <c:axId val="277196856"/>
         <c:extLst xmlns:c16r2="http://schemas.microsoft.com/office/drawing/2015/06/chart">
           <c:ext xmlns:c15="http://schemas.microsoft.com/office/drawing/2012/chart" uri="{02D57815-91ED-43cb-92C2-25804820EDAC}">
             <c15:filteredScatterSeries>
@@ -2647,7 +2648,7 @@
         </c:extLst>
       </c:scatterChart>
       <c:valAx>
-        <c:axId val="225906432"/>
+        <c:axId val="277198816"/>
         <c:scaling>
           <c:orientation val="minMax"/>
           <c:max val="432.5"/>
@@ -2753,13 +2754,13 @@
             <a:endParaRPr lang="fr-FR"/>
           </a:p>
         </c:txPr>
-        <c:crossAx val="225908392"/>
+        <c:crossAx val="277196856"/>
         <c:crosses val="autoZero"/>
         <c:crossBetween val="midCat"/>
         <c:majorUnit val="25"/>
       </c:valAx>
       <c:valAx>
-        <c:axId val="225908392"/>
+        <c:axId val="277196856"/>
         <c:scaling>
           <c:orientation val="minMax"/>
         </c:scaling>
@@ -2871,7 +2872,7 @@
             <a:endParaRPr lang="fr-FR"/>
           </a:p>
         </c:txPr>
-        <c:crossAx val="225906432"/>
+        <c:crossAx val="277198816"/>
         <c:crosses val="autoZero"/>
         <c:crossBetween val="midCat"/>
       </c:valAx>
@@ -3319,8 +3320,8 @@
           <c:showPercent val="0"/>
           <c:showBubbleSize val="0"/>
         </c:dLbls>
-        <c:axId val="288525728"/>
-        <c:axId val="288522984"/>
+        <c:axId val="277195288"/>
+        <c:axId val="277191760"/>
         <c:extLst xmlns:c16r2="http://schemas.microsoft.com/office/drawing/2015/06/chart">
           <c:ext xmlns:c15="http://schemas.microsoft.com/office/drawing/2012/chart" uri="{02D57815-91ED-43cb-92C2-25804820EDAC}">
             <c15:filteredScatterSeries>
@@ -3588,7 +3589,7 @@
         </c:extLst>
       </c:scatterChart>
       <c:valAx>
-        <c:axId val="288525728"/>
+        <c:axId val="277195288"/>
         <c:scaling>
           <c:orientation val="minMax"/>
           <c:max val="432.5"/>
@@ -3694,13 +3695,13 @@
             <a:endParaRPr lang="fr-FR"/>
           </a:p>
         </c:txPr>
-        <c:crossAx val="288522984"/>
+        <c:crossAx val="277191760"/>
         <c:crosses val="autoZero"/>
         <c:crossBetween val="midCat"/>
         <c:majorUnit val="25"/>
       </c:valAx>
       <c:valAx>
-        <c:axId val="288522984"/>
+        <c:axId val="277191760"/>
         <c:scaling>
           <c:orientation val="minMax"/>
           <c:max val="70"/>
@@ -3806,7 +3807,7 @@
             <a:endParaRPr lang="fr-FR"/>
           </a:p>
         </c:txPr>
-        <c:crossAx val="288525728"/>
+        <c:crossAx val="277195288"/>
         <c:crosses val="autoZero"/>
         <c:crossBetween val="midCat"/>
       </c:valAx>
@@ -4261,8 +4262,8 @@
           <c:showPercent val="0"/>
           <c:showBubbleSize val="0"/>
         </c:dLbls>
-        <c:axId val="225908000"/>
-        <c:axId val="117150864"/>
+        <c:axId val="274552056"/>
+        <c:axId val="274550880"/>
         <c:extLst xmlns:c16r2="http://schemas.microsoft.com/office/drawing/2015/06/chart">
           <c:ext xmlns:c15="http://schemas.microsoft.com/office/drawing/2012/chart" uri="{02D57815-91ED-43cb-92C2-25804820EDAC}">
             <c15:filteredScatterSeries>
@@ -4530,7 +4531,7 @@
         </c:extLst>
       </c:scatterChart>
       <c:valAx>
-        <c:axId val="225908000"/>
+        <c:axId val="274552056"/>
         <c:scaling>
           <c:orientation val="minMax"/>
           <c:max val="252.5"/>
@@ -4640,13 +4641,13 @@
             <a:endParaRPr lang="fr-FR"/>
           </a:p>
         </c:txPr>
-        <c:crossAx val="117150864"/>
+        <c:crossAx val="274550880"/>
         <c:crosses val="autoZero"/>
         <c:crossBetween val="midCat"/>
         <c:majorUnit val="25"/>
       </c:valAx>
       <c:valAx>
-        <c:axId val="117150864"/>
+        <c:axId val="274550880"/>
         <c:scaling>
           <c:orientation val="minMax"/>
         </c:scaling>
@@ -4762,7 +4763,7 @@
             <a:endParaRPr lang="fr-FR"/>
           </a:p>
         </c:txPr>
-        <c:crossAx val="225908000"/>
+        <c:crossAx val="274552056"/>
         <c:crosses val="autoZero"/>
         <c:crossBetween val="midCat"/>
       </c:valAx>
@@ -5198,8 +5199,8 @@
           <c:showPercent val="0"/>
           <c:showBubbleSize val="0"/>
         </c:dLbls>
-        <c:axId val="288523376"/>
-        <c:axId val="288521808"/>
+        <c:axId val="277190224"/>
+        <c:axId val="277184344"/>
         <c:extLst xmlns:c16r2="http://schemas.microsoft.com/office/drawing/2015/06/chart">
           <c:ext xmlns:c15="http://schemas.microsoft.com/office/drawing/2012/chart" uri="{02D57815-91ED-43cb-92C2-25804820EDAC}">
             <c15:filteredScatterSeries>
@@ -5467,7 +5468,7 @@
         </c:extLst>
       </c:scatterChart>
       <c:valAx>
-        <c:axId val="288523376"/>
+        <c:axId val="277190224"/>
         <c:scaling>
           <c:orientation val="minMax"/>
           <c:max val="432.5"/>
@@ -5573,13 +5574,13 @@
             <a:endParaRPr lang="fr-FR"/>
           </a:p>
         </c:txPr>
-        <c:crossAx val="288521808"/>
+        <c:crossAx val="277184344"/>
         <c:crosses val="autoZero"/>
         <c:crossBetween val="midCat"/>
         <c:majorUnit val="25"/>
       </c:valAx>
       <c:valAx>
-        <c:axId val="288521808"/>
+        <c:axId val="277184344"/>
         <c:scaling>
           <c:orientation val="minMax"/>
         </c:scaling>
@@ -5682,7 +5683,7 @@
             <a:endParaRPr lang="fr-FR"/>
           </a:p>
         </c:txPr>
-        <c:crossAx val="288523376"/>
+        <c:crossAx val="277190224"/>
         <c:crosses val="autoZero"/>
         <c:crossBetween val="midCat"/>
         <c:majorUnit val="3.0000000000000006E-2"/>
@@ -6137,8 +6138,8 @@
           <c:showPercent val="0"/>
           <c:showBubbleSize val="0"/>
         </c:dLbls>
-        <c:axId val="288526120"/>
-        <c:axId val="288522592"/>
+        <c:axId val="277184736"/>
+        <c:axId val="277187088"/>
         <c:extLst xmlns:c16r2="http://schemas.microsoft.com/office/drawing/2015/06/chart">
           <c:ext xmlns:c15="http://schemas.microsoft.com/office/drawing/2012/chart" uri="{02D57815-91ED-43cb-92C2-25804820EDAC}">
             <c15:filteredScatterSeries>
@@ -6406,7 +6407,7 @@
         </c:extLst>
       </c:scatterChart>
       <c:valAx>
-        <c:axId val="288526120"/>
+        <c:axId val="277184736"/>
         <c:scaling>
           <c:orientation val="minMax"/>
           <c:max val="432.5"/>
@@ -6520,13 +6521,13 @@
             <a:endParaRPr lang="fr-FR"/>
           </a:p>
         </c:txPr>
-        <c:crossAx val="288522592"/>
+        <c:crossAx val="277187088"/>
         <c:crosses val="autoZero"/>
         <c:crossBetween val="midCat"/>
         <c:majorUnit val="25"/>
       </c:valAx>
       <c:valAx>
-        <c:axId val="288522592"/>
+        <c:axId val="277187088"/>
         <c:scaling>
           <c:orientation val="minMax"/>
           <c:max val="50"/>
@@ -6631,7 +6632,7 @@
             <a:endParaRPr lang="fr-FR"/>
           </a:p>
         </c:txPr>
-        <c:crossAx val="288526120"/>
+        <c:crossAx val="277184736"/>
         <c:crosses val="autoZero"/>
         <c:crossBetween val="midCat"/>
       </c:valAx>
@@ -7079,8 +7080,8 @@
           <c:showPercent val="0"/>
           <c:showBubbleSize val="0"/>
         </c:dLbls>
-        <c:axId val="225904472"/>
-        <c:axId val="225903688"/>
+        <c:axId val="138042360"/>
+        <c:axId val="274551272"/>
         <c:extLst xmlns:c16r2="http://schemas.microsoft.com/office/drawing/2015/06/chart">
           <c:ext xmlns:c15="http://schemas.microsoft.com/office/drawing/2012/chart" uri="{02D57815-91ED-43cb-92C2-25804820EDAC}">
             <c15:filteredScatterSeries>
@@ -7348,7 +7349,7 @@
         </c:extLst>
       </c:scatterChart>
       <c:valAx>
-        <c:axId val="225904472"/>
+        <c:axId val="138042360"/>
         <c:scaling>
           <c:orientation val="minMax"/>
           <c:max val="252.5"/>
@@ -7454,13 +7455,13 @@
             <a:endParaRPr lang="fr-FR"/>
           </a:p>
         </c:txPr>
-        <c:crossAx val="225903688"/>
+        <c:crossAx val="274551272"/>
         <c:crosses val="autoZero"/>
         <c:crossBetween val="midCat"/>
         <c:majorUnit val="25"/>
       </c:valAx>
       <c:valAx>
-        <c:axId val="225903688"/>
+        <c:axId val="274551272"/>
         <c:scaling>
           <c:orientation val="minMax"/>
           <c:max val="70"/>
@@ -7566,7 +7567,7 @@
             <a:endParaRPr lang="fr-FR"/>
           </a:p>
         </c:txPr>
-        <c:crossAx val="225904472"/>
+        <c:crossAx val="138042360"/>
         <c:crosses val="autoZero"/>
         <c:crossBetween val="midCat"/>
       </c:valAx>
@@ -8020,8 +8021,8 @@
           <c:showPercent val="0"/>
           <c:showBubbleSize val="0"/>
         </c:dLbls>
-        <c:axId val="290668440"/>
-        <c:axId val="290671576"/>
+        <c:axId val="277160256"/>
+        <c:axId val="277162216"/>
         <c:extLst xmlns:c16r2="http://schemas.microsoft.com/office/drawing/2015/06/chart">
           <c:ext xmlns:c15="http://schemas.microsoft.com/office/drawing/2012/chart" uri="{02D57815-91ED-43cb-92C2-25804820EDAC}">
             <c15:filteredScatterSeries>
@@ -8289,7 +8290,7 @@
         </c:extLst>
       </c:scatterChart>
       <c:valAx>
-        <c:axId val="290668440"/>
+        <c:axId val="277160256"/>
         <c:scaling>
           <c:orientation val="minMax"/>
           <c:max val="252.5"/>
@@ -8395,13 +8396,13 @@
             <a:endParaRPr lang="fr-FR"/>
           </a:p>
         </c:txPr>
-        <c:crossAx val="290671576"/>
+        <c:crossAx val="277162216"/>
         <c:crosses val="autoZero"/>
         <c:crossBetween val="midCat"/>
         <c:majorUnit val="25"/>
       </c:valAx>
       <c:valAx>
-        <c:axId val="290671576"/>
+        <c:axId val="277162216"/>
         <c:scaling>
           <c:orientation val="minMax"/>
         </c:scaling>
@@ -8521,7 +8522,7 @@
             <a:endParaRPr lang="fr-FR"/>
           </a:p>
         </c:txPr>
-        <c:crossAx val="290668440"/>
+        <c:crossAx val="277160256"/>
         <c:crosses val="autoZero"/>
         <c:crossBetween val="midCat"/>
       </c:valAx>
@@ -8969,8 +8970,8 @@
           <c:showPercent val="0"/>
           <c:showBubbleSize val="0"/>
         </c:dLbls>
-        <c:axId val="290669224"/>
-        <c:axId val="290665304"/>
+        <c:axId val="277161432"/>
+        <c:axId val="277165744"/>
         <c:extLst xmlns:c16r2="http://schemas.microsoft.com/office/drawing/2015/06/chart">
           <c:ext xmlns:c15="http://schemas.microsoft.com/office/drawing/2012/chart" uri="{02D57815-91ED-43cb-92C2-25804820EDAC}">
             <c15:filteredScatterSeries>
@@ -9238,7 +9239,7 @@
         </c:extLst>
       </c:scatterChart>
       <c:valAx>
-        <c:axId val="290669224"/>
+        <c:axId val="277161432"/>
         <c:scaling>
           <c:orientation val="minMax"/>
           <c:max val="432.5"/>
@@ -9348,13 +9349,13 @@
             <a:endParaRPr lang="fr-FR"/>
           </a:p>
         </c:txPr>
-        <c:crossAx val="290665304"/>
+        <c:crossAx val="277165744"/>
         <c:crosses val="autoZero"/>
         <c:crossBetween val="midCat"/>
         <c:majorUnit val="25"/>
       </c:valAx>
       <c:valAx>
-        <c:axId val="290665304"/>
+        <c:axId val="277165744"/>
         <c:scaling>
           <c:orientation val="minMax"/>
           <c:max val="70"/>
@@ -9460,7 +9461,7 @@
             <a:endParaRPr lang="fr-FR"/>
           </a:p>
         </c:txPr>
-        <c:crossAx val="290669224"/>
+        <c:crossAx val="277161432"/>
         <c:crosses val="autoZero"/>
         <c:crossBetween val="midCat"/>
       </c:valAx>
@@ -9896,8 +9897,8 @@
           <c:showPercent val="0"/>
           <c:showBubbleSize val="0"/>
         </c:dLbls>
-        <c:axId val="290672752"/>
-        <c:axId val="290665696"/>
+        <c:axId val="277163392"/>
+        <c:axId val="277164568"/>
         <c:extLst xmlns:c16r2="http://schemas.microsoft.com/office/drawing/2015/06/chart">
           <c:ext xmlns:c15="http://schemas.microsoft.com/office/drawing/2012/chart" uri="{02D57815-91ED-43cb-92C2-25804820EDAC}">
             <c15:filteredScatterSeries>
@@ -10165,7 +10166,7 @@
         </c:extLst>
       </c:scatterChart>
       <c:valAx>
-        <c:axId val="290672752"/>
+        <c:axId val="277163392"/>
         <c:scaling>
           <c:orientation val="minMax"/>
           <c:max val="432.5"/>
@@ -10279,13 +10280,13 @@
             <a:endParaRPr lang="fr-FR"/>
           </a:p>
         </c:txPr>
-        <c:crossAx val="290665696"/>
+        <c:crossAx val="277164568"/>
         <c:crosses val="autoZero"/>
         <c:crossBetween val="midCat"/>
         <c:majorUnit val="25"/>
       </c:valAx>
       <c:valAx>
-        <c:axId val="290665696"/>
+        <c:axId val="277164568"/>
         <c:scaling>
           <c:orientation val="minMax"/>
         </c:scaling>
@@ -10405,7 +10406,7 @@
             <a:endParaRPr lang="fr-FR"/>
           </a:p>
         </c:txPr>
-        <c:crossAx val="290672752"/>
+        <c:crossAx val="277163392"/>
         <c:crosses val="autoZero"/>
         <c:crossBetween val="midCat"/>
       </c:valAx>
@@ -10853,8 +10854,8 @@
           <c:showPercent val="0"/>
           <c:showBubbleSize val="0"/>
         </c:dLbls>
-        <c:axId val="290670400"/>
-        <c:axId val="290671184"/>
+        <c:axId val="277197248"/>
+        <c:axId val="277194896"/>
         <c:extLst xmlns:c16r2="http://schemas.microsoft.com/office/drawing/2015/06/chart">
           <c:ext xmlns:c15="http://schemas.microsoft.com/office/drawing/2012/chart" uri="{02D57815-91ED-43cb-92C2-25804820EDAC}">
             <c15:filteredScatterSeries>
@@ -11122,7 +11123,7 @@
         </c:extLst>
       </c:scatterChart>
       <c:valAx>
-        <c:axId val="290670400"/>
+        <c:axId val="277197248"/>
         <c:scaling>
           <c:orientation val="minMax"/>
           <c:max val="252.5"/>
@@ -11228,13 +11229,13 @@
             <a:endParaRPr lang="fr-FR"/>
           </a:p>
         </c:txPr>
-        <c:crossAx val="290671184"/>
+        <c:crossAx val="277194896"/>
         <c:crosses val="autoZero"/>
         <c:crossBetween val="midCat"/>
         <c:majorUnit val="25"/>
       </c:valAx>
       <c:valAx>
-        <c:axId val="290671184"/>
+        <c:axId val="277194896"/>
         <c:scaling>
           <c:orientation val="minMax"/>
           <c:max val="70"/>
@@ -11340,7 +11341,7 @@
             <a:endParaRPr lang="fr-FR"/>
           </a:p>
         </c:txPr>
-        <c:crossAx val="290670400"/>
+        <c:crossAx val="277197248"/>
         <c:crosses val="autoZero"/>
         <c:crossBetween val="midCat"/>
       </c:valAx>
@@ -18228,7 +18229,7 @@
           <a:p>
             <a:fld id="{202E84C4-7C53-474A-BFA3-0C91E41EF858}" type="datetimeFigureOut">
               <a:rPr lang="fr-FR" smtClean="0"/>
-              <a:t>16/01/2019</a:t>
+              <a:t>21/01/2019</a:t>
             </a:fld>
             <a:endParaRPr lang="fr-FR"/>
           </a:p>
@@ -18398,7 +18399,7 @@
           <a:p>
             <a:fld id="{202E84C4-7C53-474A-BFA3-0C91E41EF858}" type="datetimeFigureOut">
               <a:rPr lang="fr-FR" smtClean="0"/>
-              <a:t>16/01/2019</a:t>
+              <a:t>21/01/2019</a:t>
             </a:fld>
             <a:endParaRPr lang="fr-FR"/>
           </a:p>
@@ -18578,7 +18579,7 @@
           <a:p>
             <a:fld id="{202E84C4-7C53-474A-BFA3-0C91E41EF858}" type="datetimeFigureOut">
               <a:rPr lang="fr-FR" smtClean="0"/>
-              <a:t>16/01/2019</a:t>
+              <a:t>21/01/2019</a:t>
             </a:fld>
             <a:endParaRPr lang="fr-FR"/>
           </a:p>
@@ -18748,7 +18749,7 @@
           <a:p>
             <a:fld id="{202E84C4-7C53-474A-BFA3-0C91E41EF858}" type="datetimeFigureOut">
               <a:rPr lang="fr-FR" smtClean="0"/>
-              <a:t>16/01/2019</a:t>
+              <a:t>21/01/2019</a:t>
             </a:fld>
             <a:endParaRPr lang="fr-FR"/>
           </a:p>
@@ -18994,7 +18995,7 @@
           <a:p>
             <a:fld id="{202E84C4-7C53-474A-BFA3-0C91E41EF858}" type="datetimeFigureOut">
               <a:rPr lang="fr-FR" smtClean="0"/>
-              <a:t>16/01/2019</a:t>
+              <a:t>21/01/2019</a:t>
             </a:fld>
             <a:endParaRPr lang="fr-FR"/>
           </a:p>
@@ -19226,7 +19227,7 @@
           <a:p>
             <a:fld id="{202E84C4-7C53-474A-BFA3-0C91E41EF858}" type="datetimeFigureOut">
               <a:rPr lang="fr-FR" smtClean="0"/>
-              <a:t>16/01/2019</a:t>
+              <a:t>21/01/2019</a:t>
             </a:fld>
             <a:endParaRPr lang="fr-FR"/>
           </a:p>
@@ -19593,7 +19594,7 @@
           <a:p>
             <a:fld id="{202E84C4-7C53-474A-BFA3-0C91E41EF858}" type="datetimeFigureOut">
               <a:rPr lang="fr-FR" smtClean="0"/>
-              <a:t>16/01/2019</a:t>
+              <a:t>21/01/2019</a:t>
             </a:fld>
             <a:endParaRPr lang="fr-FR"/>
           </a:p>
@@ -19711,7 +19712,7 @@
           <a:p>
             <a:fld id="{202E84C4-7C53-474A-BFA3-0C91E41EF858}" type="datetimeFigureOut">
               <a:rPr lang="fr-FR" smtClean="0"/>
-              <a:t>16/01/2019</a:t>
+              <a:t>21/01/2019</a:t>
             </a:fld>
             <a:endParaRPr lang="fr-FR"/>
           </a:p>
@@ -19806,7 +19807,7 @@
           <a:p>
             <a:fld id="{202E84C4-7C53-474A-BFA3-0C91E41EF858}" type="datetimeFigureOut">
               <a:rPr lang="fr-FR" smtClean="0"/>
-              <a:t>16/01/2019</a:t>
+              <a:t>21/01/2019</a:t>
             </a:fld>
             <a:endParaRPr lang="fr-FR"/>
           </a:p>
@@ -20083,7 +20084,7 @@
           <a:p>
             <a:fld id="{202E84C4-7C53-474A-BFA3-0C91E41EF858}" type="datetimeFigureOut">
               <a:rPr lang="fr-FR" smtClean="0"/>
-              <a:t>16/01/2019</a:t>
+              <a:t>21/01/2019</a:t>
             </a:fld>
             <a:endParaRPr lang="fr-FR"/>
           </a:p>
@@ -20336,7 +20337,7 @@
           <a:p>
             <a:fld id="{202E84C4-7C53-474A-BFA3-0C91E41EF858}" type="datetimeFigureOut">
               <a:rPr lang="fr-FR" smtClean="0"/>
-              <a:t>16/01/2019</a:t>
+              <a:t>21/01/2019</a:t>
             </a:fld>
             <a:endParaRPr lang="fr-FR"/>
           </a:p>
@@ -20549,7 +20550,7 @@
           <a:p>
             <a:fld id="{202E84C4-7C53-474A-BFA3-0C91E41EF858}" type="datetimeFigureOut">
               <a:rPr lang="fr-FR" smtClean="0"/>
-              <a:t>16/01/2019</a:t>
+              <a:t>21/01/2019</a:t>
             </a:fld>
             <a:endParaRPr lang="fr-FR"/>
           </a:p>
@@ -21513,7 +21514,7 @@
                   </p:nvSpPr>
                   <p:spPr>
                     <a:xfrm>
-                      <a:off x="6724803" y="3704901"/>
+                      <a:off x="6745115" y="3714687"/>
                       <a:ext cx="536557" cy="461665"/>
                     </a:xfrm>
                     <a:prstGeom prst="rect">
@@ -21578,7 +21579,7 @@
                   </p:nvSpPr>
                   <p:spPr>
                     <a:xfrm>
-                      <a:off x="6724803" y="3704901"/>
+                      <a:off x="6745115" y="3714687"/>
                       <a:ext cx="536557" cy="461665"/>
                     </a:xfrm>
                     <a:prstGeom prst="rect">
@@ -21587,7 +21588,7 @@
                     <a:blipFill rotWithShape="0">
                       <a:blip r:embed="rId5"/>
                       <a:stretch>
-                        <a:fillRect b="-10667"/>
+                        <a:fillRect b="-10526"/>
                       </a:stretch>
                     </a:blipFill>
                   </p:spPr>
@@ -21751,16 +21752,16 @@
               </p:nvSpPr>
               <p:spPr>
                 <a:xfrm rot="10800000">
-                  <a:off x="4155659" y="2262358"/>
+                  <a:off x="3866693" y="2329461"/>
                   <a:ext cx="1800000" cy="1800000"/>
                 </a:xfrm>
                 <a:prstGeom prst="arc">
                   <a:avLst>
                     <a:gd name="adj1" fmla="val 19352811"/>
-                    <a:gd name="adj2" fmla="val 20629183"/>
+                    <a:gd name="adj2" fmla="val 1040652"/>
                   </a:avLst>
                 </a:prstGeom>
-                <a:ln>
+                <a:ln w="28575">
                   <a:solidFill>
                     <a:schemeClr val="tx1"/>
                   </a:solidFill>
@@ -21799,8 +21800,8 @@
               </p:nvSpPr>
               <p:spPr>
                 <a:xfrm>
-                  <a:off x="4128037" y="3341965"/>
-                  <a:ext cx="504056" cy="235962"/>
+                  <a:off x="3422900" y="3079470"/>
+                  <a:ext cx="504056" cy="420628"/>
                 </a:xfrm>
                 <a:prstGeom prst="rect">
                   <a:avLst/>
@@ -21815,9 +21816,10 @@
                 <a:p>
                   <a:pPr algn="ctr"/>
                   <a:r>
-                    <a:rPr lang="fr-FR" sz="1400" baseline="-25000" dirty="0"/>
+                    <a:rPr lang="fr-FR" sz="3200" baseline="-25000" dirty="0" smtClean="0"/>
                     <a:t>ω</a:t>
                   </a:r>
+                  <a:endParaRPr lang="fr-FR" sz="3200" baseline="-25000" dirty="0"/>
                 </a:p>
               </p:txBody>
             </p:sp>
@@ -22020,6 +22022,2384 @@
 </file>
 
 <file path=ppt/slides/slide10.xml><?xml version="1.0" encoding="utf-8"?>
+<p:sld xmlns:a="http://schemas.openxmlformats.org/drawingml/2006/main" xmlns:r="http://schemas.openxmlformats.org/officeDocument/2006/relationships" xmlns:p="http://schemas.openxmlformats.org/presentationml/2006/main">
+  <p:cSld>
+    <p:spTree>
+      <p:nvGrpSpPr>
+        <p:cNvPr id="1" name=""/>
+        <p:cNvGrpSpPr/>
+        <p:nvPr/>
+      </p:nvGrpSpPr>
+      <p:grpSpPr>
+        <a:xfrm>
+          <a:off x="0" y="0"/>
+          <a:ext cx="0" cy="0"/>
+          <a:chOff x="0" y="0"/>
+          <a:chExt cx="0" cy="0"/>
+        </a:xfrm>
+      </p:grpSpPr>
+      <mc:AlternateContent xmlns:mc="http://schemas.openxmlformats.org/markup-compatibility/2006" xmlns:a14="http://schemas.microsoft.com/office/drawing/2010/main">
+        <mc:Choice Requires="a14">
+          <p:graphicFrame>
+            <p:nvGraphicFramePr>
+              <p:cNvPr id="4" name="Tableau 3"/>
+              <p:cNvGraphicFramePr>
+                <a:graphicFrameLocks noGrp="1"/>
+              </p:cNvGraphicFramePr>
+              <p:nvPr>
+                <p:extLst>
+                  <p:ext uri="{D42A27DB-BD31-4B8C-83A1-F6EECF244321}">
+                    <p14:modId xmlns:p14="http://schemas.microsoft.com/office/powerpoint/2010/main" val="3236519621"/>
+                  </p:ext>
+                </p:extLst>
+              </p:nvPr>
+            </p:nvGraphicFramePr>
+            <p:xfrm>
+              <a:off x="1904999" y="325493"/>
+              <a:ext cx="9255623" cy="6304676"/>
+            </p:xfrm>
+            <a:graphic>
+              <a:graphicData uri="http://schemas.openxmlformats.org/drawingml/2006/table">
+                <a:tbl>
+                  <a:tblPr firstRow="1" bandRow="1">
+                    <a:tableStyleId>{F5AB1C69-6EDB-4FF4-983F-18BD219EF322}</a:tableStyleId>
+                  </a:tblPr>
+                  <a:tblGrid>
+                    <a:gridCol w="4805518">
+                      <a:extLst>
+                        <a:ext uri="{9D8B030D-6E8A-4147-A177-3AD203B41FA5}">
+                          <a16:colId xmlns="" xmlns:a16="http://schemas.microsoft.com/office/drawing/2014/main" val="3081511506"/>
+                        </a:ext>
+                      </a:extLst>
+                    </a:gridCol>
+                    <a:gridCol w="1765060">
+                      <a:extLst>
+                        <a:ext uri="{9D8B030D-6E8A-4147-A177-3AD203B41FA5}">
+                          <a16:colId xmlns="" xmlns:a16="http://schemas.microsoft.com/office/drawing/2014/main" val="1214192377"/>
+                        </a:ext>
+                      </a:extLst>
+                    </a:gridCol>
+                    <a:gridCol w="2685045">
+                      <a:extLst>
+                        <a:ext uri="{9D8B030D-6E8A-4147-A177-3AD203B41FA5}">
+                          <a16:colId xmlns="" xmlns:a16="http://schemas.microsoft.com/office/drawing/2014/main" val="3830110329"/>
+                        </a:ext>
+                      </a:extLst>
+                    </a:gridCol>
+                  </a:tblGrid>
+                  <a:tr h="318126">
+                    <a:tc>
+                      <a:txBody>
+                        <a:bodyPr/>
+                        <a:lstStyle/>
+                        <a:p>
+                          <a:pPr algn="ctr"/>
+                          <a:r>
+                            <a:rPr lang="fr-FR" sz="1800" dirty="0" smtClean="0"/>
+                            <a:t>Coussinet</a:t>
+                          </a:r>
+                          <a:endParaRPr lang="en-US" sz="1800" dirty="0"/>
+                        </a:p>
+                      </a:txBody>
+                      <a:tcPr anchor="ctr"/>
+                    </a:tc>
+                    <a:tc>
+                      <a:txBody>
+                        <a:bodyPr/>
+                        <a:lstStyle/>
+                        <a:p>
+                          <a:pPr algn="ctr"/>
+                          <a:r>
+                            <a:rPr lang="fr-FR" sz="1800" dirty="0" smtClean="0"/>
+                            <a:t>-</a:t>
+                          </a:r>
+                          <a:endParaRPr lang="en-US" sz="1800" dirty="0"/>
+                        </a:p>
+                      </a:txBody>
+                      <a:tcPr anchor="ctr"/>
+                    </a:tc>
+                    <a:tc>
+                      <a:txBody>
+                        <a:bodyPr/>
+                        <a:lstStyle/>
+                        <a:p>
+                          <a:pPr algn="ctr"/>
+                          <a:r>
+                            <a:rPr lang="fr-FR" sz="1800" dirty="0" smtClean="0"/>
+                            <a:t>Acier régulé</a:t>
+                          </a:r>
+                          <a:endParaRPr lang="en-US" sz="1800" dirty="0"/>
+                        </a:p>
+                      </a:txBody>
+                      <a:tcPr anchor="ctr"/>
+                    </a:tc>
+                    <a:extLst>
+                      <a:ext uri="{0D108BD9-81ED-4DB2-BD59-A6C34878D82A}">
+                        <a16:rowId xmlns="" xmlns:a16="http://schemas.microsoft.com/office/drawing/2014/main" val="3865599143"/>
+                      </a:ext>
+                    </a:extLst>
+                  </a:tr>
+                  <a:tr h="318126">
+                    <a:tc>
+                      <a:txBody>
+                        <a:bodyPr/>
+                        <a:lstStyle/>
+                        <a:p>
+                          <a:pPr algn="ctr"/>
+                          <a:r>
+                            <a:rPr lang="fr-FR" sz="1800" dirty="0" smtClean="0"/>
+                            <a:t>Diamètre  du cercle inscrit</a:t>
+                          </a:r>
+                          <a:endParaRPr lang="en-US" sz="1800" dirty="0"/>
+                        </a:p>
+                      </a:txBody>
+                      <a:tcPr anchor="ctr"/>
+                    </a:tc>
+                    <a:tc>
+                      <a:txBody>
+                        <a:bodyPr/>
+                        <a:lstStyle/>
+                        <a:p>
+                          <a:pPr algn="ctr"/>
+                          <a14:m>
+                            <m:oMathPara xmlns:m="http://schemas.openxmlformats.org/officeDocument/2006/math">
+                              <m:oMathParaPr>
+                                <m:jc m:val="centerGroup"/>
+                              </m:oMathParaPr>
+                              <m:oMath xmlns:m="http://schemas.openxmlformats.org/officeDocument/2006/math">
+                                <m:sSub>
+                                  <m:sSubPr>
+                                    <m:ctrlPr>
+                                      <a:rPr lang="fr-FR" sz="1800" b="0" i="1" smtClean="0">
+                                        <a:latin typeface="Cambria Math" panose="02040503050406030204" pitchFamily="18" charset="0"/>
+                                      </a:rPr>
+                                    </m:ctrlPr>
+                                  </m:sSubPr>
+                                  <m:e>
+                                    <m:r>
+                                      <a:rPr lang="fr-FR" sz="1800" b="0" i="1" smtClean="0">
+                                        <a:latin typeface="Cambria Math" panose="02040503050406030204" pitchFamily="18" charset="0"/>
+                                      </a:rPr>
+                                      <m:t>𝑑</m:t>
+                                    </m:r>
+                                  </m:e>
+                                  <m:sub>
+                                    <m:r>
+                                      <a:rPr lang="fr-FR" sz="1800" b="0" i="1" smtClean="0">
+                                        <a:latin typeface="Cambria Math" panose="02040503050406030204" pitchFamily="18" charset="0"/>
+                                      </a:rPr>
+                                      <m:t>𝑏𝑣</m:t>
+                                    </m:r>
+                                  </m:sub>
+                                </m:sSub>
+                              </m:oMath>
+                            </m:oMathPara>
+                          </a14:m>
+                          <a:endParaRPr lang="en-US" sz="1800" dirty="0"/>
+                        </a:p>
+                      </a:txBody>
+                      <a:tcPr anchor="ctr"/>
+                    </a:tc>
+                    <a:tc>
+                      <a:txBody>
+                        <a:bodyPr/>
+                        <a:lstStyle/>
+                        <a:p>
+                          <a:pPr algn="ctr"/>
+                          <a:r>
+                            <a:rPr lang="fr-FR" sz="1800" dirty="0" smtClean="0"/>
+                            <a:t>99.908 mm</a:t>
+                          </a:r>
+                          <a:endParaRPr lang="en-US" sz="1800" dirty="0"/>
+                        </a:p>
+                      </a:txBody>
+                      <a:tcPr anchor="ctr"/>
+                    </a:tc>
+                    <a:extLst>
+                      <a:ext uri="{0D108BD9-81ED-4DB2-BD59-A6C34878D82A}">
+                        <a16:rowId xmlns="" xmlns:a16="http://schemas.microsoft.com/office/drawing/2014/main" val="239526169"/>
+                      </a:ext>
+                    </a:extLst>
+                  </a:tr>
+                  <a:tr h="318126">
+                    <a:tc>
+                      <a:txBody>
+                        <a:bodyPr/>
+                        <a:lstStyle/>
+                        <a:p>
+                          <a:pPr algn="ctr"/>
+                          <a:r>
+                            <a:rPr lang="fr-FR" sz="1800" dirty="0" smtClean="0"/>
+                            <a:t>Diamètre d’usinage du coussinet</a:t>
+                          </a:r>
+                          <a:endParaRPr lang="en-US" sz="1800" dirty="0"/>
+                        </a:p>
+                      </a:txBody>
+                      <a:tcPr anchor="ctr"/>
+                    </a:tc>
+                    <a:tc>
+                      <a:txBody>
+                        <a:bodyPr/>
+                        <a:lstStyle/>
+                        <a:p>
+                          <a:pPr algn="ctr"/>
+                          <a14:m>
+                            <m:oMathPara xmlns:m="http://schemas.openxmlformats.org/officeDocument/2006/math">
+                              <m:oMathParaPr>
+                                <m:jc m:val="centerGroup"/>
+                              </m:oMathParaPr>
+                              <m:oMath xmlns:m="http://schemas.openxmlformats.org/officeDocument/2006/math">
+                                <m:sSub>
+                                  <m:sSubPr>
+                                    <m:ctrlPr>
+                                      <a:rPr lang="fr-FR" sz="1800" b="0" i="1" smtClean="0">
+                                        <a:latin typeface="Cambria Math" panose="02040503050406030204" pitchFamily="18" charset="0"/>
+                                      </a:rPr>
+                                    </m:ctrlPr>
+                                  </m:sSubPr>
+                                  <m:e>
+                                    <m:r>
+                                      <a:rPr lang="fr-FR" sz="1800" b="0" i="1" smtClean="0">
+                                        <a:latin typeface="Cambria Math" panose="02040503050406030204" pitchFamily="18" charset="0"/>
+                                      </a:rPr>
+                                      <m:t>𝑑</m:t>
+                                    </m:r>
+                                  </m:e>
+                                  <m:sub>
+                                    <m:r>
+                                      <a:rPr lang="fr-FR" sz="1800" b="0" i="1" smtClean="0">
+                                        <a:latin typeface="Cambria Math" panose="02040503050406030204" pitchFamily="18" charset="0"/>
+                                      </a:rPr>
+                                      <m:t>𝑏h</m:t>
+                                    </m:r>
+                                  </m:sub>
+                                </m:sSub>
+                              </m:oMath>
+                            </m:oMathPara>
+                          </a14:m>
+                          <a:endParaRPr lang="en-US" sz="1800" dirty="0"/>
+                        </a:p>
+                      </a:txBody>
+                      <a:tcPr anchor="ctr"/>
+                    </a:tc>
+                    <a:tc>
+                      <a:txBody>
+                        <a:bodyPr/>
+                        <a:lstStyle/>
+                        <a:p>
+                          <a:pPr algn="ctr"/>
+                          <a:r>
+                            <a:rPr lang="fr-FR" sz="1800" dirty="0" smtClean="0"/>
+                            <a:t>100.058 mm</a:t>
+                          </a:r>
+                          <a:endParaRPr lang="en-US" sz="1800" dirty="0"/>
+                        </a:p>
+                      </a:txBody>
+                      <a:tcPr anchor="ctr"/>
+                    </a:tc>
+                    <a:extLst>
+                      <a:ext uri="{0D108BD9-81ED-4DB2-BD59-A6C34878D82A}">
+                        <a16:rowId xmlns="" xmlns:a16="http://schemas.microsoft.com/office/drawing/2014/main" val="635204047"/>
+                      </a:ext>
+                    </a:extLst>
+                  </a:tr>
+                  <a:tr h="318126">
+                    <a:tc>
+                      <a:txBody>
+                        <a:bodyPr/>
+                        <a:lstStyle/>
+                        <a:p>
+                          <a:pPr algn="ctr"/>
+                          <a:r>
+                            <a:rPr lang="fr-FR" sz="1800" dirty="0" smtClean="0"/>
+                            <a:t>Diamètre de l’arbre</a:t>
+                          </a:r>
+                          <a:endParaRPr lang="en-US" sz="1800" dirty="0"/>
+                        </a:p>
+                      </a:txBody>
+                      <a:tcPr anchor="ctr"/>
+                    </a:tc>
+                    <a:tc>
+                      <a:txBody>
+                        <a:bodyPr/>
+                        <a:lstStyle/>
+                        <a:p>
+                          <a:pPr algn="ctr"/>
+                          <a14:m>
+                            <m:oMathPara xmlns:m="http://schemas.openxmlformats.org/officeDocument/2006/math">
+                              <m:oMathParaPr>
+                                <m:jc m:val="centerGroup"/>
+                              </m:oMathParaPr>
+                              <m:oMath xmlns:m="http://schemas.openxmlformats.org/officeDocument/2006/math">
+                                <m:r>
+                                  <a:rPr lang="fr-FR" sz="1800" b="0" i="1" smtClean="0">
+                                    <a:latin typeface="Cambria Math" panose="02040503050406030204" pitchFamily="18" charset="0"/>
+                                  </a:rPr>
+                                  <m:t>𝑑</m:t>
+                                </m:r>
+                              </m:oMath>
+                            </m:oMathPara>
+                          </a14:m>
+                          <a:endParaRPr lang="en-US" sz="1800" dirty="0"/>
+                        </a:p>
+                      </a:txBody>
+                      <a:tcPr anchor="ctr"/>
+                    </a:tc>
+                    <a:tc>
+                      <a:txBody>
+                        <a:bodyPr/>
+                        <a:lstStyle/>
+                        <a:p>
+                          <a:pPr algn="ctr"/>
+                          <a:r>
+                            <a:rPr lang="fr-FR" sz="1800" dirty="0" smtClean="0"/>
+                            <a:t>99.772 mm</a:t>
+                          </a:r>
+                          <a:endParaRPr lang="en-US" sz="1800" dirty="0"/>
+                        </a:p>
+                      </a:txBody>
+                      <a:tcPr anchor="ctr"/>
+                    </a:tc>
+                    <a:extLst>
+                      <a:ext uri="{0D108BD9-81ED-4DB2-BD59-A6C34878D82A}">
+                        <a16:rowId xmlns="" xmlns:a16="http://schemas.microsoft.com/office/drawing/2014/main" val="803137917"/>
+                      </a:ext>
+                    </a:extLst>
+                  </a:tr>
+                  <a:tr h="318126">
+                    <a:tc>
+                      <a:txBody>
+                        <a:bodyPr/>
+                        <a:lstStyle/>
+                        <a:p>
+                          <a:pPr algn="ctr"/>
+                          <a:r>
+                            <a:rPr lang="fr-FR" sz="1800" dirty="0" smtClean="0"/>
+                            <a:t>Longueur</a:t>
+                          </a:r>
+                          <a:r>
+                            <a:rPr lang="fr-FR" sz="1800" baseline="0" dirty="0" smtClean="0"/>
+                            <a:t> de l’arbre</a:t>
+                          </a:r>
+                          <a:endParaRPr lang="en-US" sz="1800" dirty="0"/>
+                        </a:p>
+                      </a:txBody>
+                      <a:tcPr anchor="ctr"/>
+                    </a:tc>
+                    <a:tc>
+                      <a:txBody>
+                        <a:bodyPr/>
+                        <a:lstStyle/>
+                        <a:p>
+                          <a:pPr algn="ctr"/>
+                          <a14:m>
+                            <m:oMathPara xmlns:m="http://schemas.openxmlformats.org/officeDocument/2006/math">
+                              <m:oMathParaPr>
+                                <m:jc m:val="centerGroup"/>
+                              </m:oMathParaPr>
+                              <m:oMath xmlns:m="http://schemas.openxmlformats.org/officeDocument/2006/math">
+                                <m:r>
+                                  <a:rPr lang="fr-FR" sz="1800" b="0" i="1" smtClean="0">
+                                    <a:latin typeface="Cambria Math" panose="02040503050406030204" pitchFamily="18" charset="0"/>
+                                  </a:rPr>
+                                  <m:t>𝐿</m:t>
+                                </m:r>
+                              </m:oMath>
+                            </m:oMathPara>
+                          </a14:m>
+                          <a:endParaRPr lang="en-US" sz="1800" dirty="0"/>
+                        </a:p>
+                      </a:txBody>
+                      <a:tcPr anchor="ctr"/>
+                    </a:tc>
+                    <a:tc>
+                      <a:txBody>
+                        <a:bodyPr/>
+                        <a:lstStyle/>
+                        <a:p>
+                          <a:pPr algn="ctr"/>
+                          <a:r>
+                            <a:rPr lang="fr-FR" sz="1800" dirty="0" smtClean="0"/>
+                            <a:t>68.4 mm</a:t>
+                          </a:r>
+                          <a:endParaRPr lang="en-US" sz="1800" dirty="0"/>
+                        </a:p>
+                      </a:txBody>
+                      <a:tcPr anchor="ctr"/>
+                    </a:tc>
+                    <a:extLst>
+                      <a:ext uri="{0D108BD9-81ED-4DB2-BD59-A6C34878D82A}">
+                        <a16:rowId xmlns="" xmlns:a16="http://schemas.microsoft.com/office/drawing/2014/main" val="3808520189"/>
+                      </a:ext>
+                    </a:extLst>
+                  </a:tr>
+                  <a:tr h="339214">
+                    <a:tc>
+                      <a:txBody>
+                        <a:bodyPr/>
+                        <a:lstStyle/>
+                        <a:p>
+                          <a:pPr algn="ctr"/>
+                          <a:r>
+                            <a:rPr lang="fr-FR" sz="1800" dirty="0" smtClean="0"/>
+                            <a:t>Diamètre extérieur du coussinet</a:t>
+                          </a:r>
+                          <a:endParaRPr lang="en-US" sz="1800" dirty="0"/>
+                        </a:p>
+                      </a:txBody>
+                      <a:tcPr anchor="ctr"/>
+                    </a:tc>
+                    <a:tc>
+                      <a:txBody>
+                        <a:bodyPr/>
+                        <a:lstStyle/>
+                        <a:p>
+                          <a:pPr algn="ctr"/>
+                          <a14:m>
+                            <m:oMath xmlns:m="http://schemas.openxmlformats.org/officeDocument/2006/math">
+                              <m:sSub>
+                                <m:sSubPr>
+                                  <m:ctrlPr>
+                                    <a:rPr lang="fr-FR" sz="1800" b="0" i="1" smtClean="0">
+                                      <a:latin typeface="Cambria Math" panose="02040503050406030204" pitchFamily="18" charset="0"/>
+                                    </a:rPr>
+                                  </m:ctrlPr>
+                                </m:sSubPr>
+                                <m:e>
+                                  <m:r>
+                                    <a:rPr lang="fr-FR" sz="1800" b="0" i="1" smtClean="0">
+                                      <a:latin typeface="Cambria Math" panose="02040503050406030204" pitchFamily="18" charset="0"/>
+                                    </a:rPr>
+                                    <m:t>𝑑</m:t>
+                                  </m:r>
+                                </m:e>
+                                <m:sub>
+                                  <m:sSub>
+                                    <m:sSubPr>
+                                      <m:ctrlPr>
+                                        <a:rPr lang="fr-FR" sz="1800" b="0" i="1" smtClean="0">
+                                          <a:latin typeface="Cambria Math" panose="02040503050406030204" pitchFamily="18" charset="0"/>
+                                        </a:rPr>
+                                      </m:ctrlPr>
+                                    </m:sSubPr>
+                                    <m:e>
+                                      <m:r>
+                                        <a:rPr lang="fr-FR" sz="1800" b="0" i="1" smtClean="0">
+                                          <a:latin typeface="Cambria Math" panose="02040503050406030204" pitchFamily="18" charset="0"/>
+                                        </a:rPr>
+                                        <m:t>𝑏</m:t>
+                                      </m:r>
+                                    </m:e>
+                                    <m:sub>
+                                      <m:r>
+                                        <a:rPr lang="fr-FR" sz="1800" b="0" i="1" smtClean="0">
+                                          <a:latin typeface="Cambria Math" panose="02040503050406030204" pitchFamily="18" charset="0"/>
+                                        </a:rPr>
+                                        <m:t>𝑒𝑥𝑡</m:t>
+                                      </m:r>
+                                    </m:sub>
+                                  </m:sSub>
+                                </m:sub>
+                              </m:sSub>
+                            </m:oMath>
+                          </a14:m>
+                          <a:r>
+                            <a:rPr lang="en-US" sz="1800" dirty="0" smtClean="0"/>
+                            <a:t> </a:t>
+                          </a:r>
+                          <a:endParaRPr lang="en-US" sz="1800" dirty="0"/>
+                        </a:p>
+                      </a:txBody>
+                      <a:tcPr anchor="ctr"/>
+                    </a:tc>
+                    <a:tc>
+                      <a:txBody>
+                        <a:bodyPr/>
+                        <a:lstStyle/>
+                        <a:p>
+                          <a:pPr algn="ctr"/>
+                          <a:r>
+                            <a:rPr lang="fr-FR" sz="1800" dirty="0" smtClean="0"/>
+                            <a:t>140 mm</a:t>
+                          </a:r>
+                          <a:endParaRPr lang="en-US" sz="1800" dirty="0"/>
+                        </a:p>
+                      </a:txBody>
+                      <a:tcPr anchor="ctr"/>
+                    </a:tc>
+                    <a:extLst>
+                      <a:ext uri="{0D108BD9-81ED-4DB2-BD59-A6C34878D82A}">
+                        <a16:rowId xmlns="" xmlns:a16="http://schemas.microsoft.com/office/drawing/2014/main" val="2470517530"/>
+                      </a:ext>
+                    </a:extLst>
+                  </a:tr>
+                  <a:tr h="426840">
+                    <a:tc>
+                      <a:txBody>
+                        <a:bodyPr/>
+                        <a:lstStyle/>
+                        <a:p>
+                          <a:pPr algn="ctr"/>
+                          <a:r>
+                            <a:rPr lang="fr-FR" sz="1800" dirty="0" smtClean="0"/>
+                            <a:t>Diamètre externe de la bague support</a:t>
+                          </a:r>
+                          <a:endParaRPr lang="en-US" sz="1800" dirty="0"/>
+                        </a:p>
+                      </a:txBody>
+                      <a:tcPr anchor="ctr"/>
+                    </a:tc>
+                    <a:tc>
+                      <a:txBody>
+                        <a:bodyPr/>
+                        <a:lstStyle/>
+                        <a:p>
+                          <a:pPr algn="ctr"/>
+                          <a14:m>
+                            <m:oMathPara xmlns:m="http://schemas.openxmlformats.org/officeDocument/2006/math">
+                              <m:oMathParaPr>
+                                <m:jc m:val="centerGroup"/>
+                              </m:oMathParaPr>
+                              <m:oMath xmlns:m="http://schemas.openxmlformats.org/officeDocument/2006/math">
+                                <m:sSub>
+                                  <m:sSubPr>
+                                    <m:ctrlPr>
+                                      <a:rPr lang="fr-FR" sz="1800" b="0" i="1" smtClean="0">
+                                        <a:latin typeface="Cambria Math" panose="02040503050406030204" pitchFamily="18" charset="0"/>
+                                      </a:rPr>
+                                    </m:ctrlPr>
+                                  </m:sSubPr>
+                                  <m:e>
+                                    <m:r>
+                                      <a:rPr lang="fr-FR" sz="1800" b="0" i="1" smtClean="0">
+                                        <a:latin typeface="Cambria Math" panose="02040503050406030204" pitchFamily="18" charset="0"/>
+                                      </a:rPr>
+                                      <m:t>𝑑</m:t>
+                                    </m:r>
+                                  </m:e>
+                                  <m:sub>
+                                    <m:r>
+                                      <a:rPr lang="fr-FR" sz="1800" b="0" i="1" smtClean="0">
+                                        <a:latin typeface="Cambria Math" panose="02040503050406030204" pitchFamily="18" charset="0"/>
+                                      </a:rPr>
+                                      <m:t>𝑒𝑥𝑡</m:t>
+                                    </m:r>
+                                  </m:sub>
+                                </m:sSub>
+                              </m:oMath>
+                            </m:oMathPara>
+                          </a14:m>
+                          <a:endParaRPr lang="en-US" sz="1800" dirty="0"/>
+                        </a:p>
+                      </a:txBody>
+                      <a:tcPr anchor="ctr"/>
+                    </a:tc>
+                    <a:tc>
+                      <a:txBody>
+                        <a:bodyPr/>
+                        <a:lstStyle/>
+                        <a:p>
+                          <a:pPr algn="ctr"/>
+                          <a:r>
+                            <a:rPr lang="fr-FR" sz="1800" dirty="0" smtClean="0"/>
+                            <a:t>200 mm</a:t>
+                          </a:r>
+                          <a:endParaRPr lang="en-US" sz="1800" dirty="0"/>
+                        </a:p>
+                      </a:txBody>
+                      <a:tcPr anchor="ctr"/>
+                    </a:tc>
+                    <a:extLst>
+                      <a:ext uri="{0D108BD9-81ED-4DB2-BD59-A6C34878D82A}">
+                        <a16:rowId xmlns="" xmlns:a16="http://schemas.microsoft.com/office/drawing/2014/main" val="1342816855"/>
+                      </a:ext>
+                    </a:extLst>
+                  </a:tr>
+                  <a:tr h="426840">
+                    <a:tc>
+                      <a:txBody>
+                        <a:bodyPr/>
+                        <a:lstStyle/>
+                        <a:p>
+                          <a:pPr algn="ctr"/>
+                          <a:r>
+                            <a:rPr lang="fr-FR" sz="1800" dirty="0" smtClean="0"/>
+                            <a:t>Jeu radial d’usinage (jeu radial horizontal)</a:t>
+                          </a:r>
+                          <a:endParaRPr lang="en-US" sz="1800" dirty="0"/>
+                        </a:p>
+                      </a:txBody>
+                      <a:tcPr anchor="ctr"/>
+                    </a:tc>
+                    <a:tc>
+                      <a:txBody>
+                        <a:bodyPr/>
+                        <a:lstStyle/>
+                        <a:p>
+                          <a:pPr algn="ctr"/>
+                          <a14:m>
+                            <m:oMathPara xmlns:m="http://schemas.openxmlformats.org/officeDocument/2006/math">
+                              <m:oMathParaPr>
+                                <m:jc m:val="centerGroup"/>
+                              </m:oMathParaPr>
+                              <m:oMath xmlns:m="http://schemas.openxmlformats.org/officeDocument/2006/math">
+                                <m:r>
+                                  <a:rPr lang="fr-FR" sz="1800" b="0" i="1" smtClean="0">
+                                    <a:latin typeface="Cambria Math" panose="02040503050406030204" pitchFamily="18" charset="0"/>
+                                  </a:rPr>
+                                  <m:t>𝐶</m:t>
+                                </m:r>
+                              </m:oMath>
+                            </m:oMathPara>
+                          </a14:m>
+                          <a:endParaRPr lang="en-US" sz="1800" dirty="0"/>
+                        </a:p>
+                      </a:txBody>
+                      <a:tcPr anchor="ctr"/>
+                    </a:tc>
+                    <a:tc>
+                      <a:txBody>
+                        <a:bodyPr/>
+                        <a:lstStyle/>
+                        <a:p>
+                          <a:pPr algn="ctr"/>
+                          <a:r>
+                            <a:rPr lang="fr-FR" sz="1800" dirty="0" smtClean="0"/>
+                            <a:t>143µm</a:t>
+                          </a:r>
+                          <a:endParaRPr lang="en-US" sz="1800" dirty="0"/>
+                        </a:p>
+                      </a:txBody>
+                      <a:tcPr anchor="ctr"/>
+                    </a:tc>
+                    <a:extLst>
+                      <a:ext uri="{0D108BD9-81ED-4DB2-BD59-A6C34878D82A}">
+                        <a16:rowId xmlns="" xmlns:a16="http://schemas.microsoft.com/office/drawing/2014/main" val="3480795511"/>
+                      </a:ext>
+                    </a:extLst>
+                  </a:tr>
+                  <a:tr h="426840">
+                    <a:tc>
+                      <a:txBody>
+                        <a:bodyPr/>
+                        <a:lstStyle/>
+                        <a:p>
+                          <a:pPr algn="ctr"/>
+                          <a:r>
+                            <a:rPr lang="fr-FR" sz="1800" dirty="0" smtClean="0"/>
+                            <a:t>Jeu radial d’assemblage (jeu radial vertical)</a:t>
+                          </a:r>
+                          <a:endParaRPr lang="en-US" sz="1800" dirty="0"/>
+                        </a:p>
+                      </a:txBody>
+                      <a:tcPr anchor="ctr"/>
+                    </a:tc>
+                    <a:tc>
+                      <a:txBody>
+                        <a:bodyPr/>
+                        <a:lstStyle/>
+                        <a:p>
+                          <a:pPr algn="ctr"/>
+                          <a14:m>
+                            <m:oMathPara xmlns:m="http://schemas.openxmlformats.org/officeDocument/2006/math">
+                              <m:oMathParaPr>
+                                <m:jc m:val="centerGroup"/>
+                              </m:oMathParaPr>
+                              <m:oMath xmlns:m="http://schemas.openxmlformats.org/officeDocument/2006/math">
+                                <m:sSub>
+                                  <m:sSubPr>
+                                    <m:ctrlPr>
+                                      <a:rPr lang="fr-FR" sz="1800" b="0" i="1" smtClean="0">
+                                        <a:latin typeface="Cambria Math" panose="02040503050406030204" pitchFamily="18" charset="0"/>
+                                      </a:rPr>
+                                    </m:ctrlPr>
+                                  </m:sSubPr>
+                                  <m:e>
+                                    <m:r>
+                                      <a:rPr lang="fr-FR" sz="1800" b="0" i="1" smtClean="0">
+                                        <a:latin typeface="Cambria Math" panose="02040503050406030204" pitchFamily="18" charset="0"/>
+                                      </a:rPr>
+                                      <m:t>𝐶</m:t>
+                                    </m:r>
+                                  </m:e>
+                                  <m:sub>
+                                    <m:r>
+                                      <a:rPr lang="fr-FR" sz="1800" b="0" i="1" smtClean="0">
+                                        <a:latin typeface="Cambria Math" panose="02040503050406030204" pitchFamily="18" charset="0"/>
+                                      </a:rPr>
+                                      <m:t>𝑏</m:t>
+                                    </m:r>
+                                  </m:sub>
+                                </m:sSub>
+                              </m:oMath>
+                            </m:oMathPara>
+                          </a14:m>
+                          <a:endParaRPr lang="en-US" sz="1800" dirty="0"/>
+                        </a:p>
+                      </a:txBody>
+                      <a:tcPr anchor="ctr"/>
+                    </a:tc>
+                    <a:tc>
+                      <a:txBody>
+                        <a:bodyPr/>
+                        <a:lstStyle/>
+                        <a:p>
+                          <a:pPr algn="ctr"/>
+                          <a:r>
+                            <a:rPr lang="fr-FR" sz="1800" dirty="0" smtClean="0"/>
+                            <a:t>68 µm</a:t>
+                          </a:r>
+                          <a:endParaRPr lang="en-US" sz="1800" dirty="0"/>
+                        </a:p>
+                      </a:txBody>
+                      <a:tcPr anchor="ctr"/>
+                    </a:tc>
+                    <a:extLst>
+                      <a:ext uri="{0D108BD9-81ED-4DB2-BD59-A6C34878D82A}">
+                        <a16:rowId xmlns="" xmlns:a16="http://schemas.microsoft.com/office/drawing/2014/main" val="239401366"/>
+                      </a:ext>
+                    </a:extLst>
+                  </a:tr>
+                  <a:tr h="426840">
+                    <a:tc>
+                      <a:txBody>
+                        <a:bodyPr/>
+                        <a:lstStyle/>
+                        <a:p>
+                          <a:pPr algn="ctr"/>
+                          <a:r>
+                            <a:rPr lang="fr-FR" sz="1800" dirty="0" smtClean="0"/>
+                            <a:t>Coefficient de </a:t>
+                          </a:r>
+                          <a:r>
+                            <a:rPr lang="fr-FR" sz="1800" dirty="0" err="1" smtClean="0"/>
+                            <a:t>précharge</a:t>
+                          </a:r>
+                          <a:r>
+                            <a:rPr lang="fr-FR" sz="1800" dirty="0" smtClean="0"/>
+                            <a:t> géométrique</a:t>
+                          </a:r>
+                          <a:endParaRPr lang="en-US" sz="1800" dirty="0"/>
+                        </a:p>
+                      </a:txBody>
+                      <a:tcPr anchor="ctr"/>
+                    </a:tc>
+                    <a:tc>
+                      <a:txBody>
+                        <a:bodyPr/>
+                        <a:lstStyle/>
+                        <a:p>
+                          <a:pPr algn="ctr"/>
+                          <a14:m>
+                            <m:oMathPara xmlns:m="http://schemas.openxmlformats.org/officeDocument/2006/math">
+                              <m:oMathParaPr>
+                                <m:jc m:val="centerGroup"/>
+                              </m:oMathParaPr>
+                              <m:oMath xmlns:m="http://schemas.openxmlformats.org/officeDocument/2006/math">
+                                <m:r>
+                                  <a:rPr lang="fr-FR" sz="1800" b="0" i="1" smtClean="0">
+                                    <a:latin typeface="Cambria Math" panose="02040503050406030204" pitchFamily="18" charset="0"/>
+                                  </a:rPr>
+                                  <m:t>𝑚</m:t>
+                                </m:r>
+                              </m:oMath>
+                            </m:oMathPara>
+                          </a14:m>
+                          <a:endParaRPr lang="en-US" sz="1800" dirty="0"/>
+                        </a:p>
+                      </a:txBody>
+                      <a:tcPr anchor="ctr"/>
+                    </a:tc>
+                    <a:tc>
+                      <a:txBody>
+                        <a:bodyPr/>
+                        <a:lstStyle/>
+                        <a:p>
+                          <a:pPr algn="ctr"/>
+                          <a:r>
+                            <a:rPr lang="fr-FR" sz="1800" dirty="0" smtClean="0"/>
+                            <a:t>0.524</a:t>
+                          </a:r>
+                          <a:endParaRPr lang="en-US" sz="1800" dirty="0"/>
+                        </a:p>
+                      </a:txBody>
+                      <a:tcPr anchor="ctr"/>
+                    </a:tc>
+                    <a:extLst>
+                      <a:ext uri="{0D108BD9-81ED-4DB2-BD59-A6C34878D82A}">
+                        <a16:rowId xmlns="" xmlns:a16="http://schemas.microsoft.com/office/drawing/2014/main" val="3205225442"/>
+                      </a:ext>
+                    </a:extLst>
+                  </a:tr>
+                  <a:tr h="318126">
+                    <a:tc>
+                      <a:txBody>
+                        <a:bodyPr/>
+                        <a:lstStyle/>
+                        <a:p>
+                          <a:pPr marL="0" algn="ctr" defTabSz="914400" rtl="0" eaLnBrk="1" latinLnBrk="0" hangingPunct="1"/>
+                          <a:r>
+                            <a:rPr lang="fr-FR" sz="1800" b="1" kern="1200" dirty="0" smtClean="0">
+                              <a:solidFill>
+                                <a:schemeClr val="lt1"/>
+                              </a:solidFill>
+                              <a:latin typeface="+mn-lt"/>
+                              <a:ea typeface="+mn-ea"/>
+                              <a:cs typeface="+mn-cs"/>
+                            </a:rPr>
+                            <a:t>Lubrifiant</a:t>
+                          </a:r>
+                          <a:endParaRPr lang="en-US" sz="1800" b="1" kern="1200" dirty="0">
+                            <a:solidFill>
+                              <a:schemeClr val="lt1"/>
+                            </a:solidFill>
+                            <a:latin typeface="+mn-lt"/>
+                            <a:ea typeface="+mn-ea"/>
+                            <a:cs typeface="+mn-cs"/>
+                          </a:endParaRPr>
+                        </a:p>
+                      </a:txBody>
+                      <a:tcPr anchor="ctr">
+                        <a:solidFill>
+                          <a:srgbClr val="A5A5A5"/>
+                        </a:solidFill>
+                      </a:tcPr>
+                    </a:tc>
+                    <a:tc>
+                      <a:txBody>
+                        <a:bodyPr/>
+                        <a:lstStyle/>
+                        <a:p>
+                          <a:pPr marL="0" algn="ctr" defTabSz="914400" rtl="0" eaLnBrk="1" latinLnBrk="0" hangingPunct="1"/>
+                          <a:endParaRPr lang="en-US" sz="1800" b="1" kern="1200" dirty="0">
+                            <a:solidFill>
+                              <a:schemeClr val="lt1"/>
+                            </a:solidFill>
+                            <a:latin typeface="+mn-lt"/>
+                            <a:ea typeface="+mn-ea"/>
+                            <a:cs typeface="+mn-cs"/>
+                          </a:endParaRPr>
+                        </a:p>
+                      </a:txBody>
+                      <a:tcPr anchor="ctr">
+                        <a:solidFill>
+                          <a:srgbClr val="A5A5A5"/>
+                        </a:solidFill>
+                      </a:tcPr>
+                    </a:tc>
+                    <a:tc>
+                      <a:txBody>
+                        <a:bodyPr/>
+                        <a:lstStyle/>
+                        <a:p>
+                          <a:pPr marL="0" algn="ctr" defTabSz="914400" rtl="0" eaLnBrk="1" latinLnBrk="0" hangingPunct="1"/>
+                          <a:r>
+                            <a:rPr lang="fr-FR" sz="1800" b="1" kern="1200" dirty="0" smtClean="0">
+                              <a:solidFill>
+                                <a:schemeClr val="lt1"/>
+                              </a:solidFill>
+                              <a:latin typeface="+mn-lt"/>
+                              <a:ea typeface="+mn-ea"/>
+                              <a:cs typeface="+mn-cs"/>
+                            </a:rPr>
+                            <a:t>ISO VG 46</a:t>
+                          </a:r>
+                          <a:endParaRPr lang="en-US" sz="1800" b="1" kern="1200" dirty="0">
+                            <a:solidFill>
+                              <a:schemeClr val="lt1"/>
+                            </a:solidFill>
+                            <a:latin typeface="+mn-lt"/>
+                            <a:ea typeface="+mn-ea"/>
+                            <a:cs typeface="+mn-cs"/>
+                          </a:endParaRPr>
+                        </a:p>
+                      </a:txBody>
+                      <a:tcPr anchor="ctr">
+                        <a:solidFill>
+                          <a:srgbClr val="A5A5A5"/>
+                        </a:solidFill>
+                      </a:tcPr>
+                    </a:tc>
+                    <a:extLst>
+                      <a:ext uri="{0D108BD9-81ED-4DB2-BD59-A6C34878D82A}">
+                        <a16:rowId xmlns="" xmlns:a16="http://schemas.microsoft.com/office/drawing/2014/main" val="2472454817"/>
+                      </a:ext>
+                    </a:extLst>
+                  </a:tr>
+                  <a:tr h="426840">
+                    <a:tc>
+                      <a:txBody>
+                        <a:bodyPr/>
+                        <a:lstStyle/>
+                        <a:p>
+                          <a:pPr algn="ctr"/>
+                          <a:r>
+                            <a:rPr lang="fr-FR" sz="1800" dirty="0" smtClean="0"/>
+                            <a:t>Température</a:t>
+                          </a:r>
+                          <a:r>
+                            <a:rPr lang="fr-FR" sz="1800" baseline="0" dirty="0" smtClean="0"/>
+                            <a:t> d’alimentation du lubrifiant</a:t>
+                          </a:r>
+                          <a:endParaRPr lang="en-US" sz="1800" dirty="0"/>
+                        </a:p>
+                      </a:txBody>
+                      <a:tcPr anchor="ctr"/>
+                    </a:tc>
+                    <a:tc>
+                      <a:txBody>
+                        <a:bodyPr/>
+                        <a:lstStyle/>
+                        <a:p>
+                          <a:pPr algn="ctr"/>
+                          <a14:m>
+                            <m:oMathPara xmlns:m="http://schemas.openxmlformats.org/officeDocument/2006/math">
+                              <m:oMathParaPr>
+                                <m:jc m:val="centerGroup"/>
+                              </m:oMathParaPr>
+                              <m:oMath xmlns:m="http://schemas.openxmlformats.org/officeDocument/2006/math">
+                                <m:sSub>
+                                  <m:sSubPr>
+                                    <m:ctrlPr>
+                                      <a:rPr lang="fr-FR" sz="1800" b="0" i="1" smtClean="0">
+                                        <a:latin typeface="Cambria Math" panose="02040503050406030204" pitchFamily="18" charset="0"/>
+                                      </a:rPr>
+                                    </m:ctrlPr>
+                                  </m:sSubPr>
+                                  <m:e>
+                                    <m:r>
+                                      <a:rPr lang="fr-FR" sz="1800" b="0" i="1" smtClean="0">
+                                        <a:latin typeface="Cambria Math" panose="02040503050406030204" pitchFamily="18" charset="0"/>
+                                      </a:rPr>
+                                      <m:t>𝑇</m:t>
+                                    </m:r>
+                                  </m:e>
+                                  <m:sub>
+                                    <m:r>
+                                      <a:rPr lang="fr-FR" sz="1800" b="0" i="1" smtClean="0">
+                                        <a:latin typeface="Cambria Math" panose="02040503050406030204" pitchFamily="18" charset="0"/>
+                                      </a:rPr>
+                                      <m:t>𝑎𝑙𝑖𝑚</m:t>
+                                    </m:r>
+                                  </m:sub>
+                                </m:sSub>
+                              </m:oMath>
+                            </m:oMathPara>
+                          </a14:m>
+                          <a:endParaRPr lang="en-US" sz="1800" dirty="0"/>
+                        </a:p>
+                      </a:txBody>
+                      <a:tcPr anchor="ctr"/>
+                    </a:tc>
+                    <a:tc>
+                      <a:txBody>
+                        <a:bodyPr/>
+                        <a:lstStyle/>
+                        <a:p>
+                          <a:pPr algn="ctr"/>
+                          <a:r>
+                            <a:rPr lang="fr-FR" sz="1800" dirty="0" smtClean="0"/>
+                            <a:t>43°C</a:t>
+                          </a:r>
+                          <a:endParaRPr lang="en-US" sz="1800" dirty="0"/>
+                        </a:p>
+                      </a:txBody>
+                      <a:tcPr anchor="ctr"/>
+                    </a:tc>
+                    <a:extLst>
+                      <a:ext uri="{0D108BD9-81ED-4DB2-BD59-A6C34878D82A}">
+                        <a16:rowId xmlns="" xmlns:a16="http://schemas.microsoft.com/office/drawing/2014/main" val="4131336601"/>
+                      </a:ext>
+                    </a:extLst>
+                  </a:tr>
+                  <a:tr h="318126">
+                    <a:tc>
+                      <a:txBody>
+                        <a:bodyPr/>
+                        <a:lstStyle/>
+                        <a:p>
+                          <a:pPr algn="ctr"/>
+                          <a:r>
+                            <a:rPr lang="fr-FR" sz="1800" dirty="0" smtClean="0"/>
+                            <a:t>Pression d’alimentation du </a:t>
+                          </a:r>
+                          <a:r>
+                            <a:rPr lang="fr-FR" sz="1800" dirty="0" err="1" smtClean="0"/>
+                            <a:t>lubrificant</a:t>
+                          </a:r>
+                          <a:endParaRPr lang="en-US" sz="1800" dirty="0"/>
+                        </a:p>
+                      </a:txBody>
+                      <a:tcPr anchor="ctr"/>
+                    </a:tc>
+                    <a:tc>
+                      <a:txBody>
+                        <a:bodyPr/>
+                        <a:lstStyle/>
+                        <a:p>
+                          <a:pPr algn="ctr"/>
+                          <a14:m>
+                            <m:oMathPara xmlns:m="http://schemas.openxmlformats.org/officeDocument/2006/math">
+                              <m:oMathParaPr>
+                                <m:jc m:val="centerGroup"/>
+                              </m:oMathParaPr>
+                              <m:oMath xmlns:m="http://schemas.openxmlformats.org/officeDocument/2006/math">
+                                <m:sSub>
+                                  <m:sSubPr>
+                                    <m:ctrlPr>
+                                      <a:rPr lang="fr-FR" sz="1800" b="0" i="1" smtClean="0">
+                                        <a:latin typeface="Cambria Math" panose="02040503050406030204" pitchFamily="18" charset="0"/>
+                                      </a:rPr>
+                                    </m:ctrlPr>
+                                  </m:sSubPr>
+                                  <m:e>
+                                    <m:r>
+                                      <a:rPr lang="fr-FR" sz="1800" b="0" i="1" smtClean="0">
+                                        <a:latin typeface="Cambria Math" panose="02040503050406030204" pitchFamily="18" charset="0"/>
+                                      </a:rPr>
+                                      <m:t>𝑃</m:t>
+                                    </m:r>
+                                  </m:e>
+                                  <m:sub>
+                                    <m:r>
+                                      <a:rPr lang="fr-FR" sz="1800" b="0" i="1" smtClean="0">
+                                        <a:latin typeface="Cambria Math" panose="02040503050406030204" pitchFamily="18" charset="0"/>
+                                      </a:rPr>
+                                      <m:t>𝑎𝑙𝑖𝑚</m:t>
+                                    </m:r>
+                                  </m:sub>
+                                </m:sSub>
+                              </m:oMath>
+                            </m:oMathPara>
+                          </a14:m>
+                          <a:endParaRPr lang="en-US" sz="1800" dirty="0"/>
+                        </a:p>
+                      </a:txBody>
+                      <a:tcPr anchor="ctr"/>
+                    </a:tc>
+                    <a:tc>
+                      <a:txBody>
+                        <a:bodyPr/>
+                        <a:lstStyle/>
+                        <a:p>
+                          <a:pPr algn="ctr"/>
+                          <a:r>
+                            <a:rPr lang="fr-FR" sz="1800" dirty="0" smtClean="0"/>
+                            <a:t>0.17 </a:t>
+                          </a:r>
+                          <a:r>
+                            <a:rPr lang="fr-FR" sz="1800" dirty="0" err="1" smtClean="0"/>
+                            <a:t>MPa</a:t>
+                          </a:r>
+                          <a:endParaRPr lang="en-US" sz="1800" dirty="0"/>
+                        </a:p>
+                      </a:txBody>
+                      <a:tcPr anchor="ctr"/>
+                    </a:tc>
+                    <a:extLst>
+                      <a:ext uri="{0D108BD9-81ED-4DB2-BD59-A6C34878D82A}">
+                        <a16:rowId xmlns="" xmlns:a16="http://schemas.microsoft.com/office/drawing/2014/main" val="1566769430"/>
+                      </a:ext>
+                    </a:extLst>
+                  </a:tr>
+                  <a:tr h="318126">
+                    <a:tc>
+                      <a:txBody>
+                        <a:bodyPr/>
+                        <a:lstStyle/>
+                        <a:p>
+                          <a:pPr algn="ctr"/>
+                          <a:r>
+                            <a:rPr lang="fr-FR" sz="1800" dirty="0" smtClean="0"/>
+                            <a:t>Masse volumique du lubrifiant</a:t>
+                          </a:r>
+                          <a:endParaRPr lang="en-US" sz="1800" dirty="0"/>
+                        </a:p>
+                      </a:txBody>
+                      <a:tcPr anchor="ctr"/>
+                    </a:tc>
+                    <a:tc>
+                      <a:txBody>
+                        <a:bodyPr/>
+                        <a:lstStyle/>
+                        <a:p>
+                          <a:pPr algn="ctr"/>
+                          <a14:m>
+                            <m:oMathPara xmlns:m="http://schemas.openxmlformats.org/officeDocument/2006/math">
+                              <m:oMathParaPr>
+                                <m:jc m:val="centerGroup"/>
+                              </m:oMathParaPr>
+                              <m:oMath xmlns:m="http://schemas.openxmlformats.org/officeDocument/2006/math">
+                                <m:r>
+                                  <a:rPr lang="fr-FR" sz="1800" b="0" i="1" smtClean="0">
+                                    <a:latin typeface="Cambria Math" panose="02040503050406030204" pitchFamily="18" charset="0"/>
+                                  </a:rPr>
+                                  <m:t>𝜌</m:t>
+                                </m:r>
+                              </m:oMath>
+                            </m:oMathPara>
+                          </a14:m>
+                          <a:endParaRPr lang="en-US" sz="1800" dirty="0"/>
+                        </a:p>
+                      </a:txBody>
+                      <a:tcPr anchor="ctr"/>
+                    </a:tc>
+                    <a:tc>
+                      <a:txBody>
+                        <a:bodyPr/>
+                        <a:lstStyle/>
+                        <a:p>
+                          <a:pPr algn="ctr"/>
+                          <a:r>
+                            <a:rPr lang="fr-FR" sz="1800" dirty="0" smtClean="0"/>
+                            <a:t>850 </a:t>
+                          </a:r>
+                          <a14:m>
+                            <m:oMath xmlns:m="http://schemas.openxmlformats.org/officeDocument/2006/math">
+                              <m:r>
+                                <a:rPr lang="fr-FR" sz="1800" i="1" dirty="0" smtClean="0">
+                                  <a:latin typeface="Cambria Math" panose="02040503050406030204" pitchFamily="18" charset="0"/>
+                                </a:rPr>
+                                <m:t>𝑘𝑔</m:t>
+                              </m:r>
+                              <m:r>
+                                <a:rPr lang="fr-FR" sz="1800" i="1" dirty="0" smtClean="0">
+                                  <a:latin typeface="Cambria Math" panose="02040503050406030204" pitchFamily="18" charset="0"/>
+                                </a:rPr>
+                                <m:t>/</m:t>
+                              </m:r>
+                              <m:sSup>
+                                <m:sSupPr>
+                                  <m:ctrlPr>
+                                    <a:rPr lang="fr-FR" sz="1800" b="0" i="1" dirty="0" smtClean="0">
+                                      <a:latin typeface="Cambria Math" panose="02040503050406030204" pitchFamily="18" charset="0"/>
+                                    </a:rPr>
+                                  </m:ctrlPr>
+                                </m:sSupPr>
+                                <m:e>
+                                  <m:r>
+                                    <a:rPr lang="fr-FR" sz="1800" i="1" dirty="0" smtClean="0">
+                                      <a:latin typeface="Cambria Math" panose="02040503050406030204" pitchFamily="18" charset="0"/>
+                                    </a:rPr>
+                                    <m:t>𝑚</m:t>
+                                  </m:r>
+                                </m:e>
+                                <m:sup>
+                                  <m:r>
+                                    <a:rPr lang="fr-FR" sz="1800" b="0" i="1" dirty="0" smtClean="0">
+                                      <a:latin typeface="Cambria Math" panose="02040503050406030204" pitchFamily="18" charset="0"/>
+                                    </a:rPr>
+                                    <m:t>3</m:t>
+                                  </m:r>
+                                </m:sup>
+                              </m:sSup>
+                            </m:oMath>
+                          </a14:m>
+                          <a:endParaRPr lang="en-US" sz="1800" dirty="0"/>
+                        </a:p>
+                      </a:txBody>
+                      <a:tcPr anchor="ctr"/>
+                    </a:tc>
+                    <a:extLst>
+                      <a:ext uri="{0D108BD9-81ED-4DB2-BD59-A6C34878D82A}">
+                        <a16:rowId xmlns="" xmlns:a16="http://schemas.microsoft.com/office/drawing/2014/main" val="3641553268"/>
+                      </a:ext>
+                    </a:extLst>
+                  </a:tr>
+                  <a:tr h="426840">
+                    <a:tc>
+                      <a:txBody>
+                        <a:bodyPr/>
+                        <a:lstStyle/>
+                        <a:p>
+                          <a:pPr algn="ctr"/>
+                          <a:r>
+                            <a:rPr lang="fr-FR" sz="1800" dirty="0" smtClean="0"/>
+                            <a:t>Viscosité dynamique du lubrifiant à 40°C</a:t>
+                          </a:r>
+                          <a:endParaRPr lang="en-US" sz="1800" dirty="0"/>
+                        </a:p>
+                      </a:txBody>
+                      <a:tcPr anchor="ctr"/>
+                    </a:tc>
+                    <a:tc>
+                      <a:txBody>
+                        <a:bodyPr/>
+                        <a:lstStyle/>
+                        <a:p>
+                          <a:pPr algn="ctr"/>
+                          <a14:m>
+                            <m:oMathPara xmlns:m="http://schemas.openxmlformats.org/officeDocument/2006/math">
+                              <m:oMathParaPr>
+                                <m:jc m:val="centerGroup"/>
+                              </m:oMathParaPr>
+                              <m:oMath xmlns:m="http://schemas.openxmlformats.org/officeDocument/2006/math">
+                                <m:sSub>
+                                  <m:sSubPr>
+                                    <m:ctrlPr>
+                                      <a:rPr lang="fr-FR" sz="1800" b="0" i="1" smtClean="0">
+                                        <a:latin typeface="Cambria Math" panose="02040503050406030204" pitchFamily="18" charset="0"/>
+                                      </a:rPr>
+                                    </m:ctrlPr>
+                                  </m:sSubPr>
+                                  <m:e>
+                                    <m:r>
+                                      <a:rPr lang="fr-FR" sz="1800" b="0" i="1" smtClean="0">
+                                        <a:latin typeface="Cambria Math" panose="02040503050406030204" pitchFamily="18" charset="0"/>
+                                      </a:rPr>
+                                      <m:t>𝜇</m:t>
+                                    </m:r>
+                                  </m:e>
+                                  <m:sub>
+                                    <m:r>
+                                      <a:rPr lang="fr-FR" sz="1800" b="0" i="1" smtClean="0">
+                                        <a:latin typeface="Cambria Math" panose="02040503050406030204" pitchFamily="18" charset="0"/>
+                                      </a:rPr>
+                                      <m:t>40°</m:t>
+                                    </m:r>
+                                    <m:r>
+                                      <a:rPr lang="fr-FR" sz="1800" b="0" i="1" smtClean="0">
+                                        <a:latin typeface="Cambria Math" panose="02040503050406030204" pitchFamily="18" charset="0"/>
+                                      </a:rPr>
+                                      <m:t>𝐶</m:t>
+                                    </m:r>
+                                  </m:sub>
+                                </m:sSub>
+                              </m:oMath>
+                            </m:oMathPara>
+                          </a14:m>
+                          <a:endParaRPr lang="en-US" sz="1800" dirty="0"/>
+                        </a:p>
+                      </a:txBody>
+                      <a:tcPr anchor="ctr"/>
+                    </a:tc>
+                    <a:tc>
+                      <a:txBody>
+                        <a:bodyPr/>
+                        <a:lstStyle/>
+                        <a:p>
+                          <a:pPr algn="ctr"/>
+                          <a:r>
+                            <a:rPr lang="fr-FR" sz="1800" dirty="0" smtClean="0"/>
+                            <a:t>0.0416 </a:t>
+                          </a:r>
+                          <a:r>
+                            <a:rPr lang="fr-FR" sz="1800" dirty="0" err="1" smtClean="0"/>
+                            <a:t>Pa.s</a:t>
+                          </a:r>
+                          <a:endParaRPr lang="en-US" sz="1800" dirty="0"/>
+                        </a:p>
+                      </a:txBody>
+                      <a:tcPr anchor="ctr"/>
+                    </a:tc>
+                    <a:extLst>
+                      <a:ext uri="{0D108BD9-81ED-4DB2-BD59-A6C34878D82A}">
+                        <a16:rowId xmlns="" xmlns:a16="http://schemas.microsoft.com/office/drawing/2014/main" val="802662070"/>
+                      </a:ext>
+                    </a:extLst>
+                  </a:tr>
+                  <a:tr h="426840">
+                    <a:tc>
+                      <a:txBody>
+                        <a:bodyPr/>
+                        <a:lstStyle/>
+                        <a:p>
+                          <a:pPr algn="ctr"/>
+                          <a:r>
+                            <a:rPr lang="fr-FR" sz="1800" dirty="0" smtClean="0"/>
+                            <a:t>Viscosité dynamique du lubrifiant à 60°C</a:t>
+                          </a:r>
+                          <a:endParaRPr lang="en-US" sz="1800" dirty="0"/>
+                        </a:p>
+                      </a:txBody>
+                      <a:tcPr anchor="ctr"/>
+                    </a:tc>
+                    <a:tc>
+                      <a:txBody>
+                        <a:bodyPr/>
+                        <a:lstStyle/>
+                        <a:p>
+                          <a:pPr algn="ctr"/>
+                          <a14:m>
+                            <m:oMathPara xmlns:m="http://schemas.openxmlformats.org/officeDocument/2006/math">
+                              <m:oMathParaPr>
+                                <m:jc m:val="centerGroup"/>
+                              </m:oMathParaPr>
+                              <m:oMath xmlns:m="http://schemas.openxmlformats.org/officeDocument/2006/math">
+                                <m:sSub>
+                                  <m:sSubPr>
+                                    <m:ctrlPr>
+                                      <a:rPr lang="fr-FR" sz="1800" b="0" i="1" smtClean="0">
+                                        <a:latin typeface="Cambria Math" panose="02040503050406030204" pitchFamily="18" charset="0"/>
+                                      </a:rPr>
+                                    </m:ctrlPr>
+                                  </m:sSubPr>
+                                  <m:e>
+                                    <m:r>
+                                      <a:rPr lang="fr-FR" sz="1800" b="0" i="1" smtClean="0">
+                                        <a:latin typeface="Cambria Math" panose="02040503050406030204" pitchFamily="18" charset="0"/>
+                                      </a:rPr>
+                                      <m:t>µ</m:t>
+                                    </m:r>
+                                  </m:e>
+                                  <m:sub>
+                                    <m:r>
+                                      <a:rPr lang="fr-FR" sz="1800" b="0" i="1" smtClean="0">
+                                        <a:latin typeface="Cambria Math" panose="02040503050406030204" pitchFamily="18" charset="0"/>
+                                      </a:rPr>
+                                      <m:t>60°</m:t>
+                                    </m:r>
+                                    <m:r>
+                                      <a:rPr lang="fr-FR" sz="1800" b="0" i="1" smtClean="0">
+                                        <a:latin typeface="Cambria Math" panose="02040503050406030204" pitchFamily="18" charset="0"/>
+                                      </a:rPr>
+                                      <m:t>𝐶</m:t>
+                                    </m:r>
+                                  </m:sub>
+                                </m:sSub>
+                              </m:oMath>
+                            </m:oMathPara>
+                          </a14:m>
+                          <a:endParaRPr lang="en-US" sz="1800" dirty="0"/>
+                        </a:p>
+                      </a:txBody>
+                      <a:tcPr anchor="ctr"/>
+                    </a:tc>
+                    <a:tc>
+                      <a:txBody>
+                        <a:bodyPr/>
+                        <a:lstStyle/>
+                        <a:p>
+                          <a:pPr algn="ctr"/>
+                          <a:r>
+                            <a:rPr lang="fr-FR" sz="1800" dirty="0" smtClean="0"/>
+                            <a:t>0.0191 </a:t>
+                          </a:r>
+                          <a:r>
+                            <a:rPr lang="fr-FR" sz="1800" dirty="0" err="1" smtClean="0"/>
+                            <a:t>Pa.s</a:t>
+                          </a:r>
+                          <a:endParaRPr lang="en-US" sz="1800" dirty="0"/>
+                        </a:p>
+                      </a:txBody>
+                      <a:tcPr anchor="ctr"/>
+                    </a:tc>
+                    <a:extLst>
+                      <a:ext uri="{0D108BD9-81ED-4DB2-BD59-A6C34878D82A}">
+                        <a16:rowId xmlns="" xmlns:a16="http://schemas.microsoft.com/office/drawing/2014/main" val="3754366970"/>
+                      </a:ext>
+                    </a:extLst>
+                  </a:tr>
+                </a:tbl>
+              </a:graphicData>
+            </a:graphic>
+          </p:graphicFrame>
+        </mc:Choice>
+        <mc:Fallback xmlns="">
+          <p:graphicFrame>
+            <p:nvGraphicFramePr>
+              <p:cNvPr id="4" name="Tableau 3"/>
+              <p:cNvGraphicFramePr>
+                <a:graphicFrameLocks noGrp="1"/>
+              </p:cNvGraphicFramePr>
+              <p:nvPr>
+                <p:extLst>
+                  <p:ext uri="{D42A27DB-BD31-4B8C-83A1-F6EECF244321}">
+                    <p14:modId xmlns:p14="http://schemas.microsoft.com/office/powerpoint/2010/main" val="3236519621"/>
+                  </p:ext>
+                </p:extLst>
+              </p:nvPr>
+            </p:nvGraphicFramePr>
+            <p:xfrm>
+              <a:off x="1904999" y="325493"/>
+              <a:ext cx="9255623" cy="6304676"/>
+            </p:xfrm>
+            <a:graphic>
+              <a:graphicData uri="http://schemas.openxmlformats.org/drawingml/2006/table">
+                <a:tbl>
+                  <a:tblPr firstRow="1" bandRow="1">
+                    <a:tableStyleId>{F5AB1C69-6EDB-4FF4-983F-18BD219EF322}</a:tableStyleId>
+                  </a:tblPr>
+                  <a:tblGrid>
+                    <a:gridCol w="4805518">
+                      <a:extLst>
+                        <a:ext uri="{9D8B030D-6E8A-4147-A177-3AD203B41FA5}">
+                          <a16:colId xmlns:a16="http://schemas.microsoft.com/office/drawing/2014/main" val="3081511506"/>
+                        </a:ext>
+                      </a:extLst>
+                    </a:gridCol>
+                    <a:gridCol w="1765060">
+                      <a:extLst>
+                        <a:ext uri="{9D8B030D-6E8A-4147-A177-3AD203B41FA5}">
+                          <a16:colId xmlns:a16="http://schemas.microsoft.com/office/drawing/2014/main" val="1214192377"/>
+                        </a:ext>
+                      </a:extLst>
+                    </a:gridCol>
+                    <a:gridCol w="2685045">
+                      <a:extLst>
+                        <a:ext uri="{9D8B030D-6E8A-4147-A177-3AD203B41FA5}">
+                          <a16:colId xmlns:a16="http://schemas.microsoft.com/office/drawing/2014/main" val="3830110329"/>
+                        </a:ext>
+                      </a:extLst>
+                    </a:gridCol>
+                  </a:tblGrid>
+                  <a:tr h="365760">
+                    <a:tc>
+                      <a:txBody>
+                        <a:bodyPr/>
+                        <a:lstStyle/>
+                        <a:p>
+                          <a:pPr algn="ctr"/>
+                          <a:r>
+                            <a:rPr lang="fr-FR" sz="1800" dirty="0" smtClean="0"/>
+                            <a:t>Coussinet</a:t>
+                          </a:r>
+                          <a:endParaRPr lang="en-US" sz="1800" dirty="0"/>
+                        </a:p>
+                      </a:txBody>
+                      <a:tcPr anchor="ctr"/>
+                    </a:tc>
+                    <a:tc>
+                      <a:txBody>
+                        <a:bodyPr/>
+                        <a:lstStyle/>
+                        <a:p>
+                          <a:pPr algn="ctr"/>
+                          <a:r>
+                            <a:rPr lang="fr-FR" sz="1800" dirty="0" smtClean="0"/>
+                            <a:t>-</a:t>
+                          </a:r>
+                          <a:endParaRPr lang="en-US" sz="1800" dirty="0"/>
+                        </a:p>
+                      </a:txBody>
+                      <a:tcPr anchor="ctr"/>
+                    </a:tc>
+                    <a:tc>
+                      <a:txBody>
+                        <a:bodyPr/>
+                        <a:lstStyle/>
+                        <a:p>
+                          <a:pPr algn="ctr"/>
+                          <a:r>
+                            <a:rPr lang="fr-FR" sz="1800" dirty="0" smtClean="0"/>
+                            <a:t>Acier régulé</a:t>
+                          </a:r>
+                          <a:endParaRPr lang="en-US" sz="1800" dirty="0"/>
+                        </a:p>
+                      </a:txBody>
+                      <a:tcPr anchor="ctr"/>
+                    </a:tc>
+                    <a:extLst>
+                      <a:ext uri="{0D108BD9-81ED-4DB2-BD59-A6C34878D82A}">
+                        <a16:rowId xmlns:a16="http://schemas.microsoft.com/office/drawing/2014/main" val="3865599143"/>
+                      </a:ext>
+                    </a:extLst>
+                  </a:tr>
+                  <a:tr h="365760">
+                    <a:tc>
+                      <a:txBody>
+                        <a:bodyPr/>
+                        <a:lstStyle/>
+                        <a:p>
+                          <a:pPr algn="ctr"/>
+                          <a:r>
+                            <a:rPr lang="fr-FR" sz="1800" dirty="0" smtClean="0"/>
+                            <a:t>Diamètre  du cercle inscrit</a:t>
+                          </a:r>
+                          <a:endParaRPr lang="en-US" sz="1800" dirty="0"/>
+                        </a:p>
+                      </a:txBody>
+                      <a:tcPr anchor="ctr"/>
+                    </a:tc>
+                    <a:tc>
+                      <a:txBody>
+                        <a:bodyPr/>
+                        <a:lstStyle/>
+                        <a:p>
+                          <a:endParaRPr lang="en-US"/>
+                        </a:p>
+                      </a:txBody>
+                      <a:tcPr anchor="ctr">
+                        <a:blipFill>
+                          <a:blip r:embed="rId2"/>
+                          <a:stretch>
+                            <a:fillRect l="-273356" t="-108333" r="-153979" b="-1543333"/>
+                          </a:stretch>
+                        </a:blipFill>
+                      </a:tcPr>
+                    </a:tc>
+                    <a:tc>
+                      <a:txBody>
+                        <a:bodyPr/>
+                        <a:lstStyle/>
+                        <a:p>
+                          <a:pPr algn="ctr"/>
+                          <a:r>
+                            <a:rPr lang="fr-FR" sz="1800" dirty="0" smtClean="0"/>
+                            <a:t>99.908 mm</a:t>
+                          </a:r>
+                          <a:endParaRPr lang="en-US" sz="1800" dirty="0"/>
+                        </a:p>
+                      </a:txBody>
+                      <a:tcPr anchor="ctr"/>
+                    </a:tc>
+                    <a:extLst>
+                      <a:ext uri="{0D108BD9-81ED-4DB2-BD59-A6C34878D82A}">
+                        <a16:rowId xmlns:a16="http://schemas.microsoft.com/office/drawing/2014/main" val="239526169"/>
+                      </a:ext>
+                    </a:extLst>
+                  </a:tr>
+                  <a:tr h="365760">
+                    <a:tc>
+                      <a:txBody>
+                        <a:bodyPr/>
+                        <a:lstStyle/>
+                        <a:p>
+                          <a:pPr algn="ctr"/>
+                          <a:r>
+                            <a:rPr lang="fr-FR" sz="1800" dirty="0" smtClean="0"/>
+                            <a:t>Diamètre d’usinage du coussinet</a:t>
+                          </a:r>
+                          <a:endParaRPr lang="en-US" sz="1800" dirty="0"/>
+                        </a:p>
+                      </a:txBody>
+                      <a:tcPr anchor="ctr"/>
+                    </a:tc>
+                    <a:tc>
+                      <a:txBody>
+                        <a:bodyPr/>
+                        <a:lstStyle/>
+                        <a:p>
+                          <a:endParaRPr lang="en-US"/>
+                        </a:p>
+                      </a:txBody>
+                      <a:tcPr anchor="ctr">
+                        <a:blipFill>
+                          <a:blip r:embed="rId2"/>
+                          <a:stretch>
+                            <a:fillRect l="-273356" t="-208333" r="-153979" b="-1443333"/>
+                          </a:stretch>
+                        </a:blipFill>
+                      </a:tcPr>
+                    </a:tc>
+                    <a:tc>
+                      <a:txBody>
+                        <a:bodyPr/>
+                        <a:lstStyle/>
+                        <a:p>
+                          <a:pPr algn="ctr"/>
+                          <a:r>
+                            <a:rPr lang="fr-FR" sz="1800" dirty="0" smtClean="0"/>
+                            <a:t>100.058 mm</a:t>
+                          </a:r>
+                          <a:endParaRPr lang="en-US" sz="1800" dirty="0"/>
+                        </a:p>
+                      </a:txBody>
+                      <a:tcPr anchor="ctr"/>
+                    </a:tc>
+                    <a:extLst>
+                      <a:ext uri="{0D108BD9-81ED-4DB2-BD59-A6C34878D82A}">
+                        <a16:rowId xmlns:a16="http://schemas.microsoft.com/office/drawing/2014/main" val="635204047"/>
+                      </a:ext>
+                    </a:extLst>
+                  </a:tr>
+                  <a:tr h="365760">
+                    <a:tc>
+                      <a:txBody>
+                        <a:bodyPr/>
+                        <a:lstStyle/>
+                        <a:p>
+                          <a:pPr algn="ctr"/>
+                          <a:r>
+                            <a:rPr lang="fr-FR" sz="1800" dirty="0" smtClean="0"/>
+                            <a:t>Diamètre de l’arbre</a:t>
+                          </a:r>
+                          <a:endParaRPr lang="en-US" sz="1800" dirty="0"/>
+                        </a:p>
+                      </a:txBody>
+                      <a:tcPr anchor="ctr"/>
+                    </a:tc>
+                    <a:tc>
+                      <a:txBody>
+                        <a:bodyPr/>
+                        <a:lstStyle/>
+                        <a:p>
+                          <a:endParaRPr lang="en-US"/>
+                        </a:p>
+                      </a:txBody>
+                      <a:tcPr anchor="ctr">
+                        <a:blipFill>
+                          <a:blip r:embed="rId2"/>
+                          <a:stretch>
+                            <a:fillRect l="-273356" t="-308333" r="-153979" b="-1343333"/>
+                          </a:stretch>
+                        </a:blipFill>
+                      </a:tcPr>
+                    </a:tc>
+                    <a:tc>
+                      <a:txBody>
+                        <a:bodyPr/>
+                        <a:lstStyle/>
+                        <a:p>
+                          <a:pPr algn="ctr"/>
+                          <a:r>
+                            <a:rPr lang="fr-FR" sz="1800" dirty="0" smtClean="0"/>
+                            <a:t>99.772 mm</a:t>
+                          </a:r>
+                          <a:endParaRPr lang="en-US" sz="1800" dirty="0"/>
+                        </a:p>
+                      </a:txBody>
+                      <a:tcPr anchor="ctr"/>
+                    </a:tc>
+                    <a:extLst>
+                      <a:ext uri="{0D108BD9-81ED-4DB2-BD59-A6C34878D82A}">
+                        <a16:rowId xmlns:a16="http://schemas.microsoft.com/office/drawing/2014/main" val="803137917"/>
+                      </a:ext>
+                    </a:extLst>
+                  </a:tr>
+                  <a:tr h="365760">
+                    <a:tc>
+                      <a:txBody>
+                        <a:bodyPr/>
+                        <a:lstStyle/>
+                        <a:p>
+                          <a:pPr algn="ctr"/>
+                          <a:r>
+                            <a:rPr lang="fr-FR" sz="1800" dirty="0" smtClean="0"/>
+                            <a:t>Longueur</a:t>
+                          </a:r>
+                          <a:r>
+                            <a:rPr lang="fr-FR" sz="1800" baseline="0" dirty="0" smtClean="0"/>
+                            <a:t> de l’arbre</a:t>
+                          </a:r>
+                          <a:endParaRPr lang="en-US" sz="1800" dirty="0"/>
+                        </a:p>
+                      </a:txBody>
+                      <a:tcPr anchor="ctr"/>
+                    </a:tc>
+                    <a:tc>
+                      <a:txBody>
+                        <a:bodyPr/>
+                        <a:lstStyle/>
+                        <a:p>
+                          <a:endParaRPr lang="en-US"/>
+                        </a:p>
+                      </a:txBody>
+                      <a:tcPr anchor="ctr">
+                        <a:blipFill>
+                          <a:blip r:embed="rId2"/>
+                          <a:stretch>
+                            <a:fillRect l="-273356" t="-408333" r="-153979" b="-1243333"/>
+                          </a:stretch>
+                        </a:blipFill>
+                      </a:tcPr>
+                    </a:tc>
+                    <a:tc>
+                      <a:txBody>
+                        <a:bodyPr/>
+                        <a:lstStyle/>
+                        <a:p>
+                          <a:pPr algn="ctr"/>
+                          <a:r>
+                            <a:rPr lang="fr-FR" sz="1800" dirty="0" smtClean="0"/>
+                            <a:t>68.4 mm</a:t>
+                          </a:r>
+                          <a:endParaRPr lang="en-US" sz="1800" dirty="0"/>
+                        </a:p>
+                      </a:txBody>
+                      <a:tcPr anchor="ctr"/>
+                    </a:tc>
+                    <a:extLst>
+                      <a:ext uri="{0D108BD9-81ED-4DB2-BD59-A6C34878D82A}">
+                        <a16:rowId xmlns:a16="http://schemas.microsoft.com/office/drawing/2014/main" val="3808520189"/>
+                      </a:ext>
+                    </a:extLst>
+                  </a:tr>
+                  <a:tr h="390716">
+                    <a:tc>
+                      <a:txBody>
+                        <a:bodyPr/>
+                        <a:lstStyle/>
+                        <a:p>
+                          <a:pPr algn="ctr"/>
+                          <a:r>
+                            <a:rPr lang="fr-FR" sz="1800" dirty="0" smtClean="0"/>
+                            <a:t>Diamètre extérieur du coussinet</a:t>
+                          </a:r>
+                          <a:endParaRPr lang="en-US" sz="1800" dirty="0"/>
+                        </a:p>
+                      </a:txBody>
+                      <a:tcPr anchor="ctr"/>
+                    </a:tc>
+                    <a:tc>
+                      <a:txBody>
+                        <a:bodyPr/>
+                        <a:lstStyle/>
+                        <a:p>
+                          <a:endParaRPr lang="en-US"/>
+                        </a:p>
+                      </a:txBody>
+                      <a:tcPr anchor="ctr">
+                        <a:blipFill>
+                          <a:blip r:embed="rId2"/>
+                          <a:stretch>
+                            <a:fillRect l="-273356" t="-476563" r="-153979" b="-1065625"/>
+                          </a:stretch>
+                        </a:blipFill>
+                      </a:tcPr>
+                    </a:tc>
+                    <a:tc>
+                      <a:txBody>
+                        <a:bodyPr/>
+                        <a:lstStyle/>
+                        <a:p>
+                          <a:pPr algn="ctr"/>
+                          <a:r>
+                            <a:rPr lang="fr-FR" sz="1800" dirty="0" smtClean="0"/>
+                            <a:t>140 mm</a:t>
+                          </a:r>
+                          <a:endParaRPr lang="en-US" sz="1800" dirty="0"/>
+                        </a:p>
+                      </a:txBody>
+                      <a:tcPr anchor="ctr"/>
+                    </a:tc>
+                    <a:extLst>
+                      <a:ext uri="{0D108BD9-81ED-4DB2-BD59-A6C34878D82A}">
+                        <a16:rowId xmlns:a16="http://schemas.microsoft.com/office/drawing/2014/main" val="2470517530"/>
+                      </a:ext>
+                    </a:extLst>
+                  </a:tr>
+                  <a:tr h="426840">
+                    <a:tc>
+                      <a:txBody>
+                        <a:bodyPr/>
+                        <a:lstStyle/>
+                        <a:p>
+                          <a:pPr algn="ctr"/>
+                          <a:r>
+                            <a:rPr lang="fr-FR" sz="1800" dirty="0" smtClean="0"/>
+                            <a:t>Diamètre externe de la bague support</a:t>
+                          </a:r>
+                          <a:endParaRPr lang="en-US" sz="1800" dirty="0"/>
+                        </a:p>
+                      </a:txBody>
+                      <a:tcPr anchor="ctr"/>
+                    </a:tc>
+                    <a:tc>
+                      <a:txBody>
+                        <a:bodyPr/>
+                        <a:lstStyle/>
+                        <a:p>
+                          <a:endParaRPr lang="en-US"/>
+                        </a:p>
+                      </a:txBody>
+                      <a:tcPr anchor="ctr">
+                        <a:blipFill>
+                          <a:blip r:embed="rId2"/>
+                          <a:stretch>
+                            <a:fillRect l="-273356" t="-527143" r="-153979" b="-874286"/>
+                          </a:stretch>
+                        </a:blipFill>
+                      </a:tcPr>
+                    </a:tc>
+                    <a:tc>
+                      <a:txBody>
+                        <a:bodyPr/>
+                        <a:lstStyle/>
+                        <a:p>
+                          <a:pPr algn="ctr"/>
+                          <a:r>
+                            <a:rPr lang="fr-FR" sz="1800" dirty="0" smtClean="0"/>
+                            <a:t>200 mm</a:t>
+                          </a:r>
+                          <a:endParaRPr lang="en-US" sz="1800" dirty="0"/>
+                        </a:p>
+                      </a:txBody>
+                      <a:tcPr anchor="ctr"/>
+                    </a:tc>
+                    <a:extLst>
+                      <a:ext uri="{0D108BD9-81ED-4DB2-BD59-A6C34878D82A}">
+                        <a16:rowId xmlns:a16="http://schemas.microsoft.com/office/drawing/2014/main" val="1342816855"/>
+                      </a:ext>
+                    </a:extLst>
+                  </a:tr>
+                  <a:tr h="426840">
+                    <a:tc>
+                      <a:txBody>
+                        <a:bodyPr/>
+                        <a:lstStyle/>
+                        <a:p>
+                          <a:pPr algn="ctr"/>
+                          <a:r>
+                            <a:rPr lang="fr-FR" sz="1800" dirty="0" smtClean="0"/>
+                            <a:t>Jeu radial d’usinage (jeu radial horizontal)</a:t>
+                          </a:r>
+                          <a:endParaRPr lang="en-US" sz="1800" dirty="0"/>
+                        </a:p>
+                      </a:txBody>
+                      <a:tcPr anchor="ctr"/>
+                    </a:tc>
+                    <a:tc>
+                      <a:txBody>
+                        <a:bodyPr/>
+                        <a:lstStyle/>
+                        <a:p>
+                          <a:endParaRPr lang="en-US"/>
+                        </a:p>
+                      </a:txBody>
+                      <a:tcPr anchor="ctr">
+                        <a:blipFill>
+                          <a:blip r:embed="rId2"/>
+                          <a:stretch>
+                            <a:fillRect l="-273356" t="-618310" r="-153979" b="-761972"/>
+                          </a:stretch>
+                        </a:blipFill>
+                      </a:tcPr>
+                    </a:tc>
+                    <a:tc>
+                      <a:txBody>
+                        <a:bodyPr/>
+                        <a:lstStyle/>
+                        <a:p>
+                          <a:pPr algn="ctr"/>
+                          <a:r>
+                            <a:rPr lang="fr-FR" sz="1800" dirty="0" smtClean="0"/>
+                            <a:t>143µm</a:t>
+                          </a:r>
+                          <a:endParaRPr lang="en-US" sz="1800" dirty="0"/>
+                        </a:p>
+                      </a:txBody>
+                      <a:tcPr anchor="ctr"/>
+                    </a:tc>
+                    <a:extLst>
+                      <a:ext uri="{0D108BD9-81ED-4DB2-BD59-A6C34878D82A}">
+                        <a16:rowId xmlns:a16="http://schemas.microsoft.com/office/drawing/2014/main" val="3480795511"/>
+                      </a:ext>
+                    </a:extLst>
+                  </a:tr>
+                  <a:tr h="426840">
+                    <a:tc>
+                      <a:txBody>
+                        <a:bodyPr/>
+                        <a:lstStyle/>
+                        <a:p>
+                          <a:pPr algn="ctr"/>
+                          <a:r>
+                            <a:rPr lang="fr-FR" sz="1800" dirty="0" smtClean="0"/>
+                            <a:t>Jeu radial d’assemblage (jeu radial vertical)</a:t>
+                          </a:r>
+                          <a:endParaRPr lang="en-US" sz="1800" dirty="0"/>
+                        </a:p>
+                      </a:txBody>
+                      <a:tcPr anchor="ctr"/>
+                    </a:tc>
+                    <a:tc>
+                      <a:txBody>
+                        <a:bodyPr/>
+                        <a:lstStyle/>
+                        <a:p>
+                          <a:endParaRPr lang="en-US"/>
+                        </a:p>
+                      </a:txBody>
+                      <a:tcPr anchor="ctr">
+                        <a:blipFill>
+                          <a:blip r:embed="rId2"/>
+                          <a:stretch>
+                            <a:fillRect l="-273356" t="-728571" r="-153979" b="-672857"/>
+                          </a:stretch>
+                        </a:blipFill>
+                      </a:tcPr>
+                    </a:tc>
+                    <a:tc>
+                      <a:txBody>
+                        <a:bodyPr/>
+                        <a:lstStyle/>
+                        <a:p>
+                          <a:pPr algn="ctr"/>
+                          <a:r>
+                            <a:rPr lang="fr-FR" sz="1800" dirty="0" smtClean="0"/>
+                            <a:t>68 µm</a:t>
+                          </a:r>
+                          <a:endParaRPr lang="en-US" sz="1800" dirty="0"/>
+                        </a:p>
+                      </a:txBody>
+                      <a:tcPr anchor="ctr"/>
+                    </a:tc>
+                    <a:extLst>
+                      <a:ext uri="{0D108BD9-81ED-4DB2-BD59-A6C34878D82A}">
+                        <a16:rowId xmlns:a16="http://schemas.microsoft.com/office/drawing/2014/main" val="239401366"/>
+                      </a:ext>
+                    </a:extLst>
+                  </a:tr>
+                  <a:tr h="426840">
+                    <a:tc>
+                      <a:txBody>
+                        <a:bodyPr/>
+                        <a:lstStyle/>
+                        <a:p>
+                          <a:pPr algn="ctr"/>
+                          <a:r>
+                            <a:rPr lang="fr-FR" sz="1800" dirty="0" smtClean="0"/>
+                            <a:t>Coefficient de </a:t>
+                          </a:r>
+                          <a:r>
+                            <a:rPr lang="fr-FR" sz="1800" dirty="0" err="1" smtClean="0"/>
+                            <a:t>précharge</a:t>
+                          </a:r>
+                          <a:r>
+                            <a:rPr lang="fr-FR" sz="1800" dirty="0" smtClean="0"/>
+                            <a:t> géométrique</a:t>
+                          </a:r>
+                          <a:endParaRPr lang="en-US" sz="1800" dirty="0"/>
+                        </a:p>
+                      </a:txBody>
+                      <a:tcPr anchor="ctr"/>
+                    </a:tc>
+                    <a:tc>
+                      <a:txBody>
+                        <a:bodyPr/>
+                        <a:lstStyle/>
+                        <a:p>
+                          <a:endParaRPr lang="en-US"/>
+                        </a:p>
+                      </a:txBody>
+                      <a:tcPr anchor="ctr">
+                        <a:blipFill>
+                          <a:blip r:embed="rId2"/>
+                          <a:stretch>
+                            <a:fillRect l="-273356" t="-828571" r="-153979" b="-572857"/>
+                          </a:stretch>
+                        </a:blipFill>
+                      </a:tcPr>
+                    </a:tc>
+                    <a:tc>
+                      <a:txBody>
+                        <a:bodyPr/>
+                        <a:lstStyle/>
+                        <a:p>
+                          <a:pPr algn="ctr"/>
+                          <a:r>
+                            <a:rPr lang="fr-FR" sz="1800" dirty="0" smtClean="0"/>
+                            <a:t>0.524</a:t>
+                          </a:r>
+                          <a:endParaRPr lang="en-US" sz="1800" dirty="0"/>
+                        </a:p>
+                      </a:txBody>
+                      <a:tcPr anchor="ctr"/>
+                    </a:tc>
+                    <a:extLst>
+                      <a:ext uri="{0D108BD9-81ED-4DB2-BD59-A6C34878D82A}">
+                        <a16:rowId xmlns:a16="http://schemas.microsoft.com/office/drawing/2014/main" val="3205225442"/>
+                      </a:ext>
+                    </a:extLst>
+                  </a:tr>
+                  <a:tr h="365760">
+                    <a:tc>
+                      <a:txBody>
+                        <a:bodyPr/>
+                        <a:lstStyle/>
+                        <a:p>
+                          <a:pPr marL="0" algn="ctr" defTabSz="914400" rtl="0" eaLnBrk="1" latinLnBrk="0" hangingPunct="1"/>
+                          <a:r>
+                            <a:rPr lang="fr-FR" sz="1800" b="1" kern="1200" dirty="0" smtClean="0">
+                              <a:solidFill>
+                                <a:schemeClr val="lt1"/>
+                              </a:solidFill>
+                              <a:latin typeface="+mn-lt"/>
+                              <a:ea typeface="+mn-ea"/>
+                              <a:cs typeface="+mn-cs"/>
+                            </a:rPr>
+                            <a:t>Lubrifiant</a:t>
+                          </a:r>
+                          <a:endParaRPr lang="en-US" sz="1800" b="1" kern="1200" dirty="0">
+                            <a:solidFill>
+                              <a:schemeClr val="lt1"/>
+                            </a:solidFill>
+                            <a:latin typeface="+mn-lt"/>
+                            <a:ea typeface="+mn-ea"/>
+                            <a:cs typeface="+mn-cs"/>
+                          </a:endParaRPr>
+                        </a:p>
+                      </a:txBody>
+                      <a:tcPr anchor="ctr">
+                        <a:solidFill>
+                          <a:srgbClr val="A5A5A5"/>
+                        </a:solidFill>
+                      </a:tcPr>
+                    </a:tc>
+                    <a:tc>
+                      <a:txBody>
+                        <a:bodyPr/>
+                        <a:lstStyle/>
+                        <a:p>
+                          <a:pPr marL="0" algn="ctr" defTabSz="914400" rtl="0" eaLnBrk="1" latinLnBrk="0" hangingPunct="1"/>
+                          <a:endParaRPr lang="en-US" sz="1800" b="1" kern="1200" dirty="0">
+                            <a:solidFill>
+                              <a:schemeClr val="lt1"/>
+                            </a:solidFill>
+                            <a:latin typeface="+mn-lt"/>
+                            <a:ea typeface="+mn-ea"/>
+                            <a:cs typeface="+mn-cs"/>
+                          </a:endParaRPr>
+                        </a:p>
+                      </a:txBody>
+                      <a:tcPr anchor="ctr">
+                        <a:solidFill>
+                          <a:srgbClr val="A5A5A5"/>
+                        </a:solidFill>
+                      </a:tcPr>
+                    </a:tc>
+                    <a:tc>
+                      <a:txBody>
+                        <a:bodyPr/>
+                        <a:lstStyle/>
+                        <a:p>
+                          <a:pPr marL="0" algn="ctr" defTabSz="914400" rtl="0" eaLnBrk="1" latinLnBrk="0" hangingPunct="1"/>
+                          <a:r>
+                            <a:rPr lang="fr-FR" sz="1800" b="1" kern="1200" dirty="0" smtClean="0">
+                              <a:solidFill>
+                                <a:schemeClr val="lt1"/>
+                              </a:solidFill>
+                              <a:latin typeface="+mn-lt"/>
+                              <a:ea typeface="+mn-ea"/>
+                              <a:cs typeface="+mn-cs"/>
+                            </a:rPr>
+                            <a:t>ISO VG 46</a:t>
+                          </a:r>
+                          <a:endParaRPr lang="en-US" sz="1800" b="1" kern="1200" dirty="0">
+                            <a:solidFill>
+                              <a:schemeClr val="lt1"/>
+                            </a:solidFill>
+                            <a:latin typeface="+mn-lt"/>
+                            <a:ea typeface="+mn-ea"/>
+                            <a:cs typeface="+mn-cs"/>
+                          </a:endParaRPr>
+                        </a:p>
+                      </a:txBody>
+                      <a:tcPr anchor="ctr">
+                        <a:solidFill>
+                          <a:srgbClr val="A5A5A5"/>
+                        </a:solidFill>
+                      </a:tcPr>
+                    </a:tc>
+                    <a:extLst>
+                      <a:ext uri="{0D108BD9-81ED-4DB2-BD59-A6C34878D82A}">
+                        <a16:rowId xmlns:a16="http://schemas.microsoft.com/office/drawing/2014/main" val="2472454817"/>
+                      </a:ext>
+                    </a:extLst>
+                  </a:tr>
+                  <a:tr h="426840">
+                    <a:tc>
+                      <a:txBody>
+                        <a:bodyPr/>
+                        <a:lstStyle/>
+                        <a:p>
+                          <a:pPr algn="ctr"/>
+                          <a:r>
+                            <a:rPr lang="fr-FR" sz="1800" dirty="0" smtClean="0"/>
+                            <a:t>Température</a:t>
+                          </a:r>
+                          <a:r>
+                            <a:rPr lang="fr-FR" sz="1800" baseline="0" dirty="0" smtClean="0"/>
+                            <a:t> d’alimentation du lubrifiant</a:t>
+                          </a:r>
+                          <a:endParaRPr lang="en-US" sz="1800" dirty="0"/>
+                        </a:p>
+                      </a:txBody>
+                      <a:tcPr anchor="ctr"/>
+                    </a:tc>
+                    <a:tc>
+                      <a:txBody>
+                        <a:bodyPr/>
+                        <a:lstStyle/>
+                        <a:p>
+                          <a:endParaRPr lang="en-US"/>
+                        </a:p>
+                      </a:txBody>
+                      <a:tcPr anchor="ctr">
+                        <a:blipFill>
+                          <a:blip r:embed="rId2"/>
+                          <a:stretch>
+                            <a:fillRect l="-273356" t="-1014286" r="-153979" b="-387143"/>
+                          </a:stretch>
+                        </a:blipFill>
+                      </a:tcPr>
+                    </a:tc>
+                    <a:tc>
+                      <a:txBody>
+                        <a:bodyPr/>
+                        <a:lstStyle/>
+                        <a:p>
+                          <a:pPr algn="ctr"/>
+                          <a:r>
+                            <a:rPr lang="fr-FR" sz="1800" dirty="0" smtClean="0"/>
+                            <a:t>43°C</a:t>
+                          </a:r>
+                          <a:endParaRPr lang="en-US" sz="1800" dirty="0"/>
+                        </a:p>
+                      </a:txBody>
+                      <a:tcPr anchor="ctr"/>
+                    </a:tc>
+                    <a:extLst>
+                      <a:ext uri="{0D108BD9-81ED-4DB2-BD59-A6C34878D82A}">
+                        <a16:rowId xmlns:a16="http://schemas.microsoft.com/office/drawing/2014/main" val="4131336601"/>
+                      </a:ext>
+                    </a:extLst>
+                  </a:tr>
+                  <a:tr h="365760">
+                    <a:tc>
+                      <a:txBody>
+                        <a:bodyPr/>
+                        <a:lstStyle/>
+                        <a:p>
+                          <a:pPr algn="ctr"/>
+                          <a:r>
+                            <a:rPr lang="fr-FR" sz="1800" dirty="0" smtClean="0"/>
+                            <a:t>Pression d’alimentation du </a:t>
+                          </a:r>
+                          <a:r>
+                            <a:rPr lang="fr-FR" sz="1800" dirty="0" err="1" smtClean="0"/>
+                            <a:t>lubrificant</a:t>
+                          </a:r>
+                          <a:endParaRPr lang="en-US" sz="1800" dirty="0"/>
+                        </a:p>
+                      </a:txBody>
+                      <a:tcPr anchor="ctr"/>
+                    </a:tc>
+                    <a:tc>
+                      <a:txBody>
+                        <a:bodyPr/>
+                        <a:lstStyle/>
+                        <a:p>
+                          <a:endParaRPr lang="en-US"/>
+                        </a:p>
+                      </a:txBody>
+                      <a:tcPr anchor="ctr">
+                        <a:blipFill>
+                          <a:blip r:embed="rId2"/>
+                          <a:stretch>
+                            <a:fillRect l="-273356" t="-1300000" r="-153979" b="-351667"/>
+                          </a:stretch>
+                        </a:blipFill>
+                      </a:tcPr>
+                    </a:tc>
+                    <a:tc>
+                      <a:txBody>
+                        <a:bodyPr/>
+                        <a:lstStyle/>
+                        <a:p>
+                          <a:pPr algn="ctr"/>
+                          <a:r>
+                            <a:rPr lang="fr-FR" sz="1800" dirty="0" smtClean="0"/>
+                            <a:t>0.17 </a:t>
+                          </a:r>
+                          <a:r>
+                            <a:rPr lang="fr-FR" sz="1800" dirty="0" err="1" smtClean="0"/>
+                            <a:t>MPa</a:t>
+                          </a:r>
+                          <a:endParaRPr lang="en-US" sz="1800" dirty="0"/>
+                        </a:p>
+                      </a:txBody>
+                      <a:tcPr anchor="ctr"/>
+                    </a:tc>
+                    <a:extLst>
+                      <a:ext uri="{0D108BD9-81ED-4DB2-BD59-A6C34878D82A}">
+                        <a16:rowId xmlns:a16="http://schemas.microsoft.com/office/drawing/2014/main" val="1566769430"/>
+                      </a:ext>
+                    </a:extLst>
+                  </a:tr>
+                  <a:tr h="365760">
+                    <a:tc>
+                      <a:txBody>
+                        <a:bodyPr/>
+                        <a:lstStyle/>
+                        <a:p>
+                          <a:pPr algn="ctr"/>
+                          <a:r>
+                            <a:rPr lang="fr-FR" sz="1800" dirty="0" smtClean="0"/>
+                            <a:t>Masse volumique du lubrifiant</a:t>
+                          </a:r>
+                          <a:endParaRPr lang="en-US" sz="1800" dirty="0"/>
+                        </a:p>
+                      </a:txBody>
+                      <a:tcPr anchor="ctr"/>
+                    </a:tc>
+                    <a:tc>
+                      <a:txBody>
+                        <a:bodyPr/>
+                        <a:lstStyle/>
+                        <a:p>
+                          <a:endParaRPr lang="en-US"/>
+                        </a:p>
+                      </a:txBody>
+                      <a:tcPr anchor="ctr">
+                        <a:blipFill>
+                          <a:blip r:embed="rId2"/>
+                          <a:stretch>
+                            <a:fillRect l="-273356" t="-1400000" r="-153979" b="-251667"/>
+                          </a:stretch>
+                        </a:blipFill>
+                      </a:tcPr>
+                    </a:tc>
+                    <a:tc>
+                      <a:txBody>
+                        <a:bodyPr/>
+                        <a:lstStyle/>
+                        <a:p>
+                          <a:endParaRPr lang="en-US"/>
+                        </a:p>
+                      </a:txBody>
+                      <a:tcPr anchor="ctr">
+                        <a:blipFill>
+                          <a:blip r:embed="rId2"/>
+                          <a:stretch>
+                            <a:fillRect l="-244671" t="-1400000" r="-907" b="-251667"/>
+                          </a:stretch>
+                        </a:blipFill>
+                      </a:tcPr>
+                    </a:tc>
+                    <a:extLst>
+                      <a:ext uri="{0D108BD9-81ED-4DB2-BD59-A6C34878D82A}">
+                        <a16:rowId xmlns:a16="http://schemas.microsoft.com/office/drawing/2014/main" val="3641553268"/>
+                      </a:ext>
+                    </a:extLst>
+                  </a:tr>
+                  <a:tr h="426840">
+                    <a:tc>
+                      <a:txBody>
+                        <a:bodyPr/>
+                        <a:lstStyle/>
+                        <a:p>
+                          <a:pPr algn="ctr"/>
+                          <a:r>
+                            <a:rPr lang="fr-FR" sz="1800" dirty="0" smtClean="0"/>
+                            <a:t>Viscosité dynamique du lubrifiant à 40°C</a:t>
+                          </a:r>
+                          <a:endParaRPr lang="en-US" sz="1800" dirty="0"/>
+                        </a:p>
+                      </a:txBody>
+                      <a:tcPr anchor="ctr"/>
+                    </a:tc>
+                    <a:tc>
+                      <a:txBody>
+                        <a:bodyPr/>
+                        <a:lstStyle/>
+                        <a:p>
+                          <a:endParaRPr lang="en-US"/>
+                        </a:p>
+                      </a:txBody>
+                      <a:tcPr anchor="ctr">
+                        <a:blipFill>
+                          <a:blip r:embed="rId2"/>
+                          <a:stretch>
+                            <a:fillRect l="-273356" t="-1285714" r="-153979" b="-115714"/>
+                          </a:stretch>
+                        </a:blipFill>
+                      </a:tcPr>
+                    </a:tc>
+                    <a:tc>
+                      <a:txBody>
+                        <a:bodyPr/>
+                        <a:lstStyle/>
+                        <a:p>
+                          <a:pPr algn="ctr"/>
+                          <a:r>
+                            <a:rPr lang="fr-FR" sz="1800" dirty="0" smtClean="0"/>
+                            <a:t>0.0416 </a:t>
+                          </a:r>
+                          <a:r>
+                            <a:rPr lang="fr-FR" sz="1800" dirty="0" err="1" smtClean="0"/>
+                            <a:t>Pa.s</a:t>
+                          </a:r>
+                          <a:endParaRPr lang="en-US" sz="1800" dirty="0"/>
+                        </a:p>
+                      </a:txBody>
+                      <a:tcPr anchor="ctr"/>
+                    </a:tc>
+                    <a:extLst>
+                      <a:ext uri="{0D108BD9-81ED-4DB2-BD59-A6C34878D82A}">
+                        <a16:rowId xmlns:a16="http://schemas.microsoft.com/office/drawing/2014/main" val="802662070"/>
+                      </a:ext>
+                    </a:extLst>
+                  </a:tr>
+                  <a:tr h="426840">
+                    <a:tc>
+                      <a:txBody>
+                        <a:bodyPr/>
+                        <a:lstStyle/>
+                        <a:p>
+                          <a:pPr algn="ctr"/>
+                          <a:r>
+                            <a:rPr lang="fr-FR" sz="1800" dirty="0" smtClean="0"/>
+                            <a:t>Viscosité dynamique du lubrifiant à 60°C</a:t>
+                          </a:r>
+                          <a:endParaRPr lang="en-US" sz="1800" dirty="0"/>
+                        </a:p>
+                      </a:txBody>
+                      <a:tcPr anchor="ctr"/>
+                    </a:tc>
+                    <a:tc>
+                      <a:txBody>
+                        <a:bodyPr/>
+                        <a:lstStyle/>
+                        <a:p>
+                          <a:endParaRPr lang="en-US"/>
+                        </a:p>
+                      </a:txBody>
+                      <a:tcPr anchor="ctr">
+                        <a:blipFill>
+                          <a:blip r:embed="rId2"/>
+                          <a:stretch>
+                            <a:fillRect l="-273356" t="-1385714" r="-153979" b="-15714"/>
+                          </a:stretch>
+                        </a:blipFill>
+                      </a:tcPr>
+                    </a:tc>
+                    <a:tc>
+                      <a:txBody>
+                        <a:bodyPr/>
+                        <a:lstStyle/>
+                        <a:p>
+                          <a:pPr algn="ctr"/>
+                          <a:r>
+                            <a:rPr lang="fr-FR" sz="1800" dirty="0" smtClean="0"/>
+                            <a:t>0.0191 </a:t>
+                          </a:r>
+                          <a:r>
+                            <a:rPr lang="fr-FR" sz="1800" dirty="0" err="1" smtClean="0"/>
+                            <a:t>Pa.s</a:t>
+                          </a:r>
+                          <a:endParaRPr lang="en-US" sz="1800" dirty="0"/>
+                        </a:p>
+                      </a:txBody>
+                      <a:tcPr anchor="ctr"/>
+                    </a:tc>
+                    <a:extLst>
+                      <a:ext uri="{0D108BD9-81ED-4DB2-BD59-A6C34878D82A}">
+                        <a16:rowId xmlns:a16="http://schemas.microsoft.com/office/drawing/2014/main" val="3754366970"/>
+                      </a:ext>
+                    </a:extLst>
+                  </a:tr>
+                </a:tbl>
+              </a:graphicData>
+            </a:graphic>
+          </p:graphicFrame>
+        </mc:Fallback>
+      </mc:AlternateContent>
+    </p:spTree>
+    <p:extLst>
+      <p:ext uri="{BB962C8B-B14F-4D97-AF65-F5344CB8AC3E}">
+        <p14:creationId xmlns:p14="http://schemas.microsoft.com/office/powerpoint/2010/main" val="1880846869"/>
+      </p:ext>
+    </p:extLst>
+  </p:cSld>
+  <p:clrMapOvr>
+    <a:masterClrMapping/>
+  </p:clrMapOvr>
+</p:sld>
+</file>
+
+<file path=ppt/slides/slide11.xml><?xml version="1.0" encoding="utf-8"?>
 <p:sld xmlns:a="http://schemas.openxmlformats.org/drawingml/2006/main" xmlns:r="http://schemas.openxmlformats.org/officeDocument/2006/relationships" xmlns:p="http://schemas.openxmlformats.org/presentationml/2006/main">
   <p:cSld>
     <p:spTree>
@@ -22366,7 +24746,7 @@
 </p:sld>
 </file>
 
-<file path=ppt/slides/slide11.xml><?xml version="1.0" encoding="utf-8"?>
+<file path=ppt/slides/slide12.xml><?xml version="1.0" encoding="utf-8"?>
 <p:sld xmlns:a="http://schemas.openxmlformats.org/drawingml/2006/main" xmlns:r="http://schemas.openxmlformats.org/officeDocument/2006/relationships" xmlns:p="http://schemas.openxmlformats.org/presentationml/2006/main">
   <p:cSld>
     <p:spTree>
@@ -22713,7 +25093,7 @@
 </p:sld>
 </file>
 
-<file path=ppt/slides/slide12.xml><?xml version="1.0" encoding="utf-8"?>
+<file path=ppt/slides/slide13.xml><?xml version="1.0" encoding="utf-8"?>
 <p:sld xmlns:a="http://schemas.openxmlformats.org/drawingml/2006/main" xmlns:r="http://schemas.openxmlformats.org/officeDocument/2006/relationships" xmlns:p="http://schemas.openxmlformats.org/presentationml/2006/main">
   <p:cSld>
     <p:spTree>
@@ -23030,7 +25410,7 @@
 </p:sld>
 </file>
 
-<file path=ppt/slides/slide13.xml><?xml version="1.0" encoding="utf-8"?>
+<file path=ppt/slides/slide14.xml><?xml version="1.0" encoding="utf-8"?>
 <p:sld xmlns:a="http://schemas.openxmlformats.org/drawingml/2006/main" xmlns:r="http://schemas.openxmlformats.org/officeDocument/2006/relationships" xmlns:p="http://schemas.openxmlformats.org/presentationml/2006/main">
   <p:cSld>
     <p:spTree>
@@ -23347,7 +25727,7 @@
 </p:sld>
 </file>
 
-<file path=ppt/slides/slide14.xml><?xml version="1.0" encoding="utf-8"?>
+<file path=ppt/slides/slide15.xml><?xml version="1.0" encoding="utf-8"?>
 <p:sld xmlns:a="http://schemas.openxmlformats.org/drawingml/2006/main" xmlns:r="http://schemas.openxmlformats.org/officeDocument/2006/relationships" xmlns:p="http://schemas.openxmlformats.org/presentationml/2006/main">
   <p:cSld>
     <p:spTree>
@@ -23664,7 +26044,7 @@
 </p:sld>
 </file>
 
-<file path=ppt/slides/slide15.xml><?xml version="1.0" encoding="utf-8"?>
+<file path=ppt/slides/slide16.xml><?xml version="1.0" encoding="utf-8"?>
 <p:sld xmlns:a="http://schemas.openxmlformats.org/drawingml/2006/main" xmlns:r="http://schemas.openxmlformats.org/officeDocument/2006/relationships" xmlns:p="http://schemas.openxmlformats.org/presentationml/2006/main">
   <p:cSld>
     <p:spTree>
@@ -28589,8 +30969,8 @@
           </a:p>
         </p:txBody>
       </p:sp>
-      <mc:AlternateContent xmlns:mc="http://schemas.openxmlformats.org/markup-compatibility/2006">
-        <mc:Choice xmlns:a14="http://schemas.microsoft.com/office/drawing/2010/main" Requires="a14">
+      <mc:AlternateContent xmlns:mc="http://schemas.openxmlformats.org/markup-compatibility/2006" xmlns:a14="http://schemas.microsoft.com/office/drawing/2010/main">
+        <mc:Choice Requires="a14">
           <p:sp>
             <p:nvSpPr>
               <p:cNvPr id="28" name="ZoneTexte 27"/>
@@ -28613,6 +30993,7 @@
               </a:bodyPr>
               <a:lstStyle/>
               <a:p>
+                <a:pPr/>
                 <a14:m>
                   <m:oMathPara xmlns:m="http://schemas.openxmlformats.org/officeDocument/2006/math">
                     <m:oMathParaPr>
@@ -28633,7 +31014,7 @@
             </p:txBody>
           </p:sp>
         </mc:Choice>
-        <mc:Fallback>
+        <mc:Fallback xmlns="">
           <p:sp>
             <p:nvSpPr>
               <p:cNvPr id="28" name="ZoneTexte 27"/>
@@ -28898,8 +31279,8 @@
           </a:fontRef>
         </p:style>
       </p:cxnSp>
-      <mc:AlternateContent xmlns:mc="http://schemas.openxmlformats.org/markup-compatibility/2006">
-        <mc:Choice xmlns:a14="http://schemas.microsoft.com/office/drawing/2010/main" Requires="a14">
+      <mc:AlternateContent xmlns:mc="http://schemas.openxmlformats.org/markup-compatibility/2006" xmlns:a14="http://schemas.microsoft.com/office/drawing/2010/main">
+        <mc:Choice Requires="a14">
           <p:sp>
             <p:nvSpPr>
               <p:cNvPr id="38" name="ZoneTexte 37"/>
@@ -28951,7 +31332,7 @@
             </p:txBody>
           </p:sp>
         </mc:Choice>
-        <mc:Fallback>
+        <mc:Fallback xmlns="">
           <p:sp>
             <p:nvSpPr>
               <p:cNvPr id="38" name="ZoneTexte 37"/>
@@ -29027,8 +31408,8 @@
           </a:fontRef>
         </p:style>
       </p:cxnSp>
-      <mc:AlternateContent xmlns:mc="http://schemas.openxmlformats.org/markup-compatibility/2006">
-        <mc:Choice xmlns:a14="http://schemas.microsoft.com/office/drawing/2010/main" Requires="a14">
+      <mc:AlternateContent xmlns:mc="http://schemas.openxmlformats.org/markup-compatibility/2006" xmlns:a14="http://schemas.microsoft.com/office/drawing/2010/main">
+        <mc:Choice Requires="a14">
           <p:sp>
             <p:nvSpPr>
               <p:cNvPr id="40" name="ZoneTexte 39"/>
@@ -29080,7 +31461,7 @@
             </p:txBody>
           </p:sp>
         </mc:Choice>
-        <mc:Fallback>
+        <mc:Fallback xmlns="">
           <p:sp>
             <p:nvSpPr>
               <p:cNvPr id="40" name="ZoneTexte 39"/>
@@ -29119,8 +31500,8 @@
           </p:sp>
         </mc:Fallback>
       </mc:AlternateContent>
-      <mc:AlternateContent xmlns:mc="http://schemas.openxmlformats.org/markup-compatibility/2006">
-        <mc:Choice xmlns:a14="http://schemas.microsoft.com/office/drawing/2010/main" Requires="a14">
+      <mc:AlternateContent xmlns:mc="http://schemas.openxmlformats.org/markup-compatibility/2006" xmlns:a14="http://schemas.microsoft.com/office/drawing/2010/main">
+        <mc:Choice Requires="a14">
           <p:sp>
             <p:nvSpPr>
               <p:cNvPr id="41" name="ZoneTexte 40"/>
@@ -29195,7 +31576,7 @@
             </p:txBody>
           </p:sp>
         </mc:Choice>
-        <mc:Fallback>
+        <mc:Fallback xmlns="">
           <p:sp>
             <p:nvSpPr>
               <p:cNvPr id="41" name="ZoneTexte 40"/>
@@ -29234,8 +31615,8 @@
           </p:sp>
         </mc:Fallback>
       </mc:AlternateContent>
-      <mc:AlternateContent xmlns:mc="http://schemas.openxmlformats.org/markup-compatibility/2006">
-        <mc:Choice xmlns:a14="http://schemas.microsoft.com/office/drawing/2010/main" Requires="a14">
+      <mc:AlternateContent xmlns:mc="http://schemas.openxmlformats.org/markup-compatibility/2006" xmlns:a14="http://schemas.microsoft.com/office/drawing/2010/main">
+        <mc:Choice Requires="a14">
           <p:sp>
             <p:nvSpPr>
               <p:cNvPr id="42" name="ZoneTexte 41"/>
@@ -29298,7 +31679,7 @@
             </p:txBody>
           </p:sp>
         </mc:Choice>
-        <mc:Fallback>
+        <mc:Fallback xmlns="">
           <p:sp>
             <p:nvSpPr>
               <p:cNvPr id="42" name="ZoneTexte 41"/>
@@ -29337,8 +31718,8 @@
           </p:sp>
         </mc:Fallback>
       </mc:AlternateContent>
-      <mc:AlternateContent xmlns:mc="http://schemas.openxmlformats.org/markup-compatibility/2006">
-        <mc:Choice xmlns:a14="http://schemas.microsoft.com/office/drawing/2010/main" Requires="a14">
+      <mc:AlternateContent xmlns:mc="http://schemas.openxmlformats.org/markup-compatibility/2006" xmlns:a14="http://schemas.microsoft.com/office/drawing/2010/main">
+        <mc:Choice Requires="a14">
           <p:sp>
             <p:nvSpPr>
               <p:cNvPr id="43" name="ZoneTexte 42"/>
@@ -29413,7 +31794,7 @@
             </p:txBody>
           </p:sp>
         </mc:Choice>
-        <mc:Fallback>
+        <mc:Fallback xmlns="">
           <p:sp>
             <p:nvSpPr>
               <p:cNvPr id="43" name="ZoneTexte 42"/>
@@ -29452,8 +31833,8 @@
           </p:sp>
         </mc:Fallback>
       </mc:AlternateContent>
-      <mc:AlternateContent xmlns:mc="http://schemas.openxmlformats.org/markup-compatibility/2006">
-        <mc:Choice xmlns:a14="http://schemas.microsoft.com/office/drawing/2010/main" Requires="a14">
+      <mc:AlternateContent xmlns:mc="http://schemas.openxmlformats.org/markup-compatibility/2006" xmlns:a14="http://schemas.microsoft.com/office/drawing/2010/main">
+        <mc:Choice Requires="a14">
           <p:sp>
             <p:nvSpPr>
               <p:cNvPr id="44" name="ZoneTexte 43"/>
@@ -29528,7 +31909,7 @@
             </p:txBody>
           </p:sp>
         </mc:Choice>
-        <mc:Fallback>
+        <mc:Fallback xmlns="">
           <p:sp>
             <p:nvSpPr>
               <p:cNvPr id="44" name="ZoneTexte 43"/>
@@ -29567,8 +31948,8 @@
           </p:sp>
         </mc:Fallback>
       </mc:AlternateContent>
-      <mc:AlternateContent xmlns:mc="http://schemas.openxmlformats.org/markup-compatibility/2006">
-        <mc:Choice xmlns:a14="http://schemas.microsoft.com/office/drawing/2010/main" Requires="a14">
+      <mc:AlternateContent xmlns:mc="http://schemas.openxmlformats.org/markup-compatibility/2006" xmlns:a14="http://schemas.microsoft.com/office/drawing/2010/main">
+        <mc:Choice Requires="a14">
           <p:sp>
             <p:nvSpPr>
               <p:cNvPr id="45" name="ZoneTexte 44"/>
@@ -29631,7 +32012,7 @@
             </p:txBody>
           </p:sp>
         </mc:Choice>
-        <mc:Fallback>
+        <mc:Fallback xmlns="">
           <p:sp>
             <p:nvSpPr>
               <p:cNvPr id="45" name="ZoneTexte 44"/>
@@ -29670,8 +32051,8 @@
           </p:sp>
         </mc:Fallback>
       </mc:AlternateContent>
-      <mc:AlternateContent xmlns:mc="http://schemas.openxmlformats.org/markup-compatibility/2006">
-        <mc:Choice xmlns:a14="http://schemas.microsoft.com/office/drawing/2010/main" Requires="a14">
+      <mc:AlternateContent xmlns:mc="http://schemas.openxmlformats.org/markup-compatibility/2006" xmlns:a14="http://schemas.microsoft.com/office/drawing/2010/main">
+        <mc:Choice Requires="a14">
           <p:sp>
             <p:nvSpPr>
               <p:cNvPr id="46" name="ZoneTexte 45"/>
@@ -29746,7 +32127,7 @@
             </p:txBody>
           </p:sp>
         </mc:Choice>
-        <mc:Fallback>
+        <mc:Fallback xmlns="">
           <p:sp>
             <p:nvSpPr>
               <p:cNvPr id="46" name="ZoneTexte 45"/>
@@ -29925,8 +32306,8 @@
           </a:fontRef>
         </p:style>
       </p:cxnSp>
-      <mc:AlternateContent xmlns:mc="http://schemas.openxmlformats.org/markup-compatibility/2006">
-        <mc:Choice xmlns:a14="http://schemas.microsoft.com/office/drawing/2010/main" Requires="a14">
+      <mc:AlternateContent xmlns:mc="http://schemas.openxmlformats.org/markup-compatibility/2006" xmlns:a14="http://schemas.microsoft.com/office/drawing/2010/main">
+        <mc:Choice Requires="a14">
           <p:sp>
             <p:nvSpPr>
               <p:cNvPr id="50" name="ZoneTexte 49"/>
@@ -29970,7 +32351,7 @@
             </p:txBody>
           </p:sp>
         </mc:Choice>
-        <mc:Fallback>
+        <mc:Fallback xmlns="">
           <p:sp>
             <p:nvSpPr>
               <p:cNvPr id="50" name="ZoneTexte 49"/>
@@ -30009,8 +32390,8 @@
           </p:sp>
         </mc:Fallback>
       </mc:AlternateContent>
-      <mc:AlternateContent xmlns:mc="http://schemas.openxmlformats.org/markup-compatibility/2006">
-        <mc:Choice xmlns:a14="http://schemas.microsoft.com/office/drawing/2010/main" Requires="a14">
+      <mc:AlternateContent xmlns:mc="http://schemas.openxmlformats.org/markup-compatibility/2006" xmlns:a14="http://schemas.microsoft.com/office/drawing/2010/main">
+        <mc:Choice Requires="a14">
           <p:sp>
             <p:nvSpPr>
               <p:cNvPr id="51" name="ZoneTexte 50"/>
@@ -30054,7 +32435,7 @@
             </p:txBody>
           </p:sp>
         </mc:Choice>
-        <mc:Fallback>
+        <mc:Fallback xmlns="">
           <p:sp>
             <p:nvSpPr>
               <p:cNvPr id="51" name="ZoneTexte 50"/>
@@ -30093,8 +32474,8 @@
           </p:sp>
         </mc:Fallback>
       </mc:AlternateContent>
-      <mc:AlternateContent xmlns:mc="http://schemas.openxmlformats.org/markup-compatibility/2006">
-        <mc:Choice xmlns:a14="http://schemas.microsoft.com/office/drawing/2010/main" Requires="a14">
+      <mc:AlternateContent xmlns:mc="http://schemas.openxmlformats.org/markup-compatibility/2006" xmlns:a14="http://schemas.microsoft.com/office/drawing/2010/main">
+        <mc:Choice Requires="a14">
           <p:sp>
             <p:nvSpPr>
               <p:cNvPr id="52" name="ZoneTexte 51"/>
@@ -30138,7 +32519,7 @@
             </p:txBody>
           </p:sp>
         </mc:Choice>
-        <mc:Fallback>
+        <mc:Fallback xmlns="">
           <p:sp>
             <p:nvSpPr>
               <p:cNvPr id="52" name="ZoneTexte 51"/>
@@ -30177,8 +32558,8 @@
           </p:sp>
         </mc:Fallback>
       </mc:AlternateContent>
-      <mc:AlternateContent xmlns:mc="http://schemas.openxmlformats.org/markup-compatibility/2006">
-        <mc:Choice xmlns:a14="http://schemas.microsoft.com/office/drawing/2010/main" Requires="a14">
+      <mc:AlternateContent xmlns:mc="http://schemas.openxmlformats.org/markup-compatibility/2006" xmlns:a14="http://schemas.microsoft.com/office/drawing/2010/main">
+        <mc:Choice Requires="a14">
           <p:sp>
             <p:nvSpPr>
               <p:cNvPr id="53" name="ZoneTexte 52"/>
@@ -30222,7 +32603,7 @@
             </p:txBody>
           </p:sp>
         </mc:Choice>
-        <mc:Fallback>
+        <mc:Fallback xmlns="">
           <p:sp>
             <p:nvSpPr>
               <p:cNvPr id="53" name="ZoneTexte 52"/>
@@ -30854,8 +33235,8 @@
           </a:fontRef>
         </p:style>
       </p:cxnSp>
-      <mc:AlternateContent xmlns:mc="http://schemas.openxmlformats.org/markup-compatibility/2006">
-        <mc:Choice xmlns:a14="http://schemas.microsoft.com/office/drawing/2010/main" Requires="a14">
+      <mc:AlternateContent xmlns:mc="http://schemas.openxmlformats.org/markup-compatibility/2006" xmlns:a14="http://schemas.microsoft.com/office/drawing/2010/main">
+        <mc:Choice Requires="a14">
           <p:sp>
             <p:nvSpPr>
               <p:cNvPr id="136" name="ZoneTexte 135"/>
@@ -30907,7 +33288,7 @@
             </p:txBody>
           </p:sp>
         </mc:Choice>
-        <mc:Fallback>
+        <mc:Fallback xmlns="">
           <p:sp>
             <p:nvSpPr>
               <p:cNvPr id="136" name="ZoneTexte 135"/>
@@ -31228,8 +33609,8 @@
           </a:fontRef>
         </p:style>
       </p:cxnSp>
-      <mc:AlternateContent xmlns:mc="http://schemas.openxmlformats.org/markup-compatibility/2006">
-        <mc:Choice xmlns:a14="http://schemas.microsoft.com/office/drawing/2010/main" Requires="a14">
+      <mc:AlternateContent xmlns:mc="http://schemas.openxmlformats.org/markup-compatibility/2006" xmlns:a14="http://schemas.microsoft.com/office/drawing/2010/main">
+        <mc:Choice Requires="a14">
           <p:sp>
             <p:nvSpPr>
               <p:cNvPr id="155" name="ZoneTexte 154"/>
@@ -31252,6 +33633,7 @@
               </a:bodyPr>
               <a:lstStyle/>
               <a:p>
+                <a:pPr/>
                 <a14:m>
                   <m:oMathPara xmlns:m="http://schemas.openxmlformats.org/officeDocument/2006/math">
                     <m:oMathParaPr>
@@ -31272,7 +33654,7 @@
             </p:txBody>
           </p:sp>
         </mc:Choice>
-        <mc:Fallback>
+        <mc:Fallback xmlns="">
           <p:sp>
             <p:nvSpPr>
               <p:cNvPr id="155" name="ZoneTexte 154"/>
@@ -31311,8 +33693,8 @@
           </p:sp>
         </mc:Fallback>
       </mc:AlternateContent>
-      <mc:AlternateContent xmlns:mc="http://schemas.openxmlformats.org/markup-compatibility/2006">
-        <mc:Choice xmlns:a14="http://schemas.microsoft.com/office/drawing/2010/main" Requires="a14">
+      <mc:AlternateContent xmlns:mc="http://schemas.openxmlformats.org/markup-compatibility/2006" xmlns:a14="http://schemas.microsoft.com/office/drawing/2010/main">
+        <mc:Choice Requires="a14">
           <p:sp>
             <p:nvSpPr>
               <p:cNvPr id="156" name="ZoneTexte 155"/>
@@ -31335,6 +33717,7 @@
               </a:bodyPr>
               <a:lstStyle/>
               <a:p>
+                <a:pPr/>
                 <a14:m>
                   <m:oMathPara xmlns:m="http://schemas.openxmlformats.org/officeDocument/2006/math">
                     <m:oMathParaPr>
@@ -31355,7 +33738,7 @@
             </p:txBody>
           </p:sp>
         </mc:Choice>
-        <mc:Fallback>
+        <mc:Fallback xmlns="">
           <p:sp>
             <p:nvSpPr>
               <p:cNvPr id="156" name="ZoneTexte 155"/>
@@ -31394,8 +33777,8 @@
           </p:sp>
         </mc:Fallback>
       </mc:AlternateContent>
-      <mc:AlternateContent xmlns:mc="http://schemas.openxmlformats.org/markup-compatibility/2006">
-        <mc:Choice xmlns:a14="http://schemas.microsoft.com/office/drawing/2010/main" Requires="a14">
+      <mc:AlternateContent xmlns:mc="http://schemas.openxmlformats.org/markup-compatibility/2006" xmlns:a14="http://schemas.microsoft.com/office/drawing/2010/main">
+        <mc:Choice Requires="a14">
           <p:sp>
             <p:nvSpPr>
               <p:cNvPr id="157" name="ZoneTexte 156"/>
@@ -31418,6 +33801,7 @@
               </a:bodyPr>
               <a:lstStyle/>
               <a:p>
+                <a:pPr/>
                 <a14:m>
                   <m:oMathPara xmlns:m="http://schemas.openxmlformats.org/officeDocument/2006/math">
                     <m:oMathParaPr>
@@ -31438,7 +33822,7 @@
             </p:txBody>
           </p:sp>
         </mc:Choice>
-        <mc:Fallback>
+        <mc:Fallback xmlns="">
           <p:sp>
             <p:nvSpPr>
               <p:cNvPr id="157" name="ZoneTexte 156"/>
@@ -31477,8 +33861,8 @@
           </p:sp>
         </mc:Fallback>
       </mc:AlternateContent>
-      <mc:AlternateContent xmlns:mc="http://schemas.openxmlformats.org/markup-compatibility/2006">
-        <mc:Choice xmlns:a14="http://schemas.microsoft.com/office/drawing/2010/main" Requires="a14">
+      <mc:AlternateContent xmlns:mc="http://schemas.openxmlformats.org/markup-compatibility/2006" xmlns:a14="http://schemas.microsoft.com/office/drawing/2010/main">
+        <mc:Choice Requires="a14">
           <p:sp>
             <p:nvSpPr>
               <p:cNvPr id="158" name="ZoneTexte 157"/>
@@ -31501,6 +33885,7 @@
               </a:bodyPr>
               <a:lstStyle/>
               <a:p>
+                <a:pPr/>
                 <a14:m>
                   <m:oMathPara xmlns:m="http://schemas.openxmlformats.org/officeDocument/2006/math">
                     <m:oMathParaPr>
@@ -31521,7 +33906,7 @@
             </p:txBody>
           </p:sp>
         </mc:Choice>
-        <mc:Fallback>
+        <mc:Fallback xmlns="">
           <p:sp>
             <p:nvSpPr>
               <p:cNvPr id="158" name="ZoneTexte 157"/>
@@ -31560,8 +33945,8 @@
           </p:sp>
         </mc:Fallback>
       </mc:AlternateContent>
-      <mc:AlternateContent xmlns:mc="http://schemas.openxmlformats.org/markup-compatibility/2006">
-        <mc:Choice xmlns:a14="http://schemas.microsoft.com/office/drawing/2010/main" Requires="a14">
+      <mc:AlternateContent xmlns:mc="http://schemas.openxmlformats.org/markup-compatibility/2006" xmlns:a14="http://schemas.microsoft.com/office/drawing/2010/main">
+        <mc:Choice Requires="a14">
           <p:sp>
             <p:nvSpPr>
               <p:cNvPr id="159" name="ZoneTexte 158"/>
@@ -31584,6 +33969,7 @@
               </a:bodyPr>
               <a:lstStyle/>
               <a:p>
+                <a:pPr/>
                 <a14:m>
                   <m:oMathPara xmlns:m="http://schemas.openxmlformats.org/officeDocument/2006/math">
                     <m:oMathParaPr>
@@ -31604,7 +33990,7 @@
             </p:txBody>
           </p:sp>
         </mc:Choice>
-        <mc:Fallback>
+        <mc:Fallback xmlns="">
           <p:sp>
             <p:nvSpPr>
               <p:cNvPr id="159" name="ZoneTexte 158"/>
@@ -31643,8 +34029,8 @@
           </p:sp>
         </mc:Fallback>
       </mc:AlternateContent>
-      <mc:AlternateContent xmlns:mc="http://schemas.openxmlformats.org/markup-compatibility/2006">
-        <mc:Choice xmlns:a14="http://schemas.microsoft.com/office/drawing/2010/main" Requires="a14">
+      <mc:AlternateContent xmlns:mc="http://schemas.openxmlformats.org/markup-compatibility/2006" xmlns:a14="http://schemas.microsoft.com/office/drawing/2010/main">
+        <mc:Choice Requires="a14">
           <p:sp>
             <p:nvSpPr>
               <p:cNvPr id="160" name="ZoneTexte 159"/>
@@ -31667,6 +34053,7 @@
               </a:bodyPr>
               <a:lstStyle/>
               <a:p>
+                <a:pPr/>
                 <a14:m>
                   <m:oMathPara xmlns:m="http://schemas.openxmlformats.org/officeDocument/2006/math">
                     <m:oMathParaPr>
@@ -31687,7 +34074,7 @@
             </p:txBody>
           </p:sp>
         </mc:Choice>
-        <mc:Fallback>
+        <mc:Fallback xmlns="">
           <p:sp>
             <p:nvSpPr>
               <p:cNvPr id="160" name="ZoneTexte 159"/>
@@ -31784,8 +34171,8 @@
               <a:chExt cx="1138593" cy="1393069"/>
             </a:xfrm>
           </p:grpSpPr>
-          <mc:AlternateContent xmlns:mc="http://schemas.openxmlformats.org/markup-compatibility/2006">
-            <mc:Choice xmlns:a14="http://schemas.microsoft.com/office/drawing/2010/main" Requires="a14">
+          <mc:AlternateContent xmlns:mc="http://schemas.openxmlformats.org/markup-compatibility/2006" xmlns:a14="http://schemas.microsoft.com/office/drawing/2010/main">
+            <mc:Choice Requires="a14">
               <p:sp>
                 <p:nvSpPr>
                   <p:cNvPr id="5" name="ZoneTexte 4"/>
@@ -31829,7 +34216,7 @@
                 </p:txBody>
               </p:sp>
             </mc:Choice>
-            <mc:Fallback>
+            <mc:Fallback xmlns="">
               <p:sp>
                 <p:nvSpPr>
                   <p:cNvPr id="5" name="ZoneTexte 4"/>
@@ -31868,8 +34255,8 @@
               </p:sp>
             </mc:Fallback>
           </mc:AlternateContent>
-          <mc:AlternateContent xmlns:mc="http://schemas.openxmlformats.org/markup-compatibility/2006">
-            <mc:Choice xmlns:a14="http://schemas.microsoft.com/office/drawing/2010/main" Requires="a14">
+          <mc:AlternateContent xmlns:mc="http://schemas.openxmlformats.org/markup-compatibility/2006" xmlns:a14="http://schemas.microsoft.com/office/drawing/2010/main">
+            <mc:Choice Requires="a14">
               <p:sp>
                 <p:nvSpPr>
                   <p:cNvPr id="6" name="ZoneTexte 5"/>
@@ -31913,7 +34300,7 @@
                 </p:txBody>
               </p:sp>
             </mc:Choice>
-            <mc:Fallback>
+            <mc:Fallback xmlns="">
               <p:sp>
                 <p:nvSpPr>
                   <p:cNvPr id="6" name="ZoneTexte 5"/>
@@ -31952,8 +34339,8 @@
               </p:sp>
             </mc:Fallback>
           </mc:AlternateContent>
-          <mc:AlternateContent xmlns:mc="http://schemas.openxmlformats.org/markup-compatibility/2006">
-            <mc:Choice xmlns:a14="http://schemas.microsoft.com/office/drawing/2010/main" Requires="a14">
+          <mc:AlternateContent xmlns:mc="http://schemas.openxmlformats.org/markup-compatibility/2006" xmlns:a14="http://schemas.microsoft.com/office/drawing/2010/main">
+            <mc:Choice Requires="a14">
               <p:sp>
                 <p:nvSpPr>
                   <p:cNvPr id="7" name="ZoneTexte 6"/>
@@ -31997,7 +34384,7 @@
                 </p:txBody>
               </p:sp>
             </mc:Choice>
-            <mc:Fallback>
+            <mc:Fallback xmlns="">
               <p:sp>
                 <p:nvSpPr>
                   <p:cNvPr id="7" name="ZoneTexte 6"/>
@@ -32036,8 +34423,8 @@
               </p:sp>
             </mc:Fallback>
           </mc:AlternateContent>
-          <mc:AlternateContent xmlns:mc="http://schemas.openxmlformats.org/markup-compatibility/2006">
-            <mc:Choice xmlns:a14="http://schemas.microsoft.com/office/drawing/2010/main" Requires="a14">
+          <mc:AlternateContent xmlns:mc="http://schemas.openxmlformats.org/markup-compatibility/2006" xmlns:a14="http://schemas.microsoft.com/office/drawing/2010/main">
+            <mc:Choice Requires="a14">
               <p:sp>
                 <p:nvSpPr>
                   <p:cNvPr id="8" name="ZoneTexte 7"/>
@@ -32081,7 +34468,7 @@
                 </p:txBody>
               </p:sp>
             </mc:Choice>
-            <mc:Fallback>
+            <mc:Fallback xmlns="">
               <p:sp>
                 <p:nvSpPr>
                   <p:cNvPr id="8" name="ZoneTexte 7"/>
@@ -32351,8 +34738,8 @@
               </p:style>
             </p:cxnSp>
           </p:grpSp>
-          <mc:AlternateContent xmlns:mc="http://schemas.openxmlformats.org/markup-compatibility/2006">
-            <mc:Choice xmlns:a14="http://schemas.microsoft.com/office/drawing/2010/main" Requires="a14">
+          <mc:AlternateContent xmlns:mc="http://schemas.openxmlformats.org/markup-compatibility/2006" xmlns:a14="http://schemas.microsoft.com/office/drawing/2010/main">
+            <mc:Choice Requires="a14">
               <p:sp>
                 <p:nvSpPr>
                   <p:cNvPr id="52" name="ZoneTexte 51"/>
@@ -32396,7 +34783,7 @@
                 </p:txBody>
               </p:sp>
             </mc:Choice>
-            <mc:Fallback>
+            <mc:Fallback xmlns="">
               <p:sp>
                 <p:nvSpPr>
                   <p:cNvPr id="52" name="ZoneTexte 51"/>
@@ -32435,8 +34822,8 @@
               </p:sp>
             </mc:Fallback>
           </mc:AlternateContent>
-          <mc:AlternateContent xmlns:mc="http://schemas.openxmlformats.org/markup-compatibility/2006">
-            <mc:Choice xmlns:a14="http://schemas.microsoft.com/office/drawing/2010/main" Requires="a14">
+          <mc:AlternateContent xmlns:mc="http://schemas.openxmlformats.org/markup-compatibility/2006" xmlns:a14="http://schemas.microsoft.com/office/drawing/2010/main">
+            <mc:Choice Requires="a14">
               <p:sp>
                 <p:nvSpPr>
                   <p:cNvPr id="53" name="ZoneTexte 52"/>
@@ -32480,7 +34867,7 @@
                 </p:txBody>
               </p:sp>
             </mc:Choice>
-            <mc:Fallback>
+            <mc:Fallback xmlns="">
               <p:sp>
                 <p:nvSpPr>
                   <p:cNvPr id="53" name="ZoneTexte 52"/>
@@ -33200,8 +35587,8 @@
                     </a:p>
                   </p:txBody>
                 </p:sp>
-                <mc:AlternateContent xmlns:mc="http://schemas.openxmlformats.org/markup-compatibility/2006">
-                  <mc:Choice xmlns:a14="http://schemas.microsoft.com/office/drawing/2010/main" Requires="a14">
+                <mc:AlternateContent xmlns:mc="http://schemas.openxmlformats.org/markup-compatibility/2006" xmlns:a14="http://schemas.microsoft.com/office/drawing/2010/main">
+                  <mc:Choice Requires="a14">
                     <p:sp>
                       <p:nvSpPr>
                         <p:cNvPr id="88" name="ZoneTexte 87"/>
@@ -33224,6 +35611,7 @@
                         </a:bodyPr>
                         <a:lstStyle/>
                         <a:p>
+                          <a:pPr/>
                           <a14:m>
                             <m:oMathPara xmlns:m="http://schemas.openxmlformats.org/officeDocument/2006/math">
                               <m:oMathParaPr>
@@ -33244,7 +35632,7 @@
                       </p:txBody>
                     </p:sp>
                   </mc:Choice>
-                  <mc:Fallback>
+                  <mc:Fallback xmlns="">
                     <p:sp>
                       <p:nvSpPr>
                         <p:cNvPr id="88" name="ZoneTexte 87"/>
@@ -33346,8 +35734,8 @@
                     </a:p>
                   </p:txBody>
                 </p:sp>
-                <mc:AlternateContent xmlns:mc="http://schemas.openxmlformats.org/markup-compatibility/2006">
-                  <mc:Choice xmlns:a14="http://schemas.microsoft.com/office/drawing/2010/main" Requires="a14">
+                <mc:AlternateContent xmlns:mc="http://schemas.openxmlformats.org/markup-compatibility/2006" xmlns:a14="http://schemas.microsoft.com/office/drawing/2010/main">
+                  <mc:Choice Requires="a14">
                     <p:sp>
                       <p:nvSpPr>
                         <p:cNvPr id="92" name="ZoneTexte 91"/>
@@ -33370,6 +35758,7 @@
                         </a:bodyPr>
                         <a:lstStyle/>
                         <a:p>
+                          <a:pPr/>
                           <a14:m>
                             <m:oMathPara xmlns:m="http://schemas.openxmlformats.org/officeDocument/2006/math">
                               <m:oMathParaPr>
@@ -33390,7 +35779,7 @@
                       </p:txBody>
                     </p:sp>
                   </mc:Choice>
-                  <mc:Fallback>
+                  <mc:Fallback xmlns="">
                     <p:sp>
                       <p:nvSpPr>
                         <p:cNvPr id="92" name="ZoneTexte 91"/>
@@ -33492,8 +35881,8 @@
                     </a:p>
                   </p:txBody>
                 </p:sp>
-                <mc:AlternateContent xmlns:mc="http://schemas.openxmlformats.org/markup-compatibility/2006">
-                  <mc:Choice xmlns:a14="http://schemas.microsoft.com/office/drawing/2010/main" Requires="a14">
+                <mc:AlternateContent xmlns:mc="http://schemas.openxmlformats.org/markup-compatibility/2006" xmlns:a14="http://schemas.microsoft.com/office/drawing/2010/main">
+                  <mc:Choice Requires="a14">
                     <p:sp>
                       <p:nvSpPr>
                         <p:cNvPr id="95" name="ZoneTexte 94"/>
@@ -33516,6 +35905,7 @@
                         </a:bodyPr>
                         <a:lstStyle/>
                         <a:p>
+                          <a:pPr/>
                           <a14:m>
                             <m:oMathPara xmlns:m="http://schemas.openxmlformats.org/officeDocument/2006/math">
                               <m:oMathParaPr>
@@ -33536,7 +35926,7 @@
                       </p:txBody>
                     </p:sp>
                   </mc:Choice>
-                  <mc:Fallback>
+                  <mc:Fallback xmlns="">
                     <p:sp>
                       <p:nvSpPr>
                         <p:cNvPr id="95" name="ZoneTexte 94"/>
@@ -33638,8 +36028,8 @@
                     </a:p>
                   </p:txBody>
                 </p:sp>
-                <mc:AlternateContent xmlns:mc="http://schemas.openxmlformats.org/markup-compatibility/2006">
-                  <mc:Choice xmlns:a14="http://schemas.microsoft.com/office/drawing/2010/main" Requires="a14">
+                <mc:AlternateContent xmlns:mc="http://schemas.openxmlformats.org/markup-compatibility/2006" xmlns:a14="http://schemas.microsoft.com/office/drawing/2010/main">
+                  <mc:Choice Requires="a14">
                     <p:sp>
                       <p:nvSpPr>
                         <p:cNvPr id="98" name="ZoneTexte 97"/>
@@ -33662,6 +36052,7 @@
                         </a:bodyPr>
                         <a:lstStyle/>
                         <a:p>
+                          <a:pPr/>
                           <a14:m>
                             <m:oMathPara xmlns:m="http://schemas.openxmlformats.org/officeDocument/2006/math">
                               <m:oMathParaPr>
@@ -33682,7 +36073,7 @@
                       </p:txBody>
                     </p:sp>
                   </mc:Choice>
-                  <mc:Fallback>
+                  <mc:Fallback xmlns="">
                     <p:sp>
                       <p:nvSpPr>
                         <p:cNvPr id="98" name="ZoneTexte 97"/>
@@ -33784,8 +36175,8 @@
                     </a:p>
                   </p:txBody>
                 </p:sp>
-                <mc:AlternateContent xmlns:mc="http://schemas.openxmlformats.org/markup-compatibility/2006">
-                  <mc:Choice xmlns:a14="http://schemas.microsoft.com/office/drawing/2010/main" Requires="a14">
+                <mc:AlternateContent xmlns:mc="http://schemas.openxmlformats.org/markup-compatibility/2006" xmlns:a14="http://schemas.microsoft.com/office/drawing/2010/main">
+                  <mc:Choice Requires="a14">
                     <p:sp>
                       <p:nvSpPr>
                         <p:cNvPr id="101" name="ZoneTexte 100"/>
@@ -33808,6 +36199,7 @@
                         </a:bodyPr>
                         <a:lstStyle/>
                         <a:p>
+                          <a:pPr/>
                           <a14:m>
                             <m:oMathPara xmlns:m="http://schemas.openxmlformats.org/officeDocument/2006/math">
                               <m:oMathParaPr>
@@ -33828,7 +36220,7 @@
                       </p:txBody>
                     </p:sp>
                   </mc:Choice>
-                  <mc:Fallback>
+                  <mc:Fallback xmlns="">
                     <p:sp>
                       <p:nvSpPr>
                         <p:cNvPr id="101" name="ZoneTexte 100"/>
@@ -33930,8 +36322,8 @@
                     </a:p>
                   </p:txBody>
                 </p:sp>
-                <mc:AlternateContent xmlns:mc="http://schemas.openxmlformats.org/markup-compatibility/2006">
-                  <mc:Choice xmlns:a14="http://schemas.microsoft.com/office/drawing/2010/main" Requires="a14">
+                <mc:AlternateContent xmlns:mc="http://schemas.openxmlformats.org/markup-compatibility/2006" xmlns:a14="http://schemas.microsoft.com/office/drawing/2010/main">
+                  <mc:Choice Requires="a14">
                     <p:sp>
                       <p:nvSpPr>
                         <p:cNvPr id="104" name="ZoneTexte 103"/>
@@ -33954,6 +36346,7 @@
                         </a:bodyPr>
                         <a:lstStyle/>
                         <a:p>
+                          <a:pPr/>
                           <a14:m>
                             <m:oMathPara xmlns:m="http://schemas.openxmlformats.org/officeDocument/2006/math">
                               <m:oMathParaPr>
@@ -33974,7 +36367,7 @@
                       </p:txBody>
                     </p:sp>
                   </mc:Choice>
-                  <mc:Fallback>
+                  <mc:Fallback xmlns="">
                     <p:sp>
                       <p:nvSpPr>
                         <p:cNvPr id="104" name="ZoneTexte 103"/>
@@ -34076,8 +36469,8 @@
                     </a:p>
                   </p:txBody>
                 </p:sp>
-                <mc:AlternateContent xmlns:mc="http://schemas.openxmlformats.org/markup-compatibility/2006">
-                  <mc:Choice xmlns:a14="http://schemas.microsoft.com/office/drawing/2010/main" Requires="a14">
+                <mc:AlternateContent xmlns:mc="http://schemas.openxmlformats.org/markup-compatibility/2006" xmlns:a14="http://schemas.microsoft.com/office/drawing/2010/main">
+                  <mc:Choice Requires="a14">
                     <p:sp>
                       <p:nvSpPr>
                         <p:cNvPr id="107" name="ZoneTexte 106"/>
@@ -34100,6 +36493,7 @@
                         </a:bodyPr>
                         <a:lstStyle/>
                         <a:p>
+                          <a:pPr/>
                           <a14:m>
                             <m:oMathPara xmlns:m="http://schemas.openxmlformats.org/officeDocument/2006/math">
                               <m:oMathParaPr>
@@ -34120,7 +36514,7 @@
                       </p:txBody>
                     </p:sp>
                   </mc:Choice>
-                  <mc:Fallback>
+                  <mc:Fallback xmlns="">
                     <p:sp>
                       <p:nvSpPr>
                         <p:cNvPr id="107" name="ZoneTexte 106"/>
@@ -34209,8 +36603,8 @@
                   </a:fontRef>
                 </p:style>
               </p:cxnSp>
-              <mc:AlternateContent xmlns:mc="http://schemas.openxmlformats.org/markup-compatibility/2006">
-                <mc:Choice xmlns:a14="http://schemas.microsoft.com/office/drawing/2010/main" Requires="a14">
+              <mc:AlternateContent xmlns:mc="http://schemas.openxmlformats.org/markup-compatibility/2006" xmlns:a14="http://schemas.microsoft.com/office/drawing/2010/main">
+                <mc:Choice Requires="a14">
                   <p:sp>
                     <p:nvSpPr>
                       <p:cNvPr id="114" name="ZoneTexte 113"/>
@@ -34233,6 +36627,7 @@
                       </a:bodyPr>
                       <a:lstStyle/>
                       <a:p>
+                        <a:pPr/>
                         <a14:m>
                           <m:oMathPara xmlns:m="http://schemas.openxmlformats.org/officeDocument/2006/math">
                             <m:oMathParaPr>
@@ -34253,7 +36648,7 @@
                     </p:txBody>
                   </p:sp>
                 </mc:Choice>
-                <mc:Fallback>
+                <mc:Fallback xmlns="">
                   <p:sp>
                     <p:nvSpPr>
                       <p:cNvPr id="114" name="ZoneTexte 113"/>
@@ -34327,8 +36722,8 @@
                 </a:fontRef>
               </p:style>
             </p:cxnSp>
-            <mc:AlternateContent xmlns:mc="http://schemas.openxmlformats.org/markup-compatibility/2006">
-              <mc:Choice xmlns:a14="http://schemas.microsoft.com/office/drawing/2010/main" Requires="a14">
+            <mc:AlternateContent xmlns:mc="http://schemas.openxmlformats.org/markup-compatibility/2006" xmlns:a14="http://schemas.microsoft.com/office/drawing/2010/main">
+              <mc:Choice Requires="a14">
                 <p:sp>
                   <p:nvSpPr>
                     <p:cNvPr id="120" name="ZoneTexte 119"/>
@@ -34351,6 +36746,7 @@
                     </a:bodyPr>
                     <a:lstStyle/>
                     <a:p>
+                      <a:pPr/>
                       <a14:m>
                         <m:oMathPara xmlns:m="http://schemas.openxmlformats.org/officeDocument/2006/math">
                           <m:oMathParaPr>
@@ -34371,7 +36767,7 @@
                   </p:txBody>
                 </p:sp>
               </mc:Choice>
-              <mc:Fallback>
+              <mc:Fallback xmlns="">
                 <p:sp>
                   <p:nvSpPr>
                     <p:cNvPr id="120" name="ZoneTexte 119"/>
@@ -34478,8 +36874,8 @@
                 </a:fontRef>
               </p:style>
             </p:cxnSp>
-            <mc:AlternateContent xmlns:mc="http://schemas.openxmlformats.org/markup-compatibility/2006">
-              <mc:Choice xmlns:a14="http://schemas.microsoft.com/office/drawing/2010/main" Requires="a14">
+            <mc:AlternateContent xmlns:mc="http://schemas.openxmlformats.org/markup-compatibility/2006" xmlns:a14="http://schemas.microsoft.com/office/drawing/2010/main">
+              <mc:Choice Requires="a14">
                 <p:sp>
                   <p:nvSpPr>
                     <p:cNvPr id="133" name="ZoneTexte 132"/>
@@ -34502,6 +36898,7 @@
                     </a:bodyPr>
                     <a:lstStyle/>
                     <a:p>
+                      <a:pPr/>
                       <a14:m>
                         <m:oMathPara xmlns:m="http://schemas.openxmlformats.org/officeDocument/2006/math">
                           <m:oMathParaPr>
@@ -34522,7 +36919,7 @@
                   </p:txBody>
                 </p:sp>
               </mc:Choice>
-              <mc:Fallback>
+              <mc:Fallback xmlns="">
                 <p:sp>
                   <p:nvSpPr>
                     <p:cNvPr id="133" name="ZoneTexte 132"/>
@@ -34561,8 +36958,8 @@
                 </p:sp>
               </mc:Fallback>
             </mc:AlternateContent>
-            <mc:AlternateContent xmlns:mc="http://schemas.openxmlformats.org/markup-compatibility/2006">
-              <mc:Choice xmlns:a14="http://schemas.microsoft.com/office/drawing/2010/main" Requires="a14">
+            <mc:AlternateContent xmlns:mc="http://schemas.openxmlformats.org/markup-compatibility/2006" xmlns:a14="http://schemas.microsoft.com/office/drawing/2010/main">
+              <mc:Choice Requires="a14">
                 <p:sp>
                   <p:nvSpPr>
                     <p:cNvPr id="134" name="ZoneTexte 133"/>
@@ -34585,6 +36982,7 @@
                     </a:bodyPr>
                     <a:lstStyle/>
                     <a:p>
+                      <a:pPr/>
                       <a14:m>
                         <m:oMathPara xmlns:m="http://schemas.openxmlformats.org/officeDocument/2006/math">
                           <m:oMathParaPr>
@@ -34605,7 +37003,7 @@
                   </p:txBody>
                 </p:sp>
               </mc:Choice>
-              <mc:Fallback>
+              <mc:Fallback xmlns="">
                 <p:sp>
                   <p:nvSpPr>
                     <p:cNvPr id="134" name="ZoneTexte 133"/>
@@ -34644,8 +37042,8 @@
                 </p:sp>
               </mc:Fallback>
             </mc:AlternateContent>
-            <mc:AlternateContent xmlns:mc="http://schemas.openxmlformats.org/markup-compatibility/2006">
-              <mc:Choice xmlns:a14="http://schemas.microsoft.com/office/drawing/2010/main" Requires="a14">
+            <mc:AlternateContent xmlns:mc="http://schemas.openxmlformats.org/markup-compatibility/2006" xmlns:a14="http://schemas.microsoft.com/office/drawing/2010/main">
+              <mc:Choice Requires="a14">
                 <p:sp>
                   <p:nvSpPr>
                     <p:cNvPr id="135" name="ZoneTexte 134"/>
@@ -34668,6 +37066,7 @@
                     </a:bodyPr>
                     <a:lstStyle/>
                     <a:p>
+                      <a:pPr/>
                       <a14:m>
                         <m:oMathPara xmlns:m="http://schemas.openxmlformats.org/officeDocument/2006/math">
                           <m:oMathParaPr>
@@ -34688,7 +37087,7 @@
                   </p:txBody>
                 </p:sp>
               </mc:Choice>
-              <mc:Fallback>
+              <mc:Fallback xmlns="">
                 <p:sp>
                   <p:nvSpPr>
                     <p:cNvPr id="135" name="ZoneTexte 134"/>
@@ -34795,8 +37194,8 @@
                 </a:fontRef>
               </p:style>
             </p:cxnSp>
-            <mc:AlternateContent xmlns:mc="http://schemas.openxmlformats.org/markup-compatibility/2006">
-              <mc:Choice xmlns:a14="http://schemas.microsoft.com/office/drawing/2010/main" Requires="a14">
+            <mc:AlternateContent xmlns:mc="http://schemas.openxmlformats.org/markup-compatibility/2006" xmlns:a14="http://schemas.microsoft.com/office/drawing/2010/main">
+              <mc:Choice Requires="a14">
                 <p:sp>
                   <p:nvSpPr>
                     <p:cNvPr id="143" name="ZoneTexte 142"/>
@@ -34819,6 +37218,7 @@
                     </a:bodyPr>
                     <a:lstStyle/>
                     <a:p>
+                      <a:pPr/>
                       <a14:m>
                         <m:oMathPara xmlns:m="http://schemas.openxmlformats.org/officeDocument/2006/math">
                           <m:oMathParaPr>
@@ -34839,7 +37239,7 @@
                   </p:txBody>
                 </p:sp>
               </mc:Choice>
-              <mc:Fallback>
+              <mc:Fallback xmlns="">
                 <p:sp>
                   <p:nvSpPr>
                     <p:cNvPr id="143" name="ZoneTexte 142"/>
@@ -34916,8 +37316,8 @@
               </a:fontRef>
             </p:style>
           </p:cxnSp>
-          <mc:AlternateContent xmlns:mc="http://schemas.openxmlformats.org/markup-compatibility/2006">
-            <mc:Choice xmlns:a14="http://schemas.microsoft.com/office/drawing/2010/main" Requires="a14">
+          <mc:AlternateContent xmlns:mc="http://schemas.openxmlformats.org/markup-compatibility/2006" xmlns:a14="http://schemas.microsoft.com/office/drawing/2010/main">
+            <mc:Choice Requires="a14">
               <p:sp>
                 <p:nvSpPr>
                   <p:cNvPr id="150" name="ZoneTexte 149"/>
@@ -34969,7 +37369,7 @@
                 </p:txBody>
               </p:sp>
             </mc:Choice>
-            <mc:Fallback>
+            <mc:Fallback xmlns="">
               <p:sp>
                 <p:nvSpPr>
                   <p:cNvPr id="150" name="ZoneTexte 149"/>
@@ -35045,8 +37445,8 @@
               </a:fontRef>
             </p:style>
           </p:cxnSp>
-          <mc:AlternateContent xmlns:mc="http://schemas.openxmlformats.org/markup-compatibility/2006">
-            <mc:Choice xmlns:a14="http://schemas.microsoft.com/office/drawing/2010/main" Requires="a14">
+          <mc:AlternateContent xmlns:mc="http://schemas.openxmlformats.org/markup-compatibility/2006" xmlns:a14="http://schemas.microsoft.com/office/drawing/2010/main">
+            <mc:Choice Requires="a14">
               <p:sp>
                 <p:nvSpPr>
                   <p:cNvPr id="152" name="ZoneTexte 151"/>
@@ -35098,7 +37498,7 @@
                 </p:txBody>
               </p:sp>
             </mc:Choice>
-            <mc:Fallback>
+            <mc:Fallback xmlns="">
               <p:sp>
                 <p:nvSpPr>
                   <p:cNvPr id="152" name="ZoneTexte 151"/>
@@ -35210,8 +37610,8 @@
               </a:fontRef>
             </p:style>
           </p:cxnSp>
-          <mc:AlternateContent xmlns:mc="http://schemas.openxmlformats.org/markup-compatibility/2006">
-            <mc:Choice xmlns:a14="http://schemas.microsoft.com/office/drawing/2010/main" Requires="a14">
+          <mc:AlternateContent xmlns:mc="http://schemas.openxmlformats.org/markup-compatibility/2006" xmlns:a14="http://schemas.microsoft.com/office/drawing/2010/main">
+            <mc:Choice Requires="a14">
               <p:sp>
                 <p:nvSpPr>
                   <p:cNvPr id="163" name="ZoneTexte 162"/>
@@ -35263,7 +37663,7 @@
                 </p:txBody>
               </p:sp>
             </mc:Choice>
-            <mc:Fallback>
+            <mc:Fallback xmlns="">
               <p:sp>
                 <p:nvSpPr>
                   <p:cNvPr id="163" name="ZoneTexte 162"/>
@@ -42520,2358 +44920,40 @@
           <a:chExt cx="0" cy="0"/>
         </a:xfrm>
       </p:grpSpPr>
-      <mc:AlternateContent xmlns:mc="http://schemas.openxmlformats.org/markup-compatibility/2006" xmlns:a14="http://schemas.microsoft.com/office/drawing/2010/main">
-        <mc:Choice Requires="a14">
-          <p:graphicFrame>
-            <p:nvGraphicFramePr>
-              <p:cNvPr id="4" name="Tableau 3"/>
-              <p:cNvGraphicFramePr>
-                <a:graphicFrameLocks noGrp="1"/>
-              </p:cNvGraphicFramePr>
-              <p:nvPr>
-                <p:extLst>
-                  <p:ext uri="{D42A27DB-BD31-4B8C-83A1-F6EECF244321}">
-                    <p14:modId xmlns:p14="http://schemas.microsoft.com/office/powerpoint/2010/main" val="3236519621"/>
-                  </p:ext>
-                </p:extLst>
-              </p:nvPr>
-            </p:nvGraphicFramePr>
-            <p:xfrm>
-              <a:off x="1904999" y="325493"/>
-              <a:ext cx="9255623" cy="6304676"/>
-            </p:xfrm>
-            <a:graphic>
-              <a:graphicData uri="http://schemas.openxmlformats.org/drawingml/2006/table">
-                <a:tbl>
-                  <a:tblPr firstRow="1" bandRow="1">
-                    <a:tableStyleId>{F5AB1C69-6EDB-4FF4-983F-18BD219EF322}</a:tableStyleId>
-                  </a:tblPr>
-                  <a:tblGrid>
-                    <a:gridCol w="4805518">
-                      <a:extLst>
-                        <a:ext uri="{9D8B030D-6E8A-4147-A177-3AD203B41FA5}">
-                          <a16:colId xmlns="" xmlns:a16="http://schemas.microsoft.com/office/drawing/2014/main" val="3081511506"/>
-                        </a:ext>
-                      </a:extLst>
-                    </a:gridCol>
-                    <a:gridCol w="1765060">
-                      <a:extLst>
-                        <a:ext uri="{9D8B030D-6E8A-4147-A177-3AD203B41FA5}">
-                          <a16:colId xmlns="" xmlns:a16="http://schemas.microsoft.com/office/drawing/2014/main" val="1214192377"/>
-                        </a:ext>
-                      </a:extLst>
-                    </a:gridCol>
-                    <a:gridCol w="2685045">
-                      <a:extLst>
-                        <a:ext uri="{9D8B030D-6E8A-4147-A177-3AD203B41FA5}">
-                          <a16:colId xmlns="" xmlns:a16="http://schemas.microsoft.com/office/drawing/2014/main" val="3830110329"/>
-                        </a:ext>
-                      </a:extLst>
-                    </a:gridCol>
-                  </a:tblGrid>
-                  <a:tr h="318126">
-                    <a:tc>
-                      <a:txBody>
-                        <a:bodyPr/>
-                        <a:lstStyle/>
-                        <a:p>
-                          <a:pPr algn="ctr"/>
-                          <a:r>
-                            <a:rPr lang="fr-FR" sz="1800" dirty="0" smtClean="0"/>
-                            <a:t>Coussinet</a:t>
-                          </a:r>
-                          <a:endParaRPr lang="en-US" sz="1800" dirty="0"/>
-                        </a:p>
-                      </a:txBody>
-                      <a:tcPr anchor="ctr"/>
-                    </a:tc>
-                    <a:tc>
-                      <a:txBody>
-                        <a:bodyPr/>
-                        <a:lstStyle/>
-                        <a:p>
-                          <a:pPr algn="ctr"/>
-                          <a:r>
-                            <a:rPr lang="fr-FR" sz="1800" dirty="0" smtClean="0"/>
-                            <a:t>-</a:t>
-                          </a:r>
-                          <a:endParaRPr lang="en-US" sz="1800" dirty="0"/>
-                        </a:p>
-                      </a:txBody>
-                      <a:tcPr anchor="ctr"/>
-                    </a:tc>
-                    <a:tc>
-                      <a:txBody>
-                        <a:bodyPr/>
-                        <a:lstStyle/>
-                        <a:p>
-                          <a:pPr algn="ctr"/>
-                          <a:r>
-                            <a:rPr lang="fr-FR" sz="1800" dirty="0" smtClean="0"/>
-                            <a:t>Acier régulé</a:t>
-                          </a:r>
-                          <a:endParaRPr lang="en-US" sz="1800" dirty="0"/>
-                        </a:p>
-                      </a:txBody>
-                      <a:tcPr anchor="ctr"/>
-                    </a:tc>
-                    <a:extLst>
-                      <a:ext uri="{0D108BD9-81ED-4DB2-BD59-A6C34878D82A}">
-                        <a16:rowId xmlns="" xmlns:a16="http://schemas.microsoft.com/office/drawing/2014/main" val="3865599143"/>
-                      </a:ext>
-                    </a:extLst>
-                  </a:tr>
-                  <a:tr h="318126">
-                    <a:tc>
-                      <a:txBody>
-                        <a:bodyPr/>
-                        <a:lstStyle/>
-                        <a:p>
-                          <a:pPr algn="ctr"/>
-                          <a:r>
-                            <a:rPr lang="fr-FR" sz="1800" dirty="0" smtClean="0"/>
-                            <a:t>Diamètre  du cercle inscrit</a:t>
-                          </a:r>
-                          <a:endParaRPr lang="en-US" sz="1800" dirty="0"/>
-                        </a:p>
-                      </a:txBody>
-                      <a:tcPr anchor="ctr"/>
-                    </a:tc>
-                    <a:tc>
-                      <a:txBody>
-                        <a:bodyPr/>
-                        <a:lstStyle/>
-                        <a:p>
-                          <a:pPr algn="ctr"/>
-                          <a14:m>
-                            <m:oMathPara xmlns:m="http://schemas.openxmlformats.org/officeDocument/2006/math">
-                              <m:oMathParaPr>
-                                <m:jc m:val="centerGroup"/>
-                              </m:oMathParaPr>
-                              <m:oMath xmlns:m="http://schemas.openxmlformats.org/officeDocument/2006/math">
-                                <m:sSub>
-                                  <m:sSubPr>
-                                    <m:ctrlPr>
-                                      <a:rPr lang="fr-FR" sz="1800" b="0" i="1" smtClean="0">
-                                        <a:latin typeface="Cambria Math" panose="02040503050406030204" pitchFamily="18" charset="0"/>
-                                      </a:rPr>
-                                    </m:ctrlPr>
-                                  </m:sSubPr>
-                                  <m:e>
-                                    <m:r>
-                                      <a:rPr lang="fr-FR" sz="1800" b="0" i="1" smtClean="0">
-                                        <a:latin typeface="Cambria Math" panose="02040503050406030204" pitchFamily="18" charset="0"/>
-                                      </a:rPr>
-                                      <m:t>𝑑</m:t>
-                                    </m:r>
-                                  </m:e>
-                                  <m:sub>
-                                    <m:r>
-                                      <a:rPr lang="fr-FR" sz="1800" b="0" i="1" smtClean="0">
-                                        <a:latin typeface="Cambria Math" panose="02040503050406030204" pitchFamily="18" charset="0"/>
-                                      </a:rPr>
-                                      <m:t>𝑏𝑣</m:t>
-                                    </m:r>
-                                  </m:sub>
-                                </m:sSub>
-                              </m:oMath>
-                            </m:oMathPara>
-                          </a14:m>
-                          <a:endParaRPr lang="en-US" sz="1800" dirty="0"/>
-                        </a:p>
-                      </a:txBody>
-                      <a:tcPr anchor="ctr"/>
-                    </a:tc>
-                    <a:tc>
-                      <a:txBody>
-                        <a:bodyPr/>
-                        <a:lstStyle/>
-                        <a:p>
-                          <a:pPr algn="ctr"/>
-                          <a:r>
-                            <a:rPr lang="fr-FR" sz="1800" dirty="0" smtClean="0"/>
-                            <a:t>99.908 mm</a:t>
-                          </a:r>
-                          <a:endParaRPr lang="en-US" sz="1800" dirty="0"/>
-                        </a:p>
-                      </a:txBody>
-                      <a:tcPr anchor="ctr"/>
-                    </a:tc>
-                    <a:extLst>
-                      <a:ext uri="{0D108BD9-81ED-4DB2-BD59-A6C34878D82A}">
-                        <a16:rowId xmlns="" xmlns:a16="http://schemas.microsoft.com/office/drawing/2014/main" val="239526169"/>
-                      </a:ext>
-                    </a:extLst>
-                  </a:tr>
-                  <a:tr h="318126">
-                    <a:tc>
-                      <a:txBody>
-                        <a:bodyPr/>
-                        <a:lstStyle/>
-                        <a:p>
-                          <a:pPr algn="ctr"/>
-                          <a:r>
-                            <a:rPr lang="fr-FR" sz="1800" dirty="0" smtClean="0"/>
-                            <a:t>Diamètre d’usinage du coussinet</a:t>
-                          </a:r>
-                          <a:endParaRPr lang="en-US" sz="1800" dirty="0"/>
-                        </a:p>
-                      </a:txBody>
-                      <a:tcPr anchor="ctr"/>
-                    </a:tc>
-                    <a:tc>
-                      <a:txBody>
-                        <a:bodyPr/>
-                        <a:lstStyle/>
-                        <a:p>
-                          <a:pPr algn="ctr"/>
-                          <a14:m>
-                            <m:oMathPara xmlns:m="http://schemas.openxmlformats.org/officeDocument/2006/math">
-                              <m:oMathParaPr>
-                                <m:jc m:val="centerGroup"/>
-                              </m:oMathParaPr>
-                              <m:oMath xmlns:m="http://schemas.openxmlformats.org/officeDocument/2006/math">
-                                <m:sSub>
-                                  <m:sSubPr>
-                                    <m:ctrlPr>
-                                      <a:rPr lang="fr-FR" sz="1800" b="0" i="1" smtClean="0">
-                                        <a:latin typeface="Cambria Math" panose="02040503050406030204" pitchFamily="18" charset="0"/>
-                                      </a:rPr>
-                                    </m:ctrlPr>
-                                  </m:sSubPr>
-                                  <m:e>
-                                    <m:r>
-                                      <a:rPr lang="fr-FR" sz="1800" b="0" i="1" smtClean="0">
-                                        <a:latin typeface="Cambria Math" panose="02040503050406030204" pitchFamily="18" charset="0"/>
-                                      </a:rPr>
-                                      <m:t>𝑑</m:t>
-                                    </m:r>
-                                  </m:e>
-                                  <m:sub>
-                                    <m:r>
-                                      <a:rPr lang="fr-FR" sz="1800" b="0" i="1" smtClean="0">
-                                        <a:latin typeface="Cambria Math" panose="02040503050406030204" pitchFamily="18" charset="0"/>
-                                      </a:rPr>
-                                      <m:t>𝑏h</m:t>
-                                    </m:r>
-                                  </m:sub>
-                                </m:sSub>
-                              </m:oMath>
-                            </m:oMathPara>
-                          </a14:m>
-                          <a:endParaRPr lang="en-US" sz="1800" dirty="0"/>
-                        </a:p>
-                      </a:txBody>
-                      <a:tcPr anchor="ctr"/>
-                    </a:tc>
-                    <a:tc>
-                      <a:txBody>
-                        <a:bodyPr/>
-                        <a:lstStyle/>
-                        <a:p>
-                          <a:pPr algn="ctr"/>
-                          <a:r>
-                            <a:rPr lang="fr-FR" sz="1800" dirty="0" smtClean="0"/>
-                            <a:t>100.058 mm</a:t>
-                          </a:r>
-                          <a:endParaRPr lang="en-US" sz="1800" dirty="0"/>
-                        </a:p>
-                      </a:txBody>
-                      <a:tcPr anchor="ctr"/>
-                    </a:tc>
-                    <a:extLst>
-                      <a:ext uri="{0D108BD9-81ED-4DB2-BD59-A6C34878D82A}">
-                        <a16:rowId xmlns="" xmlns:a16="http://schemas.microsoft.com/office/drawing/2014/main" val="635204047"/>
-                      </a:ext>
-                    </a:extLst>
-                  </a:tr>
-                  <a:tr h="318126">
-                    <a:tc>
-                      <a:txBody>
-                        <a:bodyPr/>
-                        <a:lstStyle/>
-                        <a:p>
-                          <a:pPr algn="ctr"/>
-                          <a:r>
-                            <a:rPr lang="fr-FR" sz="1800" dirty="0" smtClean="0"/>
-                            <a:t>Diamètre de l’arbre</a:t>
-                          </a:r>
-                          <a:endParaRPr lang="en-US" sz="1800" dirty="0"/>
-                        </a:p>
-                      </a:txBody>
-                      <a:tcPr anchor="ctr"/>
-                    </a:tc>
-                    <a:tc>
-                      <a:txBody>
-                        <a:bodyPr/>
-                        <a:lstStyle/>
-                        <a:p>
-                          <a:pPr algn="ctr"/>
-                          <a14:m>
-                            <m:oMathPara xmlns:m="http://schemas.openxmlformats.org/officeDocument/2006/math">
-                              <m:oMathParaPr>
-                                <m:jc m:val="centerGroup"/>
-                              </m:oMathParaPr>
-                              <m:oMath xmlns:m="http://schemas.openxmlformats.org/officeDocument/2006/math">
-                                <m:r>
-                                  <a:rPr lang="fr-FR" sz="1800" b="0" i="1" smtClean="0">
-                                    <a:latin typeface="Cambria Math" panose="02040503050406030204" pitchFamily="18" charset="0"/>
-                                  </a:rPr>
-                                  <m:t>𝑑</m:t>
-                                </m:r>
-                              </m:oMath>
-                            </m:oMathPara>
-                          </a14:m>
-                          <a:endParaRPr lang="en-US" sz="1800" dirty="0"/>
-                        </a:p>
-                      </a:txBody>
-                      <a:tcPr anchor="ctr"/>
-                    </a:tc>
-                    <a:tc>
-                      <a:txBody>
-                        <a:bodyPr/>
-                        <a:lstStyle/>
-                        <a:p>
-                          <a:pPr algn="ctr"/>
-                          <a:r>
-                            <a:rPr lang="fr-FR" sz="1800" dirty="0" smtClean="0"/>
-                            <a:t>99.772 mm</a:t>
-                          </a:r>
-                          <a:endParaRPr lang="en-US" sz="1800" dirty="0"/>
-                        </a:p>
-                      </a:txBody>
-                      <a:tcPr anchor="ctr"/>
-                    </a:tc>
-                    <a:extLst>
-                      <a:ext uri="{0D108BD9-81ED-4DB2-BD59-A6C34878D82A}">
-                        <a16:rowId xmlns="" xmlns:a16="http://schemas.microsoft.com/office/drawing/2014/main" val="803137917"/>
-                      </a:ext>
-                    </a:extLst>
-                  </a:tr>
-                  <a:tr h="318126">
-                    <a:tc>
-                      <a:txBody>
-                        <a:bodyPr/>
-                        <a:lstStyle/>
-                        <a:p>
-                          <a:pPr algn="ctr"/>
-                          <a:r>
-                            <a:rPr lang="fr-FR" sz="1800" dirty="0" smtClean="0"/>
-                            <a:t>Longueur</a:t>
-                          </a:r>
-                          <a:r>
-                            <a:rPr lang="fr-FR" sz="1800" baseline="0" dirty="0" smtClean="0"/>
-                            <a:t> de l’arbre</a:t>
-                          </a:r>
-                          <a:endParaRPr lang="en-US" sz="1800" dirty="0"/>
-                        </a:p>
-                      </a:txBody>
-                      <a:tcPr anchor="ctr"/>
-                    </a:tc>
-                    <a:tc>
-                      <a:txBody>
-                        <a:bodyPr/>
-                        <a:lstStyle/>
-                        <a:p>
-                          <a:pPr algn="ctr"/>
-                          <a14:m>
-                            <m:oMathPara xmlns:m="http://schemas.openxmlformats.org/officeDocument/2006/math">
-                              <m:oMathParaPr>
-                                <m:jc m:val="centerGroup"/>
-                              </m:oMathParaPr>
-                              <m:oMath xmlns:m="http://schemas.openxmlformats.org/officeDocument/2006/math">
-                                <m:r>
-                                  <a:rPr lang="fr-FR" sz="1800" b="0" i="1" smtClean="0">
-                                    <a:latin typeface="Cambria Math" panose="02040503050406030204" pitchFamily="18" charset="0"/>
-                                  </a:rPr>
-                                  <m:t>𝐿</m:t>
-                                </m:r>
-                              </m:oMath>
-                            </m:oMathPara>
-                          </a14:m>
-                          <a:endParaRPr lang="en-US" sz="1800" dirty="0"/>
-                        </a:p>
-                      </a:txBody>
-                      <a:tcPr anchor="ctr"/>
-                    </a:tc>
-                    <a:tc>
-                      <a:txBody>
-                        <a:bodyPr/>
-                        <a:lstStyle/>
-                        <a:p>
-                          <a:pPr algn="ctr"/>
-                          <a:r>
-                            <a:rPr lang="fr-FR" sz="1800" dirty="0" smtClean="0"/>
-                            <a:t>68.4 mm</a:t>
-                          </a:r>
-                          <a:endParaRPr lang="en-US" sz="1800" dirty="0"/>
-                        </a:p>
-                      </a:txBody>
-                      <a:tcPr anchor="ctr"/>
-                    </a:tc>
-                    <a:extLst>
-                      <a:ext uri="{0D108BD9-81ED-4DB2-BD59-A6C34878D82A}">
-                        <a16:rowId xmlns="" xmlns:a16="http://schemas.microsoft.com/office/drawing/2014/main" val="3808520189"/>
-                      </a:ext>
-                    </a:extLst>
-                  </a:tr>
-                  <a:tr h="339214">
-                    <a:tc>
-                      <a:txBody>
-                        <a:bodyPr/>
-                        <a:lstStyle/>
-                        <a:p>
-                          <a:pPr algn="ctr"/>
-                          <a:r>
-                            <a:rPr lang="fr-FR" sz="1800" dirty="0" smtClean="0"/>
-                            <a:t>Diamètre extérieur du coussinet</a:t>
-                          </a:r>
-                          <a:endParaRPr lang="en-US" sz="1800" dirty="0"/>
-                        </a:p>
-                      </a:txBody>
-                      <a:tcPr anchor="ctr"/>
-                    </a:tc>
-                    <a:tc>
-                      <a:txBody>
-                        <a:bodyPr/>
-                        <a:lstStyle/>
-                        <a:p>
-                          <a:pPr algn="ctr"/>
-                          <a14:m>
-                            <m:oMath xmlns:m="http://schemas.openxmlformats.org/officeDocument/2006/math">
-                              <m:sSub>
-                                <m:sSubPr>
-                                  <m:ctrlPr>
-                                    <a:rPr lang="fr-FR" sz="1800" b="0" i="1" smtClean="0">
-                                      <a:latin typeface="Cambria Math" panose="02040503050406030204" pitchFamily="18" charset="0"/>
-                                    </a:rPr>
-                                  </m:ctrlPr>
-                                </m:sSubPr>
-                                <m:e>
-                                  <m:r>
-                                    <a:rPr lang="fr-FR" sz="1800" b="0" i="1" smtClean="0">
-                                      <a:latin typeface="Cambria Math" panose="02040503050406030204" pitchFamily="18" charset="0"/>
-                                    </a:rPr>
-                                    <m:t>𝑑</m:t>
-                                  </m:r>
-                                </m:e>
-                                <m:sub>
-                                  <m:sSub>
-                                    <m:sSubPr>
-                                      <m:ctrlPr>
-                                        <a:rPr lang="fr-FR" sz="1800" b="0" i="1" smtClean="0">
-                                          <a:latin typeface="Cambria Math" panose="02040503050406030204" pitchFamily="18" charset="0"/>
-                                        </a:rPr>
-                                      </m:ctrlPr>
-                                    </m:sSubPr>
-                                    <m:e>
-                                      <m:r>
-                                        <a:rPr lang="fr-FR" sz="1800" b="0" i="1" smtClean="0">
-                                          <a:latin typeface="Cambria Math" panose="02040503050406030204" pitchFamily="18" charset="0"/>
-                                        </a:rPr>
-                                        <m:t>𝑏</m:t>
-                                      </m:r>
-                                    </m:e>
-                                    <m:sub>
-                                      <m:r>
-                                        <a:rPr lang="fr-FR" sz="1800" b="0" i="1" smtClean="0">
-                                          <a:latin typeface="Cambria Math" panose="02040503050406030204" pitchFamily="18" charset="0"/>
-                                        </a:rPr>
-                                        <m:t>𝑒𝑥𝑡</m:t>
-                                      </m:r>
-                                    </m:sub>
-                                  </m:sSub>
-                                </m:sub>
-                              </m:sSub>
-                            </m:oMath>
-                          </a14:m>
-                          <a:r>
-                            <a:rPr lang="en-US" sz="1800" dirty="0" smtClean="0"/>
-                            <a:t> </a:t>
-                          </a:r>
-                          <a:endParaRPr lang="en-US" sz="1800" dirty="0"/>
-                        </a:p>
-                      </a:txBody>
-                      <a:tcPr anchor="ctr"/>
-                    </a:tc>
-                    <a:tc>
-                      <a:txBody>
-                        <a:bodyPr/>
-                        <a:lstStyle/>
-                        <a:p>
-                          <a:pPr algn="ctr"/>
-                          <a:r>
-                            <a:rPr lang="fr-FR" sz="1800" dirty="0" smtClean="0"/>
-                            <a:t>140 mm</a:t>
-                          </a:r>
-                          <a:endParaRPr lang="en-US" sz="1800" dirty="0"/>
-                        </a:p>
-                      </a:txBody>
-                      <a:tcPr anchor="ctr"/>
-                    </a:tc>
-                    <a:extLst>
-                      <a:ext uri="{0D108BD9-81ED-4DB2-BD59-A6C34878D82A}">
-                        <a16:rowId xmlns="" xmlns:a16="http://schemas.microsoft.com/office/drawing/2014/main" val="2470517530"/>
-                      </a:ext>
-                    </a:extLst>
-                  </a:tr>
-                  <a:tr h="426840">
-                    <a:tc>
-                      <a:txBody>
-                        <a:bodyPr/>
-                        <a:lstStyle/>
-                        <a:p>
-                          <a:pPr algn="ctr"/>
-                          <a:r>
-                            <a:rPr lang="fr-FR" sz="1800" dirty="0" smtClean="0"/>
-                            <a:t>Diamètre externe de la bague support</a:t>
-                          </a:r>
-                          <a:endParaRPr lang="en-US" sz="1800" dirty="0"/>
-                        </a:p>
-                      </a:txBody>
-                      <a:tcPr anchor="ctr"/>
-                    </a:tc>
-                    <a:tc>
-                      <a:txBody>
-                        <a:bodyPr/>
-                        <a:lstStyle/>
-                        <a:p>
-                          <a:pPr algn="ctr"/>
-                          <a14:m>
-                            <m:oMathPara xmlns:m="http://schemas.openxmlformats.org/officeDocument/2006/math">
-                              <m:oMathParaPr>
-                                <m:jc m:val="centerGroup"/>
-                              </m:oMathParaPr>
-                              <m:oMath xmlns:m="http://schemas.openxmlformats.org/officeDocument/2006/math">
-                                <m:sSub>
-                                  <m:sSubPr>
-                                    <m:ctrlPr>
-                                      <a:rPr lang="fr-FR" sz="1800" b="0" i="1" smtClean="0">
-                                        <a:latin typeface="Cambria Math" panose="02040503050406030204" pitchFamily="18" charset="0"/>
-                                      </a:rPr>
-                                    </m:ctrlPr>
-                                  </m:sSubPr>
-                                  <m:e>
-                                    <m:r>
-                                      <a:rPr lang="fr-FR" sz="1800" b="0" i="1" smtClean="0">
-                                        <a:latin typeface="Cambria Math" panose="02040503050406030204" pitchFamily="18" charset="0"/>
-                                      </a:rPr>
-                                      <m:t>𝑑</m:t>
-                                    </m:r>
-                                  </m:e>
-                                  <m:sub>
-                                    <m:r>
-                                      <a:rPr lang="fr-FR" sz="1800" b="0" i="1" smtClean="0">
-                                        <a:latin typeface="Cambria Math" panose="02040503050406030204" pitchFamily="18" charset="0"/>
-                                      </a:rPr>
-                                      <m:t>𝑒𝑥𝑡</m:t>
-                                    </m:r>
-                                  </m:sub>
-                                </m:sSub>
-                              </m:oMath>
-                            </m:oMathPara>
-                          </a14:m>
-                          <a:endParaRPr lang="en-US" sz="1800" dirty="0"/>
-                        </a:p>
-                      </a:txBody>
-                      <a:tcPr anchor="ctr"/>
-                    </a:tc>
-                    <a:tc>
-                      <a:txBody>
-                        <a:bodyPr/>
-                        <a:lstStyle/>
-                        <a:p>
-                          <a:pPr algn="ctr"/>
-                          <a:r>
-                            <a:rPr lang="fr-FR" sz="1800" dirty="0" smtClean="0"/>
-                            <a:t>200 mm</a:t>
-                          </a:r>
-                          <a:endParaRPr lang="en-US" sz="1800" dirty="0"/>
-                        </a:p>
-                      </a:txBody>
-                      <a:tcPr anchor="ctr"/>
-                    </a:tc>
-                    <a:extLst>
-                      <a:ext uri="{0D108BD9-81ED-4DB2-BD59-A6C34878D82A}">
-                        <a16:rowId xmlns="" xmlns:a16="http://schemas.microsoft.com/office/drawing/2014/main" val="1342816855"/>
-                      </a:ext>
-                    </a:extLst>
-                  </a:tr>
-                  <a:tr h="426840">
-                    <a:tc>
-                      <a:txBody>
-                        <a:bodyPr/>
-                        <a:lstStyle/>
-                        <a:p>
-                          <a:pPr algn="ctr"/>
-                          <a:r>
-                            <a:rPr lang="fr-FR" sz="1800" dirty="0" smtClean="0"/>
-                            <a:t>Jeu radial d’usinage (jeu radial horizontal)</a:t>
-                          </a:r>
-                          <a:endParaRPr lang="en-US" sz="1800" dirty="0"/>
-                        </a:p>
-                      </a:txBody>
-                      <a:tcPr anchor="ctr"/>
-                    </a:tc>
-                    <a:tc>
-                      <a:txBody>
-                        <a:bodyPr/>
-                        <a:lstStyle/>
-                        <a:p>
-                          <a:pPr algn="ctr"/>
-                          <a14:m>
-                            <m:oMathPara xmlns:m="http://schemas.openxmlformats.org/officeDocument/2006/math">
-                              <m:oMathParaPr>
-                                <m:jc m:val="centerGroup"/>
-                              </m:oMathParaPr>
-                              <m:oMath xmlns:m="http://schemas.openxmlformats.org/officeDocument/2006/math">
-                                <m:r>
-                                  <a:rPr lang="fr-FR" sz="1800" b="0" i="1" smtClean="0">
-                                    <a:latin typeface="Cambria Math" panose="02040503050406030204" pitchFamily="18" charset="0"/>
-                                  </a:rPr>
-                                  <m:t>𝐶</m:t>
-                                </m:r>
-                              </m:oMath>
-                            </m:oMathPara>
-                          </a14:m>
-                          <a:endParaRPr lang="en-US" sz="1800" dirty="0"/>
-                        </a:p>
-                      </a:txBody>
-                      <a:tcPr anchor="ctr"/>
-                    </a:tc>
-                    <a:tc>
-                      <a:txBody>
-                        <a:bodyPr/>
-                        <a:lstStyle/>
-                        <a:p>
-                          <a:pPr algn="ctr"/>
-                          <a:r>
-                            <a:rPr lang="fr-FR" sz="1800" dirty="0" smtClean="0"/>
-                            <a:t>143µm</a:t>
-                          </a:r>
-                          <a:endParaRPr lang="en-US" sz="1800" dirty="0"/>
-                        </a:p>
-                      </a:txBody>
-                      <a:tcPr anchor="ctr"/>
-                    </a:tc>
-                    <a:extLst>
-                      <a:ext uri="{0D108BD9-81ED-4DB2-BD59-A6C34878D82A}">
-                        <a16:rowId xmlns="" xmlns:a16="http://schemas.microsoft.com/office/drawing/2014/main" val="3480795511"/>
-                      </a:ext>
-                    </a:extLst>
-                  </a:tr>
-                  <a:tr h="426840">
-                    <a:tc>
-                      <a:txBody>
-                        <a:bodyPr/>
-                        <a:lstStyle/>
-                        <a:p>
-                          <a:pPr algn="ctr"/>
-                          <a:r>
-                            <a:rPr lang="fr-FR" sz="1800" dirty="0" smtClean="0"/>
-                            <a:t>Jeu radial d’assemblage (jeu radial vertical)</a:t>
-                          </a:r>
-                          <a:endParaRPr lang="en-US" sz="1800" dirty="0"/>
-                        </a:p>
-                      </a:txBody>
-                      <a:tcPr anchor="ctr"/>
-                    </a:tc>
-                    <a:tc>
-                      <a:txBody>
-                        <a:bodyPr/>
-                        <a:lstStyle/>
-                        <a:p>
-                          <a:pPr algn="ctr"/>
-                          <a14:m>
-                            <m:oMathPara xmlns:m="http://schemas.openxmlformats.org/officeDocument/2006/math">
-                              <m:oMathParaPr>
-                                <m:jc m:val="centerGroup"/>
-                              </m:oMathParaPr>
-                              <m:oMath xmlns:m="http://schemas.openxmlformats.org/officeDocument/2006/math">
-                                <m:sSub>
-                                  <m:sSubPr>
-                                    <m:ctrlPr>
-                                      <a:rPr lang="fr-FR" sz="1800" b="0" i="1" smtClean="0">
-                                        <a:latin typeface="Cambria Math" panose="02040503050406030204" pitchFamily="18" charset="0"/>
-                                      </a:rPr>
-                                    </m:ctrlPr>
-                                  </m:sSubPr>
-                                  <m:e>
-                                    <m:r>
-                                      <a:rPr lang="fr-FR" sz="1800" b="0" i="1" smtClean="0">
-                                        <a:latin typeface="Cambria Math" panose="02040503050406030204" pitchFamily="18" charset="0"/>
-                                      </a:rPr>
-                                      <m:t>𝐶</m:t>
-                                    </m:r>
-                                  </m:e>
-                                  <m:sub>
-                                    <m:r>
-                                      <a:rPr lang="fr-FR" sz="1800" b="0" i="1" smtClean="0">
-                                        <a:latin typeface="Cambria Math" panose="02040503050406030204" pitchFamily="18" charset="0"/>
-                                      </a:rPr>
-                                      <m:t>𝑏</m:t>
-                                    </m:r>
-                                  </m:sub>
-                                </m:sSub>
-                              </m:oMath>
-                            </m:oMathPara>
-                          </a14:m>
-                          <a:endParaRPr lang="en-US" sz="1800" dirty="0"/>
-                        </a:p>
-                      </a:txBody>
-                      <a:tcPr anchor="ctr"/>
-                    </a:tc>
-                    <a:tc>
-                      <a:txBody>
-                        <a:bodyPr/>
-                        <a:lstStyle/>
-                        <a:p>
-                          <a:pPr algn="ctr"/>
-                          <a:r>
-                            <a:rPr lang="fr-FR" sz="1800" dirty="0" smtClean="0"/>
-                            <a:t>68 µm</a:t>
-                          </a:r>
-                          <a:endParaRPr lang="en-US" sz="1800" dirty="0"/>
-                        </a:p>
-                      </a:txBody>
-                      <a:tcPr anchor="ctr"/>
-                    </a:tc>
-                    <a:extLst>
-                      <a:ext uri="{0D108BD9-81ED-4DB2-BD59-A6C34878D82A}">
-                        <a16:rowId xmlns="" xmlns:a16="http://schemas.microsoft.com/office/drawing/2014/main" val="239401366"/>
-                      </a:ext>
-                    </a:extLst>
-                  </a:tr>
-                  <a:tr h="426840">
-                    <a:tc>
-                      <a:txBody>
-                        <a:bodyPr/>
-                        <a:lstStyle/>
-                        <a:p>
-                          <a:pPr algn="ctr"/>
-                          <a:r>
-                            <a:rPr lang="fr-FR" sz="1800" dirty="0" smtClean="0"/>
-                            <a:t>Coefficient de </a:t>
-                          </a:r>
-                          <a:r>
-                            <a:rPr lang="fr-FR" sz="1800" dirty="0" err="1" smtClean="0"/>
-                            <a:t>précharge</a:t>
-                          </a:r>
-                          <a:r>
-                            <a:rPr lang="fr-FR" sz="1800" dirty="0" smtClean="0"/>
-                            <a:t> géométrique</a:t>
-                          </a:r>
-                          <a:endParaRPr lang="en-US" sz="1800" dirty="0"/>
-                        </a:p>
-                      </a:txBody>
-                      <a:tcPr anchor="ctr"/>
-                    </a:tc>
-                    <a:tc>
-                      <a:txBody>
-                        <a:bodyPr/>
-                        <a:lstStyle/>
-                        <a:p>
-                          <a:pPr algn="ctr"/>
-                          <a14:m>
-                            <m:oMathPara xmlns:m="http://schemas.openxmlformats.org/officeDocument/2006/math">
-                              <m:oMathParaPr>
-                                <m:jc m:val="centerGroup"/>
-                              </m:oMathParaPr>
-                              <m:oMath xmlns:m="http://schemas.openxmlformats.org/officeDocument/2006/math">
-                                <m:r>
-                                  <a:rPr lang="fr-FR" sz="1800" b="0" i="1" smtClean="0">
-                                    <a:latin typeface="Cambria Math" panose="02040503050406030204" pitchFamily="18" charset="0"/>
-                                  </a:rPr>
-                                  <m:t>𝑚</m:t>
-                                </m:r>
-                              </m:oMath>
-                            </m:oMathPara>
-                          </a14:m>
-                          <a:endParaRPr lang="en-US" sz="1800" dirty="0"/>
-                        </a:p>
-                      </a:txBody>
-                      <a:tcPr anchor="ctr"/>
-                    </a:tc>
-                    <a:tc>
-                      <a:txBody>
-                        <a:bodyPr/>
-                        <a:lstStyle/>
-                        <a:p>
-                          <a:pPr algn="ctr"/>
-                          <a:r>
-                            <a:rPr lang="fr-FR" sz="1800" dirty="0" smtClean="0"/>
-                            <a:t>0.524</a:t>
-                          </a:r>
-                          <a:endParaRPr lang="en-US" sz="1800" dirty="0"/>
-                        </a:p>
-                      </a:txBody>
-                      <a:tcPr anchor="ctr"/>
-                    </a:tc>
-                    <a:extLst>
-                      <a:ext uri="{0D108BD9-81ED-4DB2-BD59-A6C34878D82A}">
-                        <a16:rowId xmlns="" xmlns:a16="http://schemas.microsoft.com/office/drawing/2014/main" val="3205225442"/>
-                      </a:ext>
-                    </a:extLst>
-                  </a:tr>
-                  <a:tr h="318126">
-                    <a:tc>
-                      <a:txBody>
-                        <a:bodyPr/>
-                        <a:lstStyle/>
-                        <a:p>
-                          <a:pPr marL="0" algn="ctr" defTabSz="914400" rtl="0" eaLnBrk="1" latinLnBrk="0" hangingPunct="1"/>
-                          <a:r>
-                            <a:rPr lang="fr-FR" sz="1800" b="1" kern="1200" dirty="0" smtClean="0">
-                              <a:solidFill>
-                                <a:schemeClr val="lt1"/>
-                              </a:solidFill>
-                              <a:latin typeface="+mn-lt"/>
-                              <a:ea typeface="+mn-ea"/>
-                              <a:cs typeface="+mn-cs"/>
-                            </a:rPr>
-                            <a:t>Lubrifiant</a:t>
-                          </a:r>
-                          <a:endParaRPr lang="en-US" sz="1800" b="1" kern="1200" dirty="0">
-                            <a:solidFill>
-                              <a:schemeClr val="lt1"/>
-                            </a:solidFill>
-                            <a:latin typeface="+mn-lt"/>
-                            <a:ea typeface="+mn-ea"/>
-                            <a:cs typeface="+mn-cs"/>
-                          </a:endParaRPr>
-                        </a:p>
-                      </a:txBody>
-                      <a:tcPr anchor="ctr">
-                        <a:solidFill>
-                          <a:srgbClr val="A5A5A5"/>
-                        </a:solidFill>
-                      </a:tcPr>
-                    </a:tc>
-                    <a:tc>
-                      <a:txBody>
-                        <a:bodyPr/>
-                        <a:lstStyle/>
-                        <a:p>
-                          <a:pPr marL="0" algn="ctr" defTabSz="914400" rtl="0" eaLnBrk="1" latinLnBrk="0" hangingPunct="1"/>
-                          <a:endParaRPr lang="en-US" sz="1800" b="1" kern="1200" dirty="0">
-                            <a:solidFill>
-                              <a:schemeClr val="lt1"/>
-                            </a:solidFill>
-                            <a:latin typeface="+mn-lt"/>
-                            <a:ea typeface="+mn-ea"/>
-                            <a:cs typeface="+mn-cs"/>
-                          </a:endParaRPr>
-                        </a:p>
-                      </a:txBody>
-                      <a:tcPr anchor="ctr">
-                        <a:solidFill>
-                          <a:srgbClr val="A5A5A5"/>
-                        </a:solidFill>
-                      </a:tcPr>
-                    </a:tc>
-                    <a:tc>
-                      <a:txBody>
-                        <a:bodyPr/>
-                        <a:lstStyle/>
-                        <a:p>
-                          <a:pPr marL="0" algn="ctr" defTabSz="914400" rtl="0" eaLnBrk="1" latinLnBrk="0" hangingPunct="1"/>
-                          <a:r>
-                            <a:rPr lang="fr-FR" sz="1800" b="1" kern="1200" dirty="0" smtClean="0">
-                              <a:solidFill>
-                                <a:schemeClr val="lt1"/>
-                              </a:solidFill>
-                              <a:latin typeface="+mn-lt"/>
-                              <a:ea typeface="+mn-ea"/>
-                              <a:cs typeface="+mn-cs"/>
-                            </a:rPr>
-                            <a:t>ISO VG 46</a:t>
-                          </a:r>
-                          <a:endParaRPr lang="en-US" sz="1800" b="1" kern="1200" dirty="0">
-                            <a:solidFill>
-                              <a:schemeClr val="lt1"/>
-                            </a:solidFill>
-                            <a:latin typeface="+mn-lt"/>
-                            <a:ea typeface="+mn-ea"/>
-                            <a:cs typeface="+mn-cs"/>
-                          </a:endParaRPr>
-                        </a:p>
-                      </a:txBody>
-                      <a:tcPr anchor="ctr">
-                        <a:solidFill>
-                          <a:srgbClr val="A5A5A5"/>
-                        </a:solidFill>
-                      </a:tcPr>
-                    </a:tc>
-                    <a:extLst>
-                      <a:ext uri="{0D108BD9-81ED-4DB2-BD59-A6C34878D82A}">
-                        <a16:rowId xmlns="" xmlns:a16="http://schemas.microsoft.com/office/drawing/2014/main" val="2472454817"/>
-                      </a:ext>
-                    </a:extLst>
-                  </a:tr>
-                  <a:tr h="426840">
-                    <a:tc>
-                      <a:txBody>
-                        <a:bodyPr/>
-                        <a:lstStyle/>
-                        <a:p>
-                          <a:pPr algn="ctr"/>
-                          <a:r>
-                            <a:rPr lang="fr-FR" sz="1800" dirty="0" smtClean="0"/>
-                            <a:t>Température</a:t>
-                          </a:r>
-                          <a:r>
-                            <a:rPr lang="fr-FR" sz="1800" baseline="0" dirty="0" smtClean="0"/>
-                            <a:t> d’alimentation du lubrifiant</a:t>
-                          </a:r>
-                          <a:endParaRPr lang="en-US" sz="1800" dirty="0"/>
-                        </a:p>
-                      </a:txBody>
-                      <a:tcPr anchor="ctr"/>
-                    </a:tc>
-                    <a:tc>
-                      <a:txBody>
-                        <a:bodyPr/>
-                        <a:lstStyle/>
-                        <a:p>
-                          <a:pPr algn="ctr"/>
-                          <a14:m>
-                            <m:oMathPara xmlns:m="http://schemas.openxmlformats.org/officeDocument/2006/math">
-                              <m:oMathParaPr>
-                                <m:jc m:val="centerGroup"/>
-                              </m:oMathParaPr>
-                              <m:oMath xmlns:m="http://schemas.openxmlformats.org/officeDocument/2006/math">
-                                <m:sSub>
-                                  <m:sSubPr>
-                                    <m:ctrlPr>
-                                      <a:rPr lang="fr-FR" sz="1800" b="0" i="1" smtClean="0">
-                                        <a:latin typeface="Cambria Math" panose="02040503050406030204" pitchFamily="18" charset="0"/>
-                                      </a:rPr>
-                                    </m:ctrlPr>
-                                  </m:sSubPr>
-                                  <m:e>
-                                    <m:r>
-                                      <a:rPr lang="fr-FR" sz="1800" b="0" i="1" smtClean="0">
-                                        <a:latin typeface="Cambria Math" panose="02040503050406030204" pitchFamily="18" charset="0"/>
-                                      </a:rPr>
-                                      <m:t>𝑇</m:t>
-                                    </m:r>
-                                  </m:e>
-                                  <m:sub>
-                                    <m:r>
-                                      <a:rPr lang="fr-FR" sz="1800" b="0" i="1" smtClean="0">
-                                        <a:latin typeface="Cambria Math" panose="02040503050406030204" pitchFamily="18" charset="0"/>
-                                      </a:rPr>
-                                      <m:t>𝑎𝑙𝑖𝑚</m:t>
-                                    </m:r>
-                                  </m:sub>
-                                </m:sSub>
-                              </m:oMath>
-                            </m:oMathPara>
-                          </a14:m>
-                          <a:endParaRPr lang="en-US" sz="1800" dirty="0"/>
-                        </a:p>
-                      </a:txBody>
-                      <a:tcPr anchor="ctr"/>
-                    </a:tc>
-                    <a:tc>
-                      <a:txBody>
-                        <a:bodyPr/>
-                        <a:lstStyle/>
-                        <a:p>
-                          <a:pPr algn="ctr"/>
-                          <a:r>
-                            <a:rPr lang="fr-FR" sz="1800" dirty="0" smtClean="0"/>
-                            <a:t>43°C</a:t>
-                          </a:r>
-                          <a:endParaRPr lang="en-US" sz="1800" dirty="0"/>
-                        </a:p>
-                      </a:txBody>
-                      <a:tcPr anchor="ctr"/>
-                    </a:tc>
-                    <a:extLst>
-                      <a:ext uri="{0D108BD9-81ED-4DB2-BD59-A6C34878D82A}">
-                        <a16:rowId xmlns="" xmlns:a16="http://schemas.microsoft.com/office/drawing/2014/main" val="4131336601"/>
-                      </a:ext>
-                    </a:extLst>
-                  </a:tr>
-                  <a:tr h="318126">
-                    <a:tc>
-                      <a:txBody>
-                        <a:bodyPr/>
-                        <a:lstStyle/>
-                        <a:p>
-                          <a:pPr algn="ctr"/>
-                          <a:r>
-                            <a:rPr lang="fr-FR" sz="1800" dirty="0" smtClean="0"/>
-                            <a:t>Pression d’alimentation du </a:t>
-                          </a:r>
-                          <a:r>
-                            <a:rPr lang="fr-FR" sz="1800" dirty="0" err="1" smtClean="0"/>
-                            <a:t>lubrificant</a:t>
-                          </a:r>
-                          <a:endParaRPr lang="en-US" sz="1800" dirty="0"/>
-                        </a:p>
-                      </a:txBody>
-                      <a:tcPr anchor="ctr"/>
-                    </a:tc>
-                    <a:tc>
-                      <a:txBody>
-                        <a:bodyPr/>
-                        <a:lstStyle/>
-                        <a:p>
-                          <a:pPr algn="ctr"/>
-                          <a14:m>
-                            <m:oMathPara xmlns:m="http://schemas.openxmlformats.org/officeDocument/2006/math">
-                              <m:oMathParaPr>
-                                <m:jc m:val="centerGroup"/>
-                              </m:oMathParaPr>
-                              <m:oMath xmlns:m="http://schemas.openxmlformats.org/officeDocument/2006/math">
-                                <m:sSub>
-                                  <m:sSubPr>
-                                    <m:ctrlPr>
-                                      <a:rPr lang="fr-FR" sz="1800" b="0" i="1" smtClean="0">
-                                        <a:latin typeface="Cambria Math" panose="02040503050406030204" pitchFamily="18" charset="0"/>
-                                      </a:rPr>
-                                    </m:ctrlPr>
-                                  </m:sSubPr>
-                                  <m:e>
-                                    <m:r>
-                                      <a:rPr lang="fr-FR" sz="1800" b="0" i="1" smtClean="0">
-                                        <a:latin typeface="Cambria Math" panose="02040503050406030204" pitchFamily="18" charset="0"/>
-                                      </a:rPr>
-                                      <m:t>𝑃</m:t>
-                                    </m:r>
-                                  </m:e>
-                                  <m:sub>
-                                    <m:r>
-                                      <a:rPr lang="fr-FR" sz="1800" b="0" i="1" smtClean="0">
-                                        <a:latin typeface="Cambria Math" panose="02040503050406030204" pitchFamily="18" charset="0"/>
-                                      </a:rPr>
-                                      <m:t>𝑎𝑙𝑖𝑚</m:t>
-                                    </m:r>
-                                  </m:sub>
-                                </m:sSub>
-                              </m:oMath>
-                            </m:oMathPara>
-                          </a14:m>
-                          <a:endParaRPr lang="en-US" sz="1800" dirty="0"/>
-                        </a:p>
-                      </a:txBody>
-                      <a:tcPr anchor="ctr"/>
-                    </a:tc>
-                    <a:tc>
-                      <a:txBody>
-                        <a:bodyPr/>
-                        <a:lstStyle/>
-                        <a:p>
-                          <a:pPr algn="ctr"/>
-                          <a:r>
-                            <a:rPr lang="fr-FR" sz="1800" dirty="0" smtClean="0"/>
-                            <a:t>0.17 </a:t>
-                          </a:r>
-                          <a:r>
-                            <a:rPr lang="fr-FR" sz="1800" dirty="0" err="1" smtClean="0"/>
-                            <a:t>MPa</a:t>
-                          </a:r>
-                          <a:endParaRPr lang="en-US" sz="1800" dirty="0"/>
-                        </a:p>
-                      </a:txBody>
-                      <a:tcPr anchor="ctr"/>
-                    </a:tc>
-                    <a:extLst>
-                      <a:ext uri="{0D108BD9-81ED-4DB2-BD59-A6C34878D82A}">
-                        <a16:rowId xmlns="" xmlns:a16="http://schemas.microsoft.com/office/drawing/2014/main" val="1566769430"/>
-                      </a:ext>
-                    </a:extLst>
-                  </a:tr>
-                  <a:tr h="318126">
-                    <a:tc>
-                      <a:txBody>
-                        <a:bodyPr/>
-                        <a:lstStyle/>
-                        <a:p>
-                          <a:pPr algn="ctr"/>
-                          <a:r>
-                            <a:rPr lang="fr-FR" sz="1800" dirty="0" smtClean="0"/>
-                            <a:t>Masse volumique du lubrifiant</a:t>
-                          </a:r>
-                          <a:endParaRPr lang="en-US" sz="1800" dirty="0"/>
-                        </a:p>
-                      </a:txBody>
-                      <a:tcPr anchor="ctr"/>
-                    </a:tc>
-                    <a:tc>
-                      <a:txBody>
-                        <a:bodyPr/>
-                        <a:lstStyle/>
-                        <a:p>
-                          <a:pPr algn="ctr"/>
-                          <a14:m>
-                            <m:oMathPara xmlns:m="http://schemas.openxmlformats.org/officeDocument/2006/math">
-                              <m:oMathParaPr>
-                                <m:jc m:val="centerGroup"/>
-                              </m:oMathParaPr>
-                              <m:oMath xmlns:m="http://schemas.openxmlformats.org/officeDocument/2006/math">
-                                <m:r>
-                                  <a:rPr lang="fr-FR" sz="1800" b="0" i="1" smtClean="0">
-                                    <a:latin typeface="Cambria Math" panose="02040503050406030204" pitchFamily="18" charset="0"/>
-                                  </a:rPr>
-                                  <m:t>𝜌</m:t>
-                                </m:r>
-                              </m:oMath>
-                            </m:oMathPara>
-                          </a14:m>
-                          <a:endParaRPr lang="en-US" sz="1800" dirty="0"/>
-                        </a:p>
-                      </a:txBody>
-                      <a:tcPr anchor="ctr"/>
-                    </a:tc>
-                    <a:tc>
-                      <a:txBody>
-                        <a:bodyPr/>
-                        <a:lstStyle/>
-                        <a:p>
-                          <a:pPr algn="ctr"/>
-                          <a:r>
-                            <a:rPr lang="fr-FR" sz="1800" dirty="0" smtClean="0"/>
-                            <a:t>850 </a:t>
-                          </a:r>
-                          <a14:m>
-                            <m:oMath xmlns:m="http://schemas.openxmlformats.org/officeDocument/2006/math">
-                              <m:r>
-                                <a:rPr lang="fr-FR" sz="1800" i="1" dirty="0" smtClean="0">
-                                  <a:latin typeface="Cambria Math" panose="02040503050406030204" pitchFamily="18" charset="0"/>
-                                </a:rPr>
-                                <m:t>𝑘𝑔</m:t>
-                              </m:r>
-                              <m:r>
-                                <a:rPr lang="fr-FR" sz="1800" i="1" dirty="0" smtClean="0">
-                                  <a:latin typeface="Cambria Math" panose="02040503050406030204" pitchFamily="18" charset="0"/>
-                                </a:rPr>
-                                <m:t>/</m:t>
-                              </m:r>
-                              <m:sSup>
-                                <m:sSupPr>
-                                  <m:ctrlPr>
-                                    <a:rPr lang="fr-FR" sz="1800" b="0" i="1" dirty="0" smtClean="0">
-                                      <a:latin typeface="Cambria Math" panose="02040503050406030204" pitchFamily="18" charset="0"/>
-                                    </a:rPr>
-                                  </m:ctrlPr>
-                                </m:sSupPr>
-                                <m:e>
-                                  <m:r>
-                                    <a:rPr lang="fr-FR" sz="1800" i="1" dirty="0" smtClean="0">
-                                      <a:latin typeface="Cambria Math" panose="02040503050406030204" pitchFamily="18" charset="0"/>
-                                    </a:rPr>
-                                    <m:t>𝑚</m:t>
-                                  </m:r>
-                                </m:e>
-                                <m:sup>
-                                  <m:r>
-                                    <a:rPr lang="fr-FR" sz="1800" b="0" i="1" dirty="0" smtClean="0">
-                                      <a:latin typeface="Cambria Math" panose="02040503050406030204" pitchFamily="18" charset="0"/>
-                                    </a:rPr>
-                                    <m:t>3</m:t>
-                                  </m:r>
-                                </m:sup>
-                              </m:sSup>
-                            </m:oMath>
-                          </a14:m>
-                          <a:endParaRPr lang="en-US" sz="1800" dirty="0"/>
-                        </a:p>
-                      </a:txBody>
-                      <a:tcPr anchor="ctr"/>
-                    </a:tc>
-                    <a:extLst>
-                      <a:ext uri="{0D108BD9-81ED-4DB2-BD59-A6C34878D82A}">
-                        <a16:rowId xmlns="" xmlns:a16="http://schemas.microsoft.com/office/drawing/2014/main" val="3641553268"/>
-                      </a:ext>
-                    </a:extLst>
-                  </a:tr>
-                  <a:tr h="426840">
-                    <a:tc>
-                      <a:txBody>
-                        <a:bodyPr/>
-                        <a:lstStyle/>
-                        <a:p>
-                          <a:pPr algn="ctr"/>
-                          <a:r>
-                            <a:rPr lang="fr-FR" sz="1800" dirty="0" smtClean="0"/>
-                            <a:t>Viscosité dynamique du lubrifiant à 40°C</a:t>
-                          </a:r>
-                          <a:endParaRPr lang="en-US" sz="1800" dirty="0"/>
-                        </a:p>
-                      </a:txBody>
-                      <a:tcPr anchor="ctr"/>
-                    </a:tc>
-                    <a:tc>
-                      <a:txBody>
-                        <a:bodyPr/>
-                        <a:lstStyle/>
-                        <a:p>
-                          <a:pPr algn="ctr"/>
-                          <a14:m>
-                            <m:oMathPara xmlns:m="http://schemas.openxmlformats.org/officeDocument/2006/math">
-                              <m:oMathParaPr>
-                                <m:jc m:val="centerGroup"/>
-                              </m:oMathParaPr>
-                              <m:oMath xmlns:m="http://schemas.openxmlformats.org/officeDocument/2006/math">
-                                <m:sSub>
-                                  <m:sSubPr>
-                                    <m:ctrlPr>
-                                      <a:rPr lang="fr-FR" sz="1800" b="0" i="1" smtClean="0">
-                                        <a:latin typeface="Cambria Math" panose="02040503050406030204" pitchFamily="18" charset="0"/>
-                                      </a:rPr>
-                                    </m:ctrlPr>
-                                  </m:sSubPr>
-                                  <m:e>
-                                    <m:r>
-                                      <a:rPr lang="fr-FR" sz="1800" b="0" i="1" smtClean="0">
-                                        <a:latin typeface="Cambria Math" panose="02040503050406030204" pitchFamily="18" charset="0"/>
-                                      </a:rPr>
-                                      <m:t>𝜇</m:t>
-                                    </m:r>
-                                  </m:e>
-                                  <m:sub>
-                                    <m:r>
-                                      <a:rPr lang="fr-FR" sz="1800" b="0" i="1" smtClean="0">
-                                        <a:latin typeface="Cambria Math" panose="02040503050406030204" pitchFamily="18" charset="0"/>
-                                      </a:rPr>
-                                      <m:t>40°</m:t>
-                                    </m:r>
-                                    <m:r>
-                                      <a:rPr lang="fr-FR" sz="1800" b="0" i="1" smtClean="0">
-                                        <a:latin typeface="Cambria Math" panose="02040503050406030204" pitchFamily="18" charset="0"/>
-                                      </a:rPr>
-                                      <m:t>𝐶</m:t>
-                                    </m:r>
-                                  </m:sub>
-                                </m:sSub>
-                              </m:oMath>
-                            </m:oMathPara>
-                          </a14:m>
-                          <a:endParaRPr lang="en-US" sz="1800" dirty="0"/>
-                        </a:p>
-                      </a:txBody>
-                      <a:tcPr anchor="ctr"/>
-                    </a:tc>
-                    <a:tc>
-                      <a:txBody>
-                        <a:bodyPr/>
-                        <a:lstStyle/>
-                        <a:p>
-                          <a:pPr algn="ctr"/>
-                          <a:r>
-                            <a:rPr lang="fr-FR" sz="1800" dirty="0" smtClean="0"/>
-                            <a:t>0.0416 </a:t>
-                          </a:r>
-                          <a:r>
-                            <a:rPr lang="fr-FR" sz="1800" dirty="0" err="1" smtClean="0"/>
-                            <a:t>Pa.s</a:t>
-                          </a:r>
-                          <a:endParaRPr lang="en-US" sz="1800" dirty="0"/>
-                        </a:p>
-                      </a:txBody>
-                      <a:tcPr anchor="ctr"/>
-                    </a:tc>
-                    <a:extLst>
-                      <a:ext uri="{0D108BD9-81ED-4DB2-BD59-A6C34878D82A}">
-                        <a16:rowId xmlns="" xmlns:a16="http://schemas.microsoft.com/office/drawing/2014/main" val="802662070"/>
-                      </a:ext>
-                    </a:extLst>
-                  </a:tr>
-                  <a:tr h="426840">
-                    <a:tc>
-                      <a:txBody>
-                        <a:bodyPr/>
-                        <a:lstStyle/>
-                        <a:p>
-                          <a:pPr algn="ctr"/>
-                          <a:r>
-                            <a:rPr lang="fr-FR" sz="1800" dirty="0" smtClean="0"/>
-                            <a:t>Viscosité dynamique du lubrifiant à 60°C</a:t>
-                          </a:r>
-                          <a:endParaRPr lang="en-US" sz="1800" dirty="0"/>
-                        </a:p>
-                      </a:txBody>
-                      <a:tcPr anchor="ctr"/>
-                    </a:tc>
-                    <a:tc>
-                      <a:txBody>
-                        <a:bodyPr/>
-                        <a:lstStyle/>
-                        <a:p>
-                          <a:pPr algn="ctr"/>
-                          <a14:m>
-                            <m:oMathPara xmlns:m="http://schemas.openxmlformats.org/officeDocument/2006/math">
-                              <m:oMathParaPr>
-                                <m:jc m:val="centerGroup"/>
-                              </m:oMathParaPr>
-                              <m:oMath xmlns:m="http://schemas.openxmlformats.org/officeDocument/2006/math">
-                                <m:sSub>
-                                  <m:sSubPr>
-                                    <m:ctrlPr>
-                                      <a:rPr lang="fr-FR" sz="1800" b="0" i="1" smtClean="0">
-                                        <a:latin typeface="Cambria Math" panose="02040503050406030204" pitchFamily="18" charset="0"/>
-                                      </a:rPr>
-                                    </m:ctrlPr>
-                                  </m:sSubPr>
-                                  <m:e>
-                                    <m:r>
-                                      <a:rPr lang="fr-FR" sz="1800" b="0" i="1" smtClean="0">
-                                        <a:latin typeface="Cambria Math" panose="02040503050406030204" pitchFamily="18" charset="0"/>
-                                      </a:rPr>
-                                      <m:t>µ</m:t>
-                                    </m:r>
-                                  </m:e>
-                                  <m:sub>
-                                    <m:r>
-                                      <a:rPr lang="fr-FR" sz="1800" b="0" i="1" smtClean="0">
-                                        <a:latin typeface="Cambria Math" panose="02040503050406030204" pitchFamily="18" charset="0"/>
-                                      </a:rPr>
-                                      <m:t>60°</m:t>
-                                    </m:r>
-                                    <m:r>
-                                      <a:rPr lang="fr-FR" sz="1800" b="0" i="1" smtClean="0">
-                                        <a:latin typeface="Cambria Math" panose="02040503050406030204" pitchFamily="18" charset="0"/>
-                                      </a:rPr>
-                                      <m:t>𝐶</m:t>
-                                    </m:r>
-                                  </m:sub>
-                                </m:sSub>
-                              </m:oMath>
-                            </m:oMathPara>
-                          </a14:m>
-                          <a:endParaRPr lang="en-US" sz="1800" dirty="0"/>
-                        </a:p>
-                      </a:txBody>
-                      <a:tcPr anchor="ctr"/>
-                    </a:tc>
-                    <a:tc>
-                      <a:txBody>
-                        <a:bodyPr/>
-                        <a:lstStyle/>
-                        <a:p>
-                          <a:pPr algn="ctr"/>
-                          <a:r>
-                            <a:rPr lang="fr-FR" sz="1800" dirty="0" smtClean="0"/>
-                            <a:t>0.0191 </a:t>
-                          </a:r>
-                          <a:r>
-                            <a:rPr lang="fr-FR" sz="1800" dirty="0" err="1" smtClean="0"/>
-                            <a:t>Pa.s</a:t>
-                          </a:r>
-                          <a:endParaRPr lang="en-US" sz="1800" dirty="0"/>
-                        </a:p>
-                      </a:txBody>
-                      <a:tcPr anchor="ctr"/>
-                    </a:tc>
-                    <a:extLst>
-                      <a:ext uri="{0D108BD9-81ED-4DB2-BD59-A6C34878D82A}">
-                        <a16:rowId xmlns="" xmlns:a16="http://schemas.microsoft.com/office/drawing/2014/main" val="3754366970"/>
-                      </a:ext>
-                    </a:extLst>
-                  </a:tr>
-                </a:tbl>
-              </a:graphicData>
-            </a:graphic>
-          </p:graphicFrame>
-        </mc:Choice>
-        <mc:Fallback xmlns="">
-          <p:graphicFrame>
-            <p:nvGraphicFramePr>
-              <p:cNvPr id="4" name="Tableau 3"/>
-              <p:cNvGraphicFramePr>
-                <a:graphicFrameLocks noGrp="1"/>
-              </p:cNvGraphicFramePr>
-              <p:nvPr>
-                <p:extLst>
-                  <p:ext uri="{D42A27DB-BD31-4B8C-83A1-F6EECF244321}">
-                    <p14:modId xmlns:p14="http://schemas.microsoft.com/office/powerpoint/2010/main" val="3236519621"/>
-                  </p:ext>
-                </p:extLst>
-              </p:nvPr>
-            </p:nvGraphicFramePr>
-            <p:xfrm>
-              <a:off x="1904999" y="325493"/>
-              <a:ext cx="9255623" cy="6304676"/>
-            </p:xfrm>
-            <a:graphic>
-              <a:graphicData uri="http://schemas.openxmlformats.org/drawingml/2006/table">
-                <a:tbl>
-                  <a:tblPr firstRow="1" bandRow="1">
-                    <a:tableStyleId>{F5AB1C69-6EDB-4FF4-983F-18BD219EF322}</a:tableStyleId>
-                  </a:tblPr>
-                  <a:tblGrid>
-                    <a:gridCol w="4805518">
-                      <a:extLst>
-                        <a:ext uri="{9D8B030D-6E8A-4147-A177-3AD203B41FA5}">
-                          <a16:colId xmlns:a16="http://schemas.microsoft.com/office/drawing/2014/main" val="3081511506"/>
-                        </a:ext>
-                      </a:extLst>
-                    </a:gridCol>
-                    <a:gridCol w="1765060">
-                      <a:extLst>
-                        <a:ext uri="{9D8B030D-6E8A-4147-A177-3AD203B41FA5}">
-                          <a16:colId xmlns:a16="http://schemas.microsoft.com/office/drawing/2014/main" val="1214192377"/>
-                        </a:ext>
-                      </a:extLst>
-                    </a:gridCol>
-                    <a:gridCol w="2685045">
-                      <a:extLst>
-                        <a:ext uri="{9D8B030D-6E8A-4147-A177-3AD203B41FA5}">
-                          <a16:colId xmlns:a16="http://schemas.microsoft.com/office/drawing/2014/main" val="3830110329"/>
-                        </a:ext>
-                      </a:extLst>
-                    </a:gridCol>
-                  </a:tblGrid>
-                  <a:tr h="365760">
-                    <a:tc>
-                      <a:txBody>
-                        <a:bodyPr/>
-                        <a:lstStyle/>
-                        <a:p>
-                          <a:pPr algn="ctr"/>
-                          <a:r>
-                            <a:rPr lang="fr-FR" sz="1800" dirty="0" smtClean="0"/>
-                            <a:t>Coussinet</a:t>
-                          </a:r>
-                          <a:endParaRPr lang="en-US" sz="1800" dirty="0"/>
-                        </a:p>
-                      </a:txBody>
-                      <a:tcPr anchor="ctr"/>
-                    </a:tc>
-                    <a:tc>
-                      <a:txBody>
-                        <a:bodyPr/>
-                        <a:lstStyle/>
-                        <a:p>
-                          <a:pPr algn="ctr"/>
-                          <a:r>
-                            <a:rPr lang="fr-FR" sz="1800" dirty="0" smtClean="0"/>
-                            <a:t>-</a:t>
-                          </a:r>
-                          <a:endParaRPr lang="en-US" sz="1800" dirty="0"/>
-                        </a:p>
-                      </a:txBody>
-                      <a:tcPr anchor="ctr"/>
-                    </a:tc>
-                    <a:tc>
-                      <a:txBody>
-                        <a:bodyPr/>
-                        <a:lstStyle/>
-                        <a:p>
-                          <a:pPr algn="ctr"/>
-                          <a:r>
-                            <a:rPr lang="fr-FR" sz="1800" dirty="0" smtClean="0"/>
-                            <a:t>Acier régulé</a:t>
-                          </a:r>
-                          <a:endParaRPr lang="en-US" sz="1800" dirty="0"/>
-                        </a:p>
-                      </a:txBody>
-                      <a:tcPr anchor="ctr"/>
-                    </a:tc>
-                    <a:extLst>
-                      <a:ext uri="{0D108BD9-81ED-4DB2-BD59-A6C34878D82A}">
-                        <a16:rowId xmlns:a16="http://schemas.microsoft.com/office/drawing/2014/main" val="3865599143"/>
-                      </a:ext>
-                    </a:extLst>
-                  </a:tr>
-                  <a:tr h="365760">
-                    <a:tc>
-                      <a:txBody>
-                        <a:bodyPr/>
-                        <a:lstStyle/>
-                        <a:p>
-                          <a:pPr algn="ctr"/>
-                          <a:r>
-                            <a:rPr lang="fr-FR" sz="1800" dirty="0" smtClean="0"/>
-                            <a:t>Diamètre  du cercle inscrit</a:t>
-                          </a:r>
-                          <a:endParaRPr lang="en-US" sz="1800" dirty="0"/>
-                        </a:p>
-                      </a:txBody>
-                      <a:tcPr anchor="ctr"/>
-                    </a:tc>
-                    <a:tc>
-                      <a:txBody>
-                        <a:bodyPr/>
-                        <a:lstStyle/>
-                        <a:p>
-                          <a:endParaRPr lang="en-US"/>
-                        </a:p>
-                      </a:txBody>
-                      <a:tcPr anchor="ctr">
-                        <a:blipFill>
-                          <a:blip r:embed="rId2"/>
-                          <a:stretch>
-                            <a:fillRect l="-273356" t="-108333" r="-153979" b="-1543333"/>
-                          </a:stretch>
-                        </a:blipFill>
-                      </a:tcPr>
-                    </a:tc>
-                    <a:tc>
-                      <a:txBody>
-                        <a:bodyPr/>
-                        <a:lstStyle/>
-                        <a:p>
-                          <a:pPr algn="ctr"/>
-                          <a:r>
-                            <a:rPr lang="fr-FR" sz="1800" dirty="0" smtClean="0"/>
-                            <a:t>99.908 mm</a:t>
-                          </a:r>
-                          <a:endParaRPr lang="en-US" sz="1800" dirty="0"/>
-                        </a:p>
-                      </a:txBody>
-                      <a:tcPr anchor="ctr"/>
-                    </a:tc>
-                    <a:extLst>
-                      <a:ext uri="{0D108BD9-81ED-4DB2-BD59-A6C34878D82A}">
-                        <a16:rowId xmlns:a16="http://schemas.microsoft.com/office/drawing/2014/main" val="239526169"/>
-                      </a:ext>
-                    </a:extLst>
-                  </a:tr>
-                  <a:tr h="365760">
-                    <a:tc>
-                      <a:txBody>
-                        <a:bodyPr/>
-                        <a:lstStyle/>
-                        <a:p>
-                          <a:pPr algn="ctr"/>
-                          <a:r>
-                            <a:rPr lang="fr-FR" sz="1800" dirty="0" smtClean="0"/>
-                            <a:t>Diamètre d’usinage du coussinet</a:t>
-                          </a:r>
-                          <a:endParaRPr lang="en-US" sz="1800" dirty="0"/>
-                        </a:p>
-                      </a:txBody>
-                      <a:tcPr anchor="ctr"/>
-                    </a:tc>
-                    <a:tc>
-                      <a:txBody>
-                        <a:bodyPr/>
-                        <a:lstStyle/>
-                        <a:p>
-                          <a:endParaRPr lang="en-US"/>
-                        </a:p>
-                      </a:txBody>
-                      <a:tcPr anchor="ctr">
-                        <a:blipFill>
-                          <a:blip r:embed="rId2"/>
-                          <a:stretch>
-                            <a:fillRect l="-273356" t="-208333" r="-153979" b="-1443333"/>
-                          </a:stretch>
-                        </a:blipFill>
-                      </a:tcPr>
-                    </a:tc>
-                    <a:tc>
-                      <a:txBody>
-                        <a:bodyPr/>
-                        <a:lstStyle/>
-                        <a:p>
-                          <a:pPr algn="ctr"/>
-                          <a:r>
-                            <a:rPr lang="fr-FR" sz="1800" dirty="0" smtClean="0"/>
-                            <a:t>100.058 mm</a:t>
-                          </a:r>
-                          <a:endParaRPr lang="en-US" sz="1800" dirty="0"/>
-                        </a:p>
-                      </a:txBody>
-                      <a:tcPr anchor="ctr"/>
-                    </a:tc>
-                    <a:extLst>
-                      <a:ext uri="{0D108BD9-81ED-4DB2-BD59-A6C34878D82A}">
-                        <a16:rowId xmlns:a16="http://schemas.microsoft.com/office/drawing/2014/main" val="635204047"/>
-                      </a:ext>
-                    </a:extLst>
-                  </a:tr>
-                  <a:tr h="365760">
-                    <a:tc>
-                      <a:txBody>
-                        <a:bodyPr/>
-                        <a:lstStyle/>
-                        <a:p>
-                          <a:pPr algn="ctr"/>
-                          <a:r>
-                            <a:rPr lang="fr-FR" sz="1800" dirty="0" smtClean="0"/>
-                            <a:t>Diamètre de l’arbre</a:t>
-                          </a:r>
-                          <a:endParaRPr lang="en-US" sz="1800" dirty="0"/>
-                        </a:p>
-                      </a:txBody>
-                      <a:tcPr anchor="ctr"/>
-                    </a:tc>
-                    <a:tc>
-                      <a:txBody>
-                        <a:bodyPr/>
-                        <a:lstStyle/>
-                        <a:p>
-                          <a:endParaRPr lang="en-US"/>
-                        </a:p>
-                      </a:txBody>
-                      <a:tcPr anchor="ctr">
-                        <a:blipFill>
-                          <a:blip r:embed="rId2"/>
-                          <a:stretch>
-                            <a:fillRect l="-273356" t="-308333" r="-153979" b="-1343333"/>
-                          </a:stretch>
-                        </a:blipFill>
-                      </a:tcPr>
-                    </a:tc>
-                    <a:tc>
-                      <a:txBody>
-                        <a:bodyPr/>
-                        <a:lstStyle/>
-                        <a:p>
-                          <a:pPr algn="ctr"/>
-                          <a:r>
-                            <a:rPr lang="fr-FR" sz="1800" dirty="0" smtClean="0"/>
-                            <a:t>99.772 mm</a:t>
-                          </a:r>
-                          <a:endParaRPr lang="en-US" sz="1800" dirty="0"/>
-                        </a:p>
-                      </a:txBody>
-                      <a:tcPr anchor="ctr"/>
-                    </a:tc>
-                    <a:extLst>
-                      <a:ext uri="{0D108BD9-81ED-4DB2-BD59-A6C34878D82A}">
-                        <a16:rowId xmlns:a16="http://schemas.microsoft.com/office/drawing/2014/main" val="803137917"/>
-                      </a:ext>
-                    </a:extLst>
-                  </a:tr>
-                  <a:tr h="365760">
-                    <a:tc>
-                      <a:txBody>
-                        <a:bodyPr/>
-                        <a:lstStyle/>
-                        <a:p>
-                          <a:pPr algn="ctr"/>
-                          <a:r>
-                            <a:rPr lang="fr-FR" sz="1800" dirty="0" smtClean="0"/>
-                            <a:t>Longueur</a:t>
-                          </a:r>
-                          <a:r>
-                            <a:rPr lang="fr-FR" sz="1800" baseline="0" dirty="0" smtClean="0"/>
-                            <a:t> de l’arbre</a:t>
-                          </a:r>
-                          <a:endParaRPr lang="en-US" sz="1800" dirty="0"/>
-                        </a:p>
-                      </a:txBody>
-                      <a:tcPr anchor="ctr"/>
-                    </a:tc>
-                    <a:tc>
-                      <a:txBody>
-                        <a:bodyPr/>
-                        <a:lstStyle/>
-                        <a:p>
-                          <a:endParaRPr lang="en-US"/>
-                        </a:p>
-                      </a:txBody>
-                      <a:tcPr anchor="ctr">
-                        <a:blipFill>
-                          <a:blip r:embed="rId2"/>
-                          <a:stretch>
-                            <a:fillRect l="-273356" t="-408333" r="-153979" b="-1243333"/>
-                          </a:stretch>
-                        </a:blipFill>
-                      </a:tcPr>
-                    </a:tc>
-                    <a:tc>
-                      <a:txBody>
-                        <a:bodyPr/>
-                        <a:lstStyle/>
-                        <a:p>
-                          <a:pPr algn="ctr"/>
-                          <a:r>
-                            <a:rPr lang="fr-FR" sz="1800" dirty="0" smtClean="0"/>
-                            <a:t>68.4 mm</a:t>
-                          </a:r>
-                          <a:endParaRPr lang="en-US" sz="1800" dirty="0"/>
-                        </a:p>
-                      </a:txBody>
-                      <a:tcPr anchor="ctr"/>
-                    </a:tc>
-                    <a:extLst>
-                      <a:ext uri="{0D108BD9-81ED-4DB2-BD59-A6C34878D82A}">
-                        <a16:rowId xmlns:a16="http://schemas.microsoft.com/office/drawing/2014/main" val="3808520189"/>
-                      </a:ext>
-                    </a:extLst>
-                  </a:tr>
-                  <a:tr h="390716">
-                    <a:tc>
-                      <a:txBody>
-                        <a:bodyPr/>
-                        <a:lstStyle/>
-                        <a:p>
-                          <a:pPr algn="ctr"/>
-                          <a:r>
-                            <a:rPr lang="fr-FR" sz="1800" dirty="0" smtClean="0"/>
-                            <a:t>Diamètre extérieur du coussinet</a:t>
-                          </a:r>
-                          <a:endParaRPr lang="en-US" sz="1800" dirty="0"/>
-                        </a:p>
-                      </a:txBody>
-                      <a:tcPr anchor="ctr"/>
-                    </a:tc>
-                    <a:tc>
-                      <a:txBody>
-                        <a:bodyPr/>
-                        <a:lstStyle/>
-                        <a:p>
-                          <a:endParaRPr lang="en-US"/>
-                        </a:p>
-                      </a:txBody>
-                      <a:tcPr anchor="ctr">
-                        <a:blipFill>
-                          <a:blip r:embed="rId2"/>
-                          <a:stretch>
-                            <a:fillRect l="-273356" t="-476563" r="-153979" b="-1065625"/>
-                          </a:stretch>
-                        </a:blipFill>
-                      </a:tcPr>
-                    </a:tc>
-                    <a:tc>
-                      <a:txBody>
-                        <a:bodyPr/>
-                        <a:lstStyle/>
-                        <a:p>
-                          <a:pPr algn="ctr"/>
-                          <a:r>
-                            <a:rPr lang="fr-FR" sz="1800" dirty="0" smtClean="0"/>
-                            <a:t>140 mm</a:t>
-                          </a:r>
-                          <a:endParaRPr lang="en-US" sz="1800" dirty="0"/>
-                        </a:p>
-                      </a:txBody>
-                      <a:tcPr anchor="ctr"/>
-                    </a:tc>
-                    <a:extLst>
-                      <a:ext uri="{0D108BD9-81ED-4DB2-BD59-A6C34878D82A}">
-                        <a16:rowId xmlns:a16="http://schemas.microsoft.com/office/drawing/2014/main" val="2470517530"/>
-                      </a:ext>
-                    </a:extLst>
-                  </a:tr>
-                  <a:tr h="426840">
-                    <a:tc>
-                      <a:txBody>
-                        <a:bodyPr/>
-                        <a:lstStyle/>
-                        <a:p>
-                          <a:pPr algn="ctr"/>
-                          <a:r>
-                            <a:rPr lang="fr-FR" sz="1800" dirty="0" smtClean="0"/>
-                            <a:t>Diamètre externe de la bague support</a:t>
-                          </a:r>
-                          <a:endParaRPr lang="en-US" sz="1800" dirty="0"/>
-                        </a:p>
-                      </a:txBody>
-                      <a:tcPr anchor="ctr"/>
-                    </a:tc>
-                    <a:tc>
-                      <a:txBody>
-                        <a:bodyPr/>
-                        <a:lstStyle/>
-                        <a:p>
-                          <a:endParaRPr lang="en-US"/>
-                        </a:p>
-                      </a:txBody>
-                      <a:tcPr anchor="ctr">
-                        <a:blipFill>
-                          <a:blip r:embed="rId2"/>
-                          <a:stretch>
-                            <a:fillRect l="-273356" t="-527143" r="-153979" b="-874286"/>
-                          </a:stretch>
-                        </a:blipFill>
-                      </a:tcPr>
-                    </a:tc>
-                    <a:tc>
-                      <a:txBody>
-                        <a:bodyPr/>
-                        <a:lstStyle/>
-                        <a:p>
-                          <a:pPr algn="ctr"/>
-                          <a:r>
-                            <a:rPr lang="fr-FR" sz="1800" dirty="0" smtClean="0"/>
-                            <a:t>200 mm</a:t>
-                          </a:r>
-                          <a:endParaRPr lang="en-US" sz="1800" dirty="0"/>
-                        </a:p>
-                      </a:txBody>
-                      <a:tcPr anchor="ctr"/>
-                    </a:tc>
-                    <a:extLst>
-                      <a:ext uri="{0D108BD9-81ED-4DB2-BD59-A6C34878D82A}">
-                        <a16:rowId xmlns:a16="http://schemas.microsoft.com/office/drawing/2014/main" val="1342816855"/>
-                      </a:ext>
-                    </a:extLst>
-                  </a:tr>
-                  <a:tr h="426840">
-                    <a:tc>
-                      <a:txBody>
-                        <a:bodyPr/>
-                        <a:lstStyle/>
-                        <a:p>
-                          <a:pPr algn="ctr"/>
-                          <a:r>
-                            <a:rPr lang="fr-FR" sz="1800" dirty="0" smtClean="0"/>
-                            <a:t>Jeu radial d’usinage (jeu radial horizontal)</a:t>
-                          </a:r>
-                          <a:endParaRPr lang="en-US" sz="1800" dirty="0"/>
-                        </a:p>
-                      </a:txBody>
-                      <a:tcPr anchor="ctr"/>
-                    </a:tc>
-                    <a:tc>
-                      <a:txBody>
-                        <a:bodyPr/>
-                        <a:lstStyle/>
-                        <a:p>
-                          <a:endParaRPr lang="en-US"/>
-                        </a:p>
-                      </a:txBody>
-                      <a:tcPr anchor="ctr">
-                        <a:blipFill>
-                          <a:blip r:embed="rId2"/>
-                          <a:stretch>
-                            <a:fillRect l="-273356" t="-618310" r="-153979" b="-761972"/>
-                          </a:stretch>
-                        </a:blipFill>
-                      </a:tcPr>
-                    </a:tc>
-                    <a:tc>
-                      <a:txBody>
-                        <a:bodyPr/>
-                        <a:lstStyle/>
-                        <a:p>
-                          <a:pPr algn="ctr"/>
-                          <a:r>
-                            <a:rPr lang="fr-FR" sz="1800" dirty="0" smtClean="0"/>
-                            <a:t>143µm</a:t>
-                          </a:r>
-                          <a:endParaRPr lang="en-US" sz="1800" dirty="0"/>
-                        </a:p>
-                      </a:txBody>
-                      <a:tcPr anchor="ctr"/>
-                    </a:tc>
-                    <a:extLst>
-                      <a:ext uri="{0D108BD9-81ED-4DB2-BD59-A6C34878D82A}">
-                        <a16:rowId xmlns:a16="http://schemas.microsoft.com/office/drawing/2014/main" val="3480795511"/>
-                      </a:ext>
-                    </a:extLst>
-                  </a:tr>
-                  <a:tr h="426840">
-                    <a:tc>
-                      <a:txBody>
-                        <a:bodyPr/>
-                        <a:lstStyle/>
-                        <a:p>
-                          <a:pPr algn="ctr"/>
-                          <a:r>
-                            <a:rPr lang="fr-FR" sz="1800" dirty="0" smtClean="0"/>
-                            <a:t>Jeu radial d’assemblage (jeu radial vertical)</a:t>
-                          </a:r>
-                          <a:endParaRPr lang="en-US" sz="1800" dirty="0"/>
-                        </a:p>
-                      </a:txBody>
-                      <a:tcPr anchor="ctr"/>
-                    </a:tc>
-                    <a:tc>
-                      <a:txBody>
-                        <a:bodyPr/>
-                        <a:lstStyle/>
-                        <a:p>
-                          <a:endParaRPr lang="en-US"/>
-                        </a:p>
-                      </a:txBody>
-                      <a:tcPr anchor="ctr">
-                        <a:blipFill>
-                          <a:blip r:embed="rId2"/>
-                          <a:stretch>
-                            <a:fillRect l="-273356" t="-728571" r="-153979" b="-672857"/>
-                          </a:stretch>
-                        </a:blipFill>
-                      </a:tcPr>
-                    </a:tc>
-                    <a:tc>
-                      <a:txBody>
-                        <a:bodyPr/>
-                        <a:lstStyle/>
-                        <a:p>
-                          <a:pPr algn="ctr"/>
-                          <a:r>
-                            <a:rPr lang="fr-FR" sz="1800" dirty="0" smtClean="0"/>
-                            <a:t>68 µm</a:t>
-                          </a:r>
-                          <a:endParaRPr lang="en-US" sz="1800" dirty="0"/>
-                        </a:p>
-                      </a:txBody>
-                      <a:tcPr anchor="ctr"/>
-                    </a:tc>
-                    <a:extLst>
-                      <a:ext uri="{0D108BD9-81ED-4DB2-BD59-A6C34878D82A}">
-                        <a16:rowId xmlns:a16="http://schemas.microsoft.com/office/drawing/2014/main" val="239401366"/>
-                      </a:ext>
-                    </a:extLst>
-                  </a:tr>
-                  <a:tr h="426840">
-                    <a:tc>
-                      <a:txBody>
-                        <a:bodyPr/>
-                        <a:lstStyle/>
-                        <a:p>
-                          <a:pPr algn="ctr"/>
-                          <a:r>
-                            <a:rPr lang="fr-FR" sz="1800" dirty="0" smtClean="0"/>
-                            <a:t>Coefficient de </a:t>
-                          </a:r>
-                          <a:r>
-                            <a:rPr lang="fr-FR" sz="1800" dirty="0" err="1" smtClean="0"/>
-                            <a:t>précharge</a:t>
-                          </a:r>
-                          <a:r>
-                            <a:rPr lang="fr-FR" sz="1800" dirty="0" smtClean="0"/>
-                            <a:t> géométrique</a:t>
-                          </a:r>
-                          <a:endParaRPr lang="en-US" sz="1800" dirty="0"/>
-                        </a:p>
-                      </a:txBody>
-                      <a:tcPr anchor="ctr"/>
-                    </a:tc>
-                    <a:tc>
-                      <a:txBody>
-                        <a:bodyPr/>
-                        <a:lstStyle/>
-                        <a:p>
-                          <a:endParaRPr lang="en-US"/>
-                        </a:p>
-                      </a:txBody>
-                      <a:tcPr anchor="ctr">
-                        <a:blipFill>
-                          <a:blip r:embed="rId2"/>
-                          <a:stretch>
-                            <a:fillRect l="-273356" t="-828571" r="-153979" b="-572857"/>
-                          </a:stretch>
-                        </a:blipFill>
-                      </a:tcPr>
-                    </a:tc>
-                    <a:tc>
-                      <a:txBody>
-                        <a:bodyPr/>
-                        <a:lstStyle/>
-                        <a:p>
-                          <a:pPr algn="ctr"/>
-                          <a:r>
-                            <a:rPr lang="fr-FR" sz="1800" dirty="0" smtClean="0"/>
-                            <a:t>0.524</a:t>
-                          </a:r>
-                          <a:endParaRPr lang="en-US" sz="1800" dirty="0"/>
-                        </a:p>
-                      </a:txBody>
-                      <a:tcPr anchor="ctr"/>
-                    </a:tc>
-                    <a:extLst>
-                      <a:ext uri="{0D108BD9-81ED-4DB2-BD59-A6C34878D82A}">
-                        <a16:rowId xmlns:a16="http://schemas.microsoft.com/office/drawing/2014/main" val="3205225442"/>
-                      </a:ext>
-                    </a:extLst>
-                  </a:tr>
-                  <a:tr h="365760">
-                    <a:tc>
-                      <a:txBody>
-                        <a:bodyPr/>
-                        <a:lstStyle/>
-                        <a:p>
-                          <a:pPr marL="0" algn="ctr" defTabSz="914400" rtl="0" eaLnBrk="1" latinLnBrk="0" hangingPunct="1"/>
-                          <a:r>
-                            <a:rPr lang="fr-FR" sz="1800" b="1" kern="1200" dirty="0" smtClean="0">
-                              <a:solidFill>
-                                <a:schemeClr val="lt1"/>
-                              </a:solidFill>
-                              <a:latin typeface="+mn-lt"/>
-                              <a:ea typeface="+mn-ea"/>
-                              <a:cs typeface="+mn-cs"/>
-                            </a:rPr>
-                            <a:t>Lubrifiant</a:t>
-                          </a:r>
-                          <a:endParaRPr lang="en-US" sz="1800" b="1" kern="1200" dirty="0">
-                            <a:solidFill>
-                              <a:schemeClr val="lt1"/>
-                            </a:solidFill>
-                            <a:latin typeface="+mn-lt"/>
-                            <a:ea typeface="+mn-ea"/>
-                            <a:cs typeface="+mn-cs"/>
-                          </a:endParaRPr>
-                        </a:p>
-                      </a:txBody>
-                      <a:tcPr anchor="ctr">
-                        <a:solidFill>
-                          <a:srgbClr val="A5A5A5"/>
-                        </a:solidFill>
-                      </a:tcPr>
-                    </a:tc>
-                    <a:tc>
-                      <a:txBody>
-                        <a:bodyPr/>
-                        <a:lstStyle/>
-                        <a:p>
-                          <a:pPr marL="0" algn="ctr" defTabSz="914400" rtl="0" eaLnBrk="1" latinLnBrk="0" hangingPunct="1"/>
-                          <a:endParaRPr lang="en-US" sz="1800" b="1" kern="1200" dirty="0">
-                            <a:solidFill>
-                              <a:schemeClr val="lt1"/>
-                            </a:solidFill>
-                            <a:latin typeface="+mn-lt"/>
-                            <a:ea typeface="+mn-ea"/>
-                            <a:cs typeface="+mn-cs"/>
-                          </a:endParaRPr>
-                        </a:p>
-                      </a:txBody>
-                      <a:tcPr anchor="ctr">
-                        <a:solidFill>
-                          <a:srgbClr val="A5A5A5"/>
-                        </a:solidFill>
-                      </a:tcPr>
-                    </a:tc>
-                    <a:tc>
-                      <a:txBody>
-                        <a:bodyPr/>
-                        <a:lstStyle/>
-                        <a:p>
-                          <a:pPr marL="0" algn="ctr" defTabSz="914400" rtl="0" eaLnBrk="1" latinLnBrk="0" hangingPunct="1"/>
-                          <a:r>
-                            <a:rPr lang="fr-FR" sz="1800" b="1" kern="1200" dirty="0" smtClean="0">
-                              <a:solidFill>
-                                <a:schemeClr val="lt1"/>
-                              </a:solidFill>
-                              <a:latin typeface="+mn-lt"/>
-                              <a:ea typeface="+mn-ea"/>
-                              <a:cs typeface="+mn-cs"/>
-                            </a:rPr>
-                            <a:t>ISO VG 46</a:t>
-                          </a:r>
-                          <a:endParaRPr lang="en-US" sz="1800" b="1" kern="1200" dirty="0">
-                            <a:solidFill>
-                              <a:schemeClr val="lt1"/>
-                            </a:solidFill>
-                            <a:latin typeface="+mn-lt"/>
-                            <a:ea typeface="+mn-ea"/>
-                            <a:cs typeface="+mn-cs"/>
-                          </a:endParaRPr>
-                        </a:p>
-                      </a:txBody>
-                      <a:tcPr anchor="ctr">
-                        <a:solidFill>
-                          <a:srgbClr val="A5A5A5"/>
-                        </a:solidFill>
-                      </a:tcPr>
-                    </a:tc>
-                    <a:extLst>
-                      <a:ext uri="{0D108BD9-81ED-4DB2-BD59-A6C34878D82A}">
-                        <a16:rowId xmlns:a16="http://schemas.microsoft.com/office/drawing/2014/main" val="2472454817"/>
-                      </a:ext>
-                    </a:extLst>
-                  </a:tr>
-                  <a:tr h="426840">
-                    <a:tc>
-                      <a:txBody>
-                        <a:bodyPr/>
-                        <a:lstStyle/>
-                        <a:p>
-                          <a:pPr algn="ctr"/>
-                          <a:r>
-                            <a:rPr lang="fr-FR" sz="1800" dirty="0" smtClean="0"/>
-                            <a:t>Température</a:t>
-                          </a:r>
-                          <a:r>
-                            <a:rPr lang="fr-FR" sz="1800" baseline="0" dirty="0" smtClean="0"/>
-                            <a:t> d’alimentation du lubrifiant</a:t>
-                          </a:r>
-                          <a:endParaRPr lang="en-US" sz="1800" dirty="0"/>
-                        </a:p>
-                      </a:txBody>
-                      <a:tcPr anchor="ctr"/>
-                    </a:tc>
-                    <a:tc>
-                      <a:txBody>
-                        <a:bodyPr/>
-                        <a:lstStyle/>
-                        <a:p>
-                          <a:endParaRPr lang="en-US"/>
-                        </a:p>
-                      </a:txBody>
-                      <a:tcPr anchor="ctr">
-                        <a:blipFill>
-                          <a:blip r:embed="rId2"/>
-                          <a:stretch>
-                            <a:fillRect l="-273356" t="-1014286" r="-153979" b="-387143"/>
-                          </a:stretch>
-                        </a:blipFill>
-                      </a:tcPr>
-                    </a:tc>
-                    <a:tc>
-                      <a:txBody>
-                        <a:bodyPr/>
-                        <a:lstStyle/>
-                        <a:p>
-                          <a:pPr algn="ctr"/>
-                          <a:r>
-                            <a:rPr lang="fr-FR" sz="1800" dirty="0" smtClean="0"/>
-                            <a:t>43°C</a:t>
-                          </a:r>
-                          <a:endParaRPr lang="en-US" sz="1800" dirty="0"/>
-                        </a:p>
-                      </a:txBody>
-                      <a:tcPr anchor="ctr"/>
-                    </a:tc>
-                    <a:extLst>
-                      <a:ext uri="{0D108BD9-81ED-4DB2-BD59-A6C34878D82A}">
-                        <a16:rowId xmlns:a16="http://schemas.microsoft.com/office/drawing/2014/main" val="4131336601"/>
-                      </a:ext>
-                    </a:extLst>
-                  </a:tr>
-                  <a:tr h="365760">
-                    <a:tc>
-                      <a:txBody>
-                        <a:bodyPr/>
-                        <a:lstStyle/>
-                        <a:p>
-                          <a:pPr algn="ctr"/>
-                          <a:r>
-                            <a:rPr lang="fr-FR" sz="1800" dirty="0" smtClean="0"/>
-                            <a:t>Pression d’alimentation du </a:t>
-                          </a:r>
-                          <a:r>
-                            <a:rPr lang="fr-FR" sz="1800" dirty="0" err="1" smtClean="0"/>
-                            <a:t>lubrificant</a:t>
-                          </a:r>
-                          <a:endParaRPr lang="en-US" sz="1800" dirty="0"/>
-                        </a:p>
-                      </a:txBody>
-                      <a:tcPr anchor="ctr"/>
-                    </a:tc>
-                    <a:tc>
-                      <a:txBody>
-                        <a:bodyPr/>
-                        <a:lstStyle/>
-                        <a:p>
-                          <a:endParaRPr lang="en-US"/>
-                        </a:p>
-                      </a:txBody>
-                      <a:tcPr anchor="ctr">
-                        <a:blipFill>
-                          <a:blip r:embed="rId2"/>
-                          <a:stretch>
-                            <a:fillRect l="-273356" t="-1300000" r="-153979" b="-351667"/>
-                          </a:stretch>
-                        </a:blipFill>
-                      </a:tcPr>
-                    </a:tc>
-                    <a:tc>
-                      <a:txBody>
-                        <a:bodyPr/>
-                        <a:lstStyle/>
-                        <a:p>
-                          <a:pPr algn="ctr"/>
-                          <a:r>
-                            <a:rPr lang="fr-FR" sz="1800" dirty="0" smtClean="0"/>
-                            <a:t>0.17 </a:t>
-                          </a:r>
-                          <a:r>
-                            <a:rPr lang="fr-FR" sz="1800" dirty="0" err="1" smtClean="0"/>
-                            <a:t>MPa</a:t>
-                          </a:r>
-                          <a:endParaRPr lang="en-US" sz="1800" dirty="0"/>
-                        </a:p>
-                      </a:txBody>
-                      <a:tcPr anchor="ctr"/>
-                    </a:tc>
-                    <a:extLst>
-                      <a:ext uri="{0D108BD9-81ED-4DB2-BD59-A6C34878D82A}">
-                        <a16:rowId xmlns:a16="http://schemas.microsoft.com/office/drawing/2014/main" val="1566769430"/>
-                      </a:ext>
-                    </a:extLst>
-                  </a:tr>
-                  <a:tr h="365760">
-                    <a:tc>
-                      <a:txBody>
-                        <a:bodyPr/>
-                        <a:lstStyle/>
-                        <a:p>
-                          <a:pPr algn="ctr"/>
-                          <a:r>
-                            <a:rPr lang="fr-FR" sz="1800" dirty="0" smtClean="0"/>
-                            <a:t>Masse volumique du lubrifiant</a:t>
-                          </a:r>
-                          <a:endParaRPr lang="en-US" sz="1800" dirty="0"/>
-                        </a:p>
-                      </a:txBody>
-                      <a:tcPr anchor="ctr"/>
-                    </a:tc>
-                    <a:tc>
-                      <a:txBody>
-                        <a:bodyPr/>
-                        <a:lstStyle/>
-                        <a:p>
-                          <a:endParaRPr lang="en-US"/>
-                        </a:p>
-                      </a:txBody>
-                      <a:tcPr anchor="ctr">
-                        <a:blipFill>
-                          <a:blip r:embed="rId2"/>
-                          <a:stretch>
-                            <a:fillRect l="-273356" t="-1400000" r="-153979" b="-251667"/>
-                          </a:stretch>
-                        </a:blipFill>
-                      </a:tcPr>
-                    </a:tc>
-                    <a:tc>
-                      <a:txBody>
-                        <a:bodyPr/>
-                        <a:lstStyle/>
-                        <a:p>
-                          <a:endParaRPr lang="en-US"/>
-                        </a:p>
-                      </a:txBody>
-                      <a:tcPr anchor="ctr">
-                        <a:blipFill>
-                          <a:blip r:embed="rId2"/>
-                          <a:stretch>
-                            <a:fillRect l="-244671" t="-1400000" r="-907" b="-251667"/>
-                          </a:stretch>
-                        </a:blipFill>
-                      </a:tcPr>
-                    </a:tc>
-                    <a:extLst>
-                      <a:ext uri="{0D108BD9-81ED-4DB2-BD59-A6C34878D82A}">
-                        <a16:rowId xmlns:a16="http://schemas.microsoft.com/office/drawing/2014/main" val="3641553268"/>
-                      </a:ext>
-                    </a:extLst>
-                  </a:tr>
-                  <a:tr h="426840">
-                    <a:tc>
-                      <a:txBody>
-                        <a:bodyPr/>
-                        <a:lstStyle/>
-                        <a:p>
-                          <a:pPr algn="ctr"/>
-                          <a:r>
-                            <a:rPr lang="fr-FR" sz="1800" dirty="0" smtClean="0"/>
-                            <a:t>Viscosité dynamique du lubrifiant à 40°C</a:t>
-                          </a:r>
-                          <a:endParaRPr lang="en-US" sz="1800" dirty="0"/>
-                        </a:p>
-                      </a:txBody>
-                      <a:tcPr anchor="ctr"/>
-                    </a:tc>
-                    <a:tc>
-                      <a:txBody>
-                        <a:bodyPr/>
-                        <a:lstStyle/>
-                        <a:p>
-                          <a:endParaRPr lang="en-US"/>
-                        </a:p>
-                      </a:txBody>
-                      <a:tcPr anchor="ctr">
-                        <a:blipFill>
-                          <a:blip r:embed="rId2"/>
-                          <a:stretch>
-                            <a:fillRect l="-273356" t="-1285714" r="-153979" b="-115714"/>
-                          </a:stretch>
-                        </a:blipFill>
-                      </a:tcPr>
-                    </a:tc>
-                    <a:tc>
-                      <a:txBody>
-                        <a:bodyPr/>
-                        <a:lstStyle/>
-                        <a:p>
-                          <a:pPr algn="ctr"/>
-                          <a:r>
-                            <a:rPr lang="fr-FR" sz="1800" dirty="0" smtClean="0"/>
-                            <a:t>0.0416 </a:t>
-                          </a:r>
-                          <a:r>
-                            <a:rPr lang="fr-FR" sz="1800" dirty="0" err="1" smtClean="0"/>
-                            <a:t>Pa.s</a:t>
-                          </a:r>
-                          <a:endParaRPr lang="en-US" sz="1800" dirty="0"/>
-                        </a:p>
-                      </a:txBody>
-                      <a:tcPr anchor="ctr"/>
-                    </a:tc>
-                    <a:extLst>
-                      <a:ext uri="{0D108BD9-81ED-4DB2-BD59-A6C34878D82A}">
-                        <a16:rowId xmlns:a16="http://schemas.microsoft.com/office/drawing/2014/main" val="802662070"/>
-                      </a:ext>
-                    </a:extLst>
-                  </a:tr>
-                  <a:tr h="426840">
-                    <a:tc>
-                      <a:txBody>
-                        <a:bodyPr/>
-                        <a:lstStyle/>
-                        <a:p>
-                          <a:pPr algn="ctr"/>
-                          <a:r>
-                            <a:rPr lang="fr-FR" sz="1800" dirty="0" smtClean="0"/>
-                            <a:t>Viscosité dynamique du lubrifiant à 60°C</a:t>
-                          </a:r>
-                          <a:endParaRPr lang="en-US" sz="1800" dirty="0"/>
-                        </a:p>
-                      </a:txBody>
-                      <a:tcPr anchor="ctr"/>
-                    </a:tc>
-                    <a:tc>
-                      <a:txBody>
-                        <a:bodyPr/>
-                        <a:lstStyle/>
-                        <a:p>
-                          <a:endParaRPr lang="en-US"/>
-                        </a:p>
-                      </a:txBody>
-                      <a:tcPr anchor="ctr">
-                        <a:blipFill>
-                          <a:blip r:embed="rId2"/>
-                          <a:stretch>
-                            <a:fillRect l="-273356" t="-1385714" r="-153979" b="-15714"/>
-                          </a:stretch>
-                        </a:blipFill>
-                      </a:tcPr>
-                    </a:tc>
-                    <a:tc>
-                      <a:txBody>
-                        <a:bodyPr/>
-                        <a:lstStyle/>
-                        <a:p>
-                          <a:pPr algn="ctr"/>
-                          <a:r>
-                            <a:rPr lang="fr-FR" sz="1800" dirty="0" smtClean="0"/>
-                            <a:t>0.0191 </a:t>
-                          </a:r>
-                          <a:r>
-                            <a:rPr lang="fr-FR" sz="1800" dirty="0" err="1" smtClean="0"/>
-                            <a:t>Pa.s</a:t>
-                          </a:r>
-                          <a:endParaRPr lang="en-US" sz="1800" dirty="0"/>
-                        </a:p>
-                      </a:txBody>
-                      <a:tcPr anchor="ctr"/>
-                    </a:tc>
-                    <a:extLst>
-                      <a:ext uri="{0D108BD9-81ED-4DB2-BD59-A6C34878D82A}">
-                        <a16:rowId xmlns:a16="http://schemas.microsoft.com/office/drawing/2014/main" val="3754366970"/>
-                      </a:ext>
-                    </a:extLst>
-                  </a:tr>
-                </a:tbl>
-              </a:graphicData>
-            </a:graphic>
-          </p:graphicFrame>
-        </mc:Fallback>
-      </mc:AlternateContent>
+      <p:pic>
+        <p:nvPicPr>
+          <p:cNvPr id="5" name="Image 4"/>
+          <p:cNvPicPr>
+            <a:picLocks noChangeAspect="1"/>
+          </p:cNvPicPr>
+          <p:nvPr/>
+        </p:nvPicPr>
+        <p:blipFill>
+          <a:blip r:embed="rId2">
+            <a:extLst>
+              <a:ext uri="{28A0092B-C50C-407E-A947-70E740481C1C}">
+                <a14:useLocalDpi xmlns:a14="http://schemas.microsoft.com/office/drawing/2010/main" val="0"/>
+              </a:ext>
+            </a:extLst>
+          </a:blip>
+          <a:stretch>
+            <a:fillRect/>
+          </a:stretch>
+        </p:blipFill>
+        <p:spPr>
+          <a:xfrm>
+            <a:off x="1584845" y="1058238"/>
+            <a:ext cx="9846868" cy="4200882"/>
+          </a:xfrm>
+          <a:prstGeom prst="rect">
+            <a:avLst/>
+          </a:prstGeom>
+        </p:spPr>
+      </p:pic>
     </p:spTree>
     <p:extLst>
       <p:ext uri="{BB962C8B-B14F-4D97-AF65-F5344CB8AC3E}">
-        <p14:creationId xmlns:p14="http://schemas.microsoft.com/office/powerpoint/2010/main" val="1880846869"/>
+        <p14:creationId xmlns:p14="http://schemas.microsoft.com/office/powerpoint/2010/main" val="3333306725"/>
       </p:ext>
     </p:extLst>
   </p:cSld>
